--- a/Presentation.pptx
+++ b/Presentation.pptx
@@ -4,23 +4,30 @@
   <p:sldMasterIdLst>
     <p:sldMasterId id="2147483660" r:id="rId1"/>
   </p:sldMasterIdLst>
+  <p:notesMasterIdLst>
+    <p:notesMasterId r:id="rId22"/>
+  </p:notesMasterIdLst>
   <p:sldIdLst>
     <p:sldId id="256" r:id="rId2"/>
-    <p:sldId id="286" r:id="rId3"/>
-    <p:sldId id="272" r:id="rId4"/>
+    <p:sldId id="289" r:id="rId3"/>
+    <p:sldId id="286" r:id="rId4"/>
     <p:sldId id="273" r:id="rId5"/>
-    <p:sldId id="274" r:id="rId6"/>
-    <p:sldId id="275" r:id="rId7"/>
-    <p:sldId id="276" r:id="rId8"/>
-    <p:sldId id="277" r:id="rId9"/>
-    <p:sldId id="278" r:id="rId10"/>
-    <p:sldId id="279" r:id="rId11"/>
-    <p:sldId id="280" r:id="rId12"/>
-    <p:sldId id="281" r:id="rId13"/>
-    <p:sldId id="282" r:id="rId14"/>
-    <p:sldId id="283" r:id="rId15"/>
-    <p:sldId id="284" r:id="rId16"/>
-    <p:sldId id="285" r:id="rId17"/>
+    <p:sldId id="287" r:id="rId6"/>
+    <p:sldId id="288" r:id="rId7"/>
+    <p:sldId id="274" r:id="rId8"/>
+    <p:sldId id="275" r:id="rId9"/>
+    <p:sldId id="276" r:id="rId10"/>
+    <p:sldId id="277" r:id="rId11"/>
+    <p:sldId id="278" r:id="rId12"/>
+    <p:sldId id="279" r:id="rId13"/>
+    <p:sldId id="280" r:id="rId14"/>
+    <p:sldId id="281" r:id="rId15"/>
+    <p:sldId id="282" r:id="rId16"/>
+    <p:sldId id="283" r:id="rId17"/>
+    <p:sldId id="284" r:id="rId18"/>
+    <p:sldId id="285" r:id="rId19"/>
+    <p:sldId id="290" r:id="rId20"/>
+    <p:sldId id="291" r:id="rId21"/>
   </p:sldIdLst>
   <p:sldSz cx="12192000" cy="6858000"/>
   <p:notesSz cx="6858000" cy="9144000"/>
@@ -125,9 +132,11 @@
         <p14:section name="Default Section" id="{0ED55291-1338-4005-B461-ABFEBF93326D}">
           <p14:sldIdLst>
             <p14:sldId id="256"/>
+            <p14:sldId id="289"/>
             <p14:sldId id="286"/>
-            <p14:sldId id="272"/>
             <p14:sldId id="273"/>
+            <p14:sldId id="287"/>
+            <p14:sldId id="288"/>
             <p14:sldId id="274"/>
             <p14:sldId id="275"/>
             <p14:sldId id="276"/>
@@ -140,9 +149,14 @@
             <p14:sldId id="283"/>
             <p14:sldId id="284"/>
             <p14:sldId id="285"/>
+            <p14:sldId id="290"/>
+            <p14:sldId id="291"/>
           </p14:sldIdLst>
         </p14:section>
       </p14:sectionLst>
+    </p:ext>
+    <p:ext uri="{EFAFB233-063F-42B5-8137-9DF3F51BA10A}">
+      <p15:sldGuideLst xmlns:p15="http://schemas.microsoft.com/office/powerpoint/2012/main"/>
     </p:ext>
   </p:extLst>
 </p:presentation>
@@ -150,6 +164,692 @@
 
 <file path=ppt/revisionInfo.xml><?xml version="1.0" encoding="utf-8"?>
 <p1510:revInfo xmlns:a="http://schemas.openxmlformats.org/drawingml/2006/main" xmlns:r="http://schemas.openxmlformats.org/officeDocument/2006/relationships" xmlns:p1510="http://schemas.microsoft.com/office/powerpoint/2015/10/main"/>
+</file>
+
+<file path=ppt/notesMasters/notesMaster1.xml><?xml version="1.0" encoding="utf-8"?>
+<p:notesMaster xmlns:a="http://schemas.openxmlformats.org/drawingml/2006/main" xmlns:r="http://schemas.openxmlformats.org/officeDocument/2006/relationships" xmlns:p="http://schemas.openxmlformats.org/presentationml/2006/main">
+  <p:cSld>
+    <p:bg>
+      <p:bgRef idx="1001">
+        <a:schemeClr val="bg1"/>
+      </p:bgRef>
+    </p:bg>
+    <p:spTree>
+      <p:nvGrpSpPr>
+        <p:cNvPr id="1" name=""/>
+        <p:cNvGrpSpPr/>
+        <p:nvPr/>
+      </p:nvGrpSpPr>
+      <p:grpSpPr>
+        <a:xfrm>
+          <a:off x="0" y="0"/>
+          <a:ext cx="0" cy="0"/>
+          <a:chOff x="0" y="0"/>
+          <a:chExt cx="0" cy="0"/>
+        </a:xfrm>
+      </p:grpSpPr>
+      <p:sp>
+        <p:nvSpPr>
+          <p:cNvPr id="2" name="Header Placeholder 1"/>
+          <p:cNvSpPr>
+            <a:spLocks noGrp="1"/>
+          </p:cNvSpPr>
+          <p:nvPr>
+            <p:ph type="hdr" sz="quarter"/>
+          </p:nvPr>
+        </p:nvSpPr>
+        <p:spPr>
+          <a:xfrm>
+            <a:off x="0" y="0"/>
+            <a:ext cx="2971800" cy="458788"/>
+          </a:xfrm>
+          <a:prstGeom prst="rect">
+            <a:avLst/>
+          </a:prstGeom>
+        </p:spPr>
+        <p:txBody>
+          <a:bodyPr vert="horz" lIns="91440" tIns="45720" rIns="91440" bIns="45720" rtlCol="0"/>
+          <a:lstStyle>
+            <a:lvl1pPr algn="l">
+              <a:defRPr sz="1200"/>
+            </a:lvl1pPr>
+          </a:lstStyle>
+          <a:p>
+            <a:endParaRPr lang="en-GB"/>
+          </a:p>
+        </p:txBody>
+      </p:sp>
+      <p:sp>
+        <p:nvSpPr>
+          <p:cNvPr id="3" name="Date Placeholder 2"/>
+          <p:cNvSpPr>
+            <a:spLocks noGrp="1"/>
+          </p:cNvSpPr>
+          <p:nvPr>
+            <p:ph type="dt" idx="1"/>
+          </p:nvPr>
+        </p:nvSpPr>
+        <p:spPr>
+          <a:xfrm>
+            <a:off x="3884613" y="0"/>
+            <a:ext cx="2971800" cy="458788"/>
+          </a:xfrm>
+          <a:prstGeom prst="rect">
+            <a:avLst/>
+          </a:prstGeom>
+        </p:spPr>
+        <p:txBody>
+          <a:bodyPr vert="horz" lIns="91440" tIns="45720" rIns="91440" bIns="45720" rtlCol="0"/>
+          <a:lstStyle>
+            <a:lvl1pPr algn="r">
+              <a:defRPr sz="1200"/>
+            </a:lvl1pPr>
+          </a:lstStyle>
+          <a:p>
+            <a:fld id="{6A5540B2-652F-4A41-9C7B-AA8B5C9F5541}" type="datetimeFigureOut">
+              <a:rPr lang="en-GB" smtClean="0"/>
+              <a:t>20/02/2018</a:t>
+            </a:fld>
+            <a:endParaRPr lang="en-GB"/>
+          </a:p>
+        </p:txBody>
+      </p:sp>
+      <p:sp>
+        <p:nvSpPr>
+          <p:cNvPr id="4" name="Slide Image Placeholder 3"/>
+          <p:cNvSpPr>
+            <a:spLocks noGrp="1" noRot="1" noChangeAspect="1"/>
+          </p:cNvSpPr>
+          <p:nvPr>
+            <p:ph type="sldImg" idx="2"/>
+          </p:nvPr>
+        </p:nvSpPr>
+        <p:spPr>
+          <a:xfrm>
+            <a:off x="685800" y="1143000"/>
+            <a:ext cx="5486400" cy="3086100"/>
+          </a:xfrm>
+          <a:prstGeom prst="rect">
+            <a:avLst/>
+          </a:prstGeom>
+          <a:noFill/>
+          <a:ln w="12700">
+            <a:solidFill>
+              <a:prstClr val="black"/>
+            </a:solidFill>
+          </a:ln>
+        </p:spPr>
+        <p:txBody>
+          <a:bodyPr vert="horz" lIns="91440" tIns="45720" rIns="91440" bIns="45720" rtlCol="0" anchor="ctr"/>
+          <a:lstStyle/>
+          <a:p>
+            <a:endParaRPr lang="en-GB"/>
+          </a:p>
+        </p:txBody>
+      </p:sp>
+      <p:sp>
+        <p:nvSpPr>
+          <p:cNvPr id="5" name="Notes Placeholder 4"/>
+          <p:cNvSpPr>
+            <a:spLocks noGrp="1"/>
+          </p:cNvSpPr>
+          <p:nvPr>
+            <p:ph type="body" sz="quarter" idx="3"/>
+          </p:nvPr>
+        </p:nvSpPr>
+        <p:spPr>
+          <a:xfrm>
+            <a:off x="685800" y="4400550"/>
+            <a:ext cx="5486400" cy="3600450"/>
+          </a:xfrm>
+          <a:prstGeom prst="rect">
+            <a:avLst/>
+          </a:prstGeom>
+        </p:spPr>
+        <p:txBody>
+          <a:bodyPr vert="horz" lIns="91440" tIns="45720" rIns="91440" bIns="45720" rtlCol="0"/>
+          <a:lstStyle/>
+          <a:p>
+            <a:pPr lvl="0"/>
+            <a:r>
+              <a:rPr lang="en-US"/>
+              <a:t>Edit Master text styles</a:t>
+            </a:r>
+          </a:p>
+          <a:p>
+            <a:pPr lvl="1"/>
+            <a:r>
+              <a:rPr lang="en-US"/>
+              <a:t>Second level</a:t>
+            </a:r>
+          </a:p>
+          <a:p>
+            <a:pPr lvl="2"/>
+            <a:r>
+              <a:rPr lang="en-US"/>
+              <a:t>Third level</a:t>
+            </a:r>
+          </a:p>
+          <a:p>
+            <a:pPr lvl="3"/>
+            <a:r>
+              <a:rPr lang="en-US"/>
+              <a:t>Fourth level</a:t>
+            </a:r>
+          </a:p>
+          <a:p>
+            <a:pPr lvl="4"/>
+            <a:r>
+              <a:rPr lang="en-US"/>
+              <a:t>Fifth level</a:t>
+            </a:r>
+            <a:endParaRPr lang="en-GB"/>
+          </a:p>
+        </p:txBody>
+      </p:sp>
+      <p:sp>
+        <p:nvSpPr>
+          <p:cNvPr id="6" name="Footer Placeholder 5"/>
+          <p:cNvSpPr>
+            <a:spLocks noGrp="1"/>
+          </p:cNvSpPr>
+          <p:nvPr>
+            <p:ph type="ftr" sz="quarter" idx="4"/>
+          </p:nvPr>
+        </p:nvSpPr>
+        <p:spPr>
+          <a:xfrm>
+            <a:off x="0" y="8685213"/>
+            <a:ext cx="2971800" cy="458787"/>
+          </a:xfrm>
+          <a:prstGeom prst="rect">
+            <a:avLst/>
+          </a:prstGeom>
+        </p:spPr>
+        <p:txBody>
+          <a:bodyPr vert="horz" lIns="91440" tIns="45720" rIns="91440" bIns="45720" rtlCol="0" anchor="b"/>
+          <a:lstStyle>
+            <a:lvl1pPr algn="l">
+              <a:defRPr sz="1200"/>
+            </a:lvl1pPr>
+          </a:lstStyle>
+          <a:p>
+            <a:endParaRPr lang="en-GB"/>
+          </a:p>
+        </p:txBody>
+      </p:sp>
+      <p:sp>
+        <p:nvSpPr>
+          <p:cNvPr id="7" name="Slide Number Placeholder 6"/>
+          <p:cNvSpPr>
+            <a:spLocks noGrp="1"/>
+          </p:cNvSpPr>
+          <p:nvPr>
+            <p:ph type="sldNum" sz="quarter" idx="5"/>
+          </p:nvPr>
+        </p:nvSpPr>
+        <p:spPr>
+          <a:xfrm>
+            <a:off x="3884613" y="8685213"/>
+            <a:ext cx="2971800" cy="458787"/>
+          </a:xfrm>
+          <a:prstGeom prst="rect">
+            <a:avLst/>
+          </a:prstGeom>
+        </p:spPr>
+        <p:txBody>
+          <a:bodyPr vert="horz" lIns="91440" tIns="45720" rIns="91440" bIns="45720" rtlCol="0" anchor="b"/>
+          <a:lstStyle>
+            <a:lvl1pPr algn="r">
+              <a:defRPr sz="1200"/>
+            </a:lvl1pPr>
+          </a:lstStyle>
+          <a:p>
+            <a:fld id="{D8D247D5-E5FD-4D98-9008-338DDEB6C507}" type="slidenum">
+              <a:rPr lang="en-GB" smtClean="0"/>
+              <a:t>‹#›</a:t>
+            </a:fld>
+            <a:endParaRPr lang="en-GB"/>
+          </a:p>
+        </p:txBody>
+      </p:sp>
+    </p:spTree>
+    <p:extLst>
+      <p:ext uri="{BB962C8B-B14F-4D97-AF65-F5344CB8AC3E}">
+        <p14:creationId xmlns:p14="http://schemas.microsoft.com/office/powerpoint/2010/main" val="1561093147"/>
+      </p:ext>
+    </p:extLst>
+  </p:cSld>
+  <p:clrMap bg1="lt1" tx1="dk1" bg2="lt2" tx2="dk2" accent1="accent1" accent2="accent2" accent3="accent3" accent4="accent4" accent5="accent5" accent6="accent6" hlink="hlink" folHlink="folHlink"/>
+  <p:notesStyle>
+    <a:lvl1pPr marL="0" algn="l" defTabSz="914400" rtl="0" eaLnBrk="1" latinLnBrk="0" hangingPunct="1">
+      <a:defRPr sz="1200" kern="1200">
+        <a:solidFill>
+          <a:schemeClr val="tx1"/>
+        </a:solidFill>
+        <a:latin typeface="+mn-lt"/>
+        <a:ea typeface="+mn-ea"/>
+        <a:cs typeface="+mn-cs"/>
+      </a:defRPr>
+    </a:lvl1pPr>
+    <a:lvl2pPr marL="457200" algn="l" defTabSz="914400" rtl="0" eaLnBrk="1" latinLnBrk="0" hangingPunct="1">
+      <a:defRPr sz="1200" kern="1200">
+        <a:solidFill>
+          <a:schemeClr val="tx1"/>
+        </a:solidFill>
+        <a:latin typeface="+mn-lt"/>
+        <a:ea typeface="+mn-ea"/>
+        <a:cs typeface="+mn-cs"/>
+      </a:defRPr>
+    </a:lvl2pPr>
+    <a:lvl3pPr marL="914400" algn="l" defTabSz="914400" rtl="0" eaLnBrk="1" latinLnBrk="0" hangingPunct="1">
+      <a:defRPr sz="1200" kern="1200">
+        <a:solidFill>
+          <a:schemeClr val="tx1"/>
+        </a:solidFill>
+        <a:latin typeface="+mn-lt"/>
+        <a:ea typeface="+mn-ea"/>
+        <a:cs typeface="+mn-cs"/>
+      </a:defRPr>
+    </a:lvl3pPr>
+    <a:lvl4pPr marL="1371600" algn="l" defTabSz="914400" rtl="0" eaLnBrk="1" latinLnBrk="0" hangingPunct="1">
+      <a:defRPr sz="1200" kern="1200">
+        <a:solidFill>
+          <a:schemeClr val="tx1"/>
+        </a:solidFill>
+        <a:latin typeface="+mn-lt"/>
+        <a:ea typeface="+mn-ea"/>
+        <a:cs typeface="+mn-cs"/>
+      </a:defRPr>
+    </a:lvl4pPr>
+    <a:lvl5pPr marL="1828800" algn="l" defTabSz="914400" rtl="0" eaLnBrk="1" latinLnBrk="0" hangingPunct="1">
+      <a:defRPr sz="1200" kern="1200">
+        <a:solidFill>
+          <a:schemeClr val="tx1"/>
+        </a:solidFill>
+        <a:latin typeface="+mn-lt"/>
+        <a:ea typeface="+mn-ea"/>
+        <a:cs typeface="+mn-cs"/>
+      </a:defRPr>
+    </a:lvl5pPr>
+    <a:lvl6pPr marL="2286000" algn="l" defTabSz="914400" rtl="0" eaLnBrk="1" latinLnBrk="0" hangingPunct="1">
+      <a:defRPr sz="1200" kern="1200">
+        <a:solidFill>
+          <a:schemeClr val="tx1"/>
+        </a:solidFill>
+        <a:latin typeface="+mn-lt"/>
+        <a:ea typeface="+mn-ea"/>
+        <a:cs typeface="+mn-cs"/>
+      </a:defRPr>
+    </a:lvl6pPr>
+    <a:lvl7pPr marL="2743200" algn="l" defTabSz="914400" rtl="0" eaLnBrk="1" latinLnBrk="0" hangingPunct="1">
+      <a:defRPr sz="1200" kern="1200">
+        <a:solidFill>
+          <a:schemeClr val="tx1"/>
+        </a:solidFill>
+        <a:latin typeface="+mn-lt"/>
+        <a:ea typeface="+mn-ea"/>
+        <a:cs typeface="+mn-cs"/>
+      </a:defRPr>
+    </a:lvl7pPr>
+    <a:lvl8pPr marL="3200400" algn="l" defTabSz="914400" rtl="0" eaLnBrk="1" latinLnBrk="0" hangingPunct="1">
+      <a:defRPr sz="1200" kern="1200">
+        <a:solidFill>
+          <a:schemeClr val="tx1"/>
+        </a:solidFill>
+        <a:latin typeface="+mn-lt"/>
+        <a:ea typeface="+mn-ea"/>
+        <a:cs typeface="+mn-cs"/>
+      </a:defRPr>
+    </a:lvl8pPr>
+    <a:lvl9pPr marL="3657600" algn="l" defTabSz="914400" rtl="0" eaLnBrk="1" latinLnBrk="0" hangingPunct="1">
+      <a:defRPr sz="1200" kern="1200">
+        <a:solidFill>
+          <a:schemeClr val="tx1"/>
+        </a:solidFill>
+        <a:latin typeface="+mn-lt"/>
+        <a:ea typeface="+mn-ea"/>
+        <a:cs typeface="+mn-cs"/>
+      </a:defRPr>
+    </a:lvl9pPr>
+  </p:notesStyle>
+</p:notesMaster>
+</file>
+
+<file path=ppt/notesSlides/notesSlide1.xml><?xml version="1.0" encoding="utf-8"?>
+<p:notes xmlns:a="http://schemas.openxmlformats.org/drawingml/2006/main" xmlns:r="http://schemas.openxmlformats.org/officeDocument/2006/relationships" xmlns:p="http://schemas.openxmlformats.org/presentationml/2006/main">
+  <p:cSld>
+    <p:spTree>
+      <p:nvGrpSpPr>
+        <p:cNvPr id="1" name=""/>
+        <p:cNvGrpSpPr/>
+        <p:nvPr/>
+      </p:nvGrpSpPr>
+      <p:grpSpPr>
+        <a:xfrm>
+          <a:off x="0" y="0"/>
+          <a:ext cx="0" cy="0"/>
+          <a:chOff x="0" y="0"/>
+          <a:chExt cx="0" cy="0"/>
+        </a:xfrm>
+      </p:grpSpPr>
+      <p:sp>
+        <p:nvSpPr>
+          <p:cNvPr id="2" name="Slide Image Placeholder 1"/>
+          <p:cNvSpPr>
+            <a:spLocks noGrp="1" noRot="1" noChangeAspect="1"/>
+          </p:cNvSpPr>
+          <p:nvPr>
+            <p:ph type="sldImg"/>
+          </p:nvPr>
+        </p:nvSpPr>
+        <p:spPr/>
+      </p:sp>
+      <p:sp>
+        <p:nvSpPr>
+          <p:cNvPr id="3" name="Notes Placeholder 2"/>
+          <p:cNvSpPr>
+            <a:spLocks noGrp="1"/>
+          </p:cNvSpPr>
+          <p:nvPr>
+            <p:ph type="body" idx="1"/>
+          </p:nvPr>
+        </p:nvSpPr>
+        <p:spPr/>
+        <p:txBody>
+          <a:bodyPr/>
+          <a:lstStyle/>
+          <a:p>
+            <a:endParaRPr lang="en-GB" dirty="0"/>
+          </a:p>
+        </p:txBody>
+      </p:sp>
+      <p:sp>
+        <p:nvSpPr>
+          <p:cNvPr id="4" name="Slide Number Placeholder 3"/>
+          <p:cNvSpPr>
+            <a:spLocks noGrp="1"/>
+          </p:cNvSpPr>
+          <p:nvPr>
+            <p:ph type="sldNum" sz="quarter" idx="10"/>
+          </p:nvPr>
+        </p:nvSpPr>
+        <p:spPr/>
+        <p:txBody>
+          <a:bodyPr/>
+          <a:lstStyle/>
+          <a:p>
+            <a:fld id="{D8D247D5-E5FD-4D98-9008-338DDEB6C507}" type="slidenum">
+              <a:rPr lang="en-GB" smtClean="0"/>
+              <a:t>2</a:t>
+            </a:fld>
+            <a:endParaRPr lang="en-GB"/>
+          </a:p>
+        </p:txBody>
+      </p:sp>
+    </p:spTree>
+    <p:extLst>
+      <p:ext uri="{BB962C8B-B14F-4D97-AF65-F5344CB8AC3E}">
+        <p14:creationId xmlns:p14="http://schemas.microsoft.com/office/powerpoint/2010/main" val="3168417260"/>
+      </p:ext>
+    </p:extLst>
+  </p:cSld>
+  <p:clrMapOvr>
+    <a:masterClrMapping/>
+  </p:clrMapOvr>
+</p:notes>
+</file>
+
+<file path=ppt/notesSlides/notesSlide2.xml><?xml version="1.0" encoding="utf-8"?>
+<p:notes xmlns:a="http://schemas.openxmlformats.org/drawingml/2006/main" xmlns:r="http://schemas.openxmlformats.org/officeDocument/2006/relationships" xmlns:p="http://schemas.openxmlformats.org/presentationml/2006/main">
+  <p:cSld>
+    <p:spTree>
+      <p:nvGrpSpPr>
+        <p:cNvPr id="1" name=""/>
+        <p:cNvGrpSpPr/>
+        <p:nvPr/>
+      </p:nvGrpSpPr>
+      <p:grpSpPr>
+        <a:xfrm>
+          <a:off x="0" y="0"/>
+          <a:ext cx="0" cy="0"/>
+          <a:chOff x="0" y="0"/>
+          <a:chExt cx="0" cy="0"/>
+        </a:xfrm>
+      </p:grpSpPr>
+      <p:sp>
+        <p:nvSpPr>
+          <p:cNvPr id="2" name="Slide Image Placeholder 1"/>
+          <p:cNvSpPr>
+            <a:spLocks noGrp="1" noRot="1" noChangeAspect="1"/>
+          </p:cNvSpPr>
+          <p:nvPr>
+            <p:ph type="sldImg"/>
+          </p:nvPr>
+        </p:nvSpPr>
+        <p:spPr/>
+      </p:sp>
+      <p:sp>
+        <p:nvSpPr>
+          <p:cNvPr id="3" name="Notes Placeholder 2"/>
+          <p:cNvSpPr>
+            <a:spLocks noGrp="1"/>
+          </p:cNvSpPr>
+          <p:nvPr>
+            <p:ph type="body" idx="1"/>
+          </p:nvPr>
+        </p:nvSpPr>
+        <p:spPr/>
+        <p:txBody>
+          <a:bodyPr/>
+          <a:lstStyle/>
+          <a:p>
+            <a:endParaRPr lang="en-GB" dirty="0"/>
+          </a:p>
+        </p:txBody>
+      </p:sp>
+      <p:sp>
+        <p:nvSpPr>
+          <p:cNvPr id="4" name="Slide Number Placeholder 3"/>
+          <p:cNvSpPr>
+            <a:spLocks noGrp="1"/>
+          </p:cNvSpPr>
+          <p:nvPr>
+            <p:ph type="sldNum" sz="quarter" idx="10"/>
+          </p:nvPr>
+        </p:nvSpPr>
+        <p:spPr/>
+        <p:txBody>
+          <a:bodyPr/>
+          <a:lstStyle/>
+          <a:p>
+            <a:fld id="{D8D247D5-E5FD-4D98-9008-338DDEB6C507}" type="slidenum">
+              <a:rPr lang="en-GB" smtClean="0"/>
+              <a:t>17</a:t>
+            </a:fld>
+            <a:endParaRPr lang="en-GB"/>
+          </a:p>
+        </p:txBody>
+      </p:sp>
+    </p:spTree>
+    <p:extLst>
+      <p:ext uri="{BB962C8B-B14F-4D97-AF65-F5344CB8AC3E}">
+        <p14:creationId xmlns:p14="http://schemas.microsoft.com/office/powerpoint/2010/main" val="2676916860"/>
+      </p:ext>
+    </p:extLst>
+  </p:cSld>
+  <p:clrMapOvr>
+    <a:masterClrMapping/>
+  </p:clrMapOvr>
+</p:notes>
+</file>
+
+<file path=ppt/notesSlides/notesSlide3.xml><?xml version="1.0" encoding="utf-8"?>
+<p:notes xmlns:a="http://schemas.openxmlformats.org/drawingml/2006/main" xmlns:r="http://schemas.openxmlformats.org/officeDocument/2006/relationships" xmlns:p="http://schemas.openxmlformats.org/presentationml/2006/main">
+  <p:cSld>
+    <p:spTree>
+      <p:nvGrpSpPr>
+        <p:cNvPr id="1" name=""/>
+        <p:cNvGrpSpPr/>
+        <p:nvPr/>
+      </p:nvGrpSpPr>
+      <p:grpSpPr>
+        <a:xfrm>
+          <a:off x="0" y="0"/>
+          <a:ext cx="0" cy="0"/>
+          <a:chOff x="0" y="0"/>
+          <a:chExt cx="0" cy="0"/>
+        </a:xfrm>
+      </p:grpSpPr>
+      <p:sp>
+        <p:nvSpPr>
+          <p:cNvPr id="2" name="Slide Image Placeholder 1"/>
+          <p:cNvSpPr>
+            <a:spLocks noGrp="1" noRot="1" noChangeAspect="1"/>
+          </p:cNvSpPr>
+          <p:nvPr>
+            <p:ph type="sldImg"/>
+          </p:nvPr>
+        </p:nvSpPr>
+        <p:spPr/>
+      </p:sp>
+      <p:sp>
+        <p:nvSpPr>
+          <p:cNvPr id="3" name="Notes Placeholder 2"/>
+          <p:cNvSpPr>
+            <a:spLocks noGrp="1"/>
+          </p:cNvSpPr>
+          <p:nvPr>
+            <p:ph type="body" idx="1"/>
+          </p:nvPr>
+        </p:nvSpPr>
+        <p:spPr/>
+        <p:txBody>
+          <a:bodyPr/>
+          <a:lstStyle/>
+          <a:p>
+            <a:endParaRPr lang="en-GB"/>
+          </a:p>
+        </p:txBody>
+      </p:sp>
+      <p:sp>
+        <p:nvSpPr>
+          <p:cNvPr id="4" name="Slide Number Placeholder 3"/>
+          <p:cNvSpPr>
+            <a:spLocks noGrp="1"/>
+          </p:cNvSpPr>
+          <p:nvPr>
+            <p:ph type="sldNum" sz="quarter" idx="10"/>
+          </p:nvPr>
+        </p:nvSpPr>
+        <p:spPr/>
+        <p:txBody>
+          <a:bodyPr/>
+          <a:lstStyle/>
+          <a:p>
+            <a:fld id="{D8D247D5-E5FD-4D98-9008-338DDEB6C507}" type="slidenum">
+              <a:rPr lang="en-GB" smtClean="0"/>
+              <a:t>18</a:t>
+            </a:fld>
+            <a:endParaRPr lang="en-GB"/>
+          </a:p>
+        </p:txBody>
+      </p:sp>
+    </p:spTree>
+    <p:extLst>
+      <p:ext uri="{BB962C8B-B14F-4D97-AF65-F5344CB8AC3E}">
+        <p14:creationId xmlns:p14="http://schemas.microsoft.com/office/powerpoint/2010/main" val="3417126088"/>
+      </p:ext>
+    </p:extLst>
+  </p:cSld>
+  <p:clrMapOvr>
+    <a:masterClrMapping/>
+  </p:clrMapOvr>
+</p:notes>
+</file>
+
+<file path=ppt/notesSlides/notesSlide4.xml><?xml version="1.0" encoding="utf-8"?>
+<p:notes xmlns:a="http://schemas.openxmlformats.org/drawingml/2006/main" xmlns:r="http://schemas.openxmlformats.org/officeDocument/2006/relationships" xmlns:p="http://schemas.openxmlformats.org/presentationml/2006/main">
+  <p:cSld>
+    <p:spTree>
+      <p:nvGrpSpPr>
+        <p:cNvPr id="1" name=""/>
+        <p:cNvGrpSpPr/>
+        <p:nvPr/>
+      </p:nvGrpSpPr>
+      <p:grpSpPr>
+        <a:xfrm>
+          <a:off x="0" y="0"/>
+          <a:ext cx="0" cy="0"/>
+          <a:chOff x="0" y="0"/>
+          <a:chExt cx="0" cy="0"/>
+        </a:xfrm>
+      </p:grpSpPr>
+      <p:sp>
+        <p:nvSpPr>
+          <p:cNvPr id="2" name="Slide Image Placeholder 1"/>
+          <p:cNvSpPr>
+            <a:spLocks noGrp="1" noRot="1" noChangeAspect="1"/>
+          </p:cNvSpPr>
+          <p:nvPr>
+            <p:ph type="sldImg"/>
+          </p:nvPr>
+        </p:nvSpPr>
+        <p:spPr/>
+      </p:sp>
+      <p:sp>
+        <p:nvSpPr>
+          <p:cNvPr id="3" name="Notes Placeholder 2"/>
+          <p:cNvSpPr>
+            <a:spLocks noGrp="1"/>
+          </p:cNvSpPr>
+          <p:nvPr>
+            <p:ph type="body" idx="1"/>
+          </p:nvPr>
+        </p:nvSpPr>
+        <p:spPr/>
+        <p:txBody>
+          <a:bodyPr/>
+          <a:lstStyle/>
+          <a:p>
+            <a:endParaRPr lang="en-GB"/>
+          </a:p>
+        </p:txBody>
+      </p:sp>
+      <p:sp>
+        <p:nvSpPr>
+          <p:cNvPr id="4" name="Slide Number Placeholder 3"/>
+          <p:cNvSpPr>
+            <a:spLocks noGrp="1"/>
+          </p:cNvSpPr>
+          <p:nvPr>
+            <p:ph type="sldNum" sz="quarter" idx="10"/>
+          </p:nvPr>
+        </p:nvSpPr>
+        <p:spPr/>
+        <p:txBody>
+          <a:bodyPr/>
+          <a:lstStyle/>
+          <a:p>
+            <a:fld id="{D8D247D5-E5FD-4D98-9008-338DDEB6C507}" type="slidenum">
+              <a:rPr lang="en-GB" smtClean="0"/>
+              <a:t>19</a:t>
+            </a:fld>
+            <a:endParaRPr lang="en-GB"/>
+          </a:p>
+        </p:txBody>
+      </p:sp>
+    </p:spTree>
+    <p:extLst>
+      <p:ext uri="{BB962C8B-B14F-4D97-AF65-F5344CB8AC3E}">
+        <p14:creationId xmlns:p14="http://schemas.microsoft.com/office/powerpoint/2010/main" val="3097815435"/>
+      </p:ext>
+    </p:extLst>
+  </p:cSld>
+  <p:clrMapOvr>
+    <a:masterClrMapping/>
+  </p:clrMapOvr>
+</p:notes>
 </file>
 
 <file path=ppt/slideLayouts/slideLayout1.xml><?xml version="1.0" encoding="utf-8"?>
@@ -321,7 +1021,7 @@
           <a:p>
             <a:fld id="{7755CC85-1475-4064-B921-9EA614CEF79B}" type="datetimeFigureOut">
               <a:rPr lang="en-GB" smtClean="0"/>
-              <a:t>19/02/2018</a:t>
+              <a:t>20/02/2018</a:t>
             </a:fld>
             <a:endParaRPr lang="en-GB"/>
           </a:p>
@@ -651,7 +1351,7 @@
           <a:p>
             <a:fld id="{7755CC85-1475-4064-B921-9EA614CEF79B}" type="datetimeFigureOut">
               <a:rPr lang="en-GB" smtClean="0"/>
-              <a:t>19/02/2018</a:t>
+              <a:t>20/02/2018</a:t>
             </a:fld>
             <a:endParaRPr lang="en-GB"/>
           </a:p>
@@ -831,7 +1531,7 @@
           <a:p>
             <a:fld id="{7755CC85-1475-4064-B921-9EA614CEF79B}" type="datetimeFigureOut">
               <a:rPr lang="en-GB" smtClean="0"/>
-              <a:t>19/02/2018</a:t>
+              <a:t>20/02/2018</a:t>
             </a:fld>
             <a:endParaRPr lang="en-GB"/>
           </a:p>
@@ -1001,7 +1701,7 @@
           <a:p>
             <a:fld id="{7755CC85-1475-4064-B921-9EA614CEF79B}" type="datetimeFigureOut">
               <a:rPr lang="en-GB" smtClean="0"/>
-              <a:t>19/02/2018</a:t>
+              <a:t>20/02/2018</a:t>
             </a:fld>
             <a:endParaRPr lang="en-GB"/>
           </a:p>
@@ -1278,7 +1978,7 @@
           <a:p>
             <a:fld id="{7755CC85-1475-4064-B921-9EA614CEF79B}" type="datetimeFigureOut">
               <a:rPr lang="en-GB" smtClean="0"/>
-              <a:t>19/02/2018</a:t>
+              <a:t>20/02/2018</a:t>
             </a:fld>
             <a:endParaRPr lang="en-GB"/>
           </a:p>
@@ -1672,7 +2372,7 @@
           <a:p>
             <a:fld id="{7755CC85-1475-4064-B921-9EA614CEF79B}" type="datetimeFigureOut">
               <a:rPr lang="en-GB" smtClean="0"/>
-              <a:t>19/02/2018</a:t>
+              <a:t>20/02/2018</a:t>
             </a:fld>
             <a:endParaRPr lang="en-GB"/>
           </a:p>
@@ -2149,7 +2849,7 @@
           <a:p>
             <a:fld id="{7755CC85-1475-4064-B921-9EA614CEF79B}" type="datetimeFigureOut">
               <a:rPr lang="en-GB" smtClean="0"/>
-              <a:t>19/02/2018</a:t>
+              <a:t>20/02/2018</a:t>
             </a:fld>
             <a:endParaRPr lang="en-GB"/>
           </a:p>
@@ -2267,7 +2967,7 @@
           <a:p>
             <a:fld id="{7755CC85-1475-4064-B921-9EA614CEF79B}" type="datetimeFigureOut">
               <a:rPr lang="en-GB" smtClean="0"/>
-              <a:t>19/02/2018</a:t>
+              <a:t>20/02/2018</a:t>
             </a:fld>
             <a:endParaRPr lang="en-GB"/>
           </a:p>
@@ -2362,7 +3062,7 @@
           <a:p>
             <a:fld id="{7755CC85-1475-4064-B921-9EA614CEF79B}" type="datetimeFigureOut">
               <a:rPr lang="en-GB" smtClean="0"/>
-              <a:t>19/02/2018</a:t>
+              <a:t>20/02/2018</a:t>
             </a:fld>
             <a:endParaRPr lang="en-GB"/>
           </a:p>
@@ -2708,7 +3408,7 @@
           <a:p>
             <a:fld id="{7755CC85-1475-4064-B921-9EA614CEF79B}" type="datetimeFigureOut">
               <a:rPr lang="en-GB" smtClean="0"/>
-              <a:t>19/02/2018</a:t>
+              <a:t>20/02/2018</a:t>
             </a:fld>
             <a:endParaRPr lang="en-GB"/>
           </a:p>
@@ -3096,7 +3796,7 @@
           <a:p>
             <a:fld id="{7755CC85-1475-4064-B921-9EA614CEF79B}" type="datetimeFigureOut">
               <a:rPr lang="en-GB" smtClean="0"/>
-              <a:t>19/02/2018</a:t>
+              <a:t>20/02/2018</a:t>
             </a:fld>
             <a:endParaRPr lang="en-GB"/>
           </a:p>
@@ -3374,7 +4074,7 @@
           <a:p>
             <a:fld id="{7755CC85-1475-4064-B921-9EA614CEF79B}" type="datetimeFigureOut">
               <a:rPr lang="en-GB" smtClean="0"/>
-              <a:t>19/02/2018</a:t>
+              <a:t>20/02/2018</a:t>
             </a:fld>
             <a:endParaRPr lang="en-GB"/>
           </a:p>
@@ -4011,7 +4711,7 @@
           <a:p>
             <a:r>
               <a:rPr lang="en-GB" dirty="0"/>
-              <a:t>Diamond-Square terrain generation</a:t>
+              <a:t>Population template generation</a:t>
             </a:r>
           </a:p>
         </p:txBody>
@@ -4032,8 +4732,8 @@
         </p:nvSpPr>
         <p:spPr>
           <a:xfrm>
-            <a:off x="879231" y="5629275"/>
-            <a:ext cx="11025776" cy="1104900"/>
+            <a:off x="879231" y="5343525"/>
+            <a:ext cx="11025776" cy="1390650"/>
           </a:xfrm>
           <a:prstGeom prst="rect">
             <a:avLst/>
@@ -4244,20 +4944,8 @@
               <a:buNone/>
             </a:pPr>
             <a:r>
-              <a:rPr lang="en-GB" sz="1000" dirty="0" err="1"/>
-              <a:t>Gabin</a:t>
-            </a:r>
-            <a:r>
-              <a:rPr lang="en-GB" sz="1000" dirty="0"/>
-              <a:t> S P Miller, 1998. “The definition and rendering of terrain maps”. </a:t>
-            </a:r>
-            <a:r>
-              <a:rPr lang="en-GB" sz="1000" i="1" dirty="0"/>
-              <a:t>SIGGRAPH ’86 Proceedings of the 13th annual conference on Computer graphics and interactive techniques</a:t>
-            </a:r>
-            <a:r>
-              <a:rPr lang="en-GB" sz="1000" dirty="0"/>
-              <a:t>, ACM, New York, NY, USA, pp. 39 – 48</a:t>
+              <a:rPr lang="en-GB" sz="1000" dirty="0"/>
+              <a:t>Kelly, G. McCabe, H. (2006). “A Survey of Procedural Techniques for City Generation”. In ITB Journal, No. 14.</a:t>
             </a:r>
           </a:p>
           <a:p>
@@ -4266,39 +4954,69 @@
             </a:pPr>
             <a:r>
               <a:rPr lang="en-GB" sz="1000" dirty="0"/>
-              <a:t>Martz, P. (1997). </a:t>
-            </a:r>
-            <a:r>
-              <a:rPr lang="en-GB" sz="1000" i="1" dirty="0"/>
-              <a:t>Generating Random Fractal Terrain.</a:t>
-            </a:r>
-            <a:r>
-              <a:rPr lang="en-GB" sz="1000" dirty="0"/>
-              <a:t> [Online] 1997. Available Online: </a:t>
-            </a:r>
-            <a:r>
-              <a:rPr lang="en-GB" sz="1000" dirty="0">
-                <a:hlinkClick r:id="rId2"/>
-              </a:rPr>
-              <a:t>http://www.gameprogrammer.com/fractal.html</a:t>
-            </a:r>
-            <a:endParaRPr lang="en-GB" sz="1000" dirty="0"/>
+              <a:t>Muller, P and Parish, Y, I, H. (2001). “Procedural </a:t>
+            </a:r>
+            <a:r>
+              <a:rPr lang="en-GB" sz="1000" dirty="0" err="1"/>
+              <a:t>modeling</a:t>
+            </a:r>
+            <a:r>
+              <a:rPr lang="en-GB" sz="1000" dirty="0"/>
+              <a:t> of cities”. In Proceedings of the 28th annual conference on Computer graphics and interactive techniques (SIGGRAPH ’01). </a:t>
+            </a:r>
+            <a:r>
+              <a:rPr lang="en-GB" sz="1000" dirty="0" err="1"/>
+              <a:t>Acm</a:t>
+            </a:r>
+            <a:r>
+              <a:rPr lang="en-GB" sz="1000" dirty="0"/>
+              <a:t>, New York, NY, USA. 301 – 308.</a:t>
+            </a:r>
           </a:p>
           <a:p>
             <a:pPr marL="0" indent="0" fontAlgn="base">
               <a:buNone/>
             </a:pPr>
             <a:r>
-              <a:rPr lang="en-GB" sz="1000" dirty="0"/>
-              <a:t>Rose, T and </a:t>
-            </a:r>
-            <a:r>
               <a:rPr lang="en-GB" sz="1000" dirty="0" err="1"/>
-              <a:t>Bakaoukas</a:t>
-            </a:r>
-            <a:r>
-              <a:rPr lang="en-GB" sz="1000" dirty="0"/>
-              <a:t>, A. (2016). “Algorithms and Approaches for Procedural Terrain Generation – A Brief Review of Current Techniques”. 2016 8th International Conference on Games and Virtual Worlds for Serious Applications (VS-GAMES). 1-2.</a:t>
+              <a:t>Samet</a:t>
+            </a:r>
+            <a:r>
+              <a:rPr lang="en-GB" sz="1000" dirty="0"/>
+              <a:t>, H. (1995). Spatial Data Structures. Addison-Wesley.</a:t>
+            </a:r>
+          </a:p>
+          <a:p>
+            <a:pPr marL="0" indent="0" fontAlgn="base">
+              <a:buNone/>
+            </a:pPr>
+            <a:r>
+              <a:rPr lang="en-GB" sz="1000" dirty="0"/>
+              <a:t>Sun, J. Yu, X. </a:t>
+            </a:r>
+            <a:r>
+              <a:rPr lang="en-GB" sz="1000" dirty="0" err="1"/>
+              <a:t>Baciu</a:t>
+            </a:r>
+            <a:r>
+              <a:rPr lang="en-GB" sz="1000" dirty="0"/>
+              <a:t>, G. Green, M. (2002). “Template-based generation of road networks for virtual city </a:t>
+            </a:r>
+            <a:r>
+              <a:rPr lang="en-GB" sz="1000" dirty="0" err="1"/>
+              <a:t>modeling</a:t>
+            </a:r>
+            <a:r>
+              <a:rPr lang="en-GB" sz="1000" dirty="0"/>
+              <a:t>”. In Proceedings of the ACM symposium on Virtual reality software and technology (VRST ’02). </a:t>
+            </a:r>
+            <a:r>
+              <a:rPr lang="en-GB" sz="1000" dirty="0" err="1"/>
+              <a:t>Acm</a:t>
+            </a:r>
+            <a:r>
+              <a:rPr lang="en-GB" sz="1000" dirty="0"/>
+              <a:t>, New Work, NY, USA, 33 – 40.</a:t>
             </a:r>
           </a:p>
         </p:txBody>
@@ -4308,7 +5026,7 @@
           <p:cNvPr id="7" name="Content Placeholder 2">
             <a:extLst>
               <a:ext uri="{FF2B5EF4-FFF2-40B4-BE49-F238E27FC236}">
-                <a16:creationId xmlns:a16="http://schemas.microsoft.com/office/drawing/2014/main" id="{F612889D-7949-4149-A64F-D2C389759428}"/>
+                <a16:creationId xmlns:a16="http://schemas.microsoft.com/office/drawing/2014/main" id="{D1146DA5-F7DF-49BB-899B-A575B02D50C0}"/>
               </a:ext>
             </a:extLst>
           </p:cNvPr>
@@ -4320,7 +5038,7 @@
         <p:spPr>
           <a:xfrm>
             <a:off x="879231" y="1274884"/>
-            <a:ext cx="5873994" cy="4221041"/>
+            <a:ext cx="5873994" cy="3954341"/>
           </a:xfrm>
           <a:prstGeom prst="rect">
             <a:avLst/>
@@ -4333,7 +5051,7 @@
         </p:spPr>
         <p:txBody>
           <a:bodyPr vert="horz" lIns="91440" tIns="45720" rIns="91440" bIns="45720" rtlCol="0">
-            <a:normAutofit/>
+            <a:normAutofit lnSpcReduction="10000"/>
           </a:bodyPr>
           <a:lstStyle>
             <a:lvl1pPr marL="384048" indent="-384048" algn="l" defTabSz="914400" rtl="0" eaLnBrk="1" latinLnBrk="0" hangingPunct="1">
@@ -4528,10 +5246,66 @@
           </a:lstStyle>
           <a:p>
             <a:r>
-              <a:rPr lang="en-GB"/>
-              <a:t>aa</a:t>
-            </a:r>
+              <a:rPr lang="en-GB" dirty="0"/>
+              <a:t>"It is reasonable that roads in a higher populated area should be also denser to alleviate the traffic flow burden and people everywhere should have easy </a:t>
+            </a:r>
+            <a:r>
+              <a:rPr lang="en-GB" dirty="0" err="1"/>
+              <a:t>acess</a:t>
+            </a:r>
+            <a:r>
+              <a:rPr lang="en-GB" dirty="0"/>
+              <a:t> to the road. Taking these tw3o aspects into consideration, we use </a:t>
+            </a:r>
+            <a:r>
+              <a:rPr lang="en-GB" dirty="0" err="1"/>
+              <a:t>Voronoi</a:t>
+            </a:r>
+            <a:r>
+              <a:rPr lang="en-GB" dirty="0"/>
+              <a:t> diagram as the rule of population-based template" (Sun, J. Yu, X. </a:t>
+            </a:r>
+            <a:r>
+              <a:rPr lang="en-GB" dirty="0" err="1"/>
+              <a:t>Baciu</a:t>
+            </a:r>
+            <a:r>
+              <a:rPr lang="en-GB" dirty="0"/>
+              <a:t>, G. Green, M, 2002)</a:t>
+            </a:r>
+          </a:p>
+          <a:p>
             <a:endParaRPr lang="en-GB" dirty="0"/>
+          </a:p>
+          <a:p>
+            <a:r>
+              <a:rPr lang="en-GB" dirty="0"/>
+              <a:t>"Using density points extracted from maps as input sites of </a:t>
+            </a:r>
+            <a:r>
+              <a:rPr lang="en-GB" dirty="0" err="1"/>
+              <a:t>Voronoi</a:t>
+            </a:r>
+            <a:r>
+              <a:rPr lang="en-GB" dirty="0"/>
+              <a:t> diagram, the </a:t>
+            </a:r>
+            <a:r>
+              <a:rPr lang="en-GB" dirty="0" err="1"/>
+              <a:t>Voronoi</a:t>
+            </a:r>
+            <a:r>
+              <a:rPr lang="en-GB" dirty="0"/>
+              <a:t> edges we get are the resulting roads." (Sun, J. Yu, X. </a:t>
+            </a:r>
+            <a:r>
+              <a:rPr lang="en-GB" dirty="0" err="1"/>
+              <a:t>Baciu</a:t>
+            </a:r>
+            <a:r>
+              <a:rPr lang="en-GB" dirty="0"/>
+              <a:t>, G. Green, M, 2002).</a:t>
+            </a:r>
           </a:p>
         </p:txBody>
       </p:sp>
@@ -4540,7 +5314,7 @@
           <p:cNvPr id="9" name="Picture 8">
             <a:extLst>
               <a:ext uri="{FF2B5EF4-FFF2-40B4-BE49-F238E27FC236}">
-                <a16:creationId xmlns:a16="http://schemas.microsoft.com/office/drawing/2014/main" id="{F5DCD0F0-84B1-4C89-A1BC-0F06126B68BB}"/>
+                <a16:creationId xmlns:a16="http://schemas.microsoft.com/office/drawing/2014/main" id="{163BA30C-CA1F-4E06-84A0-1DED64D46C52}"/>
               </a:ext>
             </a:extLst>
           </p:cNvPr>
@@ -4550,20 +5324,20 @@
           <p:nvPr/>
         </p:nvPicPr>
         <p:blipFill rotWithShape="1">
-          <a:blip r:embed="rId3">
+          <a:blip r:embed="rId2">
             <a:extLst>
               <a:ext uri="{28A0092B-C50C-407E-A947-70E740481C1C}">
                 <a14:useLocalDpi xmlns:a14="http://schemas.microsoft.com/office/drawing/2010/main" val="0"/>
               </a:ext>
             </a:extLst>
           </a:blip>
-          <a:srcRect t="6256"/>
+          <a:srcRect t="4102"/>
           <a:stretch/>
         </p:blipFill>
         <p:spPr>
           <a:xfrm>
-            <a:off x="7168302" y="1241547"/>
-            <a:ext cx="4321627" cy="4287716"/>
+            <a:off x="6941594" y="1966180"/>
+            <a:ext cx="4775043" cy="2686050"/>
           </a:xfrm>
           <a:prstGeom prst="rect">
             <a:avLst/>
@@ -4573,7 +5347,7 @@
     </p:spTree>
     <p:extLst>
       <p:ext uri="{BB962C8B-B14F-4D97-AF65-F5344CB8AC3E}">
-        <p14:creationId xmlns:p14="http://schemas.microsoft.com/office/powerpoint/2010/main" val="487910655"/>
+        <p14:creationId xmlns:p14="http://schemas.microsoft.com/office/powerpoint/2010/main" val="44578004"/>
       </p:ext>
     </p:extLst>
   </p:cSld>
@@ -4628,7 +5402,7 @@
           <a:p>
             <a:r>
               <a:rPr lang="en-GB" dirty="0"/>
-              <a:t>Population noise</a:t>
+              <a:t>Radial template generation</a:t>
             </a:r>
           </a:p>
         </p:txBody>
@@ -4649,8 +5423,8 @@
         </p:nvSpPr>
         <p:spPr>
           <a:xfrm>
-            <a:off x="879231" y="5753099"/>
-            <a:ext cx="11025776" cy="981075"/>
+            <a:off x="879231" y="5629275"/>
+            <a:ext cx="11025776" cy="1104900"/>
           </a:xfrm>
           <a:prstGeom prst="rect">
             <a:avLst/>
@@ -4862,15 +5636,7 @@
             </a:pPr>
             <a:r>
               <a:rPr lang="en-GB" sz="1000" dirty="0"/>
-              <a:t>Kelly, G. McCabe, H. (2006). “A Survey of Procedural Techniques for City Generation”. In </a:t>
-            </a:r>
-            <a:r>
-              <a:rPr lang="en-GB" sz="1000" i="1" dirty="0"/>
-              <a:t>ITB Journal, No. 14</a:t>
-            </a:r>
-            <a:r>
-              <a:rPr lang="en-GB" sz="1000" dirty="0"/>
-              <a:t>.</a:t>
+              <a:t>Kelly, G. McCabe, H. (2006). “A Survey of Procedural Techniques for City Generation”. In ITB Journal, No. 14.</a:t>
             </a:r>
           </a:p>
           <a:p>
@@ -4879,15 +5645,23 @@
             </a:pPr>
             <a:r>
               <a:rPr lang="en-GB" sz="1000" dirty="0"/>
-              <a:t>Peck, J (2017). </a:t>
-            </a:r>
-            <a:r>
-              <a:rPr lang="en-GB" sz="1000" i="1" dirty="0" err="1"/>
-              <a:t>FastNoise</a:t>
-            </a:r>
-            <a:r>
-              <a:rPr lang="en-GB" sz="1000" dirty="0"/>
-              <a:t> [Repository]. Available online: https://github.com/Auburns/FastNoise [Date of access: 18 December 2017]</a:t>
+              <a:t>Muller, P and Parish, Y, I, H. (2001). “Procedural </a:t>
+            </a:r>
+            <a:r>
+              <a:rPr lang="en-GB" sz="1000" dirty="0" err="1"/>
+              <a:t>modeling</a:t>
+            </a:r>
+            <a:r>
+              <a:rPr lang="en-GB" sz="1000" dirty="0"/>
+              <a:t> of cities”. In Proceedings of the 28th annual conference on Computer graphics and interactive techniques (SIGGRAPH ’01). </a:t>
+            </a:r>
+            <a:r>
+              <a:rPr lang="en-GB" sz="1000" dirty="0" err="1"/>
+              <a:t>Acm</a:t>
+            </a:r>
+            <a:r>
+              <a:rPr lang="en-GB" sz="1000" dirty="0"/>
+              <a:t>, New York, NY, USA. 301 – 308.</a:t>
             </a:r>
           </a:p>
           <a:p>
@@ -4896,23 +5670,31 @@
             </a:pPr>
             <a:r>
               <a:rPr lang="en-GB" sz="1000" dirty="0"/>
-              <a:t>Rose, T and </a:t>
+              <a:t>Sun, J. Yu, X. </a:t>
             </a:r>
             <a:r>
               <a:rPr lang="en-GB" sz="1000" dirty="0" err="1"/>
-              <a:t>Bakaoukas</a:t>
-            </a:r>
-            <a:r>
-              <a:rPr lang="en-GB" sz="1000" dirty="0"/>
-              <a:t>, A. (2016). “Algorithms and Approaches for Procedural Terrain Generation – A Brief Review of Current Techniques”. </a:t>
-            </a:r>
-            <a:r>
-              <a:rPr lang="en-GB" sz="1000" i="1" dirty="0"/>
-              <a:t>2016 8th International Conference on Games and Virtual Worlds for Serious Applications (VS-GAMES)</a:t>
-            </a:r>
-            <a:r>
-              <a:rPr lang="en-GB" sz="1000" dirty="0"/>
-              <a:t>. 1-2.</a:t>
+              <a:t>Baciu</a:t>
+            </a:r>
+            <a:r>
+              <a:rPr lang="en-GB" sz="1000" dirty="0"/>
+              <a:t>, G. Green, M. (2002). “Template-based generation of road networks for virtual city </a:t>
+            </a:r>
+            <a:r>
+              <a:rPr lang="en-GB" sz="1000" dirty="0" err="1"/>
+              <a:t>modeling</a:t>
+            </a:r>
+            <a:r>
+              <a:rPr lang="en-GB" sz="1000" dirty="0"/>
+              <a:t>”. In Proceedings of the ACM symposium on Virtual reality software and technology (VRST ’02). </a:t>
+            </a:r>
+            <a:r>
+              <a:rPr lang="en-GB" sz="1000" dirty="0" err="1"/>
+              <a:t>Acm</a:t>
+            </a:r>
+            <a:r>
+              <a:rPr lang="en-GB" sz="1000" dirty="0"/>
+              <a:t>, New Work, NY, USA, 33 – 40.</a:t>
             </a:r>
           </a:p>
         </p:txBody>
@@ -4922,7 +5704,7 @@
           <p:cNvPr id="7" name="Content Placeholder 2">
             <a:extLst>
               <a:ext uri="{FF2B5EF4-FFF2-40B4-BE49-F238E27FC236}">
-                <a16:creationId xmlns:a16="http://schemas.microsoft.com/office/drawing/2014/main" id="{CBEDCCE3-814D-457B-B9FF-742088A25003}"/>
+                <a16:creationId xmlns:a16="http://schemas.microsoft.com/office/drawing/2014/main" id="{641DFDE1-245E-46E6-A1CE-AC559B067AF5}"/>
               </a:ext>
             </a:extLst>
           </p:cNvPr>
@@ -4934,7 +5716,7 @@
         <p:spPr>
           <a:xfrm>
             <a:off x="879231" y="1274884"/>
-            <a:ext cx="5873994" cy="4354391"/>
+            <a:ext cx="5873994" cy="4230566"/>
           </a:xfrm>
           <a:prstGeom prst="rect">
             <a:avLst/>
@@ -5142,10 +5924,9 @@
           </a:lstStyle>
           <a:p>
             <a:r>
-              <a:rPr lang="en-GB"/>
-              <a:t>aa</a:t>
-            </a:r>
-            <a:endParaRPr lang="en-GB" dirty="0"/>
+              <a:rPr lang="en-GB" dirty="0"/>
+              <a:t>The radial pattern is seen in a number of cities due to the historical growth of the city. The radial pattern often represents highways, or major roads, whilst streets (minor roads) often appear in raster form. (Muller P and Parish Y I H, 2001). </a:t>
+            </a:r>
           </a:p>
         </p:txBody>
       </p:sp>
@@ -5154,7 +5935,7 @@
           <p:cNvPr id="9" name="Picture 8">
             <a:extLst>
               <a:ext uri="{FF2B5EF4-FFF2-40B4-BE49-F238E27FC236}">
-                <a16:creationId xmlns:a16="http://schemas.microsoft.com/office/drawing/2014/main" id="{B3738CF3-7A61-476C-A771-E02D89F92C58}"/>
+                <a16:creationId xmlns:a16="http://schemas.microsoft.com/office/drawing/2014/main" id="{FFA3BD9E-3DAC-4B9C-BED3-0D53F290655C}"/>
               </a:ext>
             </a:extLst>
           </p:cNvPr>
@@ -5171,13 +5952,13 @@
               </a:ext>
             </a:extLst>
           </a:blip>
-          <a:srcRect t="5889"/>
+          <a:srcRect t="5139"/>
           <a:stretch/>
         </p:blipFill>
         <p:spPr>
           <a:xfrm>
-            <a:off x="7140887" y="1272509"/>
-            <a:ext cx="4376457" cy="4359143"/>
+            <a:off x="7310807" y="1393756"/>
+            <a:ext cx="4036618" cy="3992822"/>
           </a:xfrm>
           <a:prstGeom prst="rect">
             <a:avLst/>
@@ -5187,7 +5968,7 @@
     </p:spTree>
     <p:extLst>
       <p:ext uri="{BB962C8B-B14F-4D97-AF65-F5344CB8AC3E}">
-        <p14:creationId xmlns:p14="http://schemas.microsoft.com/office/powerpoint/2010/main" val="3135212925"/>
+        <p14:creationId xmlns:p14="http://schemas.microsoft.com/office/powerpoint/2010/main" val="4069036436"/>
       </p:ext>
     </p:extLst>
   </p:cSld>
@@ -5242,7 +6023,7 @@
           <a:p>
             <a:r>
               <a:rPr lang="en-GB" dirty="0"/>
-              <a:t>Water boundary maps</a:t>
+              <a:t>Diamond-Square terrain generation</a:t>
             </a:r>
           </a:p>
         </p:txBody>
@@ -5263,8 +6044,8 @@
         </p:nvSpPr>
         <p:spPr>
           <a:xfrm>
-            <a:off x="879231" y="5200650"/>
-            <a:ext cx="11025776" cy="1533525"/>
+            <a:off x="879231" y="5203582"/>
+            <a:ext cx="11025776" cy="1530593"/>
           </a:xfrm>
           <a:prstGeom prst="rect">
             <a:avLst/>
@@ -5476,38 +6257,44 @@
             </a:pPr>
             <a:r>
               <a:rPr lang="en-GB" sz="1000" dirty="0" err="1"/>
-              <a:t>Ilangovan</a:t>
-            </a:r>
-            <a:r>
-              <a:rPr lang="en-GB" sz="1000" dirty="0"/>
-              <a:t>, K, P. (2009) Procedural City </a:t>
-            </a:r>
-            <a:r>
-              <a:rPr lang="en-GB" sz="1000" dirty="0" err="1"/>
-              <a:t>Generaror</a:t>
-            </a:r>
-            <a:r>
-              <a:rPr lang="en-GB" sz="1000" dirty="0"/>
-              <a:t>, MSc </a:t>
-            </a:r>
-            <a:r>
-              <a:rPr lang="en-GB" sz="1000" dirty="0" err="1"/>
-              <a:t>thesus</a:t>
-            </a:r>
-            <a:r>
-              <a:rPr lang="en-GB" sz="1000" dirty="0"/>
-              <a:t>, Bournemouth University. Available at: </a:t>
+              <a:t>Gabin</a:t>
+            </a:r>
+            <a:r>
+              <a:rPr lang="en-GB" sz="1000" dirty="0"/>
+              <a:t> S P Miller, 1998. “The definition and rendering of terrain maps”. </a:t>
+            </a:r>
+            <a:r>
+              <a:rPr lang="en-GB" sz="1000" i="1" dirty="0"/>
+              <a:t>SIGGRAPH ’86 Proceedings of the 13th annual conference on Computer graphics and interactive techniques</a:t>
+            </a:r>
+            <a:r>
+              <a:rPr lang="en-GB" sz="1000" dirty="0"/>
+              <a:t>, ACM, New York, NY, USA, pp. 39 – 48</a:t>
+            </a:r>
+          </a:p>
+          <a:p>
+            <a:pPr marL="0" indent="0" fontAlgn="base">
+              <a:buNone/>
+            </a:pPr>
+            <a:r>
+              <a:rPr lang="en-GB" sz="1000" dirty="0"/>
+              <a:t>Martz, P. (1997). </a:t>
+            </a:r>
+            <a:r>
+              <a:rPr lang="en-GB" sz="1000" i="1" dirty="0"/>
+              <a:t>Generating Random Fractal Terrain.</a:t>
+            </a:r>
+            <a:r>
+              <a:rPr lang="en-GB" sz="1000" dirty="0"/>
+              <a:t> [Online] 1997. Available Online: </a:t>
             </a:r>
             <a:r>
               <a:rPr lang="en-GB" sz="1000" dirty="0">
                 <a:hlinkClick r:id="rId2"/>
               </a:rPr>
-              <a:t>https://nccastaff.bournemouth.ac.uk/jmacey/MastersProjects/MSc09/Ilangovan/Thesis_i7834000.pdf</a:t>
-            </a:r>
-            <a:r>
-              <a:rPr lang="en-GB" sz="1000" dirty="0"/>
-              <a:t> (Accessed: 30 May 2017).</a:t>
-            </a:r>
+              <a:t>http://www.gameprogrammer.com/fractal.html</a:t>
+            </a:r>
+            <a:endParaRPr lang="en-GB" sz="1000" dirty="0"/>
           </a:p>
           <a:p>
             <a:pPr marL="0" indent="0" fontAlgn="base">
@@ -5515,15 +6302,17 @@
             </a:pPr>
             <a:r>
               <a:rPr lang="en-GB" sz="1000" dirty="0"/>
-              <a:t>Kelly, G. McCabe, H. (2006). “A Survey of Procedural Techniques for City Generation”. In </a:t>
-            </a:r>
-            <a:r>
-              <a:rPr lang="en-GB" sz="1000" i="1" dirty="0"/>
-              <a:t>ITB Journal, No. 14</a:t>
-            </a:r>
-            <a:r>
-              <a:rPr lang="en-GB" sz="1000" dirty="0"/>
-              <a:t>.</a:t>
+              <a:t>Omar, A. (2017). Unity Tutorials: Diamond-Square Procedural Terrain. [Online] 26th January 2017. Available online: </a:t>
+            </a:r>
+            <a:r>
+              <a:rPr lang="en-GB" sz="1000" dirty="0">
+                <a:hlinkClick r:id="rId3"/>
+              </a:rPr>
+              <a:t>https://www.youtube.com/watch?v=1HV8GbFnCik</a:t>
+            </a:r>
+            <a:r>
+              <a:rPr lang="en-GB" sz="1000" dirty="0"/>
+              <a:t> [Date of access: 14 December 2017].</a:t>
             </a:r>
           </a:p>
           <a:p>
@@ -5532,56 +6321,15 @@
             </a:pPr>
             <a:r>
               <a:rPr lang="en-GB" sz="1000" dirty="0"/>
-              <a:t>Muller, P and Parish, Y, I, H. (2001). “Procedural </a:t>
+              <a:t>Rose, T and </a:t>
             </a:r>
             <a:r>
               <a:rPr lang="en-GB" sz="1000" dirty="0" err="1"/>
-              <a:t>modeling</a:t>
-            </a:r>
-            <a:r>
-              <a:rPr lang="en-GB" sz="1000" dirty="0"/>
-              <a:t> of cities”. In Proceedings of the 28th annual conference on Computer graphics and interactive techniques (SIGGRAPH ’01). </a:t>
-            </a:r>
-            <a:r>
-              <a:rPr lang="en-GB" sz="1000" dirty="0" err="1"/>
-              <a:t>Acm</a:t>
-            </a:r>
-            <a:r>
-              <a:rPr lang="en-GB" sz="1000" dirty="0"/>
-              <a:t>, New York, NY, USA. 301 – 308.</a:t>
-            </a:r>
-          </a:p>
-          <a:p>
-            <a:pPr marL="0" indent="0" fontAlgn="base">
-              <a:buNone/>
-            </a:pPr>
-            <a:r>
-              <a:rPr lang="en-GB" sz="1000" dirty="0"/>
-              <a:t>Sun, J. Yu, X. </a:t>
-            </a:r>
-            <a:r>
-              <a:rPr lang="en-GB" sz="1000" dirty="0" err="1"/>
-              <a:t>Baciu</a:t>
-            </a:r>
-            <a:r>
-              <a:rPr lang="en-GB" sz="1000" dirty="0"/>
-              <a:t>, G. Green, M. (2002). “Template-based generation of road networks for virtual city </a:t>
-            </a:r>
-            <a:r>
-              <a:rPr lang="en-GB" sz="1000" dirty="0" err="1"/>
-              <a:t>modeling</a:t>
-            </a:r>
-            <a:r>
-              <a:rPr lang="en-GB" sz="1000" dirty="0"/>
-              <a:t>”. In Proceedings of the ACM symposium on Virtual reality software and technology (VRST ’02). </a:t>
-            </a:r>
-            <a:r>
-              <a:rPr lang="en-GB" sz="1000" dirty="0" err="1"/>
-              <a:t>Acm</a:t>
-            </a:r>
-            <a:r>
-              <a:rPr lang="en-GB" sz="1000" dirty="0"/>
-              <a:t>, New Work, NY, USA, 33 – 40.</a:t>
+              <a:t>Bakaoukas</a:t>
+            </a:r>
+            <a:r>
+              <a:rPr lang="en-GB" sz="1000" dirty="0"/>
+              <a:t>, A. (2016). “Algorithms and Approaches for Procedural Terrain Generation – A Brief Review of Current Techniques”. 2016 8th International Conference on Games and Virtual Worlds for Serious Applications (VS-GAMES). 1-2.</a:t>
             </a:r>
           </a:p>
         </p:txBody>
@@ -5591,7 +6339,7 @@
           <p:cNvPr id="7" name="Content Placeholder 2">
             <a:extLst>
               <a:ext uri="{FF2B5EF4-FFF2-40B4-BE49-F238E27FC236}">
-                <a16:creationId xmlns:a16="http://schemas.microsoft.com/office/drawing/2014/main" id="{C7679F67-D193-4033-8937-73A81575794E}"/>
+                <a16:creationId xmlns:a16="http://schemas.microsoft.com/office/drawing/2014/main" id="{F612889D-7949-4149-A64F-D2C389759428}"/>
               </a:ext>
             </a:extLst>
           </p:cNvPr>
@@ -5603,7 +6351,7 @@
         <p:spPr>
           <a:xfrm>
             <a:off x="879231" y="1274885"/>
-            <a:ext cx="5873994" cy="3811466"/>
+            <a:ext cx="5873994" cy="3820990"/>
           </a:xfrm>
           <a:prstGeom prst="rect">
             <a:avLst/>
@@ -5811,10 +6559,26 @@
           </a:lstStyle>
           <a:p>
             <a:r>
-              <a:rPr lang="en-GB"/>
-              <a:t>aa</a:t>
-            </a:r>
+              <a:rPr lang="en-GB" dirty="0"/>
+              <a:t>The Diamond-square algorithm is a noise function that is commonly used to generate terrain data (Rose, T and </a:t>
+            </a:r>
+            <a:r>
+              <a:rPr lang="en-GB" dirty="0" err="1"/>
+              <a:t>Bakaoukas</a:t>
+            </a:r>
+            <a:r>
+              <a:rPr lang="en-GB" dirty="0"/>
+              <a:t>, A, 2016).</a:t>
+            </a:r>
+          </a:p>
+          <a:p>
             <a:endParaRPr lang="en-GB" dirty="0"/>
+          </a:p>
+          <a:p>
+            <a:r>
+              <a:rPr lang="en-GB" dirty="0"/>
+              <a:t>A three-dimensional implementation of the midpoint displacement algorithm; an algorithm used to generate two dimensional height maps. (Martz, P, 1997).</a:t>
+            </a:r>
           </a:p>
         </p:txBody>
       </p:sp>
@@ -5823,7 +6587,7 @@
           <p:cNvPr id="9" name="Picture 8">
             <a:extLst>
               <a:ext uri="{FF2B5EF4-FFF2-40B4-BE49-F238E27FC236}">
-                <a16:creationId xmlns:a16="http://schemas.microsoft.com/office/drawing/2014/main" id="{34043853-4837-4A55-86B6-5BB970707093}"/>
+                <a16:creationId xmlns:a16="http://schemas.microsoft.com/office/drawing/2014/main" id="{F5DCD0F0-84B1-4C89-A1BC-0F06126B68BB}"/>
               </a:ext>
             </a:extLst>
           </p:cNvPr>
@@ -5833,20 +6597,20 @@
           <p:nvPr/>
         </p:nvPicPr>
         <p:blipFill rotWithShape="1">
-          <a:blip r:embed="rId3">
+          <a:blip r:embed="rId4">
             <a:extLst>
               <a:ext uri="{28A0092B-C50C-407E-A947-70E740481C1C}">
                 <a14:useLocalDpi xmlns:a14="http://schemas.microsoft.com/office/drawing/2010/main" val="0"/>
               </a:ext>
             </a:extLst>
           </a:blip>
-          <a:srcRect t="5889"/>
+          <a:srcRect t="6256"/>
           <a:stretch/>
         </p:blipFill>
         <p:spPr>
           <a:xfrm>
-            <a:off x="7415813" y="1274885"/>
-            <a:ext cx="3826605" cy="3811466"/>
+            <a:off x="7403511" y="1274885"/>
+            <a:ext cx="3851210" cy="3820990"/>
           </a:xfrm>
           <a:prstGeom prst="rect">
             <a:avLst/>
@@ -5856,7 +6620,7 @@
     </p:spTree>
     <p:extLst>
       <p:ext uri="{BB962C8B-B14F-4D97-AF65-F5344CB8AC3E}">
-        <p14:creationId xmlns:p14="http://schemas.microsoft.com/office/powerpoint/2010/main" val="2777199226"/>
+        <p14:creationId xmlns:p14="http://schemas.microsoft.com/office/powerpoint/2010/main" val="487910655"/>
       </p:ext>
     </p:extLst>
   </p:cSld>
@@ -5911,7 +6675,7 @@
           <a:p>
             <a:r>
               <a:rPr lang="en-GB" dirty="0"/>
-              <a:t>Natural water boundaries from terrain</a:t>
+              <a:t>Population noise</a:t>
             </a:r>
           </a:p>
         </p:txBody>
@@ -5932,8 +6696,8 @@
         </p:nvSpPr>
         <p:spPr>
           <a:xfrm>
-            <a:off x="879231" y="6315075"/>
-            <a:ext cx="11025776" cy="419100"/>
+            <a:off x="879231" y="5753099"/>
+            <a:ext cx="11025776" cy="981075"/>
           </a:xfrm>
           <a:prstGeom prst="rect">
             <a:avLst/>
@@ -6144,46 +6908,68 @@
               <a:buNone/>
             </a:pPr>
             <a:r>
+              <a:rPr lang="en-GB" sz="1000" dirty="0"/>
+              <a:t>Kelly, G. McCabe, H. (2006). “A Survey of Procedural Techniques for City Generation”. In </a:t>
+            </a:r>
+            <a:r>
+              <a:rPr lang="en-GB" sz="1000" i="1" dirty="0"/>
+              <a:t>ITB Journal, No. 14</a:t>
+            </a:r>
+            <a:r>
+              <a:rPr lang="en-GB" sz="1000" dirty="0"/>
+              <a:t>.</a:t>
+            </a:r>
+          </a:p>
+          <a:p>
+            <a:pPr marL="0" indent="0" fontAlgn="base">
+              <a:buNone/>
+            </a:pPr>
+            <a:r>
+              <a:rPr lang="en-GB" sz="1000" dirty="0"/>
+              <a:t>Peck, J (2017). </a:t>
+            </a:r>
+            <a:r>
+              <a:rPr lang="en-GB" sz="1000" i="1" dirty="0" err="1"/>
+              <a:t>FastNoise</a:t>
+            </a:r>
+            <a:r>
+              <a:rPr lang="en-GB" sz="1000" dirty="0"/>
+              <a:t> [Repository]. Available online: https://github.com/Auburns/FastNoise [Date of access: 18 December 2017]</a:t>
+            </a:r>
+          </a:p>
+          <a:p>
+            <a:pPr marL="0" indent="0" fontAlgn="base">
+              <a:buNone/>
+            </a:pPr>
+            <a:r>
+              <a:rPr lang="en-GB" sz="1000" dirty="0"/>
+              <a:t>Rose, T and </a:t>
+            </a:r>
+            <a:r>
               <a:rPr lang="en-GB" sz="1000" dirty="0" err="1"/>
-              <a:t>Smelik</a:t>
-            </a:r>
-            <a:r>
-              <a:rPr lang="en-GB" sz="1000" dirty="0"/>
-              <a:t>, R., </a:t>
-            </a:r>
-            <a:r>
-              <a:rPr lang="en-GB" sz="1000" dirty="0" err="1"/>
-              <a:t>Tutenel</a:t>
-            </a:r>
-            <a:r>
-              <a:rPr lang="en-GB" sz="1000" dirty="0"/>
-              <a:t>, T., </a:t>
-            </a:r>
-            <a:r>
-              <a:rPr lang="en-GB" sz="1000" dirty="0" err="1"/>
-              <a:t>Bidarra</a:t>
-            </a:r>
-            <a:r>
-              <a:rPr lang="en-GB" sz="1000" dirty="0"/>
-              <a:t>, R. and Benes, B. (2014). A survey on Procedural Modelling for Virtual Worlds. </a:t>
+              <a:t>Bakaoukas</a:t>
+            </a:r>
+            <a:r>
+              <a:rPr lang="en-GB" sz="1000" dirty="0"/>
+              <a:t>, A. (2016). “Algorithms and Approaches for Procedural Terrain Generation – A Brief Review of Current Techniques”. </a:t>
             </a:r>
             <a:r>
               <a:rPr lang="en-GB" sz="1000" i="1" dirty="0"/>
-              <a:t>Computer Graphics Forum</a:t>
-            </a:r>
-            <a:r>
-              <a:rPr lang="en-GB" sz="1000" dirty="0"/>
-              <a:t>, 33(6), pp.31-50.</a:t>
+              <a:t>2016 8th International Conference on Games and Virtual Worlds for Serious Applications (VS-GAMES)</a:t>
+            </a:r>
+            <a:r>
+              <a:rPr lang="en-GB" sz="1000" dirty="0"/>
+              <a:t>. 1-2.</a:t>
             </a:r>
           </a:p>
         </p:txBody>
       </p:sp>
       <p:sp>
         <p:nvSpPr>
-          <p:cNvPr id="8" name="Content Placeholder 2">
+          <p:cNvPr id="7" name="Content Placeholder 2">
             <a:extLst>
               <a:ext uri="{FF2B5EF4-FFF2-40B4-BE49-F238E27FC236}">
-                <a16:creationId xmlns:a16="http://schemas.microsoft.com/office/drawing/2014/main" id="{A881E077-D9A8-4B41-A583-509E39158977}"/>
+                <a16:creationId xmlns:a16="http://schemas.microsoft.com/office/drawing/2014/main" id="{CBEDCCE3-814D-457B-B9FF-742088A25003}"/>
               </a:ext>
             </a:extLst>
           </p:cNvPr>
@@ -6195,7 +6981,7 @@
         <p:spPr>
           <a:xfrm>
             <a:off x="879231" y="1274884"/>
-            <a:ext cx="5873994" cy="4954465"/>
+            <a:ext cx="5873994" cy="4354391"/>
           </a:xfrm>
           <a:prstGeom prst="rect">
             <a:avLst/>
@@ -6403,19 +7189,27 @@
           </a:lstStyle>
           <a:p>
             <a:r>
-              <a:rPr lang="en-GB"/>
-              <a:t>aa</a:t>
-            </a:r>
+              <a:rPr lang="en-GB" dirty="0"/>
+              <a:t>Fluctuation in population can be controlled by how coarse the noise output is (Peck J, 2017).</a:t>
+            </a:r>
+          </a:p>
+          <a:p>
             <a:endParaRPr lang="en-GB" dirty="0"/>
+          </a:p>
+          <a:p>
+            <a:r>
+              <a:rPr lang="en-GB" dirty="0"/>
+              <a:t>Interpolation methods can determine how smooth the transition is between noise values (Peck J, 2017).</a:t>
+            </a:r>
           </a:p>
         </p:txBody>
       </p:sp>
       <p:pic>
         <p:nvPicPr>
-          <p:cNvPr id="10" name="Picture 9">
+          <p:cNvPr id="9" name="Picture 8">
             <a:extLst>
               <a:ext uri="{FF2B5EF4-FFF2-40B4-BE49-F238E27FC236}">
-                <a16:creationId xmlns:a16="http://schemas.microsoft.com/office/drawing/2014/main" id="{21559182-E5B3-4CA6-B632-58AC0DE5E904}"/>
+                <a16:creationId xmlns:a16="http://schemas.microsoft.com/office/drawing/2014/main" id="{B3738CF3-7A61-476C-A771-E02D89F92C58}"/>
               </a:ext>
             </a:extLst>
           </p:cNvPr>
@@ -6432,13 +7226,13 @@
               </a:ext>
             </a:extLst>
           </a:blip>
-          <a:srcRect t="6779"/>
+          <a:srcRect t="5889"/>
           <a:stretch/>
         </p:blipFill>
         <p:spPr>
           <a:xfrm>
-            <a:off x="6880849" y="1360611"/>
-            <a:ext cx="4896533" cy="4831003"/>
+            <a:off x="7140887" y="1272509"/>
+            <a:ext cx="4376457" cy="4359143"/>
           </a:xfrm>
           <a:prstGeom prst="rect">
             <a:avLst/>
@@ -6448,7 +7242,7 @@
     </p:spTree>
     <p:extLst>
       <p:ext uri="{BB962C8B-B14F-4D97-AF65-F5344CB8AC3E}">
-        <p14:creationId xmlns:p14="http://schemas.microsoft.com/office/powerpoint/2010/main" val="987802538"/>
+        <p14:creationId xmlns:p14="http://schemas.microsoft.com/office/powerpoint/2010/main" val="3135212925"/>
       </p:ext>
     </p:extLst>
   </p:cSld>
@@ -6498,14 +7292,12 @@
           </a:xfrm>
         </p:spPr>
         <p:txBody>
-          <a:bodyPr>
-            <a:normAutofit/>
-          </a:bodyPr>
+          <a:bodyPr/>
           <a:lstStyle/>
           <a:p>
             <a:r>
               <a:rPr lang="en-GB" dirty="0"/>
-              <a:t>Road network improvements</a:t>
+              <a:t>Water boundary maps and bridges</a:t>
             </a:r>
           </a:p>
         </p:txBody>
@@ -6526,8 +7318,8 @@
         </p:nvSpPr>
         <p:spPr>
           <a:xfrm>
-            <a:off x="879231" y="5353050"/>
-            <a:ext cx="11025776" cy="1381125"/>
+            <a:off x="879231" y="5200650"/>
+            <a:ext cx="11025776" cy="1533525"/>
           </a:xfrm>
           <a:prstGeom prst="rect">
             <a:avLst/>
@@ -6738,26 +7530,55 @@
               <a:buNone/>
             </a:pPr>
             <a:r>
-              <a:rPr lang="en-GB" sz="1000" dirty="0"/>
-              <a:t>Kelly, G. McCabe, H. (2006). “A Survey of Procedural Techniques for City Generation”. In </a:t>
-            </a:r>
-            <a:r>
-              <a:rPr lang="en-GB" sz="1000" i="1" dirty="0"/>
-              <a:t>ITB Journal, No. 14</a:t>
-            </a:r>
-            <a:endParaRPr lang="en-GB" sz="1000" dirty="0"/>
+              <a:rPr lang="en-GB" sz="1000" dirty="0" err="1"/>
+              <a:t>Ilangovan</a:t>
+            </a:r>
+            <a:r>
+              <a:rPr lang="en-GB" sz="1000" dirty="0"/>
+              <a:t>, K, P. (2009) Procedural City </a:t>
+            </a:r>
+            <a:r>
+              <a:rPr lang="en-GB" sz="1000" dirty="0" err="1"/>
+              <a:t>Generaror</a:t>
+            </a:r>
+            <a:r>
+              <a:rPr lang="en-GB" sz="1000" dirty="0"/>
+              <a:t>, MSc </a:t>
+            </a:r>
+            <a:r>
+              <a:rPr lang="en-GB" sz="1000" dirty="0" err="1"/>
+              <a:t>thesus</a:t>
+            </a:r>
+            <a:r>
+              <a:rPr lang="en-GB" sz="1000" dirty="0"/>
+              <a:t>, Bournemouth University. Available at: </a:t>
+            </a:r>
+            <a:r>
+              <a:rPr lang="en-GB" sz="1000" dirty="0">
+                <a:hlinkClick r:id="rId2"/>
+              </a:rPr>
+              <a:t>https://nccastaff.bournemouth.ac.uk/jmacey/MastersProjects/MSc09/Ilangovan/Thesis_i7834000.pdf</a:t>
+            </a:r>
+            <a:r>
+              <a:rPr lang="en-GB" sz="1000" dirty="0"/>
+              <a:t> (Accessed: 30 May 2017).</a:t>
+            </a:r>
           </a:p>
           <a:p>
             <a:pPr marL="0" indent="0" fontAlgn="base">
               <a:buNone/>
             </a:pPr>
             <a:r>
-              <a:rPr lang="en-GB" sz="1000" dirty="0" err="1"/>
-              <a:t>Martek</a:t>
-            </a:r>
-            <a:r>
-              <a:rPr lang="en-GB" sz="1000" dirty="0"/>
-              <a:t>, C. (2012). “Procedural generation of road networks for large virtual environments.” Rochester Institute of Technology.</a:t>
+              <a:rPr lang="en-GB" sz="1000" dirty="0"/>
+              <a:t>Kelly, G. McCabe, H. (2006). “A Survey of Procedural Techniques for City Generation”. In </a:t>
+            </a:r>
+            <a:r>
+              <a:rPr lang="en-GB" sz="1000" i="1" dirty="0"/>
+              <a:t>ITB Journal, No. 14</a:t>
+            </a:r>
+            <a:r>
+              <a:rPr lang="en-GB" sz="1000" dirty="0"/>
+              <a:t>.</a:t>
             </a:r>
           </a:p>
           <a:p>
@@ -6825,7 +7646,7 @@
           <p:cNvPr id="7" name="Content Placeholder 2">
             <a:extLst>
               <a:ext uri="{FF2B5EF4-FFF2-40B4-BE49-F238E27FC236}">
-                <a16:creationId xmlns:a16="http://schemas.microsoft.com/office/drawing/2014/main" id="{677DC107-6E4D-45D9-B8CD-8FB83DE26374}"/>
+                <a16:creationId xmlns:a16="http://schemas.microsoft.com/office/drawing/2014/main" id="{C7679F67-D193-4033-8937-73A81575794E}"/>
               </a:ext>
             </a:extLst>
           </p:cNvPr>
@@ -6836,8 +7657,8 @@
         </p:nvSpPr>
         <p:spPr>
           <a:xfrm>
-            <a:off x="879231" y="1274884"/>
-            <a:ext cx="5873994" cy="3982915"/>
+            <a:off x="879231" y="1274885"/>
+            <a:ext cx="5873994" cy="3811466"/>
           </a:xfrm>
           <a:prstGeom prst="rect">
             <a:avLst/>
@@ -7045,9 +7866,36 @@
           </a:lstStyle>
           <a:p>
             <a:r>
-              <a:rPr lang="en-GB"/>
-              <a:t>aa</a:t>
-            </a:r>
+              <a:rPr lang="en-GB" dirty="0"/>
+              <a:t>Water boundary maps, or land-water maps, specify which parts of the terrain are land and which are water. (</a:t>
+            </a:r>
+            <a:r>
+              <a:rPr lang="en-GB" dirty="0" err="1"/>
+              <a:t>Ilangoban</a:t>
+            </a:r>
+            <a:r>
+              <a:rPr lang="en-GB" dirty="0"/>
+              <a:t> K P, 2009), (Kelly G, McCabe H, 2006), (Muller P, Parish Y I H, 2001).</a:t>
+            </a:r>
+          </a:p>
+          <a:p>
+            <a:endParaRPr lang="en-GB" dirty="0"/>
+          </a:p>
+          <a:p>
+            <a:r>
+              <a:rPr lang="en-GB" dirty="0"/>
+              <a:t>Validity control for roads in a city generation often allows for roads to cross over water when appropriate conditions are met (Sun J, Yu X, </a:t>
+            </a:r>
+            <a:r>
+              <a:rPr lang="en-GB" dirty="0" err="1"/>
+              <a:t>Baicu</a:t>
+            </a:r>
+            <a:r>
+              <a:rPr lang="en-GB" dirty="0"/>
+              <a:t> G, Green M, 2002).</a:t>
+            </a:r>
+          </a:p>
+          <a:p>
             <a:endParaRPr lang="en-GB" dirty="0"/>
           </a:p>
         </p:txBody>
@@ -7057,7 +7905,7 @@
           <p:cNvPr id="9" name="Picture 8">
             <a:extLst>
               <a:ext uri="{FF2B5EF4-FFF2-40B4-BE49-F238E27FC236}">
-                <a16:creationId xmlns:a16="http://schemas.microsoft.com/office/drawing/2014/main" id="{E8379413-37A0-4A14-BB9F-2A132C750A1C}"/>
+                <a16:creationId xmlns:a16="http://schemas.microsoft.com/office/drawing/2014/main" id="{34043853-4837-4A55-86B6-5BB970707093}"/>
               </a:ext>
             </a:extLst>
           </p:cNvPr>
@@ -7067,20 +7915,20 @@
           <p:nvPr/>
         </p:nvPicPr>
         <p:blipFill rotWithShape="1">
-          <a:blip r:embed="rId2">
+          <a:blip r:embed="rId3">
             <a:extLst>
               <a:ext uri="{28A0092B-C50C-407E-A947-70E740481C1C}">
                 <a14:useLocalDpi xmlns:a14="http://schemas.microsoft.com/office/drawing/2010/main" val="0"/>
               </a:ext>
             </a:extLst>
           </a:blip>
-          <a:srcRect t="6084"/>
+          <a:srcRect t="5889"/>
           <a:stretch/>
         </p:blipFill>
         <p:spPr>
           <a:xfrm>
-            <a:off x="7346438" y="1274884"/>
-            <a:ext cx="3965356" cy="3941466"/>
+            <a:off x="7415813" y="1274885"/>
+            <a:ext cx="3826605" cy="3811466"/>
           </a:xfrm>
           <a:prstGeom prst="rect">
             <a:avLst/>
@@ -7090,7 +7938,7 @@
     </p:spTree>
     <p:extLst>
       <p:ext uri="{BB962C8B-B14F-4D97-AF65-F5344CB8AC3E}">
-        <p14:creationId xmlns:p14="http://schemas.microsoft.com/office/powerpoint/2010/main" val="1106566841"/>
+        <p14:creationId xmlns:p14="http://schemas.microsoft.com/office/powerpoint/2010/main" val="2777199226"/>
       </p:ext>
     </p:extLst>
   </p:cSld>
@@ -7140,14 +7988,12 @@
           </a:xfrm>
         </p:spPr>
         <p:txBody>
-          <a:bodyPr>
-            <a:normAutofit/>
-          </a:bodyPr>
+          <a:bodyPr/>
           <a:lstStyle/>
           <a:p>
             <a:r>
               <a:rPr lang="en-GB" dirty="0"/>
-              <a:t>Building lot generation</a:t>
+              <a:t>Natural water boundaries from terrain</a:t>
             </a:r>
           </a:p>
         </p:txBody>
@@ -7168,8 +8014,8 @@
         </p:nvSpPr>
         <p:spPr>
           <a:xfrm>
-            <a:off x="879231" y="5762625"/>
-            <a:ext cx="11025776" cy="971550"/>
+            <a:off x="879231" y="4927844"/>
+            <a:ext cx="11025776" cy="1806331"/>
           </a:xfrm>
           <a:prstGeom prst="rect">
             <a:avLst/>
@@ -7381,43 +8227,37 @@
             </a:pPr>
             <a:r>
               <a:rPr lang="en-GB" sz="1000" dirty="0" err="1"/>
-              <a:t>Emilien</a:t>
-            </a:r>
-            <a:r>
-              <a:rPr lang="en-GB" sz="1000" dirty="0"/>
-              <a:t>, A., Bernhardt, A., </a:t>
+              <a:t>Ilangovan</a:t>
+            </a:r>
+            <a:r>
+              <a:rPr lang="en-GB" sz="1000" dirty="0"/>
+              <a:t>, K, P. (2009) Procedural City </a:t>
             </a:r>
             <a:r>
               <a:rPr lang="en-GB" sz="1000" dirty="0" err="1"/>
-              <a:t>Peytavie</a:t>
-            </a:r>
-            <a:r>
-              <a:rPr lang="en-GB" sz="1000" dirty="0"/>
-              <a:t>, A., </a:t>
+              <a:t>Generaror</a:t>
+            </a:r>
+            <a:r>
+              <a:rPr lang="en-GB" sz="1000" dirty="0"/>
+              <a:t>, MSc </a:t>
             </a:r>
             <a:r>
               <a:rPr lang="en-GB" sz="1000" dirty="0" err="1"/>
-              <a:t>Cani</a:t>
-            </a:r>
-            <a:r>
-              <a:rPr lang="en-GB" sz="1000" dirty="0"/>
-              <a:t>, M. and </a:t>
-            </a:r>
-            <a:r>
-              <a:rPr lang="en-GB" sz="1000" dirty="0" err="1"/>
-              <a:t>Galin</a:t>
-            </a:r>
-            <a:r>
-              <a:rPr lang="en-GB" sz="1000" dirty="0"/>
-              <a:t>, E. (2012). Procedural generation of villages on arbitrary terrains. </a:t>
-            </a:r>
-            <a:r>
-              <a:rPr lang="en-GB" sz="1000" i="1" dirty="0"/>
-              <a:t>The Visual Computer,</a:t>
-            </a:r>
-            <a:r>
-              <a:rPr lang="en-GB" sz="1000" dirty="0"/>
-              <a:t> 28(6-8), pp.809-818.</a:t>
+              <a:t>thesus</a:t>
+            </a:r>
+            <a:r>
+              <a:rPr lang="en-GB" sz="1000" dirty="0"/>
+              <a:t>, Bournemouth University. Available at: </a:t>
+            </a:r>
+            <a:r>
+              <a:rPr lang="en-GB" sz="1000" dirty="0">
+                <a:hlinkClick r:id="rId2"/>
+              </a:rPr>
+              <a:t>https://nccastaff.bournemouth.ac.uk/jmacey/MastersProjects/MSc09/Ilangovan/Thesis_i7834000.pdf</a:t>
+            </a:r>
+            <a:r>
+              <a:rPr lang="en-GB" sz="1000" dirty="0"/>
+              <a:t> (Accessed: 30 May 2017).</a:t>
             </a:r>
           </a:p>
           <a:p>
@@ -7426,23 +8266,15 @@
             </a:pPr>
             <a:r>
               <a:rPr lang="en-GB" sz="1000" dirty="0"/>
-              <a:t>Muller, P and Parish, Y, I, H. (2001). “Procedural </a:t>
-            </a:r>
-            <a:r>
-              <a:rPr lang="en-GB" sz="1000" dirty="0" err="1"/>
-              <a:t>modeling</a:t>
-            </a:r>
-            <a:r>
-              <a:rPr lang="en-GB" sz="1000" dirty="0"/>
-              <a:t> of cities”. In Proceedings of the 28th annual conference on Computer graphics and interactive techniques (SIGGRAPH ’01). </a:t>
-            </a:r>
-            <a:r>
-              <a:rPr lang="en-GB" sz="1000" dirty="0" err="1"/>
-              <a:t>Acm</a:t>
-            </a:r>
-            <a:r>
-              <a:rPr lang="en-GB" sz="1000" dirty="0"/>
-              <a:t>, New York, NY, USA. 301 – 308.</a:t>
+              <a:t>Kelly, G. McCabe, H. (2006). “A Survey of Procedural Techniques for City Generation”. In </a:t>
+            </a:r>
+            <a:r>
+              <a:rPr lang="en-GB" sz="1000" i="1" dirty="0"/>
+              <a:t>ITB Journal, No. 14</a:t>
+            </a:r>
+            <a:r>
+              <a:rPr lang="en-GB" sz="1000" dirty="0"/>
+              <a:t>.</a:t>
             </a:r>
           </a:p>
           <a:p>
@@ -7450,6 +8282,64 @@
               <a:buNone/>
             </a:pPr>
             <a:r>
+              <a:rPr lang="en-GB" sz="1000" dirty="0"/>
+              <a:t>Muller, P and Parish, Y, I, H. (2001). “Procedural </a:t>
+            </a:r>
+            <a:r>
+              <a:rPr lang="en-GB" sz="1000" dirty="0" err="1"/>
+              <a:t>modeling</a:t>
+            </a:r>
+            <a:r>
+              <a:rPr lang="en-GB" sz="1000" dirty="0"/>
+              <a:t> of cities”. In Proceedings of the 28th annual conference on Computer graphics and interactive techniques (SIGGRAPH ’01). </a:t>
+            </a:r>
+            <a:r>
+              <a:rPr lang="en-GB" sz="1000" dirty="0" err="1"/>
+              <a:t>Acm</a:t>
+            </a:r>
+            <a:r>
+              <a:rPr lang="en-GB" sz="1000" dirty="0"/>
+              <a:t>, New York, NY, USA. 301 – 308.</a:t>
+            </a:r>
+          </a:p>
+          <a:p>
+            <a:pPr marL="0" indent="0" fontAlgn="base">
+              <a:buNone/>
+            </a:pPr>
+            <a:r>
+              <a:rPr lang="en-GB" sz="1000" dirty="0"/>
+              <a:t>Sun, J. Yu, X. </a:t>
+            </a:r>
+            <a:r>
+              <a:rPr lang="en-GB" sz="1000" dirty="0" err="1"/>
+              <a:t>Baciu</a:t>
+            </a:r>
+            <a:r>
+              <a:rPr lang="en-GB" sz="1000" dirty="0"/>
+              <a:t>, G. Green, M. (2002). “Template-based generation of road networks for virtual city </a:t>
+            </a:r>
+            <a:r>
+              <a:rPr lang="en-GB" sz="1000" dirty="0" err="1"/>
+              <a:t>modeling</a:t>
+            </a:r>
+            <a:r>
+              <a:rPr lang="en-GB" sz="1000" dirty="0"/>
+              <a:t>”. In Proceedings of the ACM symposium on Virtual reality software and technology (VRST ’02). </a:t>
+            </a:r>
+            <a:r>
+              <a:rPr lang="en-GB" sz="1000" dirty="0" err="1"/>
+              <a:t>Acm</a:t>
+            </a:r>
+            <a:r>
+              <a:rPr lang="en-GB" sz="1000" dirty="0"/>
+              <a:t>, New Work, NY, USA, 33 – 40.</a:t>
+            </a:r>
+          </a:p>
+          <a:p>
+            <a:pPr marL="0" indent="0" fontAlgn="base">
+              <a:buNone/>
+            </a:pPr>
+            <a:r>
               <a:rPr lang="en-GB" sz="1000" dirty="0" err="1"/>
               <a:t>Smelik</a:t>
             </a:r>
@@ -7463,15 +8353,7 @@
             </a:r>
             <a:r>
               <a:rPr lang="en-GB" sz="1000" dirty="0"/>
-              <a:t>, T., de </a:t>
-            </a:r>
-            <a:r>
-              <a:rPr lang="en-GB" sz="1000" dirty="0" err="1"/>
-              <a:t>Kraker</a:t>
-            </a:r>
-            <a:r>
-              <a:rPr lang="en-GB" sz="1000" dirty="0"/>
-              <a:t>, K. and </a:t>
+              <a:t>, T., </a:t>
             </a:r>
             <a:r>
               <a:rPr lang="en-GB" sz="1000" dirty="0" err="1"/>
@@ -7479,33 +8361,25 @@
             </a:r>
             <a:r>
               <a:rPr lang="en-GB" sz="1000" dirty="0"/>
-              <a:t>, R. (2011). A declarative approach to procedural </a:t>
-            </a:r>
-            <a:r>
-              <a:rPr lang="en-GB" sz="1000" dirty="0" err="1"/>
-              <a:t>modeling</a:t>
-            </a:r>
-            <a:r>
-              <a:rPr lang="en-GB" sz="1000" dirty="0"/>
-              <a:t> of virtual worlds. </a:t>
+              <a:t>, R. and Benes, B. (2014). A survey on Procedural Modelling for Virtual Worlds. </a:t>
             </a:r>
             <a:r>
               <a:rPr lang="en-GB" sz="1000" i="1" dirty="0"/>
-              <a:t>Computers &amp; Graphics</a:t>
-            </a:r>
-            <a:r>
-              <a:rPr lang="en-GB" sz="1000" dirty="0"/>
-              <a:t>, 35(2), pp.352-363.</a:t>
+              <a:t>Computer Graphics Forum</a:t>
+            </a:r>
+            <a:r>
+              <a:rPr lang="en-GB" sz="1000" dirty="0"/>
+              <a:t>, 33(6), pp.31-50.</a:t>
             </a:r>
           </a:p>
         </p:txBody>
       </p:sp>
       <p:sp>
         <p:nvSpPr>
-          <p:cNvPr id="7" name="Content Placeholder 2">
+          <p:cNvPr id="8" name="Content Placeholder 2">
             <a:extLst>
               <a:ext uri="{FF2B5EF4-FFF2-40B4-BE49-F238E27FC236}">
-                <a16:creationId xmlns:a16="http://schemas.microsoft.com/office/drawing/2014/main" id="{6AF1E2B7-90F3-4506-9B86-4FE1222C1B17}"/>
+                <a16:creationId xmlns:a16="http://schemas.microsoft.com/office/drawing/2014/main" id="{A881E077-D9A8-4B41-A583-509E39158977}"/>
               </a:ext>
             </a:extLst>
           </p:cNvPr>
@@ -7516,8 +8390,8 @@
         </p:nvSpPr>
         <p:spPr>
           <a:xfrm>
-            <a:off x="879231" y="1274884"/>
-            <a:ext cx="5873994" cy="4363915"/>
+            <a:off x="879231" y="1274885"/>
+            <a:ext cx="5873994" cy="3567233"/>
           </a:xfrm>
           <a:prstGeom prst="rect">
             <a:avLst/>
@@ -7725,19 +8599,32 @@
           </a:lstStyle>
           <a:p>
             <a:r>
-              <a:rPr lang="en-GB"/>
-              <a:t>aa</a:t>
-            </a:r>
+              <a:rPr lang="en-GB" dirty="0"/>
+              <a:t>To remove this dependency, water can be generated in other ways. Height maps can be searched after generation to search for potential streams in which rivers can be generated. (</a:t>
+            </a:r>
+            <a:r>
+              <a:rPr lang="en-GB" dirty="0" err="1"/>
+              <a:t>Smelik</a:t>
+            </a:r>
+            <a:r>
+              <a:rPr lang="en-GB" dirty="0"/>
+              <a:t>, R Et al., 2014).</a:t>
+            </a:r>
+          </a:p>
+          <a:p>
+            <a:pPr marL="0" indent="0">
+              <a:buNone/>
+            </a:pPr>
             <a:endParaRPr lang="en-GB" dirty="0"/>
           </a:p>
         </p:txBody>
       </p:sp>
       <p:pic>
         <p:nvPicPr>
-          <p:cNvPr id="9" name="Picture 8">
+          <p:cNvPr id="10" name="Picture 9">
             <a:extLst>
               <a:ext uri="{FF2B5EF4-FFF2-40B4-BE49-F238E27FC236}">
-                <a16:creationId xmlns:a16="http://schemas.microsoft.com/office/drawing/2014/main" id="{F7E1084E-24A7-43FF-9311-668FE8A2A100}"/>
+                <a16:creationId xmlns:a16="http://schemas.microsoft.com/office/drawing/2014/main" id="{21559182-E5B3-4CA6-B632-58AC0DE5E904}"/>
               </a:ext>
             </a:extLst>
           </p:cNvPr>
@@ -7747,20 +8634,20 @@
           <p:nvPr/>
         </p:nvPicPr>
         <p:blipFill rotWithShape="1">
-          <a:blip r:embed="rId2">
+          <a:blip r:embed="rId3">
             <a:extLst>
               <a:ext uri="{28A0092B-C50C-407E-A947-70E740481C1C}">
                 <a14:useLocalDpi xmlns:a14="http://schemas.microsoft.com/office/drawing/2010/main" val="0"/>
               </a:ext>
             </a:extLst>
           </a:blip>
-          <a:srcRect t="5889"/>
+          <a:srcRect t="6779"/>
           <a:stretch/>
         </p:blipFill>
         <p:spPr>
           <a:xfrm>
-            <a:off x="7136125" y="1270169"/>
-            <a:ext cx="4385982" cy="4368630"/>
+            <a:off x="7519366" y="1271058"/>
+            <a:ext cx="3619500" cy="3571060"/>
           </a:xfrm>
           <a:prstGeom prst="rect">
             <a:avLst/>
@@ -7770,7 +8657,7 @@
     </p:spTree>
     <p:extLst>
       <p:ext uri="{BB962C8B-B14F-4D97-AF65-F5344CB8AC3E}">
-        <p14:creationId xmlns:p14="http://schemas.microsoft.com/office/powerpoint/2010/main" val="1997387650"/>
+        <p14:creationId xmlns:p14="http://schemas.microsoft.com/office/powerpoint/2010/main" val="987802538"/>
       </p:ext>
     </p:extLst>
   </p:cSld>
@@ -7827,6 +8714,1384 @@
           <a:p>
             <a:r>
               <a:rPr lang="en-GB" dirty="0"/>
+              <a:t>Road network improvements</a:t>
+            </a:r>
+          </a:p>
+        </p:txBody>
+      </p:sp>
+      <p:sp>
+        <p:nvSpPr>
+          <p:cNvPr id="4" name="Content Placeholder 2">
+            <a:extLst>
+              <a:ext uri="{FF2B5EF4-FFF2-40B4-BE49-F238E27FC236}">
+                <a16:creationId xmlns:a16="http://schemas.microsoft.com/office/drawing/2014/main" id="{C44F06C3-D088-4921-80FA-6A04C96C2CC4}"/>
+              </a:ext>
+            </a:extLst>
+          </p:cNvPr>
+          <p:cNvSpPr txBox="1">
+            <a:spLocks/>
+          </p:cNvSpPr>
+          <p:nvPr/>
+        </p:nvSpPr>
+        <p:spPr>
+          <a:xfrm>
+            <a:off x="879231" y="5353050"/>
+            <a:ext cx="11025776" cy="1381125"/>
+          </a:xfrm>
+          <a:prstGeom prst="rect">
+            <a:avLst/>
+          </a:prstGeom>
+          <a:ln>
+            <a:solidFill>
+              <a:schemeClr val="tx1"/>
+            </a:solidFill>
+          </a:ln>
+        </p:spPr>
+        <p:txBody>
+          <a:bodyPr vert="horz" lIns="91440" tIns="45720" rIns="91440" bIns="45720" rtlCol="0">
+            <a:noAutofit/>
+          </a:bodyPr>
+          <a:lstStyle>
+            <a:lvl1pPr marL="384048" indent="-384048" algn="l" defTabSz="914400" rtl="0" eaLnBrk="1" latinLnBrk="0" hangingPunct="1">
+              <a:lnSpc>
+                <a:spcPct val="94000"/>
+              </a:lnSpc>
+              <a:spcBef>
+                <a:spcPts val="1000"/>
+              </a:spcBef>
+              <a:spcAft>
+                <a:spcPts val="200"/>
+              </a:spcAft>
+              <a:buFont typeface="Franklin Gothic Book" panose="020B0503020102020204" pitchFamily="34" charset="0"/>
+              <a:buChar char="■"/>
+              <a:defRPr sz="2000" kern="1200" baseline="0">
+                <a:solidFill>
+                  <a:schemeClr val="tx2"/>
+                </a:solidFill>
+                <a:latin typeface="+mn-lt"/>
+                <a:ea typeface="+mn-ea"/>
+                <a:cs typeface="+mn-cs"/>
+              </a:defRPr>
+            </a:lvl1pPr>
+            <a:lvl2pPr marL="914400" indent="-384048" algn="l" defTabSz="914400" rtl="0" eaLnBrk="1" latinLnBrk="0" hangingPunct="1">
+              <a:lnSpc>
+                <a:spcPct val="94000"/>
+              </a:lnSpc>
+              <a:spcBef>
+                <a:spcPts val="500"/>
+              </a:spcBef>
+              <a:spcAft>
+                <a:spcPts val="200"/>
+              </a:spcAft>
+              <a:buFont typeface="Franklin Gothic Book" panose="020B0503020102020204" pitchFamily="34" charset="0"/>
+              <a:buChar char="–"/>
+              <a:defRPr sz="2000" i="1" kern="1200" baseline="0">
+                <a:solidFill>
+                  <a:schemeClr val="tx2"/>
+                </a:solidFill>
+                <a:latin typeface="+mn-lt"/>
+                <a:ea typeface="+mn-ea"/>
+                <a:cs typeface="+mn-cs"/>
+              </a:defRPr>
+            </a:lvl2pPr>
+            <a:lvl3pPr marL="1371600" indent="-384048" algn="l" defTabSz="914400" rtl="0" eaLnBrk="1" latinLnBrk="0" hangingPunct="1">
+              <a:lnSpc>
+                <a:spcPct val="94000"/>
+              </a:lnSpc>
+              <a:spcBef>
+                <a:spcPts val="500"/>
+              </a:spcBef>
+              <a:spcAft>
+                <a:spcPts val="200"/>
+              </a:spcAft>
+              <a:buFont typeface="Franklin Gothic Book" panose="020B0503020102020204" pitchFamily="34" charset="0"/>
+              <a:buChar char="■"/>
+              <a:defRPr sz="1800" kern="1200" baseline="0">
+                <a:solidFill>
+                  <a:schemeClr val="tx2"/>
+                </a:solidFill>
+                <a:latin typeface="+mn-lt"/>
+                <a:ea typeface="+mn-ea"/>
+                <a:cs typeface="+mn-cs"/>
+              </a:defRPr>
+            </a:lvl3pPr>
+            <a:lvl4pPr marL="1828800" indent="-384048" algn="l" defTabSz="914400" rtl="0" eaLnBrk="1" latinLnBrk="0" hangingPunct="1">
+              <a:lnSpc>
+                <a:spcPct val="94000"/>
+              </a:lnSpc>
+              <a:spcBef>
+                <a:spcPts val="500"/>
+              </a:spcBef>
+              <a:spcAft>
+                <a:spcPts val="200"/>
+              </a:spcAft>
+              <a:buFont typeface="Franklin Gothic Book" panose="020B0503020102020204" pitchFamily="34" charset="0"/>
+              <a:buChar char="–"/>
+              <a:defRPr sz="1800" i="1" kern="1200" baseline="0">
+                <a:solidFill>
+                  <a:schemeClr val="tx2"/>
+                </a:solidFill>
+                <a:latin typeface="+mn-lt"/>
+                <a:ea typeface="+mn-ea"/>
+                <a:cs typeface="+mn-cs"/>
+              </a:defRPr>
+            </a:lvl4pPr>
+            <a:lvl5pPr marL="2286000" indent="-384048" algn="l" defTabSz="914400" rtl="0" eaLnBrk="1" latinLnBrk="0" hangingPunct="1">
+              <a:lnSpc>
+                <a:spcPct val="94000"/>
+              </a:lnSpc>
+              <a:spcBef>
+                <a:spcPts val="500"/>
+              </a:spcBef>
+              <a:spcAft>
+                <a:spcPts val="200"/>
+              </a:spcAft>
+              <a:buFont typeface="Franklin Gothic Book" panose="020B0503020102020204" pitchFamily="34" charset="0"/>
+              <a:buChar char="■"/>
+              <a:defRPr sz="1600" kern="1200" baseline="0">
+                <a:solidFill>
+                  <a:schemeClr val="tx2"/>
+                </a:solidFill>
+                <a:latin typeface="+mn-lt"/>
+                <a:ea typeface="+mn-ea"/>
+                <a:cs typeface="+mn-cs"/>
+              </a:defRPr>
+            </a:lvl5pPr>
+            <a:lvl6pPr marL="2743200" indent="-384048" algn="l" defTabSz="914400" rtl="0" eaLnBrk="1" latinLnBrk="0" hangingPunct="1">
+              <a:lnSpc>
+                <a:spcPct val="94000"/>
+              </a:lnSpc>
+              <a:spcBef>
+                <a:spcPts val="500"/>
+              </a:spcBef>
+              <a:spcAft>
+                <a:spcPts val="200"/>
+              </a:spcAft>
+              <a:buFont typeface="Franklin Gothic Book" panose="020B0503020102020204" pitchFamily="34" charset="0"/>
+              <a:buChar char="–"/>
+              <a:defRPr sz="1600" i="1" kern="1200" baseline="0">
+                <a:solidFill>
+                  <a:schemeClr val="tx2"/>
+                </a:solidFill>
+                <a:latin typeface="+mn-lt"/>
+                <a:ea typeface="+mn-ea"/>
+                <a:cs typeface="+mn-cs"/>
+              </a:defRPr>
+            </a:lvl6pPr>
+            <a:lvl7pPr marL="3200400" indent="-384048" algn="l" defTabSz="914400" rtl="0" eaLnBrk="1" latinLnBrk="0" hangingPunct="1">
+              <a:lnSpc>
+                <a:spcPct val="94000"/>
+              </a:lnSpc>
+              <a:spcBef>
+                <a:spcPts val="500"/>
+              </a:spcBef>
+              <a:spcAft>
+                <a:spcPts val="200"/>
+              </a:spcAft>
+              <a:buFont typeface="Franklin Gothic Book" panose="020B0503020102020204" pitchFamily="34" charset="0"/>
+              <a:buChar char="■"/>
+              <a:defRPr sz="1400" kern="1200" baseline="0">
+                <a:solidFill>
+                  <a:schemeClr val="tx2"/>
+                </a:solidFill>
+                <a:latin typeface="+mn-lt"/>
+                <a:ea typeface="+mn-ea"/>
+                <a:cs typeface="+mn-cs"/>
+              </a:defRPr>
+            </a:lvl7pPr>
+            <a:lvl8pPr marL="3657600" indent="-384048" algn="l" defTabSz="914400" rtl="0" eaLnBrk="1" latinLnBrk="0" hangingPunct="1">
+              <a:lnSpc>
+                <a:spcPct val="94000"/>
+              </a:lnSpc>
+              <a:spcBef>
+                <a:spcPts val="500"/>
+              </a:spcBef>
+              <a:spcAft>
+                <a:spcPts val="200"/>
+              </a:spcAft>
+              <a:buFont typeface="Franklin Gothic Book" panose="020B0503020102020204" pitchFamily="34" charset="0"/>
+              <a:buChar char="–"/>
+              <a:defRPr sz="1400" i="1" kern="1200" baseline="0">
+                <a:solidFill>
+                  <a:schemeClr val="tx2"/>
+                </a:solidFill>
+                <a:latin typeface="+mn-lt"/>
+                <a:ea typeface="+mn-ea"/>
+                <a:cs typeface="+mn-cs"/>
+              </a:defRPr>
+            </a:lvl8pPr>
+            <a:lvl9pPr marL="4114800" indent="-384048" algn="l" defTabSz="914400" rtl="0" eaLnBrk="1" latinLnBrk="0" hangingPunct="1">
+              <a:lnSpc>
+                <a:spcPct val="94000"/>
+              </a:lnSpc>
+              <a:spcBef>
+                <a:spcPts val="500"/>
+              </a:spcBef>
+              <a:spcAft>
+                <a:spcPts val="200"/>
+              </a:spcAft>
+              <a:buFont typeface="Franklin Gothic Book" panose="020B0503020102020204" pitchFamily="34" charset="0"/>
+              <a:buChar char="■"/>
+              <a:defRPr sz="1400" kern="1200" baseline="0">
+                <a:solidFill>
+                  <a:schemeClr val="tx2"/>
+                </a:solidFill>
+                <a:latin typeface="+mn-lt"/>
+                <a:ea typeface="+mn-ea"/>
+                <a:cs typeface="+mn-cs"/>
+              </a:defRPr>
+            </a:lvl9pPr>
+          </a:lstStyle>
+          <a:p>
+            <a:pPr marL="0" indent="0" fontAlgn="base">
+              <a:buNone/>
+            </a:pPr>
+            <a:r>
+              <a:rPr lang="en-GB" sz="1000" dirty="0"/>
+              <a:t>Kelly, G. McCabe, H. (2006). “A Survey of Procedural Techniques for City Generation”. In </a:t>
+            </a:r>
+            <a:r>
+              <a:rPr lang="en-GB" sz="1000" i="1" dirty="0"/>
+              <a:t>ITB Journal, No. 14</a:t>
+            </a:r>
+            <a:endParaRPr lang="en-GB" sz="1000" dirty="0"/>
+          </a:p>
+          <a:p>
+            <a:pPr marL="0" indent="0" fontAlgn="base">
+              <a:buNone/>
+            </a:pPr>
+            <a:r>
+              <a:rPr lang="en-GB" sz="1000" dirty="0" err="1"/>
+              <a:t>Martek</a:t>
+            </a:r>
+            <a:r>
+              <a:rPr lang="en-GB" sz="1000" dirty="0"/>
+              <a:t>, C. (2012). “Procedural generation of road networks for large virtual environments.” Rochester Institute of Technology.</a:t>
+            </a:r>
+          </a:p>
+          <a:p>
+            <a:pPr marL="0" indent="0" fontAlgn="base">
+              <a:buNone/>
+            </a:pPr>
+            <a:r>
+              <a:rPr lang="en-GB" sz="1000" dirty="0"/>
+              <a:t>Muller, P and Parish, Y, I, H. (2001). “Procedural </a:t>
+            </a:r>
+            <a:r>
+              <a:rPr lang="en-GB" sz="1000" dirty="0" err="1"/>
+              <a:t>modeling</a:t>
+            </a:r>
+            <a:r>
+              <a:rPr lang="en-GB" sz="1000" dirty="0"/>
+              <a:t> of cities”. In Proceedings of the 28th annual conference on Computer graphics and interactive techniques (SIGGRAPH ’01). </a:t>
+            </a:r>
+            <a:r>
+              <a:rPr lang="en-GB" sz="1000" dirty="0" err="1"/>
+              <a:t>Acm</a:t>
+            </a:r>
+            <a:r>
+              <a:rPr lang="en-GB" sz="1000" dirty="0"/>
+              <a:t>, New York, NY, USA. 301 – 308.</a:t>
+            </a:r>
+          </a:p>
+          <a:p>
+            <a:pPr marL="0" indent="0" fontAlgn="base">
+              <a:buNone/>
+            </a:pPr>
+            <a:r>
+              <a:rPr lang="en-GB" sz="1000" dirty="0"/>
+              <a:t>Sun, J. Yu, X. </a:t>
+            </a:r>
+            <a:r>
+              <a:rPr lang="en-GB" sz="1000" dirty="0" err="1"/>
+              <a:t>Baciu</a:t>
+            </a:r>
+            <a:r>
+              <a:rPr lang="en-GB" sz="1000" dirty="0"/>
+              <a:t>, G. Green, M. (2002). “Template-based generation of road networks for virtual city </a:t>
+            </a:r>
+            <a:r>
+              <a:rPr lang="en-GB" sz="1000" dirty="0" err="1"/>
+              <a:t>modeling</a:t>
+            </a:r>
+            <a:r>
+              <a:rPr lang="en-GB" sz="1000" dirty="0"/>
+              <a:t>”. In Proceedings of the ACM symposium on Virtual reality software and technology (VRST ’02). </a:t>
+            </a:r>
+            <a:r>
+              <a:rPr lang="en-GB" sz="1000" dirty="0" err="1"/>
+              <a:t>Acm</a:t>
+            </a:r>
+            <a:r>
+              <a:rPr lang="en-GB" sz="1000" dirty="0"/>
+              <a:t>, New Work, NY, USA, 33 – 40.</a:t>
+            </a:r>
+          </a:p>
+        </p:txBody>
+      </p:sp>
+      <p:sp>
+        <p:nvSpPr>
+          <p:cNvPr id="7" name="Content Placeholder 2">
+            <a:extLst>
+              <a:ext uri="{FF2B5EF4-FFF2-40B4-BE49-F238E27FC236}">
+                <a16:creationId xmlns:a16="http://schemas.microsoft.com/office/drawing/2014/main" id="{677DC107-6E4D-45D9-B8CD-8FB83DE26374}"/>
+              </a:ext>
+            </a:extLst>
+          </p:cNvPr>
+          <p:cNvSpPr txBox="1">
+            <a:spLocks/>
+          </p:cNvSpPr>
+          <p:nvPr/>
+        </p:nvSpPr>
+        <p:spPr>
+          <a:xfrm>
+            <a:off x="879231" y="1274884"/>
+            <a:ext cx="5873994" cy="3982915"/>
+          </a:xfrm>
+          <a:prstGeom prst="rect">
+            <a:avLst/>
+          </a:prstGeom>
+          <a:ln>
+            <a:solidFill>
+              <a:schemeClr val="tx1"/>
+            </a:solidFill>
+          </a:ln>
+        </p:spPr>
+        <p:txBody>
+          <a:bodyPr vert="horz" lIns="91440" tIns="45720" rIns="91440" bIns="45720" rtlCol="0">
+            <a:normAutofit/>
+          </a:bodyPr>
+          <a:lstStyle>
+            <a:lvl1pPr marL="384048" indent="-384048" algn="l" defTabSz="914400" rtl="0" eaLnBrk="1" latinLnBrk="0" hangingPunct="1">
+              <a:lnSpc>
+                <a:spcPct val="94000"/>
+              </a:lnSpc>
+              <a:spcBef>
+                <a:spcPts val="1000"/>
+              </a:spcBef>
+              <a:spcAft>
+                <a:spcPts val="200"/>
+              </a:spcAft>
+              <a:buFont typeface="Franklin Gothic Book" panose="020B0503020102020204" pitchFamily="34" charset="0"/>
+              <a:buChar char="■"/>
+              <a:defRPr sz="2000" kern="1200" baseline="0">
+                <a:solidFill>
+                  <a:schemeClr val="tx2"/>
+                </a:solidFill>
+                <a:latin typeface="+mn-lt"/>
+                <a:ea typeface="+mn-ea"/>
+                <a:cs typeface="+mn-cs"/>
+              </a:defRPr>
+            </a:lvl1pPr>
+            <a:lvl2pPr marL="914400" indent="-384048" algn="l" defTabSz="914400" rtl="0" eaLnBrk="1" latinLnBrk="0" hangingPunct="1">
+              <a:lnSpc>
+                <a:spcPct val="94000"/>
+              </a:lnSpc>
+              <a:spcBef>
+                <a:spcPts val="500"/>
+              </a:spcBef>
+              <a:spcAft>
+                <a:spcPts val="200"/>
+              </a:spcAft>
+              <a:buFont typeface="Franklin Gothic Book" panose="020B0503020102020204" pitchFamily="34" charset="0"/>
+              <a:buChar char="–"/>
+              <a:defRPr sz="2000" i="1" kern="1200" baseline="0">
+                <a:solidFill>
+                  <a:schemeClr val="tx2"/>
+                </a:solidFill>
+                <a:latin typeface="+mn-lt"/>
+                <a:ea typeface="+mn-ea"/>
+                <a:cs typeface="+mn-cs"/>
+              </a:defRPr>
+            </a:lvl2pPr>
+            <a:lvl3pPr marL="1371600" indent="-384048" algn="l" defTabSz="914400" rtl="0" eaLnBrk="1" latinLnBrk="0" hangingPunct="1">
+              <a:lnSpc>
+                <a:spcPct val="94000"/>
+              </a:lnSpc>
+              <a:spcBef>
+                <a:spcPts val="500"/>
+              </a:spcBef>
+              <a:spcAft>
+                <a:spcPts val="200"/>
+              </a:spcAft>
+              <a:buFont typeface="Franklin Gothic Book" panose="020B0503020102020204" pitchFamily="34" charset="0"/>
+              <a:buChar char="■"/>
+              <a:defRPr sz="1800" kern="1200" baseline="0">
+                <a:solidFill>
+                  <a:schemeClr val="tx2"/>
+                </a:solidFill>
+                <a:latin typeface="+mn-lt"/>
+                <a:ea typeface="+mn-ea"/>
+                <a:cs typeface="+mn-cs"/>
+              </a:defRPr>
+            </a:lvl3pPr>
+            <a:lvl4pPr marL="1828800" indent="-384048" algn="l" defTabSz="914400" rtl="0" eaLnBrk="1" latinLnBrk="0" hangingPunct="1">
+              <a:lnSpc>
+                <a:spcPct val="94000"/>
+              </a:lnSpc>
+              <a:spcBef>
+                <a:spcPts val="500"/>
+              </a:spcBef>
+              <a:spcAft>
+                <a:spcPts val="200"/>
+              </a:spcAft>
+              <a:buFont typeface="Franklin Gothic Book" panose="020B0503020102020204" pitchFamily="34" charset="0"/>
+              <a:buChar char="–"/>
+              <a:defRPr sz="1800" i="1" kern="1200" baseline="0">
+                <a:solidFill>
+                  <a:schemeClr val="tx2"/>
+                </a:solidFill>
+                <a:latin typeface="+mn-lt"/>
+                <a:ea typeface="+mn-ea"/>
+                <a:cs typeface="+mn-cs"/>
+              </a:defRPr>
+            </a:lvl4pPr>
+            <a:lvl5pPr marL="2286000" indent="-384048" algn="l" defTabSz="914400" rtl="0" eaLnBrk="1" latinLnBrk="0" hangingPunct="1">
+              <a:lnSpc>
+                <a:spcPct val="94000"/>
+              </a:lnSpc>
+              <a:spcBef>
+                <a:spcPts val="500"/>
+              </a:spcBef>
+              <a:spcAft>
+                <a:spcPts val="200"/>
+              </a:spcAft>
+              <a:buFont typeface="Franklin Gothic Book" panose="020B0503020102020204" pitchFamily="34" charset="0"/>
+              <a:buChar char="■"/>
+              <a:defRPr sz="1600" kern="1200" baseline="0">
+                <a:solidFill>
+                  <a:schemeClr val="tx2"/>
+                </a:solidFill>
+                <a:latin typeface="+mn-lt"/>
+                <a:ea typeface="+mn-ea"/>
+                <a:cs typeface="+mn-cs"/>
+              </a:defRPr>
+            </a:lvl5pPr>
+            <a:lvl6pPr marL="2743200" indent="-384048" algn="l" defTabSz="914400" rtl="0" eaLnBrk="1" latinLnBrk="0" hangingPunct="1">
+              <a:lnSpc>
+                <a:spcPct val="94000"/>
+              </a:lnSpc>
+              <a:spcBef>
+                <a:spcPts val="500"/>
+              </a:spcBef>
+              <a:spcAft>
+                <a:spcPts val="200"/>
+              </a:spcAft>
+              <a:buFont typeface="Franklin Gothic Book" panose="020B0503020102020204" pitchFamily="34" charset="0"/>
+              <a:buChar char="–"/>
+              <a:defRPr sz="1600" i="1" kern="1200" baseline="0">
+                <a:solidFill>
+                  <a:schemeClr val="tx2"/>
+                </a:solidFill>
+                <a:latin typeface="+mn-lt"/>
+                <a:ea typeface="+mn-ea"/>
+                <a:cs typeface="+mn-cs"/>
+              </a:defRPr>
+            </a:lvl6pPr>
+            <a:lvl7pPr marL="3200400" indent="-384048" algn="l" defTabSz="914400" rtl="0" eaLnBrk="1" latinLnBrk="0" hangingPunct="1">
+              <a:lnSpc>
+                <a:spcPct val="94000"/>
+              </a:lnSpc>
+              <a:spcBef>
+                <a:spcPts val="500"/>
+              </a:spcBef>
+              <a:spcAft>
+                <a:spcPts val="200"/>
+              </a:spcAft>
+              <a:buFont typeface="Franklin Gothic Book" panose="020B0503020102020204" pitchFamily="34" charset="0"/>
+              <a:buChar char="■"/>
+              <a:defRPr sz="1400" kern="1200" baseline="0">
+                <a:solidFill>
+                  <a:schemeClr val="tx2"/>
+                </a:solidFill>
+                <a:latin typeface="+mn-lt"/>
+                <a:ea typeface="+mn-ea"/>
+                <a:cs typeface="+mn-cs"/>
+              </a:defRPr>
+            </a:lvl7pPr>
+            <a:lvl8pPr marL="3657600" indent="-384048" algn="l" defTabSz="914400" rtl="0" eaLnBrk="1" latinLnBrk="0" hangingPunct="1">
+              <a:lnSpc>
+                <a:spcPct val="94000"/>
+              </a:lnSpc>
+              <a:spcBef>
+                <a:spcPts val="500"/>
+              </a:spcBef>
+              <a:spcAft>
+                <a:spcPts val="200"/>
+              </a:spcAft>
+              <a:buFont typeface="Franklin Gothic Book" panose="020B0503020102020204" pitchFamily="34" charset="0"/>
+              <a:buChar char="–"/>
+              <a:defRPr sz="1400" i="1" kern="1200" baseline="0">
+                <a:solidFill>
+                  <a:schemeClr val="tx2"/>
+                </a:solidFill>
+                <a:latin typeface="+mn-lt"/>
+                <a:ea typeface="+mn-ea"/>
+                <a:cs typeface="+mn-cs"/>
+              </a:defRPr>
+            </a:lvl8pPr>
+            <a:lvl9pPr marL="4114800" indent="-384048" algn="l" defTabSz="914400" rtl="0" eaLnBrk="1" latinLnBrk="0" hangingPunct="1">
+              <a:lnSpc>
+                <a:spcPct val="94000"/>
+              </a:lnSpc>
+              <a:spcBef>
+                <a:spcPts val="500"/>
+              </a:spcBef>
+              <a:spcAft>
+                <a:spcPts val="200"/>
+              </a:spcAft>
+              <a:buFont typeface="Franklin Gothic Book" panose="020B0503020102020204" pitchFamily="34" charset="0"/>
+              <a:buChar char="■"/>
+              <a:defRPr sz="1400" kern="1200" baseline="0">
+                <a:solidFill>
+                  <a:schemeClr val="tx2"/>
+                </a:solidFill>
+                <a:latin typeface="+mn-lt"/>
+                <a:ea typeface="+mn-ea"/>
+                <a:cs typeface="+mn-cs"/>
+              </a:defRPr>
+            </a:lvl9pPr>
+          </a:lstStyle>
+          <a:p>
+            <a:r>
+              <a:rPr lang="en-GB" dirty="0"/>
+              <a:t>Highways connect areas of high population whilst streets cover the area between highways, creating </a:t>
+            </a:r>
+            <a:r>
+              <a:rPr lang="en-GB" dirty="0" err="1"/>
+              <a:t>neighborhoods</a:t>
+            </a:r>
+            <a:r>
+              <a:rPr lang="en-GB" dirty="0"/>
+              <a:t> and offering access to the main highways. (Muller P and Parish Y I H, 2001).</a:t>
+            </a:r>
+          </a:p>
+          <a:p>
+            <a:endParaRPr lang="en-GB" dirty="0"/>
+          </a:p>
+          <a:p>
+            <a:r>
+              <a:rPr lang="en-GB" dirty="0"/>
+              <a:t>“Highways are like main arteries in a body while streets like capillary vessels”. (Sun, J Et al. 2002).</a:t>
+            </a:r>
+          </a:p>
+        </p:txBody>
+      </p:sp>
+      <p:pic>
+        <p:nvPicPr>
+          <p:cNvPr id="9" name="Picture 8">
+            <a:extLst>
+              <a:ext uri="{FF2B5EF4-FFF2-40B4-BE49-F238E27FC236}">
+                <a16:creationId xmlns:a16="http://schemas.microsoft.com/office/drawing/2014/main" id="{E8379413-37A0-4A14-BB9F-2A132C750A1C}"/>
+              </a:ext>
+            </a:extLst>
+          </p:cNvPr>
+          <p:cNvPicPr>
+            <a:picLocks noChangeAspect="1"/>
+          </p:cNvPicPr>
+          <p:nvPr/>
+        </p:nvPicPr>
+        <p:blipFill rotWithShape="1">
+          <a:blip r:embed="rId2">
+            <a:extLst>
+              <a:ext uri="{28A0092B-C50C-407E-A947-70E740481C1C}">
+                <a14:useLocalDpi xmlns:a14="http://schemas.microsoft.com/office/drawing/2010/main" val="0"/>
+              </a:ext>
+            </a:extLst>
+          </a:blip>
+          <a:srcRect t="6084"/>
+          <a:stretch/>
+        </p:blipFill>
+        <p:spPr>
+          <a:xfrm>
+            <a:off x="7346438" y="1274884"/>
+            <a:ext cx="3965356" cy="3941466"/>
+          </a:xfrm>
+          <a:prstGeom prst="rect">
+            <a:avLst/>
+          </a:prstGeom>
+        </p:spPr>
+      </p:pic>
+    </p:spTree>
+    <p:extLst>
+      <p:ext uri="{BB962C8B-B14F-4D97-AF65-F5344CB8AC3E}">
+        <p14:creationId xmlns:p14="http://schemas.microsoft.com/office/powerpoint/2010/main" val="1106566841"/>
+      </p:ext>
+    </p:extLst>
+  </p:cSld>
+  <p:clrMapOvr>
+    <a:masterClrMapping/>
+  </p:clrMapOvr>
+</p:sld>
+</file>
+
+<file path=ppt/slides/slide17.xml><?xml version="1.0" encoding="utf-8"?>
+<p:sld xmlns:a="http://schemas.openxmlformats.org/drawingml/2006/main" xmlns:r="http://schemas.openxmlformats.org/officeDocument/2006/relationships" xmlns:p="http://schemas.openxmlformats.org/presentationml/2006/main">
+  <p:cSld>
+    <p:spTree>
+      <p:nvGrpSpPr>
+        <p:cNvPr id="1" name=""/>
+        <p:cNvGrpSpPr/>
+        <p:nvPr/>
+      </p:nvGrpSpPr>
+      <p:grpSpPr>
+        <a:xfrm>
+          <a:off x="0" y="0"/>
+          <a:ext cx="0" cy="0"/>
+          <a:chOff x="0" y="0"/>
+          <a:chExt cx="0" cy="0"/>
+        </a:xfrm>
+      </p:grpSpPr>
+      <p:sp>
+        <p:nvSpPr>
+          <p:cNvPr id="2" name="Title 1">
+            <a:extLst>
+              <a:ext uri="{FF2B5EF4-FFF2-40B4-BE49-F238E27FC236}">
+                <a16:creationId xmlns:a16="http://schemas.microsoft.com/office/drawing/2014/main" id="{750ADED0-C0EC-46CC-B4D1-770A80CB767A}"/>
+              </a:ext>
+            </a:extLst>
+          </p:cNvPr>
+          <p:cNvSpPr>
+            <a:spLocks noGrp="1"/>
+          </p:cNvSpPr>
+          <p:nvPr>
+            <p:ph type="title"/>
+          </p:nvPr>
+        </p:nvSpPr>
+        <p:spPr>
+          <a:xfrm>
+            <a:off x="879231" y="281354"/>
+            <a:ext cx="11025776" cy="993531"/>
+          </a:xfrm>
+        </p:spPr>
+        <p:txBody>
+          <a:bodyPr>
+            <a:normAutofit/>
+          </a:bodyPr>
+          <a:lstStyle/>
+          <a:p>
+            <a:r>
+              <a:rPr lang="en-GB" dirty="0"/>
+              <a:t>Building lot generation</a:t>
+            </a:r>
+          </a:p>
+        </p:txBody>
+      </p:sp>
+      <p:sp>
+        <p:nvSpPr>
+          <p:cNvPr id="4" name="Content Placeholder 2">
+            <a:extLst>
+              <a:ext uri="{FF2B5EF4-FFF2-40B4-BE49-F238E27FC236}">
+                <a16:creationId xmlns:a16="http://schemas.microsoft.com/office/drawing/2014/main" id="{C44F06C3-D088-4921-80FA-6A04C96C2CC4}"/>
+              </a:ext>
+            </a:extLst>
+          </p:cNvPr>
+          <p:cNvSpPr txBox="1">
+            <a:spLocks/>
+          </p:cNvSpPr>
+          <p:nvPr/>
+        </p:nvSpPr>
+        <p:spPr>
+          <a:xfrm>
+            <a:off x="879231" y="5762625"/>
+            <a:ext cx="11025776" cy="971550"/>
+          </a:xfrm>
+          <a:prstGeom prst="rect">
+            <a:avLst/>
+          </a:prstGeom>
+          <a:ln>
+            <a:solidFill>
+              <a:schemeClr val="tx1"/>
+            </a:solidFill>
+          </a:ln>
+        </p:spPr>
+        <p:txBody>
+          <a:bodyPr vert="horz" lIns="91440" tIns="45720" rIns="91440" bIns="45720" rtlCol="0">
+            <a:noAutofit/>
+          </a:bodyPr>
+          <a:lstStyle>
+            <a:lvl1pPr marL="384048" indent="-384048" algn="l" defTabSz="914400" rtl="0" eaLnBrk="1" latinLnBrk="0" hangingPunct="1">
+              <a:lnSpc>
+                <a:spcPct val="94000"/>
+              </a:lnSpc>
+              <a:spcBef>
+                <a:spcPts val="1000"/>
+              </a:spcBef>
+              <a:spcAft>
+                <a:spcPts val="200"/>
+              </a:spcAft>
+              <a:buFont typeface="Franklin Gothic Book" panose="020B0503020102020204" pitchFamily="34" charset="0"/>
+              <a:buChar char="■"/>
+              <a:defRPr sz="2000" kern="1200" baseline="0">
+                <a:solidFill>
+                  <a:schemeClr val="tx2"/>
+                </a:solidFill>
+                <a:latin typeface="+mn-lt"/>
+                <a:ea typeface="+mn-ea"/>
+                <a:cs typeface="+mn-cs"/>
+              </a:defRPr>
+            </a:lvl1pPr>
+            <a:lvl2pPr marL="914400" indent="-384048" algn="l" defTabSz="914400" rtl="0" eaLnBrk="1" latinLnBrk="0" hangingPunct="1">
+              <a:lnSpc>
+                <a:spcPct val="94000"/>
+              </a:lnSpc>
+              <a:spcBef>
+                <a:spcPts val="500"/>
+              </a:spcBef>
+              <a:spcAft>
+                <a:spcPts val="200"/>
+              </a:spcAft>
+              <a:buFont typeface="Franklin Gothic Book" panose="020B0503020102020204" pitchFamily="34" charset="0"/>
+              <a:buChar char="–"/>
+              <a:defRPr sz="2000" i="1" kern="1200" baseline="0">
+                <a:solidFill>
+                  <a:schemeClr val="tx2"/>
+                </a:solidFill>
+                <a:latin typeface="+mn-lt"/>
+                <a:ea typeface="+mn-ea"/>
+                <a:cs typeface="+mn-cs"/>
+              </a:defRPr>
+            </a:lvl2pPr>
+            <a:lvl3pPr marL="1371600" indent="-384048" algn="l" defTabSz="914400" rtl="0" eaLnBrk="1" latinLnBrk="0" hangingPunct="1">
+              <a:lnSpc>
+                <a:spcPct val="94000"/>
+              </a:lnSpc>
+              <a:spcBef>
+                <a:spcPts val="500"/>
+              </a:spcBef>
+              <a:spcAft>
+                <a:spcPts val="200"/>
+              </a:spcAft>
+              <a:buFont typeface="Franklin Gothic Book" panose="020B0503020102020204" pitchFamily="34" charset="0"/>
+              <a:buChar char="■"/>
+              <a:defRPr sz="1800" kern="1200" baseline="0">
+                <a:solidFill>
+                  <a:schemeClr val="tx2"/>
+                </a:solidFill>
+                <a:latin typeface="+mn-lt"/>
+                <a:ea typeface="+mn-ea"/>
+                <a:cs typeface="+mn-cs"/>
+              </a:defRPr>
+            </a:lvl3pPr>
+            <a:lvl4pPr marL="1828800" indent="-384048" algn="l" defTabSz="914400" rtl="0" eaLnBrk="1" latinLnBrk="0" hangingPunct="1">
+              <a:lnSpc>
+                <a:spcPct val="94000"/>
+              </a:lnSpc>
+              <a:spcBef>
+                <a:spcPts val="500"/>
+              </a:spcBef>
+              <a:spcAft>
+                <a:spcPts val="200"/>
+              </a:spcAft>
+              <a:buFont typeface="Franklin Gothic Book" panose="020B0503020102020204" pitchFamily="34" charset="0"/>
+              <a:buChar char="–"/>
+              <a:defRPr sz="1800" i="1" kern="1200" baseline="0">
+                <a:solidFill>
+                  <a:schemeClr val="tx2"/>
+                </a:solidFill>
+                <a:latin typeface="+mn-lt"/>
+                <a:ea typeface="+mn-ea"/>
+                <a:cs typeface="+mn-cs"/>
+              </a:defRPr>
+            </a:lvl4pPr>
+            <a:lvl5pPr marL="2286000" indent="-384048" algn="l" defTabSz="914400" rtl="0" eaLnBrk="1" latinLnBrk="0" hangingPunct="1">
+              <a:lnSpc>
+                <a:spcPct val="94000"/>
+              </a:lnSpc>
+              <a:spcBef>
+                <a:spcPts val="500"/>
+              </a:spcBef>
+              <a:spcAft>
+                <a:spcPts val="200"/>
+              </a:spcAft>
+              <a:buFont typeface="Franklin Gothic Book" panose="020B0503020102020204" pitchFamily="34" charset="0"/>
+              <a:buChar char="■"/>
+              <a:defRPr sz="1600" kern="1200" baseline="0">
+                <a:solidFill>
+                  <a:schemeClr val="tx2"/>
+                </a:solidFill>
+                <a:latin typeface="+mn-lt"/>
+                <a:ea typeface="+mn-ea"/>
+                <a:cs typeface="+mn-cs"/>
+              </a:defRPr>
+            </a:lvl5pPr>
+            <a:lvl6pPr marL="2743200" indent="-384048" algn="l" defTabSz="914400" rtl="0" eaLnBrk="1" latinLnBrk="0" hangingPunct="1">
+              <a:lnSpc>
+                <a:spcPct val="94000"/>
+              </a:lnSpc>
+              <a:spcBef>
+                <a:spcPts val="500"/>
+              </a:spcBef>
+              <a:spcAft>
+                <a:spcPts val="200"/>
+              </a:spcAft>
+              <a:buFont typeface="Franklin Gothic Book" panose="020B0503020102020204" pitchFamily="34" charset="0"/>
+              <a:buChar char="–"/>
+              <a:defRPr sz="1600" i="1" kern="1200" baseline="0">
+                <a:solidFill>
+                  <a:schemeClr val="tx2"/>
+                </a:solidFill>
+                <a:latin typeface="+mn-lt"/>
+                <a:ea typeface="+mn-ea"/>
+                <a:cs typeface="+mn-cs"/>
+              </a:defRPr>
+            </a:lvl6pPr>
+            <a:lvl7pPr marL="3200400" indent="-384048" algn="l" defTabSz="914400" rtl="0" eaLnBrk="1" latinLnBrk="0" hangingPunct="1">
+              <a:lnSpc>
+                <a:spcPct val="94000"/>
+              </a:lnSpc>
+              <a:spcBef>
+                <a:spcPts val="500"/>
+              </a:spcBef>
+              <a:spcAft>
+                <a:spcPts val="200"/>
+              </a:spcAft>
+              <a:buFont typeface="Franklin Gothic Book" panose="020B0503020102020204" pitchFamily="34" charset="0"/>
+              <a:buChar char="■"/>
+              <a:defRPr sz="1400" kern="1200" baseline="0">
+                <a:solidFill>
+                  <a:schemeClr val="tx2"/>
+                </a:solidFill>
+                <a:latin typeface="+mn-lt"/>
+                <a:ea typeface="+mn-ea"/>
+                <a:cs typeface="+mn-cs"/>
+              </a:defRPr>
+            </a:lvl7pPr>
+            <a:lvl8pPr marL="3657600" indent="-384048" algn="l" defTabSz="914400" rtl="0" eaLnBrk="1" latinLnBrk="0" hangingPunct="1">
+              <a:lnSpc>
+                <a:spcPct val="94000"/>
+              </a:lnSpc>
+              <a:spcBef>
+                <a:spcPts val="500"/>
+              </a:spcBef>
+              <a:spcAft>
+                <a:spcPts val="200"/>
+              </a:spcAft>
+              <a:buFont typeface="Franklin Gothic Book" panose="020B0503020102020204" pitchFamily="34" charset="0"/>
+              <a:buChar char="–"/>
+              <a:defRPr sz="1400" i="1" kern="1200" baseline="0">
+                <a:solidFill>
+                  <a:schemeClr val="tx2"/>
+                </a:solidFill>
+                <a:latin typeface="+mn-lt"/>
+                <a:ea typeface="+mn-ea"/>
+                <a:cs typeface="+mn-cs"/>
+              </a:defRPr>
+            </a:lvl8pPr>
+            <a:lvl9pPr marL="4114800" indent="-384048" algn="l" defTabSz="914400" rtl="0" eaLnBrk="1" latinLnBrk="0" hangingPunct="1">
+              <a:lnSpc>
+                <a:spcPct val="94000"/>
+              </a:lnSpc>
+              <a:spcBef>
+                <a:spcPts val="500"/>
+              </a:spcBef>
+              <a:spcAft>
+                <a:spcPts val="200"/>
+              </a:spcAft>
+              <a:buFont typeface="Franklin Gothic Book" panose="020B0503020102020204" pitchFamily="34" charset="0"/>
+              <a:buChar char="■"/>
+              <a:defRPr sz="1400" kern="1200" baseline="0">
+                <a:solidFill>
+                  <a:schemeClr val="tx2"/>
+                </a:solidFill>
+                <a:latin typeface="+mn-lt"/>
+                <a:ea typeface="+mn-ea"/>
+                <a:cs typeface="+mn-cs"/>
+              </a:defRPr>
+            </a:lvl9pPr>
+          </a:lstStyle>
+          <a:p>
+            <a:pPr marL="0" indent="0" fontAlgn="base">
+              <a:buNone/>
+            </a:pPr>
+            <a:r>
+              <a:rPr lang="en-GB" sz="1000" dirty="0" err="1"/>
+              <a:t>Emilien</a:t>
+            </a:r>
+            <a:r>
+              <a:rPr lang="en-GB" sz="1000" dirty="0"/>
+              <a:t>, A., Bernhardt, A., </a:t>
+            </a:r>
+            <a:r>
+              <a:rPr lang="en-GB" sz="1000" dirty="0" err="1"/>
+              <a:t>Peytavie</a:t>
+            </a:r>
+            <a:r>
+              <a:rPr lang="en-GB" sz="1000" dirty="0"/>
+              <a:t>, A., </a:t>
+            </a:r>
+            <a:r>
+              <a:rPr lang="en-GB" sz="1000" dirty="0" err="1"/>
+              <a:t>Cani</a:t>
+            </a:r>
+            <a:r>
+              <a:rPr lang="en-GB" sz="1000" dirty="0"/>
+              <a:t>, M. and </a:t>
+            </a:r>
+            <a:r>
+              <a:rPr lang="en-GB" sz="1000" dirty="0" err="1"/>
+              <a:t>Galin</a:t>
+            </a:r>
+            <a:r>
+              <a:rPr lang="en-GB" sz="1000" dirty="0"/>
+              <a:t>, E. (2012). Procedural generation of villages on arbitrary terrains. </a:t>
+            </a:r>
+            <a:r>
+              <a:rPr lang="en-GB" sz="1000" i="1" dirty="0"/>
+              <a:t>The Visual Computer,</a:t>
+            </a:r>
+            <a:r>
+              <a:rPr lang="en-GB" sz="1000" dirty="0"/>
+              <a:t> 28(6-8), pp.809-818.</a:t>
+            </a:r>
+          </a:p>
+          <a:p>
+            <a:pPr marL="0" indent="0" fontAlgn="base">
+              <a:buNone/>
+            </a:pPr>
+            <a:r>
+              <a:rPr lang="en-GB" sz="1000" dirty="0"/>
+              <a:t>Muller, P and Parish, Y, I, H. (2001). “Procedural </a:t>
+            </a:r>
+            <a:r>
+              <a:rPr lang="en-GB" sz="1000" dirty="0" err="1"/>
+              <a:t>modeling</a:t>
+            </a:r>
+            <a:r>
+              <a:rPr lang="en-GB" sz="1000" dirty="0"/>
+              <a:t> of cities”. In Proceedings of the 28th annual conference on Computer graphics and interactive techniques (SIGGRAPH ’01). </a:t>
+            </a:r>
+            <a:r>
+              <a:rPr lang="en-GB" sz="1000" dirty="0" err="1"/>
+              <a:t>Acm</a:t>
+            </a:r>
+            <a:r>
+              <a:rPr lang="en-GB" sz="1000" dirty="0"/>
+              <a:t>, New York, NY, USA. 301 – 308.</a:t>
+            </a:r>
+          </a:p>
+          <a:p>
+            <a:pPr marL="0" indent="0" fontAlgn="base">
+              <a:buNone/>
+            </a:pPr>
+            <a:r>
+              <a:rPr lang="en-GB" sz="1000" dirty="0" err="1"/>
+              <a:t>Smelik</a:t>
+            </a:r>
+            <a:r>
+              <a:rPr lang="en-GB" sz="1000" dirty="0"/>
+              <a:t>, R., </a:t>
+            </a:r>
+            <a:r>
+              <a:rPr lang="en-GB" sz="1000" dirty="0" err="1"/>
+              <a:t>Tutenel</a:t>
+            </a:r>
+            <a:r>
+              <a:rPr lang="en-GB" sz="1000" dirty="0"/>
+              <a:t>, T., de </a:t>
+            </a:r>
+            <a:r>
+              <a:rPr lang="en-GB" sz="1000" dirty="0" err="1"/>
+              <a:t>Kraker</a:t>
+            </a:r>
+            <a:r>
+              <a:rPr lang="en-GB" sz="1000" dirty="0"/>
+              <a:t>, K. and </a:t>
+            </a:r>
+            <a:r>
+              <a:rPr lang="en-GB" sz="1000" dirty="0" err="1"/>
+              <a:t>Bidarra</a:t>
+            </a:r>
+            <a:r>
+              <a:rPr lang="en-GB" sz="1000" dirty="0"/>
+              <a:t>, R. (2011). A declarative approach to procedural </a:t>
+            </a:r>
+            <a:r>
+              <a:rPr lang="en-GB" sz="1000" dirty="0" err="1"/>
+              <a:t>modeling</a:t>
+            </a:r>
+            <a:r>
+              <a:rPr lang="en-GB" sz="1000" dirty="0"/>
+              <a:t> of virtual worlds. </a:t>
+            </a:r>
+            <a:r>
+              <a:rPr lang="en-GB" sz="1000" i="1" dirty="0"/>
+              <a:t>Computers &amp; Graphics</a:t>
+            </a:r>
+            <a:r>
+              <a:rPr lang="en-GB" sz="1000" dirty="0"/>
+              <a:t>, 35(2), pp.352-363.</a:t>
+            </a:r>
+          </a:p>
+        </p:txBody>
+      </p:sp>
+      <p:sp>
+        <p:nvSpPr>
+          <p:cNvPr id="7" name="Content Placeholder 2">
+            <a:extLst>
+              <a:ext uri="{FF2B5EF4-FFF2-40B4-BE49-F238E27FC236}">
+                <a16:creationId xmlns:a16="http://schemas.microsoft.com/office/drawing/2014/main" id="{6AF1E2B7-90F3-4506-9B86-4FE1222C1B17}"/>
+              </a:ext>
+            </a:extLst>
+          </p:cNvPr>
+          <p:cNvSpPr txBox="1">
+            <a:spLocks/>
+          </p:cNvSpPr>
+          <p:nvPr/>
+        </p:nvSpPr>
+        <p:spPr>
+          <a:xfrm>
+            <a:off x="879231" y="1274884"/>
+            <a:ext cx="5873994" cy="4363915"/>
+          </a:xfrm>
+          <a:prstGeom prst="rect">
+            <a:avLst/>
+          </a:prstGeom>
+          <a:ln>
+            <a:solidFill>
+              <a:schemeClr val="tx1"/>
+            </a:solidFill>
+          </a:ln>
+        </p:spPr>
+        <p:txBody>
+          <a:bodyPr vert="horz" lIns="91440" tIns="45720" rIns="91440" bIns="45720" rtlCol="0">
+            <a:normAutofit/>
+          </a:bodyPr>
+          <a:lstStyle>
+            <a:lvl1pPr marL="384048" indent="-384048" algn="l" defTabSz="914400" rtl="0" eaLnBrk="1" latinLnBrk="0" hangingPunct="1">
+              <a:lnSpc>
+                <a:spcPct val="94000"/>
+              </a:lnSpc>
+              <a:spcBef>
+                <a:spcPts val="1000"/>
+              </a:spcBef>
+              <a:spcAft>
+                <a:spcPts val="200"/>
+              </a:spcAft>
+              <a:buFont typeface="Franklin Gothic Book" panose="020B0503020102020204" pitchFamily="34" charset="0"/>
+              <a:buChar char="■"/>
+              <a:defRPr sz="2000" kern="1200" baseline="0">
+                <a:solidFill>
+                  <a:schemeClr val="tx2"/>
+                </a:solidFill>
+                <a:latin typeface="+mn-lt"/>
+                <a:ea typeface="+mn-ea"/>
+                <a:cs typeface="+mn-cs"/>
+              </a:defRPr>
+            </a:lvl1pPr>
+            <a:lvl2pPr marL="914400" indent="-384048" algn="l" defTabSz="914400" rtl="0" eaLnBrk="1" latinLnBrk="0" hangingPunct="1">
+              <a:lnSpc>
+                <a:spcPct val="94000"/>
+              </a:lnSpc>
+              <a:spcBef>
+                <a:spcPts val="500"/>
+              </a:spcBef>
+              <a:spcAft>
+                <a:spcPts val="200"/>
+              </a:spcAft>
+              <a:buFont typeface="Franklin Gothic Book" panose="020B0503020102020204" pitchFamily="34" charset="0"/>
+              <a:buChar char="–"/>
+              <a:defRPr sz="2000" i="1" kern="1200" baseline="0">
+                <a:solidFill>
+                  <a:schemeClr val="tx2"/>
+                </a:solidFill>
+                <a:latin typeface="+mn-lt"/>
+                <a:ea typeface="+mn-ea"/>
+                <a:cs typeface="+mn-cs"/>
+              </a:defRPr>
+            </a:lvl2pPr>
+            <a:lvl3pPr marL="1371600" indent="-384048" algn="l" defTabSz="914400" rtl="0" eaLnBrk="1" latinLnBrk="0" hangingPunct="1">
+              <a:lnSpc>
+                <a:spcPct val="94000"/>
+              </a:lnSpc>
+              <a:spcBef>
+                <a:spcPts val="500"/>
+              </a:spcBef>
+              <a:spcAft>
+                <a:spcPts val="200"/>
+              </a:spcAft>
+              <a:buFont typeface="Franklin Gothic Book" panose="020B0503020102020204" pitchFamily="34" charset="0"/>
+              <a:buChar char="■"/>
+              <a:defRPr sz="1800" kern="1200" baseline="0">
+                <a:solidFill>
+                  <a:schemeClr val="tx2"/>
+                </a:solidFill>
+                <a:latin typeface="+mn-lt"/>
+                <a:ea typeface="+mn-ea"/>
+                <a:cs typeface="+mn-cs"/>
+              </a:defRPr>
+            </a:lvl3pPr>
+            <a:lvl4pPr marL="1828800" indent="-384048" algn="l" defTabSz="914400" rtl="0" eaLnBrk="1" latinLnBrk="0" hangingPunct="1">
+              <a:lnSpc>
+                <a:spcPct val="94000"/>
+              </a:lnSpc>
+              <a:spcBef>
+                <a:spcPts val="500"/>
+              </a:spcBef>
+              <a:spcAft>
+                <a:spcPts val="200"/>
+              </a:spcAft>
+              <a:buFont typeface="Franklin Gothic Book" panose="020B0503020102020204" pitchFamily="34" charset="0"/>
+              <a:buChar char="–"/>
+              <a:defRPr sz="1800" i="1" kern="1200" baseline="0">
+                <a:solidFill>
+                  <a:schemeClr val="tx2"/>
+                </a:solidFill>
+                <a:latin typeface="+mn-lt"/>
+                <a:ea typeface="+mn-ea"/>
+                <a:cs typeface="+mn-cs"/>
+              </a:defRPr>
+            </a:lvl4pPr>
+            <a:lvl5pPr marL="2286000" indent="-384048" algn="l" defTabSz="914400" rtl="0" eaLnBrk="1" latinLnBrk="0" hangingPunct="1">
+              <a:lnSpc>
+                <a:spcPct val="94000"/>
+              </a:lnSpc>
+              <a:spcBef>
+                <a:spcPts val="500"/>
+              </a:spcBef>
+              <a:spcAft>
+                <a:spcPts val="200"/>
+              </a:spcAft>
+              <a:buFont typeface="Franklin Gothic Book" panose="020B0503020102020204" pitchFamily="34" charset="0"/>
+              <a:buChar char="■"/>
+              <a:defRPr sz="1600" kern="1200" baseline="0">
+                <a:solidFill>
+                  <a:schemeClr val="tx2"/>
+                </a:solidFill>
+                <a:latin typeface="+mn-lt"/>
+                <a:ea typeface="+mn-ea"/>
+                <a:cs typeface="+mn-cs"/>
+              </a:defRPr>
+            </a:lvl5pPr>
+            <a:lvl6pPr marL="2743200" indent="-384048" algn="l" defTabSz="914400" rtl="0" eaLnBrk="1" latinLnBrk="0" hangingPunct="1">
+              <a:lnSpc>
+                <a:spcPct val="94000"/>
+              </a:lnSpc>
+              <a:spcBef>
+                <a:spcPts val="500"/>
+              </a:spcBef>
+              <a:spcAft>
+                <a:spcPts val="200"/>
+              </a:spcAft>
+              <a:buFont typeface="Franklin Gothic Book" panose="020B0503020102020204" pitchFamily="34" charset="0"/>
+              <a:buChar char="–"/>
+              <a:defRPr sz="1600" i="1" kern="1200" baseline="0">
+                <a:solidFill>
+                  <a:schemeClr val="tx2"/>
+                </a:solidFill>
+                <a:latin typeface="+mn-lt"/>
+                <a:ea typeface="+mn-ea"/>
+                <a:cs typeface="+mn-cs"/>
+              </a:defRPr>
+            </a:lvl6pPr>
+            <a:lvl7pPr marL="3200400" indent="-384048" algn="l" defTabSz="914400" rtl="0" eaLnBrk="1" latinLnBrk="0" hangingPunct="1">
+              <a:lnSpc>
+                <a:spcPct val="94000"/>
+              </a:lnSpc>
+              <a:spcBef>
+                <a:spcPts val="500"/>
+              </a:spcBef>
+              <a:spcAft>
+                <a:spcPts val="200"/>
+              </a:spcAft>
+              <a:buFont typeface="Franklin Gothic Book" panose="020B0503020102020204" pitchFamily="34" charset="0"/>
+              <a:buChar char="■"/>
+              <a:defRPr sz="1400" kern="1200" baseline="0">
+                <a:solidFill>
+                  <a:schemeClr val="tx2"/>
+                </a:solidFill>
+                <a:latin typeface="+mn-lt"/>
+                <a:ea typeface="+mn-ea"/>
+                <a:cs typeface="+mn-cs"/>
+              </a:defRPr>
+            </a:lvl7pPr>
+            <a:lvl8pPr marL="3657600" indent="-384048" algn="l" defTabSz="914400" rtl="0" eaLnBrk="1" latinLnBrk="0" hangingPunct="1">
+              <a:lnSpc>
+                <a:spcPct val="94000"/>
+              </a:lnSpc>
+              <a:spcBef>
+                <a:spcPts val="500"/>
+              </a:spcBef>
+              <a:spcAft>
+                <a:spcPts val="200"/>
+              </a:spcAft>
+              <a:buFont typeface="Franklin Gothic Book" panose="020B0503020102020204" pitchFamily="34" charset="0"/>
+              <a:buChar char="–"/>
+              <a:defRPr sz="1400" i="1" kern="1200" baseline="0">
+                <a:solidFill>
+                  <a:schemeClr val="tx2"/>
+                </a:solidFill>
+                <a:latin typeface="+mn-lt"/>
+                <a:ea typeface="+mn-ea"/>
+                <a:cs typeface="+mn-cs"/>
+              </a:defRPr>
+            </a:lvl8pPr>
+            <a:lvl9pPr marL="4114800" indent="-384048" algn="l" defTabSz="914400" rtl="0" eaLnBrk="1" latinLnBrk="0" hangingPunct="1">
+              <a:lnSpc>
+                <a:spcPct val="94000"/>
+              </a:lnSpc>
+              <a:spcBef>
+                <a:spcPts val="500"/>
+              </a:spcBef>
+              <a:spcAft>
+                <a:spcPts val="200"/>
+              </a:spcAft>
+              <a:buFont typeface="Franklin Gothic Book" panose="020B0503020102020204" pitchFamily="34" charset="0"/>
+              <a:buChar char="■"/>
+              <a:defRPr sz="1400" kern="1200" baseline="0">
+                <a:solidFill>
+                  <a:schemeClr val="tx2"/>
+                </a:solidFill>
+                <a:latin typeface="+mn-lt"/>
+                <a:ea typeface="+mn-ea"/>
+                <a:cs typeface="+mn-cs"/>
+              </a:defRPr>
+            </a:lvl9pPr>
+          </a:lstStyle>
+          <a:p>
+            <a:r>
+              <a:rPr lang="en-GB" dirty="0"/>
+              <a:t>“Computing a village skeleton is not sufficient for generating the layout of a village: we also need to tessellate the terrain into individual parcels of land, where houses, gardens or fields will be defined.” (</a:t>
+            </a:r>
+            <a:r>
+              <a:rPr lang="en-GB" dirty="0" err="1"/>
+              <a:t>Emilien</a:t>
+            </a:r>
+            <a:r>
+              <a:rPr lang="en-GB" dirty="0"/>
+              <a:t> A, Bernhardt A, </a:t>
+            </a:r>
+            <a:r>
+              <a:rPr lang="en-GB" dirty="0" err="1"/>
+              <a:t>Peytavie</a:t>
+            </a:r>
+            <a:r>
+              <a:rPr lang="en-GB" dirty="0"/>
+              <a:t> A, </a:t>
+            </a:r>
+            <a:r>
+              <a:rPr lang="en-GB" dirty="0" err="1"/>
+              <a:t>Cani</a:t>
+            </a:r>
+            <a:r>
+              <a:rPr lang="en-GB" dirty="0"/>
+              <a:t> M, </a:t>
+            </a:r>
+            <a:r>
+              <a:rPr lang="en-GB" dirty="0" err="1"/>
+              <a:t>Galin</a:t>
+            </a:r>
+            <a:r>
+              <a:rPr lang="en-GB" dirty="0"/>
+              <a:t> E, 2012).</a:t>
+            </a:r>
+          </a:p>
+          <a:p>
+            <a:endParaRPr lang="en-GB" dirty="0"/>
+          </a:p>
+          <a:p>
+            <a:r>
+              <a:rPr lang="en-GB" dirty="0"/>
+              <a:t>Building lots can be created along the road by recursively dividing the areas along a road until a threshold area is reached.(Muller P, Parish Y I H, 2001).</a:t>
+            </a:r>
+          </a:p>
+        </p:txBody>
+      </p:sp>
+      <p:pic>
+        <p:nvPicPr>
+          <p:cNvPr id="9" name="Picture 8">
+            <a:extLst>
+              <a:ext uri="{FF2B5EF4-FFF2-40B4-BE49-F238E27FC236}">
+                <a16:creationId xmlns:a16="http://schemas.microsoft.com/office/drawing/2014/main" id="{F7E1084E-24A7-43FF-9311-668FE8A2A100}"/>
+              </a:ext>
+            </a:extLst>
+          </p:cNvPr>
+          <p:cNvPicPr>
+            <a:picLocks noChangeAspect="1"/>
+          </p:cNvPicPr>
+          <p:nvPr/>
+        </p:nvPicPr>
+        <p:blipFill rotWithShape="1">
+          <a:blip r:embed="rId3">
+            <a:extLst>
+              <a:ext uri="{28A0092B-C50C-407E-A947-70E740481C1C}">
+                <a14:useLocalDpi xmlns:a14="http://schemas.microsoft.com/office/drawing/2010/main" val="0"/>
+              </a:ext>
+            </a:extLst>
+          </a:blip>
+          <a:srcRect t="5889"/>
+          <a:stretch/>
+        </p:blipFill>
+        <p:spPr>
+          <a:xfrm>
+            <a:off x="7136125" y="1270169"/>
+            <a:ext cx="4385982" cy="4368630"/>
+          </a:xfrm>
+          <a:prstGeom prst="rect">
+            <a:avLst/>
+          </a:prstGeom>
+        </p:spPr>
+      </p:pic>
+    </p:spTree>
+    <p:extLst>
+      <p:ext uri="{BB962C8B-B14F-4D97-AF65-F5344CB8AC3E}">
+        <p14:creationId xmlns:p14="http://schemas.microsoft.com/office/powerpoint/2010/main" val="1997387650"/>
+      </p:ext>
+    </p:extLst>
+  </p:cSld>
+  <p:clrMapOvr>
+    <a:masterClrMapping/>
+  </p:clrMapOvr>
+</p:sld>
+</file>
+
+<file path=ppt/slides/slide18.xml><?xml version="1.0" encoding="utf-8"?>
+<p:sld xmlns:a="http://schemas.openxmlformats.org/drawingml/2006/main" xmlns:r="http://schemas.openxmlformats.org/officeDocument/2006/relationships" xmlns:p="http://schemas.openxmlformats.org/presentationml/2006/main">
+  <p:cSld>
+    <p:spTree>
+      <p:nvGrpSpPr>
+        <p:cNvPr id="1" name=""/>
+        <p:cNvGrpSpPr/>
+        <p:nvPr/>
+      </p:nvGrpSpPr>
+      <p:grpSpPr>
+        <a:xfrm>
+          <a:off x="0" y="0"/>
+          <a:ext cx="0" cy="0"/>
+          <a:chOff x="0" y="0"/>
+          <a:chExt cx="0" cy="0"/>
+        </a:xfrm>
+      </p:grpSpPr>
+      <p:sp>
+        <p:nvSpPr>
+          <p:cNvPr id="2" name="Title 1">
+            <a:extLst>
+              <a:ext uri="{FF2B5EF4-FFF2-40B4-BE49-F238E27FC236}">
+                <a16:creationId xmlns:a16="http://schemas.microsoft.com/office/drawing/2014/main" id="{750ADED0-C0EC-46CC-B4D1-770A80CB767A}"/>
+              </a:ext>
+            </a:extLst>
+          </p:cNvPr>
+          <p:cNvSpPr>
+            <a:spLocks noGrp="1"/>
+          </p:cNvSpPr>
+          <p:nvPr>
+            <p:ph type="title"/>
+          </p:nvPr>
+        </p:nvSpPr>
+        <p:spPr>
+          <a:xfrm>
+            <a:off x="879231" y="281354"/>
+            <a:ext cx="11025776" cy="993531"/>
+          </a:xfrm>
+        </p:spPr>
+        <p:txBody>
+          <a:bodyPr>
+            <a:normAutofit/>
+          </a:bodyPr>
+          <a:lstStyle/>
+          <a:p>
+            <a:r>
+              <a:rPr lang="en-GB" dirty="0"/>
               <a:t>Generating building shapes</a:t>
             </a:r>
           </a:p>
@@ -8406,10 +10671,50 @@
           </a:lstStyle>
           <a:p>
             <a:r>
-              <a:rPr lang="en-GB"/>
-              <a:t>aa</a:t>
-            </a:r>
+              <a:rPr lang="en-GB" dirty="0"/>
+              <a:t>“Floor plans are two-dimensional polygons. Each floor plan consists of randomly selected and merged regular polygons and rectangles.” (</a:t>
+            </a:r>
+            <a:r>
+              <a:rPr lang="en-GB" dirty="0" err="1"/>
+              <a:t>Greuter</a:t>
+            </a:r>
+            <a:r>
+              <a:rPr lang="en-GB" dirty="0"/>
+              <a:t> S. et al., 2003).</a:t>
+            </a:r>
+          </a:p>
+          <a:p>
             <a:endParaRPr lang="en-GB" dirty="0"/>
+          </a:p>
+          <a:p>
+            <a:r>
+              <a:rPr lang="en-GB" dirty="0"/>
+              <a:t>“Combining several primitive shapes into a floor plan and extruding these to different heights” (</a:t>
+            </a:r>
+            <a:r>
+              <a:rPr lang="en-GB" dirty="0" err="1"/>
+              <a:t>Smelik</a:t>
+            </a:r>
+            <a:r>
+              <a:rPr lang="en-GB" dirty="0"/>
+              <a:t> R, </a:t>
+            </a:r>
+            <a:r>
+              <a:rPr lang="en-GB" dirty="0" err="1"/>
+              <a:t>Tutenel</a:t>
+            </a:r>
+            <a:r>
+              <a:rPr lang="en-GB" dirty="0"/>
+              <a:t> T, </a:t>
+            </a:r>
+            <a:r>
+              <a:rPr lang="en-GB" dirty="0" err="1"/>
+              <a:t>Bidarra</a:t>
+            </a:r>
+            <a:r>
+              <a:rPr lang="en-GB" dirty="0"/>
+              <a:t> R, Benes B, 2014).</a:t>
+            </a:r>
           </a:p>
         </p:txBody>
       </p:sp>
@@ -8428,7 +10733,7 @@
           <p:nvPr/>
         </p:nvPicPr>
         <p:blipFill rotWithShape="1">
-          <a:blip r:embed="rId2">
+          <a:blip r:embed="rId3">
             <a:extLst>
               <a:ext uri="{28A0092B-C50C-407E-A947-70E740481C1C}">
                 <a14:useLocalDpi xmlns:a14="http://schemas.microsoft.com/office/drawing/2010/main" val="0"/>
@@ -8452,6 +10757,611 @@
     <p:extLst>
       <p:ext uri="{BB962C8B-B14F-4D97-AF65-F5344CB8AC3E}">
         <p14:creationId xmlns:p14="http://schemas.microsoft.com/office/powerpoint/2010/main" val="428707242"/>
+      </p:ext>
+    </p:extLst>
+  </p:cSld>
+  <p:clrMapOvr>
+    <a:masterClrMapping/>
+  </p:clrMapOvr>
+</p:sld>
+</file>
+
+<file path=ppt/slides/slide19.xml><?xml version="1.0" encoding="utf-8"?>
+<p:sld xmlns:a="http://schemas.openxmlformats.org/drawingml/2006/main" xmlns:r="http://schemas.openxmlformats.org/officeDocument/2006/relationships" xmlns:p="http://schemas.openxmlformats.org/presentationml/2006/main">
+  <p:cSld>
+    <p:spTree>
+      <p:nvGrpSpPr>
+        <p:cNvPr id="1" name=""/>
+        <p:cNvGrpSpPr/>
+        <p:nvPr/>
+      </p:nvGrpSpPr>
+      <p:grpSpPr>
+        <a:xfrm>
+          <a:off x="0" y="0"/>
+          <a:ext cx="0" cy="0"/>
+          <a:chOff x="0" y="0"/>
+          <a:chExt cx="0" cy="0"/>
+        </a:xfrm>
+      </p:grpSpPr>
+      <p:sp>
+        <p:nvSpPr>
+          <p:cNvPr id="2" name="Title 1">
+            <a:extLst>
+              <a:ext uri="{FF2B5EF4-FFF2-40B4-BE49-F238E27FC236}">
+                <a16:creationId xmlns:a16="http://schemas.microsoft.com/office/drawing/2014/main" id="{750ADED0-C0EC-46CC-B4D1-770A80CB767A}"/>
+              </a:ext>
+            </a:extLst>
+          </p:cNvPr>
+          <p:cNvSpPr>
+            <a:spLocks noGrp="1"/>
+          </p:cNvSpPr>
+          <p:nvPr>
+            <p:ph type="title"/>
+          </p:nvPr>
+        </p:nvSpPr>
+        <p:spPr>
+          <a:xfrm>
+            <a:off x="879231" y="281354"/>
+            <a:ext cx="11025776" cy="993531"/>
+          </a:xfrm>
+        </p:spPr>
+        <p:txBody>
+          <a:bodyPr>
+            <a:normAutofit/>
+          </a:bodyPr>
+          <a:lstStyle/>
+          <a:p>
+            <a:r>
+              <a:rPr lang="en-GB" dirty="0"/>
+              <a:t>Future goals</a:t>
+            </a:r>
+          </a:p>
+        </p:txBody>
+      </p:sp>
+      <p:sp>
+        <p:nvSpPr>
+          <p:cNvPr id="4" name="Content Placeholder 2">
+            <a:extLst>
+              <a:ext uri="{FF2B5EF4-FFF2-40B4-BE49-F238E27FC236}">
+                <a16:creationId xmlns:a16="http://schemas.microsoft.com/office/drawing/2014/main" id="{C44F06C3-D088-4921-80FA-6A04C96C2CC4}"/>
+              </a:ext>
+            </a:extLst>
+          </p:cNvPr>
+          <p:cNvSpPr txBox="1">
+            <a:spLocks/>
+          </p:cNvSpPr>
+          <p:nvPr/>
+        </p:nvSpPr>
+        <p:spPr>
+          <a:xfrm>
+            <a:off x="879231" y="6238875"/>
+            <a:ext cx="11025776" cy="495299"/>
+          </a:xfrm>
+          <a:prstGeom prst="rect">
+            <a:avLst/>
+          </a:prstGeom>
+          <a:ln>
+            <a:solidFill>
+              <a:schemeClr val="tx1"/>
+            </a:solidFill>
+          </a:ln>
+        </p:spPr>
+        <p:txBody>
+          <a:bodyPr vert="horz" lIns="91440" tIns="45720" rIns="91440" bIns="45720" rtlCol="0">
+            <a:noAutofit/>
+          </a:bodyPr>
+          <a:lstStyle>
+            <a:lvl1pPr marL="384048" indent="-384048" algn="l" defTabSz="914400" rtl="0" eaLnBrk="1" latinLnBrk="0" hangingPunct="1">
+              <a:lnSpc>
+                <a:spcPct val="94000"/>
+              </a:lnSpc>
+              <a:spcBef>
+                <a:spcPts val="1000"/>
+              </a:spcBef>
+              <a:spcAft>
+                <a:spcPts val="200"/>
+              </a:spcAft>
+              <a:buFont typeface="Franklin Gothic Book" panose="020B0503020102020204" pitchFamily="34" charset="0"/>
+              <a:buChar char="■"/>
+              <a:defRPr sz="2000" kern="1200" baseline="0">
+                <a:solidFill>
+                  <a:schemeClr val="tx2"/>
+                </a:solidFill>
+                <a:latin typeface="+mn-lt"/>
+                <a:ea typeface="+mn-ea"/>
+                <a:cs typeface="+mn-cs"/>
+              </a:defRPr>
+            </a:lvl1pPr>
+            <a:lvl2pPr marL="914400" indent="-384048" algn="l" defTabSz="914400" rtl="0" eaLnBrk="1" latinLnBrk="0" hangingPunct="1">
+              <a:lnSpc>
+                <a:spcPct val="94000"/>
+              </a:lnSpc>
+              <a:spcBef>
+                <a:spcPts val="500"/>
+              </a:spcBef>
+              <a:spcAft>
+                <a:spcPts val="200"/>
+              </a:spcAft>
+              <a:buFont typeface="Franklin Gothic Book" panose="020B0503020102020204" pitchFamily="34" charset="0"/>
+              <a:buChar char="–"/>
+              <a:defRPr sz="2000" i="1" kern="1200" baseline="0">
+                <a:solidFill>
+                  <a:schemeClr val="tx2"/>
+                </a:solidFill>
+                <a:latin typeface="+mn-lt"/>
+                <a:ea typeface="+mn-ea"/>
+                <a:cs typeface="+mn-cs"/>
+              </a:defRPr>
+            </a:lvl2pPr>
+            <a:lvl3pPr marL="1371600" indent="-384048" algn="l" defTabSz="914400" rtl="0" eaLnBrk="1" latinLnBrk="0" hangingPunct="1">
+              <a:lnSpc>
+                <a:spcPct val="94000"/>
+              </a:lnSpc>
+              <a:spcBef>
+                <a:spcPts val="500"/>
+              </a:spcBef>
+              <a:spcAft>
+                <a:spcPts val="200"/>
+              </a:spcAft>
+              <a:buFont typeface="Franklin Gothic Book" panose="020B0503020102020204" pitchFamily="34" charset="0"/>
+              <a:buChar char="■"/>
+              <a:defRPr sz="1800" kern="1200" baseline="0">
+                <a:solidFill>
+                  <a:schemeClr val="tx2"/>
+                </a:solidFill>
+                <a:latin typeface="+mn-lt"/>
+                <a:ea typeface="+mn-ea"/>
+                <a:cs typeface="+mn-cs"/>
+              </a:defRPr>
+            </a:lvl3pPr>
+            <a:lvl4pPr marL="1828800" indent="-384048" algn="l" defTabSz="914400" rtl="0" eaLnBrk="1" latinLnBrk="0" hangingPunct="1">
+              <a:lnSpc>
+                <a:spcPct val="94000"/>
+              </a:lnSpc>
+              <a:spcBef>
+                <a:spcPts val="500"/>
+              </a:spcBef>
+              <a:spcAft>
+                <a:spcPts val="200"/>
+              </a:spcAft>
+              <a:buFont typeface="Franklin Gothic Book" panose="020B0503020102020204" pitchFamily="34" charset="0"/>
+              <a:buChar char="–"/>
+              <a:defRPr sz="1800" i="1" kern="1200" baseline="0">
+                <a:solidFill>
+                  <a:schemeClr val="tx2"/>
+                </a:solidFill>
+                <a:latin typeface="+mn-lt"/>
+                <a:ea typeface="+mn-ea"/>
+                <a:cs typeface="+mn-cs"/>
+              </a:defRPr>
+            </a:lvl4pPr>
+            <a:lvl5pPr marL="2286000" indent="-384048" algn="l" defTabSz="914400" rtl="0" eaLnBrk="1" latinLnBrk="0" hangingPunct="1">
+              <a:lnSpc>
+                <a:spcPct val="94000"/>
+              </a:lnSpc>
+              <a:spcBef>
+                <a:spcPts val="500"/>
+              </a:spcBef>
+              <a:spcAft>
+                <a:spcPts val="200"/>
+              </a:spcAft>
+              <a:buFont typeface="Franklin Gothic Book" panose="020B0503020102020204" pitchFamily="34" charset="0"/>
+              <a:buChar char="■"/>
+              <a:defRPr sz="1600" kern="1200" baseline="0">
+                <a:solidFill>
+                  <a:schemeClr val="tx2"/>
+                </a:solidFill>
+                <a:latin typeface="+mn-lt"/>
+                <a:ea typeface="+mn-ea"/>
+                <a:cs typeface="+mn-cs"/>
+              </a:defRPr>
+            </a:lvl5pPr>
+            <a:lvl6pPr marL="2743200" indent="-384048" algn="l" defTabSz="914400" rtl="0" eaLnBrk="1" latinLnBrk="0" hangingPunct="1">
+              <a:lnSpc>
+                <a:spcPct val="94000"/>
+              </a:lnSpc>
+              <a:spcBef>
+                <a:spcPts val="500"/>
+              </a:spcBef>
+              <a:spcAft>
+                <a:spcPts val="200"/>
+              </a:spcAft>
+              <a:buFont typeface="Franklin Gothic Book" panose="020B0503020102020204" pitchFamily="34" charset="0"/>
+              <a:buChar char="–"/>
+              <a:defRPr sz="1600" i="1" kern="1200" baseline="0">
+                <a:solidFill>
+                  <a:schemeClr val="tx2"/>
+                </a:solidFill>
+                <a:latin typeface="+mn-lt"/>
+                <a:ea typeface="+mn-ea"/>
+                <a:cs typeface="+mn-cs"/>
+              </a:defRPr>
+            </a:lvl6pPr>
+            <a:lvl7pPr marL="3200400" indent="-384048" algn="l" defTabSz="914400" rtl="0" eaLnBrk="1" latinLnBrk="0" hangingPunct="1">
+              <a:lnSpc>
+                <a:spcPct val="94000"/>
+              </a:lnSpc>
+              <a:spcBef>
+                <a:spcPts val="500"/>
+              </a:spcBef>
+              <a:spcAft>
+                <a:spcPts val="200"/>
+              </a:spcAft>
+              <a:buFont typeface="Franklin Gothic Book" panose="020B0503020102020204" pitchFamily="34" charset="0"/>
+              <a:buChar char="■"/>
+              <a:defRPr sz="1400" kern="1200" baseline="0">
+                <a:solidFill>
+                  <a:schemeClr val="tx2"/>
+                </a:solidFill>
+                <a:latin typeface="+mn-lt"/>
+                <a:ea typeface="+mn-ea"/>
+                <a:cs typeface="+mn-cs"/>
+              </a:defRPr>
+            </a:lvl7pPr>
+            <a:lvl8pPr marL="3657600" indent="-384048" algn="l" defTabSz="914400" rtl="0" eaLnBrk="1" latinLnBrk="0" hangingPunct="1">
+              <a:lnSpc>
+                <a:spcPct val="94000"/>
+              </a:lnSpc>
+              <a:spcBef>
+                <a:spcPts val="500"/>
+              </a:spcBef>
+              <a:spcAft>
+                <a:spcPts val="200"/>
+              </a:spcAft>
+              <a:buFont typeface="Franklin Gothic Book" panose="020B0503020102020204" pitchFamily="34" charset="0"/>
+              <a:buChar char="–"/>
+              <a:defRPr sz="1400" i="1" kern="1200" baseline="0">
+                <a:solidFill>
+                  <a:schemeClr val="tx2"/>
+                </a:solidFill>
+                <a:latin typeface="+mn-lt"/>
+                <a:ea typeface="+mn-ea"/>
+                <a:cs typeface="+mn-cs"/>
+              </a:defRPr>
+            </a:lvl8pPr>
+            <a:lvl9pPr marL="4114800" indent="-384048" algn="l" defTabSz="914400" rtl="0" eaLnBrk="1" latinLnBrk="0" hangingPunct="1">
+              <a:lnSpc>
+                <a:spcPct val="94000"/>
+              </a:lnSpc>
+              <a:spcBef>
+                <a:spcPts val="500"/>
+              </a:spcBef>
+              <a:spcAft>
+                <a:spcPts val="200"/>
+              </a:spcAft>
+              <a:buFont typeface="Franklin Gothic Book" panose="020B0503020102020204" pitchFamily="34" charset="0"/>
+              <a:buChar char="■"/>
+              <a:defRPr sz="1400" kern="1200" baseline="0">
+                <a:solidFill>
+                  <a:schemeClr val="tx2"/>
+                </a:solidFill>
+                <a:latin typeface="+mn-lt"/>
+                <a:ea typeface="+mn-ea"/>
+                <a:cs typeface="+mn-cs"/>
+              </a:defRPr>
+            </a:lvl9pPr>
+          </a:lstStyle>
+          <a:p>
+            <a:pPr marL="0" indent="0" fontAlgn="base">
+              <a:buNone/>
+            </a:pPr>
+            <a:endParaRPr lang="en-GB" sz="1000" dirty="0"/>
+          </a:p>
+        </p:txBody>
+      </p:sp>
+      <p:sp>
+        <p:nvSpPr>
+          <p:cNvPr id="7" name="Content Placeholder 2">
+            <a:extLst>
+              <a:ext uri="{FF2B5EF4-FFF2-40B4-BE49-F238E27FC236}">
+                <a16:creationId xmlns:a16="http://schemas.microsoft.com/office/drawing/2014/main" id="{96EA448B-7232-4FD9-8DF6-3D8BAFC8EFAE}"/>
+              </a:ext>
+            </a:extLst>
+          </p:cNvPr>
+          <p:cNvSpPr txBox="1">
+            <a:spLocks/>
+          </p:cNvSpPr>
+          <p:nvPr/>
+        </p:nvSpPr>
+        <p:spPr>
+          <a:xfrm>
+            <a:off x="879231" y="1274884"/>
+            <a:ext cx="5873994" cy="4783016"/>
+          </a:xfrm>
+          <a:prstGeom prst="rect">
+            <a:avLst/>
+          </a:prstGeom>
+          <a:ln>
+            <a:solidFill>
+              <a:schemeClr val="tx1"/>
+            </a:solidFill>
+          </a:ln>
+        </p:spPr>
+        <p:txBody>
+          <a:bodyPr vert="horz" lIns="91440" tIns="45720" rIns="91440" bIns="45720" rtlCol="0">
+            <a:normAutofit/>
+          </a:bodyPr>
+          <a:lstStyle>
+            <a:lvl1pPr marL="384048" indent="-384048" algn="l" defTabSz="914400" rtl="0" eaLnBrk="1" latinLnBrk="0" hangingPunct="1">
+              <a:lnSpc>
+                <a:spcPct val="94000"/>
+              </a:lnSpc>
+              <a:spcBef>
+                <a:spcPts val="1000"/>
+              </a:spcBef>
+              <a:spcAft>
+                <a:spcPts val="200"/>
+              </a:spcAft>
+              <a:buFont typeface="Franklin Gothic Book" panose="020B0503020102020204" pitchFamily="34" charset="0"/>
+              <a:buChar char="■"/>
+              <a:defRPr sz="2000" kern="1200" baseline="0">
+                <a:solidFill>
+                  <a:schemeClr val="tx2"/>
+                </a:solidFill>
+                <a:latin typeface="+mn-lt"/>
+                <a:ea typeface="+mn-ea"/>
+                <a:cs typeface="+mn-cs"/>
+              </a:defRPr>
+            </a:lvl1pPr>
+            <a:lvl2pPr marL="914400" indent="-384048" algn="l" defTabSz="914400" rtl="0" eaLnBrk="1" latinLnBrk="0" hangingPunct="1">
+              <a:lnSpc>
+                <a:spcPct val="94000"/>
+              </a:lnSpc>
+              <a:spcBef>
+                <a:spcPts val="500"/>
+              </a:spcBef>
+              <a:spcAft>
+                <a:spcPts val="200"/>
+              </a:spcAft>
+              <a:buFont typeface="Franklin Gothic Book" panose="020B0503020102020204" pitchFamily="34" charset="0"/>
+              <a:buChar char="–"/>
+              <a:defRPr sz="2000" i="1" kern="1200" baseline="0">
+                <a:solidFill>
+                  <a:schemeClr val="tx2"/>
+                </a:solidFill>
+                <a:latin typeface="+mn-lt"/>
+                <a:ea typeface="+mn-ea"/>
+                <a:cs typeface="+mn-cs"/>
+              </a:defRPr>
+            </a:lvl2pPr>
+            <a:lvl3pPr marL="1371600" indent="-384048" algn="l" defTabSz="914400" rtl="0" eaLnBrk="1" latinLnBrk="0" hangingPunct="1">
+              <a:lnSpc>
+                <a:spcPct val="94000"/>
+              </a:lnSpc>
+              <a:spcBef>
+                <a:spcPts val="500"/>
+              </a:spcBef>
+              <a:spcAft>
+                <a:spcPts val="200"/>
+              </a:spcAft>
+              <a:buFont typeface="Franklin Gothic Book" panose="020B0503020102020204" pitchFamily="34" charset="0"/>
+              <a:buChar char="■"/>
+              <a:defRPr sz="1800" kern="1200" baseline="0">
+                <a:solidFill>
+                  <a:schemeClr val="tx2"/>
+                </a:solidFill>
+                <a:latin typeface="+mn-lt"/>
+                <a:ea typeface="+mn-ea"/>
+                <a:cs typeface="+mn-cs"/>
+              </a:defRPr>
+            </a:lvl3pPr>
+            <a:lvl4pPr marL="1828800" indent="-384048" algn="l" defTabSz="914400" rtl="0" eaLnBrk="1" latinLnBrk="0" hangingPunct="1">
+              <a:lnSpc>
+                <a:spcPct val="94000"/>
+              </a:lnSpc>
+              <a:spcBef>
+                <a:spcPts val="500"/>
+              </a:spcBef>
+              <a:spcAft>
+                <a:spcPts val="200"/>
+              </a:spcAft>
+              <a:buFont typeface="Franklin Gothic Book" panose="020B0503020102020204" pitchFamily="34" charset="0"/>
+              <a:buChar char="–"/>
+              <a:defRPr sz="1800" i="1" kern="1200" baseline="0">
+                <a:solidFill>
+                  <a:schemeClr val="tx2"/>
+                </a:solidFill>
+                <a:latin typeface="+mn-lt"/>
+                <a:ea typeface="+mn-ea"/>
+                <a:cs typeface="+mn-cs"/>
+              </a:defRPr>
+            </a:lvl4pPr>
+            <a:lvl5pPr marL="2286000" indent="-384048" algn="l" defTabSz="914400" rtl="0" eaLnBrk="1" latinLnBrk="0" hangingPunct="1">
+              <a:lnSpc>
+                <a:spcPct val="94000"/>
+              </a:lnSpc>
+              <a:spcBef>
+                <a:spcPts val="500"/>
+              </a:spcBef>
+              <a:spcAft>
+                <a:spcPts val="200"/>
+              </a:spcAft>
+              <a:buFont typeface="Franklin Gothic Book" panose="020B0503020102020204" pitchFamily="34" charset="0"/>
+              <a:buChar char="■"/>
+              <a:defRPr sz="1600" kern="1200" baseline="0">
+                <a:solidFill>
+                  <a:schemeClr val="tx2"/>
+                </a:solidFill>
+                <a:latin typeface="+mn-lt"/>
+                <a:ea typeface="+mn-ea"/>
+                <a:cs typeface="+mn-cs"/>
+              </a:defRPr>
+            </a:lvl5pPr>
+            <a:lvl6pPr marL="2743200" indent="-384048" algn="l" defTabSz="914400" rtl="0" eaLnBrk="1" latinLnBrk="0" hangingPunct="1">
+              <a:lnSpc>
+                <a:spcPct val="94000"/>
+              </a:lnSpc>
+              <a:spcBef>
+                <a:spcPts val="500"/>
+              </a:spcBef>
+              <a:spcAft>
+                <a:spcPts val="200"/>
+              </a:spcAft>
+              <a:buFont typeface="Franklin Gothic Book" panose="020B0503020102020204" pitchFamily="34" charset="0"/>
+              <a:buChar char="–"/>
+              <a:defRPr sz="1600" i="1" kern="1200" baseline="0">
+                <a:solidFill>
+                  <a:schemeClr val="tx2"/>
+                </a:solidFill>
+                <a:latin typeface="+mn-lt"/>
+                <a:ea typeface="+mn-ea"/>
+                <a:cs typeface="+mn-cs"/>
+              </a:defRPr>
+            </a:lvl6pPr>
+            <a:lvl7pPr marL="3200400" indent="-384048" algn="l" defTabSz="914400" rtl="0" eaLnBrk="1" latinLnBrk="0" hangingPunct="1">
+              <a:lnSpc>
+                <a:spcPct val="94000"/>
+              </a:lnSpc>
+              <a:spcBef>
+                <a:spcPts val="500"/>
+              </a:spcBef>
+              <a:spcAft>
+                <a:spcPts val="200"/>
+              </a:spcAft>
+              <a:buFont typeface="Franklin Gothic Book" panose="020B0503020102020204" pitchFamily="34" charset="0"/>
+              <a:buChar char="■"/>
+              <a:defRPr sz="1400" kern="1200" baseline="0">
+                <a:solidFill>
+                  <a:schemeClr val="tx2"/>
+                </a:solidFill>
+                <a:latin typeface="+mn-lt"/>
+                <a:ea typeface="+mn-ea"/>
+                <a:cs typeface="+mn-cs"/>
+              </a:defRPr>
+            </a:lvl7pPr>
+            <a:lvl8pPr marL="3657600" indent="-384048" algn="l" defTabSz="914400" rtl="0" eaLnBrk="1" latinLnBrk="0" hangingPunct="1">
+              <a:lnSpc>
+                <a:spcPct val="94000"/>
+              </a:lnSpc>
+              <a:spcBef>
+                <a:spcPts val="500"/>
+              </a:spcBef>
+              <a:spcAft>
+                <a:spcPts val="200"/>
+              </a:spcAft>
+              <a:buFont typeface="Franklin Gothic Book" panose="020B0503020102020204" pitchFamily="34" charset="0"/>
+              <a:buChar char="–"/>
+              <a:defRPr sz="1400" i="1" kern="1200" baseline="0">
+                <a:solidFill>
+                  <a:schemeClr val="tx2"/>
+                </a:solidFill>
+                <a:latin typeface="+mn-lt"/>
+                <a:ea typeface="+mn-ea"/>
+                <a:cs typeface="+mn-cs"/>
+              </a:defRPr>
+            </a:lvl8pPr>
+            <a:lvl9pPr marL="4114800" indent="-384048" algn="l" defTabSz="914400" rtl="0" eaLnBrk="1" latinLnBrk="0" hangingPunct="1">
+              <a:lnSpc>
+                <a:spcPct val="94000"/>
+              </a:lnSpc>
+              <a:spcBef>
+                <a:spcPts val="500"/>
+              </a:spcBef>
+              <a:spcAft>
+                <a:spcPts val="200"/>
+              </a:spcAft>
+              <a:buFont typeface="Franklin Gothic Book" panose="020B0503020102020204" pitchFamily="34" charset="0"/>
+              <a:buChar char="■"/>
+              <a:defRPr sz="1400" kern="1200" baseline="0">
+                <a:solidFill>
+                  <a:schemeClr val="tx2"/>
+                </a:solidFill>
+                <a:latin typeface="+mn-lt"/>
+                <a:ea typeface="+mn-ea"/>
+                <a:cs typeface="+mn-cs"/>
+              </a:defRPr>
+            </a:lvl9pPr>
+          </a:lstStyle>
+          <a:p>
+            <a:r>
+              <a:rPr lang="en-GB" dirty="0"/>
+              <a:t>Unity Library</a:t>
+            </a:r>
+          </a:p>
+          <a:p>
+            <a:pPr lvl="1"/>
+            <a:r>
+              <a:rPr lang="en-GB" dirty="0"/>
+              <a:t>Terrain generation</a:t>
+            </a:r>
+          </a:p>
+          <a:p>
+            <a:pPr lvl="3"/>
+            <a:r>
+              <a:rPr lang="en-GB" dirty="0"/>
+              <a:t>Land</a:t>
+            </a:r>
+          </a:p>
+          <a:p>
+            <a:pPr lvl="3"/>
+            <a:r>
+              <a:rPr lang="en-GB" dirty="0"/>
+              <a:t>Water</a:t>
+            </a:r>
+          </a:p>
+          <a:p>
+            <a:pPr lvl="1"/>
+            <a:endParaRPr lang="en-GB" dirty="0"/>
+          </a:p>
+          <a:p>
+            <a:pPr lvl="1"/>
+            <a:r>
+              <a:rPr lang="en-GB" dirty="0"/>
+              <a:t>Roads plotted</a:t>
+            </a:r>
+          </a:p>
+          <a:p>
+            <a:pPr lvl="3"/>
+            <a:r>
+              <a:rPr lang="en-GB" dirty="0"/>
+              <a:t>Major roads</a:t>
+            </a:r>
+          </a:p>
+          <a:p>
+            <a:pPr lvl="3"/>
+            <a:r>
+              <a:rPr lang="en-GB" dirty="0"/>
+              <a:t>Minor roads</a:t>
+            </a:r>
+          </a:p>
+          <a:p>
+            <a:pPr lvl="3"/>
+            <a:r>
+              <a:rPr lang="en-GB" dirty="0"/>
+              <a:t>Bridges</a:t>
+            </a:r>
+          </a:p>
+          <a:p>
+            <a:pPr lvl="1"/>
+            <a:endParaRPr lang="en-GB" dirty="0"/>
+          </a:p>
+          <a:p>
+            <a:pPr lvl="1"/>
+            <a:r>
+              <a:rPr lang="en-GB" dirty="0"/>
+              <a:t>Buildings placed</a:t>
+            </a:r>
+          </a:p>
+          <a:p>
+            <a:pPr lvl="3"/>
+            <a:r>
+              <a:rPr lang="en-GB" dirty="0"/>
+              <a:t>Building lot placement</a:t>
+            </a:r>
+          </a:p>
+          <a:p>
+            <a:pPr lvl="3"/>
+            <a:r>
+              <a:rPr lang="en-GB" dirty="0"/>
+              <a:t>Building mesh generation</a:t>
+            </a:r>
+          </a:p>
+        </p:txBody>
+      </p:sp>
+    </p:spTree>
+    <p:extLst>
+      <p:ext uri="{BB962C8B-B14F-4D97-AF65-F5344CB8AC3E}">
+        <p14:creationId xmlns:p14="http://schemas.microsoft.com/office/powerpoint/2010/main" val="3782984761"/>
       </p:ext>
     </p:extLst>
   </p:cSld>
@@ -8513,10 +11423,147 @@
       </p:sp>
       <p:sp>
         <p:nvSpPr>
-          <p:cNvPr id="4" name="Content Placeholder 2">
+          <p:cNvPr id="7" name="Content Placeholder 2">
             <a:extLst>
               <a:ext uri="{FF2B5EF4-FFF2-40B4-BE49-F238E27FC236}">
-                <a16:creationId xmlns:a16="http://schemas.microsoft.com/office/drawing/2014/main" id="{C44F06C3-D088-4921-80FA-6A04C96C2CC4}"/>
+                <a16:creationId xmlns:a16="http://schemas.microsoft.com/office/drawing/2014/main" id="{440B34C2-5B75-4E1F-A571-584318CFD0D8}"/>
+              </a:ext>
+            </a:extLst>
+          </p:cNvPr>
+          <p:cNvSpPr txBox="1">
+            <a:spLocks noGrp="1"/>
+          </p:cNvSpPr>
+          <p:nvPr>
+            <p:ph idx="1"/>
+          </p:nvPr>
+        </p:nvSpPr>
+        <p:spPr>
+          <a:xfrm>
+            <a:off x="879231" y="1274885"/>
+            <a:ext cx="5873994" cy="4125790"/>
+          </a:xfrm>
+          <a:prstGeom prst="rect">
+            <a:avLst/>
+          </a:prstGeom>
+          <a:ln>
+            <a:solidFill>
+              <a:schemeClr val="tx1"/>
+            </a:solidFill>
+          </a:ln>
+        </p:spPr>
+        <p:txBody>
+          <a:bodyPr vert="horz" lIns="91440" tIns="45720" rIns="91440" bIns="45720" rtlCol="0">
+            <a:normAutofit fontScale="77500" lnSpcReduction="20000"/>
+          </a:bodyPr>
+          <a:lstStyle/>
+          <a:p>
+            <a:r>
+              <a:rPr lang="en-GB" sz="1800" dirty="0"/>
+              <a:t>An investigation into techniques for procedurally generating realistic cities.</a:t>
+            </a:r>
+          </a:p>
+          <a:p>
+            <a:r>
+              <a:rPr lang="en-GB" sz="1800" dirty="0"/>
+              <a:t>Roads:</a:t>
+            </a:r>
+          </a:p>
+          <a:p>
+            <a:pPr lvl="1">
+              <a:lnSpc>
+                <a:spcPct val="100000"/>
+              </a:lnSpc>
+            </a:pPr>
+            <a:r>
+              <a:rPr lang="en-GB" sz="1800" dirty="0"/>
+              <a:t>Template based generation</a:t>
+            </a:r>
+          </a:p>
+          <a:p>
+            <a:pPr lvl="1">
+              <a:lnSpc>
+                <a:spcPct val="100000"/>
+              </a:lnSpc>
+            </a:pPr>
+            <a:r>
+              <a:rPr lang="en-GB" sz="1800" dirty="0"/>
+              <a:t>L-systems</a:t>
+            </a:r>
+          </a:p>
+          <a:p>
+            <a:r>
+              <a:rPr lang="en-GB" sz="1800" dirty="0"/>
+              <a:t>Population:</a:t>
+            </a:r>
+          </a:p>
+          <a:p>
+            <a:pPr lvl="1"/>
+            <a:r>
+              <a:rPr lang="en-GB" sz="1800" dirty="0"/>
+              <a:t>Noise</a:t>
+            </a:r>
+          </a:p>
+          <a:p>
+            <a:r>
+              <a:rPr lang="en-GB" sz="1800" dirty="0"/>
+              <a:t>Terrain:</a:t>
+            </a:r>
+          </a:p>
+          <a:p>
+            <a:pPr lvl="1"/>
+            <a:r>
+              <a:rPr lang="en-GB" sz="1800" dirty="0"/>
+              <a:t>Fractal</a:t>
+            </a:r>
+          </a:p>
+          <a:p>
+            <a:r>
+              <a:rPr lang="en-GB" sz="1800" dirty="0"/>
+              <a:t>Buildings:</a:t>
+            </a:r>
+          </a:p>
+          <a:p>
+            <a:pPr lvl="1"/>
+            <a:r>
+              <a:rPr lang="en-GB" sz="1800" dirty="0"/>
+              <a:t>L-systems</a:t>
+            </a:r>
+          </a:p>
+          <a:p>
+            <a:pPr lvl="1"/>
+            <a:r>
+              <a:rPr lang="en-GB" sz="1800" dirty="0"/>
+              <a:t>Shape grammars</a:t>
+            </a:r>
+          </a:p>
+          <a:p>
+            <a:r>
+              <a:rPr lang="en-GB" sz="1800" dirty="0"/>
+              <a:t>Stretch goals:</a:t>
+            </a:r>
+          </a:p>
+          <a:p>
+            <a:pPr lvl="1"/>
+            <a:r>
+              <a:rPr lang="en-GB" sz="1800" dirty="0"/>
+              <a:t>3D Renderer</a:t>
+            </a:r>
+          </a:p>
+          <a:p>
+            <a:pPr lvl="1"/>
+            <a:r>
+              <a:rPr lang="en-GB" sz="1800" dirty="0"/>
+              <a:t>Unity library</a:t>
+            </a:r>
+          </a:p>
+        </p:txBody>
+      </p:sp>
+      <p:sp>
+        <p:nvSpPr>
+          <p:cNvPr id="8" name="Content Placeholder 2">
+            <a:extLst>
+              <a:ext uri="{FF2B5EF4-FFF2-40B4-BE49-F238E27FC236}">
+                <a16:creationId xmlns:a16="http://schemas.microsoft.com/office/drawing/2014/main" id="{717AC8D3-DD95-4E61-B172-EDB0F2F1FDAA}"/>
               </a:ext>
             </a:extLst>
           </p:cNvPr>
@@ -8527,8 +11574,8 @@
         </p:nvSpPr>
         <p:spPr>
           <a:xfrm>
-            <a:off x="879231" y="4849562"/>
-            <a:ext cx="11025776" cy="1884614"/>
+            <a:off x="879231" y="5505450"/>
+            <a:ext cx="11025776" cy="1228725"/>
           </a:xfrm>
           <a:prstGeom prst="rect">
             <a:avLst/>
@@ -8739,51 +11786,276 @@
               <a:buNone/>
             </a:pPr>
             <a:r>
-              <a:rPr lang="en-GB" sz="1200" dirty="0"/>
-              <a:t>bibliography</a:t>
+              <a:rPr lang="en-GB" sz="1000" dirty="0"/>
+              <a:t>Sun, J. Yu, X. </a:t>
+            </a:r>
+            <a:r>
+              <a:rPr lang="en-GB" sz="1000" dirty="0" err="1"/>
+              <a:t>Baciu</a:t>
+            </a:r>
+            <a:r>
+              <a:rPr lang="en-GB" sz="1000" dirty="0"/>
+              <a:t>, G. Green, M. (2002). "Template-based generation of road networks for virtual city </a:t>
+            </a:r>
+            <a:r>
+              <a:rPr lang="en-GB" sz="1000" dirty="0" err="1"/>
+              <a:t>modeling</a:t>
+            </a:r>
+            <a:r>
+              <a:rPr lang="en-GB" sz="1000" dirty="0"/>
+              <a:t>". In Proceedings of the ACM symposium on Virtual reality software and technology (VRST '02). </a:t>
+            </a:r>
+            <a:r>
+              <a:rPr lang="en-GB" sz="1000" dirty="0" err="1"/>
+              <a:t>Acm</a:t>
+            </a:r>
+            <a:r>
+              <a:rPr lang="en-GB" sz="1000" dirty="0"/>
+              <a:t>, New Work, NY, USA, 33 - 40.</a:t>
+            </a:r>
+          </a:p>
+          <a:p>
+            <a:pPr marL="0" indent="0" fontAlgn="base">
+              <a:buNone/>
+            </a:pPr>
+            <a:r>
+              <a:rPr lang="en-GB" sz="1000" dirty="0" err="1"/>
+              <a:t>Greuter</a:t>
+            </a:r>
+            <a:r>
+              <a:rPr lang="en-GB" sz="1000" dirty="0"/>
+              <a:t>, S. Parker, J. Stewart, N. Leach, G. (2003). "Real-time procedural generation of 'pseudo infinite' cities". In *Proceedings of the 1st international conference on Computer graphics and interactive techniques in </a:t>
+            </a:r>
+            <a:r>
+              <a:rPr lang="en-GB" sz="1000" dirty="0" err="1"/>
+              <a:t>Astralasia</a:t>
+            </a:r>
+            <a:r>
+              <a:rPr lang="en-GB" sz="1000" dirty="0"/>
+              <a:t> and South East Asia* (GRAPHITE '03) </a:t>
+            </a:r>
+            <a:r>
+              <a:rPr lang="en-GB" sz="1000" dirty="0" err="1"/>
+              <a:t>Acm</a:t>
+            </a:r>
+            <a:r>
+              <a:rPr lang="en-GB" sz="1000" dirty="0"/>
+              <a:t>, New York, </a:t>
+            </a:r>
+            <a:r>
+              <a:rPr lang="en-GB" sz="1000" dirty="0" err="1"/>
+              <a:t>Ny</a:t>
+            </a:r>
+            <a:r>
+              <a:rPr lang="en-GB" sz="1000" dirty="0"/>
+              <a:t>, USA, 87 - ff.</a:t>
+            </a:r>
+          </a:p>
+          <a:p>
+            <a:pPr marL="0" indent="0" fontAlgn="base">
+              <a:buNone/>
+            </a:pPr>
+            <a:r>
+              <a:rPr lang="en-GB" sz="1000" dirty="0"/>
+              <a:t>Muller, P and Parish, Y, I, H.  (2001). "Procedural </a:t>
+            </a:r>
+            <a:r>
+              <a:rPr lang="en-GB" sz="1000" dirty="0" err="1"/>
+              <a:t>modeling</a:t>
+            </a:r>
+            <a:r>
+              <a:rPr lang="en-GB" sz="1000" dirty="0"/>
+              <a:t> of cities". In Proceedings of the 28th annual conference on Computer graphics and interactive techniques (SIGGRAPH '01). </a:t>
+            </a:r>
+            <a:r>
+              <a:rPr lang="en-GB" sz="1000" dirty="0" err="1"/>
+              <a:t>Acm</a:t>
+            </a:r>
+            <a:r>
+              <a:rPr lang="en-GB" sz="1000" dirty="0"/>
+              <a:t>, New York, NY, USA. 301 - 308.</a:t>
+            </a:r>
+          </a:p>
+        </p:txBody>
+      </p:sp>
+      <p:pic>
+        <p:nvPicPr>
+          <p:cNvPr id="9" name="Picture 8">
+            <a:extLst>
+              <a:ext uri="{FF2B5EF4-FFF2-40B4-BE49-F238E27FC236}">
+                <a16:creationId xmlns:a16="http://schemas.microsoft.com/office/drawing/2014/main" id="{D91B1FBF-86A2-48B4-8F59-98D07F730DCE}"/>
+              </a:ext>
+            </a:extLst>
+          </p:cNvPr>
+          <p:cNvPicPr>
+            <a:picLocks noChangeAspect="1"/>
+          </p:cNvPicPr>
+          <p:nvPr/>
+        </p:nvPicPr>
+        <p:blipFill>
+          <a:blip r:embed="rId3"/>
+          <a:stretch>
+            <a:fillRect/>
+          </a:stretch>
+        </p:blipFill>
+        <p:spPr>
+          <a:xfrm>
+            <a:off x="6852616" y="1366119"/>
+            <a:ext cx="2056157" cy="2131567"/>
+          </a:xfrm>
+          <a:prstGeom prst="rect">
+            <a:avLst/>
+          </a:prstGeom>
+        </p:spPr>
+      </p:pic>
+      <p:pic>
+        <p:nvPicPr>
+          <p:cNvPr id="10" name="Picture 9">
+            <a:extLst>
+              <a:ext uri="{FF2B5EF4-FFF2-40B4-BE49-F238E27FC236}">
+                <a16:creationId xmlns:a16="http://schemas.microsoft.com/office/drawing/2014/main" id="{59742C6D-718F-418F-82B3-8448F139E5B8}"/>
+              </a:ext>
+            </a:extLst>
+          </p:cNvPr>
+          <p:cNvPicPr>
+            <a:picLocks noChangeAspect="1"/>
+          </p:cNvPicPr>
+          <p:nvPr/>
+        </p:nvPicPr>
+        <p:blipFill>
+          <a:blip r:embed="rId4"/>
+          <a:stretch>
+            <a:fillRect/>
+          </a:stretch>
+        </p:blipFill>
+        <p:spPr>
+          <a:xfrm>
+            <a:off x="7233616" y="3588920"/>
+            <a:ext cx="4082084" cy="1799339"/>
+          </a:xfrm>
+          <a:prstGeom prst="rect">
+            <a:avLst/>
+          </a:prstGeom>
+        </p:spPr>
+      </p:pic>
+      <p:pic>
+        <p:nvPicPr>
+          <p:cNvPr id="11" name="Picture 10">
+            <a:extLst>
+              <a:ext uri="{FF2B5EF4-FFF2-40B4-BE49-F238E27FC236}">
+                <a16:creationId xmlns:a16="http://schemas.microsoft.com/office/drawing/2014/main" id="{B88B4BA0-C4B1-460B-91DB-C4E54B7D8B76}"/>
+              </a:ext>
+            </a:extLst>
+          </p:cNvPr>
+          <p:cNvPicPr>
+            <a:picLocks noChangeAspect="1"/>
+          </p:cNvPicPr>
+          <p:nvPr/>
+        </p:nvPicPr>
+        <p:blipFill rotWithShape="1">
+          <a:blip r:embed="rId5"/>
+          <a:srcRect r="26117"/>
+          <a:stretch/>
+        </p:blipFill>
+        <p:spPr>
+          <a:xfrm>
+            <a:off x="9074839" y="1366119"/>
+            <a:ext cx="2603940" cy="2131567"/>
+          </a:xfrm>
+          <a:prstGeom prst="rect">
+            <a:avLst/>
+          </a:prstGeom>
+        </p:spPr>
+      </p:pic>
+    </p:spTree>
+    <p:extLst>
+      <p:ext uri="{BB962C8B-B14F-4D97-AF65-F5344CB8AC3E}">
+        <p14:creationId xmlns:p14="http://schemas.microsoft.com/office/powerpoint/2010/main" val="1049344340"/>
+      </p:ext>
+    </p:extLst>
+  </p:cSld>
+  <p:clrMapOvr>
+    <a:masterClrMapping/>
+  </p:clrMapOvr>
+</p:sld>
+</file>
+
+<file path=ppt/slides/slide20.xml><?xml version="1.0" encoding="utf-8"?>
+<p:sld xmlns:a="http://schemas.openxmlformats.org/drawingml/2006/main" xmlns:r="http://schemas.openxmlformats.org/officeDocument/2006/relationships" xmlns:p="http://schemas.openxmlformats.org/presentationml/2006/main">
+  <p:cSld>
+    <p:spTree>
+      <p:nvGrpSpPr>
+        <p:cNvPr id="1" name=""/>
+        <p:cNvGrpSpPr/>
+        <p:nvPr/>
+      </p:nvGrpSpPr>
+      <p:grpSpPr>
+        <a:xfrm>
+          <a:off x="0" y="0"/>
+          <a:ext cx="0" cy="0"/>
+          <a:chOff x="0" y="0"/>
+          <a:chExt cx="0" cy="0"/>
+        </a:xfrm>
+      </p:grpSpPr>
+      <p:sp>
+        <p:nvSpPr>
+          <p:cNvPr id="2" name="Title 1">
+            <a:extLst>
+              <a:ext uri="{FF2B5EF4-FFF2-40B4-BE49-F238E27FC236}">
+                <a16:creationId xmlns:a16="http://schemas.microsoft.com/office/drawing/2014/main" id="{660E33CA-A747-446E-BF16-6106F1B65560}"/>
+              </a:ext>
+            </a:extLst>
+          </p:cNvPr>
+          <p:cNvSpPr>
+            <a:spLocks noGrp="1"/>
+          </p:cNvSpPr>
+          <p:nvPr>
+            <p:ph type="ctrTitle"/>
+          </p:nvPr>
+        </p:nvSpPr>
+        <p:spPr>
+          <a:xfrm>
+            <a:off x="1943703" y="1858053"/>
+            <a:ext cx="8361229" cy="2098226"/>
+          </a:xfrm>
+        </p:spPr>
+        <p:txBody>
+          <a:bodyPr/>
+          <a:lstStyle/>
+          <a:p>
+            <a:r>
+              <a:rPr lang="en-GB" dirty="0"/>
+              <a:t>Questions</a:t>
             </a:r>
           </a:p>
         </p:txBody>
       </p:sp>
       <p:sp>
         <p:nvSpPr>
-          <p:cNvPr id="5" name="Content Placeholder 2">
+          <p:cNvPr id="3" name="Subtitle 2">
             <a:extLst>
               <a:ext uri="{FF2B5EF4-FFF2-40B4-BE49-F238E27FC236}">
-                <a16:creationId xmlns:a16="http://schemas.microsoft.com/office/drawing/2014/main" id="{DB47D55E-60AB-49D2-B7E9-4EC8283B44AB}"/>
+                <a16:creationId xmlns:a16="http://schemas.microsoft.com/office/drawing/2014/main" id="{87187C1B-9CC9-47FA-A045-C5D4EF2AD315}"/>
               </a:ext>
             </a:extLst>
           </p:cNvPr>
-          <p:cNvSpPr txBox="1">
+          <p:cNvSpPr>
             <a:spLocks noGrp="1"/>
           </p:cNvSpPr>
           <p:nvPr>
-            <p:ph idx="1"/>
+            <p:ph type="subTitle" idx="1"/>
           </p:nvPr>
         </p:nvSpPr>
-        <p:spPr>
-          <a:xfrm>
-            <a:off x="879231" y="1274885"/>
-            <a:ext cx="11025776" cy="3411537"/>
-          </a:xfrm>
-          <a:prstGeom prst="rect">
-            <a:avLst/>
-          </a:prstGeom>
-          <a:ln>
-            <a:solidFill>
-              <a:schemeClr val="tx1"/>
-            </a:solidFill>
-          </a:ln>
-        </p:spPr>
+        <p:spPr/>
         <p:txBody>
-          <a:bodyPr vert="horz" lIns="91440" tIns="45720" rIns="91440" bIns="45720" rtlCol="0">
+          <a:bodyPr>
             <a:normAutofit/>
           </a:bodyPr>
           <a:lstStyle/>
           <a:p>
             <a:r>
               <a:rPr lang="en-GB" dirty="0"/>
-              <a:t>aa</a:t>
+              <a:t> </a:t>
             </a:r>
           </a:p>
         </p:txBody>
@@ -8791,7 +12063,7 @@
     </p:spTree>
     <p:extLst>
       <p:ext uri="{BB962C8B-B14F-4D97-AF65-F5344CB8AC3E}">
-        <p14:creationId xmlns:p14="http://schemas.microsoft.com/office/powerpoint/2010/main" val="4063984485"/>
+        <p14:creationId xmlns:p14="http://schemas.microsoft.com/office/powerpoint/2010/main" val="3505897127"/>
       </p:ext>
     </p:extLst>
   </p:cSld>
@@ -8867,8 +12139,8 @@
         </p:nvSpPr>
         <p:spPr>
           <a:xfrm>
-            <a:off x="879231" y="4849562"/>
-            <a:ext cx="11025776" cy="1884614"/>
+            <a:off x="879231" y="914400"/>
+            <a:ext cx="11025776" cy="5819777"/>
           </a:xfrm>
           <a:prstGeom prst="rect">
             <a:avLst/>
@@ -9075,55 +12347,460 @@
             </a:lvl9pPr>
           </a:lstStyle>
           <a:p>
-            <a:pPr marL="0" indent="0" fontAlgn="base">
-              <a:buNone/>
-            </a:pPr>
-            <a:r>
-              <a:rPr lang="en-GB" sz="1200" dirty="0"/>
-              <a:t>bibliography</a:t>
-            </a:r>
-          </a:p>
-        </p:txBody>
-      </p:sp>
-      <p:sp>
-        <p:nvSpPr>
-          <p:cNvPr id="10" name="Content Placeholder 2">
-            <a:extLst>
-              <a:ext uri="{FF2B5EF4-FFF2-40B4-BE49-F238E27FC236}">
-                <a16:creationId xmlns:a16="http://schemas.microsoft.com/office/drawing/2014/main" id="{89DBE9AE-9906-4960-B0F4-5E03745285D7}"/>
-              </a:ext>
-            </a:extLst>
-          </p:cNvPr>
-          <p:cNvSpPr txBox="1">
-            <a:spLocks noGrp="1"/>
-          </p:cNvSpPr>
-          <p:nvPr>
-            <p:ph idx="1"/>
-          </p:nvPr>
-        </p:nvSpPr>
-        <p:spPr>
-          <a:xfrm>
-            <a:off x="879231" y="1274885"/>
-            <a:ext cx="5873994" cy="3459040"/>
-          </a:xfrm>
-          <a:prstGeom prst="rect">
-            <a:avLst/>
-          </a:prstGeom>
-          <a:ln>
-            <a:solidFill>
-              <a:schemeClr val="tx1"/>
-            </a:solidFill>
-          </a:ln>
-        </p:spPr>
-        <p:txBody>
-          <a:bodyPr vert="horz" lIns="91440" tIns="45720" rIns="91440" bIns="45720" rtlCol="0">
-            <a:normAutofit/>
-          </a:bodyPr>
-          <a:lstStyle/>
-          <a:p>
-            <a:r>
-              <a:rPr lang="en-GB" dirty="0"/>
-              <a:t>aa</a:t>
+            <a:pPr fontAlgn="base"/>
+            <a:r>
+              <a:rPr lang="en-GB" sz="1000" dirty="0"/>
+              <a:t>Brown, B. (2011). Prim's Algorithm: Minimal Spanning Tree. [Online] 15th May 2011. Available online: </a:t>
+            </a:r>
+            <a:r>
+              <a:rPr lang="en-GB" sz="1000" u="sng" dirty="0">
+                <a:hlinkClick r:id="rId2"/>
+              </a:rPr>
+              <a:t>https://www.youtube.com</a:t>
+            </a:r>
+            <a:r>
+              <a:rPr lang="en-GB" sz="1000" u="sng" dirty="0"/>
+              <a:t>/</a:t>
+            </a:r>
+            <a:r>
+              <a:rPr lang="en-GB" sz="1000" dirty="0"/>
+              <a:t>watch?v=YyLaRffCdk4[Date of access: 02 October 2017].</a:t>
+            </a:r>
+          </a:p>
+          <a:p>
+            <a:pPr fontAlgn="base"/>
+            <a:r>
+              <a:rPr lang="en-GB" sz="1000" dirty="0"/>
+              <a:t>Chen G. </a:t>
+            </a:r>
+            <a:r>
+              <a:rPr lang="en-GB" sz="1000" dirty="0" err="1"/>
+              <a:t>Esch</a:t>
+            </a:r>
+            <a:r>
+              <a:rPr lang="en-GB" sz="1000" dirty="0"/>
+              <a:t> G. Wonka P. Mueller P. Zhang E. (2008). "Interactive Procedural Street </a:t>
+            </a:r>
+            <a:r>
+              <a:rPr lang="en-GB" sz="1000" dirty="0" err="1"/>
+              <a:t>Modeling</a:t>
+            </a:r>
+            <a:r>
+              <a:rPr lang="en-GB" sz="1000" dirty="0"/>
+              <a:t>" In Proceedings of SIGGRAPH 2008. ACM Trans. Graph. Article 103: 1-10.</a:t>
+            </a:r>
+          </a:p>
+          <a:p>
+            <a:pPr fontAlgn="base"/>
+            <a:r>
+              <a:rPr lang="en-GB" sz="1000" dirty="0" err="1"/>
+              <a:t>Eppstein</a:t>
+            </a:r>
+            <a:r>
+              <a:rPr lang="en-GB" sz="1000" dirty="0"/>
+              <a:t>, D. (1996). Design and Analysis of Algorithms – Minimum Spanning Trees. [Online] 6th </a:t>
+            </a:r>
+            <a:r>
+              <a:rPr lang="en-GB" sz="1000" dirty="0" err="1"/>
+              <a:t>Feburary</a:t>
+            </a:r>
+            <a:r>
+              <a:rPr lang="en-GB" sz="1000" dirty="0"/>
+              <a:t> 1996. Available online: </a:t>
+            </a:r>
+            <a:r>
+              <a:rPr lang="en-GB" sz="1000" u="sng" dirty="0">
+                <a:hlinkClick r:id="rId3"/>
+              </a:rPr>
+              <a:t>https://www.ics.uci.edu</a:t>
+            </a:r>
+            <a:r>
+              <a:rPr lang="en-GB" sz="1000" dirty="0">
+                <a:hlinkClick r:id="rId3"/>
+              </a:rPr>
+              <a:t>/~eppstein/161/960206.html</a:t>
+            </a:r>
+            <a:r>
+              <a:rPr lang="en-GB" sz="1000" dirty="0"/>
+              <a:t> [Date of access: 29 October 2017]</a:t>
+            </a:r>
+          </a:p>
+          <a:p>
+            <a:pPr fontAlgn="base"/>
+            <a:r>
+              <a:rPr lang="en-GB" sz="1000" dirty="0"/>
+              <a:t>Evans, M. (2015). </a:t>
+            </a:r>
+            <a:r>
+              <a:rPr lang="en-GB" sz="1000" dirty="0" err="1"/>
+              <a:t>Procedual</a:t>
+            </a:r>
+            <a:r>
+              <a:rPr lang="en-GB" sz="1000" dirty="0"/>
+              <a:t> Generation For Dummies: Road Generation. [Online] 11 December 2015. Available online: http://martindevans.me/game-development/2015/12/11/Procedural-Generation-For-Dummies-Roads/ [Date of access: 19 May 2016]</a:t>
+            </a:r>
+          </a:p>
+          <a:p>
+            <a:pPr fontAlgn="base"/>
+            <a:r>
+              <a:rPr lang="en-GB" sz="1000" dirty="0"/>
+              <a:t>Goldman, R.  Schaefer, S and Ju, T. (2004). Turtle geometry in computer graphics and computer-aided design. </a:t>
+            </a:r>
+            <a:r>
+              <a:rPr lang="en-GB" sz="1000" i="1" dirty="0"/>
+              <a:t>Computer Aided Design</a:t>
+            </a:r>
+            <a:r>
+              <a:rPr lang="en-GB" sz="1000" dirty="0"/>
+              <a:t> 36(14), pp.1471-1482</a:t>
+            </a:r>
+          </a:p>
+          <a:p>
+            <a:pPr fontAlgn="base"/>
+            <a:r>
+              <a:rPr lang="en-GB" sz="1000" dirty="0" err="1"/>
+              <a:t>Greuter</a:t>
+            </a:r>
+            <a:r>
+              <a:rPr lang="en-GB" sz="1000" dirty="0"/>
+              <a:t>, S. Parker, J. Stewart, N. Leach, G. (2003). "Real-time procedural generation of 'pseudo infinite' cities". In </a:t>
+            </a:r>
+            <a:r>
+              <a:rPr lang="en-GB" sz="1000" i="1" dirty="0"/>
+              <a:t>Proceedings of the 1st international conference on Computer graphics and interactive techniques in </a:t>
+            </a:r>
+            <a:r>
+              <a:rPr lang="en-GB" sz="1000" i="1" dirty="0" err="1"/>
+              <a:t>Astralasia</a:t>
+            </a:r>
+            <a:r>
+              <a:rPr lang="en-GB" sz="1000" i="1" dirty="0"/>
+              <a:t> and South East Asia </a:t>
+            </a:r>
+            <a:r>
+              <a:rPr lang="en-GB" sz="1000" dirty="0"/>
+              <a:t>(GRAPHITE '03) </a:t>
+            </a:r>
+            <a:r>
+              <a:rPr lang="en-GB" sz="1000" dirty="0" err="1"/>
+              <a:t>Acm</a:t>
+            </a:r>
+            <a:r>
+              <a:rPr lang="en-GB" sz="1000" dirty="0"/>
+              <a:t>, New York, </a:t>
+            </a:r>
+            <a:r>
+              <a:rPr lang="en-GB" sz="1000" dirty="0" err="1"/>
+              <a:t>Ny</a:t>
+            </a:r>
+            <a:r>
+              <a:rPr lang="en-GB" sz="1000" dirty="0"/>
+              <a:t>, USA, 87 - ff.</a:t>
+            </a:r>
+          </a:p>
+          <a:p>
+            <a:pPr fontAlgn="base"/>
+            <a:r>
+              <a:rPr lang="en-GB" sz="1000" dirty="0" err="1"/>
+              <a:t>Havey</a:t>
+            </a:r>
+            <a:r>
+              <a:rPr lang="en-GB" sz="1000" dirty="0"/>
+              <a:t>, D. (2008). Tutorial #7: </a:t>
+            </a:r>
+            <a:r>
+              <a:rPr lang="en-GB" sz="1000" dirty="0" err="1"/>
+              <a:t>Voronoi</a:t>
+            </a:r>
+            <a:r>
+              <a:rPr lang="en-GB" sz="1000" dirty="0"/>
+              <a:t> diagrams* [Online] May 4, 2008. Available online: </a:t>
+            </a:r>
+            <a:r>
+              <a:rPr lang="en-GB" sz="1000" u="sng" dirty="0">
+                <a:hlinkClick r:id="rId4"/>
+              </a:rPr>
+              <a:t>http://donhavey.com/blog/tutorials</a:t>
+            </a:r>
+            <a:r>
+              <a:rPr lang="en-GB" sz="1000" dirty="0">
+                <a:hlinkClick r:id="rId4"/>
+              </a:rPr>
+              <a:t>/tutorial-7-voronoi-diagrams/</a:t>
+            </a:r>
+            <a:r>
+              <a:rPr lang="en-GB" sz="1000" dirty="0"/>
+              <a:t> [Date of access: 30 May 2017]</a:t>
+            </a:r>
+          </a:p>
+          <a:p>
+            <a:pPr fontAlgn="base"/>
+            <a:r>
+              <a:rPr lang="en-GB" sz="1000" dirty="0" err="1"/>
+              <a:t>Ilangovan</a:t>
+            </a:r>
+            <a:r>
+              <a:rPr lang="en-GB" sz="1000" dirty="0"/>
+              <a:t>, K, P. (2009) Procedural City </a:t>
+            </a:r>
+            <a:r>
+              <a:rPr lang="en-GB" sz="1000" dirty="0" err="1"/>
+              <a:t>Generaror</a:t>
+            </a:r>
+            <a:r>
+              <a:rPr lang="en-GB" sz="1000" dirty="0"/>
+              <a:t>, MSc </a:t>
+            </a:r>
+            <a:r>
+              <a:rPr lang="en-GB" sz="1000" dirty="0" err="1"/>
+              <a:t>thesus</a:t>
+            </a:r>
+            <a:r>
+              <a:rPr lang="en-GB" sz="1000" dirty="0"/>
+              <a:t>, Bournemouth University. Available at: </a:t>
+            </a:r>
+            <a:r>
+              <a:rPr lang="en-GB" sz="1000" u="sng" dirty="0">
+                <a:hlinkClick r:id="rId5"/>
+              </a:rPr>
+              <a:t>https://nccastaff.bournemouth.ac.uk</a:t>
+            </a:r>
+            <a:r>
+              <a:rPr lang="en-GB" sz="1000" dirty="0">
+                <a:hlinkClick r:id="rId5"/>
+              </a:rPr>
+              <a:t>/jmacey/MastersProjects/MSc09/Ilangovan/Thesis_i7834000.pdf</a:t>
+            </a:r>
+            <a:r>
+              <a:rPr lang="en-GB" sz="1000" dirty="0"/>
+              <a:t> (Accessed: 30 May 2017).</a:t>
+            </a:r>
+          </a:p>
+          <a:p>
+            <a:pPr fontAlgn="base"/>
+            <a:r>
+              <a:rPr lang="en-GB" sz="1000" dirty="0"/>
+              <a:t>Kelly, G and McCabe, H. (2006). "A Survey of Procedural Techniques for City Generation". In </a:t>
+            </a:r>
+            <a:r>
+              <a:rPr lang="en-GB" sz="1000" i="1" dirty="0"/>
+              <a:t>ITB Journal, No. 14</a:t>
+            </a:r>
+            <a:r>
+              <a:rPr lang="en-GB" sz="1000" dirty="0"/>
+              <a:t>.</a:t>
+            </a:r>
+          </a:p>
+          <a:p>
+            <a:pPr fontAlgn="base"/>
+            <a:r>
+              <a:rPr lang="en-GB" sz="1000" dirty="0"/>
+              <a:t>Kelly G and McCabe H. (2006). “Interactive generation of cities for real-time applications” In Proceedings of </a:t>
+            </a:r>
+            <a:r>
+              <a:rPr lang="en-GB" sz="1000" i="1" dirty="0" err="1"/>
+              <a:t>Siggraph</a:t>
+            </a:r>
+            <a:r>
+              <a:rPr lang="en-GB" sz="1000" i="1" dirty="0"/>
+              <a:t> ’06 ACM SIGGRAPH 2006 Research Posters</a:t>
+            </a:r>
+            <a:r>
+              <a:rPr lang="en-GB" sz="1000" dirty="0"/>
+              <a:t> – SIGGRAPH ’06.</a:t>
+            </a:r>
+          </a:p>
+          <a:p>
+            <a:pPr fontAlgn="base"/>
+            <a:r>
+              <a:rPr lang="en-GB" sz="1000" dirty="0" err="1"/>
+              <a:t>Martek</a:t>
+            </a:r>
+            <a:r>
+              <a:rPr lang="en-GB" sz="1000" dirty="0"/>
+              <a:t>, C. (2012). "Procedural generation of road networks for large virtual environments." Rochester Institute of Technology.</a:t>
+            </a:r>
+          </a:p>
+          <a:p>
+            <a:pPr fontAlgn="base"/>
+            <a:r>
+              <a:rPr lang="en-GB" sz="1000" dirty="0"/>
+              <a:t>Martz, P. (1997). </a:t>
+            </a:r>
+            <a:r>
+              <a:rPr lang="en-GB" sz="1000" i="1" dirty="0"/>
+              <a:t>Generating Random Fractal Terrain</a:t>
+            </a:r>
+            <a:r>
+              <a:rPr lang="en-GB" sz="1000" dirty="0"/>
+              <a:t>. [Online] 1997. Available Online: </a:t>
+            </a:r>
+            <a:r>
+              <a:rPr lang="en-GB" sz="1000" u="sng" dirty="0">
+                <a:hlinkClick r:id="rId6"/>
+              </a:rPr>
+              <a:t>http://www.gameprogrammer.com</a:t>
+            </a:r>
+            <a:r>
+              <a:rPr lang="en-GB" sz="1000" dirty="0">
+                <a:hlinkClick r:id="rId6"/>
+              </a:rPr>
+              <a:t>/fractal.html</a:t>
+            </a:r>
+            <a:r>
+              <a:rPr lang="en-GB" sz="1000" dirty="0"/>
+              <a:t> [Date of access: 09 May 2016]</a:t>
+            </a:r>
+          </a:p>
+          <a:p>
+            <a:pPr fontAlgn="base"/>
+            <a:r>
+              <a:rPr lang="en-GB" sz="1000" dirty="0"/>
+              <a:t>Muller, P and Parish, Y, I, H. (2001). "Procedural </a:t>
+            </a:r>
+            <a:r>
+              <a:rPr lang="en-GB" sz="1000" dirty="0" err="1"/>
+              <a:t>modeling</a:t>
+            </a:r>
+            <a:r>
+              <a:rPr lang="en-GB" sz="1000" dirty="0"/>
+              <a:t> of cities". In Proceedings of the 28th annual conference on Computer graphics and interactive techniques (SIGGRAPH '01). </a:t>
+            </a:r>
+            <a:r>
+              <a:rPr lang="en-GB" sz="1000" dirty="0" err="1"/>
+              <a:t>Acm</a:t>
+            </a:r>
+            <a:r>
+              <a:rPr lang="en-GB" sz="1000" dirty="0"/>
+              <a:t>, New York, NY, USA, 301 - 308.</a:t>
+            </a:r>
+          </a:p>
+          <a:p>
+            <a:pPr fontAlgn="base"/>
+            <a:r>
+              <a:rPr lang="en-GB" sz="1000" dirty="0"/>
+              <a:t>Muller, P. Wonka, P. </a:t>
+            </a:r>
+            <a:r>
+              <a:rPr lang="en-GB" sz="1000" dirty="0" err="1"/>
+              <a:t>Haegler</a:t>
+            </a:r>
+            <a:r>
+              <a:rPr lang="en-GB" sz="1000" dirty="0"/>
+              <a:t>, S. Ulmer, A. Goo, L, V. (2006). "Procedural </a:t>
+            </a:r>
+            <a:r>
+              <a:rPr lang="en-GB" sz="1000" dirty="0" err="1"/>
+              <a:t>modeling</a:t>
+            </a:r>
+            <a:r>
+              <a:rPr lang="en-GB" sz="1000" dirty="0"/>
+              <a:t> of buildings" In Proceedings of SIGGRAPH 06' ACM SIGGRAPH 2006. </a:t>
+            </a:r>
+            <a:r>
+              <a:rPr lang="en-GB" sz="1000" dirty="0" err="1"/>
+              <a:t>Acm</a:t>
+            </a:r>
+            <a:r>
+              <a:rPr lang="en-GB" sz="1000" dirty="0"/>
+              <a:t>, New York, NY, USA, 614 - 623.</a:t>
+            </a:r>
+          </a:p>
+          <a:p>
+            <a:pPr fontAlgn="base"/>
+            <a:r>
+              <a:rPr lang="en-GB" sz="1000" dirty="0" err="1"/>
+              <a:t>Prusinkiewicx</a:t>
+            </a:r>
+            <a:r>
+              <a:rPr lang="en-GB" sz="1000" dirty="0"/>
+              <a:t>, P. and </a:t>
+            </a:r>
+            <a:r>
+              <a:rPr lang="en-GB" sz="1000" dirty="0" err="1"/>
+              <a:t>Janan</a:t>
+            </a:r>
+            <a:r>
+              <a:rPr lang="en-GB" sz="1000" dirty="0"/>
+              <a:t>, J. (1992). “</a:t>
+            </a:r>
+            <a:r>
+              <a:rPr lang="en-GB" sz="1000" dirty="0" err="1"/>
+              <a:t>Lindenmayer</a:t>
+            </a:r>
+            <a:r>
+              <a:rPr lang="en-GB" sz="1000" dirty="0"/>
+              <a:t> systems, fractals, and plants.” New York, N.Y.: Springer-Verlag.</a:t>
+            </a:r>
+          </a:p>
+          <a:p>
+            <a:pPr fontAlgn="base"/>
+            <a:r>
+              <a:rPr lang="en-GB" sz="1000" dirty="0"/>
+              <a:t>Red Blob Games. (2014) </a:t>
+            </a:r>
+            <a:r>
+              <a:rPr lang="en-GB" sz="1000" i="1" dirty="0"/>
+              <a:t>Introduction to A*.</a:t>
+            </a:r>
+            <a:r>
+              <a:rPr lang="en-GB" sz="1000" dirty="0"/>
+              <a:t> [Online] June 2016. Available online: </a:t>
+            </a:r>
+            <a:r>
+              <a:rPr lang="en-GB" sz="1000" u="sng" dirty="0">
+                <a:hlinkClick r:id="rId7"/>
+              </a:rPr>
+              <a:t>http://www.redblobgames.com</a:t>
+            </a:r>
+            <a:r>
+              <a:rPr lang="en-GB" sz="1000" dirty="0">
+                <a:hlinkClick r:id="rId7"/>
+              </a:rPr>
+              <a:t>/pathfinding/a-star/introduction.html</a:t>
+            </a:r>
+            <a:r>
+              <a:rPr lang="en-GB" sz="1000" dirty="0"/>
+              <a:t> [Date of access: 29 September 2017].</a:t>
+            </a:r>
+          </a:p>
+          <a:p>
+            <a:pPr fontAlgn="base"/>
+            <a:r>
+              <a:rPr lang="en-GB" sz="1000" dirty="0"/>
+              <a:t>Sun, J. Yu, X. </a:t>
+            </a:r>
+            <a:r>
+              <a:rPr lang="en-GB" sz="1000" dirty="0" err="1"/>
+              <a:t>Baciu</a:t>
+            </a:r>
+            <a:r>
+              <a:rPr lang="en-GB" sz="1000" dirty="0"/>
+              <a:t>, G. Green, M. (2002). "Template-based generation of road networks for virtual city </a:t>
+            </a:r>
+            <a:r>
+              <a:rPr lang="en-GB" sz="1000" dirty="0" err="1"/>
+              <a:t>modeling</a:t>
+            </a:r>
+            <a:r>
+              <a:rPr lang="en-GB" sz="1000" dirty="0"/>
+              <a:t>". In </a:t>
+            </a:r>
+            <a:r>
+              <a:rPr lang="en-GB" sz="1000" i="1" dirty="0"/>
+              <a:t>Proceedings of the ACM symposium on Virtual reality software and technology</a:t>
+            </a:r>
+            <a:r>
+              <a:rPr lang="en-GB" sz="1000" dirty="0"/>
+              <a:t> (VRST '02). </a:t>
+            </a:r>
+            <a:r>
+              <a:rPr lang="en-GB" sz="1000" dirty="0" err="1"/>
+              <a:t>Acm</a:t>
+            </a:r>
+            <a:r>
+              <a:rPr lang="en-GB" sz="1000" dirty="0"/>
+              <a:t>, New Work, NY, USA, 33 - 40.</a:t>
             </a:r>
           </a:p>
         </p:txBody>
@@ -9131,7 +12808,7 @@
     </p:spTree>
     <p:extLst>
       <p:ext uri="{BB962C8B-B14F-4D97-AF65-F5344CB8AC3E}">
-        <p14:creationId xmlns:p14="http://schemas.microsoft.com/office/powerpoint/2010/main" val="769907284"/>
+        <p14:creationId xmlns:p14="http://schemas.microsoft.com/office/powerpoint/2010/main" val="4063984485"/>
       </p:ext>
     </p:extLst>
   </p:cSld>
@@ -9530,8 +13207,28 @@
           <a:p>
             <a:r>
               <a:rPr lang="en-GB" dirty="0"/>
-              <a:t>aa</a:t>
-            </a:r>
+              <a:t>Areas of high population in a virtual environment can be connected using a Minimum Spanning Tree (</a:t>
+            </a:r>
+            <a:r>
+              <a:rPr lang="en-GB" dirty="0" err="1"/>
+              <a:t>Matrek</a:t>
+            </a:r>
+            <a:r>
+              <a:rPr lang="en-GB" dirty="0"/>
+              <a:t> C, 2012). </a:t>
+            </a:r>
+          </a:p>
+          <a:p>
+            <a:endParaRPr lang="en-GB" dirty="0"/>
+          </a:p>
+          <a:p>
+            <a:r>
+              <a:rPr lang="en-GB" dirty="0"/>
+              <a:t>A city is composed of both major roads (highways) and minor roads (streets). Highways connect areas of high population whilst streets cover the area between highways, creating neighbourhoods and offering access to the main highways. (Muller P and Parish Y I H, 2001).</a:t>
+            </a:r>
+          </a:p>
+          <a:p>
+            <a:endParaRPr lang="en-GB" dirty="0"/>
           </a:p>
         </p:txBody>
       </p:sp>
@@ -9628,7 +13325,7 @@
           <a:p>
             <a:r>
               <a:rPr lang="en-GB" dirty="0"/>
-              <a:t>L-Systems</a:t>
+              <a:t>Introducing population data</a:t>
             </a:r>
           </a:p>
         </p:txBody>
@@ -9649,8 +13346,8 @@
         </p:nvSpPr>
         <p:spPr>
           <a:xfrm>
-            <a:off x="879231" y="4991100"/>
-            <a:ext cx="11025776" cy="1743075"/>
+            <a:off x="879231" y="5619749"/>
+            <a:ext cx="11025776" cy="1114425"/>
           </a:xfrm>
           <a:prstGeom prst="rect">
             <a:avLst/>
@@ -9857,89 +13554,58 @@
             </a:lvl9pPr>
           </a:lstStyle>
           <a:p>
-            <a:pPr marL="0" indent="0" fontAlgn="base">
-              <a:lnSpc>
-                <a:spcPct val="100000"/>
-              </a:lnSpc>
+            <a:pPr marL="0" indent="0">
               <a:buNone/>
             </a:pPr>
             <a:r>
-              <a:rPr lang="en-GB" sz="1000" dirty="0"/>
-              <a:t>Goldman, R., Schaefer, S. and Ju, T. (2004). Turtle geometry in computer graphics and computer-aided design. *Computer Aided Design*, 36(14), pp.1471-1482.</a:t>
-            </a:r>
-          </a:p>
-          <a:p>
-            <a:pPr marL="0" indent="0" fontAlgn="base">
-              <a:lnSpc>
-                <a:spcPct val="100000"/>
-              </a:lnSpc>
+              <a:rPr lang="en-GB" sz="1000" dirty="0" err="1"/>
+              <a:t>Martek</a:t>
+            </a:r>
+            <a:r>
+              <a:rPr lang="en-GB" sz="1000" dirty="0"/>
+              <a:t>, C. (2012). “Procedural generation of road networks for large virtual environments.” Rochester Institute of Technology.</a:t>
+            </a:r>
+          </a:p>
+          <a:p>
+            <a:pPr marL="0" indent="0">
               <a:buNone/>
             </a:pPr>
             <a:r>
+              <a:rPr lang="en-GB" sz="1000" dirty="0"/>
+              <a:t>Muller, P and Parish, Y, I, H. (2001). "Procedural </a:t>
+            </a:r>
+            <a:r>
               <a:rPr lang="en-GB" sz="1000" dirty="0" err="1"/>
-              <a:t>Ilangovan</a:t>
-            </a:r>
-            <a:r>
-              <a:rPr lang="en-GB" sz="1000" dirty="0"/>
-              <a:t>, K, P. (2009) Procedural City </a:t>
+              <a:t>modeling</a:t>
+            </a:r>
+            <a:r>
+              <a:rPr lang="en-GB" sz="1000" dirty="0"/>
+              <a:t> of cities". In Proceedings of the 28th annual conference on Computer graphics and interactive techniques (SIGGRAPH '01). </a:t>
             </a:r>
             <a:r>
               <a:rPr lang="en-GB" sz="1000" dirty="0" err="1"/>
-              <a:t>Generaror</a:t>
-            </a:r>
-            <a:r>
-              <a:rPr lang="en-GB" sz="1000" dirty="0"/>
-              <a:t>, MSc </a:t>
-            </a:r>
-            <a:r>
-              <a:rPr lang="en-GB" sz="1000" dirty="0" err="1"/>
-              <a:t>thesus</a:t>
-            </a:r>
-            <a:r>
-              <a:rPr lang="en-GB" sz="1000" dirty="0"/>
-              <a:t>, Bournemouth University. Available at: </a:t>
-            </a:r>
-            <a:r>
-              <a:rPr lang="en-GB" sz="1000" dirty="0">
-                <a:hlinkClick r:id="rId2"/>
-              </a:rPr>
-              <a:t>https://nccastaff.bournemouth.ac.uk/jmacey/MastersProjects/MSc09/Ilangovan/Thesis_i7834000.pdf</a:t>
-            </a:r>
-            <a:r>
-              <a:rPr lang="en-GB" sz="1000" dirty="0"/>
-              <a:t> (Accessed: 30 May 2017).</a:t>
-            </a:r>
-          </a:p>
-          <a:p>
-            <a:pPr marL="0" indent="0" fontAlgn="base">
-              <a:lnSpc>
-                <a:spcPct val="100000"/>
-              </a:lnSpc>
+              <a:t>Acm</a:t>
+            </a:r>
+            <a:r>
+              <a:rPr lang="en-GB" sz="1000" dirty="0"/>
+              <a:t>, New York, NY, USA. 301 - 308.</a:t>
+            </a:r>
+          </a:p>
+          <a:p>
+            <a:pPr marL="0" indent="0">
               <a:buNone/>
             </a:pPr>
             <a:r>
               <a:rPr lang="en-GB" sz="1000" dirty="0"/>
-              <a:t>Kelly, G. </a:t>
+              <a:t>Sun, J. Yu, X. </a:t>
             </a:r>
             <a:r>
               <a:rPr lang="en-GB" sz="1000" dirty="0" err="1"/>
-              <a:t>Mccave</a:t>
-            </a:r>
-            <a:r>
-              <a:rPr lang="en-GB" sz="1000" dirty="0"/>
-              <a:t>, H. (2006). “A Survey of Procedural Techniques for City Generation”. In ITB Journal, No. 14.</a:t>
-            </a:r>
-          </a:p>
-          <a:p>
-            <a:pPr marL="0" indent="0" fontAlgn="base">
-              <a:lnSpc>
-                <a:spcPct val="100000"/>
-              </a:lnSpc>
-              <a:buNone/>
-            </a:pPr>
-            <a:r>
-              <a:rPr lang="en-GB" sz="1000" dirty="0"/>
-              <a:t>Parish, Y, I, H. Muller, Pascal. (2001). “Procedural </a:t>
+              <a:t>Baciu</a:t>
+            </a:r>
+            <a:r>
+              <a:rPr lang="en-GB" sz="1000" dirty="0"/>
+              <a:t>, G. Green, M. (2002). "Template-based generation of road networks for virtual city </a:t>
             </a:r>
             <a:r>
               <a:rPr lang="en-GB" sz="1000" dirty="0" err="1"/>
@@ -9947,7 +13613,7 @@
             </a:r>
             <a:r>
               <a:rPr lang="en-GB" sz="1000" dirty="0"/>
-              <a:t> of cities”. In Proceedings of the 28th annual conference on Computer graphics and interactive techniques (SIGGRAPH ’01). </a:t>
+              <a:t>". In Proceedings of the ACM symposium on Virtual reality software and technology (VRST '02). </a:t>
             </a:r>
             <a:r>
               <a:rPr lang="en-GB" sz="1000" dirty="0" err="1"/>
@@ -9955,49 +13621,17 @@
             </a:r>
             <a:r>
               <a:rPr lang="en-GB" sz="1000" dirty="0"/>
-              <a:t>, New York, NY, USA, 301 – 308.</a:t>
-            </a:r>
-          </a:p>
-          <a:p>
-            <a:pPr marL="0" indent="0" fontAlgn="base">
-              <a:lnSpc>
-                <a:spcPct val="100000"/>
-              </a:lnSpc>
-              <a:buNone/>
-            </a:pPr>
-            <a:r>
-              <a:rPr lang="en-GB" sz="1000" dirty="0" err="1"/>
-              <a:t>Prusinkiewicx</a:t>
-            </a:r>
-            <a:r>
-              <a:rPr lang="en-GB" sz="1000" dirty="0"/>
-              <a:t>, P. and </a:t>
-            </a:r>
-            <a:r>
-              <a:rPr lang="en-GB" sz="1000" dirty="0" err="1"/>
-              <a:t>Janan</a:t>
-            </a:r>
-            <a:r>
-              <a:rPr lang="en-GB" sz="1000" dirty="0"/>
-              <a:t>, J. (1992). “</a:t>
-            </a:r>
-            <a:r>
-              <a:rPr lang="en-GB" sz="1000" dirty="0" err="1"/>
-              <a:t>Lindenmayer</a:t>
-            </a:r>
-            <a:r>
-              <a:rPr lang="en-GB" sz="1000" dirty="0"/>
-              <a:t> systems, fractals, and plants.” New York, N.Y.: Springer-Verlag.</a:t>
+              <a:t>, New Work, NY, USA, 33 - 40.</a:t>
             </a:r>
           </a:p>
         </p:txBody>
       </p:sp>
       <p:sp>
         <p:nvSpPr>
-          <p:cNvPr id="7" name="Content Placeholder 2">
+          <p:cNvPr id="5" name="Content Placeholder 2">
             <a:extLst>
               <a:ext uri="{FF2B5EF4-FFF2-40B4-BE49-F238E27FC236}">
-                <a16:creationId xmlns:a16="http://schemas.microsoft.com/office/drawing/2014/main" id="{754B5357-64AF-4960-A55A-3BBF449DD868}"/>
+                <a16:creationId xmlns:a16="http://schemas.microsoft.com/office/drawing/2014/main" id="{DB47D55E-60AB-49D2-B7E9-4EC8283B44AB}"/>
               </a:ext>
             </a:extLst>
           </p:cNvPr>
@@ -10011,7 +13645,7 @@
         <p:spPr>
           <a:xfrm>
             <a:off x="879231" y="1274885"/>
-            <a:ext cx="5873994" cy="3601915"/>
+            <a:ext cx="5873994" cy="4221040"/>
           </a:xfrm>
           <a:prstGeom prst="rect">
             <a:avLst/>
@@ -10030,17 +13664,25 @@
           <a:p>
             <a:r>
               <a:rPr lang="en-GB" dirty="0"/>
-              <a:t>aa</a:t>
+              <a:t>When generating street maps, input maps such as water boundary, population distribution and elevation maps are considered. (Sun, J. Yu, X. </a:t>
+            </a:r>
+            <a:r>
+              <a:rPr lang="en-GB" dirty="0" err="1"/>
+              <a:t>Baciu</a:t>
+            </a:r>
+            <a:r>
+              <a:rPr lang="en-GB" dirty="0"/>
+              <a:t>, G. Green, M. 2002), (Muller, P and Parish, Y, I, H. 2001).</a:t>
             </a:r>
           </a:p>
         </p:txBody>
       </p:sp>
       <p:pic>
         <p:nvPicPr>
-          <p:cNvPr id="9" name="Picture 8">
+          <p:cNvPr id="6" name="Picture 5">
             <a:extLst>
               <a:ext uri="{FF2B5EF4-FFF2-40B4-BE49-F238E27FC236}">
-                <a16:creationId xmlns:a16="http://schemas.microsoft.com/office/drawing/2014/main" id="{EC1FC889-DF9B-4E28-81FD-0AD5CEABC510}"/>
+                <a16:creationId xmlns:a16="http://schemas.microsoft.com/office/drawing/2014/main" id="{58438E00-E108-43E6-97B5-BBC202395211}"/>
               </a:ext>
             </a:extLst>
           </p:cNvPr>
@@ -10050,20 +13692,20 @@
           <p:nvPr/>
         </p:nvPicPr>
         <p:blipFill rotWithShape="1">
-          <a:blip r:embed="rId3">
+          <a:blip r:embed="rId2">
             <a:extLst>
               <a:ext uri="{28A0092B-C50C-407E-A947-70E740481C1C}">
                 <a14:useLocalDpi xmlns:a14="http://schemas.microsoft.com/office/drawing/2010/main" val="0"/>
               </a:ext>
             </a:extLst>
           </a:blip>
-          <a:srcRect t="6022"/>
+          <a:srcRect t="5833"/>
           <a:stretch/>
         </p:blipFill>
         <p:spPr>
           <a:xfrm>
-            <a:off x="7521891" y="1274885"/>
-            <a:ext cx="3614449" cy="3599813"/>
+            <a:off x="7215518" y="1277427"/>
+            <a:ext cx="4227196" cy="4218498"/>
           </a:xfrm>
           <a:prstGeom prst="rect">
             <a:avLst/>
@@ -10073,7 +13715,7 @@
     </p:spTree>
     <p:extLst>
       <p:ext uri="{BB962C8B-B14F-4D97-AF65-F5344CB8AC3E}">
-        <p14:creationId xmlns:p14="http://schemas.microsoft.com/office/powerpoint/2010/main" val="126642829"/>
+        <p14:creationId xmlns:p14="http://schemas.microsoft.com/office/powerpoint/2010/main" val="2642075142"/>
       </p:ext>
     </p:extLst>
   </p:cSld>
@@ -10128,7 +13770,7 @@
           <a:p>
             <a:r>
               <a:rPr lang="en-GB" dirty="0"/>
-              <a:t>Space colonisation</a:t>
+              <a:t>Road Pathfinding</a:t>
             </a:r>
           </a:p>
         </p:txBody>
@@ -10149,8 +13791,8 @@
         </p:nvSpPr>
         <p:spPr>
           <a:xfrm>
-            <a:off x="879231" y="6029325"/>
-            <a:ext cx="11025776" cy="704850"/>
+            <a:off x="879231" y="5619749"/>
+            <a:ext cx="11025776" cy="1114425"/>
           </a:xfrm>
           <a:prstGeom prst="rect">
             <a:avLst/>
@@ -10357,75 +13999,74 @@
             </a:lvl9pPr>
           </a:lstStyle>
           <a:p>
-            <a:pPr marL="0" indent="0" fontAlgn="base">
+            <a:pPr marL="0" indent="0">
               <a:buNone/>
             </a:pPr>
             <a:r>
               <a:rPr lang="en-GB" sz="1000" dirty="0" err="1"/>
-              <a:t>Runions</a:t>
-            </a:r>
-            <a:r>
-              <a:rPr lang="en-GB" sz="1000" dirty="0"/>
-              <a:t>, A. Lane, B and </a:t>
-            </a:r>
-            <a:r>
-              <a:rPr lang="en-GB" sz="1000" dirty="0" err="1"/>
-              <a:t>Prusinkiewicz</a:t>
-            </a:r>
-            <a:r>
-              <a:rPr lang="en-GB" sz="1000" dirty="0"/>
-              <a:t>, P. (2007) “</a:t>
-            </a:r>
-            <a:r>
-              <a:rPr lang="en-GB" sz="1000" dirty="0" err="1"/>
-              <a:t>Modeling</a:t>
-            </a:r>
-            <a:r>
-              <a:rPr lang="en-GB" sz="1000" dirty="0"/>
-              <a:t> trees with a space colonization algorithm” In Proceedings of the Third </a:t>
-            </a:r>
-            <a:r>
-              <a:rPr lang="en-GB" sz="1000" dirty="0" err="1"/>
-              <a:t>Eugographics</a:t>
-            </a:r>
-            <a:r>
-              <a:rPr lang="en-GB" sz="1000" dirty="0"/>
-              <a:t> conference on Natural Phenomena. Prague, Czech Republic. pp 63 – 70.</a:t>
-            </a:r>
-          </a:p>
-          <a:p>
-            <a:pPr marL="0" indent="0" fontAlgn="base">
+              <a:t>Martek</a:t>
+            </a:r>
+            <a:r>
+              <a:rPr lang="en-GB" sz="1000" dirty="0"/>
+              <a:t>, C. (2012). "Procedural generation of road networks for large virtual environments." Rochester Institute of Technology.</a:t>
+            </a:r>
+          </a:p>
+          <a:p>
+            <a:pPr marL="0" indent="0">
               <a:buNone/>
             </a:pPr>
             <a:r>
+              <a:rPr lang="en-GB" sz="1000" dirty="0"/>
+              <a:t>Muller, P and Parish, Y, I, H. (2001). "Procedural </a:t>
+            </a:r>
+            <a:r>
               <a:rPr lang="en-GB" sz="1000" dirty="0" err="1"/>
-              <a:t>Samet</a:t>
-            </a:r>
-            <a:r>
-              <a:rPr lang="en-GB" sz="1000" dirty="0"/>
-              <a:t>, H. (1995). Spatial Data Structures. Addison-Wesley.</a:t>
+              <a:t>modeling</a:t>
+            </a:r>
+            <a:r>
+              <a:rPr lang="en-GB" sz="1000" dirty="0"/>
+              <a:t> of cities". In Proceedings of the 28th annual conference on Computer graphics and interactive techniques (SIGGRAPH '01). </a:t>
+            </a:r>
+            <a:r>
+              <a:rPr lang="en-GB" sz="1000" dirty="0" err="1"/>
+              <a:t>Acm</a:t>
+            </a:r>
+            <a:r>
+              <a:rPr lang="en-GB" sz="1000" dirty="0"/>
+              <a:t>, New York, NY, USA. 301 - 308.</a:t>
+            </a:r>
+          </a:p>
+          <a:p>
+            <a:pPr marL="0" indent="0">
+              <a:buNone/>
+            </a:pPr>
+            <a:r>
+              <a:rPr lang="en-GB" sz="1000" dirty="0"/>
+              <a:t>Red Blob Games. (2014) Introduction to A*. [Online] June 2016. Available online: http://www.redblobgames.com/pathfinding/a-star/introduction.html [Date of access: 29 September 2017].</a:t>
             </a:r>
           </a:p>
         </p:txBody>
       </p:sp>
       <p:sp>
         <p:nvSpPr>
-          <p:cNvPr id="7" name="Content Placeholder 2">
+          <p:cNvPr id="5" name="Content Placeholder 2">
             <a:extLst>
               <a:ext uri="{FF2B5EF4-FFF2-40B4-BE49-F238E27FC236}">
-                <a16:creationId xmlns:a16="http://schemas.microsoft.com/office/drawing/2014/main" id="{EEB5B6A6-22CC-4A94-9718-6DC78DBBC18E}"/>
+                <a16:creationId xmlns:a16="http://schemas.microsoft.com/office/drawing/2014/main" id="{DB47D55E-60AB-49D2-B7E9-4EC8283B44AB}"/>
               </a:ext>
             </a:extLst>
           </p:cNvPr>
           <p:cNvSpPr txBox="1">
-            <a:spLocks/>
+            <a:spLocks noGrp="1"/>
           </p:cNvSpPr>
-          <p:nvPr/>
+          <p:nvPr>
+            <p:ph idx="1"/>
+          </p:nvPr>
         </p:nvSpPr>
         <p:spPr>
           <a:xfrm>
-            <a:off x="879231" y="1274884"/>
-            <a:ext cx="5873994" cy="4649665"/>
+            <a:off x="879231" y="1274885"/>
+            <a:ext cx="5873994" cy="4221040"/>
           </a:xfrm>
           <a:prstGeom prst="rect">
             <a:avLst/>
@@ -10440,212 +14081,38 @@
           <a:bodyPr vert="horz" lIns="91440" tIns="45720" rIns="91440" bIns="45720" rtlCol="0">
             <a:normAutofit/>
           </a:bodyPr>
-          <a:lstStyle>
-            <a:lvl1pPr marL="384048" indent="-384048" algn="l" defTabSz="914400" rtl="0" eaLnBrk="1" latinLnBrk="0" hangingPunct="1">
-              <a:lnSpc>
-                <a:spcPct val="94000"/>
-              </a:lnSpc>
-              <a:spcBef>
-                <a:spcPts val="1000"/>
-              </a:spcBef>
-              <a:spcAft>
-                <a:spcPts val="200"/>
-              </a:spcAft>
-              <a:buFont typeface="Franklin Gothic Book" panose="020B0503020102020204" pitchFamily="34" charset="0"/>
-              <a:buChar char="■"/>
-              <a:defRPr sz="2000" kern="1200" baseline="0">
-                <a:solidFill>
-                  <a:schemeClr val="tx2"/>
-                </a:solidFill>
-                <a:latin typeface="+mn-lt"/>
-                <a:ea typeface="+mn-ea"/>
-                <a:cs typeface="+mn-cs"/>
-              </a:defRPr>
-            </a:lvl1pPr>
-            <a:lvl2pPr marL="914400" indent="-384048" algn="l" defTabSz="914400" rtl="0" eaLnBrk="1" latinLnBrk="0" hangingPunct="1">
-              <a:lnSpc>
-                <a:spcPct val="94000"/>
-              </a:lnSpc>
-              <a:spcBef>
-                <a:spcPts val="500"/>
-              </a:spcBef>
-              <a:spcAft>
-                <a:spcPts val="200"/>
-              </a:spcAft>
-              <a:buFont typeface="Franklin Gothic Book" panose="020B0503020102020204" pitchFamily="34" charset="0"/>
-              <a:buChar char="–"/>
-              <a:defRPr sz="2000" i="1" kern="1200" baseline="0">
-                <a:solidFill>
-                  <a:schemeClr val="tx2"/>
-                </a:solidFill>
-                <a:latin typeface="+mn-lt"/>
-                <a:ea typeface="+mn-ea"/>
-                <a:cs typeface="+mn-cs"/>
-              </a:defRPr>
-            </a:lvl2pPr>
-            <a:lvl3pPr marL="1371600" indent="-384048" algn="l" defTabSz="914400" rtl="0" eaLnBrk="1" latinLnBrk="0" hangingPunct="1">
-              <a:lnSpc>
-                <a:spcPct val="94000"/>
-              </a:lnSpc>
-              <a:spcBef>
-                <a:spcPts val="500"/>
-              </a:spcBef>
-              <a:spcAft>
-                <a:spcPts val="200"/>
-              </a:spcAft>
-              <a:buFont typeface="Franklin Gothic Book" panose="020B0503020102020204" pitchFamily="34" charset="0"/>
-              <a:buChar char="■"/>
-              <a:defRPr sz="1800" kern="1200" baseline="0">
-                <a:solidFill>
-                  <a:schemeClr val="tx2"/>
-                </a:solidFill>
-                <a:latin typeface="+mn-lt"/>
-                <a:ea typeface="+mn-ea"/>
-                <a:cs typeface="+mn-cs"/>
-              </a:defRPr>
-            </a:lvl3pPr>
-            <a:lvl4pPr marL="1828800" indent="-384048" algn="l" defTabSz="914400" rtl="0" eaLnBrk="1" latinLnBrk="0" hangingPunct="1">
-              <a:lnSpc>
-                <a:spcPct val="94000"/>
-              </a:lnSpc>
-              <a:spcBef>
-                <a:spcPts val="500"/>
-              </a:spcBef>
-              <a:spcAft>
-                <a:spcPts val="200"/>
-              </a:spcAft>
-              <a:buFont typeface="Franklin Gothic Book" panose="020B0503020102020204" pitchFamily="34" charset="0"/>
-              <a:buChar char="–"/>
-              <a:defRPr sz="1800" i="1" kern="1200" baseline="0">
-                <a:solidFill>
-                  <a:schemeClr val="tx2"/>
-                </a:solidFill>
-                <a:latin typeface="+mn-lt"/>
-                <a:ea typeface="+mn-ea"/>
-                <a:cs typeface="+mn-cs"/>
-              </a:defRPr>
-            </a:lvl4pPr>
-            <a:lvl5pPr marL="2286000" indent="-384048" algn="l" defTabSz="914400" rtl="0" eaLnBrk="1" latinLnBrk="0" hangingPunct="1">
-              <a:lnSpc>
-                <a:spcPct val="94000"/>
-              </a:lnSpc>
-              <a:spcBef>
-                <a:spcPts val="500"/>
-              </a:spcBef>
-              <a:spcAft>
-                <a:spcPts val="200"/>
-              </a:spcAft>
-              <a:buFont typeface="Franklin Gothic Book" panose="020B0503020102020204" pitchFamily="34" charset="0"/>
-              <a:buChar char="■"/>
-              <a:defRPr sz="1600" kern="1200" baseline="0">
-                <a:solidFill>
-                  <a:schemeClr val="tx2"/>
-                </a:solidFill>
-                <a:latin typeface="+mn-lt"/>
-                <a:ea typeface="+mn-ea"/>
-                <a:cs typeface="+mn-cs"/>
-              </a:defRPr>
-            </a:lvl5pPr>
-            <a:lvl6pPr marL="2743200" indent="-384048" algn="l" defTabSz="914400" rtl="0" eaLnBrk="1" latinLnBrk="0" hangingPunct="1">
-              <a:lnSpc>
-                <a:spcPct val="94000"/>
-              </a:lnSpc>
-              <a:spcBef>
-                <a:spcPts val="500"/>
-              </a:spcBef>
-              <a:spcAft>
-                <a:spcPts val="200"/>
-              </a:spcAft>
-              <a:buFont typeface="Franklin Gothic Book" panose="020B0503020102020204" pitchFamily="34" charset="0"/>
-              <a:buChar char="–"/>
-              <a:defRPr sz="1600" i="1" kern="1200" baseline="0">
-                <a:solidFill>
-                  <a:schemeClr val="tx2"/>
-                </a:solidFill>
-                <a:latin typeface="+mn-lt"/>
-                <a:ea typeface="+mn-ea"/>
-                <a:cs typeface="+mn-cs"/>
-              </a:defRPr>
-            </a:lvl6pPr>
-            <a:lvl7pPr marL="3200400" indent="-384048" algn="l" defTabSz="914400" rtl="0" eaLnBrk="1" latinLnBrk="0" hangingPunct="1">
-              <a:lnSpc>
-                <a:spcPct val="94000"/>
-              </a:lnSpc>
-              <a:spcBef>
-                <a:spcPts val="500"/>
-              </a:spcBef>
-              <a:spcAft>
-                <a:spcPts val="200"/>
-              </a:spcAft>
-              <a:buFont typeface="Franklin Gothic Book" panose="020B0503020102020204" pitchFamily="34" charset="0"/>
-              <a:buChar char="■"/>
-              <a:defRPr sz="1400" kern="1200" baseline="0">
-                <a:solidFill>
-                  <a:schemeClr val="tx2"/>
-                </a:solidFill>
-                <a:latin typeface="+mn-lt"/>
-                <a:ea typeface="+mn-ea"/>
-                <a:cs typeface="+mn-cs"/>
-              </a:defRPr>
-            </a:lvl7pPr>
-            <a:lvl8pPr marL="3657600" indent="-384048" algn="l" defTabSz="914400" rtl="0" eaLnBrk="1" latinLnBrk="0" hangingPunct="1">
-              <a:lnSpc>
-                <a:spcPct val="94000"/>
-              </a:lnSpc>
-              <a:spcBef>
-                <a:spcPts val="500"/>
-              </a:spcBef>
-              <a:spcAft>
-                <a:spcPts val="200"/>
-              </a:spcAft>
-              <a:buFont typeface="Franklin Gothic Book" panose="020B0503020102020204" pitchFamily="34" charset="0"/>
-              <a:buChar char="–"/>
-              <a:defRPr sz="1400" i="1" kern="1200" baseline="0">
-                <a:solidFill>
-                  <a:schemeClr val="tx2"/>
-                </a:solidFill>
-                <a:latin typeface="+mn-lt"/>
-                <a:ea typeface="+mn-ea"/>
-                <a:cs typeface="+mn-cs"/>
-              </a:defRPr>
-            </a:lvl8pPr>
-            <a:lvl9pPr marL="4114800" indent="-384048" algn="l" defTabSz="914400" rtl="0" eaLnBrk="1" latinLnBrk="0" hangingPunct="1">
-              <a:lnSpc>
-                <a:spcPct val="94000"/>
-              </a:lnSpc>
-              <a:spcBef>
-                <a:spcPts val="500"/>
-              </a:spcBef>
-              <a:spcAft>
-                <a:spcPts val="200"/>
-              </a:spcAft>
-              <a:buFont typeface="Franklin Gothic Book" panose="020B0503020102020204" pitchFamily="34" charset="0"/>
-              <a:buChar char="■"/>
-              <a:defRPr sz="1400" kern="1200" baseline="0">
-                <a:solidFill>
-                  <a:schemeClr val="tx2"/>
-                </a:solidFill>
-                <a:latin typeface="+mn-lt"/>
-                <a:ea typeface="+mn-ea"/>
-                <a:cs typeface="+mn-cs"/>
-              </a:defRPr>
-            </a:lvl9pPr>
-          </a:lstStyle>
-          <a:p>
-            <a:r>
-              <a:rPr lang="en-GB"/>
-              <a:t>aa</a:t>
-            </a:r>
+          <a:lstStyle/>
+          <a:p>
+            <a:r>
+              <a:rPr lang="en-GB" dirty="0"/>
+              <a:t>Highways using pathfinding to follow the path of least elevation. (Muller, P and Parish, Y, I, H. 2001)</a:t>
+            </a:r>
+          </a:p>
+          <a:p>
             <a:endParaRPr lang="en-GB" dirty="0"/>
+          </a:p>
+          <a:p>
+            <a:r>
+              <a:rPr lang="en-GB" dirty="0"/>
+              <a:t>Euclidean distance and elevation costs are two costs that can be taken into considering when path finding the roads. (</a:t>
+            </a:r>
+            <a:r>
+              <a:rPr lang="en-GB" dirty="0" err="1"/>
+              <a:t>Martek</a:t>
+            </a:r>
+            <a:r>
+              <a:rPr lang="en-GB" dirty="0"/>
+              <a:t>, C. 2012). </a:t>
+            </a:r>
           </a:p>
         </p:txBody>
       </p:sp>
       <p:pic>
         <p:nvPicPr>
-          <p:cNvPr id="9" name="Picture 8">
+          <p:cNvPr id="7" name="Picture 6">
             <a:extLst>
               <a:ext uri="{FF2B5EF4-FFF2-40B4-BE49-F238E27FC236}">
-                <a16:creationId xmlns:a16="http://schemas.microsoft.com/office/drawing/2014/main" id="{BB5BDFD9-F3AD-4973-85FC-ADB65D2A6653}"/>
+                <a16:creationId xmlns:a16="http://schemas.microsoft.com/office/drawing/2014/main" id="{009582E3-0B58-4F4B-858E-B302CE7362B4}"/>
               </a:ext>
             </a:extLst>
           </p:cNvPr>
@@ -10667,8 +14134,8 @@
         </p:blipFill>
         <p:spPr>
           <a:xfrm>
-            <a:off x="6861817" y="2211815"/>
-            <a:ext cx="4934598" cy="2775803"/>
+            <a:off x="6858784" y="1995798"/>
+            <a:ext cx="4940664" cy="2779214"/>
           </a:xfrm>
           <a:prstGeom prst="rect">
             <a:avLst/>
@@ -10678,7 +14145,7 @@
     </p:spTree>
     <p:extLst>
       <p:ext uri="{BB962C8B-B14F-4D97-AF65-F5344CB8AC3E}">
-        <p14:creationId xmlns:p14="http://schemas.microsoft.com/office/powerpoint/2010/main" val="3129975183"/>
+        <p14:creationId xmlns:p14="http://schemas.microsoft.com/office/powerpoint/2010/main" val="318792147"/>
       </p:ext>
     </p:extLst>
   </p:cSld>
@@ -10733,7 +14200,7 @@
           <a:p>
             <a:r>
               <a:rPr lang="en-GB" dirty="0"/>
-              <a:t>Raster template generation</a:t>
+              <a:t>L-Systems</a:t>
             </a:r>
           </a:p>
         </p:txBody>
@@ -10754,8 +14221,8 @@
         </p:nvSpPr>
         <p:spPr>
           <a:xfrm>
-            <a:off x="879231" y="5629275"/>
-            <a:ext cx="11025776" cy="1104900"/>
+            <a:off x="879231" y="4991100"/>
+            <a:ext cx="11025776" cy="1743075"/>
           </a:xfrm>
           <a:prstGeom prst="rect">
             <a:avLst/>
@@ -10963,20 +14430,88 @@
           </a:lstStyle>
           <a:p>
             <a:pPr marL="0" indent="0" fontAlgn="base">
+              <a:lnSpc>
+                <a:spcPct val="100000"/>
+              </a:lnSpc>
               <a:buNone/>
             </a:pPr>
             <a:r>
               <a:rPr lang="en-GB" sz="1000" dirty="0"/>
-              <a:t>Kelly, G. McCabe, H. (2006). “A Survey of Procedural Techniques for City Generation”. In ITB Journal, No. 14.</a:t>
+              <a:t>Goldman, R., Schaefer, S. and Ju, T. (2004). Turtle geometry in computer graphics and computer-aided design. *Computer Aided Design*, 36(14), pp.1471-1482.</a:t>
             </a:r>
           </a:p>
           <a:p>
             <a:pPr marL="0" indent="0" fontAlgn="base">
+              <a:lnSpc>
+                <a:spcPct val="100000"/>
+              </a:lnSpc>
               <a:buNone/>
             </a:pPr>
             <a:r>
-              <a:rPr lang="en-GB" sz="1000" dirty="0"/>
-              <a:t>Muller, P and Parish, Y, I, H. (2001). “Procedural </a:t>
+              <a:rPr lang="en-GB" sz="1000" dirty="0" err="1"/>
+              <a:t>Ilangovan</a:t>
+            </a:r>
+            <a:r>
+              <a:rPr lang="en-GB" sz="1000" dirty="0"/>
+              <a:t>, K, P. (2009) Procedural City </a:t>
+            </a:r>
+            <a:r>
+              <a:rPr lang="en-GB" sz="1000" dirty="0" err="1"/>
+              <a:t>Generaror</a:t>
+            </a:r>
+            <a:r>
+              <a:rPr lang="en-GB" sz="1000" dirty="0"/>
+              <a:t>, MSc </a:t>
+            </a:r>
+            <a:r>
+              <a:rPr lang="en-GB" sz="1000" dirty="0" err="1"/>
+              <a:t>thesus</a:t>
+            </a:r>
+            <a:r>
+              <a:rPr lang="en-GB" sz="1000" dirty="0"/>
+              <a:t>, Bournemouth University. Available at: </a:t>
+            </a:r>
+            <a:r>
+              <a:rPr lang="en-GB" sz="1000" dirty="0">
+                <a:hlinkClick r:id="rId2"/>
+              </a:rPr>
+              <a:t>https://nccastaff.bournemouth.ac.uk/jmacey/MastersProjects/MSc09/Ilangovan/Thesis_i7834000.pdf</a:t>
+            </a:r>
+            <a:r>
+              <a:rPr lang="en-GB" sz="1000" dirty="0"/>
+              <a:t> (Accessed: 30 May 2017).</a:t>
+            </a:r>
+          </a:p>
+          <a:p>
+            <a:pPr marL="0" indent="0" fontAlgn="base">
+              <a:lnSpc>
+                <a:spcPct val="100000"/>
+              </a:lnSpc>
+              <a:buNone/>
+            </a:pPr>
+            <a:r>
+              <a:rPr lang="en-GB" sz="1000" dirty="0"/>
+              <a:t>Kelly, G. </a:t>
+            </a:r>
+            <a:r>
+              <a:rPr lang="en-GB" sz="1000" dirty="0" err="1"/>
+              <a:t>Mccave</a:t>
+            </a:r>
+            <a:r>
+              <a:rPr lang="en-GB" sz="1000" dirty="0"/>
+              <a:t>, H. (2006). “A Survey of Procedural Techniques for City Generation”. In ITB Journal, No. 14.</a:t>
+            </a:r>
+          </a:p>
+          <a:p>
+            <a:pPr marL="0" indent="0" fontAlgn="base">
+              <a:lnSpc>
+                <a:spcPct val="100000"/>
+              </a:lnSpc>
+              <a:buNone/>
+            </a:pPr>
+            <a:r>
+              <a:rPr lang="en-GB" sz="1000" dirty="0"/>
+              <a:t>Parish, Y, I, H. Muller, Pascal. (2001). “Procedural </a:t>
             </a:r>
             <a:r>
               <a:rPr lang="en-GB" sz="1000" dirty="0" err="1"/>
@@ -10992,40 +14527,39 @@
             </a:r>
             <a:r>
               <a:rPr lang="en-GB" sz="1000" dirty="0"/>
-              <a:t>, New York, NY, USA. 301 – 308.</a:t>
+              <a:t>, New York, NY, USA, 301 – 308.</a:t>
             </a:r>
           </a:p>
           <a:p>
             <a:pPr marL="0" indent="0" fontAlgn="base">
+              <a:lnSpc>
+                <a:spcPct val="100000"/>
+              </a:lnSpc>
               <a:buNone/>
             </a:pPr>
             <a:r>
-              <a:rPr lang="en-GB" sz="1000" dirty="0"/>
-              <a:t>Sun, J. Yu, X. </a:t>
-            </a:r>
-            <a:r>
               <a:rPr lang="en-GB" sz="1000" dirty="0" err="1"/>
-              <a:t>Baciu</a:t>
-            </a:r>
-            <a:r>
-              <a:rPr lang="en-GB" sz="1000" dirty="0"/>
-              <a:t>, G. Green, M. (2002). “Template-based generation of road networks for virtual city </a:t>
+              <a:t>Prusinkiewicx</a:t>
+            </a:r>
+            <a:r>
+              <a:rPr lang="en-GB" sz="1000" dirty="0"/>
+              <a:t>, P. and </a:t>
             </a:r>
             <a:r>
               <a:rPr lang="en-GB" sz="1000" dirty="0" err="1"/>
-              <a:t>modeling</a:t>
-            </a:r>
-            <a:r>
-              <a:rPr lang="en-GB" sz="1000" dirty="0"/>
-              <a:t>”. In Proceedings of the ACM symposium on Virtual reality software and technology (VRST ’02). </a:t>
+              <a:t>Janan</a:t>
+            </a:r>
+            <a:r>
+              <a:rPr lang="en-GB" sz="1000" dirty="0"/>
+              <a:t>, J. (1992). “</a:t>
             </a:r>
             <a:r>
               <a:rPr lang="en-GB" sz="1000" dirty="0" err="1"/>
-              <a:t>Acm</a:t>
-            </a:r>
-            <a:r>
-              <a:rPr lang="en-GB" sz="1000" dirty="0"/>
-              <a:t>, New Work, NY, USA, 33 – 40.</a:t>
+              <a:t>Lindenmayer</a:t>
+            </a:r>
+            <a:r>
+              <a:rPr lang="en-GB" sz="1000" dirty="0"/>
+              <a:t> systems, fractals, and plants.” New York, N.Y.: Springer-Verlag.</a:t>
             </a:r>
           </a:p>
         </p:txBody>
@@ -11035,19 +14569,21 @@
           <p:cNvPr id="7" name="Content Placeholder 2">
             <a:extLst>
               <a:ext uri="{FF2B5EF4-FFF2-40B4-BE49-F238E27FC236}">
-                <a16:creationId xmlns:a16="http://schemas.microsoft.com/office/drawing/2014/main" id="{65A56FC6-A98E-41AE-9E37-F846B2435B9B}"/>
+                <a16:creationId xmlns:a16="http://schemas.microsoft.com/office/drawing/2014/main" id="{754B5357-64AF-4960-A55A-3BBF449DD868}"/>
               </a:ext>
             </a:extLst>
           </p:cNvPr>
           <p:cNvSpPr txBox="1">
-            <a:spLocks/>
+            <a:spLocks noGrp="1"/>
           </p:cNvSpPr>
-          <p:nvPr/>
+          <p:nvPr>
+            <p:ph idx="1"/>
+          </p:nvPr>
         </p:nvSpPr>
         <p:spPr>
           <a:xfrm>
-            <a:off x="879231" y="1274884"/>
-            <a:ext cx="5873994" cy="4221041"/>
+            <a:off x="879231" y="1274885"/>
+            <a:ext cx="5873994" cy="3601915"/>
           </a:xfrm>
           <a:prstGeom prst="rect">
             <a:avLst/>
@@ -11060,205 +14596,63 @@
         </p:spPr>
         <p:txBody>
           <a:bodyPr vert="horz" lIns="91440" tIns="45720" rIns="91440" bIns="45720" rtlCol="0">
-            <a:normAutofit/>
+            <a:normAutofit fontScale="92500" lnSpcReduction="10000"/>
           </a:bodyPr>
-          <a:lstStyle>
-            <a:lvl1pPr marL="384048" indent="-384048" algn="l" defTabSz="914400" rtl="0" eaLnBrk="1" latinLnBrk="0" hangingPunct="1">
-              <a:lnSpc>
-                <a:spcPct val="94000"/>
-              </a:lnSpc>
-              <a:spcBef>
-                <a:spcPts val="1000"/>
-              </a:spcBef>
-              <a:spcAft>
-                <a:spcPts val="200"/>
-              </a:spcAft>
-              <a:buFont typeface="Franklin Gothic Book" panose="020B0503020102020204" pitchFamily="34" charset="0"/>
-              <a:buChar char="■"/>
-              <a:defRPr sz="2000" kern="1200" baseline="0">
-                <a:solidFill>
-                  <a:schemeClr val="tx2"/>
-                </a:solidFill>
-                <a:latin typeface="+mn-lt"/>
-                <a:ea typeface="+mn-ea"/>
-                <a:cs typeface="+mn-cs"/>
-              </a:defRPr>
-            </a:lvl1pPr>
-            <a:lvl2pPr marL="914400" indent="-384048" algn="l" defTabSz="914400" rtl="0" eaLnBrk="1" latinLnBrk="0" hangingPunct="1">
-              <a:lnSpc>
-                <a:spcPct val="94000"/>
-              </a:lnSpc>
-              <a:spcBef>
-                <a:spcPts val="500"/>
-              </a:spcBef>
-              <a:spcAft>
-                <a:spcPts val="200"/>
-              </a:spcAft>
-              <a:buFont typeface="Franklin Gothic Book" panose="020B0503020102020204" pitchFamily="34" charset="0"/>
-              <a:buChar char="–"/>
-              <a:defRPr sz="2000" i="1" kern="1200" baseline="0">
-                <a:solidFill>
-                  <a:schemeClr val="tx2"/>
-                </a:solidFill>
-                <a:latin typeface="+mn-lt"/>
-                <a:ea typeface="+mn-ea"/>
-                <a:cs typeface="+mn-cs"/>
-              </a:defRPr>
-            </a:lvl2pPr>
-            <a:lvl3pPr marL="1371600" indent="-384048" algn="l" defTabSz="914400" rtl="0" eaLnBrk="1" latinLnBrk="0" hangingPunct="1">
-              <a:lnSpc>
-                <a:spcPct val="94000"/>
-              </a:lnSpc>
-              <a:spcBef>
-                <a:spcPts val="500"/>
-              </a:spcBef>
-              <a:spcAft>
-                <a:spcPts val="200"/>
-              </a:spcAft>
-              <a:buFont typeface="Franklin Gothic Book" panose="020B0503020102020204" pitchFamily="34" charset="0"/>
-              <a:buChar char="■"/>
-              <a:defRPr sz="1800" kern="1200" baseline="0">
-                <a:solidFill>
-                  <a:schemeClr val="tx2"/>
-                </a:solidFill>
-                <a:latin typeface="+mn-lt"/>
-                <a:ea typeface="+mn-ea"/>
-                <a:cs typeface="+mn-cs"/>
-              </a:defRPr>
-            </a:lvl3pPr>
-            <a:lvl4pPr marL="1828800" indent="-384048" algn="l" defTabSz="914400" rtl="0" eaLnBrk="1" latinLnBrk="0" hangingPunct="1">
-              <a:lnSpc>
-                <a:spcPct val="94000"/>
-              </a:lnSpc>
-              <a:spcBef>
-                <a:spcPts val="500"/>
-              </a:spcBef>
-              <a:spcAft>
-                <a:spcPts val="200"/>
-              </a:spcAft>
-              <a:buFont typeface="Franklin Gothic Book" panose="020B0503020102020204" pitchFamily="34" charset="0"/>
-              <a:buChar char="–"/>
-              <a:defRPr sz="1800" i="1" kern="1200" baseline="0">
-                <a:solidFill>
-                  <a:schemeClr val="tx2"/>
-                </a:solidFill>
-                <a:latin typeface="+mn-lt"/>
-                <a:ea typeface="+mn-ea"/>
-                <a:cs typeface="+mn-cs"/>
-              </a:defRPr>
-            </a:lvl4pPr>
-            <a:lvl5pPr marL="2286000" indent="-384048" algn="l" defTabSz="914400" rtl="0" eaLnBrk="1" latinLnBrk="0" hangingPunct="1">
-              <a:lnSpc>
-                <a:spcPct val="94000"/>
-              </a:lnSpc>
-              <a:spcBef>
-                <a:spcPts val="500"/>
-              </a:spcBef>
-              <a:spcAft>
-                <a:spcPts val="200"/>
-              </a:spcAft>
-              <a:buFont typeface="Franklin Gothic Book" panose="020B0503020102020204" pitchFamily="34" charset="0"/>
-              <a:buChar char="■"/>
-              <a:defRPr sz="1600" kern="1200" baseline="0">
-                <a:solidFill>
-                  <a:schemeClr val="tx2"/>
-                </a:solidFill>
-                <a:latin typeface="+mn-lt"/>
-                <a:ea typeface="+mn-ea"/>
-                <a:cs typeface="+mn-cs"/>
-              </a:defRPr>
-            </a:lvl5pPr>
-            <a:lvl6pPr marL="2743200" indent="-384048" algn="l" defTabSz="914400" rtl="0" eaLnBrk="1" latinLnBrk="0" hangingPunct="1">
-              <a:lnSpc>
-                <a:spcPct val="94000"/>
-              </a:lnSpc>
-              <a:spcBef>
-                <a:spcPts val="500"/>
-              </a:spcBef>
-              <a:spcAft>
-                <a:spcPts val="200"/>
-              </a:spcAft>
-              <a:buFont typeface="Franklin Gothic Book" panose="020B0503020102020204" pitchFamily="34" charset="0"/>
-              <a:buChar char="–"/>
-              <a:defRPr sz="1600" i="1" kern="1200" baseline="0">
-                <a:solidFill>
-                  <a:schemeClr val="tx2"/>
-                </a:solidFill>
-                <a:latin typeface="+mn-lt"/>
-                <a:ea typeface="+mn-ea"/>
-                <a:cs typeface="+mn-cs"/>
-              </a:defRPr>
-            </a:lvl6pPr>
-            <a:lvl7pPr marL="3200400" indent="-384048" algn="l" defTabSz="914400" rtl="0" eaLnBrk="1" latinLnBrk="0" hangingPunct="1">
-              <a:lnSpc>
-                <a:spcPct val="94000"/>
-              </a:lnSpc>
-              <a:spcBef>
-                <a:spcPts val="500"/>
-              </a:spcBef>
-              <a:spcAft>
-                <a:spcPts val="200"/>
-              </a:spcAft>
-              <a:buFont typeface="Franklin Gothic Book" panose="020B0503020102020204" pitchFamily="34" charset="0"/>
-              <a:buChar char="■"/>
-              <a:defRPr sz="1400" kern="1200" baseline="0">
-                <a:solidFill>
-                  <a:schemeClr val="tx2"/>
-                </a:solidFill>
-                <a:latin typeface="+mn-lt"/>
-                <a:ea typeface="+mn-ea"/>
-                <a:cs typeface="+mn-cs"/>
-              </a:defRPr>
-            </a:lvl7pPr>
-            <a:lvl8pPr marL="3657600" indent="-384048" algn="l" defTabSz="914400" rtl="0" eaLnBrk="1" latinLnBrk="0" hangingPunct="1">
-              <a:lnSpc>
-                <a:spcPct val="94000"/>
-              </a:lnSpc>
-              <a:spcBef>
-                <a:spcPts val="500"/>
-              </a:spcBef>
-              <a:spcAft>
-                <a:spcPts val="200"/>
-              </a:spcAft>
-              <a:buFont typeface="Franklin Gothic Book" panose="020B0503020102020204" pitchFamily="34" charset="0"/>
-              <a:buChar char="–"/>
-              <a:defRPr sz="1400" i="1" kern="1200" baseline="0">
-                <a:solidFill>
-                  <a:schemeClr val="tx2"/>
-                </a:solidFill>
-                <a:latin typeface="+mn-lt"/>
-                <a:ea typeface="+mn-ea"/>
-                <a:cs typeface="+mn-cs"/>
-              </a:defRPr>
-            </a:lvl8pPr>
-            <a:lvl9pPr marL="4114800" indent="-384048" algn="l" defTabSz="914400" rtl="0" eaLnBrk="1" latinLnBrk="0" hangingPunct="1">
-              <a:lnSpc>
-                <a:spcPct val="94000"/>
-              </a:lnSpc>
-              <a:spcBef>
-                <a:spcPts val="500"/>
-              </a:spcBef>
-              <a:spcAft>
-                <a:spcPts val="200"/>
-              </a:spcAft>
-              <a:buFont typeface="Franklin Gothic Book" panose="020B0503020102020204" pitchFamily="34" charset="0"/>
-              <a:buChar char="■"/>
-              <a:defRPr sz="1400" kern="1200" baseline="0">
-                <a:solidFill>
-                  <a:schemeClr val="tx2"/>
-                </a:solidFill>
-                <a:latin typeface="+mn-lt"/>
-                <a:ea typeface="+mn-ea"/>
-                <a:cs typeface="+mn-cs"/>
-              </a:defRPr>
-            </a:lvl9pPr>
-          </a:lstStyle>
-          <a:p>
-            <a:r>
-              <a:rPr lang="en-GB"/>
-              <a:t>aa</a:t>
-            </a:r>
+          <a:lstStyle/>
+          <a:p>
+            <a:r>
+              <a:rPr lang="en-GB" dirty="0"/>
+              <a:t>L-systems are a procedural generation technique that can be used in the procedural generation of cities; L-systems can be used to generate road networks and generate buildings. (</a:t>
+            </a:r>
+            <a:r>
+              <a:rPr lang="en-GB" dirty="0" err="1"/>
+              <a:t>GameDevStackExchange</a:t>
+            </a:r>
+            <a:r>
+              <a:rPr lang="en-GB" dirty="0"/>
+              <a:t>, 2014), (Kelly G, </a:t>
+            </a:r>
+            <a:r>
+              <a:rPr lang="en-GB" dirty="0" err="1"/>
+              <a:t>Mccave</a:t>
+            </a:r>
+            <a:r>
+              <a:rPr lang="en-GB" dirty="0"/>
+              <a:t> H, 2006), (</a:t>
+            </a:r>
+            <a:r>
+              <a:rPr lang="en-GB" dirty="0" err="1"/>
+              <a:t>Ilangovan</a:t>
+            </a:r>
+            <a:r>
+              <a:rPr lang="en-GB" dirty="0"/>
+              <a:t> K, P, 2009), (Parish Y I H, Muller P, 2001).</a:t>
+            </a:r>
+          </a:p>
+          <a:p>
             <a:endParaRPr lang="en-GB" dirty="0"/>
+          </a:p>
+          <a:p>
+            <a:r>
+              <a:rPr lang="en-GB" dirty="0"/>
+              <a:t>L-Systems are prevalent for the procedural generation of plants (</a:t>
+            </a:r>
+            <a:r>
+              <a:rPr lang="en-GB" dirty="0" err="1"/>
+              <a:t>Prusinkiewicx</a:t>
+            </a:r>
+            <a:r>
+              <a:rPr lang="en-GB" dirty="0"/>
+              <a:t>, P and </a:t>
+            </a:r>
+            <a:r>
+              <a:rPr lang="en-GB" dirty="0" err="1"/>
+              <a:t>Janan</a:t>
+            </a:r>
+            <a:r>
+              <a:rPr lang="en-GB" dirty="0"/>
+              <a:t>, J, 1992), however there has been some work in using and adapting L-systems to work within procedural city generation.</a:t>
+            </a:r>
           </a:p>
         </p:txBody>
       </p:sp>
@@ -11267,7 +14661,7 @@
           <p:cNvPr id="9" name="Picture 8">
             <a:extLst>
               <a:ext uri="{FF2B5EF4-FFF2-40B4-BE49-F238E27FC236}">
-                <a16:creationId xmlns:a16="http://schemas.microsoft.com/office/drawing/2014/main" id="{825FD9C7-B247-4304-8818-546F57E613D8}"/>
+                <a16:creationId xmlns:a16="http://schemas.microsoft.com/office/drawing/2014/main" id="{EC1FC889-DF9B-4E28-81FD-0AD5CEABC510}"/>
               </a:ext>
             </a:extLst>
           </p:cNvPr>
@@ -11277,7 +14671,7 @@
           <p:nvPr/>
         </p:nvPicPr>
         <p:blipFill rotWithShape="1">
-          <a:blip r:embed="rId2">
+          <a:blip r:embed="rId3">
             <a:extLst>
               <a:ext uri="{28A0092B-C50C-407E-A947-70E740481C1C}">
                 <a14:useLocalDpi xmlns:a14="http://schemas.microsoft.com/office/drawing/2010/main" val="0"/>
@@ -11289,8 +14683,8 @@
         </p:blipFill>
         <p:spPr>
           <a:xfrm>
-            <a:off x="7210015" y="1274883"/>
-            <a:ext cx="4238202" cy="4221041"/>
+            <a:off x="7521891" y="1274885"/>
+            <a:ext cx="3614449" cy="3599813"/>
           </a:xfrm>
           <a:prstGeom prst="rect">
             <a:avLst/>
@@ -11300,7 +14694,7 @@
     </p:spTree>
     <p:extLst>
       <p:ext uri="{BB962C8B-B14F-4D97-AF65-F5344CB8AC3E}">
-        <p14:creationId xmlns:p14="http://schemas.microsoft.com/office/powerpoint/2010/main" val="2173672590"/>
+        <p14:creationId xmlns:p14="http://schemas.microsoft.com/office/powerpoint/2010/main" val="126642829"/>
       </p:ext>
     </p:extLst>
   </p:cSld>
@@ -11355,7 +14749,7 @@
           <a:p>
             <a:r>
               <a:rPr lang="en-GB" dirty="0"/>
-              <a:t>Population template generation</a:t>
+              <a:t>Space colonisation</a:t>
             </a:r>
           </a:p>
         </p:txBody>
@@ -11376,8 +14770,8 @@
         </p:nvSpPr>
         <p:spPr>
           <a:xfrm>
-            <a:off x="879231" y="5343525"/>
-            <a:ext cx="11025776" cy="1390650"/>
+            <a:off x="879231" y="6029325"/>
+            <a:ext cx="11025776" cy="704850"/>
           </a:xfrm>
           <a:prstGeom prst="rect">
             <a:avLst/>
@@ -11588,8 +14982,36 @@
               <a:buNone/>
             </a:pPr>
             <a:r>
-              <a:rPr lang="en-GB" sz="1000" dirty="0"/>
-              <a:t>Kelly, G. McCabe, H. (2006). “A Survey of Procedural Techniques for City Generation”. In ITB Journal, No. 14.</a:t>
+              <a:rPr lang="en-GB" sz="1000" dirty="0" err="1"/>
+              <a:t>Runions</a:t>
+            </a:r>
+            <a:r>
+              <a:rPr lang="en-GB" sz="1000" dirty="0"/>
+              <a:t>, A. Lane, B and </a:t>
+            </a:r>
+            <a:r>
+              <a:rPr lang="en-GB" sz="1000" dirty="0" err="1"/>
+              <a:t>Prusinkiewicz</a:t>
+            </a:r>
+            <a:r>
+              <a:rPr lang="en-GB" sz="1000" dirty="0"/>
+              <a:t>, P. (2007) “</a:t>
+            </a:r>
+            <a:r>
+              <a:rPr lang="en-GB" sz="1000" dirty="0" err="1"/>
+              <a:t>Modeling</a:t>
+            </a:r>
+            <a:r>
+              <a:rPr lang="en-GB" sz="1000" dirty="0"/>
+              <a:t> trees with a space colonization algorithm” In Proceedings of the Third </a:t>
+            </a:r>
+            <a:r>
+              <a:rPr lang="en-GB" sz="1000" dirty="0" err="1"/>
+              <a:t>Eugographics</a:t>
+            </a:r>
+            <a:r>
+              <a:rPr lang="en-GB" sz="1000" dirty="0"/>
+              <a:t> conference on Natural Phenomena. Prague, Czech Republic. pp 63 – 70.</a:t>
             </a:r>
           </a:p>
           <a:p>
@@ -11597,70 +15019,12 @@
               <a:buNone/>
             </a:pPr>
             <a:r>
-              <a:rPr lang="en-GB" sz="1000" dirty="0"/>
-              <a:t>Muller, P and Parish, Y, I, H. (2001). “Procedural </a:t>
-            </a:r>
-            <a:r>
-              <a:rPr lang="en-GB" sz="1000" dirty="0" err="1"/>
-              <a:t>modeling</a:t>
-            </a:r>
-            <a:r>
-              <a:rPr lang="en-GB" sz="1000" dirty="0"/>
-              <a:t> of cities”. In Proceedings of the 28th annual conference on Computer graphics and interactive techniques (SIGGRAPH ’01). </a:t>
-            </a:r>
-            <a:r>
-              <a:rPr lang="en-GB" sz="1000" dirty="0" err="1"/>
-              <a:t>Acm</a:t>
-            </a:r>
-            <a:r>
-              <a:rPr lang="en-GB" sz="1000" dirty="0"/>
-              <a:t>, New York, NY, USA. 301 – 308.</a:t>
-            </a:r>
-          </a:p>
-          <a:p>
-            <a:pPr marL="0" indent="0" fontAlgn="base">
-              <a:buNone/>
-            </a:pPr>
-            <a:r>
               <a:rPr lang="en-GB" sz="1000" dirty="0" err="1"/>
               <a:t>Samet</a:t>
             </a:r>
             <a:r>
               <a:rPr lang="en-GB" sz="1000" dirty="0"/>
               <a:t>, H. (1995). Spatial Data Structures. Addison-Wesley.</a:t>
-            </a:r>
-          </a:p>
-          <a:p>
-            <a:pPr marL="0" indent="0" fontAlgn="base">
-              <a:buNone/>
-            </a:pPr>
-            <a:r>
-              <a:rPr lang="en-GB" sz="1000" dirty="0"/>
-              <a:t>Sun, J. Yu, X. </a:t>
-            </a:r>
-            <a:r>
-              <a:rPr lang="en-GB" sz="1000" dirty="0" err="1"/>
-              <a:t>Baciu</a:t>
-            </a:r>
-            <a:r>
-              <a:rPr lang="en-GB" sz="1000" dirty="0"/>
-              <a:t>, G. Green, M. (2002). “Template-based generation of road networks for virtual city </a:t>
-            </a:r>
-            <a:r>
-              <a:rPr lang="en-GB" sz="1000" dirty="0" err="1"/>
-              <a:t>modeling</a:t>
-            </a:r>
-            <a:r>
-              <a:rPr lang="en-GB" sz="1000" dirty="0"/>
-              <a:t>”. In Proceedings of the ACM symposium on Virtual reality software and technology (VRST ’02). </a:t>
-            </a:r>
-            <a:r>
-              <a:rPr lang="en-GB" sz="1000" dirty="0" err="1"/>
-              <a:t>Acm</a:t>
-            </a:r>
-            <a:r>
-              <a:rPr lang="en-GB" sz="1000" dirty="0"/>
-              <a:t>, New Work, NY, USA, 33 – 40.</a:t>
             </a:r>
           </a:p>
         </p:txBody>
@@ -11670,7 +15034,7 @@
           <p:cNvPr id="7" name="Content Placeholder 2">
             <a:extLst>
               <a:ext uri="{FF2B5EF4-FFF2-40B4-BE49-F238E27FC236}">
-                <a16:creationId xmlns:a16="http://schemas.microsoft.com/office/drawing/2014/main" id="{D1146DA5-F7DF-49BB-899B-A575B02D50C0}"/>
+                <a16:creationId xmlns:a16="http://schemas.microsoft.com/office/drawing/2014/main" id="{EEB5B6A6-22CC-4A94-9718-6DC78DBBC18E}"/>
               </a:ext>
             </a:extLst>
           </p:cNvPr>
@@ -11682,7 +15046,7 @@
         <p:spPr>
           <a:xfrm>
             <a:off x="879231" y="1274884"/>
-            <a:ext cx="5873994" cy="3954341"/>
+            <a:ext cx="5873994" cy="4649665"/>
           </a:xfrm>
           <a:prstGeom prst="rect">
             <a:avLst/>
@@ -11890,10 +15254,57 @@
           </a:lstStyle>
           <a:p>
             <a:r>
-              <a:rPr lang="en-GB"/>
-              <a:t>aa</a:t>
-            </a:r>
+              <a:rPr lang="en-GB" dirty="0"/>
+              <a:t>Procedurally generating by using a recursive branching structure (</a:t>
+            </a:r>
+            <a:r>
+              <a:rPr lang="en-GB" dirty="0" err="1"/>
+              <a:t>Runions</a:t>
+            </a:r>
+            <a:r>
+              <a:rPr lang="en-GB" dirty="0"/>
+              <a:t> A. </a:t>
+            </a:r>
+            <a:r>
+              <a:rPr lang="en-GB" dirty="0" err="1"/>
+              <a:t>Lane,B</a:t>
+            </a:r>
+            <a:r>
+              <a:rPr lang="en-GB" dirty="0"/>
+              <a:t> and </a:t>
+            </a:r>
+            <a:r>
+              <a:rPr lang="en-GB" dirty="0" err="1"/>
+              <a:t>Prusinkiewicz</a:t>
+            </a:r>
+            <a:r>
+              <a:rPr lang="en-GB" dirty="0"/>
+              <a:t> P, 2007).</a:t>
+            </a:r>
+          </a:p>
+          <a:p>
             <a:endParaRPr lang="en-GB" dirty="0"/>
+          </a:p>
+          <a:p>
+            <a:endParaRPr lang="en-GB" dirty="0"/>
+          </a:p>
+          <a:p>
+            <a:r>
+              <a:rPr lang="en-GB" dirty="0"/>
+              <a:t>Initial data points</a:t>
+            </a:r>
+          </a:p>
+          <a:p>
+            <a:r>
+              <a:rPr lang="en-GB" dirty="0"/>
+              <a:t>Connecting based on heuristic values</a:t>
+            </a:r>
+          </a:p>
+          <a:p>
+            <a:r>
+              <a:rPr lang="en-GB" dirty="0"/>
+              <a:t>Post-generation modification</a:t>
+            </a:r>
           </a:p>
         </p:txBody>
       </p:sp>
@@ -11902,7 +15313,7 @@
           <p:cNvPr id="9" name="Picture 8">
             <a:extLst>
               <a:ext uri="{FF2B5EF4-FFF2-40B4-BE49-F238E27FC236}">
-                <a16:creationId xmlns:a16="http://schemas.microsoft.com/office/drawing/2014/main" id="{163BA30C-CA1F-4E06-84A0-1DED64D46C52}"/>
+                <a16:creationId xmlns:a16="http://schemas.microsoft.com/office/drawing/2014/main" id="{BB5BDFD9-F3AD-4973-85FC-ADB65D2A6653}"/>
               </a:ext>
             </a:extLst>
           </p:cNvPr>
@@ -11924,8 +15335,8 @@
         </p:blipFill>
         <p:spPr>
           <a:xfrm>
-            <a:off x="6941594" y="1966180"/>
-            <a:ext cx="4775043" cy="2686050"/>
+            <a:off x="6861817" y="2211815"/>
+            <a:ext cx="4934598" cy="2775803"/>
           </a:xfrm>
           <a:prstGeom prst="rect">
             <a:avLst/>
@@ -11935,7 +15346,7 @@
     </p:spTree>
     <p:extLst>
       <p:ext uri="{BB962C8B-B14F-4D97-AF65-F5344CB8AC3E}">
-        <p14:creationId xmlns:p14="http://schemas.microsoft.com/office/powerpoint/2010/main" val="44578004"/>
+        <p14:creationId xmlns:p14="http://schemas.microsoft.com/office/powerpoint/2010/main" val="3129975183"/>
       </p:ext>
     </p:extLst>
   </p:cSld>
@@ -11990,7 +15401,7 @@
           <a:p>
             <a:r>
               <a:rPr lang="en-GB" dirty="0"/>
-              <a:t>Radial template generation</a:t>
+              <a:t>Raster template generation</a:t>
             </a:r>
           </a:p>
         </p:txBody>
@@ -12292,7 +15703,7 @@
           <p:cNvPr id="7" name="Content Placeholder 2">
             <a:extLst>
               <a:ext uri="{FF2B5EF4-FFF2-40B4-BE49-F238E27FC236}">
-                <a16:creationId xmlns:a16="http://schemas.microsoft.com/office/drawing/2014/main" id="{641DFDE1-245E-46E6-A1CE-AC559B067AF5}"/>
+                <a16:creationId xmlns:a16="http://schemas.microsoft.com/office/drawing/2014/main" id="{65A56FC6-A98E-41AE-9E37-F846B2435B9B}"/>
               </a:ext>
             </a:extLst>
           </p:cNvPr>
@@ -12304,7 +15715,7 @@
         <p:spPr>
           <a:xfrm>
             <a:off x="879231" y="1274884"/>
-            <a:ext cx="5873994" cy="4230566"/>
+            <a:ext cx="5873994" cy="4221041"/>
           </a:xfrm>
           <a:prstGeom prst="rect">
             <a:avLst/>
@@ -12512,10 +15923,26 @@
           </a:lstStyle>
           <a:p>
             <a:r>
-              <a:rPr lang="en-GB"/>
-              <a:t>aa</a:t>
-            </a:r>
+              <a:rPr lang="en-GB" dirty="0"/>
+              <a:t>Many systems use a grid template to produce minor roads inside of areas created by major roads. These minor roads can all follow a global angle or this can be local to the encapsulated area. Maximum and minimum boundaries for block width and length can also be provided. (Muller P, Parish Y I H, 2001). </a:t>
+            </a:r>
+          </a:p>
+          <a:p>
             <a:endParaRPr lang="en-GB" dirty="0"/>
+          </a:p>
+          <a:p>
+            <a:r>
+              <a:rPr lang="en-GB" dirty="0"/>
+              <a:t>Major and minor roads are laid out in a grid pattern. (Sun, J. Yu, X. </a:t>
+            </a:r>
+            <a:r>
+              <a:rPr lang="en-GB" dirty="0" err="1"/>
+              <a:t>Baciu</a:t>
+            </a:r>
+            <a:r>
+              <a:rPr lang="en-GB" dirty="0"/>
+              <a:t>, G. Green, M, 2002).</a:t>
+            </a:r>
           </a:p>
         </p:txBody>
       </p:sp>
@@ -12524,7 +15951,7 @@
           <p:cNvPr id="9" name="Picture 8">
             <a:extLst>
               <a:ext uri="{FF2B5EF4-FFF2-40B4-BE49-F238E27FC236}">
-                <a16:creationId xmlns:a16="http://schemas.microsoft.com/office/drawing/2014/main" id="{FFA3BD9E-3DAC-4B9C-BED3-0D53F290655C}"/>
+                <a16:creationId xmlns:a16="http://schemas.microsoft.com/office/drawing/2014/main" id="{825FD9C7-B247-4304-8818-546F57E613D8}"/>
               </a:ext>
             </a:extLst>
           </p:cNvPr>
@@ -12541,13 +15968,13 @@
               </a:ext>
             </a:extLst>
           </a:blip>
-          <a:srcRect t="5139"/>
+          <a:srcRect t="6022"/>
           <a:stretch/>
         </p:blipFill>
         <p:spPr>
           <a:xfrm>
-            <a:off x="7310807" y="1393756"/>
-            <a:ext cx="4036618" cy="3992822"/>
+            <a:off x="7210015" y="1274883"/>
+            <a:ext cx="4238202" cy="4221041"/>
           </a:xfrm>
           <a:prstGeom prst="rect">
             <a:avLst/>
@@ -12557,7 +15984,7 @@
     </p:spTree>
     <p:extLst>
       <p:ext uri="{BB962C8B-B14F-4D97-AF65-F5344CB8AC3E}">
-        <p14:creationId xmlns:p14="http://schemas.microsoft.com/office/powerpoint/2010/main" val="4069036436"/>
+        <p14:creationId xmlns:p14="http://schemas.microsoft.com/office/powerpoint/2010/main" val="2173672590"/>
       </p:ext>
     </p:extLst>
   </p:cSld>
@@ -12823,4 +16250,299 @@
     </a:ext>
   </a:extLst>
 </a:theme>
+</file>
+
+<file path=ppt/theme/theme2.xml><?xml version="1.0" encoding="utf-8"?>
+<a:theme xmlns:a="http://schemas.openxmlformats.org/drawingml/2006/main" name="Office Theme">
+  <a:themeElements>
+    <a:clrScheme name="Office">
+      <a:dk1>
+        <a:sysClr val="windowText" lastClr="000000"/>
+      </a:dk1>
+      <a:lt1>
+        <a:sysClr val="window" lastClr="FFFFFF"/>
+      </a:lt1>
+      <a:dk2>
+        <a:srgbClr val="44546A"/>
+      </a:dk2>
+      <a:lt2>
+        <a:srgbClr val="E7E6E6"/>
+      </a:lt2>
+      <a:accent1>
+        <a:srgbClr val="4472C4"/>
+      </a:accent1>
+      <a:accent2>
+        <a:srgbClr val="ED7D31"/>
+      </a:accent2>
+      <a:accent3>
+        <a:srgbClr val="A5A5A5"/>
+      </a:accent3>
+      <a:accent4>
+        <a:srgbClr val="FFC000"/>
+      </a:accent4>
+      <a:accent5>
+        <a:srgbClr val="5B9BD5"/>
+      </a:accent5>
+      <a:accent6>
+        <a:srgbClr val="70AD47"/>
+      </a:accent6>
+      <a:hlink>
+        <a:srgbClr val="0563C1"/>
+      </a:hlink>
+      <a:folHlink>
+        <a:srgbClr val="954F72"/>
+      </a:folHlink>
+    </a:clrScheme>
+    <a:fontScheme name="Office">
+      <a:majorFont>
+        <a:latin typeface="Calibri Light" panose="020F0302020204030204"/>
+        <a:ea typeface=""/>
+        <a:cs typeface=""/>
+        <a:font script="Jpan" typeface="游ゴシック Light"/>
+        <a:font script="Hang" typeface="맑은 고딕"/>
+        <a:font script="Hans" typeface="等线 Light"/>
+        <a:font script="Hant" typeface="新細明體"/>
+        <a:font script="Arab" typeface="Times New Roman"/>
+        <a:font script="Hebr" typeface="Times New Roman"/>
+        <a:font script="Thai" typeface="Angsana New"/>
+        <a:font script="Ethi" typeface="Nyala"/>
+        <a:font script="Beng" typeface="Vrinda"/>
+        <a:font script="Gujr" typeface="Shruti"/>
+        <a:font script="Khmr" typeface="MoolBoran"/>
+        <a:font script="Knda" typeface="Tunga"/>
+        <a:font script="Guru" typeface="Raavi"/>
+        <a:font script="Cans" typeface="Euphemia"/>
+        <a:font script="Cher" typeface="Plantagenet Cherokee"/>
+        <a:font script="Yiii" typeface="Microsoft Yi Baiti"/>
+        <a:font script="Tibt" typeface="Microsoft Himalaya"/>
+        <a:font script="Thaa" typeface="MV Boli"/>
+        <a:font script="Deva" typeface="Mangal"/>
+        <a:font script="Telu" typeface="Gautami"/>
+        <a:font script="Taml" typeface="Latha"/>
+        <a:font script="Syrc" typeface="Estrangelo Edessa"/>
+        <a:font script="Orya" typeface="Kalinga"/>
+        <a:font script="Mlym" typeface="Kartika"/>
+        <a:font script="Laoo" typeface="DokChampa"/>
+        <a:font script="Sinh" typeface="Iskoola Pota"/>
+        <a:font script="Mong" typeface="Mongolian Baiti"/>
+        <a:font script="Viet" typeface="Times New Roman"/>
+        <a:font script="Uigh" typeface="Microsoft Uighur"/>
+        <a:font script="Geor" typeface="Sylfaen"/>
+        <a:font script="Armn" typeface="Arial"/>
+        <a:font script="Bugi" typeface="Leelawadee UI"/>
+        <a:font script="Bopo" typeface="Microsoft JhengHei"/>
+        <a:font script="Java" typeface="Javanese Text"/>
+        <a:font script="Lisu" typeface="Segoe UI"/>
+        <a:font script="Mymr" typeface="Myanmar Text"/>
+        <a:font script="Nkoo" typeface="Ebrima"/>
+        <a:font script="Olck" typeface="Nirmala UI"/>
+        <a:font script="Osma" typeface="Ebrima"/>
+        <a:font script="Phag" typeface="Phagspa"/>
+        <a:font script="Syrn" typeface="Estrangelo Edessa"/>
+        <a:font script="Syrj" typeface="Estrangelo Edessa"/>
+        <a:font script="Syre" typeface="Estrangelo Edessa"/>
+        <a:font script="Sora" typeface="Nirmala UI"/>
+        <a:font script="Tale" typeface="Microsoft Tai Le"/>
+        <a:font script="Talu" typeface="Microsoft New Tai Lue"/>
+        <a:font script="Tfng" typeface="Ebrima"/>
+      </a:majorFont>
+      <a:minorFont>
+        <a:latin typeface="Calibri" panose="020F0502020204030204"/>
+        <a:ea typeface=""/>
+        <a:cs typeface=""/>
+        <a:font script="Jpan" typeface="游ゴシック"/>
+        <a:font script="Hang" typeface="맑은 고딕"/>
+        <a:font script="Hans" typeface="等线"/>
+        <a:font script="Hant" typeface="新細明體"/>
+        <a:font script="Arab" typeface="Arial"/>
+        <a:font script="Hebr" typeface="Arial"/>
+        <a:font script="Thai" typeface="Cordia New"/>
+        <a:font script="Ethi" typeface="Nyala"/>
+        <a:font script="Beng" typeface="Vrinda"/>
+        <a:font script="Gujr" typeface="Shruti"/>
+        <a:font script="Khmr" typeface="DaunPenh"/>
+        <a:font script="Knda" typeface="Tunga"/>
+        <a:font script="Guru" typeface="Raavi"/>
+        <a:font script="Cans" typeface="Euphemia"/>
+        <a:font script="Cher" typeface="Plantagenet Cherokee"/>
+        <a:font script="Yiii" typeface="Microsoft Yi Baiti"/>
+        <a:font script="Tibt" typeface="Microsoft Himalaya"/>
+        <a:font script="Thaa" typeface="MV Boli"/>
+        <a:font script="Deva" typeface="Mangal"/>
+        <a:font script="Telu" typeface="Gautami"/>
+        <a:font script="Taml" typeface="Latha"/>
+        <a:font script="Syrc" typeface="Estrangelo Edessa"/>
+        <a:font script="Orya" typeface="Kalinga"/>
+        <a:font script="Mlym" typeface="Kartika"/>
+        <a:font script="Laoo" typeface="DokChampa"/>
+        <a:font script="Sinh" typeface="Iskoola Pota"/>
+        <a:font script="Mong" typeface="Mongolian Baiti"/>
+        <a:font script="Viet" typeface="Arial"/>
+        <a:font script="Uigh" typeface="Microsoft Uighur"/>
+        <a:font script="Geor" typeface="Sylfaen"/>
+        <a:font script="Armn" typeface="Arial"/>
+        <a:font script="Bugi" typeface="Leelawadee UI"/>
+        <a:font script="Bopo" typeface="Microsoft JhengHei"/>
+        <a:font script="Java" typeface="Javanese Text"/>
+        <a:font script="Lisu" typeface="Segoe UI"/>
+        <a:font script="Mymr" typeface="Myanmar Text"/>
+        <a:font script="Nkoo" typeface="Ebrima"/>
+        <a:font script="Olck" typeface="Nirmala UI"/>
+        <a:font script="Osma" typeface="Ebrima"/>
+        <a:font script="Phag" typeface="Phagspa"/>
+        <a:font script="Syrn" typeface="Estrangelo Edessa"/>
+        <a:font script="Syrj" typeface="Estrangelo Edessa"/>
+        <a:font script="Syre" typeface="Estrangelo Edessa"/>
+        <a:font script="Sora" typeface="Nirmala UI"/>
+        <a:font script="Tale" typeface="Microsoft Tai Le"/>
+        <a:font script="Talu" typeface="Microsoft New Tai Lue"/>
+        <a:font script="Tfng" typeface="Ebrima"/>
+      </a:minorFont>
+    </a:fontScheme>
+    <a:fmtScheme name="Office">
+      <a:fillStyleLst>
+        <a:solidFill>
+          <a:schemeClr val="phClr"/>
+        </a:solidFill>
+        <a:gradFill rotWithShape="1">
+          <a:gsLst>
+            <a:gs pos="0">
+              <a:schemeClr val="phClr">
+                <a:lumMod val="110000"/>
+                <a:satMod val="105000"/>
+                <a:tint val="67000"/>
+              </a:schemeClr>
+            </a:gs>
+            <a:gs pos="50000">
+              <a:schemeClr val="phClr">
+                <a:lumMod val="105000"/>
+                <a:satMod val="103000"/>
+                <a:tint val="73000"/>
+              </a:schemeClr>
+            </a:gs>
+            <a:gs pos="100000">
+              <a:schemeClr val="phClr">
+                <a:lumMod val="105000"/>
+                <a:satMod val="109000"/>
+                <a:tint val="81000"/>
+              </a:schemeClr>
+            </a:gs>
+          </a:gsLst>
+          <a:lin ang="5400000" scaled="0"/>
+        </a:gradFill>
+        <a:gradFill rotWithShape="1">
+          <a:gsLst>
+            <a:gs pos="0">
+              <a:schemeClr val="phClr">
+                <a:satMod val="103000"/>
+                <a:lumMod val="102000"/>
+                <a:tint val="94000"/>
+              </a:schemeClr>
+            </a:gs>
+            <a:gs pos="50000">
+              <a:schemeClr val="phClr">
+                <a:satMod val="110000"/>
+                <a:lumMod val="100000"/>
+                <a:shade val="100000"/>
+              </a:schemeClr>
+            </a:gs>
+            <a:gs pos="100000">
+              <a:schemeClr val="phClr">
+                <a:lumMod val="99000"/>
+                <a:satMod val="120000"/>
+                <a:shade val="78000"/>
+              </a:schemeClr>
+            </a:gs>
+          </a:gsLst>
+          <a:lin ang="5400000" scaled="0"/>
+        </a:gradFill>
+      </a:fillStyleLst>
+      <a:lnStyleLst>
+        <a:ln w="6350" cap="flat" cmpd="sng" algn="ctr">
+          <a:solidFill>
+            <a:schemeClr val="phClr"/>
+          </a:solidFill>
+          <a:prstDash val="solid"/>
+          <a:miter lim="800000"/>
+        </a:ln>
+        <a:ln w="12700" cap="flat" cmpd="sng" algn="ctr">
+          <a:solidFill>
+            <a:schemeClr val="phClr"/>
+          </a:solidFill>
+          <a:prstDash val="solid"/>
+          <a:miter lim="800000"/>
+        </a:ln>
+        <a:ln w="19050" cap="flat" cmpd="sng" algn="ctr">
+          <a:solidFill>
+            <a:schemeClr val="phClr"/>
+          </a:solidFill>
+          <a:prstDash val="solid"/>
+          <a:miter lim="800000"/>
+        </a:ln>
+      </a:lnStyleLst>
+      <a:effectStyleLst>
+        <a:effectStyle>
+          <a:effectLst/>
+        </a:effectStyle>
+        <a:effectStyle>
+          <a:effectLst/>
+        </a:effectStyle>
+        <a:effectStyle>
+          <a:effectLst>
+            <a:outerShdw blurRad="57150" dist="19050" dir="5400000" algn="ctr" rotWithShape="0">
+              <a:srgbClr val="000000">
+                <a:alpha val="63000"/>
+              </a:srgbClr>
+            </a:outerShdw>
+          </a:effectLst>
+        </a:effectStyle>
+      </a:effectStyleLst>
+      <a:bgFillStyleLst>
+        <a:solidFill>
+          <a:schemeClr val="phClr"/>
+        </a:solidFill>
+        <a:solidFill>
+          <a:schemeClr val="phClr">
+            <a:tint val="95000"/>
+            <a:satMod val="170000"/>
+          </a:schemeClr>
+        </a:solidFill>
+        <a:gradFill rotWithShape="1">
+          <a:gsLst>
+            <a:gs pos="0">
+              <a:schemeClr val="phClr">
+                <a:tint val="93000"/>
+                <a:satMod val="150000"/>
+                <a:shade val="98000"/>
+                <a:lumMod val="102000"/>
+              </a:schemeClr>
+            </a:gs>
+            <a:gs pos="50000">
+              <a:schemeClr val="phClr">
+                <a:tint val="98000"/>
+                <a:satMod val="130000"/>
+                <a:shade val="90000"/>
+                <a:lumMod val="103000"/>
+              </a:schemeClr>
+            </a:gs>
+            <a:gs pos="100000">
+              <a:schemeClr val="phClr">
+                <a:shade val="63000"/>
+                <a:satMod val="120000"/>
+              </a:schemeClr>
+            </a:gs>
+          </a:gsLst>
+          <a:lin ang="5400000" scaled="0"/>
+        </a:gradFill>
+      </a:bgFillStyleLst>
+    </a:fmtScheme>
+  </a:themeElements>
+  <a:objectDefaults/>
+  <a:extraClrSchemeLst/>
+  <a:extLst>
+    <a:ext uri="{05A4C25C-085E-4340-85A3-A5531E510DB2}">
+      <thm15:themeFamily xmlns:thm15="http://schemas.microsoft.com/office/thememl/2012/main" name="Office Theme" id="{62F939B6-93AF-4DB8-9C6B-D6C7DFDC589F}" vid="{4A3C46E8-61CC-4603-A589-7422A47A8E4A}"/>
+    </a:ext>
+  </a:extLst>
+</a:theme>
 </file>
--- a/Presentation.pptx
+++ b/Presentation.pptx
@@ -5,7 +5,7 @@
     <p:sldMasterId id="2147483660" r:id="rId1"/>
   </p:sldMasterIdLst>
   <p:notesMasterIdLst>
-    <p:notesMasterId r:id="rId22"/>
+    <p:notesMasterId r:id="rId25"/>
   </p:notesMasterIdLst>
   <p:sldIdLst>
     <p:sldId id="256" r:id="rId2"/>
@@ -13,21 +13,24 @@
     <p:sldId id="286" r:id="rId4"/>
     <p:sldId id="273" r:id="rId5"/>
     <p:sldId id="287" r:id="rId6"/>
-    <p:sldId id="288" r:id="rId7"/>
-    <p:sldId id="274" r:id="rId8"/>
-    <p:sldId id="275" r:id="rId9"/>
-    <p:sldId id="276" r:id="rId10"/>
-    <p:sldId id="277" r:id="rId11"/>
-    <p:sldId id="278" r:id="rId12"/>
-    <p:sldId id="279" r:id="rId13"/>
-    <p:sldId id="280" r:id="rId14"/>
-    <p:sldId id="281" r:id="rId15"/>
-    <p:sldId id="282" r:id="rId16"/>
-    <p:sldId id="283" r:id="rId17"/>
-    <p:sldId id="284" r:id="rId18"/>
-    <p:sldId id="285" r:id="rId19"/>
-    <p:sldId id="290" r:id="rId20"/>
-    <p:sldId id="291" r:id="rId21"/>
+    <p:sldId id="294" r:id="rId7"/>
+    <p:sldId id="288" r:id="rId8"/>
+    <p:sldId id="274" r:id="rId9"/>
+    <p:sldId id="275" r:id="rId10"/>
+    <p:sldId id="276" r:id="rId11"/>
+    <p:sldId id="277" r:id="rId12"/>
+    <p:sldId id="278" r:id="rId13"/>
+    <p:sldId id="279" r:id="rId14"/>
+    <p:sldId id="280" r:id="rId15"/>
+    <p:sldId id="281" r:id="rId16"/>
+    <p:sldId id="293" r:id="rId17"/>
+    <p:sldId id="292" r:id="rId18"/>
+    <p:sldId id="282" r:id="rId19"/>
+    <p:sldId id="283" r:id="rId20"/>
+    <p:sldId id="284" r:id="rId21"/>
+    <p:sldId id="285" r:id="rId22"/>
+    <p:sldId id="290" r:id="rId23"/>
+    <p:sldId id="291" r:id="rId24"/>
   </p:sldIdLst>
   <p:sldSz cx="12192000" cy="6858000"/>
   <p:notesSz cx="6858000" cy="9144000"/>
@@ -136,6 +139,7 @@
             <p14:sldId id="286"/>
             <p14:sldId id="273"/>
             <p14:sldId id="287"/>
+            <p14:sldId id="294"/>
             <p14:sldId id="288"/>
             <p14:sldId id="274"/>
             <p14:sldId id="275"/>
@@ -145,6 +149,8 @@
             <p14:sldId id="279"/>
             <p14:sldId id="280"/>
             <p14:sldId id="281"/>
+            <p14:sldId id="293"/>
+            <p14:sldId id="292"/>
             <p14:sldId id="282"/>
             <p14:sldId id="283"/>
             <p14:sldId id="284"/>
@@ -158,12 +164,11 @@
     <p:ext uri="{EFAFB233-063F-42B5-8137-9DF3F51BA10A}">
       <p15:sldGuideLst xmlns:p15="http://schemas.microsoft.com/office/powerpoint/2012/main"/>
     </p:ext>
+    <p:ext uri="{2D200454-40CA-4A62-9FC3-DE9A4176ACB9}">
+      <p15:notesGuideLst xmlns:p15="http://schemas.microsoft.com/office/powerpoint/2012/main"/>
+    </p:ext>
   </p:extLst>
 </p:presentation>
-</file>
-
-<file path=ppt/revisionInfo.xml><?xml version="1.0" encoding="utf-8"?>
-<p1510:revInfo xmlns:a="http://schemas.openxmlformats.org/drawingml/2006/main" xmlns:r="http://schemas.openxmlformats.org/officeDocument/2006/relationships" xmlns:p1510="http://schemas.microsoft.com/office/powerpoint/2015/10/main"/>
 </file>
 
 <file path=ppt/notesMasters/notesMaster1.xml><?xml version="1.0" encoding="utf-8"?>
@@ -248,7 +253,7 @@
           <a:p>
             <a:fld id="{6A5540B2-652F-4A41-9C7B-AA8B5C9F5541}" type="datetimeFigureOut">
               <a:rPr lang="en-GB" smtClean="0"/>
-              <a:t>20/02/2018</a:t>
+              <a:t>26/02/2018</a:t>
             </a:fld>
             <a:endParaRPr lang="en-GB"/>
           </a:p>
@@ -665,7 +670,7 @@
           <a:p>
             <a:fld id="{D8D247D5-E5FD-4D98-9008-338DDEB6C507}" type="slidenum">
               <a:rPr lang="en-GB" smtClean="0"/>
-              <a:t>17</a:t>
+              <a:t>20</a:t>
             </a:fld>
             <a:endParaRPr lang="en-GB"/>
           </a:p>
@@ -749,7 +754,7 @@
           <a:p>
             <a:fld id="{D8D247D5-E5FD-4D98-9008-338DDEB6C507}" type="slidenum">
               <a:rPr lang="en-GB" smtClean="0"/>
-              <a:t>18</a:t>
+              <a:t>21</a:t>
             </a:fld>
             <a:endParaRPr lang="en-GB"/>
           </a:p>
@@ -833,7 +838,7 @@
           <a:p>
             <a:fld id="{D8D247D5-E5FD-4D98-9008-338DDEB6C507}" type="slidenum">
               <a:rPr lang="en-GB" smtClean="0"/>
-              <a:t>19</a:t>
+              <a:t>22</a:t>
             </a:fld>
             <a:endParaRPr lang="en-GB"/>
           </a:p>
@@ -1021,7 +1026,7 @@
           <a:p>
             <a:fld id="{7755CC85-1475-4064-B921-9EA614CEF79B}" type="datetimeFigureOut">
               <a:rPr lang="en-GB" smtClean="0"/>
-              <a:t>20/02/2018</a:t>
+              <a:t>26/02/2018</a:t>
             </a:fld>
             <a:endParaRPr lang="en-GB"/>
           </a:p>
@@ -1351,7 +1356,7 @@
           <a:p>
             <a:fld id="{7755CC85-1475-4064-B921-9EA614CEF79B}" type="datetimeFigureOut">
               <a:rPr lang="en-GB" smtClean="0"/>
-              <a:t>20/02/2018</a:t>
+              <a:t>26/02/2018</a:t>
             </a:fld>
             <a:endParaRPr lang="en-GB"/>
           </a:p>
@@ -1531,7 +1536,7 @@
           <a:p>
             <a:fld id="{7755CC85-1475-4064-B921-9EA614CEF79B}" type="datetimeFigureOut">
               <a:rPr lang="en-GB" smtClean="0"/>
-              <a:t>20/02/2018</a:t>
+              <a:t>26/02/2018</a:t>
             </a:fld>
             <a:endParaRPr lang="en-GB"/>
           </a:p>
@@ -1701,7 +1706,7 @@
           <a:p>
             <a:fld id="{7755CC85-1475-4064-B921-9EA614CEF79B}" type="datetimeFigureOut">
               <a:rPr lang="en-GB" smtClean="0"/>
-              <a:t>20/02/2018</a:t>
+              <a:t>26/02/2018</a:t>
             </a:fld>
             <a:endParaRPr lang="en-GB"/>
           </a:p>
@@ -1978,7 +1983,7 @@
           <a:p>
             <a:fld id="{7755CC85-1475-4064-B921-9EA614CEF79B}" type="datetimeFigureOut">
               <a:rPr lang="en-GB" smtClean="0"/>
-              <a:t>20/02/2018</a:t>
+              <a:t>26/02/2018</a:t>
             </a:fld>
             <a:endParaRPr lang="en-GB"/>
           </a:p>
@@ -2372,7 +2377,7 @@
           <a:p>
             <a:fld id="{7755CC85-1475-4064-B921-9EA614CEF79B}" type="datetimeFigureOut">
               <a:rPr lang="en-GB" smtClean="0"/>
-              <a:t>20/02/2018</a:t>
+              <a:t>26/02/2018</a:t>
             </a:fld>
             <a:endParaRPr lang="en-GB"/>
           </a:p>
@@ -2849,7 +2854,7 @@
           <a:p>
             <a:fld id="{7755CC85-1475-4064-B921-9EA614CEF79B}" type="datetimeFigureOut">
               <a:rPr lang="en-GB" smtClean="0"/>
-              <a:t>20/02/2018</a:t>
+              <a:t>26/02/2018</a:t>
             </a:fld>
             <a:endParaRPr lang="en-GB"/>
           </a:p>
@@ -2967,7 +2972,7 @@
           <a:p>
             <a:fld id="{7755CC85-1475-4064-B921-9EA614CEF79B}" type="datetimeFigureOut">
               <a:rPr lang="en-GB" smtClean="0"/>
-              <a:t>20/02/2018</a:t>
+              <a:t>26/02/2018</a:t>
             </a:fld>
             <a:endParaRPr lang="en-GB"/>
           </a:p>
@@ -3062,7 +3067,7 @@
           <a:p>
             <a:fld id="{7755CC85-1475-4064-B921-9EA614CEF79B}" type="datetimeFigureOut">
               <a:rPr lang="en-GB" smtClean="0"/>
-              <a:t>20/02/2018</a:t>
+              <a:t>26/02/2018</a:t>
             </a:fld>
             <a:endParaRPr lang="en-GB"/>
           </a:p>
@@ -3408,7 +3413,7 @@
           <a:p>
             <a:fld id="{7755CC85-1475-4064-B921-9EA614CEF79B}" type="datetimeFigureOut">
               <a:rPr lang="en-GB" smtClean="0"/>
-              <a:t>20/02/2018</a:t>
+              <a:t>26/02/2018</a:t>
             </a:fld>
             <a:endParaRPr lang="en-GB"/>
           </a:p>
@@ -3796,7 +3801,7 @@
           <a:p>
             <a:fld id="{7755CC85-1475-4064-B921-9EA614CEF79B}" type="datetimeFigureOut">
               <a:rPr lang="en-GB" smtClean="0"/>
-              <a:t>20/02/2018</a:t>
+              <a:t>26/02/2018</a:t>
             </a:fld>
             <a:endParaRPr lang="en-GB"/>
           </a:p>
@@ -4074,7 +4079,7 @@
           <a:p>
             <a:fld id="{7755CC85-1475-4064-B921-9EA614CEF79B}" type="datetimeFigureOut">
               <a:rPr lang="en-GB" smtClean="0"/>
-              <a:t>20/02/2018</a:t>
+              <a:t>26/02/2018</a:t>
             </a:fld>
             <a:endParaRPr lang="en-GB"/>
           </a:p>
@@ -4711,7 +4716,7 @@
           <a:p>
             <a:r>
               <a:rPr lang="en-GB" dirty="0"/>
-              <a:t>Population template generation</a:t>
+              <a:t>Raster template generation</a:t>
             </a:r>
           </a:p>
         </p:txBody>
@@ -4732,8 +4737,8 @@
         </p:nvSpPr>
         <p:spPr>
           <a:xfrm>
-            <a:off x="879231" y="5343525"/>
-            <a:ext cx="11025776" cy="1390650"/>
+            <a:off x="879231" y="5629275"/>
+            <a:ext cx="11025776" cy="1104900"/>
           </a:xfrm>
           <a:prstGeom prst="rect">
             <a:avLst/>
@@ -4978,19 +4983,6 @@
               <a:buNone/>
             </a:pPr>
             <a:r>
-              <a:rPr lang="en-GB" sz="1000" dirty="0" err="1"/>
-              <a:t>Samet</a:t>
-            </a:r>
-            <a:r>
-              <a:rPr lang="en-GB" sz="1000" dirty="0"/>
-              <a:t>, H. (1995). Spatial Data Structures. Addison-Wesley.</a:t>
-            </a:r>
-          </a:p>
-          <a:p>
-            <a:pPr marL="0" indent="0" fontAlgn="base">
-              <a:buNone/>
-            </a:pPr>
-            <a:r>
               <a:rPr lang="en-GB" sz="1000" dirty="0"/>
               <a:t>Sun, J. Yu, X. </a:t>
             </a:r>
@@ -5026,7 +5018,7 @@
           <p:cNvPr id="7" name="Content Placeholder 2">
             <a:extLst>
               <a:ext uri="{FF2B5EF4-FFF2-40B4-BE49-F238E27FC236}">
-                <a16:creationId xmlns:a16="http://schemas.microsoft.com/office/drawing/2014/main" id="{D1146DA5-F7DF-49BB-899B-A575B02D50C0}"/>
+                <a16:creationId xmlns:a16="http://schemas.microsoft.com/office/drawing/2014/main" id="{65A56FC6-A98E-41AE-9E37-F846B2435B9B}"/>
               </a:ext>
             </a:extLst>
           </p:cNvPr>
@@ -5038,7 +5030,7 @@
         <p:spPr>
           <a:xfrm>
             <a:off x="879231" y="1274884"/>
-            <a:ext cx="5873994" cy="3954341"/>
+            <a:ext cx="5873994" cy="4221041"/>
           </a:xfrm>
           <a:prstGeom prst="rect">
             <a:avLst/>
@@ -5051,7 +5043,7 @@
         </p:spPr>
         <p:txBody>
           <a:bodyPr vert="horz" lIns="91440" tIns="45720" rIns="91440" bIns="45720" rtlCol="0">
-            <a:normAutofit lnSpcReduction="10000"/>
+            <a:normAutofit/>
           </a:bodyPr>
           <a:lstStyle>
             <a:lvl1pPr marL="384048" indent="-384048" algn="l" defTabSz="914400" rtl="0" eaLnBrk="1" latinLnBrk="0" hangingPunct="1">
@@ -5247,56 +5239,16 @@
           <a:p>
             <a:r>
               <a:rPr lang="en-GB" dirty="0"/>
-              <a:t>"It is reasonable that roads in a higher populated area should be also denser to alleviate the traffic flow burden and people everywhere should have easy </a:t>
-            </a:r>
-            <a:r>
-              <a:rPr lang="en-GB" dirty="0" err="1"/>
-              <a:t>acess</a:t>
-            </a:r>
+              <a:t>Many systems use a grid template to produce minor roads inside of areas created by major roads. These minor roads can all follow a global angle or this can be local to the encapsulated area. Maximum and minimum boundaries for block width and length can also be provided. (Muller P, Parish Y I H, 2001). </a:t>
+            </a:r>
+          </a:p>
+          <a:p>
+            <a:endParaRPr lang="en-GB" dirty="0"/>
+          </a:p>
+          <a:p>
             <a:r>
               <a:rPr lang="en-GB" dirty="0"/>
-              <a:t> to the road. Taking these tw3o aspects into consideration, we use </a:t>
-            </a:r>
-            <a:r>
-              <a:rPr lang="en-GB" dirty="0" err="1"/>
-              <a:t>Voronoi</a:t>
-            </a:r>
-            <a:r>
-              <a:rPr lang="en-GB" dirty="0"/>
-              <a:t> diagram as the rule of population-based template" (Sun, J. Yu, X. </a:t>
-            </a:r>
-            <a:r>
-              <a:rPr lang="en-GB" dirty="0" err="1"/>
-              <a:t>Baciu</a:t>
-            </a:r>
-            <a:r>
-              <a:rPr lang="en-GB" dirty="0"/>
-              <a:t>, G. Green, M, 2002)</a:t>
-            </a:r>
-          </a:p>
-          <a:p>
-            <a:endParaRPr lang="en-GB" dirty="0"/>
-          </a:p>
-          <a:p>
-            <a:r>
-              <a:rPr lang="en-GB" dirty="0"/>
-              <a:t>"Using density points extracted from maps as input sites of </a:t>
-            </a:r>
-            <a:r>
-              <a:rPr lang="en-GB" dirty="0" err="1"/>
-              <a:t>Voronoi</a:t>
-            </a:r>
-            <a:r>
-              <a:rPr lang="en-GB" dirty="0"/>
-              <a:t> diagram, the </a:t>
-            </a:r>
-            <a:r>
-              <a:rPr lang="en-GB" dirty="0" err="1"/>
-              <a:t>Voronoi</a:t>
-            </a:r>
-            <a:r>
-              <a:rPr lang="en-GB" dirty="0"/>
-              <a:t> edges we get are the resulting roads." (Sun, J. Yu, X. </a:t>
+              <a:t>Major and minor roads are laid out in a grid pattern. (Sun, J. Yu, X. </a:t>
             </a:r>
             <a:r>
               <a:rPr lang="en-GB" dirty="0" err="1"/>
@@ -5314,7 +5266,7 @@
           <p:cNvPr id="9" name="Picture 8">
             <a:extLst>
               <a:ext uri="{FF2B5EF4-FFF2-40B4-BE49-F238E27FC236}">
-                <a16:creationId xmlns:a16="http://schemas.microsoft.com/office/drawing/2014/main" id="{163BA30C-CA1F-4E06-84A0-1DED64D46C52}"/>
+                <a16:creationId xmlns:a16="http://schemas.microsoft.com/office/drawing/2014/main" id="{825FD9C7-B247-4304-8818-546F57E613D8}"/>
               </a:ext>
             </a:extLst>
           </p:cNvPr>
@@ -5331,13 +5283,13 @@
               </a:ext>
             </a:extLst>
           </a:blip>
-          <a:srcRect t="4102"/>
+          <a:srcRect t="6022"/>
           <a:stretch/>
         </p:blipFill>
         <p:spPr>
           <a:xfrm>
-            <a:off x="6941594" y="1966180"/>
-            <a:ext cx="4775043" cy="2686050"/>
+            <a:off x="7210015" y="1274883"/>
+            <a:ext cx="4238202" cy="4221041"/>
           </a:xfrm>
           <a:prstGeom prst="rect">
             <a:avLst/>
@@ -5347,7 +5299,7 @@
     </p:spTree>
     <p:extLst>
       <p:ext uri="{BB962C8B-B14F-4D97-AF65-F5344CB8AC3E}">
-        <p14:creationId xmlns:p14="http://schemas.microsoft.com/office/powerpoint/2010/main" val="44578004"/>
+        <p14:creationId xmlns:p14="http://schemas.microsoft.com/office/powerpoint/2010/main" val="2173672590"/>
       </p:ext>
     </p:extLst>
   </p:cSld>
@@ -5402,7 +5354,7 @@
           <a:p>
             <a:r>
               <a:rPr lang="en-GB" dirty="0"/>
-              <a:t>Radial template generation</a:t>
+              <a:t>Population template generation</a:t>
             </a:r>
           </a:p>
         </p:txBody>
@@ -5423,8 +5375,8 @@
         </p:nvSpPr>
         <p:spPr>
           <a:xfrm>
-            <a:off x="879231" y="5629275"/>
-            <a:ext cx="11025776" cy="1104900"/>
+            <a:off x="879231" y="5343525"/>
+            <a:ext cx="11025776" cy="1390650"/>
           </a:xfrm>
           <a:prstGeom prst="rect">
             <a:avLst/>
@@ -5669,6 +5621,19 @@
               <a:buNone/>
             </a:pPr>
             <a:r>
+              <a:rPr lang="en-GB" sz="1000" dirty="0" err="1"/>
+              <a:t>Samet</a:t>
+            </a:r>
+            <a:r>
+              <a:rPr lang="en-GB" sz="1000" dirty="0"/>
+              <a:t>, H. (1995). Spatial Data Structures. Addison-Wesley.</a:t>
+            </a:r>
+          </a:p>
+          <a:p>
+            <a:pPr marL="0" indent="0" fontAlgn="base">
+              <a:buNone/>
+            </a:pPr>
+            <a:r>
               <a:rPr lang="en-GB" sz="1000" dirty="0"/>
               <a:t>Sun, J. Yu, X. </a:t>
             </a:r>
@@ -5704,7 +5669,7 @@
           <p:cNvPr id="7" name="Content Placeholder 2">
             <a:extLst>
               <a:ext uri="{FF2B5EF4-FFF2-40B4-BE49-F238E27FC236}">
-                <a16:creationId xmlns:a16="http://schemas.microsoft.com/office/drawing/2014/main" id="{641DFDE1-245E-46E6-A1CE-AC559B067AF5}"/>
+                <a16:creationId xmlns:a16="http://schemas.microsoft.com/office/drawing/2014/main" id="{D1146DA5-F7DF-49BB-899B-A575B02D50C0}"/>
               </a:ext>
             </a:extLst>
           </p:cNvPr>
@@ -5716,7 +5681,7 @@
         <p:spPr>
           <a:xfrm>
             <a:off x="879231" y="1274884"/>
-            <a:ext cx="5873994" cy="4230566"/>
+            <a:ext cx="5873994" cy="3954341"/>
           </a:xfrm>
           <a:prstGeom prst="rect">
             <a:avLst/>
@@ -5729,7 +5694,7 @@
         </p:spPr>
         <p:txBody>
           <a:bodyPr vert="horz" lIns="91440" tIns="45720" rIns="91440" bIns="45720" rtlCol="0">
-            <a:normAutofit/>
+            <a:normAutofit lnSpcReduction="10000"/>
           </a:bodyPr>
           <a:lstStyle>
             <a:lvl1pPr marL="384048" indent="-384048" algn="l" defTabSz="914400" rtl="0" eaLnBrk="1" latinLnBrk="0" hangingPunct="1">
@@ -5925,7 +5890,64 @@
           <a:p>
             <a:r>
               <a:rPr lang="en-GB" dirty="0"/>
-              <a:t>The radial pattern is seen in a number of cities due to the historical growth of the city. The radial pattern often represents highways, or major roads, whilst streets (minor roads) often appear in raster form. (Muller P and Parish Y I H, 2001). </a:t>
+              <a:t>"It is reasonable that roads in a higher populated area should be also denser to alleviate the traffic flow burden and people everywhere should have easy </a:t>
+            </a:r>
+            <a:r>
+              <a:rPr lang="en-GB" dirty="0" err="1"/>
+              <a:t>acess</a:t>
+            </a:r>
+            <a:r>
+              <a:rPr lang="en-GB" dirty="0"/>
+              <a:t> to the road. Taking these tw3o aspects into consideration, we use </a:t>
+            </a:r>
+            <a:r>
+              <a:rPr lang="en-GB" dirty="0" err="1"/>
+              <a:t>Voronoi</a:t>
+            </a:r>
+            <a:r>
+              <a:rPr lang="en-GB" dirty="0"/>
+              <a:t> diagram as the rule of population-based template" (Sun, J. Yu, X. </a:t>
+            </a:r>
+            <a:r>
+              <a:rPr lang="en-GB" dirty="0" err="1"/>
+              <a:t>Baciu</a:t>
+            </a:r>
+            <a:r>
+              <a:rPr lang="en-GB" dirty="0"/>
+              <a:t>, G. Green, M, 2002)</a:t>
+            </a:r>
+          </a:p>
+          <a:p>
+            <a:endParaRPr lang="en-GB" dirty="0"/>
+          </a:p>
+          <a:p>
+            <a:r>
+              <a:rPr lang="en-GB" dirty="0"/>
+              <a:t>"Using density points extracted from maps as input sites of </a:t>
+            </a:r>
+            <a:r>
+              <a:rPr lang="en-GB" dirty="0" err="1"/>
+              <a:t>Voronoi</a:t>
+            </a:r>
+            <a:r>
+              <a:rPr lang="en-GB" dirty="0"/>
+              <a:t> diagram, the </a:t>
+            </a:r>
+            <a:r>
+              <a:rPr lang="en-GB" dirty="0" err="1"/>
+              <a:t>Voronoi</a:t>
+            </a:r>
+            <a:r>
+              <a:rPr lang="en-GB" dirty="0"/>
+              <a:t> edges we get are the resulting roads." (Sun, J. Yu, X. </a:t>
+            </a:r>
+            <a:r>
+              <a:rPr lang="en-GB" dirty="0" err="1"/>
+              <a:t>Baciu</a:t>
+            </a:r>
+            <a:r>
+              <a:rPr lang="en-GB" dirty="0"/>
+              <a:t>, G. Green, M, 2002).</a:t>
             </a:r>
           </a:p>
         </p:txBody>
@@ -5935,7 +5957,7 @@
           <p:cNvPr id="9" name="Picture 8">
             <a:extLst>
               <a:ext uri="{FF2B5EF4-FFF2-40B4-BE49-F238E27FC236}">
-                <a16:creationId xmlns:a16="http://schemas.microsoft.com/office/drawing/2014/main" id="{FFA3BD9E-3DAC-4B9C-BED3-0D53F290655C}"/>
+                <a16:creationId xmlns:a16="http://schemas.microsoft.com/office/drawing/2014/main" id="{163BA30C-CA1F-4E06-84A0-1DED64D46C52}"/>
               </a:ext>
             </a:extLst>
           </p:cNvPr>
@@ -5952,13 +5974,13 @@
               </a:ext>
             </a:extLst>
           </a:blip>
-          <a:srcRect t="5139"/>
+          <a:srcRect t="4102"/>
           <a:stretch/>
         </p:blipFill>
         <p:spPr>
           <a:xfrm>
-            <a:off x="7310807" y="1393756"/>
-            <a:ext cx="4036618" cy="3992822"/>
+            <a:off x="6941594" y="1966180"/>
+            <a:ext cx="4775043" cy="2686050"/>
           </a:xfrm>
           <a:prstGeom prst="rect">
             <a:avLst/>
@@ -5968,7 +5990,7 @@
     </p:spTree>
     <p:extLst>
       <p:ext uri="{BB962C8B-B14F-4D97-AF65-F5344CB8AC3E}">
-        <p14:creationId xmlns:p14="http://schemas.microsoft.com/office/powerpoint/2010/main" val="4069036436"/>
+        <p14:creationId xmlns:p14="http://schemas.microsoft.com/office/powerpoint/2010/main" val="44578004"/>
       </p:ext>
     </p:extLst>
   </p:cSld>
@@ -6023,7 +6045,7 @@
           <a:p>
             <a:r>
               <a:rPr lang="en-GB" dirty="0"/>
-              <a:t>Diamond-Square terrain generation</a:t>
+              <a:t>Radial template generation</a:t>
             </a:r>
           </a:p>
         </p:txBody>
@@ -6044,8 +6066,8 @@
         </p:nvSpPr>
         <p:spPr>
           <a:xfrm>
-            <a:off x="879231" y="5203582"/>
-            <a:ext cx="11025776" cy="1530593"/>
+            <a:off x="879231" y="5629275"/>
+            <a:ext cx="11025776" cy="1104900"/>
           </a:xfrm>
           <a:prstGeom prst="rect">
             <a:avLst/>
@@ -6256,20 +6278,8 @@
               <a:buNone/>
             </a:pPr>
             <a:r>
-              <a:rPr lang="en-GB" sz="1000" dirty="0" err="1"/>
-              <a:t>Gabin</a:t>
-            </a:r>
-            <a:r>
-              <a:rPr lang="en-GB" sz="1000" dirty="0"/>
-              <a:t> S P Miller, 1998. “The definition and rendering of terrain maps”. </a:t>
-            </a:r>
-            <a:r>
-              <a:rPr lang="en-GB" sz="1000" i="1" dirty="0"/>
-              <a:t>SIGGRAPH ’86 Proceedings of the 13th annual conference on Computer graphics and interactive techniques</a:t>
-            </a:r>
-            <a:r>
-              <a:rPr lang="en-GB" sz="1000" dirty="0"/>
-              <a:t>, ACM, New York, NY, USA, pp. 39 – 48</a:t>
+              <a:rPr lang="en-GB" sz="1000" dirty="0"/>
+              <a:t>Kelly, G. McCabe, H. (2006). “A Survey of Procedural Techniques for City Generation”. In ITB Journal, No. 14.</a:t>
             </a:r>
           </a:p>
           <a:p>
@@ -6278,23 +6288,24 @@
             </a:pPr>
             <a:r>
               <a:rPr lang="en-GB" sz="1000" dirty="0"/>
-              <a:t>Martz, P. (1997). </a:t>
-            </a:r>
-            <a:r>
-              <a:rPr lang="en-GB" sz="1000" i="1" dirty="0"/>
-              <a:t>Generating Random Fractal Terrain.</a:t>
-            </a:r>
-            <a:r>
-              <a:rPr lang="en-GB" sz="1000" dirty="0"/>
-              <a:t> [Online] 1997. Available Online: </a:t>
-            </a:r>
-            <a:r>
-              <a:rPr lang="en-GB" sz="1000" dirty="0">
-                <a:hlinkClick r:id="rId2"/>
-              </a:rPr>
-              <a:t>http://www.gameprogrammer.com/fractal.html</a:t>
-            </a:r>
-            <a:endParaRPr lang="en-GB" sz="1000" dirty="0"/>
+              <a:t>Muller, P and Parish, Y, I, H. (2001). “Procedural </a:t>
+            </a:r>
+            <a:r>
+              <a:rPr lang="en-GB" sz="1000" dirty="0" err="1"/>
+              <a:t>modeling</a:t>
+            </a:r>
+            <a:r>
+              <a:rPr lang="en-GB" sz="1000" dirty="0"/>
+              <a:t> of cities”. In Proceedings of the 28th annual conference on Computer graphics and interactive techniques (SIGGRAPH ’01). </a:t>
+            </a:r>
+            <a:r>
+              <a:rPr lang="en-GB" sz="1000" dirty="0" err="1"/>
+              <a:t>Acm</a:t>
+            </a:r>
+            <a:r>
+              <a:rPr lang="en-GB" sz="1000" dirty="0"/>
+              <a:t>, New York, NY, USA. 301 – 308.</a:t>
+            </a:r>
           </a:p>
           <a:p>
             <a:pPr marL="0" indent="0" fontAlgn="base">
@@ -6302,34 +6313,31 @@
             </a:pPr>
             <a:r>
               <a:rPr lang="en-GB" sz="1000" dirty="0"/>
-              <a:t>Omar, A. (2017). Unity Tutorials: Diamond-Square Procedural Terrain. [Online] 26th January 2017. Available online: </a:t>
-            </a:r>
-            <a:r>
-              <a:rPr lang="en-GB" sz="1000" dirty="0">
-                <a:hlinkClick r:id="rId3"/>
-              </a:rPr>
-              <a:t>https://www.youtube.com/watch?v=1HV8GbFnCik</a:t>
-            </a:r>
-            <a:r>
-              <a:rPr lang="en-GB" sz="1000" dirty="0"/>
-              <a:t> [Date of access: 14 December 2017].</a:t>
-            </a:r>
-          </a:p>
-          <a:p>
-            <a:pPr marL="0" indent="0" fontAlgn="base">
-              <a:buNone/>
-            </a:pPr>
-            <a:r>
-              <a:rPr lang="en-GB" sz="1000" dirty="0"/>
-              <a:t>Rose, T and </a:t>
+              <a:t>Sun, J. Yu, X. </a:t>
             </a:r>
             <a:r>
               <a:rPr lang="en-GB" sz="1000" dirty="0" err="1"/>
-              <a:t>Bakaoukas</a:t>
-            </a:r>
-            <a:r>
-              <a:rPr lang="en-GB" sz="1000" dirty="0"/>
-              <a:t>, A. (2016). “Algorithms and Approaches for Procedural Terrain Generation – A Brief Review of Current Techniques”. 2016 8th International Conference on Games and Virtual Worlds for Serious Applications (VS-GAMES). 1-2.</a:t>
+              <a:t>Baciu</a:t>
+            </a:r>
+            <a:r>
+              <a:rPr lang="en-GB" sz="1000" dirty="0"/>
+              <a:t>, G. Green, M. (2002). “Template-based generation of road networks for virtual city </a:t>
+            </a:r>
+            <a:r>
+              <a:rPr lang="en-GB" sz="1000" dirty="0" err="1"/>
+              <a:t>modeling</a:t>
+            </a:r>
+            <a:r>
+              <a:rPr lang="en-GB" sz="1000" dirty="0"/>
+              <a:t>”. In Proceedings of the ACM symposium on Virtual reality software and technology (VRST ’02). </a:t>
+            </a:r>
+            <a:r>
+              <a:rPr lang="en-GB" sz="1000" dirty="0" err="1"/>
+              <a:t>Acm</a:t>
+            </a:r>
+            <a:r>
+              <a:rPr lang="en-GB" sz="1000" dirty="0"/>
+              <a:t>, New Work, NY, USA, 33 – 40.</a:t>
             </a:r>
           </a:p>
         </p:txBody>
@@ -6339,7 +6347,7 @@
           <p:cNvPr id="7" name="Content Placeholder 2">
             <a:extLst>
               <a:ext uri="{FF2B5EF4-FFF2-40B4-BE49-F238E27FC236}">
-                <a16:creationId xmlns:a16="http://schemas.microsoft.com/office/drawing/2014/main" id="{F612889D-7949-4149-A64F-D2C389759428}"/>
+                <a16:creationId xmlns:a16="http://schemas.microsoft.com/office/drawing/2014/main" id="{641DFDE1-245E-46E6-A1CE-AC559B067AF5}"/>
               </a:ext>
             </a:extLst>
           </p:cNvPr>
@@ -6350,8 +6358,8 @@
         </p:nvSpPr>
         <p:spPr>
           <a:xfrm>
-            <a:off x="879231" y="1274885"/>
-            <a:ext cx="5873994" cy="3820990"/>
+            <a:off x="879231" y="1274884"/>
+            <a:ext cx="11025776" cy="849191"/>
           </a:xfrm>
           <a:prstGeom prst="rect">
             <a:avLst/>
@@ -6560,24 +6568,7 @@
           <a:p>
             <a:r>
               <a:rPr lang="en-GB" dirty="0"/>
-              <a:t>The Diamond-square algorithm is a noise function that is commonly used to generate terrain data (Rose, T and </a:t>
-            </a:r>
-            <a:r>
-              <a:rPr lang="en-GB" dirty="0" err="1"/>
-              <a:t>Bakaoukas</a:t>
-            </a:r>
-            <a:r>
-              <a:rPr lang="en-GB" dirty="0"/>
-              <a:t>, A, 2016).</a:t>
-            </a:r>
-          </a:p>
-          <a:p>
-            <a:endParaRPr lang="en-GB" dirty="0"/>
-          </a:p>
-          <a:p>
-            <a:r>
-              <a:rPr lang="en-GB" dirty="0"/>
-              <a:t>A three-dimensional implementation of the midpoint displacement algorithm; an algorithm used to generate two dimensional height maps. (Martz, P, 1997).</a:t>
+              <a:t>The radial pattern often represents highways, or major roads, whilst streets (minor roads) often appear in raster form. (Muller P and Parish Y I H, 2001). </a:t>
             </a:r>
           </a:p>
         </p:txBody>
@@ -6587,7 +6578,7 @@
           <p:cNvPr id="9" name="Picture 8">
             <a:extLst>
               <a:ext uri="{FF2B5EF4-FFF2-40B4-BE49-F238E27FC236}">
-                <a16:creationId xmlns:a16="http://schemas.microsoft.com/office/drawing/2014/main" id="{F5DCD0F0-84B1-4C89-A1BC-0F06126B68BB}"/>
+                <a16:creationId xmlns:a16="http://schemas.microsoft.com/office/drawing/2014/main" id="{FFA3BD9E-3DAC-4B9C-BED3-0D53F290655C}"/>
               </a:ext>
             </a:extLst>
           </p:cNvPr>
@@ -6597,20 +6588,55 @@
           <p:nvPr/>
         </p:nvPicPr>
         <p:blipFill rotWithShape="1">
-          <a:blip r:embed="rId4">
+          <a:blip r:embed="rId2">
             <a:extLst>
               <a:ext uri="{28A0092B-C50C-407E-A947-70E740481C1C}">
                 <a14:useLocalDpi xmlns:a14="http://schemas.microsoft.com/office/drawing/2010/main" val="0"/>
               </a:ext>
             </a:extLst>
           </a:blip>
-          <a:srcRect t="6256"/>
+          <a:srcRect t="5139"/>
           <a:stretch/>
         </p:blipFill>
         <p:spPr>
           <a:xfrm>
-            <a:off x="7403511" y="1274885"/>
-            <a:ext cx="3851210" cy="3820990"/>
+            <a:off x="6707510" y="2225035"/>
+            <a:ext cx="3314700" cy="3278737"/>
+          </a:xfrm>
+          <a:prstGeom prst="rect">
+            <a:avLst/>
+          </a:prstGeom>
+        </p:spPr>
+      </p:pic>
+      <p:pic>
+        <p:nvPicPr>
+          <p:cNvPr id="8" name="Picture 7">
+            <a:extLst>
+              <a:ext uri="{FF2B5EF4-FFF2-40B4-BE49-F238E27FC236}">
+                <a16:creationId xmlns:a16="http://schemas.microsoft.com/office/drawing/2014/main" id="{BE69ED3D-8C6B-4FC3-9815-F0E7AE179792}"/>
+              </a:ext>
+            </a:extLst>
+          </p:cNvPr>
+          <p:cNvPicPr>
+            <a:picLocks noChangeAspect="1"/>
+          </p:cNvPicPr>
+          <p:nvPr/>
+        </p:nvPicPr>
+        <p:blipFill rotWithShape="1">
+          <a:blip r:embed="rId3">
+            <a:extLst>
+              <a:ext uri="{28A0092B-C50C-407E-A947-70E740481C1C}">
+                <a14:useLocalDpi xmlns:a14="http://schemas.microsoft.com/office/drawing/2010/main" val="0"/>
+              </a:ext>
+            </a:extLst>
+          </a:blip>
+          <a:srcRect t="4429"/>
+          <a:stretch/>
+        </p:blipFill>
+        <p:spPr>
+          <a:xfrm>
+            <a:off x="2169790" y="2225035"/>
+            <a:ext cx="3314700" cy="3303277"/>
           </a:xfrm>
           <a:prstGeom prst="rect">
             <a:avLst/>
@@ -6620,7 +6646,7 @@
     </p:spTree>
     <p:extLst>
       <p:ext uri="{BB962C8B-B14F-4D97-AF65-F5344CB8AC3E}">
-        <p14:creationId xmlns:p14="http://schemas.microsoft.com/office/powerpoint/2010/main" val="487910655"/>
+        <p14:creationId xmlns:p14="http://schemas.microsoft.com/office/powerpoint/2010/main" val="4069036436"/>
       </p:ext>
     </p:extLst>
   </p:cSld>
@@ -6675,7 +6701,7 @@
           <a:p>
             <a:r>
               <a:rPr lang="en-GB" dirty="0"/>
-              <a:t>Population noise</a:t>
+              <a:t>Diamond-Square terrain generation</a:t>
             </a:r>
           </a:p>
         </p:txBody>
@@ -6696,8 +6722,8 @@
         </p:nvSpPr>
         <p:spPr>
           <a:xfrm>
-            <a:off x="879231" y="5753099"/>
-            <a:ext cx="11025776" cy="981075"/>
+            <a:off x="879231" y="5203582"/>
+            <a:ext cx="11025776" cy="1530593"/>
           </a:xfrm>
           <a:prstGeom prst="rect">
             <a:avLst/>
@@ -6908,16 +6934,20 @@
               <a:buNone/>
             </a:pPr>
             <a:r>
-              <a:rPr lang="en-GB" sz="1000" dirty="0"/>
-              <a:t>Kelly, G. McCabe, H. (2006). “A Survey of Procedural Techniques for City Generation”. In </a:t>
+              <a:rPr lang="en-GB" sz="1000" dirty="0" err="1"/>
+              <a:t>Gabin</a:t>
+            </a:r>
+            <a:r>
+              <a:rPr lang="en-GB" sz="1000" dirty="0"/>
+              <a:t> S P Miller, 1998. “The definition and rendering of terrain maps”. </a:t>
             </a:r>
             <a:r>
               <a:rPr lang="en-GB" sz="1000" i="1" dirty="0"/>
-              <a:t>ITB Journal, No. 14</a:t>
-            </a:r>
-            <a:r>
-              <a:rPr lang="en-GB" sz="1000" dirty="0"/>
-              <a:t>.</a:t>
+              <a:t>SIGGRAPH ’86 Proceedings of the 13th annual conference on Computer graphics and interactive techniques</a:t>
+            </a:r>
+            <a:r>
+              <a:rPr lang="en-GB" sz="1000" dirty="0"/>
+              <a:t>, ACM, New York, NY, USA, pp. 39 – 48</a:t>
             </a:r>
           </a:p>
           <a:p>
@@ -6926,16 +6956,23 @@
             </a:pPr>
             <a:r>
               <a:rPr lang="en-GB" sz="1000" dirty="0"/>
-              <a:t>Peck, J (2017). </a:t>
-            </a:r>
-            <a:r>
-              <a:rPr lang="en-GB" sz="1000" i="1" dirty="0" err="1"/>
-              <a:t>FastNoise</a:t>
-            </a:r>
-            <a:r>
-              <a:rPr lang="en-GB" sz="1000" dirty="0"/>
-              <a:t> [Repository]. Available online: https://github.com/Auburns/FastNoise [Date of access: 18 December 2017]</a:t>
-            </a:r>
+              <a:t>Martz, P. (1997). </a:t>
+            </a:r>
+            <a:r>
+              <a:rPr lang="en-GB" sz="1000" i="1" dirty="0"/>
+              <a:t>Generating Random Fractal Terrain.</a:t>
+            </a:r>
+            <a:r>
+              <a:rPr lang="en-GB" sz="1000" dirty="0"/>
+              <a:t> [Online] 1997. Available Online: </a:t>
+            </a:r>
+            <a:r>
+              <a:rPr lang="en-GB" sz="1000" dirty="0">
+                <a:hlinkClick r:id="rId2"/>
+              </a:rPr>
+              <a:t>http://www.gameprogrammer.com/fractal.html</a:t>
+            </a:r>
+            <a:endParaRPr lang="en-GB" sz="1000" dirty="0"/>
           </a:p>
           <a:p>
             <a:pPr marL="0" indent="0" fontAlgn="base">
@@ -6943,6 +6980,25 @@
             </a:pPr>
             <a:r>
               <a:rPr lang="en-GB" sz="1000" dirty="0"/>
+              <a:t>Omar, A. (2017). Unity Tutorials: Diamond-Square Procedural Terrain. [Online] 26th January 2017. Available online: </a:t>
+            </a:r>
+            <a:r>
+              <a:rPr lang="en-GB" sz="1000" dirty="0">
+                <a:hlinkClick r:id="rId3"/>
+              </a:rPr>
+              <a:t>https://www.youtube.com/watch?v=1HV8GbFnCik</a:t>
+            </a:r>
+            <a:r>
+              <a:rPr lang="en-GB" sz="1000" dirty="0"/>
+              <a:t> [Date of access: 14 December 2017].</a:t>
+            </a:r>
+          </a:p>
+          <a:p>
+            <a:pPr marL="0" indent="0" fontAlgn="base">
+              <a:buNone/>
+            </a:pPr>
+            <a:r>
+              <a:rPr lang="en-GB" sz="1000" dirty="0"/>
               <a:t>Rose, T and </a:t>
             </a:r>
             <a:r>
@@ -6951,15 +7007,7 @@
             </a:r>
             <a:r>
               <a:rPr lang="en-GB" sz="1000" dirty="0"/>
-              <a:t>, A. (2016). “Algorithms and Approaches for Procedural Terrain Generation – A Brief Review of Current Techniques”. </a:t>
-            </a:r>
-            <a:r>
-              <a:rPr lang="en-GB" sz="1000" i="1" dirty="0"/>
-              <a:t>2016 8th International Conference on Games and Virtual Worlds for Serious Applications (VS-GAMES)</a:t>
-            </a:r>
-            <a:r>
-              <a:rPr lang="en-GB" sz="1000" dirty="0"/>
-              <a:t>. 1-2.</a:t>
+              <a:t>, A. (2016). “Algorithms and Approaches for Procedural Terrain Generation – A Brief Review of Current Techniques”. 2016 8th International Conference on Games and Virtual Worlds for Serious Applications (VS-GAMES). 1-2.</a:t>
             </a:r>
           </a:p>
         </p:txBody>
@@ -6969,7 +7017,7 @@
           <p:cNvPr id="7" name="Content Placeholder 2">
             <a:extLst>
               <a:ext uri="{FF2B5EF4-FFF2-40B4-BE49-F238E27FC236}">
-                <a16:creationId xmlns:a16="http://schemas.microsoft.com/office/drawing/2014/main" id="{CBEDCCE3-814D-457B-B9FF-742088A25003}"/>
+                <a16:creationId xmlns:a16="http://schemas.microsoft.com/office/drawing/2014/main" id="{F612889D-7949-4149-A64F-D2C389759428}"/>
               </a:ext>
             </a:extLst>
           </p:cNvPr>
@@ -6980,8 +7028,8 @@
         </p:nvSpPr>
         <p:spPr>
           <a:xfrm>
-            <a:off x="879231" y="1274884"/>
-            <a:ext cx="5873994" cy="4354391"/>
+            <a:off x="879231" y="1274885"/>
+            <a:ext cx="5873994" cy="3820990"/>
           </a:xfrm>
           <a:prstGeom prst="rect">
             <a:avLst/>
@@ -7190,7 +7238,15 @@
           <a:p>
             <a:r>
               <a:rPr lang="en-GB" dirty="0"/>
-              <a:t>Fluctuation in population can be controlled by how coarse the noise output is (Peck J, 2017).</a:t>
+              <a:t>The Diamond-square algorithm is a noise function that is commonly used to generate terrain data (Rose, T and </a:t>
+            </a:r>
+            <a:r>
+              <a:rPr lang="en-GB" dirty="0" err="1"/>
+              <a:t>Bakaoukas</a:t>
+            </a:r>
+            <a:r>
+              <a:rPr lang="en-GB" dirty="0"/>
+              <a:t>, A, 2016).</a:t>
             </a:r>
           </a:p>
           <a:p>
@@ -7199,7 +7255,7 @@
           <a:p>
             <a:r>
               <a:rPr lang="en-GB" dirty="0"/>
-              <a:t>Interpolation methods can determine how smooth the transition is between noise values (Peck J, 2017).</a:t>
+              <a:t>A three-dimensional implementation of the midpoint displacement algorithm; an algorithm used to generate two dimensional height maps. (Martz, P, 1997).</a:t>
             </a:r>
           </a:p>
         </p:txBody>
@@ -7209,7 +7265,7 @@
           <p:cNvPr id="9" name="Picture 8">
             <a:extLst>
               <a:ext uri="{FF2B5EF4-FFF2-40B4-BE49-F238E27FC236}">
-                <a16:creationId xmlns:a16="http://schemas.microsoft.com/office/drawing/2014/main" id="{B3738CF3-7A61-476C-A771-E02D89F92C58}"/>
+                <a16:creationId xmlns:a16="http://schemas.microsoft.com/office/drawing/2014/main" id="{F5DCD0F0-84B1-4C89-A1BC-0F06126B68BB}"/>
               </a:ext>
             </a:extLst>
           </p:cNvPr>
@@ -7219,20 +7275,20 @@
           <p:nvPr/>
         </p:nvPicPr>
         <p:blipFill rotWithShape="1">
-          <a:blip r:embed="rId2">
+          <a:blip r:embed="rId4">
             <a:extLst>
               <a:ext uri="{28A0092B-C50C-407E-A947-70E740481C1C}">
                 <a14:useLocalDpi xmlns:a14="http://schemas.microsoft.com/office/drawing/2010/main" val="0"/>
               </a:ext>
             </a:extLst>
           </a:blip>
-          <a:srcRect t="5889"/>
+          <a:srcRect t="6256"/>
           <a:stretch/>
         </p:blipFill>
         <p:spPr>
           <a:xfrm>
-            <a:off x="7140887" y="1272509"/>
-            <a:ext cx="4376457" cy="4359143"/>
+            <a:off x="7403511" y="1274885"/>
+            <a:ext cx="3851210" cy="3820990"/>
           </a:xfrm>
           <a:prstGeom prst="rect">
             <a:avLst/>
@@ -7242,7 +7298,7 @@
     </p:spTree>
     <p:extLst>
       <p:ext uri="{BB962C8B-B14F-4D97-AF65-F5344CB8AC3E}">
-        <p14:creationId xmlns:p14="http://schemas.microsoft.com/office/powerpoint/2010/main" val="3135212925"/>
+        <p14:creationId xmlns:p14="http://schemas.microsoft.com/office/powerpoint/2010/main" val="487910655"/>
       </p:ext>
     </p:extLst>
   </p:cSld>
@@ -7297,7 +7353,7 @@
           <a:p>
             <a:r>
               <a:rPr lang="en-GB" dirty="0"/>
-              <a:t>Water boundary maps and bridges</a:t>
+              <a:t>Population noise</a:t>
             </a:r>
           </a:p>
         </p:txBody>
@@ -7318,8 +7374,8 @@
         </p:nvSpPr>
         <p:spPr>
           <a:xfrm>
-            <a:off x="879231" y="5200650"/>
-            <a:ext cx="11025776" cy="1533525"/>
+            <a:off x="879231" y="5753099"/>
+            <a:ext cx="11025776" cy="981075"/>
           </a:xfrm>
           <a:prstGeom prst="rect">
             <a:avLst/>
@@ -7530,38 +7586,16 @@
               <a:buNone/>
             </a:pPr>
             <a:r>
-              <a:rPr lang="en-GB" sz="1000" dirty="0" err="1"/>
-              <a:t>Ilangovan</a:t>
-            </a:r>
-            <a:r>
-              <a:rPr lang="en-GB" sz="1000" dirty="0"/>
-              <a:t>, K, P. (2009) Procedural City </a:t>
-            </a:r>
-            <a:r>
-              <a:rPr lang="en-GB" sz="1000" dirty="0" err="1"/>
-              <a:t>Generaror</a:t>
-            </a:r>
-            <a:r>
-              <a:rPr lang="en-GB" sz="1000" dirty="0"/>
-              <a:t>, MSc </a:t>
-            </a:r>
-            <a:r>
-              <a:rPr lang="en-GB" sz="1000" dirty="0" err="1"/>
-              <a:t>thesus</a:t>
-            </a:r>
-            <a:r>
-              <a:rPr lang="en-GB" sz="1000" dirty="0"/>
-              <a:t>, Bournemouth University. Available at: </a:t>
-            </a:r>
-            <a:r>
-              <a:rPr lang="en-GB" sz="1000" dirty="0">
-                <a:hlinkClick r:id="rId2"/>
-              </a:rPr>
-              <a:t>https://nccastaff.bournemouth.ac.uk/jmacey/MastersProjects/MSc09/Ilangovan/Thesis_i7834000.pdf</a:t>
-            </a:r>
-            <a:r>
-              <a:rPr lang="en-GB" sz="1000" dirty="0"/>
-              <a:t> (Accessed: 30 May 2017).</a:t>
+              <a:rPr lang="en-GB" sz="1000" dirty="0"/>
+              <a:t>Kelly, G. McCabe, H. (2006). “A Survey of Procedural Techniques for City Generation”. In </a:t>
+            </a:r>
+            <a:r>
+              <a:rPr lang="en-GB" sz="1000" i="1" dirty="0"/>
+              <a:t>ITB Journal, No. 14</a:t>
+            </a:r>
+            <a:r>
+              <a:rPr lang="en-GB" sz="1000" dirty="0"/>
+              <a:t>.</a:t>
             </a:r>
           </a:p>
           <a:p>
@@ -7570,15 +7604,15 @@
             </a:pPr>
             <a:r>
               <a:rPr lang="en-GB" sz="1000" dirty="0"/>
-              <a:t>Kelly, G. McCabe, H. (2006). “A Survey of Procedural Techniques for City Generation”. In </a:t>
-            </a:r>
-            <a:r>
-              <a:rPr lang="en-GB" sz="1000" i="1" dirty="0"/>
-              <a:t>ITB Journal, No. 14</a:t>
-            </a:r>
-            <a:r>
-              <a:rPr lang="en-GB" sz="1000" dirty="0"/>
-              <a:t>.</a:t>
+              <a:t>Peck, J (2017). </a:t>
+            </a:r>
+            <a:r>
+              <a:rPr lang="en-GB" sz="1000" i="1" dirty="0" err="1"/>
+              <a:t>FastNoise</a:t>
+            </a:r>
+            <a:r>
+              <a:rPr lang="en-GB" sz="1000" dirty="0"/>
+              <a:t> [Repository]. Available online: https://github.com/Auburns/FastNoise [Date of access: 18 December 2017]</a:t>
             </a:r>
           </a:p>
           <a:p>
@@ -7587,56 +7621,23 @@
             </a:pPr>
             <a:r>
               <a:rPr lang="en-GB" sz="1000" dirty="0"/>
-              <a:t>Muller, P and Parish, Y, I, H. (2001). “Procedural </a:t>
+              <a:t>Rose, T and </a:t>
             </a:r>
             <a:r>
               <a:rPr lang="en-GB" sz="1000" dirty="0" err="1"/>
-              <a:t>modeling</a:t>
-            </a:r>
-            <a:r>
-              <a:rPr lang="en-GB" sz="1000" dirty="0"/>
-              <a:t> of cities”. In Proceedings of the 28th annual conference on Computer graphics and interactive techniques (SIGGRAPH ’01). </a:t>
-            </a:r>
-            <a:r>
-              <a:rPr lang="en-GB" sz="1000" dirty="0" err="1"/>
-              <a:t>Acm</a:t>
-            </a:r>
-            <a:r>
-              <a:rPr lang="en-GB" sz="1000" dirty="0"/>
-              <a:t>, New York, NY, USA. 301 – 308.</a:t>
-            </a:r>
-          </a:p>
-          <a:p>
-            <a:pPr marL="0" indent="0" fontAlgn="base">
-              <a:buNone/>
-            </a:pPr>
-            <a:r>
-              <a:rPr lang="en-GB" sz="1000" dirty="0"/>
-              <a:t>Sun, J. Yu, X. </a:t>
-            </a:r>
-            <a:r>
-              <a:rPr lang="en-GB" sz="1000" dirty="0" err="1"/>
-              <a:t>Baciu</a:t>
-            </a:r>
-            <a:r>
-              <a:rPr lang="en-GB" sz="1000" dirty="0"/>
-              <a:t>, G. Green, M. (2002). “Template-based generation of road networks for virtual city </a:t>
-            </a:r>
-            <a:r>
-              <a:rPr lang="en-GB" sz="1000" dirty="0" err="1"/>
-              <a:t>modeling</a:t>
-            </a:r>
-            <a:r>
-              <a:rPr lang="en-GB" sz="1000" dirty="0"/>
-              <a:t>”. In Proceedings of the ACM symposium on Virtual reality software and technology (VRST ’02). </a:t>
-            </a:r>
-            <a:r>
-              <a:rPr lang="en-GB" sz="1000" dirty="0" err="1"/>
-              <a:t>Acm</a:t>
-            </a:r>
-            <a:r>
-              <a:rPr lang="en-GB" sz="1000" dirty="0"/>
-              <a:t>, New Work, NY, USA, 33 – 40.</a:t>
+              <a:t>Bakaoukas</a:t>
+            </a:r>
+            <a:r>
+              <a:rPr lang="en-GB" sz="1000" dirty="0"/>
+              <a:t>, A. (2016). “Algorithms and Approaches for Procedural Terrain Generation – A Brief Review of Current Techniques”. </a:t>
+            </a:r>
+            <a:r>
+              <a:rPr lang="en-GB" sz="1000" i="1" dirty="0"/>
+              <a:t>2016 8th International Conference on Games and Virtual Worlds for Serious Applications (VS-GAMES)</a:t>
+            </a:r>
+            <a:r>
+              <a:rPr lang="en-GB" sz="1000" dirty="0"/>
+              <a:t>. 1-2.</a:t>
             </a:r>
           </a:p>
         </p:txBody>
@@ -7646,7 +7647,7 @@
           <p:cNvPr id="7" name="Content Placeholder 2">
             <a:extLst>
               <a:ext uri="{FF2B5EF4-FFF2-40B4-BE49-F238E27FC236}">
-                <a16:creationId xmlns:a16="http://schemas.microsoft.com/office/drawing/2014/main" id="{C7679F67-D193-4033-8937-73A81575794E}"/>
+                <a16:creationId xmlns:a16="http://schemas.microsoft.com/office/drawing/2014/main" id="{CBEDCCE3-814D-457B-B9FF-742088A25003}"/>
               </a:ext>
             </a:extLst>
           </p:cNvPr>
@@ -7657,8 +7658,8 @@
         </p:nvSpPr>
         <p:spPr>
           <a:xfrm>
-            <a:off x="879231" y="1274885"/>
-            <a:ext cx="5873994" cy="3811466"/>
+            <a:off x="879231" y="1274884"/>
+            <a:ext cx="4816719" cy="4354391"/>
           </a:xfrm>
           <a:prstGeom prst="rect">
             <a:avLst/>
@@ -7867,36 +7868,20 @@
           <a:p>
             <a:r>
               <a:rPr lang="en-GB" dirty="0"/>
-              <a:t>Water boundary maps, or land-water maps, specify which parts of the terrain are land and which are water. (</a:t>
-            </a:r>
-            <a:r>
-              <a:rPr lang="en-GB" dirty="0" err="1"/>
-              <a:t>Ilangoban</a:t>
-            </a:r>
+              <a:t>Fluctuation in population can be controlled by how coarse the noise output is (Peck J, 2017).</a:t>
+            </a:r>
+          </a:p>
+          <a:p>
+            <a:endParaRPr lang="en-GB" dirty="0"/>
+          </a:p>
+          <a:p>
+            <a:endParaRPr lang="en-GB" dirty="0"/>
+          </a:p>
+          <a:p>
             <a:r>
               <a:rPr lang="en-GB" dirty="0"/>
-              <a:t> K P, 2009), (Kelly G, McCabe H, 2006), (Muller P, Parish Y I H, 2001).</a:t>
-            </a:r>
-          </a:p>
-          <a:p>
-            <a:endParaRPr lang="en-GB" dirty="0"/>
-          </a:p>
-          <a:p>
-            <a:r>
-              <a:rPr lang="en-GB" dirty="0"/>
-              <a:t>Validity control for roads in a city generation often allows for roads to cross over water when appropriate conditions are met (Sun J, Yu X, </a:t>
-            </a:r>
-            <a:r>
-              <a:rPr lang="en-GB" dirty="0" err="1"/>
-              <a:t>Baicu</a:t>
-            </a:r>
-            <a:r>
-              <a:rPr lang="en-GB" dirty="0"/>
-              <a:t> G, Green M, 2002).</a:t>
-            </a:r>
-          </a:p>
-          <a:p>
-            <a:endParaRPr lang="en-GB" dirty="0"/>
+              <a:t>Interpolation methods can determine how smooth the transition is between noise values (Peck J, 2017).</a:t>
+            </a:r>
           </a:p>
         </p:txBody>
       </p:sp>
@@ -7905,7 +7890,7 @@
           <p:cNvPr id="9" name="Picture 8">
             <a:extLst>
               <a:ext uri="{FF2B5EF4-FFF2-40B4-BE49-F238E27FC236}">
-                <a16:creationId xmlns:a16="http://schemas.microsoft.com/office/drawing/2014/main" id="{34043853-4837-4A55-86B6-5BB970707093}"/>
+                <a16:creationId xmlns:a16="http://schemas.microsoft.com/office/drawing/2014/main" id="{B3738CF3-7A61-476C-A771-E02D89F92C58}"/>
               </a:ext>
             </a:extLst>
           </p:cNvPr>
@@ -7915,7 +7900,7 @@
           <p:nvPr/>
         </p:nvPicPr>
         <p:blipFill rotWithShape="1">
-          <a:blip r:embed="rId3">
+          <a:blip r:embed="rId2">
             <a:extLst>
               <a:ext uri="{28A0092B-C50C-407E-A947-70E740481C1C}">
                 <a14:useLocalDpi xmlns:a14="http://schemas.microsoft.com/office/drawing/2010/main" val="0"/>
@@ -7927,8 +7912,8 @@
         </p:blipFill>
         <p:spPr>
           <a:xfrm>
-            <a:off x="7415813" y="1274885"/>
-            <a:ext cx="3826605" cy="3811466"/>
+            <a:off x="6612250" y="1249428"/>
+            <a:ext cx="4376457" cy="4359143"/>
           </a:xfrm>
           <a:prstGeom prst="rect">
             <a:avLst/>
@@ -7938,7 +7923,7 @@
     </p:spTree>
     <p:extLst>
       <p:ext uri="{BB962C8B-B14F-4D97-AF65-F5344CB8AC3E}">
-        <p14:creationId xmlns:p14="http://schemas.microsoft.com/office/powerpoint/2010/main" val="2777199226"/>
+        <p14:creationId xmlns:p14="http://schemas.microsoft.com/office/powerpoint/2010/main" val="3135212925"/>
       </p:ext>
     </p:extLst>
   </p:cSld>
@@ -7993,7 +7978,7 @@
           <a:p>
             <a:r>
               <a:rPr lang="en-GB" dirty="0"/>
-              <a:t>Natural water boundaries from terrain</a:t>
+              <a:t>Water boundary maps and bridges</a:t>
             </a:r>
           </a:p>
         </p:txBody>
@@ -8014,8 +7999,8 @@
         </p:nvSpPr>
         <p:spPr>
           <a:xfrm>
-            <a:off x="879231" y="4927844"/>
-            <a:ext cx="11025776" cy="1806331"/>
+            <a:off x="879231" y="5200650"/>
+            <a:ext cx="11025776" cy="1533525"/>
           </a:xfrm>
           <a:prstGeom prst="rect">
             <a:avLst/>
@@ -8335,51 +8320,14 @@
               <a:t>, New Work, NY, USA, 33 – 40.</a:t>
             </a:r>
           </a:p>
-          <a:p>
-            <a:pPr marL="0" indent="0" fontAlgn="base">
-              <a:buNone/>
-            </a:pPr>
-            <a:r>
-              <a:rPr lang="en-GB" sz="1000" dirty="0" err="1"/>
-              <a:t>Smelik</a:t>
-            </a:r>
-            <a:r>
-              <a:rPr lang="en-GB" sz="1000" dirty="0"/>
-              <a:t>, R., </a:t>
-            </a:r>
-            <a:r>
-              <a:rPr lang="en-GB" sz="1000" dirty="0" err="1"/>
-              <a:t>Tutenel</a:t>
-            </a:r>
-            <a:r>
-              <a:rPr lang="en-GB" sz="1000" dirty="0"/>
-              <a:t>, T., </a:t>
-            </a:r>
-            <a:r>
-              <a:rPr lang="en-GB" sz="1000" dirty="0" err="1"/>
-              <a:t>Bidarra</a:t>
-            </a:r>
-            <a:r>
-              <a:rPr lang="en-GB" sz="1000" dirty="0"/>
-              <a:t>, R. and Benes, B. (2014). A survey on Procedural Modelling for Virtual Worlds. </a:t>
-            </a:r>
-            <a:r>
-              <a:rPr lang="en-GB" sz="1000" i="1" dirty="0"/>
-              <a:t>Computer Graphics Forum</a:t>
-            </a:r>
-            <a:r>
-              <a:rPr lang="en-GB" sz="1000" dirty="0"/>
-              <a:t>, 33(6), pp.31-50.</a:t>
-            </a:r>
-          </a:p>
         </p:txBody>
       </p:sp>
       <p:sp>
         <p:nvSpPr>
-          <p:cNvPr id="8" name="Content Placeholder 2">
+          <p:cNvPr id="7" name="Content Placeholder 2">
             <a:extLst>
               <a:ext uri="{FF2B5EF4-FFF2-40B4-BE49-F238E27FC236}">
-                <a16:creationId xmlns:a16="http://schemas.microsoft.com/office/drawing/2014/main" id="{A881E077-D9A8-4B41-A583-509E39158977}"/>
+                <a16:creationId xmlns:a16="http://schemas.microsoft.com/office/drawing/2014/main" id="{C7679F67-D193-4033-8937-73A81575794E}"/>
               </a:ext>
             </a:extLst>
           </p:cNvPr>
@@ -8391,7 +8339,7 @@
         <p:spPr>
           <a:xfrm>
             <a:off x="879231" y="1274885"/>
-            <a:ext cx="5873994" cy="3567233"/>
+            <a:ext cx="5873994" cy="3811466"/>
           </a:xfrm>
           <a:prstGeom prst="rect">
             <a:avLst/>
@@ -8600,31 +8548,45 @@
           <a:p>
             <a:r>
               <a:rPr lang="en-GB" dirty="0"/>
-              <a:t>To remove this dependency, water can be generated in other ways. Height maps can be searched after generation to search for potential streams in which rivers can be generated. (</a:t>
+              <a:t>Water boundary maps, or land-water maps, specify which parts of the terrain are land and which are water. (</a:t>
             </a:r>
             <a:r>
               <a:rPr lang="en-GB" dirty="0" err="1"/>
-              <a:t>Smelik</a:t>
+              <a:t>Ilangoban</a:t>
             </a:r>
             <a:r>
               <a:rPr lang="en-GB" dirty="0"/>
-              <a:t>, R Et al., 2014).</a:t>
-            </a:r>
-          </a:p>
-          <a:p>
-            <a:pPr marL="0" indent="0">
-              <a:buNone/>
-            </a:pPr>
+              <a:t> K P, 2009), (Kelly G, McCabe H, 2006), (Muller P, Parish Y I H, 2001).</a:t>
+            </a:r>
+          </a:p>
+          <a:p>
+            <a:endParaRPr lang="en-GB" dirty="0"/>
+          </a:p>
+          <a:p>
+            <a:r>
+              <a:rPr lang="en-GB" dirty="0"/>
+              <a:t>Validity control for roads in a city generation often allows for roads to cross over water when appropriate conditions are met (Sun J, Yu X, </a:t>
+            </a:r>
+            <a:r>
+              <a:rPr lang="en-GB" dirty="0" err="1"/>
+              <a:t>Baicu</a:t>
+            </a:r>
+            <a:r>
+              <a:rPr lang="en-GB" dirty="0"/>
+              <a:t> G, Green M, 2002).</a:t>
+            </a:r>
+          </a:p>
+          <a:p>
             <a:endParaRPr lang="en-GB" dirty="0"/>
           </a:p>
         </p:txBody>
       </p:sp>
       <p:pic>
         <p:nvPicPr>
-          <p:cNvPr id="10" name="Picture 9">
+          <p:cNvPr id="9" name="Picture 8">
             <a:extLst>
               <a:ext uri="{FF2B5EF4-FFF2-40B4-BE49-F238E27FC236}">
-                <a16:creationId xmlns:a16="http://schemas.microsoft.com/office/drawing/2014/main" id="{21559182-E5B3-4CA6-B632-58AC0DE5E904}"/>
+                <a16:creationId xmlns:a16="http://schemas.microsoft.com/office/drawing/2014/main" id="{34043853-4837-4A55-86B6-5BB970707093}"/>
               </a:ext>
             </a:extLst>
           </p:cNvPr>
@@ -8641,13 +8603,13 @@
               </a:ext>
             </a:extLst>
           </a:blip>
-          <a:srcRect t="6779"/>
+          <a:srcRect t="5889"/>
           <a:stretch/>
         </p:blipFill>
         <p:spPr>
           <a:xfrm>
-            <a:off x="7519366" y="1271058"/>
-            <a:ext cx="3619500" cy="3571060"/>
+            <a:off x="7415813" y="1274885"/>
+            <a:ext cx="3826605" cy="3811466"/>
           </a:xfrm>
           <a:prstGeom prst="rect">
             <a:avLst/>
@@ -8657,7 +8619,7 @@
     </p:spTree>
     <p:extLst>
       <p:ext uri="{BB962C8B-B14F-4D97-AF65-F5344CB8AC3E}">
-        <p14:creationId xmlns:p14="http://schemas.microsoft.com/office/powerpoint/2010/main" val="987802538"/>
+        <p14:creationId xmlns:p14="http://schemas.microsoft.com/office/powerpoint/2010/main" val="2777199226"/>
       </p:ext>
     </p:extLst>
   </p:cSld>
@@ -8707,572 +8669,12 @@
           </a:xfrm>
         </p:spPr>
         <p:txBody>
-          <a:bodyPr>
-            <a:normAutofit/>
-          </a:bodyPr>
+          <a:bodyPr/>
           <a:lstStyle/>
           <a:p>
             <a:r>
               <a:rPr lang="en-GB" dirty="0"/>
-              <a:t>Road network improvements</a:t>
-            </a:r>
-          </a:p>
-        </p:txBody>
-      </p:sp>
-      <p:sp>
-        <p:nvSpPr>
-          <p:cNvPr id="4" name="Content Placeholder 2">
-            <a:extLst>
-              <a:ext uri="{FF2B5EF4-FFF2-40B4-BE49-F238E27FC236}">
-                <a16:creationId xmlns:a16="http://schemas.microsoft.com/office/drawing/2014/main" id="{C44F06C3-D088-4921-80FA-6A04C96C2CC4}"/>
-              </a:ext>
-            </a:extLst>
-          </p:cNvPr>
-          <p:cNvSpPr txBox="1">
-            <a:spLocks/>
-          </p:cNvSpPr>
-          <p:nvPr/>
-        </p:nvSpPr>
-        <p:spPr>
-          <a:xfrm>
-            <a:off x="879231" y="5353050"/>
-            <a:ext cx="11025776" cy="1381125"/>
-          </a:xfrm>
-          <a:prstGeom prst="rect">
-            <a:avLst/>
-          </a:prstGeom>
-          <a:ln>
-            <a:solidFill>
-              <a:schemeClr val="tx1"/>
-            </a:solidFill>
-          </a:ln>
-        </p:spPr>
-        <p:txBody>
-          <a:bodyPr vert="horz" lIns="91440" tIns="45720" rIns="91440" bIns="45720" rtlCol="0">
-            <a:noAutofit/>
-          </a:bodyPr>
-          <a:lstStyle>
-            <a:lvl1pPr marL="384048" indent="-384048" algn="l" defTabSz="914400" rtl="0" eaLnBrk="1" latinLnBrk="0" hangingPunct="1">
-              <a:lnSpc>
-                <a:spcPct val="94000"/>
-              </a:lnSpc>
-              <a:spcBef>
-                <a:spcPts val="1000"/>
-              </a:spcBef>
-              <a:spcAft>
-                <a:spcPts val="200"/>
-              </a:spcAft>
-              <a:buFont typeface="Franklin Gothic Book" panose="020B0503020102020204" pitchFamily="34" charset="0"/>
-              <a:buChar char="■"/>
-              <a:defRPr sz="2000" kern="1200" baseline="0">
-                <a:solidFill>
-                  <a:schemeClr val="tx2"/>
-                </a:solidFill>
-                <a:latin typeface="+mn-lt"/>
-                <a:ea typeface="+mn-ea"/>
-                <a:cs typeface="+mn-cs"/>
-              </a:defRPr>
-            </a:lvl1pPr>
-            <a:lvl2pPr marL="914400" indent="-384048" algn="l" defTabSz="914400" rtl="0" eaLnBrk="1" latinLnBrk="0" hangingPunct="1">
-              <a:lnSpc>
-                <a:spcPct val="94000"/>
-              </a:lnSpc>
-              <a:spcBef>
-                <a:spcPts val="500"/>
-              </a:spcBef>
-              <a:spcAft>
-                <a:spcPts val="200"/>
-              </a:spcAft>
-              <a:buFont typeface="Franklin Gothic Book" panose="020B0503020102020204" pitchFamily="34" charset="0"/>
-              <a:buChar char="–"/>
-              <a:defRPr sz="2000" i="1" kern="1200" baseline="0">
-                <a:solidFill>
-                  <a:schemeClr val="tx2"/>
-                </a:solidFill>
-                <a:latin typeface="+mn-lt"/>
-                <a:ea typeface="+mn-ea"/>
-                <a:cs typeface="+mn-cs"/>
-              </a:defRPr>
-            </a:lvl2pPr>
-            <a:lvl3pPr marL="1371600" indent="-384048" algn="l" defTabSz="914400" rtl="0" eaLnBrk="1" latinLnBrk="0" hangingPunct="1">
-              <a:lnSpc>
-                <a:spcPct val="94000"/>
-              </a:lnSpc>
-              <a:spcBef>
-                <a:spcPts val="500"/>
-              </a:spcBef>
-              <a:spcAft>
-                <a:spcPts val="200"/>
-              </a:spcAft>
-              <a:buFont typeface="Franklin Gothic Book" panose="020B0503020102020204" pitchFamily="34" charset="0"/>
-              <a:buChar char="■"/>
-              <a:defRPr sz="1800" kern="1200" baseline="0">
-                <a:solidFill>
-                  <a:schemeClr val="tx2"/>
-                </a:solidFill>
-                <a:latin typeface="+mn-lt"/>
-                <a:ea typeface="+mn-ea"/>
-                <a:cs typeface="+mn-cs"/>
-              </a:defRPr>
-            </a:lvl3pPr>
-            <a:lvl4pPr marL="1828800" indent="-384048" algn="l" defTabSz="914400" rtl="0" eaLnBrk="1" latinLnBrk="0" hangingPunct="1">
-              <a:lnSpc>
-                <a:spcPct val="94000"/>
-              </a:lnSpc>
-              <a:spcBef>
-                <a:spcPts val="500"/>
-              </a:spcBef>
-              <a:spcAft>
-                <a:spcPts val="200"/>
-              </a:spcAft>
-              <a:buFont typeface="Franklin Gothic Book" panose="020B0503020102020204" pitchFamily="34" charset="0"/>
-              <a:buChar char="–"/>
-              <a:defRPr sz="1800" i="1" kern="1200" baseline="0">
-                <a:solidFill>
-                  <a:schemeClr val="tx2"/>
-                </a:solidFill>
-                <a:latin typeface="+mn-lt"/>
-                <a:ea typeface="+mn-ea"/>
-                <a:cs typeface="+mn-cs"/>
-              </a:defRPr>
-            </a:lvl4pPr>
-            <a:lvl5pPr marL="2286000" indent="-384048" algn="l" defTabSz="914400" rtl="0" eaLnBrk="1" latinLnBrk="0" hangingPunct="1">
-              <a:lnSpc>
-                <a:spcPct val="94000"/>
-              </a:lnSpc>
-              <a:spcBef>
-                <a:spcPts val="500"/>
-              </a:spcBef>
-              <a:spcAft>
-                <a:spcPts val="200"/>
-              </a:spcAft>
-              <a:buFont typeface="Franklin Gothic Book" panose="020B0503020102020204" pitchFamily="34" charset="0"/>
-              <a:buChar char="■"/>
-              <a:defRPr sz="1600" kern="1200" baseline="0">
-                <a:solidFill>
-                  <a:schemeClr val="tx2"/>
-                </a:solidFill>
-                <a:latin typeface="+mn-lt"/>
-                <a:ea typeface="+mn-ea"/>
-                <a:cs typeface="+mn-cs"/>
-              </a:defRPr>
-            </a:lvl5pPr>
-            <a:lvl6pPr marL="2743200" indent="-384048" algn="l" defTabSz="914400" rtl="0" eaLnBrk="1" latinLnBrk="0" hangingPunct="1">
-              <a:lnSpc>
-                <a:spcPct val="94000"/>
-              </a:lnSpc>
-              <a:spcBef>
-                <a:spcPts val="500"/>
-              </a:spcBef>
-              <a:spcAft>
-                <a:spcPts val="200"/>
-              </a:spcAft>
-              <a:buFont typeface="Franklin Gothic Book" panose="020B0503020102020204" pitchFamily="34" charset="0"/>
-              <a:buChar char="–"/>
-              <a:defRPr sz="1600" i="1" kern="1200" baseline="0">
-                <a:solidFill>
-                  <a:schemeClr val="tx2"/>
-                </a:solidFill>
-                <a:latin typeface="+mn-lt"/>
-                <a:ea typeface="+mn-ea"/>
-                <a:cs typeface="+mn-cs"/>
-              </a:defRPr>
-            </a:lvl6pPr>
-            <a:lvl7pPr marL="3200400" indent="-384048" algn="l" defTabSz="914400" rtl="0" eaLnBrk="1" latinLnBrk="0" hangingPunct="1">
-              <a:lnSpc>
-                <a:spcPct val="94000"/>
-              </a:lnSpc>
-              <a:spcBef>
-                <a:spcPts val="500"/>
-              </a:spcBef>
-              <a:spcAft>
-                <a:spcPts val="200"/>
-              </a:spcAft>
-              <a:buFont typeface="Franklin Gothic Book" panose="020B0503020102020204" pitchFamily="34" charset="0"/>
-              <a:buChar char="■"/>
-              <a:defRPr sz="1400" kern="1200" baseline="0">
-                <a:solidFill>
-                  <a:schemeClr val="tx2"/>
-                </a:solidFill>
-                <a:latin typeface="+mn-lt"/>
-                <a:ea typeface="+mn-ea"/>
-                <a:cs typeface="+mn-cs"/>
-              </a:defRPr>
-            </a:lvl7pPr>
-            <a:lvl8pPr marL="3657600" indent="-384048" algn="l" defTabSz="914400" rtl="0" eaLnBrk="1" latinLnBrk="0" hangingPunct="1">
-              <a:lnSpc>
-                <a:spcPct val="94000"/>
-              </a:lnSpc>
-              <a:spcBef>
-                <a:spcPts val="500"/>
-              </a:spcBef>
-              <a:spcAft>
-                <a:spcPts val="200"/>
-              </a:spcAft>
-              <a:buFont typeface="Franklin Gothic Book" panose="020B0503020102020204" pitchFamily="34" charset="0"/>
-              <a:buChar char="–"/>
-              <a:defRPr sz="1400" i="1" kern="1200" baseline="0">
-                <a:solidFill>
-                  <a:schemeClr val="tx2"/>
-                </a:solidFill>
-                <a:latin typeface="+mn-lt"/>
-                <a:ea typeface="+mn-ea"/>
-                <a:cs typeface="+mn-cs"/>
-              </a:defRPr>
-            </a:lvl8pPr>
-            <a:lvl9pPr marL="4114800" indent="-384048" algn="l" defTabSz="914400" rtl="0" eaLnBrk="1" latinLnBrk="0" hangingPunct="1">
-              <a:lnSpc>
-                <a:spcPct val="94000"/>
-              </a:lnSpc>
-              <a:spcBef>
-                <a:spcPts val="500"/>
-              </a:spcBef>
-              <a:spcAft>
-                <a:spcPts val="200"/>
-              </a:spcAft>
-              <a:buFont typeface="Franklin Gothic Book" panose="020B0503020102020204" pitchFamily="34" charset="0"/>
-              <a:buChar char="■"/>
-              <a:defRPr sz="1400" kern="1200" baseline="0">
-                <a:solidFill>
-                  <a:schemeClr val="tx2"/>
-                </a:solidFill>
-                <a:latin typeface="+mn-lt"/>
-                <a:ea typeface="+mn-ea"/>
-                <a:cs typeface="+mn-cs"/>
-              </a:defRPr>
-            </a:lvl9pPr>
-          </a:lstStyle>
-          <a:p>
-            <a:pPr marL="0" indent="0" fontAlgn="base">
-              <a:buNone/>
-            </a:pPr>
-            <a:r>
-              <a:rPr lang="en-GB" sz="1000" dirty="0"/>
-              <a:t>Kelly, G. McCabe, H. (2006). “A Survey of Procedural Techniques for City Generation”. In </a:t>
-            </a:r>
-            <a:r>
-              <a:rPr lang="en-GB" sz="1000" i="1" dirty="0"/>
-              <a:t>ITB Journal, No. 14</a:t>
-            </a:r>
-            <a:endParaRPr lang="en-GB" sz="1000" dirty="0"/>
-          </a:p>
-          <a:p>
-            <a:pPr marL="0" indent="0" fontAlgn="base">
-              <a:buNone/>
-            </a:pPr>
-            <a:r>
-              <a:rPr lang="en-GB" sz="1000" dirty="0" err="1"/>
-              <a:t>Martek</a:t>
-            </a:r>
-            <a:r>
-              <a:rPr lang="en-GB" sz="1000" dirty="0"/>
-              <a:t>, C. (2012). “Procedural generation of road networks for large virtual environments.” Rochester Institute of Technology.</a:t>
-            </a:r>
-          </a:p>
-          <a:p>
-            <a:pPr marL="0" indent="0" fontAlgn="base">
-              <a:buNone/>
-            </a:pPr>
-            <a:r>
-              <a:rPr lang="en-GB" sz="1000" dirty="0"/>
-              <a:t>Muller, P and Parish, Y, I, H. (2001). “Procedural </a:t>
-            </a:r>
-            <a:r>
-              <a:rPr lang="en-GB" sz="1000" dirty="0" err="1"/>
-              <a:t>modeling</a:t>
-            </a:r>
-            <a:r>
-              <a:rPr lang="en-GB" sz="1000" dirty="0"/>
-              <a:t> of cities”. In Proceedings of the 28th annual conference on Computer graphics and interactive techniques (SIGGRAPH ’01). </a:t>
-            </a:r>
-            <a:r>
-              <a:rPr lang="en-GB" sz="1000" dirty="0" err="1"/>
-              <a:t>Acm</a:t>
-            </a:r>
-            <a:r>
-              <a:rPr lang="en-GB" sz="1000" dirty="0"/>
-              <a:t>, New York, NY, USA. 301 – 308.</a:t>
-            </a:r>
-          </a:p>
-          <a:p>
-            <a:pPr marL="0" indent="0" fontAlgn="base">
-              <a:buNone/>
-            </a:pPr>
-            <a:r>
-              <a:rPr lang="en-GB" sz="1000" dirty="0"/>
-              <a:t>Sun, J. Yu, X. </a:t>
-            </a:r>
-            <a:r>
-              <a:rPr lang="en-GB" sz="1000" dirty="0" err="1"/>
-              <a:t>Baciu</a:t>
-            </a:r>
-            <a:r>
-              <a:rPr lang="en-GB" sz="1000" dirty="0"/>
-              <a:t>, G. Green, M. (2002). “Template-based generation of road networks for virtual city </a:t>
-            </a:r>
-            <a:r>
-              <a:rPr lang="en-GB" sz="1000" dirty="0" err="1"/>
-              <a:t>modeling</a:t>
-            </a:r>
-            <a:r>
-              <a:rPr lang="en-GB" sz="1000" dirty="0"/>
-              <a:t>”. In Proceedings of the ACM symposium on Virtual reality software and technology (VRST ’02). </a:t>
-            </a:r>
-            <a:r>
-              <a:rPr lang="en-GB" sz="1000" dirty="0" err="1"/>
-              <a:t>Acm</a:t>
-            </a:r>
-            <a:r>
-              <a:rPr lang="en-GB" sz="1000" dirty="0"/>
-              <a:t>, New Work, NY, USA, 33 – 40.</a:t>
-            </a:r>
-          </a:p>
-        </p:txBody>
-      </p:sp>
-      <p:sp>
-        <p:nvSpPr>
-          <p:cNvPr id="7" name="Content Placeholder 2">
-            <a:extLst>
-              <a:ext uri="{FF2B5EF4-FFF2-40B4-BE49-F238E27FC236}">
-                <a16:creationId xmlns:a16="http://schemas.microsoft.com/office/drawing/2014/main" id="{677DC107-6E4D-45D9-B8CD-8FB83DE26374}"/>
-              </a:ext>
-            </a:extLst>
-          </p:cNvPr>
-          <p:cNvSpPr txBox="1">
-            <a:spLocks/>
-          </p:cNvSpPr>
-          <p:nvPr/>
-        </p:nvSpPr>
-        <p:spPr>
-          <a:xfrm>
-            <a:off x="879231" y="1274884"/>
-            <a:ext cx="5873994" cy="3982915"/>
-          </a:xfrm>
-          <a:prstGeom prst="rect">
-            <a:avLst/>
-          </a:prstGeom>
-          <a:ln>
-            <a:solidFill>
-              <a:schemeClr val="tx1"/>
-            </a:solidFill>
-          </a:ln>
-        </p:spPr>
-        <p:txBody>
-          <a:bodyPr vert="horz" lIns="91440" tIns="45720" rIns="91440" bIns="45720" rtlCol="0">
-            <a:normAutofit/>
-          </a:bodyPr>
-          <a:lstStyle>
-            <a:lvl1pPr marL="384048" indent="-384048" algn="l" defTabSz="914400" rtl="0" eaLnBrk="1" latinLnBrk="0" hangingPunct="1">
-              <a:lnSpc>
-                <a:spcPct val="94000"/>
-              </a:lnSpc>
-              <a:spcBef>
-                <a:spcPts val="1000"/>
-              </a:spcBef>
-              <a:spcAft>
-                <a:spcPts val="200"/>
-              </a:spcAft>
-              <a:buFont typeface="Franklin Gothic Book" panose="020B0503020102020204" pitchFamily="34" charset="0"/>
-              <a:buChar char="■"/>
-              <a:defRPr sz="2000" kern="1200" baseline="0">
-                <a:solidFill>
-                  <a:schemeClr val="tx2"/>
-                </a:solidFill>
-                <a:latin typeface="+mn-lt"/>
-                <a:ea typeface="+mn-ea"/>
-                <a:cs typeface="+mn-cs"/>
-              </a:defRPr>
-            </a:lvl1pPr>
-            <a:lvl2pPr marL="914400" indent="-384048" algn="l" defTabSz="914400" rtl="0" eaLnBrk="1" latinLnBrk="0" hangingPunct="1">
-              <a:lnSpc>
-                <a:spcPct val="94000"/>
-              </a:lnSpc>
-              <a:spcBef>
-                <a:spcPts val="500"/>
-              </a:spcBef>
-              <a:spcAft>
-                <a:spcPts val="200"/>
-              </a:spcAft>
-              <a:buFont typeface="Franklin Gothic Book" panose="020B0503020102020204" pitchFamily="34" charset="0"/>
-              <a:buChar char="–"/>
-              <a:defRPr sz="2000" i="1" kern="1200" baseline="0">
-                <a:solidFill>
-                  <a:schemeClr val="tx2"/>
-                </a:solidFill>
-                <a:latin typeface="+mn-lt"/>
-                <a:ea typeface="+mn-ea"/>
-                <a:cs typeface="+mn-cs"/>
-              </a:defRPr>
-            </a:lvl2pPr>
-            <a:lvl3pPr marL="1371600" indent="-384048" algn="l" defTabSz="914400" rtl="0" eaLnBrk="1" latinLnBrk="0" hangingPunct="1">
-              <a:lnSpc>
-                <a:spcPct val="94000"/>
-              </a:lnSpc>
-              <a:spcBef>
-                <a:spcPts val="500"/>
-              </a:spcBef>
-              <a:spcAft>
-                <a:spcPts val="200"/>
-              </a:spcAft>
-              <a:buFont typeface="Franklin Gothic Book" panose="020B0503020102020204" pitchFamily="34" charset="0"/>
-              <a:buChar char="■"/>
-              <a:defRPr sz="1800" kern="1200" baseline="0">
-                <a:solidFill>
-                  <a:schemeClr val="tx2"/>
-                </a:solidFill>
-                <a:latin typeface="+mn-lt"/>
-                <a:ea typeface="+mn-ea"/>
-                <a:cs typeface="+mn-cs"/>
-              </a:defRPr>
-            </a:lvl3pPr>
-            <a:lvl4pPr marL="1828800" indent="-384048" algn="l" defTabSz="914400" rtl="0" eaLnBrk="1" latinLnBrk="0" hangingPunct="1">
-              <a:lnSpc>
-                <a:spcPct val="94000"/>
-              </a:lnSpc>
-              <a:spcBef>
-                <a:spcPts val="500"/>
-              </a:spcBef>
-              <a:spcAft>
-                <a:spcPts val="200"/>
-              </a:spcAft>
-              <a:buFont typeface="Franklin Gothic Book" panose="020B0503020102020204" pitchFamily="34" charset="0"/>
-              <a:buChar char="–"/>
-              <a:defRPr sz="1800" i="1" kern="1200" baseline="0">
-                <a:solidFill>
-                  <a:schemeClr val="tx2"/>
-                </a:solidFill>
-                <a:latin typeface="+mn-lt"/>
-                <a:ea typeface="+mn-ea"/>
-                <a:cs typeface="+mn-cs"/>
-              </a:defRPr>
-            </a:lvl4pPr>
-            <a:lvl5pPr marL="2286000" indent="-384048" algn="l" defTabSz="914400" rtl="0" eaLnBrk="1" latinLnBrk="0" hangingPunct="1">
-              <a:lnSpc>
-                <a:spcPct val="94000"/>
-              </a:lnSpc>
-              <a:spcBef>
-                <a:spcPts val="500"/>
-              </a:spcBef>
-              <a:spcAft>
-                <a:spcPts val="200"/>
-              </a:spcAft>
-              <a:buFont typeface="Franklin Gothic Book" panose="020B0503020102020204" pitchFamily="34" charset="0"/>
-              <a:buChar char="■"/>
-              <a:defRPr sz="1600" kern="1200" baseline="0">
-                <a:solidFill>
-                  <a:schemeClr val="tx2"/>
-                </a:solidFill>
-                <a:latin typeface="+mn-lt"/>
-                <a:ea typeface="+mn-ea"/>
-                <a:cs typeface="+mn-cs"/>
-              </a:defRPr>
-            </a:lvl5pPr>
-            <a:lvl6pPr marL="2743200" indent="-384048" algn="l" defTabSz="914400" rtl="0" eaLnBrk="1" latinLnBrk="0" hangingPunct="1">
-              <a:lnSpc>
-                <a:spcPct val="94000"/>
-              </a:lnSpc>
-              <a:spcBef>
-                <a:spcPts val="500"/>
-              </a:spcBef>
-              <a:spcAft>
-                <a:spcPts val="200"/>
-              </a:spcAft>
-              <a:buFont typeface="Franklin Gothic Book" panose="020B0503020102020204" pitchFamily="34" charset="0"/>
-              <a:buChar char="–"/>
-              <a:defRPr sz="1600" i="1" kern="1200" baseline="0">
-                <a:solidFill>
-                  <a:schemeClr val="tx2"/>
-                </a:solidFill>
-                <a:latin typeface="+mn-lt"/>
-                <a:ea typeface="+mn-ea"/>
-                <a:cs typeface="+mn-cs"/>
-              </a:defRPr>
-            </a:lvl6pPr>
-            <a:lvl7pPr marL="3200400" indent="-384048" algn="l" defTabSz="914400" rtl="0" eaLnBrk="1" latinLnBrk="0" hangingPunct="1">
-              <a:lnSpc>
-                <a:spcPct val="94000"/>
-              </a:lnSpc>
-              <a:spcBef>
-                <a:spcPts val="500"/>
-              </a:spcBef>
-              <a:spcAft>
-                <a:spcPts val="200"/>
-              </a:spcAft>
-              <a:buFont typeface="Franklin Gothic Book" panose="020B0503020102020204" pitchFamily="34" charset="0"/>
-              <a:buChar char="■"/>
-              <a:defRPr sz="1400" kern="1200" baseline="0">
-                <a:solidFill>
-                  <a:schemeClr val="tx2"/>
-                </a:solidFill>
-                <a:latin typeface="+mn-lt"/>
-                <a:ea typeface="+mn-ea"/>
-                <a:cs typeface="+mn-cs"/>
-              </a:defRPr>
-            </a:lvl7pPr>
-            <a:lvl8pPr marL="3657600" indent="-384048" algn="l" defTabSz="914400" rtl="0" eaLnBrk="1" latinLnBrk="0" hangingPunct="1">
-              <a:lnSpc>
-                <a:spcPct val="94000"/>
-              </a:lnSpc>
-              <a:spcBef>
-                <a:spcPts val="500"/>
-              </a:spcBef>
-              <a:spcAft>
-                <a:spcPts val="200"/>
-              </a:spcAft>
-              <a:buFont typeface="Franklin Gothic Book" panose="020B0503020102020204" pitchFamily="34" charset="0"/>
-              <a:buChar char="–"/>
-              <a:defRPr sz="1400" i="1" kern="1200" baseline="0">
-                <a:solidFill>
-                  <a:schemeClr val="tx2"/>
-                </a:solidFill>
-                <a:latin typeface="+mn-lt"/>
-                <a:ea typeface="+mn-ea"/>
-                <a:cs typeface="+mn-cs"/>
-              </a:defRPr>
-            </a:lvl8pPr>
-            <a:lvl9pPr marL="4114800" indent="-384048" algn="l" defTabSz="914400" rtl="0" eaLnBrk="1" latinLnBrk="0" hangingPunct="1">
-              <a:lnSpc>
-                <a:spcPct val="94000"/>
-              </a:lnSpc>
-              <a:spcBef>
-                <a:spcPts val="500"/>
-              </a:spcBef>
-              <a:spcAft>
-                <a:spcPts val="200"/>
-              </a:spcAft>
-              <a:buFont typeface="Franklin Gothic Book" panose="020B0503020102020204" pitchFamily="34" charset="0"/>
-              <a:buChar char="■"/>
-              <a:defRPr sz="1400" kern="1200" baseline="0">
-                <a:solidFill>
-                  <a:schemeClr val="tx2"/>
-                </a:solidFill>
-                <a:latin typeface="+mn-lt"/>
-                <a:ea typeface="+mn-ea"/>
-                <a:cs typeface="+mn-cs"/>
-              </a:defRPr>
-            </a:lvl9pPr>
-          </a:lstStyle>
-          <a:p>
-            <a:r>
-              <a:rPr lang="en-GB" dirty="0"/>
-              <a:t>Highways connect areas of high population whilst streets cover the area between highways, creating </a:t>
-            </a:r>
-            <a:r>
-              <a:rPr lang="en-GB" dirty="0" err="1"/>
-              <a:t>neighborhoods</a:t>
-            </a:r>
-            <a:r>
-              <a:rPr lang="en-GB" dirty="0"/>
-              <a:t> and offering access to the main highways. (Muller P and Parish Y I H, 2001).</a:t>
-            </a:r>
-          </a:p>
-          <a:p>
-            <a:endParaRPr lang="en-GB" dirty="0"/>
-          </a:p>
-          <a:p>
-            <a:r>
-              <a:rPr lang="en-GB" dirty="0"/>
-              <a:t>“Highways are like main arteries in a body while streets like capillary vessels”. (Sun, J Et al. 2002).</a:t>
+              <a:t>Water boundary maps and bridges</a:t>
             </a:r>
           </a:p>
         </p:txBody>
@@ -9282,7 +8684,7 @@
           <p:cNvPr id="9" name="Picture 8">
             <a:extLst>
               <a:ext uri="{FF2B5EF4-FFF2-40B4-BE49-F238E27FC236}">
-                <a16:creationId xmlns:a16="http://schemas.microsoft.com/office/drawing/2014/main" id="{E8379413-37A0-4A14-BB9F-2A132C750A1C}"/>
+                <a16:creationId xmlns:a16="http://schemas.microsoft.com/office/drawing/2014/main" id="{34043853-4837-4A55-86B6-5BB970707093}"/>
               </a:ext>
             </a:extLst>
           </p:cNvPr>
@@ -9299,13 +8701,13 @@
               </a:ext>
             </a:extLst>
           </a:blip>
-          <a:srcRect t="6084"/>
+          <a:srcRect l="30725" t="65898"/>
           <a:stretch/>
         </p:blipFill>
         <p:spPr>
           <a:xfrm>
-            <a:off x="7346438" y="1274884"/>
-            <a:ext cx="3965356" cy="3941466"/>
+            <a:off x="3257550" y="1925578"/>
+            <a:ext cx="6934200" cy="3612780"/>
           </a:xfrm>
           <a:prstGeom prst="rect">
             <a:avLst/>
@@ -9315,7 +8717,7 @@
     </p:spTree>
     <p:extLst>
       <p:ext uri="{BB962C8B-B14F-4D97-AF65-F5344CB8AC3E}">
-        <p14:creationId xmlns:p14="http://schemas.microsoft.com/office/powerpoint/2010/main" val="1106566841"/>
+        <p14:creationId xmlns:p14="http://schemas.microsoft.com/office/powerpoint/2010/main" val="683955188"/>
       </p:ext>
     </p:extLst>
   </p:cSld>
@@ -9365,644 +8767,22 @@
           </a:xfrm>
         </p:spPr>
         <p:txBody>
-          <a:bodyPr>
-            <a:normAutofit/>
-          </a:bodyPr>
+          <a:bodyPr/>
           <a:lstStyle/>
           <a:p>
             <a:r>
               <a:rPr lang="en-GB" dirty="0"/>
-              <a:t>Building lot generation</a:t>
-            </a:r>
-          </a:p>
-        </p:txBody>
-      </p:sp>
-      <p:sp>
-        <p:nvSpPr>
-          <p:cNvPr id="4" name="Content Placeholder 2">
-            <a:extLst>
-              <a:ext uri="{FF2B5EF4-FFF2-40B4-BE49-F238E27FC236}">
-                <a16:creationId xmlns:a16="http://schemas.microsoft.com/office/drawing/2014/main" id="{C44F06C3-D088-4921-80FA-6A04C96C2CC4}"/>
-              </a:ext>
-            </a:extLst>
-          </p:cNvPr>
-          <p:cNvSpPr txBox="1">
-            <a:spLocks/>
-          </p:cNvSpPr>
-          <p:nvPr/>
-        </p:nvSpPr>
-        <p:spPr>
-          <a:xfrm>
-            <a:off x="879231" y="5762625"/>
-            <a:ext cx="11025776" cy="971550"/>
-          </a:xfrm>
-          <a:prstGeom prst="rect">
-            <a:avLst/>
-          </a:prstGeom>
-          <a:ln>
-            <a:solidFill>
-              <a:schemeClr val="tx1"/>
-            </a:solidFill>
-          </a:ln>
-        </p:spPr>
-        <p:txBody>
-          <a:bodyPr vert="horz" lIns="91440" tIns="45720" rIns="91440" bIns="45720" rtlCol="0">
-            <a:noAutofit/>
-          </a:bodyPr>
-          <a:lstStyle>
-            <a:lvl1pPr marL="384048" indent="-384048" algn="l" defTabSz="914400" rtl="0" eaLnBrk="1" latinLnBrk="0" hangingPunct="1">
-              <a:lnSpc>
-                <a:spcPct val="94000"/>
-              </a:lnSpc>
-              <a:spcBef>
-                <a:spcPts val="1000"/>
-              </a:spcBef>
-              <a:spcAft>
-                <a:spcPts val="200"/>
-              </a:spcAft>
-              <a:buFont typeface="Franklin Gothic Book" panose="020B0503020102020204" pitchFamily="34" charset="0"/>
-              <a:buChar char="■"/>
-              <a:defRPr sz="2000" kern="1200" baseline="0">
-                <a:solidFill>
-                  <a:schemeClr val="tx2"/>
-                </a:solidFill>
-                <a:latin typeface="+mn-lt"/>
-                <a:ea typeface="+mn-ea"/>
-                <a:cs typeface="+mn-cs"/>
-              </a:defRPr>
-            </a:lvl1pPr>
-            <a:lvl2pPr marL="914400" indent="-384048" algn="l" defTabSz="914400" rtl="0" eaLnBrk="1" latinLnBrk="0" hangingPunct="1">
-              <a:lnSpc>
-                <a:spcPct val="94000"/>
-              </a:lnSpc>
-              <a:spcBef>
-                <a:spcPts val="500"/>
-              </a:spcBef>
-              <a:spcAft>
-                <a:spcPts val="200"/>
-              </a:spcAft>
-              <a:buFont typeface="Franklin Gothic Book" panose="020B0503020102020204" pitchFamily="34" charset="0"/>
-              <a:buChar char="–"/>
-              <a:defRPr sz="2000" i="1" kern="1200" baseline="0">
-                <a:solidFill>
-                  <a:schemeClr val="tx2"/>
-                </a:solidFill>
-                <a:latin typeface="+mn-lt"/>
-                <a:ea typeface="+mn-ea"/>
-                <a:cs typeface="+mn-cs"/>
-              </a:defRPr>
-            </a:lvl2pPr>
-            <a:lvl3pPr marL="1371600" indent="-384048" algn="l" defTabSz="914400" rtl="0" eaLnBrk="1" latinLnBrk="0" hangingPunct="1">
-              <a:lnSpc>
-                <a:spcPct val="94000"/>
-              </a:lnSpc>
-              <a:spcBef>
-                <a:spcPts val="500"/>
-              </a:spcBef>
-              <a:spcAft>
-                <a:spcPts val="200"/>
-              </a:spcAft>
-              <a:buFont typeface="Franklin Gothic Book" panose="020B0503020102020204" pitchFamily="34" charset="0"/>
-              <a:buChar char="■"/>
-              <a:defRPr sz="1800" kern="1200" baseline="0">
-                <a:solidFill>
-                  <a:schemeClr val="tx2"/>
-                </a:solidFill>
-                <a:latin typeface="+mn-lt"/>
-                <a:ea typeface="+mn-ea"/>
-                <a:cs typeface="+mn-cs"/>
-              </a:defRPr>
-            </a:lvl3pPr>
-            <a:lvl4pPr marL="1828800" indent="-384048" algn="l" defTabSz="914400" rtl="0" eaLnBrk="1" latinLnBrk="0" hangingPunct="1">
-              <a:lnSpc>
-                <a:spcPct val="94000"/>
-              </a:lnSpc>
-              <a:spcBef>
-                <a:spcPts val="500"/>
-              </a:spcBef>
-              <a:spcAft>
-                <a:spcPts val="200"/>
-              </a:spcAft>
-              <a:buFont typeface="Franklin Gothic Book" panose="020B0503020102020204" pitchFamily="34" charset="0"/>
-              <a:buChar char="–"/>
-              <a:defRPr sz="1800" i="1" kern="1200" baseline="0">
-                <a:solidFill>
-                  <a:schemeClr val="tx2"/>
-                </a:solidFill>
-                <a:latin typeface="+mn-lt"/>
-                <a:ea typeface="+mn-ea"/>
-                <a:cs typeface="+mn-cs"/>
-              </a:defRPr>
-            </a:lvl4pPr>
-            <a:lvl5pPr marL="2286000" indent="-384048" algn="l" defTabSz="914400" rtl="0" eaLnBrk="1" latinLnBrk="0" hangingPunct="1">
-              <a:lnSpc>
-                <a:spcPct val="94000"/>
-              </a:lnSpc>
-              <a:spcBef>
-                <a:spcPts val="500"/>
-              </a:spcBef>
-              <a:spcAft>
-                <a:spcPts val="200"/>
-              </a:spcAft>
-              <a:buFont typeface="Franklin Gothic Book" panose="020B0503020102020204" pitchFamily="34" charset="0"/>
-              <a:buChar char="■"/>
-              <a:defRPr sz="1600" kern="1200" baseline="0">
-                <a:solidFill>
-                  <a:schemeClr val="tx2"/>
-                </a:solidFill>
-                <a:latin typeface="+mn-lt"/>
-                <a:ea typeface="+mn-ea"/>
-                <a:cs typeface="+mn-cs"/>
-              </a:defRPr>
-            </a:lvl5pPr>
-            <a:lvl6pPr marL="2743200" indent="-384048" algn="l" defTabSz="914400" rtl="0" eaLnBrk="1" latinLnBrk="0" hangingPunct="1">
-              <a:lnSpc>
-                <a:spcPct val="94000"/>
-              </a:lnSpc>
-              <a:spcBef>
-                <a:spcPts val="500"/>
-              </a:spcBef>
-              <a:spcAft>
-                <a:spcPts val="200"/>
-              </a:spcAft>
-              <a:buFont typeface="Franklin Gothic Book" panose="020B0503020102020204" pitchFamily="34" charset="0"/>
-              <a:buChar char="–"/>
-              <a:defRPr sz="1600" i="1" kern="1200" baseline="0">
-                <a:solidFill>
-                  <a:schemeClr val="tx2"/>
-                </a:solidFill>
-                <a:latin typeface="+mn-lt"/>
-                <a:ea typeface="+mn-ea"/>
-                <a:cs typeface="+mn-cs"/>
-              </a:defRPr>
-            </a:lvl6pPr>
-            <a:lvl7pPr marL="3200400" indent="-384048" algn="l" defTabSz="914400" rtl="0" eaLnBrk="1" latinLnBrk="0" hangingPunct="1">
-              <a:lnSpc>
-                <a:spcPct val="94000"/>
-              </a:lnSpc>
-              <a:spcBef>
-                <a:spcPts val="500"/>
-              </a:spcBef>
-              <a:spcAft>
-                <a:spcPts val="200"/>
-              </a:spcAft>
-              <a:buFont typeface="Franklin Gothic Book" panose="020B0503020102020204" pitchFamily="34" charset="0"/>
-              <a:buChar char="■"/>
-              <a:defRPr sz="1400" kern="1200" baseline="0">
-                <a:solidFill>
-                  <a:schemeClr val="tx2"/>
-                </a:solidFill>
-                <a:latin typeface="+mn-lt"/>
-                <a:ea typeface="+mn-ea"/>
-                <a:cs typeface="+mn-cs"/>
-              </a:defRPr>
-            </a:lvl7pPr>
-            <a:lvl8pPr marL="3657600" indent="-384048" algn="l" defTabSz="914400" rtl="0" eaLnBrk="1" latinLnBrk="0" hangingPunct="1">
-              <a:lnSpc>
-                <a:spcPct val="94000"/>
-              </a:lnSpc>
-              <a:spcBef>
-                <a:spcPts val="500"/>
-              </a:spcBef>
-              <a:spcAft>
-                <a:spcPts val="200"/>
-              </a:spcAft>
-              <a:buFont typeface="Franklin Gothic Book" panose="020B0503020102020204" pitchFamily="34" charset="0"/>
-              <a:buChar char="–"/>
-              <a:defRPr sz="1400" i="1" kern="1200" baseline="0">
-                <a:solidFill>
-                  <a:schemeClr val="tx2"/>
-                </a:solidFill>
-                <a:latin typeface="+mn-lt"/>
-                <a:ea typeface="+mn-ea"/>
-                <a:cs typeface="+mn-cs"/>
-              </a:defRPr>
-            </a:lvl8pPr>
-            <a:lvl9pPr marL="4114800" indent="-384048" algn="l" defTabSz="914400" rtl="0" eaLnBrk="1" latinLnBrk="0" hangingPunct="1">
-              <a:lnSpc>
-                <a:spcPct val="94000"/>
-              </a:lnSpc>
-              <a:spcBef>
-                <a:spcPts val="500"/>
-              </a:spcBef>
-              <a:spcAft>
-                <a:spcPts val="200"/>
-              </a:spcAft>
-              <a:buFont typeface="Franklin Gothic Book" panose="020B0503020102020204" pitchFamily="34" charset="0"/>
-              <a:buChar char="■"/>
-              <a:defRPr sz="1400" kern="1200" baseline="0">
-                <a:solidFill>
-                  <a:schemeClr val="tx2"/>
-                </a:solidFill>
-                <a:latin typeface="+mn-lt"/>
-                <a:ea typeface="+mn-ea"/>
-                <a:cs typeface="+mn-cs"/>
-              </a:defRPr>
-            </a:lvl9pPr>
-          </a:lstStyle>
-          <a:p>
-            <a:pPr marL="0" indent="0" fontAlgn="base">
-              <a:buNone/>
-            </a:pPr>
-            <a:r>
-              <a:rPr lang="en-GB" sz="1000" dirty="0" err="1"/>
-              <a:t>Emilien</a:t>
-            </a:r>
-            <a:r>
-              <a:rPr lang="en-GB" sz="1000" dirty="0"/>
-              <a:t>, A., Bernhardt, A., </a:t>
-            </a:r>
-            <a:r>
-              <a:rPr lang="en-GB" sz="1000" dirty="0" err="1"/>
-              <a:t>Peytavie</a:t>
-            </a:r>
-            <a:r>
-              <a:rPr lang="en-GB" sz="1000" dirty="0"/>
-              <a:t>, A., </a:t>
-            </a:r>
-            <a:r>
-              <a:rPr lang="en-GB" sz="1000" dirty="0" err="1"/>
-              <a:t>Cani</a:t>
-            </a:r>
-            <a:r>
-              <a:rPr lang="en-GB" sz="1000" dirty="0"/>
-              <a:t>, M. and </a:t>
-            </a:r>
-            <a:r>
-              <a:rPr lang="en-GB" sz="1000" dirty="0" err="1"/>
-              <a:t>Galin</a:t>
-            </a:r>
-            <a:r>
-              <a:rPr lang="en-GB" sz="1000" dirty="0"/>
-              <a:t>, E. (2012). Procedural generation of villages on arbitrary terrains. </a:t>
-            </a:r>
-            <a:r>
-              <a:rPr lang="en-GB" sz="1000" i="1" dirty="0"/>
-              <a:t>The Visual Computer,</a:t>
-            </a:r>
-            <a:r>
-              <a:rPr lang="en-GB" sz="1000" dirty="0"/>
-              <a:t> 28(6-8), pp.809-818.</a:t>
-            </a:r>
-          </a:p>
-          <a:p>
-            <a:pPr marL="0" indent="0" fontAlgn="base">
-              <a:buNone/>
-            </a:pPr>
-            <a:r>
-              <a:rPr lang="en-GB" sz="1000" dirty="0"/>
-              <a:t>Muller, P and Parish, Y, I, H. (2001). “Procedural </a:t>
-            </a:r>
-            <a:r>
-              <a:rPr lang="en-GB" sz="1000" dirty="0" err="1"/>
-              <a:t>modeling</a:t>
-            </a:r>
-            <a:r>
-              <a:rPr lang="en-GB" sz="1000" dirty="0"/>
-              <a:t> of cities”. In Proceedings of the 28th annual conference on Computer graphics and interactive techniques (SIGGRAPH ’01). </a:t>
-            </a:r>
-            <a:r>
-              <a:rPr lang="en-GB" sz="1000" dirty="0" err="1"/>
-              <a:t>Acm</a:t>
-            </a:r>
-            <a:r>
-              <a:rPr lang="en-GB" sz="1000" dirty="0"/>
-              <a:t>, New York, NY, USA. 301 – 308.</a:t>
-            </a:r>
-          </a:p>
-          <a:p>
-            <a:pPr marL="0" indent="0" fontAlgn="base">
-              <a:buNone/>
-            </a:pPr>
-            <a:r>
-              <a:rPr lang="en-GB" sz="1000" dirty="0" err="1"/>
-              <a:t>Smelik</a:t>
-            </a:r>
-            <a:r>
-              <a:rPr lang="en-GB" sz="1000" dirty="0"/>
-              <a:t>, R., </a:t>
-            </a:r>
-            <a:r>
-              <a:rPr lang="en-GB" sz="1000" dirty="0" err="1"/>
-              <a:t>Tutenel</a:t>
-            </a:r>
-            <a:r>
-              <a:rPr lang="en-GB" sz="1000" dirty="0"/>
-              <a:t>, T., de </a:t>
-            </a:r>
-            <a:r>
-              <a:rPr lang="en-GB" sz="1000" dirty="0" err="1"/>
-              <a:t>Kraker</a:t>
-            </a:r>
-            <a:r>
-              <a:rPr lang="en-GB" sz="1000" dirty="0"/>
-              <a:t>, K. and </a:t>
-            </a:r>
-            <a:r>
-              <a:rPr lang="en-GB" sz="1000" dirty="0" err="1"/>
-              <a:t>Bidarra</a:t>
-            </a:r>
-            <a:r>
-              <a:rPr lang="en-GB" sz="1000" dirty="0"/>
-              <a:t>, R. (2011). A declarative approach to procedural </a:t>
-            </a:r>
-            <a:r>
-              <a:rPr lang="en-GB" sz="1000" dirty="0" err="1"/>
-              <a:t>modeling</a:t>
-            </a:r>
-            <a:r>
-              <a:rPr lang="en-GB" sz="1000" dirty="0"/>
-              <a:t> of virtual worlds. </a:t>
-            </a:r>
-            <a:r>
-              <a:rPr lang="en-GB" sz="1000" i="1" dirty="0"/>
-              <a:t>Computers &amp; Graphics</a:t>
-            </a:r>
-            <a:r>
-              <a:rPr lang="en-GB" sz="1000" dirty="0"/>
-              <a:t>, 35(2), pp.352-363.</a:t>
-            </a:r>
-          </a:p>
-        </p:txBody>
-      </p:sp>
-      <p:sp>
-        <p:nvSpPr>
-          <p:cNvPr id="7" name="Content Placeholder 2">
-            <a:extLst>
-              <a:ext uri="{FF2B5EF4-FFF2-40B4-BE49-F238E27FC236}">
-                <a16:creationId xmlns:a16="http://schemas.microsoft.com/office/drawing/2014/main" id="{6AF1E2B7-90F3-4506-9B86-4FE1222C1B17}"/>
-              </a:ext>
-            </a:extLst>
-          </p:cNvPr>
-          <p:cNvSpPr txBox="1">
-            <a:spLocks/>
-          </p:cNvSpPr>
-          <p:nvPr/>
-        </p:nvSpPr>
-        <p:spPr>
-          <a:xfrm>
-            <a:off x="879231" y="1274884"/>
-            <a:ext cx="5873994" cy="4363915"/>
-          </a:xfrm>
-          <a:prstGeom prst="rect">
-            <a:avLst/>
-          </a:prstGeom>
-          <a:ln>
-            <a:solidFill>
-              <a:schemeClr val="tx1"/>
-            </a:solidFill>
-          </a:ln>
-        </p:spPr>
-        <p:txBody>
-          <a:bodyPr vert="horz" lIns="91440" tIns="45720" rIns="91440" bIns="45720" rtlCol="0">
-            <a:normAutofit/>
-          </a:bodyPr>
-          <a:lstStyle>
-            <a:lvl1pPr marL="384048" indent="-384048" algn="l" defTabSz="914400" rtl="0" eaLnBrk="1" latinLnBrk="0" hangingPunct="1">
-              <a:lnSpc>
-                <a:spcPct val="94000"/>
-              </a:lnSpc>
-              <a:spcBef>
-                <a:spcPts val="1000"/>
-              </a:spcBef>
-              <a:spcAft>
-                <a:spcPts val="200"/>
-              </a:spcAft>
-              <a:buFont typeface="Franklin Gothic Book" panose="020B0503020102020204" pitchFamily="34" charset="0"/>
-              <a:buChar char="■"/>
-              <a:defRPr sz="2000" kern="1200" baseline="0">
-                <a:solidFill>
-                  <a:schemeClr val="tx2"/>
-                </a:solidFill>
-                <a:latin typeface="+mn-lt"/>
-                <a:ea typeface="+mn-ea"/>
-                <a:cs typeface="+mn-cs"/>
-              </a:defRPr>
-            </a:lvl1pPr>
-            <a:lvl2pPr marL="914400" indent="-384048" algn="l" defTabSz="914400" rtl="0" eaLnBrk="1" latinLnBrk="0" hangingPunct="1">
-              <a:lnSpc>
-                <a:spcPct val="94000"/>
-              </a:lnSpc>
-              <a:spcBef>
-                <a:spcPts val="500"/>
-              </a:spcBef>
-              <a:spcAft>
-                <a:spcPts val="200"/>
-              </a:spcAft>
-              <a:buFont typeface="Franklin Gothic Book" panose="020B0503020102020204" pitchFamily="34" charset="0"/>
-              <a:buChar char="–"/>
-              <a:defRPr sz="2000" i="1" kern="1200" baseline="0">
-                <a:solidFill>
-                  <a:schemeClr val="tx2"/>
-                </a:solidFill>
-                <a:latin typeface="+mn-lt"/>
-                <a:ea typeface="+mn-ea"/>
-                <a:cs typeface="+mn-cs"/>
-              </a:defRPr>
-            </a:lvl2pPr>
-            <a:lvl3pPr marL="1371600" indent="-384048" algn="l" defTabSz="914400" rtl="0" eaLnBrk="1" latinLnBrk="0" hangingPunct="1">
-              <a:lnSpc>
-                <a:spcPct val="94000"/>
-              </a:lnSpc>
-              <a:spcBef>
-                <a:spcPts val="500"/>
-              </a:spcBef>
-              <a:spcAft>
-                <a:spcPts val="200"/>
-              </a:spcAft>
-              <a:buFont typeface="Franklin Gothic Book" panose="020B0503020102020204" pitchFamily="34" charset="0"/>
-              <a:buChar char="■"/>
-              <a:defRPr sz="1800" kern="1200" baseline="0">
-                <a:solidFill>
-                  <a:schemeClr val="tx2"/>
-                </a:solidFill>
-                <a:latin typeface="+mn-lt"/>
-                <a:ea typeface="+mn-ea"/>
-                <a:cs typeface="+mn-cs"/>
-              </a:defRPr>
-            </a:lvl3pPr>
-            <a:lvl4pPr marL="1828800" indent="-384048" algn="l" defTabSz="914400" rtl="0" eaLnBrk="1" latinLnBrk="0" hangingPunct="1">
-              <a:lnSpc>
-                <a:spcPct val="94000"/>
-              </a:lnSpc>
-              <a:spcBef>
-                <a:spcPts val="500"/>
-              </a:spcBef>
-              <a:spcAft>
-                <a:spcPts val="200"/>
-              </a:spcAft>
-              <a:buFont typeface="Franklin Gothic Book" panose="020B0503020102020204" pitchFamily="34" charset="0"/>
-              <a:buChar char="–"/>
-              <a:defRPr sz="1800" i="1" kern="1200" baseline="0">
-                <a:solidFill>
-                  <a:schemeClr val="tx2"/>
-                </a:solidFill>
-                <a:latin typeface="+mn-lt"/>
-                <a:ea typeface="+mn-ea"/>
-                <a:cs typeface="+mn-cs"/>
-              </a:defRPr>
-            </a:lvl4pPr>
-            <a:lvl5pPr marL="2286000" indent="-384048" algn="l" defTabSz="914400" rtl="0" eaLnBrk="1" latinLnBrk="0" hangingPunct="1">
-              <a:lnSpc>
-                <a:spcPct val="94000"/>
-              </a:lnSpc>
-              <a:spcBef>
-                <a:spcPts val="500"/>
-              </a:spcBef>
-              <a:spcAft>
-                <a:spcPts val="200"/>
-              </a:spcAft>
-              <a:buFont typeface="Franklin Gothic Book" panose="020B0503020102020204" pitchFamily="34" charset="0"/>
-              <a:buChar char="■"/>
-              <a:defRPr sz="1600" kern="1200" baseline="0">
-                <a:solidFill>
-                  <a:schemeClr val="tx2"/>
-                </a:solidFill>
-                <a:latin typeface="+mn-lt"/>
-                <a:ea typeface="+mn-ea"/>
-                <a:cs typeface="+mn-cs"/>
-              </a:defRPr>
-            </a:lvl5pPr>
-            <a:lvl6pPr marL="2743200" indent="-384048" algn="l" defTabSz="914400" rtl="0" eaLnBrk="1" latinLnBrk="0" hangingPunct="1">
-              <a:lnSpc>
-                <a:spcPct val="94000"/>
-              </a:lnSpc>
-              <a:spcBef>
-                <a:spcPts val="500"/>
-              </a:spcBef>
-              <a:spcAft>
-                <a:spcPts val="200"/>
-              </a:spcAft>
-              <a:buFont typeface="Franklin Gothic Book" panose="020B0503020102020204" pitchFamily="34" charset="0"/>
-              <a:buChar char="–"/>
-              <a:defRPr sz="1600" i="1" kern="1200" baseline="0">
-                <a:solidFill>
-                  <a:schemeClr val="tx2"/>
-                </a:solidFill>
-                <a:latin typeface="+mn-lt"/>
-                <a:ea typeface="+mn-ea"/>
-                <a:cs typeface="+mn-cs"/>
-              </a:defRPr>
-            </a:lvl6pPr>
-            <a:lvl7pPr marL="3200400" indent="-384048" algn="l" defTabSz="914400" rtl="0" eaLnBrk="1" latinLnBrk="0" hangingPunct="1">
-              <a:lnSpc>
-                <a:spcPct val="94000"/>
-              </a:lnSpc>
-              <a:spcBef>
-                <a:spcPts val="500"/>
-              </a:spcBef>
-              <a:spcAft>
-                <a:spcPts val="200"/>
-              </a:spcAft>
-              <a:buFont typeface="Franklin Gothic Book" panose="020B0503020102020204" pitchFamily="34" charset="0"/>
-              <a:buChar char="■"/>
-              <a:defRPr sz="1400" kern="1200" baseline="0">
-                <a:solidFill>
-                  <a:schemeClr val="tx2"/>
-                </a:solidFill>
-                <a:latin typeface="+mn-lt"/>
-                <a:ea typeface="+mn-ea"/>
-                <a:cs typeface="+mn-cs"/>
-              </a:defRPr>
-            </a:lvl7pPr>
-            <a:lvl8pPr marL="3657600" indent="-384048" algn="l" defTabSz="914400" rtl="0" eaLnBrk="1" latinLnBrk="0" hangingPunct="1">
-              <a:lnSpc>
-                <a:spcPct val="94000"/>
-              </a:lnSpc>
-              <a:spcBef>
-                <a:spcPts val="500"/>
-              </a:spcBef>
-              <a:spcAft>
-                <a:spcPts val="200"/>
-              </a:spcAft>
-              <a:buFont typeface="Franklin Gothic Book" panose="020B0503020102020204" pitchFamily="34" charset="0"/>
-              <a:buChar char="–"/>
-              <a:defRPr sz="1400" i="1" kern="1200" baseline="0">
-                <a:solidFill>
-                  <a:schemeClr val="tx2"/>
-                </a:solidFill>
-                <a:latin typeface="+mn-lt"/>
-                <a:ea typeface="+mn-ea"/>
-                <a:cs typeface="+mn-cs"/>
-              </a:defRPr>
-            </a:lvl8pPr>
-            <a:lvl9pPr marL="4114800" indent="-384048" algn="l" defTabSz="914400" rtl="0" eaLnBrk="1" latinLnBrk="0" hangingPunct="1">
-              <a:lnSpc>
-                <a:spcPct val="94000"/>
-              </a:lnSpc>
-              <a:spcBef>
-                <a:spcPts val="500"/>
-              </a:spcBef>
-              <a:spcAft>
-                <a:spcPts val="200"/>
-              </a:spcAft>
-              <a:buFont typeface="Franklin Gothic Book" panose="020B0503020102020204" pitchFamily="34" charset="0"/>
-              <a:buChar char="■"/>
-              <a:defRPr sz="1400" kern="1200" baseline="0">
-                <a:solidFill>
-                  <a:schemeClr val="tx2"/>
-                </a:solidFill>
-                <a:latin typeface="+mn-lt"/>
-                <a:ea typeface="+mn-ea"/>
-                <a:cs typeface="+mn-cs"/>
-              </a:defRPr>
-            </a:lvl9pPr>
-          </a:lstStyle>
-          <a:p>
-            <a:r>
-              <a:rPr lang="en-GB" dirty="0"/>
-              <a:t>“Computing a village skeleton is not sufficient for generating the layout of a village: we also need to tessellate the terrain into individual parcels of land, where houses, gardens or fields will be defined.” (</a:t>
-            </a:r>
-            <a:r>
-              <a:rPr lang="en-GB" dirty="0" err="1"/>
-              <a:t>Emilien</a:t>
-            </a:r>
-            <a:r>
-              <a:rPr lang="en-GB" dirty="0"/>
-              <a:t> A, Bernhardt A, </a:t>
-            </a:r>
-            <a:r>
-              <a:rPr lang="en-GB" dirty="0" err="1"/>
-              <a:t>Peytavie</a:t>
-            </a:r>
-            <a:r>
-              <a:rPr lang="en-GB" dirty="0"/>
-              <a:t> A, </a:t>
-            </a:r>
-            <a:r>
-              <a:rPr lang="en-GB" dirty="0" err="1"/>
-              <a:t>Cani</a:t>
-            </a:r>
-            <a:r>
-              <a:rPr lang="en-GB" dirty="0"/>
-              <a:t> M, </a:t>
-            </a:r>
-            <a:r>
-              <a:rPr lang="en-GB" dirty="0" err="1"/>
-              <a:t>Galin</a:t>
-            </a:r>
-            <a:r>
-              <a:rPr lang="en-GB" dirty="0"/>
-              <a:t> E, 2012).</a:t>
-            </a:r>
-          </a:p>
-          <a:p>
-            <a:endParaRPr lang="en-GB" dirty="0"/>
-          </a:p>
-          <a:p>
-            <a:r>
-              <a:rPr lang="en-GB" dirty="0"/>
-              <a:t>Building lots can be created along the road by recursively dividing the areas along a road until a threshold area is reached.(Muller P, Parish Y I H, 2001).</a:t>
+              <a:t>Water boundary maps and bridges</a:t>
             </a:r>
           </a:p>
         </p:txBody>
       </p:sp>
       <p:pic>
         <p:nvPicPr>
-          <p:cNvPr id="9" name="Picture 8">
+          <p:cNvPr id="11" name="Picture 10">
             <a:extLst>
               <a:ext uri="{FF2B5EF4-FFF2-40B4-BE49-F238E27FC236}">
-                <a16:creationId xmlns:a16="http://schemas.microsoft.com/office/drawing/2014/main" id="{F7E1084E-24A7-43FF-9311-668FE8A2A100}"/>
+                <a16:creationId xmlns:a16="http://schemas.microsoft.com/office/drawing/2014/main" id="{F2F86B88-490A-4BDF-927F-D64B6772DE41}"/>
               </a:ext>
             </a:extLst>
           </p:cNvPr>
@@ -10011,7 +8791,43 @@
           </p:cNvPicPr>
           <p:nvPr/>
         </p:nvPicPr>
-        <p:blipFill rotWithShape="1">
+        <p:blipFill>
+          <a:blip r:embed="rId2">
+            <a:extLst>
+              <a:ext uri="{28A0092B-C50C-407E-A947-70E740481C1C}">
+                <a14:useLocalDpi xmlns:a14="http://schemas.microsoft.com/office/drawing/2010/main" val="0"/>
+              </a:ext>
+            </a:extLst>
+          </a:blip>
+          <a:stretch>
+            <a:fillRect/>
+          </a:stretch>
+        </p:blipFill>
+        <p:spPr>
+          <a:xfrm>
+            <a:off x="3058562" y="1571837"/>
+            <a:ext cx="6074876" cy="2190002"/>
+          </a:xfrm>
+          <a:prstGeom prst="rect">
+            <a:avLst/>
+          </a:prstGeom>
+        </p:spPr>
+      </p:pic>
+      <p:pic>
+        <p:nvPicPr>
+          <p:cNvPr id="13" name="Picture 12">
+            <a:extLst>
+              <a:ext uri="{FF2B5EF4-FFF2-40B4-BE49-F238E27FC236}">
+                <a16:creationId xmlns:a16="http://schemas.microsoft.com/office/drawing/2014/main" id="{85A83426-1ACB-4680-8993-EE3876CCC135}"/>
+              </a:ext>
+            </a:extLst>
+          </p:cNvPr>
+          <p:cNvPicPr>
+            <a:picLocks noChangeAspect="1"/>
+          </p:cNvPicPr>
+          <p:nvPr/>
+        </p:nvPicPr>
+        <p:blipFill>
           <a:blip r:embed="rId3">
             <a:extLst>
               <a:ext uri="{28A0092B-C50C-407E-A947-70E740481C1C}">
@@ -10019,13 +8835,14 @@
               </a:ext>
             </a:extLst>
           </a:blip>
-          <a:srcRect t="5889"/>
-          <a:stretch/>
+          <a:stretch>
+            <a:fillRect/>
+          </a:stretch>
         </p:blipFill>
         <p:spPr>
           <a:xfrm>
-            <a:off x="7136125" y="1270169"/>
-            <a:ext cx="4385982" cy="4368630"/>
+            <a:off x="3058562" y="4257837"/>
+            <a:ext cx="6114656" cy="2190001"/>
           </a:xfrm>
           <a:prstGeom prst="rect">
             <a:avLst/>
@@ -10035,7 +8852,7 @@
     </p:spTree>
     <p:extLst>
       <p:ext uri="{BB962C8B-B14F-4D97-AF65-F5344CB8AC3E}">
-        <p14:creationId xmlns:p14="http://schemas.microsoft.com/office/powerpoint/2010/main" val="1997387650"/>
+        <p14:creationId xmlns:p14="http://schemas.microsoft.com/office/powerpoint/2010/main" val="3539431397"/>
       </p:ext>
     </p:extLst>
   </p:cSld>
@@ -10085,14 +8902,12 @@
           </a:xfrm>
         </p:spPr>
         <p:txBody>
-          <a:bodyPr>
-            <a:normAutofit/>
-          </a:bodyPr>
+          <a:bodyPr/>
           <a:lstStyle/>
           <a:p>
             <a:r>
               <a:rPr lang="en-GB" dirty="0"/>
-              <a:t>Generating building shapes</a:t>
+              <a:t>Natural water boundaries from terrain</a:t>
             </a:r>
           </a:p>
         </p:txBody>
@@ -10113,8 +8928,8 @@
         </p:nvSpPr>
         <p:spPr>
           <a:xfrm>
-            <a:off x="879231" y="5324475"/>
-            <a:ext cx="11025776" cy="1409700"/>
+            <a:off x="879231" y="4916130"/>
+            <a:ext cx="11025776" cy="1818046"/>
           </a:xfrm>
           <a:prstGeom prst="rect">
             <a:avLst/>
@@ -10326,35 +9141,37 @@
             </a:pPr>
             <a:r>
               <a:rPr lang="en-GB" sz="1000" dirty="0" err="1"/>
-              <a:t>Greuter</a:t>
-            </a:r>
-            <a:r>
-              <a:rPr lang="en-GB" sz="1000" dirty="0"/>
-              <a:t>, S. Parker, J. Stewart, N. Leach, G. (2003). “Real-time procedural generation of ‘pseudo infinite’ cities”. In *Proceedings of the 1st international conference on Computer graphics and interactive techniques in </a:t>
+              <a:t>Ilangovan</a:t>
+            </a:r>
+            <a:r>
+              <a:rPr lang="en-GB" sz="1000" dirty="0"/>
+              <a:t>, K, P. (2009) Procedural City </a:t>
             </a:r>
             <a:r>
               <a:rPr lang="en-GB" sz="1000" dirty="0" err="1"/>
-              <a:t>Astralasia</a:t>
-            </a:r>
-            <a:r>
-              <a:rPr lang="en-GB" sz="1000" dirty="0"/>
-              <a:t> and South East Asia* (GRAPHITE ’03) </a:t>
+              <a:t>Generaror</a:t>
+            </a:r>
+            <a:r>
+              <a:rPr lang="en-GB" sz="1000" dirty="0"/>
+              <a:t>, MSc </a:t>
             </a:r>
             <a:r>
               <a:rPr lang="en-GB" sz="1000" dirty="0" err="1"/>
-              <a:t>Acm</a:t>
-            </a:r>
-            <a:r>
-              <a:rPr lang="en-GB" sz="1000" dirty="0"/>
-              <a:t>, New York, </a:t>
-            </a:r>
-            <a:r>
-              <a:rPr lang="en-GB" sz="1000" dirty="0" err="1"/>
-              <a:t>Ny</a:t>
-            </a:r>
-            <a:r>
-              <a:rPr lang="en-GB" sz="1000" dirty="0"/>
-              <a:t>, USA, 87 – ff.</a:t>
+              <a:t>thesus</a:t>
+            </a:r>
+            <a:r>
+              <a:rPr lang="en-GB" sz="1000" dirty="0"/>
+              <a:t>, Bournemouth University. Available at: </a:t>
+            </a:r>
+            <a:r>
+              <a:rPr lang="en-GB" sz="1000" dirty="0">
+                <a:hlinkClick r:id="rId2"/>
+              </a:rPr>
+              <a:t>https://nccastaff.bournemouth.ac.uk/jmacey/MastersProjects/MSc09/Ilangovan/Thesis_i7834000.pdf</a:t>
+            </a:r>
+            <a:r>
+              <a:rPr lang="en-GB" sz="1000" dirty="0"/>
+              <a:t> (Accessed: 30 May 2017).</a:t>
             </a:r>
           </a:p>
           <a:p>
@@ -10363,23 +9180,15 @@
             </a:pPr>
             <a:r>
               <a:rPr lang="en-GB" sz="1000" dirty="0"/>
-              <a:t>Muller, P and Parish, Y, I, H. (2001). “Procedural </a:t>
-            </a:r>
-            <a:r>
-              <a:rPr lang="en-GB" sz="1000" dirty="0" err="1"/>
-              <a:t>modeling</a:t>
-            </a:r>
-            <a:r>
-              <a:rPr lang="en-GB" sz="1000" dirty="0"/>
-              <a:t> of cities”. In Proceedings of the 28th annual conference on Computer graphics and interactive techniques (SIGGRAPH ’01). </a:t>
-            </a:r>
-            <a:r>
-              <a:rPr lang="en-GB" sz="1000" dirty="0" err="1"/>
-              <a:t>Acm</a:t>
-            </a:r>
-            <a:r>
-              <a:rPr lang="en-GB" sz="1000" dirty="0"/>
-              <a:t>, New York, NY, USA. 301 – 308.</a:t>
+              <a:t>Kelly, G. McCabe, H. (2006). “A Survey of Procedural Techniques for City Generation”. In </a:t>
+            </a:r>
+            <a:r>
+              <a:rPr lang="en-GB" sz="1000" i="1" dirty="0"/>
+              <a:t>ITB Journal, No. 14</a:t>
+            </a:r>
+            <a:r>
+              <a:rPr lang="en-GB" sz="1000" dirty="0"/>
+              <a:t>.</a:t>
             </a:r>
           </a:p>
           <a:p>
@@ -10388,15 +9197,7 @@
             </a:pPr>
             <a:r>
               <a:rPr lang="en-GB" sz="1000" dirty="0"/>
-              <a:t>Muller, P. Wonka, P. </a:t>
-            </a:r>
-            <a:r>
-              <a:rPr lang="en-GB" sz="1000" dirty="0" err="1"/>
-              <a:t>Haegler</a:t>
-            </a:r>
-            <a:r>
-              <a:rPr lang="en-GB" sz="1000" dirty="0"/>
-              <a:t>, S. Ulmer, A. Goo, L, V. (2006). “Procedural </a:t>
+              <a:t>Muller, P and Parish, Y, I, H. (2001). “Procedural </a:t>
             </a:r>
             <a:r>
               <a:rPr lang="en-GB" sz="1000" dirty="0" err="1"/>
@@ -10404,7 +9205,7 @@
             </a:r>
             <a:r>
               <a:rPr lang="en-GB" sz="1000" dirty="0"/>
-              <a:t> of buildings” In Proceedings of SIGGRAPH 06′ ACM SIGGRAPH 2006. </a:t>
+              <a:t> of cities”. In Proceedings of the 28th annual conference on Computer graphics and interactive techniques (SIGGRAPH ’01). </a:t>
             </a:r>
             <a:r>
               <a:rPr lang="en-GB" sz="1000" dirty="0" err="1"/>
@@ -10412,7 +9213,7 @@
             </a:r>
             <a:r>
               <a:rPr lang="en-GB" sz="1000" dirty="0"/>
-              <a:t>, New York, NY, USA. 614 – 623.</a:t>
+              <a:t>, New York, NY, USA. 301 – 308.</a:t>
             </a:r>
           </a:p>
           <a:p>
@@ -10420,6 +9221,39 @@
               <a:buNone/>
             </a:pPr>
             <a:r>
+              <a:rPr lang="en-GB" sz="1000" dirty="0"/>
+              <a:t>Sun, J. Yu, X. </a:t>
+            </a:r>
+            <a:r>
+              <a:rPr lang="en-GB" sz="1000" dirty="0" err="1"/>
+              <a:t>Baciu</a:t>
+            </a:r>
+            <a:r>
+              <a:rPr lang="en-GB" sz="1000" dirty="0"/>
+              <a:t>, G. Green, M. (2002). “Template-based generation of road networks for virtual city </a:t>
+            </a:r>
+            <a:r>
+              <a:rPr lang="en-GB" sz="1000" dirty="0" err="1"/>
+              <a:t>modeling</a:t>
+            </a:r>
+            <a:r>
+              <a:rPr lang="en-GB" sz="1000" dirty="0"/>
+              <a:t>”. In Proceedings of the ACM symposium on Virtual reality software and technology (VRST ’02). </a:t>
+            </a:r>
+            <a:r>
+              <a:rPr lang="en-GB" sz="1000" dirty="0" err="1"/>
+              <a:t>Acm</a:t>
+            </a:r>
+            <a:r>
+              <a:rPr lang="en-GB" sz="1000" dirty="0"/>
+              <a:t>, New Work, NY, USA, 33 – 40.</a:t>
+            </a:r>
+          </a:p>
+          <a:p>
+            <a:pPr marL="0" indent="0" fontAlgn="base">
+              <a:buNone/>
+            </a:pPr>
+            <a:r>
               <a:rPr lang="en-GB" sz="1000" dirty="0" err="1"/>
               <a:t>Smelik</a:t>
             </a:r>
@@ -10441,17 +9275,25 @@
             </a:r>
             <a:r>
               <a:rPr lang="en-GB" sz="1000" dirty="0"/>
-              <a:t>, R. and Benes, B. (2014). A survey on Procedural Modelling for Virtual Worlds. *Computer Graphics Forum*, 33(6), pp.31-50.</a:t>
+              <a:t>, R. and Benes, B. (2014). A survey on Procedural Modelling for Virtual Worlds. </a:t>
+            </a:r>
+            <a:r>
+              <a:rPr lang="en-GB" sz="1000" i="1" dirty="0"/>
+              <a:t>Computer Graphics Forum</a:t>
+            </a:r>
+            <a:r>
+              <a:rPr lang="en-GB" sz="1000" dirty="0"/>
+              <a:t>, 33(6), pp.31-50.</a:t>
             </a:r>
           </a:p>
         </p:txBody>
       </p:sp>
       <p:sp>
         <p:nvSpPr>
-          <p:cNvPr id="7" name="Content Placeholder 2">
+          <p:cNvPr id="8" name="Content Placeholder 2">
             <a:extLst>
               <a:ext uri="{FF2B5EF4-FFF2-40B4-BE49-F238E27FC236}">
-                <a16:creationId xmlns:a16="http://schemas.microsoft.com/office/drawing/2014/main" id="{96EA448B-7232-4FD9-8DF6-3D8BAFC8EFAE}"/>
+                <a16:creationId xmlns:a16="http://schemas.microsoft.com/office/drawing/2014/main" id="{A881E077-D9A8-4B41-A583-509E39158977}"/>
               </a:ext>
             </a:extLst>
           </p:cNvPr>
@@ -10462,8 +9304,8 @@
         </p:nvSpPr>
         <p:spPr>
           <a:xfrm>
-            <a:off x="879231" y="1274884"/>
-            <a:ext cx="5873994" cy="3944815"/>
+            <a:off x="879231" y="1274885"/>
+            <a:ext cx="4588119" cy="3567233"/>
           </a:xfrm>
           <a:prstGeom prst="rect">
             <a:avLst/>
@@ -10672,24 +9514,7 @@
           <a:p>
             <a:r>
               <a:rPr lang="en-GB" dirty="0"/>
-              <a:t>“Floor plans are two-dimensional polygons. Each floor plan consists of randomly selected and merged regular polygons and rectangles.” (</a:t>
-            </a:r>
-            <a:r>
-              <a:rPr lang="en-GB" dirty="0" err="1"/>
-              <a:t>Greuter</a:t>
-            </a:r>
-            <a:r>
-              <a:rPr lang="en-GB" dirty="0"/>
-              <a:t> S. et al., 2003).</a:t>
-            </a:r>
-          </a:p>
-          <a:p>
-            <a:endParaRPr lang="en-GB" dirty="0"/>
-          </a:p>
-          <a:p>
-            <a:r>
-              <a:rPr lang="en-GB" dirty="0"/>
-              <a:t>“Combining several primitive shapes into a floor plan and extruding these to different heights” (</a:t>
+              <a:t>Height maps can be searched after generation to search for potential streams in which rivers can be generated. (</a:t>
             </a:r>
             <a:r>
               <a:rPr lang="en-GB" dirty="0" err="1"/>
@@ -10697,33 +9522,23 @@
             </a:r>
             <a:r>
               <a:rPr lang="en-GB" dirty="0"/>
-              <a:t> R, </a:t>
-            </a:r>
-            <a:r>
-              <a:rPr lang="en-GB" dirty="0" err="1"/>
-              <a:t>Tutenel</a:t>
-            </a:r>
-            <a:r>
-              <a:rPr lang="en-GB" dirty="0"/>
-              <a:t> T, </a:t>
-            </a:r>
-            <a:r>
-              <a:rPr lang="en-GB" dirty="0" err="1"/>
-              <a:t>Bidarra</a:t>
-            </a:r>
-            <a:r>
-              <a:rPr lang="en-GB" dirty="0"/>
-              <a:t> R, Benes B, 2014).</a:t>
-            </a:r>
+              <a:t>, R Et al., 2014).</a:t>
+            </a:r>
+          </a:p>
+          <a:p>
+            <a:pPr marL="0" indent="0">
+              <a:buNone/>
+            </a:pPr>
+            <a:endParaRPr lang="en-GB" dirty="0"/>
           </a:p>
         </p:txBody>
       </p:sp>
       <p:pic>
         <p:nvPicPr>
-          <p:cNvPr id="9" name="Picture 8">
+          <p:cNvPr id="5" name="Picture 4">
             <a:extLst>
               <a:ext uri="{FF2B5EF4-FFF2-40B4-BE49-F238E27FC236}">
-                <a16:creationId xmlns:a16="http://schemas.microsoft.com/office/drawing/2014/main" id="{6F867BA4-82BF-46F4-B15A-0865D25399C0}"/>
+                <a16:creationId xmlns:a16="http://schemas.microsoft.com/office/drawing/2014/main" id="{1CB1EC92-C90C-4740-8D57-59F28A7AA7D4}"/>
               </a:ext>
             </a:extLst>
           </p:cNvPr>
@@ -10740,13 +9555,13 @@
               </a:ext>
             </a:extLst>
           </a:blip>
-          <a:srcRect l="8771" t="18050" r="26895" b="25567"/>
+          <a:srcRect t="5605"/>
           <a:stretch/>
         </p:blipFill>
         <p:spPr>
           <a:xfrm>
-            <a:off x="7343153" y="1402745"/>
-            <a:ext cx="3971925" cy="3689094"/>
+            <a:off x="6936394" y="1262654"/>
+            <a:ext cx="3499569" cy="3496211"/>
           </a:xfrm>
           <a:prstGeom prst="rect">
             <a:avLst/>
@@ -10756,7 +9571,7 @@
     </p:spTree>
     <p:extLst>
       <p:ext uri="{BB962C8B-B14F-4D97-AF65-F5344CB8AC3E}">
-        <p14:creationId xmlns:p14="http://schemas.microsoft.com/office/powerpoint/2010/main" val="428707242"/>
+        <p14:creationId xmlns:p14="http://schemas.microsoft.com/office/powerpoint/2010/main" val="987802538"/>
       </p:ext>
     </p:extLst>
   </p:cSld>
@@ -10813,7 +9628,7 @@
           <a:p>
             <a:r>
               <a:rPr lang="en-GB" dirty="0"/>
-              <a:t>Future goals</a:t>
+              <a:t>Road network improvements</a:t>
             </a:r>
           </a:p>
         </p:txBody>
@@ -10834,8 +9649,8 @@
         </p:nvSpPr>
         <p:spPr>
           <a:xfrm>
-            <a:off x="879231" y="6238875"/>
-            <a:ext cx="11025776" cy="495299"/>
+            <a:off x="879231" y="5353050"/>
+            <a:ext cx="11025776" cy="1381125"/>
           </a:xfrm>
           <a:prstGeom prst="rect">
             <a:avLst/>
@@ -11045,7 +9860,86 @@
             <a:pPr marL="0" indent="0" fontAlgn="base">
               <a:buNone/>
             </a:pPr>
+            <a:r>
+              <a:rPr lang="en-GB" sz="1000" dirty="0"/>
+              <a:t>Kelly, G. McCabe, H. (2006). “A Survey of Procedural Techniques for City Generation”. In </a:t>
+            </a:r>
+            <a:r>
+              <a:rPr lang="en-GB" sz="1000" i="1" dirty="0"/>
+              <a:t>ITB Journal, No. 14</a:t>
+            </a:r>
             <a:endParaRPr lang="en-GB" sz="1000" dirty="0"/>
+          </a:p>
+          <a:p>
+            <a:pPr marL="0" indent="0" fontAlgn="base">
+              <a:buNone/>
+            </a:pPr>
+            <a:r>
+              <a:rPr lang="en-GB" sz="1000" dirty="0" err="1"/>
+              <a:t>Martek</a:t>
+            </a:r>
+            <a:r>
+              <a:rPr lang="en-GB" sz="1000" dirty="0"/>
+              <a:t>, C. (2012). “Procedural generation of road networks for large virtual environments.” Rochester Institute of Technology.</a:t>
+            </a:r>
+          </a:p>
+          <a:p>
+            <a:pPr marL="0" indent="0" fontAlgn="base">
+              <a:buNone/>
+            </a:pPr>
+            <a:r>
+              <a:rPr lang="en-GB" sz="1000" dirty="0"/>
+              <a:t>Muller, P and Parish, Y, I, H. (2001). “Procedural </a:t>
+            </a:r>
+            <a:r>
+              <a:rPr lang="en-GB" sz="1000" dirty="0" err="1"/>
+              <a:t>modeling</a:t>
+            </a:r>
+            <a:r>
+              <a:rPr lang="en-GB" sz="1000" dirty="0"/>
+              <a:t> of cities”. In Proceedings of the 28th annual conference on Computer graphics and interactive techniques (SIGGRAPH ’01). </a:t>
+            </a:r>
+            <a:r>
+              <a:rPr lang="en-GB" sz="1000" dirty="0" err="1"/>
+              <a:t>Acm</a:t>
+            </a:r>
+            <a:r>
+              <a:rPr lang="en-GB" sz="1000" dirty="0"/>
+              <a:t>, New York, NY, USA. 301 – 308.</a:t>
+            </a:r>
+          </a:p>
+          <a:p>
+            <a:pPr marL="0" indent="0" fontAlgn="base">
+              <a:buNone/>
+            </a:pPr>
+            <a:r>
+              <a:rPr lang="en-GB" sz="1000" dirty="0"/>
+              <a:t>Sun, J. Yu, X. </a:t>
+            </a:r>
+            <a:r>
+              <a:rPr lang="en-GB" sz="1000" dirty="0" err="1"/>
+              <a:t>Baciu</a:t>
+            </a:r>
+            <a:r>
+              <a:rPr lang="en-GB" sz="1000" dirty="0"/>
+              <a:t>, G. Green, M. (2002). “Template-based generation of road networks for virtual city </a:t>
+            </a:r>
+            <a:r>
+              <a:rPr lang="en-GB" sz="1000" dirty="0" err="1"/>
+              <a:t>modeling</a:t>
+            </a:r>
+            <a:r>
+              <a:rPr lang="en-GB" sz="1000" dirty="0"/>
+              <a:t>”. In Proceedings of the ACM symposium on Virtual reality software and technology (VRST ’02). </a:t>
+            </a:r>
+            <a:r>
+              <a:rPr lang="en-GB" sz="1000" dirty="0" err="1"/>
+              <a:t>Acm</a:t>
+            </a:r>
+            <a:r>
+              <a:rPr lang="en-GB" sz="1000" dirty="0"/>
+              <a:t>, New Work, NY, USA, 33 – 40.</a:t>
+            </a:r>
           </a:p>
         </p:txBody>
       </p:sp>
@@ -11054,7 +9948,7 @@
           <p:cNvPr id="7" name="Content Placeholder 2">
             <a:extLst>
               <a:ext uri="{FF2B5EF4-FFF2-40B4-BE49-F238E27FC236}">
-                <a16:creationId xmlns:a16="http://schemas.microsoft.com/office/drawing/2014/main" id="{96EA448B-7232-4FD9-8DF6-3D8BAFC8EFAE}"/>
+                <a16:creationId xmlns:a16="http://schemas.microsoft.com/office/drawing/2014/main" id="{677DC107-6E4D-45D9-B8CD-8FB83DE26374}"/>
               </a:ext>
             </a:extLst>
           </p:cNvPr>
@@ -11066,7 +9960,7 @@
         <p:spPr>
           <a:xfrm>
             <a:off x="879231" y="1274884"/>
-            <a:ext cx="5873994" cy="4783016"/>
+            <a:ext cx="5873994" cy="3982915"/>
           </a:xfrm>
           <a:prstGeom prst="rect">
             <a:avLst/>
@@ -11275,93 +10169,67 @@
           <a:p>
             <a:r>
               <a:rPr lang="en-GB" dirty="0"/>
-              <a:t>Unity Library</a:t>
-            </a:r>
-          </a:p>
-          <a:p>
-            <a:pPr lvl="1"/>
+              <a:t>Highways connect areas of high population whilst streets cover the area between highways, creating </a:t>
+            </a:r>
+            <a:r>
+              <a:rPr lang="en-GB" dirty="0" err="1"/>
+              <a:t>neighborhoods</a:t>
+            </a:r>
             <a:r>
               <a:rPr lang="en-GB" dirty="0"/>
-              <a:t>Terrain generation</a:t>
-            </a:r>
-          </a:p>
-          <a:p>
-            <a:pPr lvl="3"/>
+              <a:t> and offering access to the main highways. (Muller P and Parish Y I H, 2001).</a:t>
+            </a:r>
+          </a:p>
+          <a:p>
+            <a:endParaRPr lang="en-GB" dirty="0"/>
+          </a:p>
+          <a:p>
             <a:r>
               <a:rPr lang="en-GB" dirty="0"/>
-              <a:t>Land</a:t>
-            </a:r>
-          </a:p>
-          <a:p>
-            <a:pPr lvl="3"/>
-            <a:r>
-              <a:rPr lang="en-GB" dirty="0"/>
-              <a:t>Water</a:t>
-            </a:r>
-          </a:p>
-          <a:p>
-            <a:pPr lvl="1"/>
-            <a:endParaRPr lang="en-GB" dirty="0"/>
-          </a:p>
-          <a:p>
-            <a:pPr lvl="1"/>
-            <a:r>
-              <a:rPr lang="en-GB" dirty="0"/>
-              <a:t>Roads plotted</a:t>
-            </a:r>
-          </a:p>
-          <a:p>
-            <a:pPr lvl="3"/>
-            <a:r>
-              <a:rPr lang="en-GB" dirty="0"/>
-              <a:t>Major roads</a:t>
-            </a:r>
-          </a:p>
-          <a:p>
-            <a:pPr lvl="3"/>
-            <a:r>
-              <a:rPr lang="en-GB" dirty="0"/>
-              <a:t>Minor roads</a:t>
-            </a:r>
-          </a:p>
-          <a:p>
-            <a:pPr lvl="3"/>
-            <a:r>
-              <a:rPr lang="en-GB" dirty="0"/>
-              <a:t>Bridges</a:t>
-            </a:r>
-          </a:p>
-          <a:p>
-            <a:pPr lvl="1"/>
-            <a:endParaRPr lang="en-GB" dirty="0"/>
-          </a:p>
-          <a:p>
-            <a:pPr lvl="1"/>
-            <a:r>
-              <a:rPr lang="en-GB" dirty="0"/>
-              <a:t>Buildings placed</a:t>
-            </a:r>
-          </a:p>
-          <a:p>
-            <a:pPr lvl="3"/>
-            <a:r>
-              <a:rPr lang="en-GB" dirty="0"/>
-              <a:t>Building lot placement</a:t>
-            </a:r>
-          </a:p>
-          <a:p>
-            <a:pPr lvl="3"/>
-            <a:r>
-              <a:rPr lang="en-GB" dirty="0"/>
-              <a:t>Building mesh generation</a:t>
+              <a:t>“Highways are like main arteries in a body while streets like capillary vessels”. (Sun, J Et al. 2002).</a:t>
             </a:r>
           </a:p>
         </p:txBody>
       </p:sp>
+      <p:pic>
+        <p:nvPicPr>
+          <p:cNvPr id="9" name="Picture 8">
+            <a:extLst>
+              <a:ext uri="{FF2B5EF4-FFF2-40B4-BE49-F238E27FC236}">
+                <a16:creationId xmlns:a16="http://schemas.microsoft.com/office/drawing/2014/main" id="{E8379413-37A0-4A14-BB9F-2A132C750A1C}"/>
+              </a:ext>
+            </a:extLst>
+          </p:cNvPr>
+          <p:cNvPicPr>
+            <a:picLocks noChangeAspect="1"/>
+          </p:cNvPicPr>
+          <p:nvPr/>
+        </p:nvPicPr>
+        <p:blipFill rotWithShape="1">
+          <a:blip r:embed="rId2">
+            <a:extLst>
+              <a:ext uri="{28A0092B-C50C-407E-A947-70E740481C1C}">
+                <a14:useLocalDpi xmlns:a14="http://schemas.microsoft.com/office/drawing/2010/main" val="0"/>
+              </a:ext>
+            </a:extLst>
+          </a:blip>
+          <a:srcRect t="6084"/>
+          <a:stretch/>
+        </p:blipFill>
+        <p:spPr>
+          <a:xfrm>
+            <a:off x="7346438" y="1274884"/>
+            <a:ext cx="3965356" cy="3941466"/>
+          </a:xfrm>
+          <a:prstGeom prst="rect">
+            <a:avLst/>
+          </a:prstGeom>
+        </p:spPr>
+      </p:pic>
     </p:spTree>
     <p:extLst>
       <p:ext uri="{BB962C8B-B14F-4D97-AF65-F5344CB8AC3E}">
-        <p14:creationId xmlns:p14="http://schemas.microsoft.com/office/powerpoint/2010/main" val="3782984761"/>
+        <p14:creationId xmlns:p14="http://schemas.microsoft.com/office/powerpoint/2010/main" val="1106566841"/>
       </p:ext>
     </p:extLst>
   </p:cSld>
@@ -11453,88 +10321,62 @@
         </p:spPr>
         <p:txBody>
           <a:bodyPr vert="horz" lIns="91440" tIns="45720" rIns="91440" bIns="45720" rtlCol="0">
-            <a:normAutofit fontScale="77500" lnSpcReduction="20000"/>
+            <a:normAutofit fontScale="85000" lnSpcReduction="20000"/>
           </a:bodyPr>
           <a:lstStyle/>
           <a:p>
+            <a:pPr marL="0" indent="0">
+              <a:buNone/>
+            </a:pPr>
+            <a:r>
+              <a:rPr lang="en-GB" sz="2100" dirty="0"/>
+              <a:t>An investigation into techniques for procedurally generating realistic cities.</a:t>
+            </a:r>
+          </a:p>
+          <a:p>
+            <a:endParaRPr lang="en-GB" sz="1800" dirty="0"/>
+          </a:p>
+          <a:p>
             <a:r>
               <a:rPr lang="en-GB" sz="1800" dirty="0"/>
-              <a:t>An investigation into techniques for procedurally generating realistic cities.</a:t>
-            </a:r>
+              <a:t>Road Generation</a:t>
+            </a:r>
+          </a:p>
+          <a:p>
+            <a:endParaRPr lang="en-GB" sz="1800" dirty="0"/>
           </a:p>
           <a:p>
             <a:r>
               <a:rPr lang="en-GB" sz="1800" dirty="0"/>
-              <a:t>Roads:</a:t>
-            </a:r>
-          </a:p>
-          <a:p>
-            <a:pPr lvl="1">
-              <a:lnSpc>
-                <a:spcPct val="100000"/>
-              </a:lnSpc>
-            </a:pPr>
+              <a:t>Data Generation</a:t>
+            </a:r>
+          </a:p>
+          <a:p>
+            <a:pPr lvl="1"/>
             <a:r>
               <a:rPr lang="en-GB" sz="1800" dirty="0"/>
-              <a:t>Template based generation</a:t>
-            </a:r>
-          </a:p>
-          <a:p>
-            <a:pPr lvl="1">
-              <a:lnSpc>
-                <a:spcPct val="100000"/>
-              </a:lnSpc>
-            </a:pPr>
+              <a:t>Population</a:t>
+            </a:r>
+          </a:p>
+          <a:p>
+            <a:pPr lvl="1"/>
             <a:r>
               <a:rPr lang="en-GB" sz="1800" dirty="0"/>
-              <a:t>L-systems</a:t>
-            </a:r>
+              <a:t>Terrain</a:t>
+            </a:r>
+          </a:p>
+          <a:p>
+            <a:pPr lvl="1"/>
+            <a:endParaRPr lang="en-GB" sz="1800" dirty="0"/>
           </a:p>
           <a:p>
             <a:r>
               <a:rPr lang="en-GB" sz="1800" dirty="0"/>
-              <a:t>Population:</a:t>
-            </a:r>
-          </a:p>
-          <a:p>
-            <a:pPr lvl="1"/>
-            <a:r>
-              <a:rPr lang="en-GB" sz="1800" dirty="0"/>
-              <a:t>Noise</a:t>
-            </a:r>
-          </a:p>
-          <a:p>
-            <a:r>
-              <a:rPr lang="en-GB" sz="1800" dirty="0"/>
-              <a:t>Terrain:</a:t>
-            </a:r>
-          </a:p>
-          <a:p>
-            <a:pPr lvl="1"/>
-            <a:r>
-              <a:rPr lang="en-GB" sz="1800" dirty="0"/>
-              <a:t>Fractal</a:t>
-            </a:r>
-          </a:p>
-          <a:p>
-            <a:r>
-              <a:rPr lang="en-GB" sz="1800" dirty="0"/>
-              <a:t>Buildings:</a:t>
-            </a:r>
-          </a:p>
-          <a:p>
-            <a:pPr lvl="1"/>
-            <a:r>
-              <a:rPr lang="en-GB" sz="1800" dirty="0"/>
-              <a:t>L-systems</a:t>
-            </a:r>
-          </a:p>
-          <a:p>
-            <a:pPr lvl="1"/>
-            <a:r>
-              <a:rPr lang="en-GB" sz="1800" dirty="0"/>
-              <a:t>Shape grammars</a:t>
-            </a:r>
+              <a:t>Building generation</a:t>
+            </a:r>
+          </a:p>
+          <a:p>
+            <a:endParaRPr lang="en-GB" sz="1800" dirty="0"/>
           </a:p>
           <a:p>
             <a:r>
@@ -11555,6 +10397,9 @@
               <a:rPr lang="en-GB" sz="1800" dirty="0"/>
               <a:t>Unity library</a:t>
             </a:r>
+          </a:p>
+          <a:p>
+            <a:endParaRPr lang="en-GB" sz="1800" dirty="0"/>
           </a:p>
         </p:txBody>
       </p:sp>
@@ -12002,6 +10847,1850 @@
           <p:cNvPr id="2" name="Title 1">
             <a:extLst>
               <a:ext uri="{FF2B5EF4-FFF2-40B4-BE49-F238E27FC236}">
+                <a16:creationId xmlns:a16="http://schemas.microsoft.com/office/drawing/2014/main" id="{750ADED0-C0EC-46CC-B4D1-770A80CB767A}"/>
+              </a:ext>
+            </a:extLst>
+          </p:cNvPr>
+          <p:cNvSpPr>
+            <a:spLocks noGrp="1"/>
+          </p:cNvSpPr>
+          <p:nvPr>
+            <p:ph type="title"/>
+          </p:nvPr>
+        </p:nvSpPr>
+        <p:spPr>
+          <a:xfrm>
+            <a:off x="879231" y="281354"/>
+            <a:ext cx="11025776" cy="993531"/>
+          </a:xfrm>
+        </p:spPr>
+        <p:txBody>
+          <a:bodyPr>
+            <a:normAutofit/>
+          </a:bodyPr>
+          <a:lstStyle/>
+          <a:p>
+            <a:r>
+              <a:rPr lang="en-GB" dirty="0"/>
+              <a:t>Building lot generation</a:t>
+            </a:r>
+          </a:p>
+        </p:txBody>
+      </p:sp>
+      <p:sp>
+        <p:nvSpPr>
+          <p:cNvPr id="4" name="Content Placeholder 2">
+            <a:extLst>
+              <a:ext uri="{FF2B5EF4-FFF2-40B4-BE49-F238E27FC236}">
+                <a16:creationId xmlns:a16="http://schemas.microsoft.com/office/drawing/2014/main" id="{C44F06C3-D088-4921-80FA-6A04C96C2CC4}"/>
+              </a:ext>
+            </a:extLst>
+          </p:cNvPr>
+          <p:cNvSpPr txBox="1">
+            <a:spLocks/>
+          </p:cNvSpPr>
+          <p:nvPr/>
+        </p:nvSpPr>
+        <p:spPr>
+          <a:xfrm>
+            <a:off x="879231" y="5762625"/>
+            <a:ext cx="11025776" cy="971550"/>
+          </a:xfrm>
+          <a:prstGeom prst="rect">
+            <a:avLst/>
+          </a:prstGeom>
+          <a:ln>
+            <a:solidFill>
+              <a:schemeClr val="tx1"/>
+            </a:solidFill>
+          </a:ln>
+        </p:spPr>
+        <p:txBody>
+          <a:bodyPr vert="horz" lIns="91440" tIns="45720" rIns="91440" bIns="45720" rtlCol="0">
+            <a:noAutofit/>
+          </a:bodyPr>
+          <a:lstStyle>
+            <a:lvl1pPr marL="384048" indent="-384048" algn="l" defTabSz="914400" rtl="0" eaLnBrk="1" latinLnBrk="0" hangingPunct="1">
+              <a:lnSpc>
+                <a:spcPct val="94000"/>
+              </a:lnSpc>
+              <a:spcBef>
+                <a:spcPts val="1000"/>
+              </a:spcBef>
+              <a:spcAft>
+                <a:spcPts val="200"/>
+              </a:spcAft>
+              <a:buFont typeface="Franklin Gothic Book" panose="020B0503020102020204" pitchFamily="34" charset="0"/>
+              <a:buChar char="■"/>
+              <a:defRPr sz="2000" kern="1200" baseline="0">
+                <a:solidFill>
+                  <a:schemeClr val="tx2"/>
+                </a:solidFill>
+                <a:latin typeface="+mn-lt"/>
+                <a:ea typeface="+mn-ea"/>
+                <a:cs typeface="+mn-cs"/>
+              </a:defRPr>
+            </a:lvl1pPr>
+            <a:lvl2pPr marL="914400" indent="-384048" algn="l" defTabSz="914400" rtl="0" eaLnBrk="1" latinLnBrk="0" hangingPunct="1">
+              <a:lnSpc>
+                <a:spcPct val="94000"/>
+              </a:lnSpc>
+              <a:spcBef>
+                <a:spcPts val="500"/>
+              </a:spcBef>
+              <a:spcAft>
+                <a:spcPts val="200"/>
+              </a:spcAft>
+              <a:buFont typeface="Franklin Gothic Book" panose="020B0503020102020204" pitchFamily="34" charset="0"/>
+              <a:buChar char="–"/>
+              <a:defRPr sz="2000" i="1" kern="1200" baseline="0">
+                <a:solidFill>
+                  <a:schemeClr val="tx2"/>
+                </a:solidFill>
+                <a:latin typeface="+mn-lt"/>
+                <a:ea typeface="+mn-ea"/>
+                <a:cs typeface="+mn-cs"/>
+              </a:defRPr>
+            </a:lvl2pPr>
+            <a:lvl3pPr marL="1371600" indent="-384048" algn="l" defTabSz="914400" rtl="0" eaLnBrk="1" latinLnBrk="0" hangingPunct="1">
+              <a:lnSpc>
+                <a:spcPct val="94000"/>
+              </a:lnSpc>
+              <a:spcBef>
+                <a:spcPts val="500"/>
+              </a:spcBef>
+              <a:spcAft>
+                <a:spcPts val="200"/>
+              </a:spcAft>
+              <a:buFont typeface="Franklin Gothic Book" panose="020B0503020102020204" pitchFamily="34" charset="0"/>
+              <a:buChar char="■"/>
+              <a:defRPr sz="1800" kern="1200" baseline="0">
+                <a:solidFill>
+                  <a:schemeClr val="tx2"/>
+                </a:solidFill>
+                <a:latin typeface="+mn-lt"/>
+                <a:ea typeface="+mn-ea"/>
+                <a:cs typeface="+mn-cs"/>
+              </a:defRPr>
+            </a:lvl3pPr>
+            <a:lvl4pPr marL="1828800" indent="-384048" algn="l" defTabSz="914400" rtl="0" eaLnBrk="1" latinLnBrk="0" hangingPunct="1">
+              <a:lnSpc>
+                <a:spcPct val="94000"/>
+              </a:lnSpc>
+              <a:spcBef>
+                <a:spcPts val="500"/>
+              </a:spcBef>
+              <a:spcAft>
+                <a:spcPts val="200"/>
+              </a:spcAft>
+              <a:buFont typeface="Franklin Gothic Book" panose="020B0503020102020204" pitchFamily="34" charset="0"/>
+              <a:buChar char="–"/>
+              <a:defRPr sz="1800" i="1" kern="1200" baseline="0">
+                <a:solidFill>
+                  <a:schemeClr val="tx2"/>
+                </a:solidFill>
+                <a:latin typeface="+mn-lt"/>
+                <a:ea typeface="+mn-ea"/>
+                <a:cs typeface="+mn-cs"/>
+              </a:defRPr>
+            </a:lvl4pPr>
+            <a:lvl5pPr marL="2286000" indent="-384048" algn="l" defTabSz="914400" rtl="0" eaLnBrk="1" latinLnBrk="0" hangingPunct="1">
+              <a:lnSpc>
+                <a:spcPct val="94000"/>
+              </a:lnSpc>
+              <a:spcBef>
+                <a:spcPts val="500"/>
+              </a:spcBef>
+              <a:spcAft>
+                <a:spcPts val="200"/>
+              </a:spcAft>
+              <a:buFont typeface="Franklin Gothic Book" panose="020B0503020102020204" pitchFamily="34" charset="0"/>
+              <a:buChar char="■"/>
+              <a:defRPr sz="1600" kern="1200" baseline="0">
+                <a:solidFill>
+                  <a:schemeClr val="tx2"/>
+                </a:solidFill>
+                <a:latin typeface="+mn-lt"/>
+                <a:ea typeface="+mn-ea"/>
+                <a:cs typeface="+mn-cs"/>
+              </a:defRPr>
+            </a:lvl5pPr>
+            <a:lvl6pPr marL="2743200" indent="-384048" algn="l" defTabSz="914400" rtl="0" eaLnBrk="1" latinLnBrk="0" hangingPunct="1">
+              <a:lnSpc>
+                <a:spcPct val="94000"/>
+              </a:lnSpc>
+              <a:spcBef>
+                <a:spcPts val="500"/>
+              </a:spcBef>
+              <a:spcAft>
+                <a:spcPts val="200"/>
+              </a:spcAft>
+              <a:buFont typeface="Franklin Gothic Book" panose="020B0503020102020204" pitchFamily="34" charset="0"/>
+              <a:buChar char="–"/>
+              <a:defRPr sz="1600" i="1" kern="1200" baseline="0">
+                <a:solidFill>
+                  <a:schemeClr val="tx2"/>
+                </a:solidFill>
+                <a:latin typeface="+mn-lt"/>
+                <a:ea typeface="+mn-ea"/>
+                <a:cs typeface="+mn-cs"/>
+              </a:defRPr>
+            </a:lvl6pPr>
+            <a:lvl7pPr marL="3200400" indent="-384048" algn="l" defTabSz="914400" rtl="0" eaLnBrk="1" latinLnBrk="0" hangingPunct="1">
+              <a:lnSpc>
+                <a:spcPct val="94000"/>
+              </a:lnSpc>
+              <a:spcBef>
+                <a:spcPts val="500"/>
+              </a:spcBef>
+              <a:spcAft>
+                <a:spcPts val="200"/>
+              </a:spcAft>
+              <a:buFont typeface="Franklin Gothic Book" panose="020B0503020102020204" pitchFamily="34" charset="0"/>
+              <a:buChar char="■"/>
+              <a:defRPr sz="1400" kern="1200" baseline="0">
+                <a:solidFill>
+                  <a:schemeClr val="tx2"/>
+                </a:solidFill>
+                <a:latin typeface="+mn-lt"/>
+                <a:ea typeface="+mn-ea"/>
+                <a:cs typeface="+mn-cs"/>
+              </a:defRPr>
+            </a:lvl7pPr>
+            <a:lvl8pPr marL="3657600" indent="-384048" algn="l" defTabSz="914400" rtl="0" eaLnBrk="1" latinLnBrk="0" hangingPunct="1">
+              <a:lnSpc>
+                <a:spcPct val="94000"/>
+              </a:lnSpc>
+              <a:spcBef>
+                <a:spcPts val="500"/>
+              </a:spcBef>
+              <a:spcAft>
+                <a:spcPts val="200"/>
+              </a:spcAft>
+              <a:buFont typeface="Franklin Gothic Book" panose="020B0503020102020204" pitchFamily="34" charset="0"/>
+              <a:buChar char="–"/>
+              <a:defRPr sz="1400" i="1" kern="1200" baseline="0">
+                <a:solidFill>
+                  <a:schemeClr val="tx2"/>
+                </a:solidFill>
+                <a:latin typeface="+mn-lt"/>
+                <a:ea typeface="+mn-ea"/>
+                <a:cs typeface="+mn-cs"/>
+              </a:defRPr>
+            </a:lvl8pPr>
+            <a:lvl9pPr marL="4114800" indent="-384048" algn="l" defTabSz="914400" rtl="0" eaLnBrk="1" latinLnBrk="0" hangingPunct="1">
+              <a:lnSpc>
+                <a:spcPct val="94000"/>
+              </a:lnSpc>
+              <a:spcBef>
+                <a:spcPts val="500"/>
+              </a:spcBef>
+              <a:spcAft>
+                <a:spcPts val="200"/>
+              </a:spcAft>
+              <a:buFont typeface="Franklin Gothic Book" panose="020B0503020102020204" pitchFamily="34" charset="0"/>
+              <a:buChar char="■"/>
+              <a:defRPr sz="1400" kern="1200" baseline="0">
+                <a:solidFill>
+                  <a:schemeClr val="tx2"/>
+                </a:solidFill>
+                <a:latin typeface="+mn-lt"/>
+                <a:ea typeface="+mn-ea"/>
+                <a:cs typeface="+mn-cs"/>
+              </a:defRPr>
+            </a:lvl9pPr>
+          </a:lstStyle>
+          <a:p>
+            <a:pPr marL="0" indent="0" fontAlgn="base">
+              <a:buNone/>
+            </a:pPr>
+            <a:r>
+              <a:rPr lang="en-GB" sz="1000" dirty="0" err="1"/>
+              <a:t>Emilien</a:t>
+            </a:r>
+            <a:r>
+              <a:rPr lang="en-GB" sz="1000" dirty="0"/>
+              <a:t>, A., Bernhardt, A., </a:t>
+            </a:r>
+            <a:r>
+              <a:rPr lang="en-GB" sz="1000" dirty="0" err="1"/>
+              <a:t>Peytavie</a:t>
+            </a:r>
+            <a:r>
+              <a:rPr lang="en-GB" sz="1000" dirty="0"/>
+              <a:t>, A., </a:t>
+            </a:r>
+            <a:r>
+              <a:rPr lang="en-GB" sz="1000" dirty="0" err="1"/>
+              <a:t>Cani</a:t>
+            </a:r>
+            <a:r>
+              <a:rPr lang="en-GB" sz="1000" dirty="0"/>
+              <a:t>, M. and </a:t>
+            </a:r>
+            <a:r>
+              <a:rPr lang="en-GB" sz="1000" dirty="0" err="1"/>
+              <a:t>Galin</a:t>
+            </a:r>
+            <a:r>
+              <a:rPr lang="en-GB" sz="1000" dirty="0"/>
+              <a:t>, E. (2012). Procedural generation of villages on arbitrary terrains. </a:t>
+            </a:r>
+            <a:r>
+              <a:rPr lang="en-GB" sz="1000" i="1" dirty="0"/>
+              <a:t>The Visual Computer,</a:t>
+            </a:r>
+            <a:r>
+              <a:rPr lang="en-GB" sz="1000" dirty="0"/>
+              <a:t> 28(6-8), pp.809-818.</a:t>
+            </a:r>
+          </a:p>
+          <a:p>
+            <a:pPr marL="0" indent="0" fontAlgn="base">
+              <a:buNone/>
+            </a:pPr>
+            <a:r>
+              <a:rPr lang="en-GB" sz="1000" dirty="0"/>
+              <a:t>Muller, P and Parish, Y, I, H. (2001). “Procedural </a:t>
+            </a:r>
+            <a:r>
+              <a:rPr lang="en-GB" sz="1000" dirty="0" err="1"/>
+              <a:t>modeling</a:t>
+            </a:r>
+            <a:r>
+              <a:rPr lang="en-GB" sz="1000" dirty="0"/>
+              <a:t> of cities”. In Proceedings of the 28th annual conference on Computer graphics and interactive techniques (SIGGRAPH ’01). </a:t>
+            </a:r>
+            <a:r>
+              <a:rPr lang="en-GB" sz="1000" dirty="0" err="1"/>
+              <a:t>Acm</a:t>
+            </a:r>
+            <a:r>
+              <a:rPr lang="en-GB" sz="1000" dirty="0"/>
+              <a:t>, New York, NY, USA. 301 – 308.</a:t>
+            </a:r>
+          </a:p>
+          <a:p>
+            <a:pPr marL="0" indent="0" fontAlgn="base">
+              <a:buNone/>
+            </a:pPr>
+            <a:r>
+              <a:rPr lang="en-GB" sz="1000" dirty="0" err="1"/>
+              <a:t>Smelik</a:t>
+            </a:r>
+            <a:r>
+              <a:rPr lang="en-GB" sz="1000" dirty="0"/>
+              <a:t>, R., </a:t>
+            </a:r>
+            <a:r>
+              <a:rPr lang="en-GB" sz="1000" dirty="0" err="1"/>
+              <a:t>Tutenel</a:t>
+            </a:r>
+            <a:r>
+              <a:rPr lang="en-GB" sz="1000" dirty="0"/>
+              <a:t>, T., de </a:t>
+            </a:r>
+            <a:r>
+              <a:rPr lang="en-GB" sz="1000" dirty="0" err="1"/>
+              <a:t>Kraker</a:t>
+            </a:r>
+            <a:r>
+              <a:rPr lang="en-GB" sz="1000" dirty="0"/>
+              <a:t>, K. and </a:t>
+            </a:r>
+            <a:r>
+              <a:rPr lang="en-GB" sz="1000" dirty="0" err="1"/>
+              <a:t>Bidarra</a:t>
+            </a:r>
+            <a:r>
+              <a:rPr lang="en-GB" sz="1000" dirty="0"/>
+              <a:t>, R. (2011). A declarative approach to procedural </a:t>
+            </a:r>
+            <a:r>
+              <a:rPr lang="en-GB" sz="1000" dirty="0" err="1"/>
+              <a:t>modeling</a:t>
+            </a:r>
+            <a:r>
+              <a:rPr lang="en-GB" sz="1000" dirty="0"/>
+              <a:t> of virtual worlds. </a:t>
+            </a:r>
+            <a:r>
+              <a:rPr lang="en-GB" sz="1000" i="1" dirty="0"/>
+              <a:t>Computers &amp; Graphics</a:t>
+            </a:r>
+            <a:r>
+              <a:rPr lang="en-GB" sz="1000" dirty="0"/>
+              <a:t>, 35(2), pp.352-363.</a:t>
+            </a:r>
+          </a:p>
+        </p:txBody>
+      </p:sp>
+      <p:sp>
+        <p:nvSpPr>
+          <p:cNvPr id="7" name="Content Placeholder 2">
+            <a:extLst>
+              <a:ext uri="{FF2B5EF4-FFF2-40B4-BE49-F238E27FC236}">
+                <a16:creationId xmlns:a16="http://schemas.microsoft.com/office/drawing/2014/main" id="{6AF1E2B7-90F3-4506-9B86-4FE1222C1B17}"/>
+              </a:ext>
+            </a:extLst>
+          </p:cNvPr>
+          <p:cNvSpPr txBox="1">
+            <a:spLocks/>
+          </p:cNvSpPr>
+          <p:nvPr/>
+        </p:nvSpPr>
+        <p:spPr>
+          <a:xfrm>
+            <a:off x="879231" y="1274884"/>
+            <a:ext cx="5873994" cy="4363915"/>
+          </a:xfrm>
+          <a:prstGeom prst="rect">
+            <a:avLst/>
+          </a:prstGeom>
+          <a:ln>
+            <a:solidFill>
+              <a:schemeClr val="tx1"/>
+            </a:solidFill>
+          </a:ln>
+        </p:spPr>
+        <p:txBody>
+          <a:bodyPr vert="horz" lIns="91440" tIns="45720" rIns="91440" bIns="45720" rtlCol="0">
+            <a:normAutofit/>
+          </a:bodyPr>
+          <a:lstStyle>
+            <a:lvl1pPr marL="384048" indent="-384048" algn="l" defTabSz="914400" rtl="0" eaLnBrk="1" latinLnBrk="0" hangingPunct="1">
+              <a:lnSpc>
+                <a:spcPct val="94000"/>
+              </a:lnSpc>
+              <a:spcBef>
+                <a:spcPts val="1000"/>
+              </a:spcBef>
+              <a:spcAft>
+                <a:spcPts val="200"/>
+              </a:spcAft>
+              <a:buFont typeface="Franklin Gothic Book" panose="020B0503020102020204" pitchFamily="34" charset="0"/>
+              <a:buChar char="■"/>
+              <a:defRPr sz="2000" kern="1200" baseline="0">
+                <a:solidFill>
+                  <a:schemeClr val="tx2"/>
+                </a:solidFill>
+                <a:latin typeface="+mn-lt"/>
+                <a:ea typeface="+mn-ea"/>
+                <a:cs typeface="+mn-cs"/>
+              </a:defRPr>
+            </a:lvl1pPr>
+            <a:lvl2pPr marL="914400" indent="-384048" algn="l" defTabSz="914400" rtl="0" eaLnBrk="1" latinLnBrk="0" hangingPunct="1">
+              <a:lnSpc>
+                <a:spcPct val="94000"/>
+              </a:lnSpc>
+              <a:spcBef>
+                <a:spcPts val="500"/>
+              </a:spcBef>
+              <a:spcAft>
+                <a:spcPts val="200"/>
+              </a:spcAft>
+              <a:buFont typeface="Franklin Gothic Book" panose="020B0503020102020204" pitchFamily="34" charset="0"/>
+              <a:buChar char="–"/>
+              <a:defRPr sz="2000" i="1" kern="1200" baseline="0">
+                <a:solidFill>
+                  <a:schemeClr val="tx2"/>
+                </a:solidFill>
+                <a:latin typeface="+mn-lt"/>
+                <a:ea typeface="+mn-ea"/>
+                <a:cs typeface="+mn-cs"/>
+              </a:defRPr>
+            </a:lvl2pPr>
+            <a:lvl3pPr marL="1371600" indent="-384048" algn="l" defTabSz="914400" rtl="0" eaLnBrk="1" latinLnBrk="0" hangingPunct="1">
+              <a:lnSpc>
+                <a:spcPct val="94000"/>
+              </a:lnSpc>
+              <a:spcBef>
+                <a:spcPts val="500"/>
+              </a:spcBef>
+              <a:spcAft>
+                <a:spcPts val="200"/>
+              </a:spcAft>
+              <a:buFont typeface="Franklin Gothic Book" panose="020B0503020102020204" pitchFamily="34" charset="0"/>
+              <a:buChar char="■"/>
+              <a:defRPr sz="1800" kern="1200" baseline="0">
+                <a:solidFill>
+                  <a:schemeClr val="tx2"/>
+                </a:solidFill>
+                <a:latin typeface="+mn-lt"/>
+                <a:ea typeface="+mn-ea"/>
+                <a:cs typeface="+mn-cs"/>
+              </a:defRPr>
+            </a:lvl3pPr>
+            <a:lvl4pPr marL="1828800" indent="-384048" algn="l" defTabSz="914400" rtl="0" eaLnBrk="1" latinLnBrk="0" hangingPunct="1">
+              <a:lnSpc>
+                <a:spcPct val="94000"/>
+              </a:lnSpc>
+              <a:spcBef>
+                <a:spcPts val="500"/>
+              </a:spcBef>
+              <a:spcAft>
+                <a:spcPts val="200"/>
+              </a:spcAft>
+              <a:buFont typeface="Franklin Gothic Book" panose="020B0503020102020204" pitchFamily="34" charset="0"/>
+              <a:buChar char="–"/>
+              <a:defRPr sz="1800" i="1" kern="1200" baseline="0">
+                <a:solidFill>
+                  <a:schemeClr val="tx2"/>
+                </a:solidFill>
+                <a:latin typeface="+mn-lt"/>
+                <a:ea typeface="+mn-ea"/>
+                <a:cs typeface="+mn-cs"/>
+              </a:defRPr>
+            </a:lvl4pPr>
+            <a:lvl5pPr marL="2286000" indent="-384048" algn="l" defTabSz="914400" rtl="0" eaLnBrk="1" latinLnBrk="0" hangingPunct="1">
+              <a:lnSpc>
+                <a:spcPct val="94000"/>
+              </a:lnSpc>
+              <a:spcBef>
+                <a:spcPts val="500"/>
+              </a:spcBef>
+              <a:spcAft>
+                <a:spcPts val="200"/>
+              </a:spcAft>
+              <a:buFont typeface="Franklin Gothic Book" panose="020B0503020102020204" pitchFamily="34" charset="0"/>
+              <a:buChar char="■"/>
+              <a:defRPr sz="1600" kern="1200" baseline="0">
+                <a:solidFill>
+                  <a:schemeClr val="tx2"/>
+                </a:solidFill>
+                <a:latin typeface="+mn-lt"/>
+                <a:ea typeface="+mn-ea"/>
+                <a:cs typeface="+mn-cs"/>
+              </a:defRPr>
+            </a:lvl5pPr>
+            <a:lvl6pPr marL="2743200" indent="-384048" algn="l" defTabSz="914400" rtl="0" eaLnBrk="1" latinLnBrk="0" hangingPunct="1">
+              <a:lnSpc>
+                <a:spcPct val="94000"/>
+              </a:lnSpc>
+              <a:spcBef>
+                <a:spcPts val="500"/>
+              </a:spcBef>
+              <a:spcAft>
+                <a:spcPts val="200"/>
+              </a:spcAft>
+              <a:buFont typeface="Franklin Gothic Book" panose="020B0503020102020204" pitchFamily="34" charset="0"/>
+              <a:buChar char="–"/>
+              <a:defRPr sz="1600" i="1" kern="1200" baseline="0">
+                <a:solidFill>
+                  <a:schemeClr val="tx2"/>
+                </a:solidFill>
+                <a:latin typeface="+mn-lt"/>
+                <a:ea typeface="+mn-ea"/>
+                <a:cs typeface="+mn-cs"/>
+              </a:defRPr>
+            </a:lvl6pPr>
+            <a:lvl7pPr marL="3200400" indent="-384048" algn="l" defTabSz="914400" rtl="0" eaLnBrk="1" latinLnBrk="0" hangingPunct="1">
+              <a:lnSpc>
+                <a:spcPct val="94000"/>
+              </a:lnSpc>
+              <a:spcBef>
+                <a:spcPts val="500"/>
+              </a:spcBef>
+              <a:spcAft>
+                <a:spcPts val="200"/>
+              </a:spcAft>
+              <a:buFont typeface="Franklin Gothic Book" panose="020B0503020102020204" pitchFamily="34" charset="0"/>
+              <a:buChar char="■"/>
+              <a:defRPr sz="1400" kern="1200" baseline="0">
+                <a:solidFill>
+                  <a:schemeClr val="tx2"/>
+                </a:solidFill>
+                <a:latin typeface="+mn-lt"/>
+                <a:ea typeface="+mn-ea"/>
+                <a:cs typeface="+mn-cs"/>
+              </a:defRPr>
+            </a:lvl7pPr>
+            <a:lvl8pPr marL="3657600" indent="-384048" algn="l" defTabSz="914400" rtl="0" eaLnBrk="1" latinLnBrk="0" hangingPunct="1">
+              <a:lnSpc>
+                <a:spcPct val="94000"/>
+              </a:lnSpc>
+              <a:spcBef>
+                <a:spcPts val="500"/>
+              </a:spcBef>
+              <a:spcAft>
+                <a:spcPts val="200"/>
+              </a:spcAft>
+              <a:buFont typeface="Franklin Gothic Book" panose="020B0503020102020204" pitchFamily="34" charset="0"/>
+              <a:buChar char="–"/>
+              <a:defRPr sz="1400" i="1" kern="1200" baseline="0">
+                <a:solidFill>
+                  <a:schemeClr val="tx2"/>
+                </a:solidFill>
+                <a:latin typeface="+mn-lt"/>
+                <a:ea typeface="+mn-ea"/>
+                <a:cs typeface="+mn-cs"/>
+              </a:defRPr>
+            </a:lvl8pPr>
+            <a:lvl9pPr marL="4114800" indent="-384048" algn="l" defTabSz="914400" rtl="0" eaLnBrk="1" latinLnBrk="0" hangingPunct="1">
+              <a:lnSpc>
+                <a:spcPct val="94000"/>
+              </a:lnSpc>
+              <a:spcBef>
+                <a:spcPts val="500"/>
+              </a:spcBef>
+              <a:spcAft>
+                <a:spcPts val="200"/>
+              </a:spcAft>
+              <a:buFont typeface="Franklin Gothic Book" panose="020B0503020102020204" pitchFamily="34" charset="0"/>
+              <a:buChar char="■"/>
+              <a:defRPr sz="1400" kern="1200" baseline="0">
+                <a:solidFill>
+                  <a:schemeClr val="tx2"/>
+                </a:solidFill>
+                <a:latin typeface="+mn-lt"/>
+                <a:ea typeface="+mn-ea"/>
+                <a:cs typeface="+mn-cs"/>
+              </a:defRPr>
+            </a:lvl9pPr>
+          </a:lstStyle>
+          <a:p>
+            <a:r>
+              <a:rPr lang="en-GB" dirty="0"/>
+              <a:t>“Computing a village skeleton is not sufficient for generating the layout of a village: we also need to tessellate the terrain into individual parcels of land, where houses, gardens or fields will be defined.” (</a:t>
+            </a:r>
+            <a:r>
+              <a:rPr lang="en-GB" dirty="0" err="1"/>
+              <a:t>Emilien</a:t>
+            </a:r>
+            <a:r>
+              <a:rPr lang="en-GB" dirty="0"/>
+              <a:t> A, Bernhardt A, </a:t>
+            </a:r>
+            <a:r>
+              <a:rPr lang="en-GB" dirty="0" err="1"/>
+              <a:t>Peytavie</a:t>
+            </a:r>
+            <a:r>
+              <a:rPr lang="en-GB" dirty="0"/>
+              <a:t> A, </a:t>
+            </a:r>
+            <a:r>
+              <a:rPr lang="en-GB" dirty="0" err="1"/>
+              <a:t>Cani</a:t>
+            </a:r>
+            <a:r>
+              <a:rPr lang="en-GB" dirty="0"/>
+              <a:t> M, </a:t>
+            </a:r>
+            <a:r>
+              <a:rPr lang="en-GB" dirty="0" err="1"/>
+              <a:t>Galin</a:t>
+            </a:r>
+            <a:r>
+              <a:rPr lang="en-GB" dirty="0"/>
+              <a:t> E, 2012).</a:t>
+            </a:r>
+          </a:p>
+          <a:p>
+            <a:endParaRPr lang="en-GB" dirty="0"/>
+          </a:p>
+          <a:p>
+            <a:r>
+              <a:rPr lang="en-GB" dirty="0"/>
+              <a:t>Building lots can be created along the road by recursively dividing the areas along a road until a threshold area is reached.(Muller P, Parish Y I H, 2001).</a:t>
+            </a:r>
+          </a:p>
+        </p:txBody>
+      </p:sp>
+      <p:pic>
+        <p:nvPicPr>
+          <p:cNvPr id="9" name="Picture 8">
+            <a:extLst>
+              <a:ext uri="{FF2B5EF4-FFF2-40B4-BE49-F238E27FC236}">
+                <a16:creationId xmlns:a16="http://schemas.microsoft.com/office/drawing/2014/main" id="{F7E1084E-24A7-43FF-9311-668FE8A2A100}"/>
+              </a:ext>
+            </a:extLst>
+          </p:cNvPr>
+          <p:cNvPicPr>
+            <a:picLocks noChangeAspect="1"/>
+          </p:cNvPicPr>
+          <p:nvPr/>
+        </p:nvPicPr>
+        <p:blipFill rotWithShape="1">
+          <a:blip r:embed="rId3">
+            <a:extLst>
+              <a:ext uri="{28A0092B-C50C-407E-A947-70E740481C1C}">
+                <a14:useLocalDpi xmlns:a14="http://schemas.microsoft.com/office/drawing/2010/main" val="0"/>
+              </a:ext>
+            </a:extLst>
+          </a:blip>
+          <a:srcRect t="5889"/>
+          <a:stretch/>
+        </p:blipFill>
+        <p:spPr>
+          <a:xfrm>
+            <a:off x="7136125" y="1270169"/>
+            <a:ext cx="4385982" cy="4368630"/>
+          </a:xfrm>
+          <a:prstGeom prst="rect">
+            <a:avLst/>
+          </a:prstGeom>
+        </p:spPr>
+      </p:pic>
+    </p:spTree>
+    <p:extLst>
+      <p:ext uri="{BB962C8B-B14F-4D97-AF65-F5344CB8AC3E}">
+        <p14:creationId xmlns:p14="http://schemas.microsoft.com/office/powerpoint/2010/main" val="1997387650"/>
+      </p:ext>
+    </p:extLst>
+  </p:cSld>
+  <p:clrMapOvr>
+    <a:masterClrMapping/>
+  </p:clrMapOvr>
+</p:sld>
+</file>
+
+<file path=ppt/slides/slide21.xml><?xml version="1.0" encoding="utf-8"?>
+<p:sld xmlns:a="http://schemas.openxmlformats.org/drawingml/2006/main" xmlns:r="http://schemas.openxmlformats.org/officeDocument/2006/relationships" xmlns:p="http://schemas.openxmlformats.org/presentationml/2006/main">
+  <p:cSld>
+    <p:spTree>
+      <p:nvGrpSpPr>
+        <p:cNvPr id="1" name=""/>
+        <p:cNvGrpSpPr/>
+        <p:nvPr/>
+      </p:nvGrpSpPr>
+      <p:grpSpPr>
+        <a:xfrm>
+          <a:off x="0" y="0"/>
+          <a:ext cx="0" cy="0"/>
+          <a:chOff x="0" y="0"/>
+          <a:chExt cx="0" cy="0"/>
+        </a:xfrm>
+      </p:grpSpPr>
+      <p:sp>
+        <p:nvSpPr>
+          <p:cNvPr id="2" name="Title 1">
+            <a:extLst>
+              <a:ext uri="{FF2B5EF4-FFF2-40B4-BE49-F238E27FC236}">
+                <a16:creationId xmlns:a16="http://schemas.microsoft.com/office/drawing/2014/main" id="{750ADED0-C0EC-46CC-B4D1-770A80CB767A}"/>
+              </a:ext>
+            </a:extLst>
+          </p:cNvPr>
+          <p:cNvSpPr>
+            <a:spLocks noGrp="1"/>
+          </p:cNvSpPr>
+          <p:nvPr>
+            <p:ph type="title"/>
+          </p:nvPr>
+        </p:nvSpPr>
+        <p:spPr>
+          <a:xfrm>
+            <a:off x="879231" y="281354"/>
+            <a:ext cx="11025776" cy="993531"/>
+          </a:xfrm>
+        </p:spPr>
+        <p:txBody>
+          <a:bodyPr>
+            <a:normAutofit/>
+          </a:bodyPr>
+          <a:lstStyle/>
+          <a:p>
+            <a:r>
+              <a:rPr lang="en-GB" dirty="0"/>
+              <a:t>Generating building shapes</a:t>
+            </a:r>
+          </a:p>
+        </p:txBody>
+      </p:sp>
+      <p:sp>
+        <p:nvSpPr>
+          <p:cNvPr id="4" name="Content Placeholder 2">
+            <a:extLst>
+              <a:ext uri="{FF2B5EF4-FFF2-40B4-BE49-F238E27FC236}">
+                <a16:creationId xmlns:a16="http://schemas.microsoft.com/office/drawing/2014/main" id="{C44F06C3-D088-4921-80FA-6A04C96C2CC4}"/>
+              </a:ext>
+            </a:extLst>
+          </p:cNvPr>
+          <p:cNvSpPr txBox="1">
+            <a:spLocks/>
+          </p:cNvSpPr>
+          <p:nvPr/>
+        </p:nvSpPr>
+        <p:spPr>
+          <a:xfrm>
+            <a:off x="879231" y="5324475"/>
+            <a:ext cx="11025776" cy="1409700"/>
+          </a:xfrm>
+          <a:prstGeom prst="rect">
+            <a:avLst/>
+          </a:prstGeom>
+          <a:ln>
+            <a:solidFill>
+              <a:schemeClr val="tx1"/>
+            </a:solidFill>
+          </a:ln>
+        </p:spPr>
+        <p:txBody>
+          <a:bodyPr vert="horz" lIns="91440" tIns="45720" rIns="91440" bIns="45720" rtlCol="0">
+            <a:noAutofit/>
+          </a:bodyPr>
+          <a:lstStyle>
+            <a:lvl1pPr marL="384048" indent="-384048" algn="l" defTabSz="914400" rtl="0" eaLnBrk="1" latinLnBrk="0" hangingPunct="1">
+              <a:lnSpc>
+                <a:spcPct val="94000"/>
+              </a:lnSpc>
+              <a:spcBef>
+                <a:spcPts val="1000"/>
+              </a:spcBef>
+              <a:spcAft>
+                <a:spcPts val="200"/>
+              </a:spcAft>
+              <a:buFont typeface="Franklin Gothic Book" panose="020B0503020102020204" pitchFamily="34" charset="0"/>
+              <a:buChar char="■"/>
+              <a:defRPr sz="2000" kern="1200" baseline="0">
+                <a:solidFill>
+                  <a:schemeClr val="tx2"/>
+                </a:solidFill>
+                <a:latin typeface="+mn-lt"/>
+                <a:ea typeface="+mn-ea"/>
+                <a:cs typeface="+mn-cs"/>
+              </a:defRPr>
+            </a:lvl1pPr>
+            <a:lvl2pPr marL="914400" indent="-384048" algn="l" defTabSz="914400" rtl="0" eaLnBrk="1" latinLnBrk="0" hangingPunct="1">
+              <a:lnSpc>
+                <a:spcPct val="94000"/>
+              </a:lnSpc>
+              <a:spcBef>
+                <a:spcPts val="500"/>
+              </a:spcBef>
+              <a:spcAft>
+                <a:spcPts val="200"/>
+              </a:spcAft>
+              <a:buFont typeface="Franklin Gothic Book" panose="020B0503020102020204" pitchFamily="34" charset="0"/>
+              <a:buChar char="–"/>
+              <a:defRPr sz="2000" i="1" kern="1200" baseline="0">
+                <a:solidFill>
+                  <a:schemeClr val="tx2"/>
+                </a:solidFill>
+                <a:latin typeface="+mn-lt"/>
+                <a:ea typeface="+mn-ea"/>
+                <a:cs typeface="+mn-cs"/>
+              </a:defRPr>
+            </a:lvl2pPr>
+            <a:lvl3pPr marL="1371600" indent="-384048" algn="l" defTabSz="914400" rtl="0" eaLnBrk="1" latinLnBrk="0" hangingPunct="1">
+              <a:lnSpc>
+                <a:spcPct val="94000"/>
+              </a:lnSpc>
+              <a:spcBef>
+                <a:spcPts val="500"/>
+              </a:spcBef>
+              <a:spcAft>
+                <a:spcPts val="200"/>
+              </a:spcAft>
+              <a:buFont typeface="Franklin Gothic Book" panose="020B0503020102020204" pitchFamily="34" charset="0"/>
+              <a:buChar char="■"/>
+              <a:defRPr sz="1800" kern="1200" baseline="0">
+                <a:solidFill>
+                  <a:schemeClr val="tx2"/>
+                </a:solidFill>
+                <a:latin typeface="+mn-lt"/>
+                <a:ea typeface="+mn-ea"/>
+                <a:cs typeface="+mn-cs"/>
+              </a:defRPr>
+            </a:lvl3pPr>
+            <a:lvl4pPr marL="1828800" indent="-384048" algn="l" defTabSz="914400" rtl="0" eaLnBrk="1" latinLnBrk="0" hangingPunct="1">
+              <a:lnSpc>
+                <a:spcPct val="94000"/>
+              </a:lnSpc>
+              <a:spcBef>
+                <a:spcPts val="500"/>
+              </a:spcBef>
+              <a:spcAft>
+                <a:spcPts val="200"/>
+              </a:spcAft>
+              <a:buFont typeface="Franklin Gothic Book" panose="020B0503020102020204" pitchFamily="34" charset="0"/>
+              <a:buChar char="–"/>
+              <a:defRPr sz="1800" i="1" kern="1200" baseline="0">
+                <a:solidFill>
+                  <a:schemeClr val="tx2"/>
+                </a:solidFill>
+                <a:latin typeface="+mn-lt"/>
+                <a:ea typeface="+mn-ea"/>
+                <a:cs typeface="+mn-cs"/>
+              </a:defRPr>
+            </a:lvl4pPr>
+            <a:lvl5pPr marL="2286000" indent="-384048" algn="l" defTabSz="914400" rtl="0" eaLnBrk="1" latinLnBrk="0" hangingPunct="1">
+              <a:lnSpc>
+                <a:spcPct val="94000"/>
+              </a:lnSpc>
+              <a:spcBef>
+                <a:spcPts val="500"/>
+              </a:spcBef>
+              <a:spcAft>
+                <a:spcPts val="200"/>
+              </a:spcAft>
+              <a:buFont typeface="Franklin Gothic Book" panose="020B0503020102020204" pitchFamily="34" charset="0"/>
+              <a:buChar char="■"/>
+              <a:defRPr sz="1600" kern="1200" baseline="0">
+                <a:solidFill>
+                  <a:schemeClr val="tx2"/>
+                </a:solidFill>
+                <a:latin typeface="+mn-lt"/>
+                <a:ea typeface="+mn-ea"/>
+                <a:cs typeface="+mn-cs"/>
+              </a:defRPr>
+            </a:lvl5pPr>
+            <a:lvl6pPr marL="2743200" indent="-384048" algn="l" defTabSz="914400" rtl="0" eaLnBrk="1" latinLnBrk="0" hangingPunct="1">
+              <a:lnSpc>
+                <a:spcPct val="94000"/>
+              </a:lnSpc>
+              <a:spcBef>
+                <a:spcPts val="500"/>
+              </a:spcBef>
+              <a:spcAft>
+                <a:spcPts val="200"/>
+              </a:spcAft>
+              <a:buFont typeface="Franklin Gothic Book" panose="020B0503020102020204" pitchFamily="34" charset="0"/>
+              <a:buChar char="–"/>
+              <a:defRPr sz="1600" i="1" kern="1200" baseline="0">
+                <a:solidFill>
+                  <a:schemeClr val="tx2"/>
+                </a:solidFill>
+                <a:latin typeface="+mn-lt"/>
+                <a:ea typeface="+mn-ea"/>
+                <a:cs typeface="+mn-cs"/>
+              </a:defRPr>
+            </a:lvl6pPr>
+            <a:lvl7pPr marL="3200400" indent="-384048" algn="l" defTabSz="914400" rtl="0" eaLnBrk="1" latinLnBrk="0" hangingPunct="1">
+              <a:lnSpc>
+                <a:spcPct val="94000"/>
+              </a:lnSpc>
+              <a:spcBef>
+                <a:spcPts val="500"/>
+              </a:spcBef>
+              <a:spcAft>
+                <a:spcPts val="200"/>
+              </a:spcAft>
+              <a:buFont typeface="Franklin Gothic Book" panose="020B0503020102020204" pitchFamily="34" charset="0"/>
+              <a:buChar char="■"/>
+              <a:defRPr sz="1400" kern="1200" baseline="0">
+                <a:solidFill>
+                  <a:schemeClr val="tx2"/>
+                </a:solidFill>
+                <a:latin typeface="+mn-lt"/>
+                <a:ea typeface="+mn-ea"/>
+                <a:cs typeface="+mn-cs"/>
+              </a:defRPr>
+            </a:lvl7pPr>
+            <a:lvl8pPr marL="3657600" indent="-384048" algn="l" defTabSz="914400" rtl="0" eaLnBrk="1" latinLnBrk="0" hangingPunct="1">
+              <a:lnSpc>
+                <a:spcPct val="94000"/>
+              </a:lnSpc>
+              <a:spcBef>
+                <a:spcPts val="500"/>
+              </a:spcBef>
+              <a:spcAft>
+                <a:spcPts val="200"/>
+              </a:spcAft>
+              <a:buFont typeface="Franklin Gothic Book" panose="020B0503020102020204" pitchFamily="34" charset="0"/>
+              <a:buChar char="–"/>
+              <a:defRPr sz="1400" i="1" kern="1200" baseline="0">
+                <a:solidFill>
+                  <a:schemeClr val="tx2"/>
+                </a:solidFill>
+                <a:latin typeface="+mn-lt"/>
+                <a:ea typeface="+mn-ea"/>
+                <a:cs typeface="+mn-cs"/>
+              </a:defRPr>
+            </a:lvl8pPr>
+            <a:lvl9pPr marL="4114800" indent="-384048" algn="l" defTabSz="914400" rtl="0" eaLnBrk="1" latinLnBrk="0" hangingPunct="1">
+              <a:lnSpc>
+                <a:spcPct val="94000"/>
+              </a:lnSpc>
+              <a:spcBef>
+                <a:spcPts val="500"/>
+              </a:spcBef>
+              <a:spcAft>
+                <a:spcPts val="200"/>
+              </a:spcAft>
+              <a:buFont typeface="Franklin Gothic Book" panose="020B0503020102020204" pitchFamily="34" charset="0"/>
+              <a:buChar char="■"/>
+              <a:defRPr sz="1400" kern="1200" baseline="0">
+                <a:solidFill>
+                  <a:schemeClr val="tx2"/>
+                </a:solidFill>
+                <a:latin typeface="+mn-lt"/>
+                <a:ea typeface="+mn-ea"/>
+                <a:cs typeface="+mn-cs"/>
+              </a:defRPr>
+            </a:lvl9pPr>
+          </a:lstStyle>
+          <a:p>
+            <a:pPr marL="0" indent="0" fontAlgn="base">
+              <a:buNone/>
+            </a:pPr>
+            <a:r>
+              <a:rPr lang="en-GB" sz="1000" dirty="0" err="1"/>
+              <a:t>Greuter</a:t>
+            </a:r>
+            <a:r>
+              <a:rPr lang="en-GB" sz="1000" dirty="0"/>
+              <a:t>, S. Parker, J. Stewart, N. Leach, G. (2003). “Real-time procedural generation of ‘pseudo infinite’ cities”. In *Proceedings of the 1st international conference on Computer graphics and interactive techniques in </a:t>
+            </a:r>
+            <a:r>
+              <a:rPr lang="en-GB" sz="1000" dirty="0" err="1"/>
+              <a:t>Astralasia</a:t>
+            </a:r>
+            <a:r>
+              <a:rPr lang="en-GB" sz="1000" dirty="0"/>
+              <a:t> and South East Asia* (GRAPHITE ’03) </a:t>
+            </a:r>
+            <a:r>
+              <a:rPr lang="en-GB" sz="1000" dirty="0" err="1"/>
+              <a:t>Acm</a:t>
+            </a:r>
+            <a:r>
+              <a:rPr lang="en-GB" sz="1000" dirty="0"/>
+              <a:t>, New York, </a:t>
+            </a:r>
+            <a:r>
+              <a:rPr lang="en-GB" sz="1000" dirty="0" err="1"/>
+              <a:t>Ny</a:t>
+            </a:r>
+            <a:r>
+              <a:rPr lang="en-GB" sz="1000" dirty="0"/>
+              <a:t>, USA, 87 – ff.</a:t>
+            </a:r>
+          </a:p>
+          <a:p>
+            <a:pPr marL="0" indent="0" fontAlgn="base">
+              <a:buNone/>
+            </a:pPr>
+            <a:r>
+              <a:rPr lang="en-GB" sz="1000" dirty="0"/>
+              <a:t>Muller, P and Parish, Y, I, H. (2001). “Procedural </a:t>
+            </a:r>
+            <a:r>
+              <a:rPr lang="en-GB" sz="1000" dirty="0" err="1"/>
+              <a:t>modeling</a:t>
+            </a:r>
+            <a:r>
+              <a:rPr lang="en-GB" sz="1000" dirty="0"/>
+              <a:t> of cities”. In Proceedings of the 28th annual conference on Computer graphics and interactive techniques (SIGGRAPH ’01). </a:t>
+            </a:r>
+            <a:r>
+              <a:rPr lang="en-GB" sz="1000" dirty="0" err="1"/>
+              <a:t>Acm</a:t>
+            </a:r>
+            <a:r>
+              <a:rPr lang="en-GB" sz="1000" dirty="0"/>
+              <a:t>, New York, NY, USA. 301 – 308.</a:t>
+            </a:r>
+          </a:p>
+          <a:p>
+            <a:pPr marL="0" indent="0" fontAlgn="base">
+              <a:buNone/>
+            </a:pPr>
+            <a:r>
+              <a:rPr lang="en-GB" sz="1000" dirty="0"/>
+              <a:t>Muller, P. Wonka, P. </a:t>
+            </a:r>
+            <a:r>
+              <a:rPr lang="en-GB" sz="1000" dirty="0" err="1"/>
+              <a:t>Haegler</a:t>
+            </a:r>
+            <a:r>
+              <a:rPr lang="en-GB" sz="1000" dirty="0"/>
+              <a:t>, S. Ulmer, A. Goo, L, V. (2006). “Procedural </a:t>
+            </a:r>
+            <a:r>
+              <a:rPr lang="en-GB" sz="1000" dirty="0" err="1"/>
+              <a:t>modeling</a:t>
+            </a:r>
+            <a:r>
+              <a:rPr lang="en-GB" sz="1000" dirty="0"/>
+              <a:t> of buildings” In Proceedings of SIGGRAPH 06′ ACM SIGGRAPH 2006. </a:t>
+            </a:r>
+            <a:r>
+              <a:rPr lang="en-GB" sz="1000" dirty="0" err="1"/>
+              <a:t>Acm</a:t>
+            </a:r>
+            <a:r>
+              <a:rPr lang="en-GB" sz="1000" dirty="0"/>
+              <a:t>, New York, NY, USA. 614 – 623.</a:t>
+            </a:r>
+          </a:p>
+          <a:p>
+            <a:pPr marL="0" indent="0" fontAlgn="base">
+              <a:buNone/>
+            </a:pPr>
+            <a:r>
+              <a:rPr lang="en-GB" sz="1000" dirty="0" err="1"/>
+              <a:t>Smelik</a:t>
+            </a:r>
+            <a:r>
+              <a:rPr lang="en-GB" sz="1000" dirty="0"/>
+              <a:t>, R., </a:t>
+            </a:r>
+            <a:r>
+              <a:rPr lang="en-GB" sz="1000" dirty="0" err="1"/>
+              <a:t>Tutenel</a:t>
+            </a:r>
+            <a:r>
+              <a:rPr lang="en-GB" sz="1000" dirty="0"/>
+              <a:t>, T., </a:t>
+            </a:r>
+            <a:r>
+              <a:rPr lang="en-GB" sz="1000" dirty="0" err="1"/>
+              <a:t>Bidarra</a:t>
+            </a:r>
+            <a:r>
+              <a:rPr lang="en-GB" sz="1000" dirty="0"/>
+              <a:t>, R. and Benes, B. (2014). A survey on Procedural Modelling for Virtual Worlds. *Computer Graphics Forum*, 33(6), pp.31-50.</a:t>
+            </a:r>
+          </a:p>
+        </p:txBody>
+      </p:sp>
+      <p:sp>
+        <p:nvSpPr>
+          <p:cNvPr id="7" name="Content Placeholder 2">
+            <a:extLst>
+              <a:ext uri="{FF2B5EF4-FFF2-40B4-BE49-F238E27FC236}">
+                <a16:creationId xmlns:a16="http://schemas.microsoft.com/office/drawing/2014/main" id="{96EA448B-7232-4FD9-8DF6-3D8BAFC8EFAE}"/>
+              </a:ext>
+            </a:extLst>
+          </p:cNvPr>
+          <p:cNvSpPr txBox="1">
+            <a:spLocks/>
+          </p:cNvSpPr>
+          <p:nvPr/>
+        </p:nvSpPr>
+        <p:spPr>
+          <a:xfrm>
+            <a:off x="879231" y="1274884"/>
+            <a:ext cx="5873994" cy="3944815"/>
+          </a:xfrm>
+          <a:prstGeom prst="rect">
+            <a:avLst/>
+          </a:prstGeom>
+          <a:ln>
+            <a:solidFill>
+              <a:schemeClr val="tx1"/>
+            </a:solidFill>
+          </a:ln>
+        </p:spPr>
+        <p:txBody>
+          <a:bodyPr vert="horz" lIns="91440" tIns="45720" rIns="91440" bIns="45720" rtlCol="0">
+            <a:normAutofit/>
+          </a:bodyPr>
+          <a:lstStyle>
+            <a:lvl1pPr marL="384048" indent="-384048" algn="l" defTabSz="914400" rtl="0" eaLnBrk="1" latinLnBrk="0" hangingPunct="1">
+              <a:lnSpc>
+                <a:spcPct val="94000"/>
+              </a:lnSpc>
+              <a:spcBef>
+                <a:spcPts val="1000"/>
+              </a:spcBef>
+              <a:spcAft>
+                <a:spcPts val="200"/>
+              </a:spcAft>
+              <a:buFont typeface="Franklin Gothic Book" panose="020B0503020102020204" pitchFamily="34" charset="0"/>
+              <a:buChar char="■"/>
+              <a:defRPr sz="2000" kern="1200" baseline="0">
+                <a:solidFill>
+                  <a:schemeClr val="tx2"/>
+                </a:solidFill>
+                <a:latin typeface="+mn-lt"/>
+                <a:ea typeface="+mn-ea"/>
+                <a:cs typeface="+mn-cs"/>
+              </a:defRPr>
+            </a:lvl1pPr>
+            <a:lvl2pPr marL="914400" indent="-384048" algn="l" defTabSz="914400" rtl="0" eaLnBrk="1" latinLnBrk="0" hangingPunct="1">
+              <a:lnSpc>
+                <a:spcPct val="94000"/>
+              </a:lnSpc>
+              <a:spcBef>
+                <a:spcPts val="500"/>
+              </a:spcBef>
+              <a:spcAft>
+                <a:spcPts val="200"/>
+              </a:spcAft>
+              <a:buFont typeface="Franklin Gothic Book" panose="020B0503020102020204" pitchFamily="34" charset="0"/>
+              <a:buChar char="–"/>
+              <a:defRPr sz="2000" i="1" kern="1200" baseline="0">
+                <a:solidFill>
+                  <a:schemeClr val="tx2"/>
+                </a:solidFill>
+                <a:latin typeface="+mn-lt"/>
+                <a:ea typeface="+mn-ea"/>
+                <a:cs typeface="+mn-cs"/>
+              </a:defRPr>
+            </a:lvl2pPr>
+            <a:lvl3pPr marL="1371600" indent="-384048" algn="l" defTabSz="914400" rtl="0" eaLnBrk="1" latinLnBrk="0" hangingPunct="1">
+              <a:lnSpc>
+                <a:spcPct val="94000"/>
+              </a:lnSpc>
+              <a:spcBef>
+                <a:spcPts val="500"/>
+              </a:spcBef>
+              <a:spcAft>
+                <a:spcPts val="200"/>
+              </a:spcAft>
+              <a:buFont typeface="Franklin Gothic Book" panose="020B0503020102020204" pitchFamily="34" charset="0"/>
+              <a:buChar char="■"/>
+              <a:defRPr sz="1800" kern="1200" baseline="0">
+                <a:solidFill>
+                  <a:schemeClr val="tx2"/>
+                </a:solidFill>
+                <a:latin typeface="+mn-lt"/>
+                <a:ea typeface="+mn-ea"/>
+                <a:cs typeface="+mn-cs"/>
+              </a:defRPr>
+            </a:lvl3pPr>
+            <a:lvl4pPr marL="1828800" indent="-384048" algn="l" defTabSz="914400" rtl="0" eaLnBrk="1" latinLnBrk="0" hangingPunct="1">
+              <a:lnSpc>
+                <a:spcPct val="94000"/>
+              </a:lnSpc>
+              <a:spcBef>
+                <a:spcPts val="500"/>
+              </a:spcBef>
+              <a:spcAft>
+                <a:spcPts val="200"/>
+              </a:spcAft>
+              <a:buFont typeface="Franklin Gothic Book" panose="020B0503020102020204" pitchFamily="34" charset="0"/>
+              <a:buChar char="–"/>
+              <a:defRPr sz="1800" i="1" kern="1200" baseline="0">
+                <a:solidFill>
+                  <a:schemeClr val="tx2"/>
+                </a:solidFill>
+                <a:latin typeface="+mn-lt"/>
+                <a:ea typeface="+mn-ea"/>
+                <a:cs typeface="+mn-cs"/>
+              </a:defRPr>
+            </a:lvl4pPr>
+            <a:lvl5pPr marL="2286000" indent="-384048" algn="l" defTabSz="914400" rtl="0" eaLnBrk="1" latinLnBrk="0" hangingPunct="1">
+              <a:lnSpc>
+                <a:spcPct val="94000"/>
+              </a:lnSpc>
+              <a:spcBef>
+                <a:spcPts val="500"/>
+              </a:spcBef>
+              <a:spcAft>
+                <a:spcPts val="200"/>
+              </a:spcAft>
+              <a:buFont typeface="Franklin Gothic Book" panose="020B0503020102020204" pitchFamily="34" charset="0"/>
+              <a:buChar char="■"/>
+              <a:defRPr sz="1600" kern="1200" baseline="0">
+                <a:solidFill>
+                  <a:schemeClr val="tx2"/>
+                </a:solidFill>
+                <a:latin typeface="+mn-lt"/>
+                <a:ea typeface="+mn-ea"/>
+                <a:cs typeface="+mn-cs"/>
+              </a:defRPr>
+            </a:lvl5pPr>
+            <a:lvl6pPr marL="2743200" indent="-384048" algn="l" defTabSz="914400" rtl="0" eaLnBrk="1" latinLnBrk="0" hangingPunct="1">
+              <a:lnSpc>
+                <a:spcPct val="94000"/>
+              </a:lnSpc>
+              <a:spcBef>
+                <a:spcPts val="500"/>
+              </a:spcBef>
+              <a:spcAft>
+                <a:spcPts val="200"/>
+              </a:spcAft>
+              <a:buFont typeface="Franklin Gothic Book" panose="020B0503020102020204" pitchFamily="34" charset="0"/>
+              <a:buChar char="–"/>
+              <a:defRPr sz="1600" i="1" kern="1200" baseline="0">
+                <a:solidFill>
+                  <a:schemeClr val="tx2"/>
+                </a:solidFill>
+                <a:latin typeface="+mn-lt"/>
+                <a:ea typeface="+mn-ea"/>
+                <a:cs typeface="+mn-cs"/>
+              </a:defRPr>
+            </a:lvl6pPr>
+            <a:lvl7pPr marL="3200400" indent="-384048" algn="l" defTabSz="914400" rtl="0" eaLnBrk="1" latinLnBrk="0" hangingPunct="1">
+              <a:lnSpc>
+                <a:spcPct val="94000"/>
+              </a:lnSpc>
+              <a:spcBef>
+                <a:spcPts val="500"/>
+              </a:spcBef>
+              <a:spcAft>
+                <a:spcPts val="200"/>
+              </a:spcAft>
+              <a:buFont typeface="Franklin Gothic Book" panose="020B0503020102020204" pitchFamily="34" charset="0"/>
+              <a:buChar char="■"/>
+              <a:defRPr sz="1400" kern="1200" baseline="0">
+                <a:solidFill>
+                  <a:schemeClr val="tx2"/>
+                </a:solidFill>
+                <a:latin typeface="+mn-lt"/>
+                <a:ea typeface="+mn-ea"/>
+                <a:cs typeface="+mn-cs"/>
+              </a:defRPr>
+            </a:lvl7pPr>
+            <a:lvl8pPr marL="3657600" indent="-384048" algn="l" defTabSz="914400" rtl="0" eaLnBrk="1" latinLnBrk="0" hangingPunct="1">
+              <a:lnSpc>
+                <a:spcPct val="94000"/>
+              </a:lnSpc>
+              <a:spcBef>
+                <a:spcPts val="500"/>
+              </a:spcBef>
+              <a:spcAft>
+                <a:spcPts val="200"/>
+              </a:spcAft>
+              <a:buFont typeface="Franklin Gothic Book" panose="020B0503020102020204" pitchFamily="34" charset="0"/>
+              <a:buChar char="–"/>
+              <a:defRPr sz="1400" i="1" kern="1200" baseline="0">
+                <a:solidFill>
+                  <a:schemeClr val="tx2"/>
+                </a:solidFill>
+                <a:latin typeface="+mn-lt"/>
+                <a:ea typeface="+mn-ea"/>
+                <a:cs typeface="+mn-cs"/>
+              </a:defRPr>
+            </a:lvl8pPr>
+            <a:lvl9pPr marL="4114800" indent="-384048" algn="l" defTabSz="914400" rtl="0" eaLnBrk="1" latinLnBrk="0" hangingPunct="1">
+              <a:lnSpc>
+                <a:spcPct val="94000"/>
+              </a:lnSpc>
+              <a:spcBef>
+                <a:spcPts val="500"/>
+              </a:spcBef>
+              <a:spcAft>
+                <a:spcPts val="200"/>
+              </a:spcAft>
+              <a:buFont typeface="Franklin Gothic Book" panose="020B0503020102020204" pitchFamily="34" charset="0"/>
+              <a:buChar char="■"/>
+              <a:defRPr sz="1400" kern="1200" baseline="0">
+                <a:solidFill>
+                  <a:schemeClr val="tx2"/>
+                </a:solidFill>
+                <a:latin typeface="+mn-lt"/>
+                <a:ea typeface="+mn-ea"/>
+                <a:cs typeface="+mn-cs"/>
+              </a:defRPr>
+            </a:lvl9pPr>
+          </a:lstStyle>
+          <a:p>
+            <a:r>
+              <a:rPr lang="en-GB" dirty="0"/>
+              <a:t>“Floor plans are two-dimensional polygons. Each floor plan consists of randomly selected and merged regular polygons and rectangles.” (</a:t>
+            </a:r>
+            <a:r>
+              <a:rPr lang="en-GB" dirty="0" err="1"/>
+              <a:t>Greuter</a:t>
+            </a:r>
+            <a:r>
+              <a:rPr lang="en-GB" dirty="0"/>
+              <a:t> S. et al., 2003).</a:t>
+            </a:r>
+          </a:p>
+          <a:p>
+            <a:endParaRPr lang="en-GB" dirty="0"/>
+          </a:p>
+          <a:p>
+            <a:r>
+              <a:rPr lang="en-GB" dirty="0"/>
+              <a:t>“Combining several primitive shapes into a floor plan and extruding these to different heights” (</a:t>
+            </a:r>
+            <a:r>
+              <a:rPr lang="en-GB" dirty="0" err="1"/>
+              <a:t>Smelik</a:t>
+            </a:r>
+            <a:r>
+              <a:rPr lang="en-GB" dirty="0"/>
+              <a:t> R, </a:t>
+            </a:r>
+            <a:r>
+              <a:rPr lang="en-GB" dirty="0" err="1"/>
+              <a:t>Tutenel</a:t>
+            </a:r>
+            <a:r>
+              <a:rPr lang="en-GB" dirty="0"/>
+              <a:t> T, </a:t>
+            </a:r>
+            <a:r>
+              <a:rPr lang="en-GB" dirty="0" err="1"/>
+              <a:t>Bidarra</a:t>
+            </a:r>
+            <a:r>
+              <a:rPr lang="en-GB" dirty="0"/>
+              <a:t> R, Benes B, 2014).</a:t>
+            </a:r>
+          </a:p>
+        </p:txBody>
+      </p:sp>
+      <p:pic>
+        <p:nvPicPr>
+          <p:cNvPr id="9" name="Picture 8">
+            <a:extLst>
+              <a:ext uri="{FF2B5EF4-FFF2-40B4-BE49-F238E27FC236}">
+                <a16:creationId xmlns:a16="http://schemas.microsoft.com/office/drawing/2014/main" id="{6F867BA4-82BF-46F4-B15A-0865D25399C0}"/>
+              </a:ext>
+            </a:extLst>
+          </p:cNvPr>
+          <p:cNvPicPr>
+            <a:picLocks noChangeAspect="1"/>
+          </p:cNvPicPr>
+          <p:nvPr/>
+        </p:nvPicPr>
+        <p:blipFill rotWithShape="1">
+          <a:blip r:embed="rId3">
+            <a:extLst>
+              <a:ext uri="{28A0092B-C50C-407E-A947-70E740481C1C}">
+                <a14:useLocalDpi xmlns:a14="http://schemas.microsoft.com/office/drawing/2010/main" val="0"/>
+              </a:ext>
+            </a:extLst>
+          </a:blip>
+          <a:srcRect l="8771" t="18050" r="26895" b="25567"/>
+          <a:stretch/>
+        </p:blipFill>
+        <p:spPr>
+          <a:xfrm>
+            <a:off x="7343153" y="1402745"/>
+            <a:ext cx="3971925" cy="3689094"/>
+          </a:xfrm>
+          <a:prstGeom prst="rect">
+            <a:avLst/>
+          </a:prstGeom>
+        </p:spPr>
+      </p:pic>
+    </p:spTree>
+    <p:extLst>
+      <p:ext uri="{BB962C8B-B14F-4D97-AF65-F5344CB8AC3E}">
+        <p14:creationId xmlns:p14="http://schemas.microsoft.com/office/powerpoint/2010/main" val="428707242"/>
+      </p:ext>
+    </p:extLst>
+  </p:cSld>
+  <p:clrMapOvr>
+    <a:masterClrMapping/>
+  </p:clrMapOvr>
+</p:sld>
+</file>
+
+<file path=ppt/slides/slide22.xml><?xml version="1.0" encoding="utf-8"?>
+<p:sld xmlns:a="http://schemas.openxmlformats.org/drawingml/2006/main" xmlns:r="http://schemas.openxmlformats.org/officeDocument/2006/relationships" xmlns:p="http://schemas.openxmlformats.org/presentationml/2006/main">
+  <p:cSld>
+    <p:spTree>
+      <p:nvGrpSpPr>
+        <p:cNvPr id="1" name=""/>
+        <p:cNvGrpSpPr/>
+        <p:nvPr/>
+      </p:nvGrpSpPr>
+      <p:grpSpPr>
+        <a:xfrm>
+          <a:off x="0" y="0"/>
+          <a:ext cx="0" cy="0"/>
+          <a:chOff x="0" y="0"/>
+          <a:chExt cx="0" cy="0"/>
+        </a:xfrm>
+      </p:grpSpPr>
+      <p:sp>
+        <p:nvSpPr>
+          <p:cNvPr id="2" name="Title 1">
+            <a:extLst>
+              <a:ext uri="{FF2B5EF4-FFF2-40B4-BE49-F238E27FC236}">
+                <a16:creationId xmlns:a16="http://schemas.microsoft.com/office/drawing/2014/main" id="{750ADED0-C0EC-46CC-B4D1-770A80CB767A}"/>
+              </a:ext>
+            </a:extLst>
+          </p:cNvPr>
+          <p:cNvSpPr>
+            <a:spLocks noGrp="1"/>
+          </p:cNvSpPr>
+          <p:nvPr>
+            <p:ph type="title"/>
+          </p:nvPr>
+        </p:nvSpPr>
+        <p:spPr>
+          <a:xfrm>
+            <a:off x="879231" y="281354"/>
+            <a:ext cx="11025776" cy="993531"/>
+          </a:xfrm>
+        </p:spPr>
+        <p:txBody>
+          <a:bodyPr>
+            <a:normAutofit/>
+          </a:bodyPr>
+          <a:lstStyle/>
+          <a:p>
+            <a:r>
+              <a:rPr lang="en-GB" dirty="0"/>
+              <a:t>Future goals</a:t>
+            </a:r>
+          </a:p>
+        </p:txBody>
+      </p:sp>
+      <p:sp>
+        <p:nvSpPr>
+          <p:cNvPr id="7" name="Content Placeholder 2">
+            <a:extLst>
+              <a:ext uri="{FF2B5EF4-FFF2-40B4-BE49-F238E27FC236}">
+                <a16:creationId xmlns:a16="http://schemas.microsoft.com/office/drawing/2014/main" id="{96EA448B-7232-4FD9-8DF6-3D8BAFC8EFAE}"/>
+              </a:ext>
+            </a:extLst>
+          </p:cNvPr>
+          <p:cNvSpPr txBox="1">
+            <a:spLocks/>
+          </p:cNvSpPr>
+          <p:nvPr/>
+        </p:nvSpPr>
+        <p:spPr>
+          <a:xfrm>
+            <a:off x="879231" y="1274884"/>
+            <a:ext cx="5873994" cy="5301762"/>
+          </a:xfrm>
+          <a:prstGeom prst="rect">
+            <a:avLst/>
+          </a:prstGeom>
+          <a:ln>
+            <a:solidFill>
+              <a:schemeClr val="tx1"/>
+            </a:solidFill>
+          </a:ln>
+        </p:spPr>
+        <p:txBody>
+          <a:bodyPr vert="horz" lIns="91440" tIns="45720" rIns="91440" bIns="45720" rtlCol="0">
+            <a:normAutofit/>
+          </a:bodyPr>
+          <a:lstStyle>
+            <a:lvl1pPr marL="384048" indent="-384048" algn="l" defTabSz="914400" rtl="0" eaLnBrk="1" latinLnBrk="0" hangingPunct="1">
+              <a:lnSpc>
+                <a:spcPct val="94000"/>
+              </a:lnSpc>
+              <a:spcBef>
+                <a:spcPts val="1000"/>
+              </a:spcBef>
+              <a:spcAft>
+                <a:spcPts val="200"/>
+              </a:spcAft>
+              <a:buFont typeface="Franklin Gothic Book" panose="020B0503020102020204" pitchFamily="34" charset="0"/>
+              <a:buChar char="■"/>
+              <a:defRPr sz="2000" kern="1200" baseline="0">
+                <a:solidFill>
+                  <a:schemeClr val="tx2"/>
+                </a:solidFill>
+                <a:latin typeface="+mn-lt"/>
+                <a:ea typeface="+mn-ea"/>
+                <a:cs typeface="+mn-cs"/>
+              </a:defRPr>
+            </a:lvl1pPr>
+            <a:lvl2pPr marL="914400" indent="-384048" algn="l" defTabSz="914400" rtl="0" eaLnBrk="1" latinLnBrk="0" hangingPunct="1">
+              <a:lnSpc>
+                <a:spcPct val="94000"/>
+              </a:lnSpc>
+              <a:spcBef>
+                <a:spcPts val="500"/>
+              </a:spcBef>
+              <a:spcAft>
+                <a:spcPts val="200"/>
+              </a:spcAft>
+              <a:buFont typeface="Franklin Gothic Book" panose="020B0503020102020204" pitchFamily="34" charset="0"/>
+              <a:buChar char="–"/>
+              <a:defRPr sz="2000" i="1" kern="1200" baseline="0">
+                <a:solidFill>
+                  <a:schemeClr val="tx2"/>
+                </a:solidFill>
+                <a:latin typeface="+mn-lt"/>
+                <a:ea typeface="+mn-ea"/>
+                <a:cs typeface="+mn-cs"/>
+              </a:defRPr>
+            </a:lvl2pPr>
+            <a:lvl3pPr marL="1371600" indent="-384048" algn="l" defTabSz="914400" rtl="0" eaLnBrk="1" latinLnBrk="0" hangingPunct="1">
+              <a:lnSpc>
+                <a:spcPct val="94000"/>
+              </a:lnSpc>
+              <a:spcBef>
+                <a:spcPts val="500"/>
+              </a:spcBef>
+              <a:spcAft>
+                <a:spcPts val="200"/>
+              </a:spcAft>
+              <a:buFont typeface="Franklin Gothic Book" panose="020B0503020102020204" pitchFamily="34" charset="0"/>
+              <a:buChar char="■"/>
+              <a:defRPr sz="1800" kern="1200" baseline="0">
+                <a:solidFill>
+                  <a:schemeClr val="tx2"/>
+                </a:solidFill>
+                <a:latin typeface="+mn-lt"/>
+                <a:ea typeface="+mn-ea"/>
+                <a:cs typeface="+mn-cs"/>
+              </a:defRPr>
+            </a:lvl3pPr>
+            <a:lvl4pPr marL="1828800" indent="-384048" algn="l" defTabSz="914400" rtl="0" eaLnBrk="1" latinLnBrk="0" hangingPunct="1">
+              <a:lnSpc>
+                <a:spcPct val="94000"/>
+              </a:lnSpc>
+              <a:spcBef>
+                <a:spcPts val="500"/>
+              </a:spcBef>
+              <a:spcAft>
+                <a:spcPts val="200"/>
+              </a:spcAft>
+              <a:buFont typeface="Franklin Gothic Book" panose="020B0503020102020204" pitchFamily="34" charset="0"/>
+              <a:buChar char="–"/>
+              <a:defRPr sz="1800" i="1" kern="1200" baseline="0">
+                <a:solidFill>
+                  <a:schemeClr val="tx2"/>
+                </a:solidFill>
+                <a:latin typeface="+mn-lt"/>
+                <a:ea typeface="+mn-ea"/>
+                <a:cs typeface="+mn-cs"/>
+              </a:defRPr>
+            </a:lvl4pPr>
+            <a:lvl5pPr marL="2286000" indent="-384048" algn="l" defTabSz="914400" rtl="0" eaLnBrk="1" latinLnBrk="0" hangingPunct="1">
+              <a:lnSpc>
+                <a:spcPct val="94000"/>
+              </a:lnSpc>
+              <a:spcBef>
+                <a:spcPts val="500"/>
+              </a:spcBef>
+              <a:spcAft>
+                <a:spcPts val="200"/>
+              </a:spcAft>
+              <a:buFont typeface="Franklin Gothic Book" panose="020B0503020102020204" pitchFamily="34" charset="0"/>
+              <a:buChar char="■"/>
+              <a:defRPr sz="1600" kern="1200" baseline="0">
+                <a:solidFill>
+                  <a:schemeClr val="tx2"/>
+                </a:solidFill>
+                <a:latin typeface="+mn-lt"/>
+                <a:ea typeface="+mn-ea"/>
+                <a:cs typeface="+mn-cs"/>
+              </a:defRPr>
+            </a:lvl5pPr>
+            <a:lvl6pPr marL="2743200" indent="-384048" algn="l" defTabSz="914400" rtl="0" eaLnBrk="1" latinLnBrk="0" hangingPunct="1">
+              <a:lnSpc>
+                <a:spcPct val="94000"/>
+              </a:lnSpc>
+              <a:spcBef>
+                <a:spcPts val="500"/>
+              </a:spcBef>
+              <a:spcAft>
+                <a:spcPts val="200"/>
+              </a:spcAft>
+              <a:buFont typeface="Franklin Gothic Book" panose="020B0503020102020204" pitchFamily="34" charset="0"/>
+              <a:buChar char="–"/>
+              <a:defRPr sz="1600" i="1" kern="1200" baseline="0">
+                <a:solidFill>
+                  <a:schemeClr val="tx2"/>
+                </a:solidFill>
+                <a:latin typeface="+mn-lt"/>
+                <a:ea typeface="+mn-ea"/>
+                <a:cs typeface="+mn-cs"/>
+              </a:defRPr>
+            </a:lvl6pPr>
+            <a:lvl7pPr marL="3200400" indent="-384048" algn="l" defTabSz="914400" rtl="0" eaLnBrk="1" latinLnBrk="0" hangingPunct="1">
+              <a:lnSpc>
+                <a:spcPct val="94000"/>
+              </a:lnSpc>
+              <a:spcBef>
+                <a:spcPts val="500"/>
+              </a:spcBef>
+              <a:spcAft>
+                <a:spcPts val="200"/>
+              </a:spcAft>
+              <a:buFont typeface="Franklin Gothic Book" panose="020B0503020102020204" pitchFamily="34" charset="0"/>
+              <a:buChar char="■"/>
+              <a:defRPr sz="1400" kern="1200" baseline="0">
+                <a:solidFill>
+                  <a:schemeClr val="tx2"/>
+                </a:solidFill>
+                <a:latin typeface="+mn-lt"/>
+                <a:ea typeface="+mn-ea"/>
+                <a:cs typeface="+mn-cs"/>
+              </a:defRPr>
+            </a:lvl7pPr>
+            <a:lvl8pPr marL="3657600" indent="-384048" algn="l" defTabSz="914400" rtl="0" eaLnBrk="1" latinLnBrk="0" hangingPunct="1">
+              <a:lnSpc>
+                <a:spcPct val="94000"/>
+              </a:lnSpc>
+              <a:spcBef>
+                <a:spcPts val="500"/>
+              </a:spcBef>
+              <a:spcAft>
+                <a:spcPts val="200"/>
+              </a:spcAft>
+              <a:buFont typeface="Franklin Gothic Book" panose="020B0503020102020204" pitchFamily="34" charset="0"/>
+              <a:buChar char="–"/>
+              <a:defRPr sz="1400" i="1" kern="1200" baseline="0">
+                <a:solidFill>
+                  <a:schemeClr val="tx2"/>
+                </a:solidFill>
+                <a:latin typeface="+mn-lt"/>
+                <a:ea typeface="+mn-ea"/>
+                <a:cs typeface="+mn-cs"/>
+              </a:defRPr>
+            </a:lvl8pPr>
+            <a:lvl9pPr marL="4114800" indent="-384048" algn="l" defTabSz="914400" rtl="0" eaLnBrk="1" latinLnBrk="0" hangingPunct="1">
+              <a:lnSpc>
+                <a:spcPct val="94000"/>
+              </a:lnSpc>
+              <a:spcBef>
+                <a:spcPts val="500"/>
+              </a:spcBef>
+              <a:spcAft>
+                <a:spcPts val="200"/>
+              </a:spcAft>
+              <a:buFont typeface="Franklin Gothic Book" panose="020B0503020102020204" pitchFamily="34" charset="0"/>
+              <a:buChar char="■"/>
+              <a:defRPr sz="1400" kern="1200" baseline="0">
+                <a:solidFill>
+                  <a:schemeClr val="tx2"/>
+                </a:solidFill>
+                <a:latin typeface="+mn-lt"/>
+                <a:ea typeface="+mn-ea"/>
+                <a:cs typeface="+mn-cs"/>
+              </a:defRPr>
+            </a:lvl9pPr>
+          </a:lstStyle>
+          <a:p>
+            <a:r>
+              <a:rPr lang="en-GB" dirty="0"/>
+              <a:t>Unity Library</a:t>
+            </a:r>
+          </a:p>
+          <a:p>
+            <a:pPr lvl="1"/>
+            <a:r>
+              <a:rPr lang="en-GB" dirty="0"/>
+              <a:t>Terrain generation</a:t>
+            </a:r>
+          </a:p>
+          <a:p>
+            <a:pPr lvl="3"/>
+            <a:r>
+              <a:rPr lang="en-GB" dirty="0"/>
+              <a:t>Land</a:t>
+            </a:r>
+          </a:p>
+          <a:p>
+            <a:pPr lvl="3"/>
+            <a:r>
+              <a:rPr lang="en-GB" dirty="0"/>
+              <a:t>Water</a:t>
+            </a:r>
+          </a:p>
+          <a:p>
+            <a:pPr lvl="1"/>
+            <a:endParaRPr lang="en-GB" dirty="0"/>
+          </a:p>
+          <a:p>
+            <a:pPr lvl="1"/>
+            <a:r>
+              <a:rPr lang="en-GB" dirty="0"/>
+              <a:t>Roads plotted</a:t>
+            </a:r>
+          </a:p>
+          <a:p>
+            <a:pPr lvl="3"/>
+            <a:r>
+              <a:rPr lang="en-GB" dirty="0"/>
+              <a:t>Major roads</a:t>
+            </a:r>
+          </a:p>
+          <a:p>
+            <a:pPr lvl="3"/>
+            <a:r>
+              <a:rPr lang="en-GB" dirty="0"/>
+              <a:t>Minor roads</a:t>
+            </a:r>
+          </a:p>
+          <a:p>
+            <a:pPr lvl="3"/>
+            <a:r>
+              <a:rPr lang="en-GB" dirty="0"/>
+              <a:t>Bridges</a:t>
+            </a:r>
+          </a:p>
+          <a:p>
+            <a:pPr lvl="1"/>
+            <a:endParaRPr lang="en-GB" dirty="0"/>
+          </a:p>
+          <a:p>
+            <a:pPr lvl="1"/>
+            <a:r>
+              <a:rPr lang="en-GB" dirty="0"/>
+              <a:t>Buildings placed</a:t>
+            </a:r>
+          </a:p>
+          <a:p>
+            <a:pPr lvl="3"/>
+            <a:r>
+              <a:rPr lang="en-GB" dirty="0"/>
+              <a:t>Building lot placement</a:t>
+            </a:r>
+          </a:p>
+          <a:p>
+            <a:pPr lvl="3"/>
+            <a:r>
+              <a:rPr lang="en-GB" dirty="0"/>
+              <a:t>Building mesh generation</a:t>
+            </a:r>
+          </a:p>
+        </p:txBody>
+      </p:sp>
+      <p:pic>
+        <p:nvPicPr>
+          <p:cNvPr id="5" name="Picture 4">
+            <a:extLst>
+              <a:ext uri="{FF2B5EF4-FFF2-40B4-BE49-F238E27FC236}">
+                <a16:creationId xmlns:a16="http://schemas.microsoft.com/office/drawing/2014/main" id="{0B0D1890-D8BD-422F-A558-A43183924909}"/>
+              </a:ext>
+            </a:extLst>
+          </p:cNvPr>
+          <p:cNvPicPr>
+            <a:picLocks noChangeAspect="1"/>
+          </p:cNvPicPr>
+          <p:nvPr/>
+        </p:nvPicPr>
+        <p:blipFill rotWithShape="1">
+          <a:blip r:embed="rId3"/>
+          <a:srcRect r="26117"/>
+          <a:stretch/>
+        </p:blipFill>
+        <p:spPr>
+          <a:xfrm>
+            <a:off x="6998388" y="1977687"/>
+            <a:ext cx="4744694" cy="3883974"/>
+          </a:xfrm>
+          <a:prstGeom prst="rect">
+            <a:avLst/>
+          </a:prstGeom>
+        </p:spPr>
+      </p:pic>
+    </p:spTree>
+    <p:extLst>
+      <p:ext uri="{BB962C8B-B14F-4D97-AF65-F5344CB8AC3E}">
+        <p14:creationId xmlns:p14="http://schemas.microsoft.com/office/powerpoint/2010/main" val="3782984761"/>
+      </p:ext>
+    </p:extLst>
+  </p:cSld>
+  <p:clrMapOvr>
+    <a:masterClrMapping/>
+  </p:clrMapOvr>
+</p:sld>
+</file>
+
+<file path=ppt/slides/slide23.xml><?xml version="1.0" encoding="utf-8"?>
+<p:sld xmlns:a="http://schemas.openxmlformats.org/drawingml/2006/main" xmlns:r="http://schemas.openxmlformats.org/officeDocument/2006/relationships" xmlns:p="http://schemas.openxmlformats.org/presentationml/2006/main">
+  <p:cSld>
+    <p:spTree>
+      <p:nvGrpSpPr>
+        <p:cNvPr id="1" name=""/>
+        <p:cNvGrpSpPr/>
+        <p:nvPr/>
+      </p:nvGrpSpPr>
+      <p:grpSpPr>
+        <a:xfrm>
+          <a:off x="0" y="0"/>
+          <a:ext cx="0" cy="0"/>
+          <a:chOff x="0" y="0"/>
+          <a:chExt cx="0" cy="0"/>
+        </a:xfrm>
+      </p:grpSpPr>
+      <p:sp>
+        <p:nvSpPr>
+          <p:cNvPr id="2" name="Title 1">
+            <a:extLst>
+              <a:ext uri="{FF2B5EF4-FFF2-40B4-BE49-F238E27FC236}">
                 <a16:creationId xmlns:a16="http://schemas.microsoft.com/office/drawing/2014/main" id="{660E33CA-A747-446E-BF16-6106F1B65560}"/>
               </a:ext>
             </a:extLst>
@@ -12139,8 +12828,8 @@
         </p:nvSpPr>
         <p:spPr>
           <a:xfrm>
-            <a:off x="879231" y="914400"/>
-            <a:ext cx="11025776" cy="5819777"/>
+            <a:off x="879231" y="1274886"/>
+            <a:ext cx="10433538" cy="2154114"/>
           </a:xfrm>
           <a:prstGeom prst="rect">
             <a:avLst/>
@@ -12347,51 +13036,279 @@
             </a:lvl9pPr>
           </a:lstStyle>
           <a:p>
-            <a:pPr fontAlgn="base"/>
-            <a:r>
-              <a:rPr lang="en-GB" sz="1000" dirty="0"/>
-              <a:t>Brown, B. (2011). Prim's Algorithm: Minimal Spanning Tree. [Online] 15th May 2011. Available online: </a:t>
-            </a:r>
-            <a:r>
-              <a:rPr lang="en-GB" sz="1000" u="sng" dirty="0">
-                <a:hlinkClick r:id="rId2"/>
-              </a:rPr>
-              <a:t>https://www.youtube.com</a:t>
-            </a:r>
-            <a:r>
-              <a:rPr lang="en-GB" sz="1000" u="sng" dirty="0"/>
-              <a:t>/</a:t>
-            </a:r>
-            <a:r>
-              <a:rPr lang="en-GB" sz="1000" dirty="0"/>
-              <a:t>watch?v=YyLaRffCdk4[Date of access: 02 October 2017].</a:t>
-            </a:r>
-          </a:p>
-          <a:p>
-            <a:pPr fontAlgn="base"/>
-            <a:r>
-              <a:rPr lang="en-GB" sz="1000" dirty="0"/>
-              <a:t>Chen G. </a:t>
-            </a:r>
-            <a:r>
-              <a:rPr lang="en-GB" sz="1000" dirty="0" err="1"/>
-              <a:t>Esch</a:t>
-            </a:r>
-            <a:r>
-              <a:rPr lang="en-GB" sz="1000" dirty="0"/>
-              <a:t> G. Wonka P. Mueller P. Zhang E. (2008). "Interactive Procedural Street </a:t>
-            </a:r>
-            <a:r>
-              <a:rPr lang="en-GB" sz="1000" dirty="0" err="1"/>
-              <a:t>Modeling</a:t>
-            </a:r>
-            <a:r>
-              <a:rPr lang="en-GB" sz="1000" dirty="0"/>
-              <a:t>" In Proceedings of SIGGRAPH 2008. ACM Trans. Graph. Article 103: 1-10.</a:t>
-            </a:r>
-          </a:p>
-          <a:p>
-            <a:pPr fontAlgn="base"/>
+            <a:r>
+              <a:rPr lang="en-GB" sz="1800" dirty="0"/>
+              <a:t>Roads:</a:t>
+            </a:r>
+          </a:p>
+          <a:p>
+            <a:pPr lvl="1">
+              <a:lnSpc>
+                <a:spcPct val="100000"/>
+              </a:lnSpc>
+            </a:pPr>
+            <a:r>
+              <a:rPr lang="en-GB" sz="1800" dirty="0"/>
+              <a:t>Template based generation</a:t>
+            </a:r>
+          </a:p>
+          <a:p>
+            <a:pPr lvl="1">
+              <a:lnSpc>
+                <a:spcPct val="100000"/>
+              </a:lnSpc>
+            </a:pPr>
+            <a:r>
+              <a:rPr lang="en-GB" sz="1800" dirty="0"/>
+              <a:t>L-systems</a:t>
+            </a:r>
+          </a:p>
+          <a:p>
+            <a:r>
+              <a:rPr lang="en-GB" sz="1800" dirty="0"/>
+              <a:t>Population:</a:t>
+            </a:r>
+          </a:p>
+          <a:p>
+            <a:pPr lvl="1"/>
+            <a:r>
+              <a:rPr lang="en-GB" sz="1800" dirty="0"/>
+              <a:t>Noise</a:t>
+            </a:r>
+          </a:p>
+          <a:p>
+            <a:pPr lvl="1"/>
+            <a:endParaRPr lang="en-GB" sz="1800" dirty="0"/>
+          </a:p>
+        </p:txBody>
+      </p:sp>
+      <p:sp>
+        <p:nvSpPr>
+          <p:cNvPr id="5" name="Content Placeholder 2">
+            <a:extLst>
+              <a:ext uri="{FF2B5EF4-FFF2-40B4-BE49-F238E27FC236}">
+                <a16:creationId xmlns:a16="http://schemas.microsoft.com/office/drawing/2014/main" id="{06AF8971-94BC-4C5A-B56D-1AEBE37E428C}"/>
+              </a:ext>
+            </a:extLst>
+          </p:cNvPr>
+          <p:cNvSpPr txBox="1">
+            <a:spLocks/>
+          </p:cNvSpPr>
+          <p:nvPr/>
+        </p:nvSpPr>
+        <p:spPr>
+          <a:xfrm>
+            <a:off x="879231" y="3706690"/>
+            <a:ext cx="11025776" cy="3027485"/>
+          </a:xfrm>
+          <a:prstGeom prst="rect">
+            <a:avLst/>
+          </a:prstGeom>
+          <a:ln>
+            <a:solidFill>
+              <a:schemeClr val="tx1"/>
+            </a:solidFill>
+          </a:ln>
+        </p:spPr>
+        <p:txBody>
+          <a:bodyPr vert="horz" lIns="91440" tIns="45720" rIns="91440" bIns="45720" rtlCol="0">
+            <a:noAutofit/>
+          </a:bodyPr>
+          <a:lstStyle>
+            <a:lvl1pPr marL="384048" indent="-384048" algn="l" defTabSz="914400" rtl="0" eaLnBrk="1" latinLnBrk="0" hangingPunct="1">
+              <a:lnSpc>
+                <a:spcPct val="94000"/>
+              </a:lnSpc>
+              <a:spcBef>
+                <a:spcPts val="1000"/>
+              </a:spcBef>
+              <a:spcAft>
+                <a:spcPts val="200"/>
+              </a:spcAft>
+              <a:buFont typeface="Franklin Gothic Book" panose="020B0503020102020204" pitchFamily="34" charset="0"/>
+              <a:buChar char="■"/>
+              <a:defRPr sz="2000" kern="1200" baseline="0">
+                <a:solidFill>
+                  <a:schemeClr val="tx2"/>
+                </a:solidFill>
+                <a:latin typeface="+mn-lt"/>
+                <a:ea typeface="+mn-ea"/>
+                <a:cs typeface="+mn-cs"/>
+              </a:defRPr>
+            </a:lvl1pPr>
+            <a:lvl2pPr marL="914400" indent="-384048" algn="l" defTabSz="914400" rtl="0" eaLnBrk="1" latinLnBrk="0" hangingPunct="1">
+              <a:lnSpc>
+                <a:spcPct val="94000"/>
+              </a:lnSpc>
+              <a:spcBef>
+                <a:spcPts val="500"/>
+              </a:spcBef>
+              <a:spcAft>
+                <a:spcPts val="200"/>
+              </a:spcAft>
+              <a:buFont typeface="Franklin Gothic Book" panose="020B0503020102020204" pitchFamily="34" charset="0"/>
+              <a:buChar char="–"/>
+              <a:defRPr sz="2000" i="1" kern="1200" baseline="0">
+                <a:solidFill>
+                  <a:schemeClr val="tx2"/>
+                </a:solidFill>
+                <a:latin typeface="+mn-lt"/>
+                <a:ea typeface="+mn-ea"/>
+                <a:cs typeface="+mn-cs"/>
+              </a:defRPr>
+            </a:lvl2pPr>
+            <a:lvl3pPr marL="1371600" indent="-384048" algn="l" defTabSz="914400" rtl="0" eaLnBrk="1" latinLnBrk="0" hangingPunct="1">
+              <a:lnSpc>
+                <a:spcPct val="94000"/>
+              </a:lnSpc>
+              <a:spcBef>
+                <a:spcPts val="500"/>
+              </a:spcBef>
+              <a:spcAft>
+                <a:spcPts val="200"/>
+              </a:spcAft>
+              <a:buFont typeface="Franklin Gothic Book" panose="020B0503020102020204" pitchFamily="34" charset="0"/>
+              <a:buChar char="■"/>
+              <a:defRPr sz="1800" kern="1200" baseline="0">
+                <a:solidFill>
+                  <a:schemeClr val="tx2"/>
+                </a:solidFill>
+                <a:latin typeface="+mn-lt"/>
+                <a:ea typeface="+mn-ea"/>
+                <a:cs typeface="+mn-cs"/>
+              </a:defRPr>
+            </a:lvl3pPr>
+            <a:lvl4pPr marL="1828800" indent="-384048" algn="l" defTabSz="914400" rtl="0" eaLnBrk="1" latinLnBrk="0" hangingPunct="1">
+              <a:lnSpc>
+                <a:spcPct val="94000"/>
+              </a:lnSpc>
+              <a:spcBef>
+                <a:spcPts val="500"/>
+              </a:spcBef>
+              <a:spcAft>
+                <a:spcPts val="200"/>
+              </a:spcAft>
+              <a:buFont typeface="Franklin Gothic Book" panose="020B0503020102020204" pitchFamily="34" charset="0"/>
+              <a:buChar char="–"/>
+              <a:defRPr sz="1800" i="1" kern="1200" baseline="0">
+                <a:solidFill>
+                  <a:schemeClr val="tx2"/>
+                </a:solidFill>
+                <a:latin typeface="+mn-lt"/>
+                <a:ea typeface="+mn-ea"/>
+                <a:cs typeface="+mn-cs"/>
+              </a:defRPr>
+            </a:lvl4pPr>
+            <a:lvl5pPr marL="2286000" indent="-384048" algn="l" defTabSz="914400" rtl="0" eaLnBrk="1" latinLnBrk="0" hangingPunct="1">
+              <a:lnSpc>
+                <a:spcPct val="94000"/>
+              </a:lnSpc>
+              <a:spcBef>
+                <a:spcPts val="500"/>
+              </a:spcBef>
+              <a:spcAft>
+                <a:spcPts val="200"/>
+              </a:spcAft>
+              <a:buFont typeface="Franklin Gothic Book" panose="020B0503020102020204" pitchFamily="34" charset="0"/>
+              <a:buChar char="■"/>
+              <a:defRPr sz="1600" kern="1200" baseline="0">
+                <a:solidFill>
+                  <a:schemeClr val="tx2"/>
+                </a:solidFill>
+                <a:latin typeface="+mn-lt"/>
+                <a:ea typeface="+mn-ea"/>
+                <a:cs typeface="+mn-cs"/>
+              </a:defRPr>
+            </a:lvl5pPr>
+            <a:lvl6pPr marL="2743200" indent="-384048" algn="l" defTabSz="914400" rtl="0" eaLnBrk="1" latinLnBrk="0" hangingPunct="1">
+              <a:lnSpc>
+                <a:spcPct val="94000"/>
+              </a:lnSpc>
+              <a:spcBef>
+                <a:spcPts val="500"/>
+              </a:spcBef>
+              <a:spcAft>
+                <a:spcPts val="200"/>
+              </a:spcAft>
+              <a:buFont typeface="Franklin Gothic Book" panose="020B0503020102020204" pitchFamily="34" charset="0"/>
+              <a:buChar char="–"/>
+              <a:defRPr sz="1600" i="1" kern="1200" baseline="0">
+                <a:solidFill>
+                  <a:schemeClr val="tx2"/>
+                </a:solidFill>
+                <a:latin typeface="+mn-lt"/>
+                <a:ea typeface="+mn-ea"/>
+                <a:cs typeface="+mn-cs"/>
+              </a:defRPr>
+            </a:lvl6pPr>
+            <a:lvl7pPr marL="3200400" indent="-384048" algn="l" defTabSz="914400" rtl="0" eaLnBrk="1" latinLnBrk="0" hangingPunct="1">
+              <a:lnSpc>
+                <a:spcPct val="94000"/>
+              </a:lnSpc>
+              <a:spcBef>
+                <a:spcPts val="500"/>
+              </a:spcBef>
+              <a:spcAft>
+                <a:spcPts val="200"/>
+              </a:spcAft>
+              <a:buFont typeface="Franklin Gothic Book" panose="020B0503020102020204" pitchFamily="34" charset="0"/>
+              <a:buChar char="■"/>
+              <a:defRPr sz="1400" kern="1200" baseline="0">
+                <a:solidFill>
+                  <a:schemeClr val="tx2"/>
+                </a:solidFill>
+                <a:latin typeface="+mn-lt"/>
+                <a:ea typeface="+mn-ea"/>
+                <a:cs typeface="+mn-cs"/>
+              </a:defRPr>
+            </a:lvl7pPr>
+            <a:lvl8pPr marL="3657600" indent="-384048" algn="l" defTabSz="914400" rtl="0" eaLnBrk="1" latinLnBrk="0" hangingPunct="1">
+              <a:lnSpc>
+                <a:spcPct val="94000"/>
+              </a:lnSpc>
+              <a:spcBef>
+                <a:spcPts val="500"/>
+              </a:spcBef>
+              <a:spcAft>
+                <a:spcPts val="200"/>
+              </a:spcAft>
+              <a:buFont typeface="Franklin Gothic Book" panose="020B0503020102020204" pitchFamily="34" charset="0"/>
+              <a:buChar char="–"/>
+              <a:defRPr sz="1400" i="1" kern="1200" baseline="0">
+                <a:solidFill>
+                  <a:schemeClr val="tx2"/>
+                </a:solidFill>
+                <a:latin typeface="+mn-lt"/>
+                <a:ea typeface="+mn-ea"/>
+                <a:cs typeface="+mn-cs"/>
+              </a:defRPr>
+            </a:lvl8pPr>
+            <a:lvl9pPr marL="4114800" indent="-384048" algn="l" defTabSz="914400" rtl="0" eaLnBrk="1" latinLnBrk="0" hangingPunct="1">
+              <a:lnSpc>
+                <a:spcPct val="94000"/>
+              </a:lnSpc>
+              <a:spcBef>
+                <a:spcPts val="500"/>
+              </a:spcBef>
+              <a:spcAft>
+                <a:spcPts val="200"/>
+              </a:spcAft>
+              <a:buFont typeface="Franklin Gothic Book" panose="020B0503020102020204" pitchFamily="34" charset="0"/>
+              <a:buChar char="■"/>
+              <a:defRPr sz="1400" kern="1200" baseline="0">
+                <a:solidFill>
+                  <a:schemeClr val="tx2"/>
+                </a:solidFill>
+                <a:latin typeface="+mn-lt"/>
+                <a:ea typeface="+mn-ea"/>
+                <a:cs typeface="+mn-cs"/>
+              </a:defRPr>
+            </a:lvl9pPr>
+          </a:lstStyle>
+          <a:p>
+            <a:pPr marL="0" indent="0" fontAlgn="base">
+              <a:buNone/>
+            </a:pPr>
             <a:r>
               <a:rPr lang="en-GB" sz="1000" dirty="0" err="1"/>
               <a:t>Eppstein</a:t>
@@ -12406,80 +13323,28 @@
             </a:r>
             <a:r>
               <a:rPr lang="en-GB" sz="1000" dirty="0"/>
-              <a:t> 1996. Available online: </a:t>
-            </a:r>
-            <a:r>
-              <a:rPr lang="en-GB" sz="1000" u="sng" dirty="0">
-                <a:hlinkClick r:id="rId3"/>
-              </a:rPr>
-              <a:t>https://www.ics.uci.edu</a:t>
-            </a:r>
-            <a:r>
-              <a:rPr lang="en-GB" sz="1000" dirty="0">
-                <a:hlinkClick r:id="rId3"/>
-              </a:rPr>
-              <a:t>/~eppstein/161/960206.html</a:t>
-            </a:r>
-            <a:r>
-              <a:rPr lang="en-GB" sz="1000" dirty="0"/>
-              <a:t> [Date of access: 29 October 2017]</a:t>
-            </a:r>
-          </a:p>
-          <a:p>
-            <a:pPr fontAlgn="base"/>
-            <a:r>
-              <a:rPr lang="en-GB" sz="1000" dirty="0"/>
-              <a:t>Evans, M. (2015). </a:t>
-            </a:r>
-            <a:r>
-              <a:rPr lang="en-GB" sz="1000" dirty="0" err="1"/>
-              <a:t>Procedual</a:t>
-            </a:r>
-            <a:r>
-              <a:rPr lang="en-GB" sz="1000" dirty="0"/>
-              <a:t> Generation For Dummies: Road Generation. [Online] 11 December 2015. Available online: http://martindevans.me/game-development/2015/12/11/Procedural-Generation-For-Dummies-Roads/ [Date of access: 19 May 2016]</a:t>
-            </a:r>
-          </a:p>
-          <a:p>
-            <a:pPr fontAlgn="base"/>
-            <a:r>
-              <a:rPr lang="en-GB" sz="1000" dirty="0"/>
-              <a:t>Goldman, R.  Schaefer, S and Ju, T. (2004). Turtle geometry in computer graphics and computer-aided design. </a:t>
-            </a:r>
-            <a:r>
-              <a:rPr lang="en-GB" sz="1000" i="1" dirty="0"/>
-              <a:t>Computer Aided Design</a:t>
-            </a:r>
-            <a:r>
-              <a:rPr lang="en-GB" sz="1000" dirty="0"/>
-              <a:t> 36(14), pp.1471-1482</a:t>
-            </a:r>
-          </a:p>
-          <a:p>
-            <a:pPr fontAlgn="base"/>
+              <a:t> 1996. Available online: https://www.ics.uci.edu/~eppstein/161/960206.html [Date of access: 29 October 2017]</a:t>
+            </a:r>
+          </a:p>
+          <a:p>
+            <a:pPr marL="0" indent="0" fontAlgn="base">
+              <a:buNone/>
+            </a:pPr>
             <a:r>
               <a:rPr lang="en-GB" sz="1000" dirty="0" err="1"/>
               <a:t>Greuter</a:t>
             </a:r>
             <a:r>
               <a:rPr lang="en-GB" sz="1000" dirty="0"/>
-              <a:t>, S. Parker, J. Stewart, N. Leach, G. (2003). "Real-time procedural generation of 'pseudo infinite' cities". In </a:t>
-            </a:r>
-            <a:r>
-              <a:rPr lang="en-GB" sz="1000" i="1" dirty="0"/>
-              <a:t>Proceedings of the 1st international conference on Computer graphics and interactive techniques in </a:t>
-            </a:r>
-            <a:r>
-              <a:rPr lang="en-GB" sz="1000" i="1" dirty="0" err="1"/>
+              <a:t>, S. Parker, J. Stewart, N. Leach, G. (2003). "Real-time procedural generation of 'pseudo infinite' cities". In *Proceedings of the 1st international conference on Computer graphics and interactive techniques in </a:t>
+            </a:r>
+            <a:r>
+              <a:rPr lang="en-GB" sz="1000" dirty="0" err="1"/>
               <a:t>Astralasia</a:t>
             </a:r>
             <a:r>
-              <a:rPr lang="en-GB" sz="1000" i="1" dirty="0"/>
-              <a:t> and South East Asia </a:t>
-            </a:r>
-            <a:r>
-              <a:rPr lang="en-GB" sz="1000" dirty="0"/>
-              <a:t>(GRAPHITE '03) </a:t>
+              <a:rPr lang="en-GB" sz="1000" dirty="0"/>
+              <a:t> and South East Asia* (GRAPHITE '03) </a:t>
             </a:r>
             <a:r>
               <a:rPr lang="en-GB" sz="1000" dirty="0" err="1"/>
@@ -12487,54 +13352,13 @@
             </a:r>
             <a:r>
               <a:rPr lang="en-GB" sz="1000" dirty="0"/>
-              <a:t>, New York, </a:t>
-            </a:r>
-            <a:r>
-              <a:rPr lang="en-GB" sz="1000" dirty="0" err="1"/>
-              <a:t>Ny</a:t>
-            </a:r>
-            <a:r>
-              <a:rPr lang="en-GB" sz="1000" dirty="0"/>
-              <a:t>, USA, 87 - ff.</a:t>
-            </a:r>
-          </a:p>
-          <a:p>
-            <a:pPr fontAlgn="base"/>
-            <a:r>
-              <a:rPr lang="en-GB" sz="1000" dirty="0" err="1"/>
-              <a:t>Havey</a:t>
-            </a:r>
-            <a:r>
-              <a:rPr lang="en-GB" sz="1000" dirty="0"/>
-              <a:t>, D. (2008). Tutorial #7: </a:t>
-            </a:r>
-            <a:r>
-              <a:rPr lang="en-GB" sz="1000" dirty="0" err="1"/>
-              <a:t>Voronoi</a:t>
-            </a:r>
-            <a:r>
-              <a:rPr lang="en-GB" sz="1000" dirty="0"/>
-              <a:t> diagrams* [Online] May 4, 2008. Available online: </a:t>
-            </a:r>
-            <a:r>
-              <a:rPr lang="en-GB" sz="1000" u="sng" dirty="0">
-                <a:hlinkClick r:id="rId4"/>
-              </a:rPr>
-              <a:t>http://donhavey.com/blog/tutorials</a:t>
-            </a:r>
-            <a:r>
-              <a:rPr lang="en-GB" sz="1000" dirty="0">
-                <a:hlinkClick r:id="rId4"/>
-              </a:rPr>
-              <a:t>/tutorial-7-voronoi-diagrams/</a:t>
-            </a:r>
-            <a:r>
-              <a:rPr lang="en-GB" sz="1000" dirty="0"/>
-              <a:t> [Date of access: 30 May 2017]</a:t>
-            </a:r>
-          </a:p>
-          <a:p>
-            <a:pPr fontAlgn="base"/>
+              <a:t>, New York, Ny, USA, 87 - ff.</a:t>
+            </a:r>
+          </a:p>
+          <a:p>
+            <a:pPr marL="0" indent="0" fontAlgn="base">
+              <a:buNone/>
+            </a:pPr>
             <a:r>
               <a:rPr lang="en-GB" sz="1000" dirty="0" err="1"/>
               <a:t>Ilangovan</a:t>
@@ -12557,106 +13381,34 @@
             </a:r>
             <a:r>
               <a:rPr lang="en-GB" sz="1000" dirty="0"/>
-              <a:t>, Bournemouth University. Available at: </a:t>
-            </a:r>
-            <a:r>
-              <a:rPr lang="en-GB" sz="1000" u="sng" dirty="0">
-                <a:hlinkClick r:id="rId5"/>
-              </a:rPr>
-              <a:t>https://nccastaff.bournemouth.ac.uk</a:t>
-            </a:r>
-            <a:r>
-              <a:rPr lang="en-GB" sz="1000" dirty="0">
-                <a:hlinkClick r:id="rId5"/>
-              </a:rPr>
-              <a:t>/jmacey/MastersProjects/MSc09/Ilangovan/Thesis_i7834000.pdf</a:t>
-            </a:r>
-            <a:r>
-              <a:rPr lang="en-GB" sz="1000" dirty="0"/>
-              <a:t> (Accessed: 30 May 2017).</a:t>
-            </a:r>
-          </a:p>
-          <a:p>
-            <a:pPr fontAlgn="base"/>
-            <a:r>
-              <a:rPr lang="en-GB" sz="1000" dirty="0"/>
-              <a:t>Kelly, G and McCabe, H. (2006). "A Survey of Procedural Techniques for City Generation". In </a:t>
-            </a:r>
-            <a:r>
-              <a:rPr lang="en-GB" sz="1000" i="1" dirty="0"/>
-              <a:t>ITB Journal, No. 14</a:t>
-            </a:r>
-            <a:r>
-              <a:rPr lang="en-GB" sz="1000" dirty="0"/>
-              <a:t>.</a:t>
-            </a:r>
-          </a:p>
-          <a:p>
-            <a:pPr fontAlgn="base"/>
-            <a:r>
-              <a:rPr lang="en-GB" sz="1000" dirty="0"/>
-              <a:t>Kelly G and McCabe H. (2006). “Interactive generation of cities for real-time applications” In Proceedings of </a:t>
-            </a:r>
-            <a:r>
-              <a:rPr lang="en-GB" sz="1000" i="1" dirty="0" err="1"/>
-              <a:t>Siggraph</a:t>
-            </a:r>
-            <a:r>
-              <a:rPr lang="en-GB" sz="1000" i="1" dirty="0"/>
-              <a:t> ’06 ACM SIGGRAPH 2006 Research Posters</a:t>
-            </a:r>
-            <a:r>
-              <a:rPr lang="en-GB" sz="1000" dirty="0"/>
-              <a:t> – SIGGRAPH ’06.</a:t>
-            </a:r>
-          </a:p>
-          <a:p>
-            <a:pPr fontAlgn="base"/>
-            <a:r>
-              <a:rPr lang="en-GB" sz="1000" dirty="0" err="1"/>
-              <a:t>Martek</a:t>
-            </a:r>
-            <a:r>
-              <a:rPr lang="en-GB" sz="1000" dirty="0"/>
-              <a:t>, C. (2012). "Procedural generation of road networks for large virtual environments." Rochester Institute of Technology.</a:t>
-            </a:r>
-          </a:p>
-          <a:p>
-            <a:pPr fontAlgn="base"/>
-            <a:r>
-              <a:rPr lang="en-GB" sz="1000" dirty="0"/>
-              <a:t>Martz, P. (1997). </a:t>
-            </a:r>
-            <a:r>
-              <a:rPr lang="en-GB" sz="1000" i="1" dirty="0"/>
-              <a:t>Generating Random Fractal Terrain</a:t>
-            </a:r>
-            <a:r>
-              <a:rPr lang="en-GB" sz="1000" dirty="0"/>
-              <a:t>. [Online] 1997. Available Online: </a:t>
-            </a:r>
-            <a:r>
-              <a:rPr lang="en-GB" sz="1000" u="sng" dirty="0">
-                <a:hlinkClick r:id="rId6"/>
-              </a:rPr>
-              <a:t>http://www.gameprogrammer.com</a:t>
-            </a:r>
-            <a:r>
-              <a:rPr lang="en-GB" sz="1000" dirty="0">
-                <a:hlinkClick r:id="rId6"/>
-              </a:rPr>
-              <a:t>/fractal.html</a:t>
-            </a:r>
-            <a:r>
-              <a:rPr lang="en-GB" sz="1000" dirty="0"/>
-              <a:t> [Date of access: 09 May 2016]</a:t>
-            </a:r>
-          </a:p>
-          <a:p>
-            <a:pPr fontAlgn="base"/>
-            <a:r>
-              <a:rPr lang="en-GB" sz="1000" dirty="0"/>
-              <a:t>Muller, P and Parish, Y, I, H. (2001). "Procedural </a:t>
+              <a:t>, Bournemouth University. Available at: https://nccastaff.bournemouth.ac.uk/jmacey/MastersProjects/MSc09/Ilangovan/Thesis_i7834000.pdf (Accessed: 30 May 2017).</a:t>
+            </a:r>
+          </a:p>
+          <a:p>
+            <a:pPr marL="0" indent="0" fontAlgn="base">
+              <a:buNone/>
+            </a:pPr>
+            <a:r>
+              <a:rPr lang="en-GB" sz="1000" dirty="0"/>
+              <a:t>Kelly, G and McCabe, H. (2006). "Interactive generation of cities for real-time applications" In Proceedings of SIGGRAPH '06 ACM SIGGRAPH 2006 Research Posters - SIGGRAPH ‘06</a:t>
+            </a:r>
+          </a:p>
+          <a:p>
+            <a:pPr marL="0" indent="0" fontAlgn="base">
+              <a:buNone/>
+            </a:pPr>
+            <a:r>
+              <a:rPr lang="en-GB" sz="1000" dirty="0"/>
+              <a:t>Martz, P. (1997). *Generating Random Fractal Terrain*. [Online] 1997. Available Online: http://www.gameprogrammer.com/fractal.html [Date of access: 09 May 2016]</a:t>
+            </a:r>
+          </a:p>
+          <a:p>
+            <a:pPr marL="0" indent="0" fontAlgn="base">
+              <a:buNone/>
+            </a:pPr>
+            <a:r>
+              <a:rPr lang="en-GB" sz="1000" dirty="0"/>
+              <a:t>Muller, P and Parish, Y, I, H.  (2001). "Procedural </a:t>
             </a:r>
             <a:r>
               <a:rPr lang="en-GB" sz="1000" dirty="0" err="1"/>
@@ -12672,22 +13424,24 @@
             </a:r>
             <a:r>
               <a:rPr lang="en-GB" sz="1000" dirty="0"/>
-              <a:t>, New York, NY, USA, 301 - 308.</a:t>
-            </a:r>
-          </a:p>
-          <a:p>
-            <a:pPr fontAlgn="base"/>
-            <a:r>
-              <a:rPr lang="en-GB" sz="1000" dirty="0"/>
-              <a:t>Muller, P. Wonka, P. </a:t>
+              <a:t>, New York, NY, USA. 301 - 308.</a:t>
+            </a:r>
+          </a:p>
+          <a:p>
+            <a:pPr marL="0" indent="0" fontAlgn="base">
+              <a:buNone/>
+            </a:pPr>
+            <a:r>
+              <a:rPr lang="en-GB" sz="1000" dirty="0"/>
+              <a:t>Sun, J. Yu, X. </a:t>
             </a:r>
             <a:r>
               <a:rPr lang="en-GB" sz="1000" dirty="0" err="1"/>
-              <a:t>Haegler</a:t>
-            </a:r>
-            <a:r>
-              <a:rPr lang="en-GB" sz="1000" dirty="0"/>
-              <a:t>, S. Ulmer, A. Goo, L, V. (2006). "Procedural </a:t>
+              <a:t>Baciu</a:t>
+            </a:r>
+            <a:r>
+              <a:rPr lang="en-GB" sz="1000" dirty="0"/>
+              <a:t>, G. Green, M. (2002). "Template-based generation of road networks for virtual city </a:t>
             </a:r>
             <a:r>
               <a:rPr lang="en-GB" sz="1000" dirty="0" err="1"/>
@@ -12695,7 +13449,7 @@
             </a:r>
             <a:r>
               <a:rPr lang="en-GB" sz="1000" dirty="0"/>
-              <a:t> of buildings" In Proceedings of SIGGRAPH 06' ACM SIGGRAPH 2006. </a:t>
+              <a:t>". In Proceedings of the ACM symposium on Virtual reality software and technology (VRST '02). </a:t>
             </a:r>
             <a:r>
               <a:rPr lang="en-GB" sz="1000" dirty="0" err="1"/>
@@ -12703,105 +13457,268 @@
             </a:r>
             <a:r>
               <a:rPr lang="en-GB" sz="1000" dirty="0"/>
-              <a:t>, New York, NY, USA, 614 - 623.</a:t>
-            </a:r>
-          </a:p>
-          <a:p>
-            <a:pPr fontAlgn="base"/>
-            <a:r>
-              <a:rPr lang="en-GB" sz="1000" dirty="0" err="1"/>
-              <a:t>Prusinkiewicx</a:t>
-            </a:r>
-            <a:r>
-              <a:rPr lang="en-GB" sz="1000" dirty="0"/>
-              <a:t>, P. and </a:t>
-            </a:r>
-            <a:r>
-              <a:rPr lang="en-GB" sz="1000" dirty="0" err="1"/>
-              <a:t>Janan</a:t>
-            </a:r>
-            <a:r>
-              <a:rPr lang="en-GB" sz="1000" dirty="0"/>
-              <a:t>, J. (1992). “</a:t>
-            </a:r>
-            <a:r>
-              <a:rPr lang="en-GB" sz="1000" dirty="0" err="1"/>
-              <a:t>Lindenmayer</a:t>
-            </a:r>
-            <a:r>
-              <a:rPr lang="en-GB" sz="1000" dirty="0"/>
-              <a:t> systems, fractals, and plants.” New York, N.Y.: Springer-Verlag.</a:t>
-            </a:r>
-          </a:p>
-          <a:p>
-            <a:pPr fontAlgn="base"/>
-            <a:r>
-              <a:rPr lang="en-GB" sz="1000" dirty="0"/>
-              <a:t>Red Blob Games. (2014) </a:t>
-            </a:r>
-            <a:r>
-              <a:rPr lang="en-GB" sz="1000" i="1" dirty="0"/>
-              <a:t>Introduction to A*.</a:t>
-            </a:r>
-            <a:r>
-              <a:rPr lang="en-GB" sz="1000" dirty="0"/>
-              <a:t> [Online] June 2016. Available online: </a:t>
-            </a:r>
-            <a:r>
-              <a:rPr lang="en-GB" sz="1000" u="sng" dirty="0">
-                <a:hlinkClick r:id="rId7"/>
-              </a:rPr>
-              <a:t>http://www.redblobgames.com</a:t>
-            </a:r>
-            <a:r>
-              <a:rPr lang="en-GB" sz="1000" dirty="0">
-                <a:hlinkClick r:id="rId7"/>
-              </a:rPr>
-              <a:t>/pathfinding/a-star/introduction.html</a:t>
-            </a:r>
-            <a:r>
-              <a:rPr lang="en-GB" sz="1000" dirty="0"/>
-              <a:t> [Date of access: 29 September 2017].</a:t>
-            </a:r>
-          </a:p>
-          <a:p>
-            <a:pPr fontAlgn="base"/>
-            <a:r>
-              <a:rPr lang="en-GB" sz="1000" dirty="0"/>
-              <a:t>Sun, J. Yu, X. </a:t>
-            </a:r>
-            <a:r>
-              <a:rPr lang="en-GB" sz="1000" dirty="0" err="1"/>
-              <a:t>Baciu</a:t>
-            </a:r>
-            <a:r>
-              <a:rPr lang="en-GB" sz="1000" dirty="0"/>
-              <a:t>, G. Green, M. (2002). "Template-based generation of road networks for virtual city </a:t>
-            </a:r>
-            <a:r>
-              <a:rPr lang="en-GB" sz="1000" dirty="0" err="1"/>
-              <a:t>modeling</a:t>
-            </a:r>
-            <a:r>
-              <a:rPr lang="en-GB" sz="1000" dirty="0"/>
-              <a:t>". In </a:t>
-            </a:r>
-            <a:r>
-              <a:rPr lang="en-GB" sz="1000" i="1" dirty="0"/>
-              <a:t>Proceedings of the ACM symposium on Virtual reality software and technology</a:t>
-            </a:r>
-            <a:r>
-              <a:rPr lang="en-GB" sz="1000" dirty="0"/>
-              <a:t> (VRST '02). </a:t>
-            </a:r>
-            <a:r>
-              <a:rPr lang="en-GB" sz="1000" dirty="0" err="1"/>
-              <a:t>Acm</a:t>
-            </a:r>
-            <a:r>
-              <a:rPr lang="en-GB" sz="1000" dirty="0"/>
               <a:t>, New Work, NY, USA, 33 - 40.</a:t>
             </a:r>
+          </a:p>
+        </p:txBody>
+      </p:sp>
+      <p:sp>
+        <p:nvSpPr>
+          <p:cNvPr id="6" name="Content Placeholder 2">
+            <a:extLst>
+              <a:ext uri="{FF2B5EF4-FFF2-40B4-BE49-F238E27FC236}">
+                <a16:creationId xmlns:a16="http://schemas.microsoft.com/office/drawing/2014/main" id="{62A37CF7-1E26-47FA-80D6-A8DE5973FF82}"/>
+              </a:ext>
+            </a:extLst>
+          </p:cNvPr>
+          <p:cNvSpPr txBox="1">
+            <a:spLocks/>
+          </p:cNvSpPr>
+          <p:nvPr/>
+        </p:nvSpPr>
+        <p:spPr>
+          <a:xfrm>
+            <a:off x="6660906" y="1274886"/>
+            <a:ext cx="4651863" cy="1876424"/>
+          </a:xfrm>
+          <a:prstGeom prst="rect">
+            <a:avLst/>
+          </a:prstGeom>
+          <a:ln>
+            <a:noFill/>
+          </a:ln>
+        </p:spPr>
+        <p:txBody>
+          <a:bodyPr vert="horz" lIns="91440" tIns="45720" rIns="91440" bIns="45720" rtlCol="0">
+            <a:noAutofit/>
+          </a:bodyPr>
+          <a:lstStyle>
+            <a:lvl1pPr marL="384048" indent="-384048" algn="l" defTabSz="914400" rtl="0" eaLnBrk="1" latinLnBrk="0" hangingPunct="1">
+              <a:lnSpc>
+                <a:spcPct val="94000"/>
+              </a:lnSpc>
+              <a:spcBef>
+                <a:spcPts val="1000"/>
+              </a:spcBef>
+              <a:spcAft>
+                <a:spcPts val="200"/>
+              </a:spcAft>
+              <a:buFont typeface="Franklin Gothic Book" panose="020B0503020102020204" pitchFamily="34" charset="0"/>
+              <a:buChar char="■"/>
+              <a:defRPr sz="2000" kern="1200" baseline="0">
+                <a:solidFill>
+                  <a:schemeClr val="tx2"/>
+                </a:solidFill>
+                <a:latin typeface="+mn-lt"/>
+                <a:ea typeface="+mn-ea"/>
+                <a:cs typeface="+mn-cs"/>
+              </a:defRPr>
+            </a:lvl1pPr>
+            <a:lvl2pPr marL="914400" indent="-384048" algn="l" defTabSz="914400" rtl="0" eaLnBrk="1" latinLnBrk="0" hangingPunct="1">
+              <a:lnSpc>
+                <a:spcPct val="94000"/>
+              </a:lnSpc>
+              <a:spcBef>
+                <a:spcPts val="500"/>
+              </a:spcBef>
+              <a:spcAft>
+                <a:spcPts val="200"/>
+              </a:spcAft>
+              <a:buFont typeface="Franklin Gothic Book" panose="020B0503020102020204" pitchFamily="34" charset="0"/>
+              <a:buChar char="–"/>
+              <a:defRPr sz="2000" i="1" kern="1200" baseline="0">
+                <a:solidFill>
+                  <a:schemeClr val="tx2"/>
+                </a:solidFill>
+                <a:latin typeface="+mn-lt"/>
+                <a:ea typeface="+mn-ea"/>
+                <a:cs typeface="+mn-cs"/>
+              </a:defRPr>
+            </a:lvl2pPr>
+            <a:lvl3pPr marL="1371600" indent="-384048" algn="l" defTabSz="914400" rtl="0" eaLnBrk="1" latinLnBrk="0" hangingPunct="1">
+              <a:lnSpc>
+                <a:spcPct val="94000"/>
+              </a:lnSpc>
+              <a:spcBef>
+                <a:spcPts val="500"/>
+              </a:spcBef>
+              <a:spcAft>
+                <a:spcPts val="200"/>
+              </a:spcAft>
+              <a:buFont typeface="Franklin Gothic Book" panose="020B0503020102020204" pitchFamily="34" charset="0"/>
+              <a:buChar char="■"/>
+              <a:defRPr sz="1800" kern="1200" baseline="0">
+                <a:solidFill>
+                  <a:schemeClr val="tx2"/>
+                </a:solidFill>
+                <a:latin typeface="+mn-lt"/>
+                <a:ea typeface="+mn-ea"/>
+                <a:cs typeface="+mn-cs"/>
+              </a:defRPr>
+            </a:lvl3pPr>
+            <a:lvl4pPr marL="1828800" indent="-384048" algn="l" defTabSz="914400" rtl="0" eaLnBrk="1" latinLnBrk="0" hangingPunct="1">
+              <a:lnSpc>
+                <a:spcPct val="94000"/>
+              </a:lnSpc>
+              <a:spcBef>
+                <a:spcPts val="500"/>
+              </a:spcBef>
+              <a:spcAft>
+                <a:spcPts val="200"/>
+              </a:spcAft>
+              <a:buFont typeface="Franklin Gothic Book" panose="020B0503020102020204" pitchFamily="34" charset="0"/>
+              <a:buChar char="–"/>
+              <a:defRPr sz="1800" i="1" kern="1200" baseline="0">
+                <a:solidFill>
+                  <a:schemeClr val="tx2"/>
+                </a:solidFill>
+                <a:latin typeface="+mn-lt"/>
+                <a:ea typeface="+mn-ea"/>
+                <a:cs typeface="+mn-cs"/>
+              </a:defRPr>
+            </a:lvl4pPr>
+            <a:lvl5pPr marL="2286000" indent="-384048" algn="l" defTabSz="914400" rtl="0" eaLnBrk="1" latinLnBrk="0" hangingPunct="1">
+              <a:lnSpc>
+                <a:spcPct val="94000"/>
+              </a:lnSpc>
+              <a:spcBef>
+                <a:spcPts val="500"/>
+              </a:spcBef>
+              <a:spcAft>
+                <a:spcPts val="200"/>
+              </a:spcAft>
+              <a:buFont typeface="Franklin Gothic Book" panose="020B0503020102020204" pitchFamily="34" charset="0"/>
+              <a:buChar char="■"/>
+              <a:defRPr sz="1600" kern="1200" baseline="0">
+                <a:solidFill>
+                  <a:schemeClr val="tx2"/>
+                </a:solidFill>
+                <a:latin typeface="+mn-lt"/>
+                <a:ea typeface="+mn-ea"/>
+                <a:cs typeface="+mn-cs"/>
+              </a:defRPr>
+            </a:lvl5pPr>
+            <a:lvl6pPr marL="2743200" indent="-384048" algn="l" defTabSz="914400" rtl="0" eaLnBrk="1" latinLnBrk="0" hangingPunct="1">
+              <a:lnSpc>
+                <a:spcPct val="94000"/>
+              </a:lnSpc>
+              <a:spcBef>
+                <a:spcPts val="500"/>
+              </a:spcBef>
+              <a:spcAft>
+                <a:spcPts val="200"/>
+              </a:spcAft>
+              <a:buFont typeface="Franklin Gothic Book" panose="020B0503020102020204" pitchFamily="34" charset="0"/>
+              <a:buChar char="–"/>
+              <a:defRPr sz="1600" i="1" kern="1200" baseline="0">
+                <a:solidFill>
+                  <a:schemeClr val="tx2"/>
+                </a:solidFill>
+                <a:latin typeface="+mn-lt"/>
+                <a:ea typeface="+mn-ea"/>
+                <a:cs typeface="+mn-cs"/>
+              </a:defRPr>
+            </a:lvl6pPr>
+            <a:lvl7pPr marL="3200400" indent="-384048" algn="l" defTabSz="914400" rtl="0" eaLnBrk="1" latinLnBrk="0" hangingPunct="1">
+              <a:lnSpc>
+                <a:spcPct val="94000"/>
+              </a:lnSpc>
+              <a:spcBef>
+                <a:spcPts val="500"/>
+              </a:spcBef>
+              <a:spcAft>
+                <a:spcPts val="200"/>
+              </a:spcAft>
+              <a:buFont typeface="Franklin Gothic Book" panose="020B0503020102020204" pitchFamily="34" charset="0"/>
+              <a:buChar char="■"/>
+              <a:defRPr sz="1400" kern="1200" baseline="0">
+                <a:solidFill>
+                  <a:schemeClr val="tx2"/>
+                </a:solidFill>
+                <a:latin typeface="+mn-lt"/>
+                <a:ea typeface="+mn-ea"/>
+                <a:cs typeface="+mn-cs"/>
+              </a:defRPr>
+            </a:lvl7pPr>
+            <a:lvl8pPr marL="3657600" indent="-384048" algn="l" defTabSz="914400" rtl="0" eaLnBrk="1" latinLnBrk="0" hangingPunct="1">
+              <a:lnSpc>
+                <a:spcPct val="94000"/>
+              </a:lnSpc>
+              <a:spcBef>
+                <a:spcPts val="500"/>
+              </a:spcBef>
+              <a:spcAft>
+                <a:spcPts val="200"/>
+              </a:spcAft>
+              <a:buFont typeface="Franklin Gothic Book" panose="020B0503020102020204" pitchFamily="34" charset="0"/>
+              <a:buChar char="–"/>
+              <a:defRPr sz="1400" i="1" kern="1200" baseline="0">
+                <a:solidFill>
+                  <a:schemeClr val="tx2"/>
+                </a:solidFill>
+                <a:latin typeface="+mn-lt"/>
+                <a:ea typeface="+mn-ea"/>
+                <a:cs typeface="+mn-cs"/>
+              </a:defRPr>
+            </a:lvl8pPr>
+            <a:lvl9pPr marL="4114800" indent="-384048" algn="l" defTabSz="914400" rtl="0" eaLnBrk="1" latinLnBrk="0" hangingPunct="1">
+              <a:lnSpc>
+                <a:spcPct val="94000"/>
+              </a:lnSpc>
+              <a:spcBef>
+                <a:spcPts val="500"/>
+              </a:spcBef>
+              <a:spcAft>
+                <a:spcPts val="200"/>
+              </a:spcAft>
+              <a:buFont typeface="Franklin Gothic Book" panose="020B0503020102020204" pitchFamily="34" charset="0"/>
+              <a:buChar char="■"/>
+              <a:defRPr sz="1400" kern="1200" baseline="0">
+                <a:solidFill>
+                  <a:schemeClr val="tx2"/>
+                </a:solidFill>
+                <a:latin typeface="+mn-lt"/>
+                <a:ea typeface="+mn-ea"/>
+                <a:cs typeface="+mn-cs"/>
+              </a:defRPr>
+            </a:lvl9pPr>
+          </a:lstStyle>
+          <a:p>
+            <a:r>
+              <a:rPr lang="en-GB" sz="1800" dirty="0"/>
+              <a:t>Terrain:</a:t>
+            </a:r>
+          </a:p>
+          <a:p>
+            <a:pPr lvl="1"/>
+            <a:r>
+              <a:rPr lang="en-GB" sz="1800" dirty="0"/>
+              <a:t>Fractal</a:t>
+            </a:r>
+          </a:p>
+          <a:p>
+            <a:r>
+              <a:rPr lang="en-GB" sz="1800" dirty="0"/>
+              <a:t>Buildings:</a:t>
+            </a:r>
+          </a:p>
+          <a:p>
+            <a:pPr lvl="1"/>
+            <a:r>
+              <a:rPr lang="en-GB" sz="1800" dirty="0"/>
+              <a:t>L-systems</a:t>
+            </a:r>
+          </a:p>
+          <a:p>
+            <a:pPr lvl="1"/>
+            <a:r>
+              <a:rPr lang="en-GB" sz="1800" dirty="0"/>
+              <a:t>Shape grammars</a:t>
+            </a:r>
+          </a:p>
+          <a:p>
+            <a:pPr lvl="1"/>
+            <a:endParaRPr lang="en-GB" sz="1800" dirty="0"/>
           </a:p>
         </p:txBody>
       </p:sp>
@@ -13259,7 +14176,7 @@
         </p:blipFill>
         <p:spPr>
           <a:xfrm>
-            <a:off x="7307559" y="1274885"/>
+            <a:off x="7299473" y="1278578"/>
             <a:ext cx="4059286" cy="4036371"/>
           </a:xfrm>
           <a:prstGeom prst="rect">
@@ -13645,7 +14562,7 @@
         <p:spPr>
           <a:xfrm>
             <a:off x="879231" y="1274885"/>
-            <a:ext cx="5873994" cy="4221040"/>
+            <a:ext cx="5502519" cy="4221040"/>
           </a:xfrm>
           <a:prstGeom prst="rect">
             <a:avLst/>
@@ -13664,7 +14581,16 @@
           <a:p>
             <a:r>
               <a:rPr lang="en-GB" dirty="0"/>
-              <a:t>When generating street maps, input maps such as water boundary, population distribution and elevation maps are considered. (Sun, J. Yu, X. </a:t>
+              <a:t>Population data is considered when generating street maps. </a:t>
+            </a:r>
+          </a:p>
+          <a:p>
+            <a:pPr marL="0" indent="0">
+              <a:buNone/>
+            </a:pPr>
+            <a:r>
+              <a:rPr lang="en-GB" dirty="0"/>
+              <a:t>	(Sun, J. Yu, X. </a:t>
             </a:r>
             <a:r>
               <a:rPr lang="en-GB" dirty="0" err="1"/>
@@ -13672,7 +14598,16 @@
             </a:r>
             <a:r>
               <a:rPr lang="en-GB" dirty="0"/>
-              <a:t>, G. Green, M. 2002), (Muller, P and Parish, Y, I, H. 2001).</a:t>
+              <a:t>, G. Green, M. 2002)</a:t>
+            </a:r>
+          </a:p>
+          <a:p>
+            <a:pPr marL="0" indent="0">
+              <a:buNone/>
+            </a:pPr>
+            <a:r>
+              <a:rPr lang="en-GB" dirty="0"/>
+              <a:t>	(Muller, P and Parish, Y, I, H. 2001).</a:t>
             </a:r>
           </a:p>
         </p:txBody>
@@ -13704,7 +14639,7 @@
         </p:blipFill>
         <p:spPr>
           <a:xfrm>
-            <a:off x="7215518" y="1277427"/>
+            <a:off x="6920243" y="1277427"/>
             <a:ext cx="4227196" cy="4218498"/>
           </a:xfrm>
           <a:prstGeom prst="rect">
@@ -13770,7 +14705,7 @@
           <a:p>
             <a:r>
               <a:rPr lang="en-GB" dirty="0"/>
-              <a:t>Road Pathfinding</a:t>
+              <a:t>Introducing population data</a:t>
             </a:r>
           </a:p>
         </p:txBody>
@@ -14008,7 +14943,7 @@
             </a:r>
             <a:r>
               <a:rPr lang="en-GB" sz="1000" dirty="0"/>
-              <a:t>, C. (2012). "Procedural generation of road networks for large virtual environments." Rochester Institute of Technology.</a:t>
+              <a:t>, C. (2012). “Procedural generation of road networks for large virtual environments.” Rochester Institute of Technology.</a:t>
             </a:r>
           </a:p>
           <a:p>
@@ -14042,77 +14977,41 @@
             </a:pPr>
             <a:r>
               <a:rPr lang="en-GB" sz="1000" dirty="0"/>
-              <a:t>Red Blob Games. (2014) Introduction to A*. [Online] June 2016. Available online: http://www.redblobgames.com/pathfinding/a-star/introduction.html [Date of access: 29 September 2017].</a:t>
-            </a:r>
-          </a:p>
-        </p:txBody>
-      </p:sp>
-      <p:sp>
-        <p:nvSpPr>
-          <p:cNvPr id="5" name="Content Placeholder 2">
-            <a:extLst>
-              <a:ext uri="{FF2B5EF4-FFF2-40B4-BE49-F238E27FC236}">
-                <a16:creationId xmlns:a16="http://schemas.microsoft.com/office/drawing/2014/main" id="{DB47D55E-60AB-49D2-B7E9-4EC8283B44AB}"/>
-              </a:ext>
-            </a:extLst>
-          </p:cNvPr>
-          <p:cNvSpPr txBox="1">
-            <a:spLocks noGrp="1"/>
-          </p:cNvSpPr>
-          <p:nvPr>
-            <p:ph idx="1"/>
-          </p:nvPr>
-        </p:nvSpPr>
-        <p:spPr>
-          <a:xfrm>
-            <a:off x="879231" y="1274885"/>
-            <a:ext cx="5873994" cy="4221040"/>
-          </a:xfrm>
-          <a:prstGeom prst="rect">
-            <a:avLst/>
-          </a:prstGeom>
-          <a:ln>
-            <a:solidFill>
-              <a:schemeClr val="tx1"/>
-            </a:solidFill>
-          </a:ln>
-        </p:spPr>
-        <p:txBody>
-          <a:bodyPr vert="horz" lIns="91440" tIns="45720" rIns="91440" bIns="45720" rtlCol="0">
-            <a:normAutofit/>
-          </a:bodyPr>
-          <a:lstStyle/>
-          <a:p>
-            <a:r>
-              <a:rPr lang="en-GB" dirty="0"/>
-              <a:t>Highways using pathfinding to follow the path of least elevation. (Muller, P and Parish, Y, I, H. 2001)</a:t>
-            </a:r>
-          </a:p>
-          <a:p>
-            <a:endParaRPr lang="en-GB" dirty="0"/>
-          </a:p>
-          <a:p>
-            <a:r>
-              <a:rPr lang="en-GB" dirty="0"/>
-              <a:t>Euclidean distance and elevation costs are two costs that can be taken into considering when path finding the roads. (</a:t>
-            </a:r>
-            <a:r>
-              <a:rPr lang="en-GB" dirty="0" err="1"/>
-              <a:t>Martek</a:t>
-            </a:r>
-            <a:r>
-              <a:rPr lang="en-GB" dirty="0"/>
-              <a:t>, C. 2012). </a:t>
+              <a:t>Sun, J. Yu, X. </a:t>
+            </a:r>
+            <a:r>
+              <a:rPr lang="en-GB" sz="1000" dirty="0" err="1"/>
+              <a:t>Baciu</a:t>
+            </a:r>
+            <a:r>
+              <a:rPr lang="en-GB" sz="1000" dirty="0"/>
+              <a:t>, G. Green, M. (2002). "Template-based generation of road networks for virtual city </a:t>
+            </a:r>
+            <a:r>
+              <a:rPr lang="en-GB" sz="1000" dirty="0" err="1"/>
+              <a:t>modeling</a:t>
+            </a:r>
+            <a:r>
+              <a:rPr lang="en-GB" sz="1000" dirty="0"/>
+              <a:t>". In Proceedings of the ACM symposium on Virtual reality software and technology (VRST '02). </a:t>
+            </a:r>
+            <a:r>
+              <a:rPr lang="en-GB" sz="1000" dirty="0" err="1"/>
+              <a:t>Acm</a:t>
+            </a:r>
+            <a:r>
+              <a:rPr lang="en-GB" sz="1000" dirty="0"/>
+              <a:t>, New Work, NY, USA, 33 - 40.</a:t>
             </a:r>
           </a:p>
         </p:txBody>
       </p:sp>
       <p:pic>
         <p:nvPicPr>
-          <p:cNvPr id="7" name="Picture 6">
+          <p:cNvPr id="13" name="Picture 12">
             <a:extLst>
               <a:ext uri="{FF2B5EF4-FFF2-40B4-BE49-F238E27FC236}">
-                <a16:creationId xmlns:a16="http://schemas.microsoft.com/office/drawing/2014/main" id="{009582E3-0B58-4F4B-858E-B302CE7362B4}"/>
+                <a16:creationId xmlns:a16="http://schemas.microsoft.com/office/drawing/2014/main" id="{E0B56868-8AA4-4D1A-A8B0-D06FB4A029E9}"/>
               </a:ext>
             </a:extLst>
           </p:cNvPr>
@@ -14129,13 +15028,83 @@
               </a:ext>
             </a:extLst>
           </a:blip>
-          <a:srcRect t="4102"/>
+          <a:srcRect t="5833"/>
           <a:stretch/>
         </p:blipFill>
         <p:spPr>
           <a:xfrm>
-            <a:off x="6858784" y="1995798"/>
-            <a:ext cx="4940664" cy="2779214"/>
+            <a:off x="879231" y="1714500"/>
+            <a:ext cx="3557462" cy="3550144"/>
+          </a:xfrm>
+          <a:prstGeom prst="rect">
+            <a:avLst/>
+          </a:prstGeom>
+        </p:spPr>
+      </p:pic>
+      <p:pic>
+        <p:nvPicPr>
+          <p:cNvPr id="15" name="Picture 14">
+            <a:extLst>
+              <a:ext uri="{FF2B5EF4-FFF2-40B4-BE49-F238E27FC236}">
+                <a16:creationId xmlns:a16="http://schemas.microsoft.com/office/drawing/2014/main" id="{30E332FD-F025-44EC-8834-0420E59CD3F5}"/>
+              </a:ext>
+            </a:extLst>
+          </p:cNvPr>
+          <p:cNvPicPr>
+            <a:picLocks noChangeAspect="1"/>
+          </p:cNvPicPr>
+          <p:nvPr/>
+        </p:nvPicPr>
+        <p:blipFill rotWithShape="1">
+          <a:blip r:embed="rId3">
+            <a:extLst>
+              <a:ext uri="{28A0092B-C50C-407E-A947-70E740481C1C}">
+                <a14:useLocalDpi xmlns:a14="http://schemas.microsoft.com/office/drawing/2010/main" val="0"/>
+              </a:ext>
+            </a:extLst>
+          </a:blip>
+          <a:srcRect t="5833"/>
+          <a:stretch/>
+        </p:blipFill>
+        <p:spPr>
+          <a:xfrm>
+            <a:off x="4613387" y="1714500"/>
+            <a:ext cx="3557463" cy="3550144"/>
+          </a:xfrm>
+          <a:prstGeom prst="rect">
+            <a:avLst/>
+          </a:prstGeom>
+        </p:spPr>
+      </p:pic>
+      <p:pic>
+        <p:nvPicPr>
+          <p:cNvPr id="19" name="Picture 18">
+            <a:extLst>
+              <a:ext uri="{FF2B5EF4-FFF2-40B4-BE49-F238E27FC236}">
+                <a16:creationId xmlns:a16="http://schemas.microsoft.com/office/drawing/2014/main" id="{7288FFD2-FDAA-4957-B285-AF3C836BF5D3}"/>
+              </a:ext>
+            </a:extLst>
+          </p:cNvPr>
+          <p:cNvPicPr>
+            <a:picLocks noChangeAspect="1"/>
+          </p:cNvPicPr>
+          <p:nvPr/>
+        </p:nvPicPr>
+        <p:blipFill rotWithShape="1">
+          <a:blip r:embed="rId4">
+            <a:extLst>
+              <a:ext uri="{28A0092B-C50C-407E-A947-70E740481C1C}">
+                <a14:useLocalDpi xmlns:a14="http://schemas.microsoft.com/office/drawing/2010/main" val="0"/>
+              </a:ext>
+            </a:extLst>
+          </a:blip>
+          <a:srcRect t="5646"/>
+          <a:stretch/>
+        </p:blipFill>
+        <p:spPr>
+          <a:xfrm>
+            <a:off x="8350967" y="1714500"/>
+            <a:ext cx="3554040" cy="3553806"/>
           </a:xfrm>
           <a:prstGeom prst="rect">
             <a:avLst/>
@@ -14145,7 +15114,7 @@
     </p:spTree>
     <p:extLst>
       <p:ext uri="{BB962C8B-B14F-4D97-AF65-F5344CB8AC3E}">
-        <p14:creationId xmlns:p14="http://schemas.microsoft.com/office/powerpoint/2010/main" val="318792147"/>
+        <p14:creationId xmlns:p14="http://schemas.microsoft.com/office/powerpoint/2010/main" val="3720592189"/>
       </p:ext>
     </p:extLst>
   </p:cSld>
@@ -14200,7 +15169,7 @@
           <a:p>
             <a:r>
               <a:rPr lang="en-GB" dirty="0"/>
-              <a:t>L-Systems</a:t>
+              <a:t>Road Pathfinding</a:t>
             </a:r>
           </a:p>
         </p:txBody>
@@ -14221,8 +15190,8 @@
         </p:nvSpPr>
         <p:spPr>
           <a:xfrm>
-            <a:off x="879231" y="4991100"/>
-            <a:ext cx="11025776" cy="1743075"/>
+            <a:off x="879231" y="5619749"/>
+            <a:ext cx="11025776" cy="1114425"/>
           </a:xfrm>
           <a:prstGeom prst="rect">
             <a:avLst/>
@@ -14429,147 +15398,60 @@
             </a:lvl9pPr>
           </a:lstStyle>
           <a:p>
-            <a:pPr marL="0" indent="0" fontAlgn="base">
-              <a:lnSpc>
-                <a:spcPct val="100000"/>
-              </a:lnSpc>
+            <a:pPr marL="0" indent="0">
               <a:buNone/>
             </a:pPr>
             <a:r>
-              <a:rPr lang="en-GB" sz="1000" dirty="0"/>
-              <a:t>Goldman, R., Schaefer, S. and Ju, T. (2004). Turtle geometry in computer graphics and computer-aided design. *Computer Aided Design*, 36(14), pp.1471-1482.</a:t>
-            </a:r>
-          </a:p>
-          <a:p>
-            <a:pPr marL="0" indent="0" fontAlgn="base">
-              <a:lnSpc>
-                <a:spcPct val="100000"/>
-              </a:lnSpc>
+              <a:rPr lang="en-GB" sz="1000" dirty="0" err="1"/>
+              <a:t>Martek</a:t>
+            </a:r>
+            <a:r>
+              <a:rPr lang="en-GB" sz="1000" dirty="0"/>
+              <a:t>, C. (2012). "Procedural generation of road networks for large virtual environments." Rochester Institute of Technology.</a:t>
+            </a:r>
+          </a:p>
+          <a:p>
+            <a:pPr marL="0" indent="0">
               <a:buNone/>
             </a:pPr>
             <a:r>
+              <a:rPr lang="en-GB" sz="1000" dirty="0"/>
+              <a:t>Muller, P and Parish, Y, I, H. (2001). "Procedural </a:t>
+            </a:r>
+            <a:r>
               <a:rPr lang="en-GB" sz="1000" dirty="0" err="1"/>
-              <a:t>Ilangovan</a:t>
-            </a:r>
-            <a:r>
-              <a:rPr lang="en-GB" sz="1000" dirty="0"/>
-              <a:t>, K, P. (2009) Procedural City </a:t>
+              <a:t>modeling</a:t>
+            </a:r>
+            <a:r>
+              <a:rPr lang="en-GB" sz="1000" dirty="0"/>
+              <a:t> of cities". In Proceedings of the 28th annual conference on Computer graphics and interactive techniques (SIGGRAPH '01). </a:t>
             </a:r>
             <a:r>
               <a:rPr lang="en-GB" sz="1000" dirty="0" err="1"/>
-              <a:t>Generaror</a:t>
-            </a:r>
-            <a:r>
-              <a:rPr lang="en-GB" sz="1000" dirty="0"/>
-              <a:t>, MSc </a:t>
-            </a:r>
-            <a:r>
-              <a:rPr lang="en-GB" sz="1000" dirty="0" err="1"/>
-              <a:t>thesus</a:t>
-            </a:r>
-            <a:r>
-              <a:rPr lang="en-GB" sz="1000" dirty="0"/>
-              <a:t>, Bournemouth University. Available at: </a:t>
-            </a:r>
-            <a:r>
-              <a:rPr lang="en-GB" sz="1000" dirty="0">
-                <a:hlinkClick r:id="rId2"/>
-              </a:rPr>
-              <a:t>https://nccastaff.bournemouth.ac.uk/jmacey/MastersProjects/MSc09/Ilangovan/Thesis_i7834000.pdf</a:t>
-            </a:r>
-            <a:r>
-              <a:rPr lang="en-GB" sz="1000" dirty="0"/>
-              <a:t> (Accessed: 30 May 2017).</a:t>
-            </a:r>
-          </a:p>
-          <a:p>
-            <a:pPr marL="0" indent="0" fontAlgn="base">
-              <a:lnSpc>
-                <a:spcPct val="100000"/>
-              </a:lnSpc>
+              <a:t>Acm</a:t>
+            </a:r>
+            <a:r>
+              <a:rPr lang="en-GB" sz="1000" dirty="0"/>
+              <a:t>, New York, NY, USA. 301 - 308.</a:t>
+            </a:r>
+          </a:p>
+          <a:p>
+            <a:pPr marL="0" indent="0">
               <a:buNone/>
             </a:pPr>
             <a:r>
               <a:rPr lang="en-GB" sz="1000" dirty="0"/>
-              <a:t>Kelly, G. </a:t>
-            </a:r>
-            <a:r>
-              <a:rPr lang="en-GB" sz="1000" dirty="0" err="1"/>
-              <a:t>Mccave</a:t>
-            </a:r>
-            <a:r>
-              <a:rPr lang="en-GB" sz="1000" dirty="0"/>
-              <a:t>, H. (2006). “A Survey of Procedural Techniques for City Generation”. In ITB Journal, No. 14.</a:t>
-            </a:r>
-          </a:p>
-          <a:p>
-            <a:pPr marL="0" indent="0" fontAlgn="base">
-              <a:lnSpc>
-                <a:spcPct val="100000"/>
-              </a:lnSpc>
-              <a:buNone/>
-            </a:pPr>
-            <a:r>
-              <a:rPr lang="en-GB" sz="1000" dirty="0"/>
-              <a:t>Parish, Y, I, H. Muller, Pascal. (2001). “Procedural </a:t>
-            </a:r>
-            <a:r>
-              <a:rPr lang="en-GB" sz="1000" dirty="0" err="1"/>
-              <a:t>modeling</a:t>
-            </a:r>
-            <a:r>
-              <a:rPr lang="en-GB" sz="1000" dirty="0"/>
-              <a:t> of cities”. In Proceedings of the 28th annual conference on Computer graphics and interactive techniques (SIGGRAPH ’01). </a:t>
-            </a:r>
-            <a:r>
-              <a:rPr lang="en-GB" sz="1000" dirty="0" err="1"/>
-              <a:t>Acm</a:t>
-            </a:r>
-            <a:r>
-              <a:rPr lang="en-GB" sz="1000" dirty="0"/>
-              <a:t>, New York, NY, USA, 301 – 308.</a:t>
-            </a:r>
-          </a:p>
-          <a:p>
-            <a:pPr marL="0" indent="0" fontAlgn="base">
-              <a:lnSpc>
-                <a:spcPct val="100000"/>
-              </a:lnSpc>
-              <a:buNone/>
-            </a:pPr>
-            <a:r>
-              <a:rPr lang="en-GB" sz="1000" dirty="0" err="1"/>
-              <a:t>Prusinkiewicx</a:t>
-            </a:r>
-            <a:r>
-              <a:rPr lang="en-GB" sz="1000" dirty="0"/>
-              <a:t>, P. and </a:t>
-            </a:r>
-            <a:r>
-              <a:rPr lang="en-GB" sz="1000" dirty="0" err="1"/>
-              <a:t>Janan</a:t>
-            </a:r>
-            <a:r>
-              <a:rPr lang="en-GB" sz="1000" dirty="0"/>
-              <a:t>, J. (1992). “</a:t>
-            </a:r>
-            <a:r>
-              <a:rPr lang="en-GB" sz="1000" dirty="0" err="1"/>
-              <a:t>Lindenmayer</a:t>
-            </a:r>
-            <a:r>
-              <a:rPr lang="en-GB" sz="1000" dirty="0"/>
-              <a:t> systems, fractals, and plants.” New York, N.Y.: Springer-Verlag.</a:t>
+              <a:t>Red Blob Games. (2014) Introduction to A*. [Online] June 2016. Available online: http://www.redblobgames.com/pathfinding/a-star/introduction.html [Date of access: 29 September 2017].</a:t>
             </a:r>
           </a:p>
         </p:txBody>
       </p:sp>
       <p:sp>
         <p:nvSpPr>
-          <p:cNvPr id="7" name="Content Placeholder 2">
+          <p:cNvPr id="5" name="Content Placeholder 2">
             <a:extLst>
               <a:ext uri="{FF2B5EF4-FFF2-40B4-BE49-F238E27FC236}">
-                <a16:creationId xmlns:a16="http://schemas.microsoft.com/office/drawing/2014/main" id="{754B5357-64AF-4960-A55A-3BBF449DD868}"/>
+                <a16:creationId xmlns:a16="http://schemas.microsoft.com/office/drawing/2014/main" id="{DB47D55E-60AB-49D2-B7E9-4EC8283B44AB}"/>
               </a:ext>
             </a:extLst>
           </p:cNvPr>
@@ -14583,7 +15465,7 @@
         <p:spPr>
           <a:xfrm>
             <a:off x="879231" y="1274885"/>
-            <a:ext cx="5873994" cy="3601915"/>
+            <a:ext cx="4664319" cy="4221040"/>
           </a:xfrm>
           <a:prstGeom prst="rect">
             <a:avLst/>
@@ -14596,72 +15478,40 @@
         </p:spPr>
         <p:txBody>
           <a:bodyPr vert="horz" lIns="91440" tIns="45720" rIns="91440" bIns="45720" rtlCol="0">
-            <a:normAutofit fontScale="92500" lnSpcReduction="10000"/>
+            <a:normAutofit/>
           </a:bodyPr>
           <a:lstStyle/>
           <a:p>
             <a:r>
               <a:rPr lang="en-GB" dirty="0"/>
-              <a:t>L-systems are a procedural generation technique that can be used in the procedural generation of cities; L-systems can be used to generate road networks and generate buildings. (</a:t>
+              <a:t>Highways using pathfinding to follow the path of least elevation. (Muller, P and Parish, Y, I, H. 2001)</a:t>
+            </a:r>
+          </a:p>
+          <a:p>
+            <a:endParaRPr lang="en-GB" dirty="0"/>
+          </a:p>
+          <a:p>
+            <a:r>
+              <a:rPr lang="en-GB" dirty="0"/>
+              <a:t>Euclidean distance and elevation costs are two costs that can be taken into considering when path finding the roads. (</a:t>
             </a:r>
             <a:r>
               <a:rPr lang="en-GB" dirty="0" err="1"/>
-              <a:t>GameDevStackExchange</a:t>
+              <a:t>Martek</a:t>
             </a:r>
             <a:r>
               <a:rPr lang="en-GB" dirty="0"/>
-              <a:t>, 2014), (Kelly G, </a:t>
-            </a:r>
-            <a:r>
-              <a:rPr lang="en-GB" dirty="0" err="1"/>
-              <a:t>Mccave</a:t>
-            </a:r>
-            <a:r>
-              <a:rPr lang="en-GB" dirty="0"/>
-              <a:t> H, 2006), (</a:t>
-            </a:r>
-            <a:r>
-              <a:rPr lang="en-GB" dirty="0" err="1"/>
-              <a:t>Ilangovan</a:t>
-            </a:r>
-            <a:r>
-              <a:rPr lang="en-GB" dirty="0"/>
-              <a:t> K, P, 2009), (Parish Y I H, Muller P, 2001).</a:t>
-            </a:r>
-          </a:p>
-          <a:p>
-            <a:endParaRPr lang="en-GB" dirty="0"/>
-          </a:p>
-          <a:p>
-            <a:r>
-              <a:rPr lang="en-GB" dirty="0"/>
-              <a:t>L-Systems are prevalent for the procedural generation of plants (</a:t>
-            </a:r>
-            <a:r>
-              <a:rPr lang="en-GB" dirty="0" err="1"/>
-              <a:t>Prusinkiewicx</a:t>
-            </a:r>
-            <a:r>
-              <a:rPr lang="en-GB" dirty="0"/>
-              <a:t>, P and </a:t>
-            </a:r>
-            <a:r>
-              <a:rPr lang="en-GB" dirty="0" err="1"/>
-              <a:t>Janan</a:t>
-            </a:r>
-            <a:r>
-              <a:rPr lang="en-GB" dirty="0"/>
-              <a:t>, J, 1992), however there has been some work in using and adapting L-systems to work within procedural city generation.</a:t>
+              <a:t>, C. 2012). </a:t>
             </a:r>
           </a:p>
         </p:txBody>
       </p:sp>
       <p:pic>
         <p:nvPicPr>
-          <p:cNvPr id="9" name="Picture 8">
+          <p:cNvPr id="7" name="Picture 6">
             <a:extLst>
               <a:ext uri="{FF2B5EF4-FFF2-40B4-BE49-F238E27FC236}">
-                <a16:creationId xmlns:a16="http://schemas.microsoft.com/office/drawing/2014/main" id="{EC1FC889-DF9B-4E28-81FD-0AD5CEABC510}"/>
+                <a16:creationId xmlns:a16="http://schemas.microsoft.com/office/drawing/2014/main" id="{009582E3-0B58-4F4B-858E-B302CE7362B4}"/>
               </a:ext>
             </a:extLst>
           </p:cNvPr>
@@ -14671,20 +15521,20 @@
           <p:nvPr/>
         </p:nvPicPr>
         <p:blipFill rotWithShape="1">
-          <a:blip r:embed="rId3">
+          <a:blip r:embed="rId2">
             <a:extLst>
               <a:ext uri="{28A0092B-C50C-407E-A947-70E740481C1C}">
                 <a14:useLocalDpi xmlns:a14="http://schemas.microsoft.com/office/drawing/2010/main" val="0"/>
               </a:ext>
             </a:extLst>
           </a:blip>
-          <a:srcRect t="6022"/>
+          <a:srcRect t="4102"/>
           <a:stretch/>
         </p:blipFill>
         <p:spPr>
           <a:xfrm>
-            <a:off x="7521891" y="1274885"/>
-            <a:ext cx="3614449" cy="3599813"/>
+            <a:off x="5731901" y="1694811"/>
+            <a:ext cx="6165803" cy="3468378"/>
           </a:xfrm>
           <a:prstGeom prst="rect">
             <a:avLst/>
@@ -14694,7 +15544,7 @@
     </p:spTree>
     <p:extLst>
       <p:ext uri="{BB962C8B-B14F-4D97-AF65-F5344CB8AC3E}">
-        <p14:creationId xmlns:p14="http://schemas.microsoft.com/office/powerpoint/2010/main" val="126642829"/>
+        <p14:creationId xmlns:p14="http://schemas.microsoft.com/office/powerpoint/2010/main" val="318792147"/>
       </p:ext>
     </p:extLst>
   </p:cSld>
@@ -14749,7 +15599,7 @@
           <a:p>
             <a:r>
               <a:rPr lang="en-GB" dirty="0"/>
-              <a:t>Space colonisation</a:t>
+              <a:t>L-Systems</a:t>
             </a:r>
           </a:p>
         </p:txBody>
@@ -14770,8 +15620,8 @@
         </p:nvSpPr>
         <p:spPr>
           <a:xfrm>
-            <a:off x="879231" y="6029325"/>
-            <a:ext cx="11025776" cy="704850"/>
+            <a:off x="879231" y="4991100"/>
+            <a:ext cx="11025776" cy="1743075"/>
           </a:xfrm>
           <a:prstGeom prst="rect">
             <a:avLst/>
@@ -14979,52 +15829,136 @@
           </a:lstStyle>
           <a:p>
             <a:pPr marL="0" indent="0" fontAlgn="base">
+              <a:lnSpc>
+                <a:spcPct val="100000"/>
+              </a:lnSpc>
               <a:buNone/>
             </a:pPr>
             <a:r>
-              <a:rPr lang="en-GB" sz="1000" dirty="0" err="1"/>
-              <a:t>Runions</a:t>
-            </a:r>
-            <a:r>
-              <a:rPr lang="en-GB" sz="1000" dirty="0"/>
-              <a:t>, A. Lane, B and </a:t>
-            </a:r>
-            <a:r>
-              <a:rPr lang="en-GB" sz="1000" dirty="0" err="1"/>
-              <a:t>Prusinkiewicz</a:t>
-            </a:r>
-            <a:r>
-              <a:rPr lang="en-GB" sz="1000" dirty="0"/>
-              <a:t>, P. (2007) “</a:t>
-            </a:r>
-            <a:r>
-              <a:rPr lang="en-GB" sz="1000" dirty="0" err="1"/>
-              <a:t>Modeling</a:t>
-            </a:r>
-            <a:r>
-              <a:rPr lang="en-GB" sz="1000" dirty="0"/>
-              <a:t> trees with a space colonization algorithm” In Proceedings of the Third </a:t>
-            </a:r>
-            <a:r>
-              <a:rPr lang="en-GB" sz="1000" dirty="0" err="1"/>
-              <a:t>Eugographics</a:t>
-            </a:r>
-            <a:r>
-              <a:rPr lang="en-GB" sz="1000" dirty="0"/>
-              <a:t> conference on Natural Phenomena. Prague, Czech Republic. pp 63 – 70.</a:t>
+              <a:rPr lang="en-GB" sz="1000" dirty="0"/>
+              <a:t>Goldman, R., Schaefer, S. and Ju, T. (2004). Turtle geometry in computer graphics and computer-aided design. *Computer Aided Design*, 36(14), pp.1471-1482.</a:t>
             </a:r>
           </a:p>
           <a:p>
             <a:pPr marL="0" indent="0" fontAlgn="base">
+              <a:lnSpc>
+                <a:spcPct val="100000"/>
+              </a:lnSpc>
               <a:buNone/>
             </a:pPr>
             <a:r>
               <a:rPr lang="en-GB" sz="1000" dirty="0" err="1"/>
-              <a:t>Samet</a:t>
-            </a:r>
-            <a:r>
-              <a:rPr lang="en-GB" sz="1000" dirty="0"/>
-              <a:t>, H. (1995). Spatial Data Structures. Addison-Wesley.</a:t>
+              <a:t>Ilangovan</a:t>
+            </a:r>
+            <a:r>
+              <a:rPr lang="en-GB" sz="1000" dirty="0"/>
+              <a:t>, K, P. (2009) Procedural City </a:t>
+            </a:r>
+            <a:r>
+              <a:rPr lang="en-GB" sz="1000" dirty="0" err="1"/>
+              <a:t>Generaror</a:t>
+            </a:r>
+            <a:r>
+              <a:rPr lang="en-GB" sz="1000" dirty="0"/>
+              <a:t>, MSc </a:t>
+            </a:r>
+            <a:r>
+              <a:rPr lang="en-GB" sz="1000" dirty="0" err="1"/>
+              <a:t>thesus</a:t>
+            </a:r>
+            <a:r>
+              <a:rPr lang="en-GB" sz="1000" dirty="0"/>
+              <a:t>, Bournemouth University. Available at: </a:t>
+            </a:r>
+            <a:r>
+              <a:rPr lang="en-GB" sz="1000" dirty="0">
+                <a:hlinkClick r:id="rId2"/>
+              </a:rPr>
+              <a:t>https://nccastaff.bournemouth.ac.uk/jmacey/MastersProjects/MSc09/Ilangovan/Thesis_i7834000.pdf</a:t>
+            </a:r>
+            <a:r>
+              <a:rPr lang="en-GB" sz="1000" dirty="0"/>
+              <a:t> (Accessed: 30 May 2017).</a:t>
+            </a:r>
+          </a:p>
+          <a:p>
+            <a:pPr marL="0" indent="0" fontAlgn="base">
+              <a:lnSpc>
+                <a:spcPct val="100000"/>
+              </a:lnSpc>
+              <a:buNone/>
+            </a:pPr>
+            <a:r>
+              <a:rPr lang="en-GB" sz="1000" dirty="0"/>
+              <a:t>Kelly, G. </a:t>
+            </a:r>
+            <a:r>
+              <a:rPr lang="en-GB" sz="1000" dirty="0" err="1"/>
+              <a:t>Mccave</a:t>
+            </a:r>
+            <a:r>
+              <a:rPr lang="en-GB" sz="1000" dirty="0"/>
+              <a:t>, H. (2006). “A Survey of Procedural Techniques for City Generation”. In ITB Journal, No. 14.</a:t>
+            </a:r>
+          </a:p>
+          <a:p>
+            <a:pPr marL="0" indent="0" fontAlgn="base">
+              <a:lnSpc>
+                <a:spcPct val="100000"/>
+              </a:lnSpc>
+              <a:buNone/>
+            </a:pPr>
+            <a:r>
+              <a:rPr lang="en-GB" sz="1000" dirty="0"/>
+              <a:t>Parish, Y, I, H. Muller, Pascal. (2001). “Procedural </a:t>
+            </a:r>
+            <a:r>
+              <a:rPr lang="en-GB" sz="1000" dirty="0" err="1"/>
+              <a:t>modeling</a:t>
+            </a:r>
+            <a:r>
+              <a:rPr lang="en-GB" sz="1000" dirty="0"/>
+              <a:t> of cities”. In Proceedings of the 28th annual conference on Computer graphics and interactive techniques (SIGGRAPH ’01). </a:t>
+            </a:r>
+            <a:r>
+              <a:rPr lang="en-GB" sz="1000" dirty="0" err="1"/>
+              <a:t>Acm</a:t>
+            </a:r>
+            <a:r>
+              <a:rPr lang="en-GB" sz="1000" dirty="0"/>
+              <a:t>, New York, NY, USA, 301 – 308.</a:t>
+            </a:r>
+          </a:p>
+          <a:p>
+            <a:pPr marL="0" indent="0" fontAlgn="base">
+              <a:lnSpc>
+                <a:spcPct val="100000"/>
+              </a:lnSpc>
+              <a:buNone/>
+            </a:pPr>
+            <a:r>
+              <a:rPr lang="en-GB" sz="1000" dirty="0" err="1"/>
+              <a:t>Prusinkiewicx</a:t>
+            </a:r>
+            <a:r>
+              <a:rPr lang="en-GB" sz="1000" dirty="0"/>
+              <a:t>, P. and </a:t>
+            </a:r>
+            <a:r>
+              <a:rPr lang="en-GB" sz="1000" dirty="0" err="1"/>
+              <a:t>Janan</a:t>
+            </a:r>
+            <a:r>
+              <a:rPr lang="en-GB" sz="1000" dirty="0"/>
+              <a:t>, J. (1992). “</a:t>
+            </a:r>
+            <a:r>
+              <a:rPr lang="en-GB" sz="1000" dirty="0" err="1"/>
+              <a:t>Lindenmayer</a:t>
+            </a:r>
+            <a:r>
+              <a:rPr lang="en-GB" sz="1000" dirty="0"/>
+              <a:t> systems, fractals, and plants.” New York, N.Y.: Springer-Verlag.</a:t>
             </a:r>
           </a:p>
         </p:txBody>
@@ -15034,19 +15968,21 @@
           <p:cNvPr id="7" name="Content Placeholder 2">
             <a:extLst>
               <a:ext uri="{FF2B5EF4-FFF2-40B4-BE49-F238E27FC236}">
-                <a16:creationId xmlns:a16="http://schemas.microsoft.com/office/drawing/2014/main" id="{EEB5B6A6-22CC-4A94-9718-6DC78DBBC18E}"/>
+                <a16:creationId xmlns:a16="http://schemas.microsoft.com/office/drawing/2014/main" id="{754B5357-64AF-4960-A55A-3BBF449DD868}"/>
               </a:ext>
             </a:extLst>
           </p:cNvPr>
           <p:cNvSpPr txBox="1">
-            <a:spLocks/>
+            <a:spLocks noGrp="1"/>
           </p:cNvSpPr>
-          <p:nvPr/>
+          <p:nvPr>
+            <p:ph idx="1"/>
+          </p:nvPr>
         </p:nvSpPr>
         <p:spPr>
           <a:xfrm>
-            <a:off x="879231" y="1274884"/>
-            <a:ext cx="5873994" cy="4649665"/>
+            <a:off x="879231" y="1274885"/>
+            <a:ext cx="5873994" cy="3601915"/>
           </a:xfrm>
           <a:prstGeom prst="rect">
             <a:avLst/>
@@ -15059,251 +15995,62 @@
         </p:spPr>
         <p:txBody>
           <a:bodyPr vert="horz" lIns="91440" tIns="45720" rIns="91440" bIns="45720" rtlCol="0">
-            <a:normAutofit/>
+            <a:normAutofit fontScale="92500" lnSpcReduction="10000"/>
           </a:bodyPr>
-          <a:lstStyle>
-            <a:lvl1pPr marL="384048" indent="-384048" algn="l" defTabSz="914400" rtl="0" eaLnBrk="1" latinLnBrk="0" hangingPunct="1">
-              <a:lnSpc>
-                <a:spcPct val="94000"/>
-              </a:lnSpc>
-              <a:spcBef>
-                <a:spcPts val="1000"/>
-              </a:spcBef>
-              <a:spcAft>
-                <a:spcPts val="200"/>
-              </a:spcAft>
-              <a:buFont typeface="Franklin Gothic Book" panose="020B0503020102020204" pitchFamily="34" charset="0"/>
-              <a:buChar char="■"/>
-              <a:defRPr sz="2000" kern="1200" baseline="0">
-                <a:solidFill>
-                  <a:schemeClr val="tx2"/>
-                </a:solidFill>
-                <a:latin typeface="+mn-lt"/>
-                <a:ea typeface="+mn-ea"/>
-                <a:cs typeface="+mn-cs"/>
-              </a:defRPr>
-            </a:lvl1pPr>
-            <a:lvl2pPr marL="914400" indent="-384048" algn="l" defTabSz="914400" rtl="0" eaLnBrk="1" latinLnBrk="0" hangingPunct="1">
-              <a:lnSpc>
-                <a:spcPct val="94000"/>
-              </a:lnSpc>
-              <a:spcBef>
-                <a:spcPts val="500"/>
-              </a:spcBef>
-              <a:spcAft>
-                <a:spcPts val="200"/>
-              </a:spcAft>
-              <a:buFont typeface="Franklin Gothic Book" panose="020B0503020102020204" pitchFamily="34" charset="0"/>
-              <a:buChar char="–"/>
-              <a:defRPr sz="2000" i="1" kern="1200" baseline="0">
-                <a:solidFill>
-                  <a:schemeClr val="tx2"/>
-                </a:solidFill>
-                <a:latin typeface="+mn-lt"/>
-                <a:ea typeface="+mn-ea"/>
-                <a:cs typeface="+mn-cs"/>
-              </a:defRPr>
-            </a:lvl2pPr>
-            <a:lvl3pPr marL="1371600" indent="-384048" algn="l" defTabSz="914400" rtl="0" eaLnBrk="1" latinLnBrk="0" hangingPunct="1">
-              <a:lnSpc>
-                <a:spcPct val="94000"/>
-              </a:lnSpc>
-              <a:spcBef>
-                <a:spcPts val="500"/>
-              </a:spcBef>
-              <a:spcAft>
-                <a:spcPts val="200"/>
-              </a:spcAft>
-              <a:buFont typeface="Franklin Gothic Book" panose="020B0503020102020204" pitchFamily="34" charset="0"/>
-              <a:buChar char="■"/>
-              <a:defRPr sz="1800" kern="1200" baseline="0">
-                <a:solidFill>
-                  <a:schemeClr val="tx2"/>
-                </a:solidFill>
-                <a:latin typeface="+mn-lt"/>
-                <a:ea typeface="+mn-ea"/>
-                <a:cs typeface="+mn-cs"/>
-              </a:defRPr>
-            </a:lvl3pPr>
-            <a:lvl4pPr marL="1828800" indent="-384048" algn="l" defTabSz="914400" rtl="0" eaLnBrk="1" latinLnBrk="0" hangingPunct="1">
-              <a:lnSpc>
-                <a:spcPct val="94000"/>
-              </a:lnSpc>
-              <a:spcBef>
-                <a:spcPts val="500"/>
-              </a:spcBef>
-              <a:spcAft>
-                <a:spcPts val="200"/>
-              </a:spcAft>
-              <a:buFont typeface="Franklin Gothic Book" panose="020B0503020102020204" pitchFamily="34" charset="0"/>
-              <a:buChar char="–"/>
-              <a:defRPr sz="1800" i="1" kern="1200" baseline="0">
-                <a:solidFill>
-                  <a:schemeClr val="tx2"/>
-                </a:solidFill>
-                <a:latin typeface="+mn-lt"/>
-                <a:ea typeface="+mn-ea"/>
-                <a:cs typeface="+mn-cs"/>
-              </a:defRPr>
-            </a:lvl4pPr>
-            <a:lvl5pPr marL="2286000" indent="-384048" algn="l" defTabSz="914400" rtl="0" eaLnBrk="1" latinLnBrk="0" hangingPunct="1">
-              <a:lnSpc>
-                <a:spcPct val="94000"/>
-              </a:lnSpc>
-              <a:spcBef>
-                <a:spcPts val="500"/>
-              </a:spcBef>
-              <a:spcAft>
-                <a:spcPts val="200"/>
-              </a:spcAft>
-              <a:buFont typeface="Franklin Gothic Book" panose="020B0503020102020204" pitchFamily="34" charset="0"/>
-              <a:buChar char="■"/>
-              <a:defRPr sz="1600" kern="1200" baseline="0">
-                <a:solidFill>
-                  <a:schemeClr val="tx2"/>
-                </a:solidFill>
-                <a:latin typeface="+mn-lt"/>
-                <a:ea typeface="+mn-ea"/>
-                <a:cs typeface="+mn-cs"/>
-              </a:defRPr>
-            </a:lvl5pPr>
-            <a:lvl6pPr marL="2743200" indent="-384048" algn="l" defTabSz="914400" rtl="0" eaLnBrk="1" latinLnBrk="0" hangingPunct="1">
-              <a:lnSpc>
-                <a:spcPct val="94000"/>
-              </a:lnSpc>
-              <a:spcBef>
-                <a:spcPts val="500"/>
-              </a:spcBef>
-              <a:spcAft>
-                <a:spcPts val="200"/>
-              </a:spcAft>
-              <a:buFont typeface="Franklin Gothic Book" panose="020B0503020102020204" pitchFamily="34" charset="0"/>
-              <a:buChar char="–"/>
-              <a:defRPr sz="1600" i="1" kern="1200" baseline="0">
-                <a:solidFill>
-                  <a:schemeClr val="tx2"/>
-                </a:solidFill>
-                <a:latin typeface="+mn-lt"/>
-                <a:ea typeface="+mn-ea"/>
-                <a:cs typeface="+mn-cs"/>
-              </a:defRPr>
-            </a:lvl6pPr>
-            <a:lvl7pPr marL="3200400" indent="-384048" algn="l" defTabSz="914400" rtl="0" eaLnBrk="1" latinLnBrk="0" hangingPunct="1">
-              <a:lnSpc>
-                <a:spcPct val="94000"/>
-              </a:lnSpc>
-              <a:spcBef>
-                <a:spcPts val="500"/>
-              </a:spcBef>
-              <a:spcAft>
-                <a:spcPts val="200"/>
-              </a:spcAft>
-              <a:buFont typeface="Franklin Gothic Book" panose="020B0503020102020204" pitchFamily="34" charset="0"/>
-              <a:buChar char="■"/>
-              <a:defRPr sz="1400" kern="1200" baseline="0">
-                <a:solidFill>
-                  <a:schemeClr val="tx2"/>
-                </a:solidFill>
-                <a:latin typeface="+mn-lt"/>
-                <a:ea typeface="+mn-ea"/>
-                <a:cs typeface="+mn-cs"/>
-              </a:defRPr>
-            </a:lvl7pPr>
-            <a:lvl8pPr marL="3657600" indent="-384048" algn="l" defTabSz="914400" rtl="0" eaLnBrk="1" latinLnBrk="0" hangingPunct="1">
-              <a:lnSpc>
-                <a:spcPct val="94000"/>
-              </a:lnSpc>
-              <a:spcBef>
-                <a:spcPts val="500"/>
-              </a:spcBef>
-              <a:spcAft>
-                <a:spcPts val="200"/>
-              </a:spcAft>
-              <a:buFont typeface="Franklin Gothic Book" panose="020B0503020102020204" pitchFamily="34" charset="0"/>
-              <a:buChar char="–"/>
-              <a:defRPr sz="1400" i="1" kern="1200" baseline="0">
-                <a:solidFill>
-                  <a:schemeClr val="tx2"/>
-                </a:solidFill>
-                <a:latin typeface="+mn-lt"/>
-                <a:ea typeface="+mn-ea"/>
-                <a:cs typeface="+mn-cs"/>
-              </a:defRPr>
-            </a:lvl8pPr>
-            <a:lvl9pPr marL="4114800" indent="-384048" algn="l" defTabSz="914400" rtl="0" eaLnBrk="1" latinLnBrk="0" hangingPunct="1">
-              <a:lnSpc>
-                <a:spcPct val="94000"/>
-              </a:lnSpc>
-              <a:spcBef>
-                <a:spcPts val="500"/>
-              </a:spcBef>
-              <a:spcAft>
-                <a:spcPts val="200"/>
-              </a:spcAft>
-              <a:buFont typeface="Franklin Gothic Book" panose="020B0503020102020204" pitchFamily="34" charset="0"/>
-              <a:buChar char="■"/>
-              <a:defRPr sz="1400" kern="1200" baseline="0">
-                <a:solidFill>
-                  <a:schemeClr val="tx2"/>
-                </a:solidFill>
-                <a:latin typeface="+mn-lt"/>
-                <a:ea typeface="+mn-ea"/>
-                <a:cs typeface="+mn-cs"/>
-              </a:defRPr>
-            </a:lvl9pPr>
-          </a:lstStyle>
+          <a:lstStyle/>
           <a:p>
             <a:r>
               <a:rPr lang="en-GB" dirty="0"/>
-              <a:t>Procedurally generating by using a recursive branching structure (</a:t>
+              <a:t>L-systems are a procedural generation technique that can be used in the procedural generation of cities; L-systems can be used to generate road networks and generate buildings. (</a:t>
             </a:r>
             <a:r>
               <a:rPr lang="en-GB" dirty="0" err="1"/>
-              <a:t>Runions</a:t>
+              <a:t>GameDevStackExchange</a:t>
             </a:r>
             <a:r>
               <a:rPr lang="en-GB" dirty="0"/>
-              <a:t> A. </a:t>
+              <a:t>, 2014), (Kelly G, </a:t>
             </a:r>
             <a:r>
               <a:rPr lang="en-GB" dirty="0" err="1"/>
-              <a:t>Lane,B</a:t>
+              <a:t>Mccave</a:t>
             </a:r>
             <a:r>
               <a:rPr lang="en-GB" dirty="0"/>
-              <a:t> and </a:t>
+              <a:t> H, 2006), (</a:t>
             </a:r>
             <a:r>
               <a:rPr lang="en-GB" dirty="0" err="1"/>
-              <a:t>Prusinkiewicz</a:t>
+              <a:t>Ilangovan</a:t>
             </a:r>
             <a:r>
               <a:rPr lang="en-GB" dirty="0"/>
-              <a:t> P, 2007).</a:t>
+              <a:t> K, P, 2009), (Parish Y I H, Muller P, 2001).</a:t>
             </a:r>
           </a:p>
           <a:p>
             <a:endParaRPr lang="en-GB" dirty="0"/>
           </a:p>
           <a:p>
-            <a:endParaRPr lang="en-GB" dirty="0"/>
-          </a:p>
-          <a:p>
             <a:r>
               <a:rPr lang="en-GB" dirty="0"/>
-              <a:t>Initial data points</a:t>
-            </a:r>
-          </a:p>
-          <a:p>
+              <a:t>L-Systems are prevalent for the procedural generation of plants (</a:t>
+            </a:r>
+            <a:r>
+              <a:rPr lang="en-GB" dirty="0" err="1"/>
+              <a:t>Prusinkiewicx</a:t>
+            </a:r>
             <a:r>
               <a:rPr lang="en-GB" dirty="0"/>
-              <a:t>Connecting based on heuristic values</a:t>
-            </a:r>
-          </a:p>
-          <a:p>
+              <a:t>, P and </a:t>
+            </a:r>
+            <a:r>
+              <a:rPr lang="en-GB" dirty="0" err="1"/>
+              <a:t>Janan</a:t>
+            </a:r>
             <a:r>
               <a:rPr lang="en-GB" dirty="0"/>
-              <a:t>Post-generation modification</a:t>
+              <a:t>, J, 1992), however there has been some work in using and adapting L-systems to work within procedural city generation.</a:t>
             </a:r>
           </a:p>
         </p:txBody>
@@ -15313,7 +16060,7 @@
           <p:cNvPr id="9" name="Picture 8">
             <a:extLst>
               <a:ext uri="{FF2B5EF4-FFF2-40B4-BE49-F238E27FC236}">
-                <a16:creationId xmlns:a16="http://schemas.microsoft.com/office/drawing/2014/main" id="{BB5BDFD9-F3AD-4973-85FC-ADB65D2A6653}"/>
+                <a16:creationId xmlns:a16="http://schemas.microsoft.com/office/drawing/2014/main" id="{EC1FC889-DF9B-4E28-81FD-0AD5CEABC510}"/>
               </a:ext>
             </a:extLst>
           </p:cNvPr>
@@ -15323,20 +16070,20 @@
           <p:nvPr/>
         </p:nvPicPr>
         <p:blipFill rotWithShape="1">
-          <a:blip r:embed="rId2">
+          <a:blip r:embed="rId3">
             <a:extLst>
               <a:ext uri="{28A0092B-C50C-407E-A947-70E740481C1C}">
                 <a14:useLocalDpi xmlns:a14="http://schemas.microsoft.com/office/drawing/2010/main" val="0"/>
               </a:ext>
             </a:extLst>
           </a:blip>
-          <a:srcRect t="4102"/>
+          <a:srcRect t="6022"/>
           <a:stretch/>
         </p:blipFill>
         <p:spPr>
           <a:xfrm>
-            <a:off x="6861817" y="2211815"/>
-            <a:ext cx="4934598" cy="2775803"/>
+            <a:off x="7521891" y="1274885"/>
+            <a:ext cx="3614449" cy="3599813"/>
           </a:xfrm>
           <a:prstGeom prst="rect">
             <a:avLst/>
@@ -15346,7 +16093,7 @@
     </p:spTree>
     <p:extLst>
       <p:ext uri="{BB962C8B-B14F-4D97-AF65-F5344CB8AC3E}">
-        <p14:creationId xmlns:p14="http://schemas.microsoft.com/office/powerpoint/2010/main" val="3129975183"/>
+        <p14:creationId xmlns:p14="http://schemas.microsoft.com/office/powerpoint/2010/main" val="126642829"/>
       </p:ext>
     </p:extLst>
   </p:cSld>
@@ -15401,7 +16148,7 @@
           <a:p>
             <a:r>
               <a:rPr lang="en-GB" dirty="0"/>
-              <a:t>Raster template generation</a:t>
+              <a:t>Space colonisation</a:t>
             </a:r>
           </a:p>
         </p:txBody>
@@ -15422,8 +16169,8 @@
         </p:nvSpPr>
         <p:spPr>
           <a:xfrm>
-            <a:off x="879231" y="5629275"/>
-            <a:ext cx="11025776" cy="1104900"/>
+            <a:off x="879231" y="6029325"/>
+            <a:ext cx="11025776" cy="704850"/>
           </a:xfrm>
           <a:prstGeom prst="rect">
             <a:avLst/>
@@ -15634,8 +16381,36 @@
               <a:buNone/>
             </a:pPr>
             <a:r>
-              <a:rPr lang="en-GB" sz="1000" dirty="0"/>
-              <a:t>Kelly, G. McCabe, H. (2006). “A Survey of Procedural Techniques for City Generation”. In ITB Journal, No. 14.</a:t>
+              <a:rPr lang="en-GB" sz="1000" dirty="0" err="1"/>
+              <a:t>Runions</a:t>
+            </a:r>
+            <a:r>
+              <a:rPr lang="en-GB" sz="1000" dirty="0"/>
+              <a:t>, A. Lane, B and </a:t>
+            </a:r>
+            <a:r>
+              <a:rPr lang="en-GB" sz="1000" dirty="0" err="1"/>
+              <a:t>Prusinkiewicz</a:t>
+            </a:r>
+            <a:r>
+              <a:rPr lang="en-GB" sz="1000" dirty="0"/>
+              <a:t>, P. (2007) “</a:t>
+            </a:r>
+            <a:r>
+              <a:rPr lang="en-GB" sz="1000" dirty="0" err="1"/>
+              <a:t>Modeling</a:t>
+            </a:r>
+            <a:r>
+              <a:rPr lang="en-GB" sz="1000" dirty="0"/>
+              <a:t> trees with a space colonization algorithm” In Proceedings of the Third </a:t>
+            </a:r>
+            <a:r>
+              <a:rPr lang="en-GB" sz="1000" dirty="0" err="1"/>
+              <a:t>Eugographics</a:t>
+            </a:r>
+            <a:r>
+              <a:rPr lang="en-GB" sz="1000" dirty="0"/>
+              <a:t> conference on Natural Phenomena. Prague, Czech Republic. pp 63 – 70.</a:t>
             </a:r>
           </a:p>
           <a:p>
@@ -15643,57 +16418,12 @@
               <a:buNone/>
             </a:pPr>
             <a:r>
-              <a:rPr lang="en-GB" sz="1000" dirty="0"/>
-              <a:t>Muller, P and Parish, Y, I, H. (2001). “Procedural </a:t>
-            </a:r>
-            <a:r>
               <a:rPr lang="en-GB" sz="1000" dirty="0" err="1"/>
-              <a:t>modeling</a:t>
-            </a:r>
-            <a:r>
-              <a:rPr lang="en-GB" sz="1000" dirty="0"/>
-              <a:t> of cities”. In Proceedings of the 28th annual conference on Computer graphics and interactive techniques (SIGGRAPH ’01). </a:t>
-            </a:r>
-            <a:r>
-              <a:rPr lang="en-GB" sz="1000" dirty="0" err="1"/>
-              <a:t>Acm</a:t>
-            </a:r>
-            <a:r>
-              <a:rPr lang="en-GB" sz="1000" dirty="0"/>
-              <a:t>, New York, NY, USA. 301 – 308.</a:t>
-            </a:r>
-          </a:p>
-          <a:p>
-            <a:pPr marL="0" indent="0" fontAlgn="base">
-              <a:buNone/>
-            </a:pPr>
-            <a:r>
-              <a:rPr lang="en-GB" sz="1000" dirty="0"/>
-              <a:t>Sun, J. Yu, X. </a:t>
-            </a:r>
-            <a:r>
-              <a:rPr lang="en-GB" sz="1000" dirty="0" err="1"/>
-              <a:t>Baciu</a:t>
-            </a:r>
-            <a:r>
-              <a:rPr lang="en-GB" sz="1000" dirty="0"/>
-              <a:t>, G. Green, M. (2002). “Template-based generation of road networks for virtual city </a:t>
-            </a:r>
-            <a:r>
-              <a:rPr lang="en-GB" sz="1000" dirty="0" err="1"/>
-              <a:t>modeling</a:t>
-            </a:r>
-            <a:r>
-              <a:rPr lang="en-GB" sz="1000" dirty="0"/>
-              <a:t>”. In Proceedings of the ACM symposium on Virtual reality software and technology (VRST ’02). </a:t>
-            </a:r>
-            <a:r>
-              <a:rPr lang="en-GB" sz="1000" dirty="0" err="1"/>
-              <a:t>Acm</a:t>
-            </a:r>
-            <a:r>
-              <a:rPr lang="en-GB" sz="1000" dirty="0"/>
-              <a:t>, New Work, NY, USA, 33 – 40.</a:t>
+              <a:t>Samet</a:t>
+            </a:r>
+            <a:r>
+              <a:rPr lang="en-GB" sz="1000" dirty="0"/>
+              <a:t>, H. (1995). Spatial Data Structures. Addison-Wesley.</a:t>
             </a:r>
           </a:p>
         </p:txBody>
@@ -15703,7 +16433,7 @@
           <p:cNvPr id="7" name="Content Placeholder 2">
             <a:extLst>
               <a:ext uri="{FF2B5EF4-FFF2-40B4-BE49-F238E27FC236}">
-                <a16:creationId xmlns:a16="http://schemas.microsoft.com/office/drawing/2014/main" id="{65A56FC6-A98E-41AE-9E37-F846B2435B9B}"/>
+                <a16:creationId xmlns:a16="http://schemas.microsoft.com/office/drawing/2014/main" id="{EEB5B6A6-22CC-4A94-9718-6DC78DBBC18E}"/>
               </a:ext>
             </a:extLst>
           </p:cNvPr>
@@ -15715,7 +16445,7 @@
         <p:spPr>
           <a:xfrm>
             <a:off x="879231" y="1274884"/>
-            <a:ext cx="5873994" cy="4221041"/>
+            <a:ext cx="4450953" cy="4649665"/>
           </a:xfrm>
           <a:prstGeom prst="rect">
             <a:avLst/>
@@ -15924,34 +16654,65 @@
           <a:p>
             <a:r>
               <a:rPr lang="en-GB" dirty="0"/>
-              <a:t>Many systems use a grid template to produce minor roads inside of areas created by major roads. These minor roads can all follow a global angle or this can be local to the encapsulated area. Maximum and minimum boundaries for block width and length can also be provided. (Muller P, Parish Y I H, 2001). </a:t>
+              <a:t>Procedurally generating by using a recursive branching structure (</a:t>
+            </a:r>
+            <a:r>
+              <a:rPr lang="en-GB" dirty="0" err="1"/>
+              <a:t>Runions</a:t>
+            </a:r>
+            <a:r>
+              <a:rPr lang="en-GB" dirty="0"/>
+              <a:t> A. </a:t>
+            </a:r>
+            <a:r>
+              <a:rPr lang="en-GB" dirty="0" err="1"/>
+              <a:t>Lane,B</a:t>
+            </a:r>
+            <a:r>
+              <a:rPr lang="en-GB" dirty="0"/>
+              <a:t> and </a:t>
+            </a:r>
+            <a:r>
+              <a:rPr lang="en-GB" dirty="0" err="1"/>
+              <a:t>Prusinkiewicz</a:t>
+            </a:r>
+            <a:r>
+              <a:rPr lang="en-GB" dirty="0"/>
+              <a:t> P, 2007).</a:t>
             </a:r>
           </a:p>
           <a:p>
             <a:endParaRPr lang="en-GB" dirty="0"/>
           </a:p>
           <a:p>
+            <a:endParaRPr lang="en-GB" dirty="0"/>
+          </a:p>
+          <a:p>
             <a:r>
               <a:rPr lang="en-GB" dirty="0"/>
-              <a:t>Major and minor roads are laid out in a grid pattern. (Sun, J. Yu, X. </a:t>
-            </a:r>
-            <a:r>
-              <a:rPr lang="en-GB" dirty="0" err="1"/>
-              <a:t>Baciu</a:t>
-            </a:r>
+              <a:t>Initial data points</a:t>
+            </a:r>
+          </a:p>
+          <a:p>
             <a:r>
               <a:rPr lang="en-GB" dirty="0"/>
-              <a:t>, G. Green, M, 2002).</a:t>
+              <a:t>Connecting based on heuristic values</a:t>
+            </a:r>
+          </a:p>
+          <a:p>
+            <a:r>
+              <a:rPr lang="en-GB" dirty="0"/>
+              <a:t>Post-generation modification</a:t>
             </a:r>
           </a:p>
         </p:txBody>
       </p:sp>
       <p:pic>
         <p:nvPicPr>
-          <p:cNvPr id="9" name="Picture 8">
+          <p:cNvPr id="8" name="Picture 7">
             <a:extLst>
               <a:ext uri="{FF2B5EF4-FFF2-40B4-BE49-F238E27FC236}">
-                <a16:creationId xmlns:a16="http://schemas.microsoft.com/office/drawing/2014/main" id="{825FD9C7-B247-4304-8818-546F57E613D8}"/>
+                <a16:creationId xmlns:a16="http://schemas.microsoft.com/office/drawing/2014/main" id="{C17AABD6-6037-40BD-BD04-578D46F683E8}"/>
               </a:ext>
             </a:extLst>
           </p:cNvPr>
@@ -15968,13 +16729,13 @@
               </a:ext>
             </a:extLst>
           </a:blip>
-          <a:srcRect t="6022"/>
+          <a:srcRect t="4102"/>
           <a:stretch/>
         </p:blipFill>
         <p:spPr>
           <a:xfrm>
-            <a:off x="7210015" y="1274883"/>
-            <a:ext cx="4238202" cy="4221041"/>
+            <a:off x="5412835" y="1775757"/>
+            <a:ext cx="6492172" cy="3651966"/>
           </a:xfrm>
           <a:prstGeom prst="rect">
             <a:avLst/>
@@ -15984,7 +16745,7 @@
     </p:spTree>
     <p:extLst>
       <p:ext uri="{BB962C8B-B14F-4D97-AF65-F5344CB8AC3E}">
-        <p14:creationId xmlns:p14="http://schemas.microsoft.com/office/powerpoint/2010/main" val="2173672590"/>
+        <p14:creationId xmlns:p14="http://schemas.microsoft.com/office/powerpoint/2010/main" val="3129975183"/>
       </p:ext>
     </p:extLst>
   </p:cSld>

--- a/Presentation.pptx
+++ b/Presentation.pptx
@@ -5,7 +5,7 @@
     <p:sldMasterId id="2147483660" r:id="rId1"/>
   </p:sldMasterIdLst>
   <p:notesMasterIdLst>
-    <p:notesMasterId r:id="rId25"/>
+    <p:notesMasterId r:id="rId30"/>
   </p:notesMasterIdLst>
   <p:sldIdLst>
     <p:sldId id="256" r:id="rId2"/>
@@ -20,17 +20,22 @@
     <p:sldId id="276" r:id="rId11"/>
     <p:sldId id="277" r:id="rId12"/>
     <p:sldId id="278" r:id="rId13"/>
-    <p:sldId id="279" r:id="rId14"/>
-    <p:sldId id="280" r:id="rId15"/>
-    <p:sldId id="281" r:id="rId16"/>
-    <p:sldId id="293" r:id="rId17"/>
-    <p:sldId id="292" r:id="rId18"/>
-    <p:sldId id="282" r:id="rId19"/>
-    <p:sldId id="283" r:id="rId20"/>
-    <p:sldId id="284" r:id="rId21"/>
-    <p:sldId id="285" r:id="rId22"/>
-    <p:sldId id="290" r:id="rId23"/>
-    <p:sldId id="291" r:id="rId24"/>
+    <p:sldId id="299" r:id="rId14"/>
+    <p:sldId id="279" r:id="rId15"/>
+    <p:sldId id="280" r:id="rId16"/>
+    <p:sldId id="281" r:id="rId17"/>
+    <p:sldId id="293" r:id="rId18"/>
+    <p:sldId id="292" r:id="rId19"/>
+    <p:sldId id="282" r:id="rId20"/>
+    <p:sldId id="283" r:id="rId21"/>
+    <p:sldId id="296" r:id="rId22"/>
+    <p:sldId id="297" r:id="rId23"/>
+    <p:sldId id="284" r:id="rId24"/>
+    <p:sldId id="285" r:id="rId25"/>
+    <p:sldId id="298" r:id="rId26"/>
+    <p:sldId id="295" r:id="rId27"/>
+    <p:sldId id="290" r:id="rId28"/>
+    <p:sldId id="291" r:id="rId29"/>
   </p:sldIdLst>
   <p:sldSz cx="12192000" cy="6858000"/>
   <p:notesSz cx="6858000" cy="9144000"/>
@@ -146,6 +151,7 @@
             <p14:sldId id="276"/>
             <p14:sldId id="277"/>
             <p14:sldId id="278"/>
+            <p14:sldId id="299"/>
             <p14:sldId id="279"/>
             <p14:sldId id="280"/>
             <p14:sldId id="281"/>
@@ -153,8 +159,12 @@
             <p14:sldId id="292"/>
             <p14:sldId id="282"/>
             <p14:sldId id="283"/>
+            <p14:sldId id="296"/>
+            <p14:sldId id="297"/>
             <p14:sldId id="284"/>
             <p14:sldId id="285"/>
+            <p14:sldId id="298"/>
+            <p14:sldId id="295"/>
             <p14:sldId id="290"/>
             <p14:sldId id="291"/>
           </p14:sldIdLst>
@@ -169,6 +179,10 @@
     </p:ext>
   </p:extLst>
 </p:presentation>
+</file>
+
+<file path=ppt/revisionInfo.xml><?xml version="1.0" encoding="utf-8"?>
+<p1510:revInfo xmlns:a="http://schemas.openxmlformats.org/drawingml/2006/main" xmlns:r="http://schemas.openxmlformats.org/officeDocument/2006/relationships" xmlns:p1510="http://schemas.microsoft.com/office/powerpoint/2015/10/main"/>
 </file>
 
 <file path=ppt/notesMasters/notesMaster1.xml><?xml version="1.0" encoding="utf-8"?>
@@ -649,7 +663,7 @@
           <a:bodyPr/>
           <a:lstStyle/>
           <a:p>
-            <a:endParaRPr lang="en-GB" dirty="0"/>
+            <a:endParaRPr lang="en-GB"/>
           </a:p>
         </p:txBody>
       </p:sp>
@@ -670,7 +684,7 @@
           <a:p>
             <a:fld id="{D8D247D5-E5FD-4D98-9008-338DDEB6C507}" type="slidenum">
               <a:rPr lang="en-GB" smtClean="0"/>
-              <a:t>20</a:t>
+              <a:t>4</a:t>
             </a:fld>
             <a:endParaRPr lang="en-GB"/>
           </a:p>
@@ -679,7 +693,7 @@
     </p:spTree>
     <p:extLst>
       <p:ext uri="{BB962C8B-B14F-4D97-AF65-F5344CB8AC3E}">
-        <p14:creationId xmlns:p14="http://schemas.microsoft.com/office/powerpoint/2010/main" val="2676916860"/>
+        <p14:creationId xmlns:p14="http://schemas.microsoft.com/office/powerpoint/2010/main" val="587463439"/>
       </p:ext>
     </p:extLst>
   </p:cSld>
@@ -733,7 +747,7 @@
           <a:bodyPr/>
           <a:lstStyle/>
           <a:p>
-            <a:endParaRPr lang="en-GB"/>
+            <a:endParaRPr lang="en-GB" dirty="0"/>
           </a:p>
         </p:txBody>
       </p:sp>
@@ -754,7 +768,7 @@
           <a:p>
             <a:fld id="{D8D247D5-E5FD-4D98-9008-338DDEB6C507}" type="slidenum">
               <a:rPr lang="en-GB" smtClean="0"/>
-              <a:t>21</a:t>
+              <a:t>23</a:t>
             </a:fld>
             <a:endParaRPr lang="en-GB"/>
           </a:p>
@@ -763,7 +777,7 @@
     </p:spTree>
     <p:extLst>
       <p:ext uri="{BB962C8B-B14F-4D97-AF65-F5344CB8AC3E}">
-        <p14:creationId xmlns:p14="http://schemas.microsoft.com/office/powerpoint/2010/main" val="3417126088"/>
+        <p14:creationId xmlns:p14="http://schemas.microsoft.com/office/powerpoint/2010/main" val="2676916860"/>
       </p:ext>
     </p:extLst>
   </p:cSld>
@@ -838,7 +852,259 @@
           <a:p>
             <a:fld id="{D8D247D5-E5FD-4D98-9008-338DDEB6C507}" type="slidenum">
               <a:rPr lang="en-GB" smtClean="0"/>
-              <a:t>22</a:t>
+              <a:t>24</a:t>
+            </a:fld>
+            <a:endParaRPr lang="en-GB"/>
+          </a:p>
+        </p:txBody>
+      </p:sp>
+    </p:spTree>
+    <p:extLst>
+      <p:ext uri="{BB962C8B-B14F-4D97-AF65-F5344CB8AC3E}">
+        <p14:creationId xmlns:p14="http://schemas.microsoft.com/office/powerpoint/2010/main" val="3417126088"/>
+      </p:ext>
+    </p:extLst>
+  </p:cSld>
+  <p:clrMapOvr>
+    <a:masterClrMapping/>
+  </p:clrMapOvr>
+</p:notes>
+</file>
+
+<file path=ppt/notesSlides/notesSlide5.xml><?xml version="1.0" encoding="utf-8"?>
+<p:notes xmlns:a="http://schemas.openxmlformats.org/drawingml/2006/main" xmlns:r="http://schemas.openxmlformats.org/officeDocument/2006/relationships" xmlns:p="http://schemas.openxmlformats.org/presentationml/2006/main">
+  <p:cSld>
+    <p:spTree>
+      <p:nvGrpSpPr>
+        <p:cNvPr id="1" name=""/>
+        <p:cNvGrpSpPr/>
+        <p:nvPr/>
+      </p:nvGrpSpPr>
+      <p:grpSpPr>
+        <a:xfrm>
+          <a:off x="0" y="0"/>
+          <a:ext cx="0" cy="0"/>
+          <a:chOff x="0" y="0"/>
+          <a:chExt cx="0" cy="0"/>
+        </a:xfrm>
+      </p:grpSpPr>
+      <p:sp>
+        <p:nvSpPr>
+          <p:cNvPr id="2" name="Slide Image Placeholder 1"/>
+          <p:cNvSpPr>
+            <a:spLocks noGrp="1" noRot="1" noChangeAspect="1"/>
+          </p:cNvSpPr>
+          <p:nvPr>
+            <p:ph type="sldImg"/>
+          </p:nvPr>
+        </p:nvSpPr>
+        <p:spPr/>
+      </p:sp>
+      <p:sp>
+        <p:nvSpPr>
+          <p:cNvPr id="3" name="Notes Placeholder 2"/>
+          <p:cNvSpPr>
+            <a:spLocks noGrp="1"/>
+          </p:cNvSpPr>
+          <p:nvPr>
+            <p:ph type="body" idx="1"/>
+          </p:nvPr>
+        </p:nvSpPr>
+        <p:spPr/>
+        <p:txBody>
+          <a:bodyPr/>
+          <a:lstStyle/>
+          <a:p>
+            <a:endParaRPr lang="en-GB"/>
+          </a:p>
+        </p:txBody>
+      </p:sp>
+      <p:sp>
+        <p:nvSpPr>
+          <p:cNvPr id="4" name="Slide Number Placeholder 3"/>
+          <p:cNvSpPr>
+            <a:spLocks noGrp="1"/>
+          </p:cNvSpPr>
+          <p:nvPr>
+            <p:ph type="sldNum" sz="quarter" idx="10"/>
+          </p:nvPr>
+        </p:nvSpPr>
+        <p:spPr/>
+        <p:txBody>
+          <a:bodyPr/>
+          <a:lstStyle/>
+          <a:p>
+            <a:fld id="{D8D247D5-E5FD-4D98-9008-338DDEB6C507}" type="slidenum">
+              <a:rPr lang="en-GB" smtClean="0"/>
+              <a:t>25</a:t>
+            </a:fld>
+            <a:endParaRPr lang="en-GB"/>
+          </a:p>
+        </p:txBody>
+      </p:sp>
+    </p:spTree>
+    <p:extLst>
+      <p:ext uri="{BB962C8B-B14F-4D97-AF65-F5344CB8AC3E}">
+        <p14:creationId xmlns:p14="http://schemas.microsoft.com/office/powerpoint/2010/main" val="3591205538"/>
+      </p:ext>
+    </p:extLst>
+  </p:cSld>
+  <p:clrMapOvr>
+    <a:masterClrMapping/>
+  </p:clrMapOvr>
+</p:notes>
+</file>
+
+<file path=ppt/notesSlides/notesSlide6.xml><?xml version="1.0" encoding="utf-8"?>
+<p:notes xmlns:a="http://schemas.openxmlformats.org/drawingml/2006/main" xmlns:r="http://schemas.openxmlformats.org/officeDocument/2006/relationships" xmlns:p="http://schemas.openxmlformats.org/presentationml/2006/main">
+  <p:cSld>
+    <p:spTree>
+      <p:nvGrpSpPr>
+        <p:cNvPr id="1" name=""/>
+        <p:cNvGrpSpPr/>
+        <p:nvPr/>
+      </p:nvGrpSpPr>
+      <p:grpSpPr>
+        <a:xfrm>
+          <a:off x="0" y="0"/>
+          <a:ext cx="0" cy="0"/>
+          <a:chOff x="0" y="0"/>
+          <a:chExt cx="0" cy="0"/>
+        </a:xfrm>
+      </p:grpSpPr>
+      <p:sp>
+        <p:nvSpPr>
+          <p:cNvPr id="2" name="Slide Image Placeholder 1"/>
+          <p:cNvSpPr>
+            <a:spLocks noGrp="1" noRot="1" noChangeAspect="1"/>
+          </p:cNvSpPr>
+          <p:nvPr>
+            <p:ph type="sldImg"/>
+          </p:nvPr>
+        </p:nvSpPr>
+        <p:spPr/>
+      </p:sp>
+      <p:sp>
+        <p:nvSpPr>
+          <p:cNvPr id="3" name="Notes Placeholder 2"/>
+          <p:cNvSpPr>
+            <a:spLocks noGrp="1"/>
+          </p:cNvSpPr>
+          <p:nvPr>
+            <p:ph type="body" idx="1"/>
+          </p:nvPr>
+        </p:nvSpPr>
+        <p:spPr/>
+        <p:txBody>
+          <a:bodyPr/>
+          <a:lstStyle/>
+          <a:p>
+            <a:endParaRPr lang="en-GB"/>
+          </a:p>
+        </p:txBody>
+      </p:sp>
+      <p:sp>
+        <p:nvSpPr>
+          <p:cNvPr id="4" name="Slide Number Placeholder 3"/>
+          <p:cNvSpPr>
+            <a:spLocks noGrp="1"/>
+          </p:cNvSpPr>
+          <p:nvPr>
+            <p:ph type="sldNum" sz="quarter" idx="10"/>
+          </p:nvPr>
+        </p:nvSpPr>
+        <p:spPr/>
+        <p:txBody>
+          <a:bodyPr/>
+          <a:lstStyle/>
+          <a:p>
+            <a:fld id="{D8D247D5-E5FD-4D98-9008-338DDEB6C507}" type="slidenum">
+              <a:rPr lang="en-GB" smtClean="0"/>
+              <a:t>26</a:t>
+            </a:fld>
+            <a:endParaRPr lang="en-GB"/>
+          </a:p>
+        </p:txBody>
+      </p:sp>
+    </p:spTree>
+    <p:extLst>
+      <p:ext uri="{BB962C8B-B14F-4D97-AF65-F5344CB8AC3E}">
+        <p14:creationId xmlns:p14="http://schemas.microsoft.com/office/powerpoint/2010/main" val="536972453"/>
+      </p:ext>
+    </p:extLst>
+  </p:cSld>
+  <p:clrMapOvr>
+    <a:masterClrMapping/>
+  </p:clrMapOvr>
+</p:notes>
+</file>
+
+<file path=ppt/notesSlides/notesSlide7.xml><?xml version="1.0" encoding="utf-8"?>
+<p:notes xmlns:a="http://schemas.openxmlformats.org/drawingml/2006/main" xmlns:r="http://schemas.openxmlformats.org/officeDocument/2006/relationships" xmlns:p="http://schemas.openxmlformats.org/presentationml/2006/main">
+  <p:cSld>
+    <p:spTree>
+      <p:nvGrpSpPr>
+        <p:cNvPr id="1" name=""/>
+        <p:cNvGrpSpPr/>
+        <p:nvPr/>
+      </p:nvGrpSpPr>
+      <p:grpSpPr>
+        <a:xfrm>
+          <a:off x="0" y="0"/>
+          <a:ext cx="0" cy="0"/>
+          <a:chOff x="0" y="0"/>
+          <a:chExt cx="0" cy="0"/>
+        </a:xfrm>
+      </p:grpSpPr>
+      <p:sp>
+        <p:nvSpPr>
+          <p:cNvPr id="2" name="Slide Image Placeholder 1"/>
+          <p:cNvSpPr>
+            <a:spLocks noGrp="1" noRot="1" noChangeAspect="1"/>
+          </p:cNvSpPr>
+          <p:nvPr>
+            <p:ph type="sldImg"/>
+          </p:nvPr>
+        </p:nvSpPr>
+        <p:spPr/>
+      </p:sp>
+      <p:sp>
+        <p:nvSpPr>
+          <p:cNvPr id="3" name="Notes Placeholder 2"/>
+          <p:cNvSpPr>
+            <a:spLocks noGrp="1"/>
+          </p:cNvSpPr>
+          <p:nvPr>
+            <p:ph type="body" idx="1"/>
+          </p:nvPr>
+        </p:nvSpPr>
+        <p:spPr/>
+        <p:txBody>
+          <a:bodyPr/>
+          <a:lstStyle/>
+          <a:p>
+            <a:endParaRPr lang="en-GB"/>
+          </a:p>
+        </p:txBody>
+      </p:sp>
+      <p:sp>
+        <p:nvSpPr>
+          <p:cNvPr id="4" name="Slide Number Placeholder 3"/>
+          <p:cNvSpPr>
+            <a:spLocks noGrp="1"/>
+          </p:cNvSpPr>
+          <p:nvPr>
+            <p:ph type="sldNum" sz="quarter" idx="10"/>
+          </p:nvPr>
+        </p:nvSpPr>
+        <p:spPr/>
+        <p:txBody>
+          <a:bodyPr/>
+          <a:lstStyle/>
+          <a:p>
+            <a:fld id="{D8D247D5-E5FD-4D98-9008-338DDEB6C507}" type="slidenum">
+              <a:rPr lang="en-GB" smtClean="0"/>
+              <a:t>27</a:t>
             </a:fld>
             <a:endParaRPr lang="en-GB"/>
           </a:p>
@@ -6701,571 +6967,17 @@
           <a:p>
             <a:r>
               <a:rPr lang="en-GB" dirty="0"/>
-              <a:t>Diamond-Square terrain generation</a:t>
-            </a:r>
-          </a:p>
-        </p:txBody>
-      </p:sp>
-      <p:sp>
-        <p:nvSpPr>
-          <p:cNvPr id="4" name="Content Placeholder 2">
-            <a:extLst>
-              <a:ext uri="{FF2B5EF4-FFF2-40B4-BE49-F238E27FC236}">
-                <a16:creationId xmlns:a16="http://schemas.microsoft.com/office/drawing/2014/main" id="{C44F06C3-D088-4921-80FA-6A04C96C2CC4}"/>
-              </a:ext>
-            </a:extLst>
-          </p:cNvPr>
-          <p:cNvSpPr txBox="1">
-            <a:spLocks/>
-          </p:cNvSpPr>
-          <p:nvPr/>
-        </p:nvSpPr>
-        <p:spPr>
-          <a:xfrm>
-            <a:off x="879231" y="5203582"/>
-            <a:ext cx="11025776" cy="1530593"/>
-          </a:xfrm>
-          <a:prstGeom prst="rect">
-            <a:avLst/>
-          </a:prstGeom>
-          <a:ln>
-            <a:solidFill>
-              <a:schemeClr val="tx1"/>
-            </a:solidFill>
-          </a:ln>
-        </p:spPr>
-        <p:txBody>
-          <a:bodyPr vert="horz" lIns="91440" tIns="45720" rIns="91440" bIns="45720" rtlCol="0">
-            <a:noAutofit/>
-          </a:bodyPr>
-          <a:lstStyle>
-            <a:lvl1pPr marL="384048" indent="-384048" algn="l" defTabSz="914400" rtl="0" eaLnBrk="1" latinLnBrk="0" hangingPunct="1">
-              <a:lnSpc>
-                <a:spcPct val="94000"/>
-              </a:lnSpc>
-              <a:spcBef>
-                <a:spcPts val="1000"/>
-              </a:spcBef>
-              <a:spcAft>
-                <a:spcPts val="200"/>
-              </a:spcAft>
-              <a:buFont typeface="Franklin Gothic Book" panose="020B0503020102020204" pitchFamily="34" charset="0"/>
-              <a:buChar char="■"/>
-              <a:defRPr sz="2000" kern="1200" baseline="0">
-                <a:solidFill>
-                  <a:schemeClr val="tx2"/>
-                </a:solidFill>
-                <a:latin typeface="+mn-lt"/>
-                <a:ea typeface="+mn-ea"/>
-                <a:cs typeface="+mn-cs"/>
-              </a:defRPr>
-            </a:lvl1pPr>
-            <a:lvl2pPr marL="914400" indent="-384048" algn="l" defTabSz="914400" rtl="0" eaLnBrk="1" latinLnBrk="0" hangingPunct="1">
-              <a:lnSpc>
-                <a:spcPct val="94000"/>
-              </a:lnSpc>
-              <a:spcBef>
-                <a:spcPts val="500"/>
-              </a:spcBef>
-              <a:spcAft>
-                <a:spcPts val="200"/>
-              </a:spcAft>
-              <a:buFont typeface="Franklin Gothic Book" panose="020B0503020102020204" pitchFamily="34" charset="0"/>
-              <a:buChar char="–"/>
-              <a:defRPr sz="2000" i="1" kern="1200" baseline="0">
-                <a:solidFill>
-                  <a:schemeClr val="tx2"/>
-                </a:solidFill>
-                <a:latin typeface="+mn-lt"/>
-                <a:ea typeface="+mn-ea"/>
-                <a:cs typeface="+mn-cs"/>
-              </a:defRPr>
-            </a:lvl2pPr>
-            <a:lvl3pPr marL="1371600" indent="-384048" algn="l" defTabSz="914400" rtl="0" eaLnBrk="1" latinLnBrk="0" hangingPunct="1">
-              <a:lnSpc>
-                <a:spcPct val="94000"/>
-              </a:lnSpc>
-              <a:spcBef>
-                <a:spcPts val="500"/>
-              </a:spcBef>
-              <a:spcAft>
-                <a:spcPts val="200"/>
-              </a:spcAft>
-              <a:buFont typeface="Franklin Gothic Book" panose="020B0503020102020204" pitchFamily="34" charset="0"/>
-              <a:buChar char="■"/>
-              <a:defRPr sz="1800" kern="1200" baseline="0">
-                <a:solidFill>
-                  <a:schemeClr val="tx2"/>
-                </a:solidFill>
-                <a:latin typeface="+mn-lt"/>
-                <a:ea typeface="+mn-ea"/>
-                <a:cs typeface="+mn-cs"/>
-              </a:defRPr>
-            </a:lvl3pPr>
-            <a:lvl4pPr marL="1828800" indent="-384048" algn="l" defTabSz="914400" rtl="0" eaLnBrk="1" latinLnBrk="0" hangingPunct="1">
-              <a:lnSpc>
-                <a:spcPct val="94000"/>
-              </a:lnSpc>
-              <a:spcBef>
-                <a:spcPts val="500"/>
-              </a:spcBef>
-              <a:spcAft>
-                <a:spcPts val="200"/>
-              </a:spcAft>
-              <a:buFont typeface="Franklin Gothic Book" panose="020B0503020102020204" pitchFamily="34" charset="0"/>
-              <a:buChar char="–"/>
-              <a:defRPr sz="1800" i="1" kern="1200" baseline="0">
-                <a:solidFill>
-                  <a:schemeClr val="tx2"/>
-                </a:solidFill>
-                <a:latin typeface="+mn-lt"/>
-                <a:ea typeface="+mn-ea"/>
-                <a:cs typeface="+mn-cs"/>
-              </a:defRPr>
-            </a:lvl4pPr>
-            <a:lvl5pPr marL="2286000" indent="-384048" algn="l" defTabSz="914400" rtl="0" eaLnBrk="1" latinLnBrk="0" hangingPunct="1">
-              <a:lnSpc>
-                <a:spcPct val="94000"/>
-              </a:lnSpc>
-              <a:spcBef>
-                <a:spcPts val="500"/>
-              </a:spcBef>
-              <a:spcAft>
-                <a:spcPts val="200"/>
-              </a:spcAft>
-              <a:buFont typeface="Franklin Gothic Book" panose="020B0503020102020204" pitchFamily="34" charset="0"/>
-              <a:buChar char="■"/>
-              <a:defRPr sz="1600" kern="1200" baseline="0">
-                <a:solidFill>
-                  <a:schemeClr val="tx2"/>
-                </a:solidFill>
-                <a:latin typeface="+mn-lt"/>
-                <a:ea typeface="+mn-ea"/>
-                <a:cs typeface="+mn-cs"/>
-              </a:defRPr>
-            </a:lvl5pPr>
-            <a:lvl6pPr marL="2743200" indent="-384048" algn="l" defTabSz="914400" rtl="0" eaLnBrk="1" latinLnBrk="0" hangingPunct="1">
-              <a:lnSpc>
-                <a:spcPct val="94000"/>
-              </a:lnSpc>
-              <a:spcBef>
-                <a:spcPts val="500"/>
-              </a:spcBef>
-              <a:spcAft>
-                <a:spcPts val="200"/>
-              </a:spcAft>
-              <a:buFont typeface="Franklin Gothic Book" panose="020B0503020102020204" pitchFamily="34" charset="0"/>
-              <a:buChar char="–"/>
-              <a:defRPr sz="1600" i="1" kern="1200" baseline="0">
-                <a:solidFill>
-                  <a:schemeClr val="tx2"/>
-                </a:solidFill>
-                <a:latin typeface="+mn-lt"/>
-                <a:ea typeface="+mn-ea"/>
-                <a:cs typeface="+mn-cs"/>
-              </a:defRPr>
-            </a:lvl6pPr>
-            <a:lvl7pPr marL="3200400" indent="-384048" algn="l" defTabSz="914400" rtl="0" eaLnBrk="1" latinLnBrk="0" hangingPunct="1">
-              <a:lnSpc>
-                <a:spcPct val="94000"/>
-              </a:lnSpc>
-              <a:spcBef>
-                <a:spcPts val="500"/>
-              </a:spcBef>
-              <a:spcAft>
-                <a:spcPts val="200"/>
-              </a:spcAft>
-              <a:buFont typeface="Franklin Gothic Book" panose="020B0503020102020204" pitchFamily="34" charset="0"/>
-              <a:buChar char="■"/>
-              <a:defRPr sz="1400" kern="1200" baseline="0">
-                <a:solidFill>
-                  <a:schemeClr val="tx2"/>
-                </a:solidFill>
-                <a:latin typeface="+mn-lt"/>
-                <a:ea typeface="+mn-ea"/>
-                <a:cs typeface="+mn-cs"/>
-              </a:defRPr>
-            </a:lvl7pPr>
-            <a:lvl8pPr marL="3657600" indent="-384048" algn="l" defTabSz="914400" rtl="0" eaLnBrk="1" latinLnBrk="0" hangingPunct="1">
-              <a:lnSpc>
-                <a:spcPct val="94000"/>
-              </a:lnSpc>
-              <a:spcBef>
-                <a:spcPts val="500"/>
-              </a:spcBef>
-              <a:spcAft>
-                <a:spcPts val="200"/>
-              </a:spcAft>
-              <a:buFont typeface="Franklin Gothic Book" panose="020B0503020102020204" pitchFamily="34" charset="0"/>
-              <a:buChar char="–"/>
-              <a:defRPr sz="1400" i="1" kern="1200" baseline="0">
-                <a:solidFill>
-                  <a:schemeClr val="tx2"/>
-                </a:solidFill>
-                <a:latin typeface="+mn-lt"/>
-                <a:ea typeface="+mn-ea"/>
-                <a:cs typeface="+mn-cs"/>
-              </a:defRPr>
-            </a:lvl8pPr>
-            <a:lvl9pPr marL="4114800" indent="-384048" algn="l" defTabSz="914400" rtl="0" eaLnBrk="1" latinLnBrk="0" hangingPunct="1">
-              <a:lnSpc>
-                <a:spcPct val="94000"/>
-              </a:lnSpc>
-              <a:spcBef>
-                <a:spcPts val="500"/>
-              </a:spcBef>
-              <a:spcAft>
-                <a:spcPts val="200"/>
-              </a:spcAft>
-              <a:buFont typeface="Franklin Gothic Book" panose="020B0503020102020204" pitchFamily="34" charset="0"/>
-              <a:buChar char="■"/>
-              <a:defRPr sz="1400" kern="1200" baseline="0">
-                <a:solidFill>
-                  <a:schemeClr val="tx2"/>
-                </a:solidFill>
-                <a:latin typeface="+mn-lt"/>
-                <a:ea typeface="+mn-ea"/>
-                <a:cs typeface="+mn-cs"/>
-              </a:defRPr>
-            </a:lvl9pPr>
-          </a:lstStyle>
-          <a:p>
-            <a:pPr marL="0" indent="0" fontAlgn="base">
-              <a:buNone/>
-            </a:pPr>
-            <a:r>
-              <a:rPr lang="en-GB" sz="1000" dirty="0" err="1"/>
-              <a:t>Gabin</a:t>
-            </a:r>
-            <a:r>
-              <a:rPr lang="en-GB" sz="1000" dirty="0"/>
-              <a:t> S P Miller, 1998. “The definition and rendering of terrain maps”. </a:t>
-            </a:r>
-            <a:r>
-              <a:rPr lang="en-GB" sz="1000" i="1" dirty="0"/>
-              <a:t>SIGGRAPH ’86 Proceedings of the 13th annual conference on Computer graphics and interactive techniques</a:t>
-            </a:r>
-            <a:r>
-              <a:rPr lang="en-GB" sz="1000" dirty="0"/>
-              <a:t>, ACM, New York, NY, USA, pp. 39 – 48</a:t>
-            </a:r>
-          </a:p>
-          <a:p>
-            <a:pPr marL="0" indent="0" fontAlgn="base">
-              <a:buNone/>
-            </a:pPr>
-            <a:r>
-              <a:rPr lang="en-GB" sz="1000" dirty="0"/>
-              <a:t>Martz, P. (1997). </a:t>
-            </a:r>
-            <a:r>
-              <a:rPr lang="en-GB" sz="1000" i="1" dirty="0"/>
-              <a:t>Generating Random Fractal Terrain.</a:t>
-            </a:r>
-            <a:r>
-              <a:rPr lang="en-GB" sz="1000" dirty="0"/>
-              <a:t> [Online] 1997. Available Online: </a:t>
-            </a:r>
-            <a:r>
-              <a:rPr lang="en-GB" sz="1000" dirty="0">
-                <a:hlinkClick r:id="rId2"/>
-              </a:rPr>
-              <a:t>http://www.gameprogrammer.com/fractal.html</a:t>
-            </a:r>
-            <a:endParaRPr lang="en-GB" sz="1000" dirty="0"/>
-          </a:p>
-          <a:p>
-            <a:pPr marL="0" indent="0" fontAlgn="base">
-              <a:buNone/>
-            </a:pPr>
-            <a:r>
-              <a:rPr lang="en-GB" sz="1000" dirty="0"/>
-              <a:t>Omar, A. (2017). Unity Tutorials: Diamond-Square Procedural Terrain. [Online] 26th January 2017. Available online: </a:t>
-            </a:r>
-            <a:r>
-              <a:rPr lang="en-GB" sz="1000" dirty="0">
-                <a:hlinkClick r:id="rId3"/>
-              </a:rPr>
-              <a:t>https://www.youtube.com/watch?v=1HV8GbFnCik</a:t>
-            </a:r>
-            <a:r>
-              <a:rPr lang="en-GB" sz="1000" dirty="0"/>
-              <a:t> [Date of access: 14 December 2017].</a:t>
-            </a:r>
-          </a:p>
-          <a:p>
-            <a:pPr marL="0" indent="0" fontAlgn="base">
-              <a:buNone/>
-            </a:pPr>
-            <a:r>
-              <a:rPr lang="en-GB" sz="1000" dirty="0"/>
-              <a:t>Rose, T and </a:t>
-            </a:r>
-            <a:r>
-              <a:rPr lang="en-GB" sz="1000" dirty="0" err="1"/>
-              <a:t>Bakaoukas</a:t>
-            </a:r>
-            <a:r>
-              <a:rPr lang="en-GB" sz="1000" dirty="0"/>
-              <a:t>, A. (2016). “Algorithms and Approaches for Procedural Terrain Generation – A Brief Review of Current Techniques”. 2016 8th International Conference on Games and Virtual Worlds for Serious Applications (VS-GAMES). 1-2.</a:t>
-            </a:r>
-          </a:p>
-        </p:txBody>
-      </p:sp>
-      <p:sp>
-        <p:nvSpPr>
-          <p:cNvPr id="7" name="Content Placeholder 2">
-            <a:extLst>
-              <a:ext uri="{FF2B5EF4-FFF2-40B4-BE49-F238E27FC236}">
-                <a16:creationId xmlns:a16="http://schemas.microsoft.com/office/drawing/2014/main" id="{F612889D-7949-4149-A64F-D2C389759428}"/>
-              </a:ext>
-            </a:extLst>
-          </p:cNvPr>
-          <p:cNvSpPr txBox="1">
-            <a:spLocks/>
-          </p:cNvSpPr>
-          <p:nvPr/>
-        </p:nvSpPr>
-        <p:spPr>
-          <a:xfrm>
-            <a:off x="879231" y="1274885"/>
-            <a:ext cx="5873994" cy="3820990"/>
-          </a:xfrm>
-          <a:prstGeom prst="rect">
-            <a:avLst/>
-          </a:prstGeom>
-          <a:ln>
-            <a:solidFill>
-              <a:schemeClr val="tx1"/>
-            </a:solidFill>
-          </a:ln>
-        </p:spPr>
-        <p:txBody>
-          <a:bodyPr vert="horz" lIns="91440" tIns="45720" rIns="91440" bIns="45720" rtlCol="0">
-            <a:normAutofit/>
-          </a:bodyPr>
-          <a:lstStyle>
-            <a:lvl1pPr marL="384048" indent="-384048" algn="l" defTabSz="914400" rtl="0" eaLnBrk="1" latinLnBrk="0" hangingPunct="1">
-              <a:lnSpc>
-                <a:spcPct val="94000"/>
-              </a:lnSpc>
-              <a:spcBef>
-                <a:spcPts val="1000"/>
-              </a:spcBef>
-              <a:spcAft>
-                <a:spcPts val="200"/>
-              </a:spcAft>
-              <a:buFont typeface="Franklin Gothic Book" panose="020B0503020102020204" pitchFamily="34" charset="0"/>
-              <a:buChar char="■"/>
-              <a:defRPr sz="2000" kern="1200" baseline="0">
-                <a:solidFill>
-                  <a:schemeClr val="tx2"/>
-                </a:solidFill>
-                <a:latin typeface="+mn-lt"/>
-                <a:ea typeface="+mn-ea"/>
-                <a:cs typeface="+mn-cs"/>
-              </a:defRPr>
-            </a:lvl1pPr>
-            <a:lvl2pPr marL="914400" indent="-384048" algn="l" defTabSz="914400" rtl="0" eaLnBrk="1" latinLnBrk="0" hangingPunct="1">
-              <a:lnSpc>
-                <a:spcPct val="94000"/>
-              </a:lnSpc>
-              <a:spcBef>
-                <a:spcPts val="500"/>
-              </a:spcBef>
-              <a:spcAft>
-                <a:spcPts val="200"/>
-              </a:spcAft>
-              <a:buFont typeface="Franklin Gothic Book" panose="020B0503020102020204" pitchFamily="34" charset="0"/>
-              <a:buChar char="–"/>
-              <a:defRPr sz="2000" i="1" kern="1200" baseline="0">
-                <a:solidFill>
-                  <a:schemeClr val="tx2"/>
-                </a:solidFill>
-                <a:latin typeface="+mn-lt"/>
-                <a:ea typeface="+mn-ea"/>
-                <a:cs typeface="+mn-cs"/>
-              </a:defRPr>
-            </a:lvl2pPr>
-            <a:lvl3pPr marL="1371600" indent="-384048" algn="l" defTabSz="914400" rtl="0" eaLnBrk="1" latinLnBrk="0" hangingPunct="1">
-              <a:lnSpc>
-                <a:spcPct val="94000"/>
-              </a:lnSpc>
-              <a:spcBef>
-                <a:spcPts val="500"/>
-              </a:spcBef>
-              <a:spcAft>
-                <a:spcPts val="200"/>
-              </a:spcAft>
-              <a:buFont typeface="Franklin Gothic Book" panose="020B0503020102020204" pitchFamily="34" charset="0"/>
-              <a:buChar char="■"/>
-              <a:defRPr sz="1800" kern="1200" baseline="0">
-                <a:solidFill>
-                  <a:schemeClr val="tx2"/>
-                </a:solidFill>
-                <a:latin typeface="+mn-lt"/>
-                <a:ea typeface="+mn-ea"/>
-                <a:cs typeface="+mn-cs"/>
-              </a:defRPr>
-            </a:lvl3pPr>
-            <a:lvl4pPr marL="1828800" indent="-384048" algn="l" defTabSz="914400" rtl="0" eaLnBrk="1" latinLnBrk="0" hangingPunct="1">
-              <a:lnSpc>
-                <a:spcPct val="94000"/>
-              </a:lnSpc>
-              <a:spcBef>
-                <a:spcPts val="500"/>
-              </a:spcBef>
-              <a:spcAft>
-                <a:spcPts val="200"/>
-              </a:spcAft>
-              <a:buFont typeface="Franklin Gothic Book" panose="020B0503020102020204" pitchFamily="34" charset="0"/>
-              <a:buChar char="–"/>
-              <a:defRPr sz="1800" i="1" kern="1200" baseline="0">
-                <a:solidFill>
-                  <a:schemeClr val="tx2"/>
-                </a:solidFill>
-                <a:latin typeface="+mn-lt"/>
-                <a:ea typeface="+mn-ea"/>
-                <a:cs typeface="+mn-cs"/>
-              </a:defRPr>
-            </a:lvl4pPr>
-            <a:lvl5pPr marL="2286000" indent="-384048" algn="l" defTabSz="914400" rtl="0" eaLnBrk="1" latinLnBrk="0" hangingPunct="1">
-              <a:lnSpc>
-                <a:spcPct val="94000"/>
-              </a:lnSpc>
-              <a:spcBef>
-                <a:spcPts val="500"/>
-              </a:spcBef>
-              <a:spcAft>
-                <a:spcPts val="200"/>
-              </a:spcAft>
-              <a:buFont typeface="Franklin Gothic Book" panose="020B0503020102020204" pitchFamily="34" charset="0"/>
-              <a:buChar char="■"/>
-              <a:defRPr sz="1600" kern="1200" baseline="0">
-                <a:solidFill>
-                  <a:schemeClr val="tx2"/>
-                </a:solidFill>
-                <a:latin typeface="+mn-lt"/>
-                <a:ea typeface="+mn-ea"/>
-                <a:cs typeface="+mn-cs"/>
-              </a:defRPr>
-            </a:lvl5pPr>
-            <a:lvl6pPr marL="2743200" indent="-384048" algn="l" defTabSz="914400" rtl="0" eaLnBrk="1" latinLnBrk="0" hangingPunct="1">
-              <a:lnSpc>
-                <a:spcPct val="94000"/>
-              </a:lnSpc>
-              <a:spcBef>
-                <a:spcPts val="500"/>
-              </a:spcBef>
-              <a:spcAft>
-                <a:spcPts val="200"/>
-              </a:spcAft>
-              <a:buFont typeface="Franklin Gothic Book" panose="020B0503020102020204" pitchFamily="34" charset="0"/>
-              <a:buChar char="–"/>
-              <a:defRPr sz="1600" i="1" kern="1200" baseline="0">
-                <a:solidFill>
-                  <a:schemeClr val="tx2"/>
-                </a:solidFill>
-                <a:latin typeface="+mn-lt"/>
-                <a:ea typeface="+mn-ea"/>
-                <a:cs typeface="+mn-cs"/>
-              </a:defRPr>
-            </a:lvl6pPr>
-            <a:lvl7pPr marL="3200400" indent="-384048" algn="l" defTabSz="914400" rtl="0" eaLnBrk="1" latinLnBrk="0" hangingPunct="1">
-              <a:lnSpc>
-                <a:spcPct val="94000"/>
-              </a:lnSpc>
-              <a:spcBef>
-                <a:spcPts val="500"/>
-              </a:spcBef>
-              <a:spcAft>
-                <a:spcPts val="200"/>
-              </a:spcAft>
-              <a:buFont typeface="Franklin Gothic Book" panose="020B0503020102020204" pitchFamily="34" charset="0"/>
-              <a:buChar char="■"/>
-              <a:defRPr sz="1400" kern="1200" baseline="0">
-                <a:solidFill>
-                  <a:schemeClr val="tx2"/>
-                </a:solidFill>
-                <a:latin typeface="+mn-lt"/>
-                <a:ea typeface="+mn-ea"/>
-                <a:cs typeface="+mn-cs"/>
-              </a:defRPr>
-            </a:lvl7pPr>
-            <a:lvl8pPr marL="3657600" indent="-384048" algn="l" defTabSz="914400" rtl="0" eaLnBrk="1" latinLnBrk="0" hangingPunct="1">
-              <a:lnSpc>
-                <a:spcPct val="94000"/>
-              </a:lnSpc>
-              <a:spcBef>
-                <a:spcPts val="500"/>
-              </a:spcBef>
-              <a:spcAft>
-                <a:spcPts val="200"/>
-              </a:spcAft>
-              <a:buFont typeface="Franklin Gothic Book" panose="020B0503020102020204" pitchFamily="34" charset="0"/>
-              <a:buChar char="–"/>
-              <a:defRPr sz="1400" i="1" kern="1200" baseline="0">
-                <a:solidFill>
-                  <a:schemeClr val="tx2"/>
-                </a:solidFill>
-                <a:latin typeface="+mn-lt"/>
-                <a:ea typeface="+mn-ea"/>
-                <a:cs typeface="+mn-cs"/>
-              </a:defRPr>
-            </a:lvl8pPr>
-            <a:lvl9pPr marL="4114800" indent="-384048" algn="l" defTabSz="914400" rtl="0" eaLnBrk="1" latinLnBrk="0" hangingPunct="1">
-              <a:lnSpc>
-                <a:spcPct val="94000"/>
-              </a:lnSpc>
-              <a:spcBef>
-                <a:spcPts val="500"/>
-              </a:spcBef>
-              <a:spcAft>
-                <a:spcPts val="200"/>
-              </a:spcAft>
-              <a:buFont typeface="Franklin Gothic Book" panose="020B0503020102020204" pitchFamily="34" charset="0"/>
-              <a:buChar char="■"/>
-              <a:defRPr sz="1400" kern="1200" baseline="0">
-                <a:solidFill>
-                  <a:schemeClr val="tx2"/>
-                </a:solidFill>
-                <a:latin typeface="+mn-lt"/>
-                <a:ea typeface="+mn-ea"/>
-                <a:cs typeface="+mn-cs"/>
-              </a:defRPr>
-            </a:lvl9pPr>
-          </a:lstStyle>
-          <a:p>
-            <a:r>
-              <a:rPr lang="en-GB" dirty="0"/>
-              <a:t>The Diamond-square algorithm is a noise function that is commonly used to generate terrain data (Rose, T and </a:t>
-            </a:r>
-            <a:r>
-              <a:rPr lang="en-GB" dirty="0" err="1"/>
-              <a:t>Bakaoukas</a:t>
-            </a:r>
-            <a:r>
-              <a:rPr lang="en-GB" dirty="0"/>
-              <a:t>, A, 2016).</a:t>
-            </a:r>
-          </a:p>
-          <a:p>
-            <a:endParaRPr lang="en-GB" dirty="0"/>
-          </a:p>
-          <a:p>
-            <a:r>
-              <a:rPr lang="en-GB" dirty="0"/>
-              <a:t>A three-dimensional implementation of the midpoint displacement algorithm; an algorithm used to generate two dimensional height maps. (Martz, P, 1997).</a:t>
+              <a:t>Roads evaluation</a:t>
             </a:r>
           </a:p>
         </p:txBody>
       </p:sp>
       <p:pic>
         <p:nvPicPr>
-          <p:cNvPr id="9" name="Picture 8">
+          <p:cNvPr id="5" name="Picture 4">
             <a:extLst>
               <a:ext uri="{FF2B5EF4-FFF2-40B4-BE49-F238E27FC236}">
-                <a16:creationId xmlns:a16="http://schemas.microsoft.com/office/drawing/2014/main" id="{F5DCD0F0-84B1-4C89-A1BC-0F06126B68BB}"/>
+                <a16:creationId xmlns:a16="http://schemas.microsoft.com/office/drawing/2014/main" id="{41947ADA-2D7B-4FC0-BF4C-B29A4E723560}"/>
               </a:ext>
             </a:extLst>
           </p:cNvPr>
@@ -7275,20 +6987,20 @@
           <p:nvPr/>
         </p:nvPicPr>
         <p:blipFill rotWithShape="1">
-          <a:blip r:embed="rId4">
+          <a:blip r:embed="rId2">
             <a:extLst>
               <a:ext uri="{28A0092B-C50C-407E-A947-70E740481C1C}">
                 <a14:useLocalDpi xmlns:a14="http://schemas.microsoft.com/office/drawing/2010/main" val="0"/>
               </a:ext>
             </a:extLst>
           </a:blip>
-          <a:srcRect t="6256"/>
+          <a:srcRect t="4102"/>
           <a:stretch/>
         </p:blipFill>
         <p:spPr>
           <a:xfrm>
-            <a:off x="7403511" y="1274885"/>
-            <a:ext cx="3851210" cy="3820990"/>
+            <a:off x="1785161" y="1274885"/>
+            <a:ext cx="9213915" cy="5182998"/>
           </a:xfrm>
           <a:prstGeom prst="rect">
             <a:avLst/>
@@ -7298,7 +7010,7 @@
     </p:spTree>
     <p:extLst>
       <p:ext uri="{BB962C8B-B14F-4D97-AF65-F5344CB8AC3E}">
-        <p14:creationId xmlns:p14="http://schemas.microsoft.com/office/powerpoint/2010/main" val="487910655"/>
+        <p14:creationId xmlns:p14="http://schemas.microsoft.com/office/powerpoint/2010/main" val="1921559024"/>
       </p:ext>
     </p:extLst>
   </p:cSld>
@@ -7353,7 +7065,7 @@
           <a:p>
             <a:r>
               <a:rPr lang="en-GB" dirty="0"/>
-              <a:t>Population noise</a:t>
+              <a:t>Diamond-Square terrain generation</a:t>
             </a:r>
           </a:p>
         </p:txBody>
@@ -7374,8 +7086,8 @@
         </p:nvSpPr>
         <p:spPr>
           <a:xfrm>
-            <a:off x="879231" y="5753099"/>
-            <a:ext cx="11025776" cy="981075"/>
+            <a:off x="879231" y="5203582"/>
+            <a:ext cx="11025776" cy="1530593"/>
           </a:xfrm>
           <a:prstGeom prst="rect">
             <a:avLst/>
@@ -7586,16 +7298,20 @@
               <a:buNone/>
             </a:pPr>
             <a:r>
+              <a:rPr lang="en-GB" sz="1000" dirty="0" err="1"/>
+              <a:t>Gabin</a:t>
+            </a:r>
+            <a:r>
               <a:rPr lang="en-GB" sz="1000" dirty="0"/>
-              <a:t>Kelly, G. McCabe, H. (2006). “A Survey of Procedural Techniques for City Generation”. In </a:t>
+              <a:t> S P Miller, 1998. “The definition and rendering of terrain maps”. </a:t>
             </a:r>
             <a:r>
               <a:rPr lang="en-GB" sz="1000" i="1" dirty="0"/>
-              <a:t>ITB Journal, No. 14</a:t>
+              <a:t>SIGGRAPH ’86 Proceedings of the 13th annual conference on Computer graphics and interactive techniques</a:t>
             </a:r>
             <a:r>
               <a:rPr lang="en-GB" sz="1000" dirty="0"/>
-              <a:t>.</a:t>
+              <a:t>, ACM, New York, NY, USA, pp. 39 – 48</a:t>
             </a:r>
           </a:p>
           <a:p>
@@ -7604,16 +7320,23 @@
             </a:pPr>
             <a:r>
               <a:rPr lang="en-GB" sz="1000" dirty="0"/>
-              <a:t>Peck, J (2017). </a:t>
-            </a:r>
-            <a:r>
-              <a:rPr lang="en-GB" sz="1000" i="1" dirty="0" err="1"/>
-              <a:t>FastNoise</a:t>
+              <a:t>Martz, P. (1997). </a:t>
+            </a:r>
+            <a:r>
+              <a:rPr lang="en-GB" sz="1000" i="1" dirty="0"/>
+              <a:t>Generating Random Fractal Terrain.</a:t>
             </a:r>
             <a:r>
               <a:rPr lang="en-GB" sz="1000" dirty="0"/>
-              <a:t> [Repository]. Available online: https://github.com/Auburns/FastNoise [Date of access: 18 December 2017]</a:t>
-            </a:r>
+              <a:t> [Online] 1997. Available Online: </a:t>
+            </a:r>
+            <a:r>
+              <a:rPr lang="en-GB" sz="1000" dirty="0">
+                <a:hlinkClick r:id="rId2"/>
+              </a:rPr>
+              <a:t>http://www.gameprogrammer.com/fractal.html</a:t>
+            </a:r>
+            <a:endParaRPr lang="en-GB" sz="1000" dirty="0"/>
           </a:p>
           <a:p>
             <a:pPr marL="0" indent="0" fontAlgn="base">
@@ -7621,6 +7344,25 @@
             </a:pPr>
             <a:r>
               <a:rPr lang="en-GB" sz="1000" dirty="0"/>
+              <a:t>Omar, A. (2017). Unity Tutorials: Diamond-Square Procedural Terrain. [Online] 26th January 2017. Available online: </a:t>
+            </a:r>
+            <a:r>
+              <a:rPr lang="en-GB" sz="1000" dirty="0">
+                <a:hlinkClick r:id="rId3"/>
+              </a:rPr>
+              <a:t>https://www.youtube.com/watch?v=1HV8GbFnCik</a:t>
+            </a:r>
+            <a:r>
+              <a:rPr lang="en-GB" sz="1000" dirty="0"/>
+              <a:t> [Date of access: 14 December 2017].</a:t>
+            </a:r>
+          </a:p>
+          <a:p>
+            <a:pPr marL="0" indent="0" fontAlgn="base">
+              <a:buNone/>
+            </a:pPr>
+            <a:r>
+              <a:rPr lang="en-GB" sz="1000" dirty="0"/>
               <a:t>Rose, T and </a:t>
             </a:r>
             <a:r>
@@ -7629,15 +7371,7 @@
             </a:r>
             <a:r>
               <a:rPr lang="en-GB" sz="1000" dirty="0"/>
-              <a:t>, A. (2016). “Algorithms and Approaches for Procedural Terrain Generation – A Brief Review of Current Techniques”. </a:t>
-            </a:r>
-            <a:r>
-              <a:rPr lang="en-GB" sz="1000" i="1" dirty="0"/>
-              <a:t>2016 8th International Conference on Games and Virtual Worlds for Serious Applications (VS-GAMES)</a:t>
-            </a:r>
-            <a:r>
-              <a:rPr lang="en-GB" sz="1000" dirty="0"/>
-              <a:t>. 1-2.</a:t>
+              <a:t>, A. (2016). “Algorithms and Approaches for Procedural Terrain Generation – A Brief Review of Current Techniques”. 2016 8th International Conference on Games and Virtual Worlds for Serious Applications (VS-GAMES). 1-2.</a:t>
             </a:r>
           </a:p>
         </p:txBody>
@@ -7647,7 +7381,7 @@
           <p:cNvPr id="7" name="Content Placeholder 2">
             <a:extLst>
               <a:ext uri="{FF2B5EF4-FFF2-40B4-BE49-F238E27FC236}">
-                <a16:creationId xmlns:a16="http://schemas.microsoft.com/office/drawing/2014/main" id="{CBEDCCE3-814D-457B-B9FF-742088A25003}"/>
+                <a16:creationId xmlns:a16="http://schemas.microsoft.com/office/drawing/2014/main" id="{F612889D-7949-4149-A64F-D2C389759428}"/>
               </a:ext>
             </a:extLst>
           </p:cNvPr>
@@ -7658,8 +7392,8 @@
         </p:nvSpPr>
         <p:spPr>
           <a:xfrm>
-            <a:off x="879231" y="1274884"/>
-            <a:ext cx="4816719" cy="4354391"/>
+            <a:off x="879231" y="1274885"/>
+            <a:ext cx="5873994" cy="3820990"/>
           </a:xfrm>
           <a:prstGeom prst="rect">
             <a:avLst/>
@@ -7868,19 +7602,24 @@
           <a:p>
             <a:r>
               <a:rPr lang="en-GB" dirty="0"/>
-              <a:t>Fluctuation in population can be controlled by how coarse the noise output is (Peck J, 2017).</a:t>
+              <a:t>The Diamond-square algorithm is a noise function that is commonly used to generate terrain data (Rose, T and </a:t>
+            </a:r>
+            <a:r>
+              <a:rPr lang="en-GB" dirty="0" err="1"/>
+              <a:t>Bakaoukas</a:t>
+            </a:r>
+            <a:r>
+              <a:rPr lang="en-GB" dirty="0"/>
+              <a:t>, A, 2016).</a:t>
             </a:r>
           </a:p>
           <a:p>
             <a:endParaRPr lang="en-GB" dirty="0"/>
           </a:p>
           <a:p>
-            <a:endParaRPr lang="en-GB" dirty="0"/>
-          </a:p>
-          <a:p>
             <a:r>
               <a:rPr lang="en-GB" dirty="0"/>
-              <a:t>Interpolation methods can determine how smooth the transition is between noise values (Peck J, 2017).</a:t>
+              <a:t>A three-dimensional implementation of the midpoint displacement algorithm; an algorithm used to generate two dimensional height maps. (Martz, P, 1997).</a:t>
             </a:r>
           </a:p>
         </p:txBody>
@@ -7890,7 +7629,7 @@
           <p:cNvPr id="9" name="Picture 8">
             <a:extLst>
               <a:ext uri="{FF2B5EF4-FFF2-40B4-BE49-F238E27FC236}">
-                <a16:creationId xmlns:a16="http://schemas.microsoft.com/office/drawing/2014/main" id="{B3738CF3-7A61-476C-A771-E02D89F92C58}"/>
+                <a16:creationId xmlns:a16="http://schemas.microsoft.com/office/drawing/2014/main" id="{F5DCD0F0-84B1-4C89-A1BC-0F06126B68BB}"/>
               </a:ext>
             </a:extLst>
           </p:cNvPr>
@@ -7900,20 +7639,20 @@
           <p:nvPr/>
         </p:nvPicPr>
         <p:blipFill rotWithShape="1">
-          <a:blip r:embed="rId2">
+          <a:blip r:embed="rId4">
             <a:extLst>
               <a:ext uri="{28A0092B-C50C-407E-A947-70E740481C1C}">
                 <a14:useLocalDpi xmlns:a14="http://schemas.microsoft.com/office/drawing/2010/main" val="0"/>
               </a:ext>
             </a:extLst>
           </a:blip>
-          <a:srcRect t="5889"/>
+          <a:srcRect t="6256"/>
           <a:stretch/>
         </p:blipFill>
         <p:spPr>
           <a:xfrm>
-            <a:off x="6612250" y="1249428"/>
-            <a:ext cx="4376457" cy="4359143"/>
+            <a:off x="7403511" y="1274885"/>
+            <a:ext cx="3851210" cy="3820990"/>
           </a:xfrm>
           <a:prstGeom prst="rect">
             <a:avLst/>
@@ -7923,7 +7662,7 @@
     </p:spTree>
     <p:extLst>
       <p:ext uri="{BB962C8B-B14F-4D97-AF65-F5344CB8AC3E}">
-        <p14:creationId xmlns:p14="http://schemas.microsoft.com/office/powerpoint/2010/main" val="3135212925"/>
+        <p14:creationId xmlns:p14="http://schemas.microsoft.com/office/powerpoint/2010/main" val="487910655"/>
       </p:ext>
     </p:extLst>
   </p:cSld>
@@ -7978,7 +7717,7 @@
           <a:p>
             <a:r>
               <a:rPr lang="en-GB" dirty="0"/>
-              <a:t>Water boundary maps and bridges</a:t>
+              <a:t>Population noise</a:t>
             </a:r>
           </a:p>
         </p:txBody>
@@ -7999,8 +7738,8 @@
         </p:nvSpPr>
         <p:spPr>
           <a:xfrm>
-            <a:off x="879231" y="5200650"/>
-            <a:ext cx="11025776" cy="1533525"/>
+            <a:off x="879231" y="5753099"/>
+            <a:ext cx="11025776" cy="981075"/>
           </a:xfrm>
           <a:prstGeom prst="rect">
             <a:avLst/>
@@ -8211,38 +7950,16 @@
               <a:buNone/>
             </a:pPr>
             <a:r>
-              <a:rPr lang="en-GB" sz="1000" dirty="0" err="1"/>
-              <a:t>Ilangovan</a:t>
-            </a:r>
-            <a:r>
               <a:rPr lang="en-GB" sz="1000" dirty="0"/>
-              <a:t>, K, P. (2009) Procedural City </a:t>
-            </a:r>
-            <a:r>
-              <a:rPr lang="en-GB" sz="1000" dirty="0" err="1"/>
-              <a:t>Generaror</a:t>
+              <a:t>Kelly, G. McCabe, H. (2006). “A Survey of Procedural Techniques for City Generation”. In </a:t>
+            </a:r>
+            <a:r>
+              <a:rPr lang="en-GB" sz="1000" i="1" dirty="0"/>
+              <a:t>ITB Journal, No. 14</a:t>
             </a:r>
             <a:r>
               <a:rPr lang="en-GB" sz="1000" dirty="0"/>
-              <a:t>, MSc </a:t>
-            </a:r>
-            <a:r>
-              <a:rPr lang="en-GB" sz="1000" dirty="0" err="1"/>
-              <a:t>thesus</a:t>
-            </a:r>
-            <a:r>
-              <a:rPr lang="en-GB" sz="1000" dirty="0"/>
-              <a:t>, Bournemouth University. Available at: </a:t>
-            </a:r>
-            <a:r>
-              <a:rPr lang="en-GB" sz="1000" dirty="0">
-                <a:hlinkClick r:id="rId2"/>
-              </a:rPr>
-              <a:t>https://nccastaff.bournemouth.ac.uk/jmacey/MastersProjects/MSc09/Ilangovan/Thesis_i7834000.pdf</a:t>
-            </a:r>
-            <a:r>
-              <a:rPr lang="en-GB" sz="1000" dirty="0"/>
-              <a:t> (Accessed: 30 May 2017).</a:t>
+              <a:t>.</a:t>
             </a:r>
           </a:p>
           <a:p>
@@ -8251,15 +7968,15 @@
             </a:pPr>
             <a:r>
               <a:rPr lang="en-GB" sz="1000" dirty="0"/>
-              <a:t>Kelly, G. McCabe, H. (2006). “A Survey of Procedural Techniques for City Generation”. In </a:t>
-            </a:r>
-            <a:r>
-              <a:rPr lang="en-GB" sz="1000" i="1" dirty="0"/>
-              <a:t>ITB Journal, No. 14</a:t>
+              <a:t>Peck, J (2017). </a:t>
+            </a:r>
+            <a:r>
+              <a:rPr lang="en-GB" sz="1000" i="1" dirty="0" err="1"/>
+              <a:t>FastNoise</a:t>
             </a:r>
             <a:r>
               <a:rPr lang="en-GB" sz="1000" dirty="0"/>
-              <a:t>.</a:t>
+              <a:t> [Repository]. Available online: https://github.com/Auburns/FastNoise [Date of access: 18 December 2017]</a:t>
             </a:r>
           </a:p>
           <a:p>
@@ -8268,56 +7985,23 @@
             </a:pPr>
             <a:r>
               <a:rPr lang="en-GB" sz="1000" dirty="0"/>
-              <a:t>Muller, P and Parish, Y, I, H. (2001). “Procedural </a:t>
+              <a:t>Rose, T and </a:t>
             </a:r>
             <a:r>
               <a:rPr lang="en-GB" sz="1000" dirty="0" err="1"/>
-              <a:t>modeling</a:t>
+              <a:t>Bakaoukas</a:t>
             </a:r>
             <a:r>
               <a:rPr lang="en-GB" sz="1000" dirty="0"/>
-              <a:t> of cities”. In Proceedings of the 28th annual conference on Computer graphics and interactive techniques (SIGGRAPH ’01). </a:t>
-            </a:r>
-            <a:r>
-              <a:rPr lang="en-GB" sz="1000" dirty="0" err="1"/>
-              <a:t>Acm</a:t>
+              <a:t>, A. (2016). “Algorithms and Approaches for Procedural Terrain Generation – A Brief Review of Current Techniques”. </a:t>
+            </a:r>
+            <a:r>
+              <a:rPr lang="en-GB" sz="1000" i="1" dirty="0"/>
+              <a:t>2016 8th International Conference on Games and Virtual Worlds for Serious Applications (VS-GAMES)</a:t>
             </a:r>
             <a:r>
               <a:rPr lang="en-GB" sz="1000" dirty="0"/>
-              <a:t>, New York, NY, USA. 301 – 308.</a:t>
-            </a:r>
-          </a:p>
-          <a:p>
-            <a:pPr marL="0" indent="0" fontAlgn="base">
-              <a:buNone/>
-            </a:pPr>
-            <a:r>
-              <a:rPr lang="en-GB" sz="1000" dirty="0"/>
-              <a:t>Sun, J. Yu, X. </a:t>
-            </a:r>
-            <a:r>
-              <a:rPr lang="en-GB" sz="1000" dirty="0" err="1"/>
-              <a:t>Baciu</a:t>
-            </a:r>
-            <a:r>
-              <a:rPr lang="en-GB" sz="1000" dirty="0"/>
-              <a:t>, G. Green, M. (2002). “Template-based generation of road networks for virtual city </a:t>
-            </a:r>
-            <a:r>
-              <a:rPr lang="en-GB" sz="1000" dirty="0" err="1"/>
-              <a:t>modeling</a:t>
-            </a:r>
-            <a:r>
-              <a:rPr lang="en-GB" sz="1000" dirty="0"/>
-              <a:t>”. In Proceedings of the ACM symposium on Virtual reality software and technology (VRST ’02). </a:t>
-            </a:r>
-            <a:r>
-              <a:rPr lang="en-GB" sz="1000" dirty="0" err="1"/>
-              <a:t>Acm</a:t>
-            </a:r>
-            <a:r>
-              <a:rPr lang="en-GB" sz="1000" dirty="0"/>
-              <a:t>, New Work, NY, USA, 33 – 40.</a:t>
+              <a:t>. 1-2.</a:t>
             </a:r>
           </a:p>
         </p:txBody>
@@ -8327,7 +8011,7 @@
           <p:cNvPr id="7" name="Content Placeholder 2">
             <a:extLst>
               <a:ext uri="{FF2B5EF4-FFF2-40B4-BE49-F238E27FC236}">
-                <a16:creationId xmlns:a16="http://schemas.microsoft.com/office/drawing/2014/main" id="{C7679F67-D193-4033-8937-73A81575794E}"/>
+                <a16:creationId xmlns:a16="http://schemas.microsoft.com/office/drawing/2014/main" id="{CBEDCCE3-814D-457B-B9FF-742088A25003}"/>
               </a:ext>
             </a:extLst>
           </p:cNvPr>
@@ -8338,8 +8022,8 @@
         </p:nvSpPr>
         <p:spPr>
           <a:xfrm>
-            <a:off x="879231" y="1274885"/>
-            <a:ext cx="5873994" cy="3811466"/>
+            <a:off x="879231" y="1274884"/>
+            <a:ext cx="4816719" cy="4354391"/>
           </a:xfrm>
           <a:prstGeom prst="rect">
             <a:avLst/>
@@ -8548,36 +8232,20 @@
           <a:p>
             <a:r>
               <a:rPr lang="en-GB" dirty="0"/>
-              <a:t>Water boundary maps, or land-water maps, specify which parts of the terrain are land and which are water. (</a:t>
-            </a:r>
-            <a:r>
-              <a:rPr lang="en-GB" dirty="0" err="1"/>
-              <a:t>Ilangoban</a:t>
-            </a:r>
+              <a:t>Fluctuation in population can be controlled by how coarse the noise output is (Peck J, 2017).</a:t>
+            </a:r>
+          </a:p>
+          <a:p>
+            <a:endParaRPr lang="en-GB" dirty="0"/>
+          </a:p>
+          <a:p>
+            <a:endParaRPr lang="en-GB" dirty="0"/>
+          </a:p>
+          <a:p>
             <a:r>
               <a:rPr lang="en-GB" dirty="0"/>
-              <a:t> K P, 2009), (Kelly G, McCabe H, 2006), (Muller P, Parish Y I H, 2001).</a:t>
-            </a:r>
-          </a:p>
-          <a:p>
-            <a:endParaRPr lang="en-GB" dirty="0"/>
-          </a:p>
-          <a:p>
-            <a:r>
-              <a:rPr lang="en-GB" dirty="0"/>
-              <a:t>Validity control for roads in a city generation often allows for roads to cross over water when appropriate conditions are met (Sun J, Yu X, </a:t>
-            </a:r>
-            <a:r>
-              <a:rPr lang="en-GB" dirty="0" err="1"/>
-              <a:t>Baicu</a:t>
-            </a:r>
-            <a:r>
-              <a:rPr lang="en-GB" dirty="0"/>
-              <a:t> G, Green M, 2002).</a:t>
-            </a:r>
-          </a:p>
-          <a:p>
-            <a:endParaRPr lang="en-GB" dirty="0"/>
+              <a:t>Interpolation methods can determine how smooth the transition is between noise values (Peck J, 2017).</a:t>
+            </a:r>
           </a:p>
         </p:txBody>
       </p:sp>
@@ -8586,7 +8254,7 @@
           <p:cNvPr id="9" name="Picture 8">
             <a:extLst>
               <a:ext uri="{FF2B5EF4-FFF2-40B4-BE49-F238E27FC236}">
-                <a16:creationId xmlns:a16="http://schemas.microsoft.com/office/drawing/2014/main" id="{34043853-4837-4A55-86B6-5BB970707093}"/>
+                <a16:creationId xmlns:a16="http://schemas.microsoft.com/office/drawing/2014/main" id="{B3738CF3-7A61-476C-A771-E02D89F92C58}"/>
               </a:ext>
             </a:extLst>
           </p:cNvPr>
@@ -8596,7 +8264,7 @@
           <p:nvPr/>
         </p:nvPicPr>
         <p:blipFill rotWithShape="1">
-          <a:blip r:embed="rId3">
+          <a:blip r:embed="rId2">
             <a:extLst>
               <a:ext uri="{28A0092B-C50C-407E-A947-70E740481C1C}">
                 <a14:useLocalDpi xmlns:a14="http://schemas.microsoft.com/office/drawing/2010/main" val="0"/>
@@ -8608,8 +8276,8 @@
         </p:blipFill>
         <p:spPr>
           <a:xfrm>
-            <a:off x="7415813" y="1274885"/>
-            <a:ext cx="3826605" cy="3811466"/>
+            <a:off x="6612250" y="1249428"/>
+            <a:ext cx="4376457" cy="4359143"/>
           </a:xfrm>
           <a:prstGeom prst="rect">
             <a:avLst/>
@@ -8619,7 +8287,7 @@
     </p:spTree>
     <p:extLst>
       <p:ext uri="{BB962C8B-B14F-4D97-AF65-F5344CB8AC3E}">
-        <p14:creationId xmlns:p14="http://schemas.microsoft.com/office/powerpoint/2010/main" val="2777199226"/>
+        <p14:creationId xmlns:p14="http://schemas.microsoft.com/office/powerpoint/2010/main" val="3135212925"/>
       </p:ext>
     </p:extLst>
   </p:cSld>
@@ -8679,6 +8347,702 @@
           </a:p>
         </p:txBody>
       </p:sp>
+      <p:sp>
+        <p:nvSpPr>
+          <p:cNvPr id="4" name="Content Placeholder 2">
+            <a:extLst>
+              <a:ext uri="{FF2B5EF4-FFF2-40B4-BE49-F238E27FC236}">
+                <a16:creationId xmlns:a16="http://schemas.microsoft.com/office/drawing/2014/main" id="{C44F06C3-D088-4921-80FA-6A04C96C2CC4}"/>
+              </a:ext>
+            </a:extLst>
+          </p:cNvPr>
+          <p:cNvSpPr txBox="1">
+            <a:spLocks/>
+          </p:cNvSpPr>
+          <p:nvPr/>
+        </p:nvSpPr>
+        <p:spPr>
+          <a:xfrm>
+            <a:off x="879231" y="5200650"/>
+            <a:ext cx="11025776" cy="1533525"/>
+          </a:xfrm>
+          <a:prstGeom prst="rect">
+            <a:avLst/>
+          </a:prstGeom>
+          <a:ln>
+            <a:solidFill>
+              <a:schemeClr val="tx1"/>
+            </a:solidFill>
+          </a:ln>
+        </p:spPr>
+        <p:txBody>
+          <a:bodyPr vert="horz" lIns="91440" tIns="45720" rIns="91440" bIns="45720" rtlCol="0">
+            <a:noAutofit/>
+          </a:bodyPr>
+          <a:lstStyle>
+            <a:lvl1pPr marL="384048" indent="-384048" algn="l" defTabSz="914400" rtl="0" eaLnBrk="1" latinLnBrk="0" hangingPunct="1">
+              <a:lnSpc>
+                <a:spcPct val="94000"/>
+              </a:lnSpc>
+              <a:spcBef>
+                <a:spcPts val="1000"/>
+              </a:spcBef>
+              <a:spcAft>
+                <a:spcPts val="200"/>
+              </a:spcAft>
+              <a:buFont typeface="Franklin Gothic Book" panose="020B0503020102020204" pitchFamily="34" charset="0"/>
+              <a:buChar char="■"/>
+              <a:defRPr sz="2000" kern="1200" baseline="0">
+                <a:solidFill>
+                  <a:schemeClr val="tx2"/>
+                </a:solidFill>
+                <a:latin typeface="+mn-lt"/>
+                <a:ea typeface="+mn-ea"/>
+                <a:cs typeface="+mn-cs"/>
+              </a:defRPr>
+            </a:lvl1pPr>
+            <a:lvl2pPr marL="914400" indent="-384048" algn="l" defTabSz="914400" rtl="0" eaLnBrk="1" latinLnBrk="0" hangingPunct="1">
+              <a:lnSpc>
+                <a:spcPct val="94000"/>
+              </a:lnSpc>
+              <a:spcBef>
+                <a:spcPts val="500"/>
+              </a:spcBef>
+              <a:spcAft>
+                <a:spcPts val="200"/>
+              </a:spcAft>
+              <a:buFont typeface="Franklin Gothic Book" panose="020B0503020102020204" pitchFamily="34" charset="0"/>
+              <a:buChar char="–"/>
+              <a:defRPr sz="2000" i="1" kern="1200" baseline="0">
+                <a:solidFill>
+                  <a:schemeClr val="tx2"/>
+                </a:solidFill>
+                <a:latin typeface="+mn-lt"/>
+                <a:ea typeface="+mn-ea"/>
+                <a:cs typeface="+mn-cs"/>
+              </a:defRPr>
+            </a:lvl2pPr>
+            <a:lvl3pPr marL="1371600" indent="-384048" algn="l" defTabSz="914400" rtl="0" eaLnBrk="1" latinLnBrk="0" hangingPunct="1">
+              <a:lnSpc>
+                <a:spcPct val="94000"/>
+              </a:lnSpc>
+              <a:spcBef>
+                <a:spcPts val="500"/>
+              </a:spcBef>
+              <a:spcAft>
+                <a:spcPts val="200"/>
+              </a:spcAft>
+              <a:buFont typeface="Franklin Gothic Book" panose="020B0503020102020204" pitchFamily="34" charset="0"/>
+              <a:buChar char="■"/>
+              <a:defRPr sz="1800" kern="1200" baseline="0">
+                <a:solidFill>
+                  <a:schemeClr val="tx2"/>
+                </a:solidFill>
+                <a:latin typeface="+mn-lt"/>
+                <a:ea typeface="+mn-ea"/>
+                <a:cs typeface="+mn-cs"/>
+              </a:defRPr>
+            </a:lvl3pPr>
+            <a:lvl4pPr marL="1828800" indent="-384048" algn="l" defTabSz="914400" rtl="0" eaLnBrk="1" latinLnBrk="0" hangingPunct="1">
+              <a:lnSpc>
+                <a:spcPct val="94000"/>
+              </a:lnSpc>
+              <a:spcBef>
+                <a:spcPts val="500"/>
+              </a:spcBef>
+              <a:spcAft>
+                <a:spcPts val="200"/>
+              </a:spcAft>
+              <a:buFont typeface="Franklin Gothic Book" panose="020B0503020102020204" pitchFamily="34" charset="0"/>
+              <a:buChar char="–"/>
+              <a:defRPr sz="1800" i="1" kern="1200" baseline="0">
+                <a:solidFill>
+                  <a:schemeClr val="tx2"/>
+                </a:solidFill>
+                <a:latin typeface="+mn-lt"/>
+                <a:ea typeface="+mn-ea"/>
+                <a:cs typeface="+mn-cs"/>
+              </a:defRPr>
+            </a:lvl4pPr>
+            <a:lvl5pPr marL="2286000" indent="-384048" algn="l" defTabSz="914400" rtl="0" eaLnBrk="1" latinLnBrk="0" hangingPunct="1">
+              <a:lnSpc>
+                <a:spcPct val="94000"/>
+              </a:lnSpc>
+              <a:spcBef>
+                <a:spcPts val="500"/>
+              </a:spcBef>
+              <a:spcAft>
+                <a:spcPts val="200"/>
+              </a:spcAft>
+              <a:buFont typeface="Franklin Gothic Book" panose="020B0503020102020204" pitchFamily="34" charset="0"/>
+              <a:buChar char="■"/>
+              <a:defRPr sz="1600" kern="1200" baseline="0">
+                <a:solidFill>
+                  <a:schemeClr val="tx2"/>
+                </a:solidFill>
+                <a:latin typeface="+mn-lt"/>
+                <a:ea typeface="+mn-ea"/>
+                <a:cs typeface="+mn-cs"/>
+              </a:defRPr>
+            </a:lvl5pPr>
+            <a:lvl6pPr marL="2743200" indent="-384048" algn="l" defTabSz="914400" rtl="0" eaLnBrk="1" latinLnBrk="0" hangingPunct="1">
+              <a:lnSpc>
+                <a:spcPct val="94000"/>
+              </a:lnSpc>
+              <a:spcBef>
+                <a:spcPts val="500"/>
+              </a:spcBef>
+              <a:spcAft>
+                <a:spcPts val="200"/>
+              </a:spcAft>
+              <a:buFont typeface="Franklin Gothic Book" panose="020B0503020102020204" pitchFamily="34" charset="0"/>
+              <a:buChar char="–"/>
+              <a:defRPr sz="1600" i="1" kern="1200" baseline="0">
+                <a:solidFill>
+                  <a:schemeClr val="tx2"/>
+                </a:solidFill>
+                <a:latin typeface="+mn-lt"/>
+                <a:ea typeface="+mn-ea"/>
+                <a:cs typeface="+mn-cs"/>
+              </a:defRPr>
+            </a:lvl6pPr>
+            <a:lvl7pPr marL="3200400" indent="-384048" algn="l" defTabSz="914400" rtl="0" eaLnBrk="1" latinLnBrk="0" hangingPunct="1">
+              <a:lnSpc>
+                <a:spcPct val="94000"/>
+              </a:lnSpc>
+              <a:spcBef>
+                <a:spcPts val="500"/>
+              </a:spcBef>
+              <a:spcAft>
+                <a:spcPts val="200"/>
+              </a:spcAft>
+              <a:buFont typeface="Franklin Gothic Book" panose="020B0503020102020204" pitchFamily="34" charset="0"/>
+              <a:buChar char="■"/>
+              <a:defRPr sz="1400" kern="1200" baseline="0">
+                <a:solidFill>
+                  <a:schemeClr val="tx2"/>
+                </a:solidFill>
+                <a:latin typeface="+mn-lt"/>
+                <a:ea typeface="+mn-ea"/>
+                <a:cs typeface="+mn-cs"/>
+              </a:defRPr>
+            </a:lvl7pPr>
+            <a:lvl8pPr marL="3657600" indent="-384048" algn="l" defTabSz="914400" rtl="0" eaLnBrk="1" latinLnBrk="0" hangingPunct="1">
+              <a:lnSpc>
+                <a:spcPct val="94000"/>
+              </a:lnSpc>
+              <a:spcBef>
+                <a:spcPts val="500"/>
+              </a:spcBef>
+              <a:spcAft>
+                <a:spcPts val="200"/>
+              </a:spcAft>
+              <a:buFont typeface="Franklin Gothic Book" panose="020B0503020102020204" pitchFamily="34" charset="0"/>
+              <a:buChar char="–"/>
+              <a:defRPr sz="1400" i="1" kern="1200" baseline="0">
+                <a:solidFill>
+                  <a:schemeClr val="tx2"/>
+                </a:solidFill>
+                <a:latin typeface="+mn-lt"/>
+                <a:ea typeface="+mn-ea"/>
+                <a:cs typeface="+mn-cs"/>
+              </a:defRPr>
+            </a:lvl8pPr>
+            <a:lvl9pPr marL="4114800" indent="-384048" algn="l" defTabSz="914400" rtl="0" eaLnBrk="1" latinLnBrk="0" hangingPunct="1">
+              <a:lnSpc>
+                <a:spcPct val="94000"/>
+              </a:lnSpc>
+              <a:spcBef>
+                <a:spcPts val="500"/>
+              </a:spcBef>
+              <a:spcAft>
+                <a:spcPts val="200"/>
+              </a:spcAft>
+              <a:buFont typeface="Franklin Gothic Book" panose="020B0503020102020204" pitchFamily="34" charset="0"/>
+              <a:buChar char="■"/>
+              <a:defRPr sz="1400" kern="1200" baseline="0">
+                <a:solidFill>
+                  <a:schemeClr val="tx2"/>
+                </a:solidFill>
+                <a:latin typeface="+mn-lt"/>
+                <a:ea typeface="+mn-ea"/>
+                <a:cs typeface="+mn-cs"/>
+              </a:defRPr>
+            </a:lvl9pPr>
+          </a:lstStyle>
+          <a:p>
+            <a:pPr marL="0" indent="0" fontAlgn="base">
+              <a:buNone/>
+            </a:pPr>
+            <a:r>
+              <a:rPr lang="en-GB" sz="1000" dirty="0" err="1"/>
+              <a:t>Ilangovan</a:t>
+            </a:r>
+            <a:r>
+              <a:rPr lang="en-GB" sz="1000" dirty="0"/>
+              <a:t>, K, P. (2009) Procedural City </a:t>
+            </a:r>
+            <a:r>
+              <a:rPr lang="en-GB" sz="1000" dirty="0" err="1"/>
+              <a:t>Generaror</a:t>
+            </a:r>
+            <a:r>
+              <a:rPr lang="en-GB" sz="1000" dirty="0"/>
+              <a:t>, MSc </a:t>
+            </a:r>
+            <a:r>
+              <a:rPr lang="en-GB" sz="1000" dirty="0" err="1"/>
+              <a:t>thesus</a:t>
+            </a:r>
+            <a:r>
+              <a:rPr lang="en-GB" sz="1000" dirty="0"/>
+              <a:t>, Bournemouth University. Available at: </a:t>
+            </a:r>
+            <a:r>
+              <a:rPr lang="en-GB" sz="1000" dirty="0">
+                <a:hlinkClick r:id="rId2"/>
+              </a:rPr>
+              <a:t>https://nccastaff.bournemouth.ac.uk/jmacey/MastersProjects/MSc09/Ilangovan/Thesis_i7834000.pdf</a:t>
+            </a:r>
+            <a:r>
+              <a:rPr lang="en-GB" sz="1000" dirty="0"/>
+              <a:t> (Accessed: 30 May 2017).</a:t>
+            </a:r>
+          </a:p>
+          <a:p>
+            <a:pPr marL="0" indent="0" fontAlgn="base">
+              <a:buNone/>
+            </a:pPr>
+            <a:r>
+              <a:rPr lang="en-GB" sz="1000" dirty="0"/>
+              <a:t>Kelly, G. McCabe, H. (2006). “A Survey of Procedural Techniques for City Generation”. In </a:t>
+            </a:r>
+            <a:r>
+              <a:rPr lang="en-GB" sz="1000" i="1" dirty="0"/>
+              <a:t>ITB Journal, No. 14</a:t>
+            </a:r>
+            <a:r>
+              <a:rPr lang="en-GB" sz="1000" dirty="0"/>
+              <a:t>.</a:t>
+            </a:r>
+          </a:p>
+          <a:p>
+            <a:pPr marL="0" indent="0" fontAlgn="base">
+              <a:buNone/>
+            </a:pPr>
+            <a:r>
+              <a:rPr lang="en-GB" sz="1000" dirty="0"/>
+              <a:t>Muller, P and Parish, Y, I, H. (2001). “Procedural </a:t>
+            </a:r>
+            <a:r>
+              <a:rPr lang="en-GB" sz="1000" dirty="0" err="1"/>
+              <a:t>modeling</a:t>
+            </a:r>
+            <a:r>
+              <a:rPr lang="en-GB" sz="1000" dirty="0"/>
+              <a:t> of cities”. In Proceedings of the 28th annual conference on Computer graphics and interactive techniques (SIGGRAPH ’01). </a:t>
+            </a:r>
+            <a:r>
+              <a:rPr lang="en-GB" sz="1000" dirty="0" err="1"/>
+              <a:t>Acm</a:t>
+            </a:r>
+            <a:r>
+              <a:rPr lang="en-GB" sz="1000" dirty="0"/>
+              <a:t>, New York, NY, USA. 301 – 308.</a:t>
+            </a:r>
+          </a:p>
+          <a:p>
+            <a:pPr marL="0" indent="0" fontAlgn="base">
+              <a:buNone/>
+            </a:pPr>
+            <a:r>
+              <a:rPr lang="en-GB" sz="1000" dirty="0"/>
+              <a:t>Sun, J. Yu, X. </a:t>
+            </a:r>
+            <a:r>
+              <a:rPr lang="en-GB" sz="1000" dirty="0" err="1"/>
+              <a:t>Baciu</a:t>
+            </a:r>
+            <a:r>
+              <a:rPr lang="en-GB" sz="1000" dirty="0"/>
+              <a:t>, G. Green, M. (2002). “Template-based generation of road networks for virtual city </a:t>
+            </a:r>
+            <a:r>
+              <a:rPr lang="en-GB" sz="1000" dirty="0" err="1"/>
+              <a:t>modeling</a:t>
+            </a:r>
+            <a:r>
+              <a:rPr lang="en-GB" sz="1000" dirty="0"/>
+              <a:t>”. In Proceedings of the ACM symposium on Virtual reality software and technology (VRST ’02). </a:t>
+            </a:r>
+            <a:r>
+              <a:rPr lang="en-GB" sz="1000" dirty="0" err="1"/>
+              <a:t>Acm</a:t>
+            </a:r>
+            <a:r>
+              <a:rPr lang="en-GB" sz="1000" dirty="0"/>
+              <a:t>, New Work, NY, USA, 33 – 40.</a:t>
+            </a:r>
+          </a:p>
+        </p:txBody>
+      </p:sp>
+      <p:sp>
+        <p:nvSpPr>
+          <p:cNvPr id="7" name="Content Placeholder 2">
+            <a:extLst>
+              <a:ext uri="{FF2B5EF4-FFF2-40B4-BE49-F238E27FC236}">
+                <a16:creationId xmlns:a16="http://schemas.microsoft.com/office/drawing/2014/main" id="{C7679F67-D193-4033-8937-73A81575794E}"/>
+              </a:ext>
+            </a:extLst>
+          </p:cNvPr>
+          <p:cNvSpPr txBox="1">
+            <a:spLocks/>
+          </p:cNvSpPr>
+          <p:nvPr/>
+        </p:nvSpPr>
+        <p:spPr>
+          <a:xfrm>
+            <a:off x="879231" y="1274885"/>
+            <a:ext cx="5873994" cy="3811466"/>
+          </a:xfrm>
+          <a:prstGeom prst="rect">
+            <a:avLst/>
+          </a:prstGeom>
+          <a:ln>
+            <a:solidFill>
+              <a:schemeClr val="tx1"/>
+            </a:solidFill>
+          </a:ln>
+        </p:spPr>
+        <p:txBody>
+          <a:bodyPr vert="horz" lIns="91440" tIns="45720" rIns="91440" bIns="45720" rtlCol="0">
+            <a:normAutofit/>
+          </a:bodyPr>
+          <a:lstStyle>
+            <a:lvl1pPr marL="384048" indent="-384048" algn="l" defTabSz="914400" rtl="0" eaLnBrk="1" latinLnBrk="0" hangingPunct="1">
+              <a:lnSpc>
+                <a:spcPct val="94000"/>
+              </a:lnSpc>
+              <a:spcBef>
+                <a:spcPts val="1000"/>
+              </a:spcBef>
+              <a:spcAft>
+                <a:spcPts val="200"/>
+              </a:spcAft>
+              <a:buFont typeface="Franklin Gothic Book" panose="020B0503020102020204" pitchFamily="34" charset="0"/>
+              <a:buChar char="■"/>
+              <a:defRPr sz="2000" kern="1200" baseline="0">
+                <a:solidFill>
+                  <a:schemeClr val="tx2"/>
+                </a:solidFill>
+                <a:latin typeface="+mn-lt"/>
+                <a:ea typeface="+mn-ea"/>
+                <a:cs typeface="+mn-cs"/>
+              </a:defRPr>
+            </a:lvl1pPr>
+            <a:lvl2pPr marL="914400" indent="-384048" algn="l" defTabSz="914400" rtl="0" eaLnBrk="1" latinLnBrk="0" hangingPunct="1">
+              <a:lnSpc>
+                <a:spcPct val="94000"/>
+              </a:lnSpc>
+              <a:spcBef>
+                <a:spcPts val="500"/>
+              </a:spcBef>
+              <a:spcAft>
+                <a:spcPts val="200"/>
+              </a:spcAft>
+              <a:buFont typeface="Franklin Gothic Book" panose="020B0503020102020204" pitchFamily="34" charset="0"/>
+              <a:buChar char="–"/>
+              <a:defRPr sz="2000" i="1" kern="1200" baseline="0">
+                <a:solidFill>
+                  <a:schemeClr val="tx2"/>
+                </a:solidFill>
+                <a:latin typeface="+mn-lt"/>
+                <a:ea typeface="+mn-ea"/>
+                <a:cs typeface="+mn-cs"/>
+              </a:defRPr>
+            </a:lvl2pPr>
+            <a:lvl3pPr marL="1371600" indent="-384048" algn="l" defTabSz="914400" rtl="0" eaLnBrk="1" latinLnBrk="0" hangingPunct="1">
+              <a:lnSpc>
+                <a:spcPct val="94000"/>
+              </a:lnSpc>
+              <a:spcBef>
+                <a:spcPts val="500"/>
+              </a:spcBef>
+              <a:spcAft>
+                <a:spcPts val="200"/>
+              </a:spcAft>
+              <a:buFont typeface="Franklin Gothic Book" panose="020B0503020102020204" pitchFamily="34" charset="0"/>
+              <a:buChar char="■"/>
+              <a:defRPr sz="1800" kern="1200" baseline="0">
+                <a:solidFill>
+                  <a:schemeClr val="tx2"/>
+                </a:solidFill>
+                <a:latin typeface="+mn-lt"/>
+                <a:ea typeface="+mn-ea"/>
+                <a:cs typeface="+mn-cs"/>
+              </a:defRPr>
+            </a:lvl3pPr>
+            <a:lvl4pPr marL="1828800" indent="-384048" algn="l" defTabSz="914400" rtl="0" eaLnBrk="1" latinLnBrk="0" hangingPunct="1">
+              <a:lnSpc>
+                <a:spcPct val="94000"/>
+              </a:lnSpc>
+              <a:spcBef>
+                <a:spcPts val="500"/>
+              </a:spcBef>
+              <a:spcAft>
+                <a:spcPts val="200"/>
+              </a:spcAft>
+              <a:buFont typeface="Franklin Gothic Book" panose="020B0503020102020204" pitchFamily="34" charset="0"/>
+              <a:buChar char="–"/>
+              <a:defRPr sz="1800" i="1" kern="1200" baseline="0">
+                <a:solidFill>
+                  <a:schemeClr val="tx2"/>
+                </a:solidFill>
+                <a:latin typeface="+mn-lt"/>
+                <a:ea typeface="+mn-ea"/>
+                <a:cs typeface="+mn-cs"/>
+              </a:defRPr>
+            </a:lvl4pPr>
+            <a:lvl5pPr marL="2286000" indent="-384048" algn="l" defTabSz="914400" rtl="0" eaLnBrk="1" latinLnBrk="0" hangingPunct="1">
+              <a:lnSpc>
+                <a:spcPct val="94000"/>
+              </a:lnSpc>
+              <a:spcBef>
+                <a:spcPts val="500"/>
+              </a:spcBef>
+              <a:spcAft>
+                <a:spcPts val="200"/>
+              </a:spcAft>
+              <a:buFont typeface="Franklin Gothic Book" panose="020B0503020102020204" pitchFamily="34" charset="0"/>
+              <a:buChar char="■"/>
+              <a:defRPr sz="1600" kern="1200" baseline="0">
+                <a:solidFill>
+                  <a:schemeClr val="tx2"/>
+                </a:solidFill>
+                <a:latin typeface="+mn-lt"/>
+                <a:ea typeface="+mn-ea"/>
+                <a:cs typeface="+mn-cs"/>
+              </a:defRPr>
+            </a:lvl5pPr>
+            <a:lvl6pPr marL="2743200" indent="-384048" algn="l" defTabSz="914400" rtl="0" eaLnBrk="1" latinLnBrk="0" hangingPunct="1">
+              <a:lnSpc>
+                <a:spcPct val="94000"/>
+              </a:lnSpc>
+              <a:spcBef>
+                <a:spcPts val="500"/>
+              </a:spcBef>
+              <a:spcAft>
+                <a:spcPts val="200"/>
+              </a:spcAft>
+              <a:buFont typeface="Franklin Gothic Book" panose="020B0503020102020204" pitchFamily="34" charset="0"/>
+              <a:buChar char="–"/>
+              <a:defRPr sz="1600" i="1" kern="1200" baseline="0">
+                <a:solidFill>
+                  <a:schemeClr val="tx2"/>
+                </a:solidFill>
+                <a:latin typeface="+mn-lt"/>
+                <a:ea typeface="+mn-ea"/>
+                <a:cs typeface="+mn-cs"/>
+              </a:defRPr>
+            </a:lvl6pPr>
+            <a:lvl7pPr marL="3200400" indent="-384048" algn="l" defTabSz="914400" rtl="0" eaLnBrk="1" latinLnBrk="0" hangingPunct="1">
+              <a:lnSpc>
+                <a:spcPct val="94000"/>
+              </a:lnSpc>
+              <a:spcBef>
+                <a:spcPts val="500"/>
+              </a:spcBef>
+              <a:spcAft>
+                <a:spcPts val="200"/>
+              </a:spcAft>
+              <a:buFont typeface="Franklin Gothic Book" panose="020B0503020102020204" pitchFamily="34" charset="0"/>
+              <a:buChar char="■"/>
+              <a:defRPr sz="1400" kern="1200" baseline="0">
+                <a:solidFill>
+                  <a:schemeClr val="tx2"/>
+                </a:solidFill>
+                <a:latin typeface="+mn-lt"/>
+                <a:ea typeface="+mn-ea"/>
+                <a:cs typeface="+mn-cs"/>
+              </a:defRPr>
+            </a:lvl7pPr>
+            <a:lvl8pPr marL="3657600" indent="-384048" algn="l" defTabSz="914400" rtl="0" eaLnBrk="1" latinLnBrk="0" hangingPunct="1">
+              <a:lnSpc>
+                <a:spcPct val="94000"/>
+              </a:lnSpc>
+              <a:spcBef>
+                <a:spcPts val="500"/>
+              </a:spcBef>
+              <a:spcAft>
+                <a:spcPts val="200"/>
+              </a:spcAft>
+              <a:buFont typeface="Franklin Gothic Book" panose="020B0503020102020204" pitchFamily="34" charset="0"/>
+              <a:buChar char="–"/>
+              <a:defRPr sz="1400" i="1" kern="1200" baseline="0">
+                <a:solidFill>
+                  <a:schemeClr val="tx2"/>
+                </a:solidFill>
+                <a:latin typeface="+mn-lt"/>
+                <a:ea typeface="+mn-ea"/>
+                <a:cs typeface="+mn-cs"/>
+              </a:defRPr>
+            </a:lvl8pPr>
+            <a:lvl9pPr marL="4114800" indent="-384048" algn="l" defTabSz="914400" rtl="0" eaLnBrk="1" latinLnBrk="0" hangingPunct="1">
+              <a:lnSpc>
+                <a:spcPct val="94000"/>
+              </a:lnSpc>
+              <a:spcBef>
+                <a:spcPts val="500"/>
+              </a:spcBef>
+              <a:spcAft>
+                <a:spcPts val="200"/>
+              </a:spcAft>
+              <a:buFont typeface="Franklin Gothic Book" panose="020B0503020102020204" pitchFamily="34" charset="0"/>
+              <a:buChar char="■"/>
+              <a:defRPr sz="1400" kern="1200" baseline="0">
+                <a:solidFill>
+                  <a:schemeClr val="tx2"/>
+                </a:solidFill>
+                <a:latin typeface="+mn-lt"/>
+                <a:ea typeface="+mn-ea"/>
+                <a:cs typeface="+mn-cs"/>
+              </a:defRPr>
+            </a:lvl9pPr>
+          </a:lstStyle>
+          <a:p>
+            <a:r>
+              <a:rPr lang="en-GB" dirty="0"/>
+              <a:t>Water boundary maps, or land-water maps, specify which parts of the terrain are land and which are water. (</a:t>
+            </a:r>
+            <a:r>
+              <a:rPr lang="en-GB" dirty="0" err="1"/>
+              <a:t>Ilangoban</a:t>
+            </a:r>
+            <a:r>
+              <a:rPr lang="en-GB" dirty="0"/>
+              <a:t> K P, 2009), (Kelly G, McCabe H, 2006), (Muller P, Parish Y I H, 2001).</a:t>
+            </a:r>
+          </a:p>
+          <a:p>
+            <a:endParaRPr lang="en-GB" dirty="0"/>
+          </a:p>
+          <a:p>
+            <a:r>
+              <a:rPr lang="en-GB" dirty="0"/>
+              <a:t>Validity control for roads in a city generation often allows for roads to cross over water when appropriate conditions are met (Sun J, Yu X, </a:t>
+            </a:r>
+            <a:r>
+              <a:rPr lang="en-GB" dirty="0" err="1"/>
+              <a:t>Baicu</a:t>
+            </a:r>
+            <a:r>
+              <a:rPr lang="en-GB" dirty="0"/>
+              <a:t> G, Green M, 2002).</a:t>
+            </a:r>
+          </a:p>
+          <a:p>
+            <a:endParaRPr lang="en-GB" dirty="0"/>
+          </a:p>
+        </p:txBody>
+      </p:sp>
+      <p:pic>
+        <p:nvPicPr>
+          <p:cNvPr id="9" name="Picture 8">
+            <a:extLst>
+              <a:ext uri="{FF2B5EF4-FFF2-40B4-BE49-F238E27FC236}">
+                <a16:creationId xmlns:a16="http://schemas.microsoft.com/office/drawing/2014/main" id="{34043853-4837-4A55-86B6-5BB970707093}"/>
+              </a:ext>
+            </a:extLst>
+          </p:cNvPr>
+          <p:cNvPicPr>
+            <a:picLocks noChangeAspect="1"/>
+          </p:cNvPicPr>
+          <p:nvPr/>
+        </p:nvPicPr>
+        <p:blipFill rotWithShape="1">
+          <a:blip r:embed="rId3">
+            <a:extLst>
+              <a:ext uri="{28A0092B-C50C-407E-A947-70E740481C1C}">
+                <a14:useLocalDpi xmlns:a14="http://schemas.microsoft.com/office/drawing/2010/main" val="0"/>
+              </a:ext>
+            </a:extLst>
+          </a:blip>
+          <a:srcRect t="5889"/>
+          <a:stretch/>
+        </p:blipFill>
+        <p:spPr>
+          <a:xfrm>
+            <a:off x="7415813" y="1274885"/>
+            <a:ext cx="3826605" cy="3811466"/>
+          </a:xfrm>
+          <a:prstGeom prst="rect">
+            <a:avLst/>
+          </a:prstGeom>
+        </p:spPr>
+      </p:pic>
+    </p:spTree>
+    <p:extLst>
+      <p:ext uri="{BB962C8B-B14F-4D97-AF65-F5344CB8AC3E}">
+        <p14:creationId xmlns:p14="http://schemas.microsoft.com/office/powerpoint/2010/main" val="2777199226"/>
+      </p:ext>
+    </p:extLst>
+  </p:cSld>
+  <p:clrMapOvr>
+    <a:masterClrMapping/>
+  </p:clrMapOvr>
+</p:sld>
+</file>
+
+<file path=ppt/slides/slide17.xml><?xml version="1.0" encoding="utf-8"?>
+<p:sld xmlns:a="http://schemas.openxmlformats.org/drawingml/2006/main" xmlns:r="http://schemas.openxmlformats.org/officeDocument/2006/relationships" xmlns:p="http://schemas.openxmlformats.org/presentationml/2006/main">
+  <p:cSld>
+    <p:spTree>
+      <p:nvGrpSpPr>
+        <p:cNvPr id="1" name=""/>
+        <p:cNvGrpSpPr/>
+        <p:nvPr/>
+      </p:nvGrpSpPr>
+      <p:grpSpPr>
+        <a:xfrm>
+          <a:off x="0" y="0"/>
+          <a:ext cx="0" cy="0"/>
+          <a:chOff x="0" y="0"/>
+          <a:chExt cx="0" cy="0"/>
+        </a:xfrm>
+      </p:grpSpPr>
+      <p:sp>
+        <p:nvSpPr>
+          <p:cNvPr id="2" name="Title 1">
+            <a:extLst>
+              <a:ext uri="{FF2B5EF4-FFF2-40B4-BE49-F238E27FC236}">
+                <a16:creationId xmlns:a16="http://schemas.microsoft.com/office/drawing/2014/main" id="{750ADED0-C0EC-46CC-B4D1-770A80CB767A}"/>
+              </a:ext>
+            </a:extLst>
+          </p:cNvPr>
+          <p:cNvSpPr>
+            <a:spLocks noGrp="1"/>
+          </p:cNvSpPr>
+          <p:nvPr>
+            <p:ph type="title"/>
+          </p:nvPr>
+        </p:nvSpPr>
+        <p:spPr>
+          <a:xfrm>
+            <a:off x="879231" y="281354"/>
+            <a:ext cx="11025776" cy="993531"/>
+          </a:xfrm>
+        </p:spPr>
+        <p:txBody>
+          <a:bodyPr/>
+          <a:lstStyle/>
+          <a:p>
+            <a:r>
+              <a:rPr lang="en-GB" dirty="0"/>
+              <a:t>Water boundary maps and bridges</a:t>
+            </a:r>
+          </a:p>
+        </p:txBody>
+      </p:sp>
       <p:pic>
         <p:nvPicPr>
           <p:cNvPr id="9" name="Picture 8">
@@ -8727,7 +9091,7 @@
 </p:sld>
 </file>
 
-<file path=ppt/slides/slide17.xml><?xml version="1.0" encoding="utf-8"?>
+<file path=ppt/slides/slide18.xml><?xml version="1.0" encoding="utf-8"?>
 <p:sld xmlns:a="http://schemas.openxmlformats.org/drawingml/2006/main" xmlns:r="http://schemas.openxmlformats.org/officeDocument/2006/relationships" xmlns:p="http://schemas.openxmlformats.org/presentationml/2006/main">
   <p:cSld>
     <p:spTree>
@@ -8862,7 +9226,7 @@
 </p:sld>
 </file>
 
-<file path=ppt/slides/slide18.xml><?xml version="1.0" encoding="utf-8"?>
+<file path=ppt/slides/slide19.xml><?xml version="1.0" encoding="utf-8"?>
 <p:sld xmlns:a="http://schemas.openxmlformats.org/drawingml/2006/main" xmlns:r="http://schemas.openxmlformats.org/officeDocument/2006/relationships" xmlns:p="http://schemas.openxmlformats.org/presentationml/2006/main">
   <p:cSld>
     <p:spTree>
@@ -9572,664 +9936,6 @@
     <p:extLst>
       <p:ext uri="{BB962C8B-B14F-4D97-AF65-F5344CB8AC3E}">
         <p14:creationId xmlns:p14="http://schemas.microsoft.com/office/powerpoint/2010/main" val="987802538"/>
-      </p:ext>
-    </p:extLst>
-  </p:cSld>
-  <p:clrMapOvr>
-    <a:masterClrMapping/>
-  </p:clrMapOvr>
-</p:sld>
-</file>
-
-<file path=ppt/slides/slide19.xml><?xml version="1.0" encoding="utf-8"?>
-<p:sld xmlns:a="http://schemas.openxmlformats.org/drawingml/2006/main" xmlns:r="http://schemas.openxmlformats.org/officeDocument/2006/relationships" xmlns:p="http://schemas.openxmlformats.org/presentationml/2006/main">
-  <p:cSld>
-    <p:spTree>
-      <p:nvGrpSpPr>
-        <p:cNvPr id="1" name=""/>
-        <p:cNvGrpSpPr/>
-        <p:nvPr/>
-      </p:nvGrpSpPr>
-      <p:grpSpPr>
-        <a:xfrm>
-          <a:off x="0" y="0"/>
-          <a:ext cx="0" cy="0"/>
-          <a:chOff x="0" y="0"/>
-          <a:chExt cx="0" cy="0"/>
-        </a:xfrm>
-      </p:grpSpPr>
-      <p:sp>
-        <p:nvSpPr>
-          <p:cNvPr id="2" name="Title 1">
-            <a:extLst>
-              <a:ext uri="{FF2B5EF4-FFF2-40B4-BE49-F238E27FC236}">
-                <a16:creationId xmlns:a16="http://schemas.microsoft.com/office/drawing/2014/main" id="{750ADED0-C0EC-46CC-B4D1-770A80CB767A}"/>
-              </a:ext>
-            </a:extLst>
-          </p:cNvPr>
-          <p:cNvSpPr>
-            <a:spLocks noGrp="1"/>
-          </p:cNvSpPr>
-          <p:nvPr>
-            <p:ph type="title"/>
-          </p:nvPr>
-        </p:nvSpPr>
-        <p:spPr>
-          <a:xfrm>
-            <a:off x="879231" y="281354"/>
-            <a:ext cx="11025776" cy="993531"/>
-          </a:xfrm>
-        </p:spPr>
-        <p:txBody>
-          <a:bodyPr>
-            <a:normAutofit/>
-          </a:bodyPr>
-          <a:lstStyle/>
-          <a:p>
-            <a:r>
-              <a:rPr lang="en-GB" dirty="0"/>
-              <a:t>Road network improvements</a:t>
-            </a:r>
-          </a:p>
-        </p:txBody>
-      </p:sp>
-      <p:sp>
-        <p:nvSpPr>
-          <p:cNvPr id="4" name="Content Placeholder 2">
-            <a:extLst>
-              <a:ext uri="{FF2B5EF4-FFF2-40B4-BE49-F238E27FC236}">
-                <a16:creationId xmlns:a16="http://schemas.microsoft.com/office/drawing/2014/main" id="{C44F06C3-D088-4921-80FA-6A04C96C2CC4}"/>
-              </a:ext>
-            </a:extLst>
-          </p:cNvPr>
-          <p:cNvSpPr txBox="1">
-            <a:spLocks/>
-          </p:cNvSpPr>
-          <p:nvPr/>
-        </p:nvSpPr>
-        <p:spPr>
-          <a:xfrm>
-            <a:off x="879231" y="5353050"/>
-            <a:ext cx="11025776" cy="1381125"/>
-          </a:xfrm>
-          <a:prstGeom prst="rect">
-            <a:avLst/>
-          </a:prstGeom>
-          <a:ln>
-            <a:solidFill>
-              <a:schemeClr val="tx1"/>
-            </a:solidFill>
-          </a:ln>
-        </p:spPr>
-        <p:txBody>
-          <a:bodyPr vert="horz" lIns="91440" tIns="45720" rIns="91440" bIns="45720" rtlCol="0">
-            <a:noAutofit/>
-          </a:bodyPr>
-          <a:lstStyle>
-            <a:lvl1pPr marL="384048" indent="-384048" algn="l" defTabSz="914400" rtl="0" eaLnBrk="1" latinLnBrk="0" hangingPunct="1">
-              <a:lnSpc>
-                <a:spcPct val="94000"/>
-              </a:lnSpc>
-              <a:spcBef>
-                <a:spcPts val="1000"/>
-              </a:spcBef>
-              <a:spcAft>
-                <a:spcPts val="200"/>
-              </a:spcAft>
-              <a:buFont typeface="Franklin Gothic Book" panose="020B0503020102020204" pitchFamily="34" charset="0"/>
-              <a:buChar char="■"/>
-              <a:defRPr sz="2000" kern="1200" baseline="0">
-                <a:solidFill>
-                  <a:schemeClr val="tx2"/>
-                </a:solidFill>
-                <a:latin typeface="+mn-lt"/>
-                <a:ea typeface="+mn-ea"/>
-                <a:cs typeface="+mn-cs"/>
-              </a:defRPr>
-            </a:lvl1pPr>
-            <a:lvl2pPr marL="914400" indent="-384048" algn="l" defTabSz="914400" rtl="0" eaLnBrk="1" latinLnBrk="0" hangingPunct="1">
-              <a:lnSpc>
-                <a:spcPct val="94000"/>
-              </a:lnSpc>
-              <a:spcBef>
-                <a:spcPts val="500"/>
-              </a:spcBef>
-              <a:spcAft>
-                <a:spcPts val="200"/>
-              </a:spcAft>
-              <a:buFont typeface="Franklin Gothic Book" panose="020B0503020102020204" pitchFamily="34" charset="0"/>
-              <a:buChar char="–"/>
-              <a:defRPr sz="2000" i="1" kern="1200" baseline="0">
-                <a:solidFill>
-                  <a:schemeClr val="tx2"/>
-                </a:solidFill>
-                <a:latin typeface="+mn-lt"/>
-                <a:ea typeface="+mn-ea"/>
-                <a:cs typeface="+mn-cs"/>
-              </a:defRPr>
-            </a:lvl2pPr>
-            <a:lvl3pPr marL="1371600" indent="-384048" algn="l" defTabSz="914400" rtl="0" eaLnBrk="1" latinLnBrk="0" hangingPunct="1">
-              <a:lnSpc>
-                <a:spcPct val="94000"/>
-              </a:lnSpc>
-              <a:spcBef>
-                <a:spcPts val="500"/>
-              </a:spcBef>
-              <a:spcAft>
-                <a:spcPts val="200"/>
-              </a:spcAft>
-              <a:buFont typeface="Franklin Gothic Book" panose="020B0503020102020204" pitchFamily="34" charset="0"/>
-              <a:buChar char="■"/>
-              <a:defRPr sz="1800" kern="1200" baseline="0">
-                <a:solidFill>
-                  <a:schemeClr val="tx2"/>
-                </a:solidFill>
-                <a:latin typeface="+mn-lt"/>
-                <a:ea typeface="+mn-ea"/>
-                <a:cs typeface="+mn-cs"/>
-              </a:defRPr>
-            </a:lvl3pPr>
-            <a:lvl4pPr marL="1828800" indent="-384048" algn="l" defTabSz="914400" rtl="0" eaLnBrk="1" latinLnBrk="0" hangingPunct="1">
-              <a:lnSpc>
-                <a:spcPct val="94000"/>
-              </a:lnSpc>
-              <a:spcBef>
-                <a:spcPts val="500"/>
-              </a:spcBef>
-              <a:spcAft>
-                <a:spcPts val="200"/>
-              </a:spcAft>
-              <a:buFont typeface="Franklin Gothic Book" panose="020B0503020102020204" pitchFamily="34" charset="0"/>
-              <a:buChar char="–"/>
-              <a:defRPr sz="1800" i="1" kern="1200" baseline="0">
-                <a:solidFill>
-                  <a:schemeClr val="tx2"/>
-                </a:solidFill>
-                <a:latin typeface="+mn-lt"/>
-                <a:ea typeface="+mn-ea"/>
-                <a:cs typeface="+mn-cs"/>
-              </a:defRPr>
-            </a:lvl4pPr>
-            <a:lvl5pPr marL="2286000" indent="-384048" algn="l" defTabSz="914400" rtl="0" eaLnBrk="1" latinLnBrk="0" hangingPunct="1">
-              <a:lnSpc>
-                <a:spcPct val="94000"/>
-              </a:lnSpc>
-              <a:spcBef>
-                <a:spcPts val="500"/>
-              </a:spcBef>
-              <a:spcAft>
-                <a:spcPts val="200"/>
-              </a:spcAft>
-              <a:buFont typeface="Franklin Gothic Book" panose="020B0503020102020204" pitchFamily="34" charset="0"/>
-              <a:buChar char="■"/>
-              <a:defRPr sz="1600" kern="1200" baseline="0">
-                <a:solidFill>
-                  <a:schemeClr val="tx2"/>
-                </a:solidFill>
-                <a:latin typeface="+mn-lt"/>
-                <a:ea typeface="+mn-ea"/>
-                <a:cs typeface="+mn-cs"/>
-              </a:defRPr>
-            </a:lvl5pPr>
-            <a:lvl6pPr marL="2743200" indent="-384048" algn="l" defTabSz="914400" rtl="0" eaLnBrk="1" latinLnBrk="0" hangingPunct="1">
-              <a:lnSpc>
-                <a:spcPct val="94000"/>
-              </a:lnSpc>
-              <a:spcBef>
-                <a:spcPts val="500"/>
-              </a:spcBef>
-              <a:spcAft>
-                <a:spcPts val="200"/>
-              </a:spcAft>
-              <a:buFont typeface="Franklin Gothic Book" panose="020B0503020102020204" pitchFamily="34" charset="0"/>
-              <a:buChar char="–"/>
-              <a:defRPr sz="1600" i="1" kern="1200" baseline="0">
-                <a:solidFill>
-                  <a:schemeClr val="tx2"/>
-                </a:solidFill>
-                <a:latin typeface="+mn-lt"/>
-                <a:ea typeface="+mn-ea"/>
-                <a:cs typeface="+mn-cs"/>
-              </a:defRPr>
-            </a:lvl6pPr>
-            <a:lvl7pPr marL="3200400" indent="-384048" algn="l" defTabSz="914400" rtl="0" eaLnBrk="1" latinLnBrk="0" hangingPunct="1">
-              <a:lnSpc>
-                <a:spcPct val="94000"/>
-              </a:lnSpc>
-              <a:spcBef>
-                <a:spcPts val="500"/>
-              </a:spcBef>
-              <a:spcAft>
-                <a:spcPts val="200"/>
-              </a:spcAft>
-              <a:buFont typeface="Franklin Gothic Book" panose="020B0503020102020204" pitchFamily="34" charset="0"/>
-              <a:buChar char="■"/>
-              <a:defRPr sz="1400" kern="1200" baseline="0">
-                <a:solidFill>
-                  <a:schemeClr val="tx2"/>
-                </a:solidFill>
-                <a:latin typeface="+mn-lt"/>
-                <a:ea typeface="+mn-ea"/>
-                <a:cs typeface="+mn-cs"/>
-              </a:defRPr>
-            </a:lvl7pPr>
-            <a:lvl8pPr marL="3657600" indent="-384048" algn="l" defTabSz="914400" rtl="0" eaLnBrk="1" latinLnBrk="0" hangingPunct="1">
-              <a:lnSpc>
-                <a:spcPct val="94000"/>
-              </a:lnSpc>
-              <a:spcBef>
-                <a:spcPts val="500"/>
-              </a:spcBef>
-              <a:spcAft>
-                <a:spcPts val="200"/>
-              </a:spcAft>
-              <a:buFont typeface="Franklin Gothic Book" panose="020B0503020102020204" pitchFamily="34" charset="0"/>
-              <a:buChar char="–"/>
-              <a:defRPr sz="1400" i="1" kern="1200" baseline="0">
-                <a:solidFill>
-                  <a:schemeClr val="tx2"/>
-                </a:solidFill>
-                <a:latin typeface="+mn-lt"/>
-                <a:ea typeface="+mn-ea"/>
-                <a:cs typeface="+mn-cs"/>
-              </a:defRPr>
-            </a:lvl8pPr>
-            <a:lvl9pPr marL="4114800" indent="-384048" algn="l" defTabSz="914400" rtl="0" eaLnBrk="1" latinLnBrk="0" hangingPunct="1">
-              <a:lnSpc>
-                <a:spcPct val="94000"/>
-              </a:lnSpc>
-              <a:spcBef>
-                <a:spcPts val="500"/>
-              </a:spcBef>
-              <a:spcAft>
-                <a:spcPts val="200"/>
-              </a:spcAft>
-              <a:buFont typeface="Franklin Gothic Book" panose="020B0503020102020204" pitchFamily="34" charset="0"/>
-              <a:buChar char="■"/>
-              <a:defRPr sz="1400" kern="1200" baseline="0">
-                <a:solidFill>
-                  <a:schemeClr val="tx2"/>
-                </a:solidFill>
-                <a:latin typeface="+mn-lt"/>
-                <a:ea typeface="+mn-ea"/>
-                <a:cs typeface="+mn-cs"/>
-              </a:defRPr>
-            </a:lvl9pPr>
-          </a:lstStyle>
-          <a:p>
-            <a:pPr marL="0" indent="0" fontAlgn="base">
-              <a:buNone/>
-            </a:pPr>
-            <a:r>
-              <a:rPr lang="en-GB" sz="1000" dirty="0"/>
-              <a:t>Kelly, G. McCabe, H. (2006). “A Survey of Procedural Techniques for City Generation”. In </a:t>
-            </a:r>
-            <a:r>
-              <a:rPr lang="en-GB" sz="1000" i="1" dirty="0"/>
-              <a:t>ITB Journal, No. 14</a:t>
-            </a:r>
-            <a:endParaRPr lang="en-GB" sz="1000" dirty="0"/>
-          </a:p>
-          <a:p>
-            <a:pPr marL="0" indent="0" fontAlgn="base">
-              <a:buNone/>
-            </a:pPr>
-            <a:r>
-              <a:rPr lang="en-GB" sz="1000" dirty="0" err="1"/>
-              <a:t>Martek</a:t>
-            </a:r>
-            <a:r>
-              <a:rPr lang="en-GB" sz="1000" dirty="0"/>
-              <a:t>, C. (2012). “Procedural generation of road networks for large virtual environments.” Rochester Institute of Technology.</a:t>
-            </a:r>
-          </a:p>
-          <a:p>
-            <a:pPr marL="0" indent="0" fontAlgn="base">
-              <a:buNone/>
-            </a:pPr>
-            <a:r>
-              <a:rPr lang="en-GB" sz="1000" dirty="0"/>
-              <a:t>Muller, P and Parish, Y, I, H. (2001). “Procedural </a:t>
-            </a:r>
-            <a:r>
-              <a:rPr lang="en-GB" sz="1000" dirty="0" err="1"/>
-              <a:t>modeling</a:t>
-            </a:r>
-            <a:r>
-              <a:rPr lang="en-GB" sz="1000" dirty="0"/>
-              <a:t> of cities”. In Proceedings of the 28th annual conference on Computer graphics and interactive techniques (SIGGRAPH ’01). </a:t>
-            </a:r>
-            <a:r>
-              <a:rPr lang="en-GB" sz="1000" dirty="0" err="1"/>
-              <a:t>Acm</a:t>
-            </a:r>
-            <a:r>
-              <a:rPr lang="en-GB" sz="1000" dirty="0"/>
-              <a:t>, New York, NY, USA. 301 – 308.</a:t>
-            </a:r>
-          </a:p>
-          <a:p>
-            <a:pPr marL="0" indent="0" fontAlgn="base">
-              <a:buNone/>
-            </a:pPr>
-            <a:r>
-              <a:rPr lang="en-GB" sz="1000" dirty="0"/>
-              <a:t>Sun, J. Yu, X. </a:t>
-            </a:r>
-            <a:r>
-              <a:rPr lang="en-GB" sz="1000" dirty="0" err="1"/>
-              <a:t>Baciu</a:t>
-            </a:r>
-            <a:r>
-              <a:rPr lang="en-GB" sz="1000" dirty="0"/>
-              <a:t>, G. Green, M. (2002). “Template-based generation of road networks for virtual city </a:t>
-            </a:r>
-            <a:r>
-              <a:rPr lang="en-GB" sz="1000" dirty="0" err="1"/>
-              <a:t>modeling</a:t>
-            </a:r>
-            <a:r>
-              <a:rPr lang="en-GB" sz="1000" dirty="0"/>
-              <a:t>”. In Proceedings of the ACM symposium on Virtual reality software and technology (VRST ’02). </a:t>
-            </a:r>
-            <a:r>
-              <a:rPr lang="en-GB" sz="1000" dirty="0" err="1"/>
-              <a:t>Acm</a:t>
-            </a:r>
-            <a:r>
-              <a:rPr lang="en-GB" sz="1000" dirty="0"/>
-              <a:t>, New Work, NY, USA, 33 – 40.</a:t>
-            </a:r>
-          </a:p>
-        </p:txBody>
-      </p:sp>
-      <p:sp>
-        <p:nvSpPr>
-          <p:cNvPr id="7" name="Content Placeholder 2">
-            <a:extLst>
-              <a:ext uri="{FF2B5EF4-FFF2-40B4-BE49-F238E27FC236}">
-                <a16:creationId xmlns:a16="http://schemas.microsoft.com/office/drawing/2014/main" id="{677DC107-6E4D-45D9-B8CD-8FB83DE26374}"/>
-              </a:ext>
-            </a:extLst>
-          </p:cNvPr>
-          <p:cNvSpPr txBox="1">
-            <a:spLocks/>
-          </p:cNvSpPr>
-          <p:nvPr/>
-        </p:nvSpPr>
-        <p:spPr>
-          <a:xfrm>
-            <a:off x="879231" y="1274884"/>
-            <a:ext cx="5873994" cy="3982915"/>
-          </a:xfrm>
-          <a:prstGeom prst="rect">
-            <a:avLst/>
-          </a:prstGeom>
-          <a:ln>
-            <a:solidFill>
-              <a:schemeClr val="tx1"/>
-            </a:solidFill>
-          </a:ln>
-        </p:spPr>
-        <p:txBody>
-          <a:bodyPr vert="horz" lIns="91440" tIns="45720" rIns="91440" bIns="45720" rtlCol="0">
-            <a:normAutofit/>
-          </a:bodyPr>
-          <a:lstStyle>
-            <a:lvl1pPr marL="384048" indent="-384048" algn="l" defTabSz="914400" rtl="0" eaLnBrk="1" latinLnBrk="0" hangingPunct="1">
-              <a:lnSpc>
-                <a:spcPct val="94000"/>
-              </a:lnSpc>
-              <a:spcBef>
-                <a:spcPts val="1000"/>
-              </a:spcBef>
-              <a:spcAft>
-                <a:spcPts val="200"/>
-              </a:spcAft>
-              <a:buFont typeface="Franklin Gothic Book" panose="020B0503020102020204" pitchFamily="34" charset="0"/>
-              <a:buChar char="■"/>
-              <a:defRPr sz="2000" kern="1200" baseline="0">
-                <a:solidFill>
-                  <a:schemeClr val="tx2"/>
-                </a:solidFill>
-                <a:latin typeface="+mn-lt"/>
-                <a:ea typeface="+mn-ea"/>
-                <a:cs typeface="+mn-cs"/>
-              </a:defRPr>
-            </a:lvl1pPr>
-            <a:lvl2pPr marL="914400" indent="-384048" algn="l" defTabSz="914400" rtl="0" eaLnBrk="1" latinLnBrk="0" hangingPunct="1">
-              <a:lnSpc>
-                <a:spcPct val="94000"/>
-              </a:lnSpc>
-              <a:spcBef>
-                <a:spcPts val="500"/>
-              </a:spcBef>
-              <a:spcAft>
-                <a:spcPts val="200"/>
-              </a:spcAft>
-              <a:buFont typeface="Franklin Gothic Book" panose="020B0503020102020204" pitchFamily="34" charset="0"/>
-              <a:buChar char="–"/>
-              <a:defRPr sz="2000" i="1" kern="1200" baseline="0">
-                <a:solidFill>
-                  <a:schemeClr val="tx2"/>
-                </a:solidFill>
-                <a:latin typeface="+mn-lt"/>
-                <a:ea typeface="+mn-ea"/>
-                <a:cs typeface="+mn-cs"/>
-              </a:defRPr>
-            </a:lvl2pPr>
-            <a:lvl3pPr marL="1371600" indent="-384048" algn="l" defTabSz="914400" rtl="0" eaLnBrk="1" latinLnBrk="0" hangingPunct="1">
-              <a:lnSpc>
-                <a:spcPct val="94000"/>
-              </a:lnSpc>
-              <a:spcBef>
-                <a:spcPts val="500"/>
-              </a:spcBef>
-              <a:spcAft>
-                <a:spcPts val="200"/>
-              </a:spcAft>
-              <a:buFont typeface="Franklin Gothic Book" panose="020B0503020102020204" pitchFamily="34" charset="0"/>
-              <a:buChar char="■"/>
-              <a:defRPr sz="1800" kern="1200" baseline="0">
-                <a:solidFill>
-                  <a:schemeClr val="tx2"/>
-                </a:solidFill>
-                <a:latin typeface="+mn-lt"/>
-                <a:ea typeface="+mn-ea"/>
-                <a:cs typeface="+mn-cs"/>
-              </a:defRPr>
-            </a:lvl3pPr>
-            <a:lvl4pPr marL="1828800" indent="-384048" algn="l" defTabSz="914400" rtl="0" eaLnBrk="1" latinLnBrk="0" hangingPunct="1">
-              <a:lnSpc>
-                <a:spcPct val="94000"/>
-              </a:lnSpc>
-              <a:spcBef>
-                <a:spcPts val="500"/>
-              </a:spcBef>
-              <a:spcAft>
-                <a:spcPts val="200"/>
-              </a:spcAft>
-              <a:buFont typeface="Franklin Gothic Book" panose="020B0503020102020204" pitchFamily="34" charset="0"/>
-              <a:buChar char="–"/>
-              <a:defRPr sz="1800" i="1" kern="1200" baseline="0">
-                <a:solidFill>
-                  <a:schemeClr val="tx2"/>
-                </a:solidFill>
-                <a:latin typeface="+mn-lt"/>
-                <a:ea typeface="+mn-ea"/>
-                <a:cs typeface="+mn-cs"/>
-              </a:defRPr>
-            </a:lvl4pPr>
-            <a:lvl5pPr marL="2286000" indent="-384048" algn="l" defTabSz="914400" rtl="0" eaLnBrk="1" latinLnBrk="0" hangingPunct="1">
-              <a:lnSpc>
-                <a:spcPct val="94000"/>
-              </a:lnSpc>
-              <a:spcBef>
-                <a:spcPts val="500"/>
-              </a:spcBef>
-              <a:spcAft>
-                <a:spcPts val="200"/>
-              </a:spcAft>
-              <a:buFont typeface="Franklin Gothic Book" panose="020B0503020102020204" pitchFamily="34" charset="0"/>
-              <a:buChar char="■"/>
-              <a:defRPr sz="1600" kern="1200" baseline="0">
-                <a:solidFill>
-                  <a:schemeClr val="tx2"/>
-                </a:solidFill>
-                <a:latin typeface="+mn-lt"/>
-                <a:ea typeface="+mn-ea"/>
-                <a:cs typeface="+mn-cs"/>
-              </a:defRPr>
-            </a:lvl5pPr>
-            <a:lvl6pPr marL="2743200" indent="-384048" algn="l" defTabSz="914400" rtl="0" eaLnBrk="1" latinLnBrk="0" hangingPunct="1">
-              <a:lnSpc>
-                <a:spcPct val="94000"/>
-              </a:lnSpc>
-              <a:spcBef>
-                <a:spcPts val="500"/>
-              </a:spcBef>
-              <a:spcAft>
-                <a:spcPts val="200"/>
-              </a:spcAft>
-              <a:buFont typeface="Franklin Gothic Book" panose="020B0503020102020204" pitchFamily="34" charset="0"/>
-              <a:buChar char="–"/>
-              <a:defRPr sz="1600" i="1" kern="1200" baseline="0">
-                <a:solidFill>
-                  <a:schemeClr val="tx2"/>
-                </a:solidFill>
-                <a:latin typeface="+mn-lt"/>
-                <a:ea typeface="+mn-ea"/>
-                <a:cs typeface="+mn-cs"/>
-              </a:defRPr>
-            </a:lvl6pPr>
-            <a:lvl7pPr marL="3200400" indent="-384048" algn="l" defTabSz="914400" rtl="0" eaLnBrk="1" latinLnBrk="0" hangingPunct="1">
-              <a:lnSpc>
-                <a:spcPct val="94000"/>
-              </a:lnSpc>
-              <a:spcBef>
-                <a:spcPts val="500"/>
-              </a:spcBef>
-              <a:spcAft>
-                <a:spcPts val="200"/>
-              </a:spcAft>
-              <a:buFont typeface="Franklin Gothic Book" panose="020B0503020102020204" pitchFamily="34" charset="0"/>
-              <a:buChar char="■"/>
-              <a:defRPr sz="1400" kern="1200" baseline="0">
-                <a:solidFill>
-                  <a:schemeClr val="tx2"/>
-                </a:solidFill>
-                <a:latin typeface="+mn-lt"/>
-                <a:ea typeface="+mn-ea"/>
-                <a:cs typeface="+mn-cs"/>
-              </a:defRPr>
-            </a:lvl7pPr>
-            <a:lvl8pPr marL="3657600" indent="-384048" algn="l" defTabSz="914400" rtl="0" eaLnBrk="1" latinLnBrk="0" hangingPunct="1">
-              <a:lnSpc>
-                <a:spcPct val="94000"/>
-              </a:lnSpc>
-              <a:spcBef>
-                <a:spcPts val="500"/>
-              </a:spcBef>
-              <a:spcAft>
-                <a:spcPts val="200"/>
-              </a:spcAft>
-              <a:buFont typeface="Franklin Gothic Book" panose="020B0503020102020204" pitchFamily="34" charset="0"/>
-              <a:buChar char="–"/>
-              <a:defRPr sz="1400" i="1" kern="1200" baseline="0">
-                <a:solidFill>
-                  <a:schemeClr val="tx2"/>
-                </a:solidFill>
-                <a:latin typeface="+mn-lt"/>
-                <a:ea typeface="+mn-ea"/>
-                <a:cs typeface="+mn-cs"/>
-              </a:defRPr>
-            </a:lvl8pPr>
-            <a:lvl9pPr marL="4114800" indent="-384048" algn="l" defTabSz="914400" rtl="0" eaLnBrk="1" latinLnBrk="0" hangingPunct="1">
-              <a:lnSpc>
-                <a:spcPct val="94000"/>
-              </a:lnSpc>
-              <a:spcBef>
-                <a:spcPts val="500"/>
-              </a:spcBef>
-              <a:spcAft>
-                <a:spcPts val="200"/>
-              </a:spcAft>
-              <a:buFont typeface="Franklin Gothic Book" panose="020B0503020102020204" pitchFamily="34" charset="0"/>
-              <a:buChar char="■"/>
-              <a:defRPr sz="1400" kern="1200" baseline="0">
-                <a:solidFill>
-                  <a:schemeClr val="tx2"/>
-                </a:solidFill>
-                <a:latin typeface="+mn-lt"/>
-                <a:ea typeface="+mn-ea"/>
-                <a:cs typeface="+mn-cs"/>
-              </a:defRPr>
-            </a:lvl9pPr>
-          </a:lstStyle>
-          <a:p>
-            <a:r>
-              <a:rPr lang="en-GB" dirty="0"/>
-              <a:t>Highways connect areas of high population whilst streets cover the area between highways, creating </a:t>
-            </a:r>
-            <a:r>
-              <a:rPr lang="en-GB" dirty="0" err="1"/>
-              <a:t>neighborhoods</a:t>
-            </a:r>
-            <a:r>
-              <a:rPr lang="en-GB" dirty="0"/>
-              <a:t> and offering access to the main highways. (Muller P and Parish Y I H, 2001).</a:t>
-            </a:r>
-          </a:p>
-          <a:p>
-            <a:endParaRPr lang="en-GB" dirty="0"/>
-          </a:p>
-          <a:p>
-            <a:r>
-              <a:rPr lang="en-GB" dirty="0"/>
-              <a:t>“Highways are like main arteries in a body while streets like capillary vessels”. (Sun, J Et al. 2002).</a:t>
-            </a:r>
-          </a:p>
-        </p:txBody>
-      </p:sp>
-      <p:pic>
-        <p:nvPicPr>
-          <p:cNvPr id="9" name="Picture 8">
-            <a:extLst>
-              <a:ext uri="{FF2B5EF4-FFF2-40B4-BE49-F238E27FC236}">
-                <a16:creationId xmlns:a16="http://schemas.microsoft.com/office/drawing/2014/main" id="{E8379413-37A0-4A14-BB9F-2A132C750A1C}"/>
-              </a:ext>
-            </a:extLst>
-          </p:cNvPr>
-          <p:cNvPicPr>
-            <a:picLocks noChangeAspect="1"/>
-          </p:cNvPicPr>
-          <p:nvPr/>
-        </p:nvPicPr>
-        <p:blipFill rotWithShape="1">
-          <a:blip r:embed="rId2">
-            <a:extLst>
-              <a:ext uri="{28A0092B-C50C-407E-A947-70E740481C1C}">
-                <a14:useLocalDpi xmlns:a14="http://schemas.microsoft.com/office/drawing/2010/main" val="0"/>
-              </a:ext>
-            </a:extLst>
-          </a:blip>
-          <a:srcRect t="6084"/>
-          <a:stretch/>
-        </p:blipFill>
-        <p:spPr>
-          <a:xfrm>
-            <a:off x="7346438" y="1274884"/>
-            <a:ext cx="3965356" cy="3941466"/>
-          </a:xfrm>
-          <a:prstGeom prst="rect">
-            <a:avLst/>
-          </a:prstGeom>
-        </p:spPr>
-      </p:pic>
-    </p:spTree>
-    <p:extLst>
-      <p:ext uri="{BB962C8B-B14F-4D97-AF65-F5344CB8AC3E}">
-        <p14:creationId xmlns:p14="http://schemas.microsoft.com/office/powerpoint/2010/main" val="1106566841"/>
       </p:ext>
     </p:extLst>
   </p:cSld>
@@ -10872,7 +10578,7 @@
           <a:p>
             <a:r>
               <a:rPr lang="en-GB" dirty="0"/>
-              <a:t>Building lot generation</a:t>
+              <a:t>Road network improvements</a:t>
             </a:r>
           </a:p>
         </p:txBody>
@@ -10893,8 +10599,8 @@
         </p:nvSpPr>
         <p:spPr>
           <a:xfrm>
-            <a:off x="879231" y="5762625"/>
-            <a:ext cx="11025776" cy="971550"/>
+            <a:off x="879231" y="5353050"/>
+            <a:ext cx="11025776" cy="1381125"/>
           </a:xfrm>
           <a:prstGeom prst="rect">
             <a:avLst/>
@@ -11105,69 +10811,26 @@
               <a:buNone/>
             </a:pPr>
             <a:r>
-              <a:rPr lang="en-GB" sz="1000" dirty="0" err="1"/>
-              <a:t>Emilien</a:t>
-            </a:r>
-            <a:r>
               <a:rPr lang="en-GB" sz="1000" dirty="0"/>
-              <a:t>, A., Bernhardt, A., </a:t>
-            </a:r>
-            <a:r>
-              <a:rPr lang="en-GB" sz="1000" dirty="0" err="1"/>
-              <a:t>Peytavie</a:t>
-            </a:r>
-            <a:r>
-              <a:rPr lang="en-GB" sz="1000" dirty="0"/>
-              <a:t>, A., </a:t>
-            </a:r>
-            <a:r>
-              <a:rPr lang="en-GB" sz="1000" dirty="0" err="1"/>
-              <a:t>Cani</a:t>
-            </a:r>
-            <a:r>
-              <a:rPr lang="en-GB" sz="1000" dirty="0"/>
-              <a:t>, M. and </a:t>
-            </a:r>
-            <a:r>
-              <a:rPr lang="en-GB" sz="1000" dirty="0" err="1"/>
-              <a:t>Galin</a:t>
-            </a:r>
-            <a:r>
-              <a:rPr lang="en-GB" sz="1000" dirty="0"/>
-              <a:t>, E. (2012). Procedural generation of villages on arbitrary terrains. </a:t>
+              <a:t>Kelly, G. McCabe, H. (2006). “A Survey of Procedural Techniques for City Generation”. In </a:t>
             </a:r>
             <a:r>
               <a:rPr lang="en-GB" sz="1000" i="1" dirty="0"/>
-              <a:t>The Visual Computer,</a:t>
-            </a:r>
-            <a:r>
-              <a:rPr lang="en-GB" sz="1000" dirty="0"/>
-              <a:t> 28(6-8), pp.809-818.</a:t>
-            </a:r>
+              <a:t>ITB Journal, No. 14</a:t>
+            </a:r>
+            <a:endParaRPr lang="en-GB" sz="1000" dirty="0"/>
           </a:p>
           <a:p>
             <a:pPr marL="0" indent="0" fontAlgn="base">
               <a:buNone/>
             </a:pPr>
             <a:r>
+              <a:rPr lang="en-GB" sz="1000" dirty="0" err="1"/>
+              <a:t>Martek</a:t>
+            </a:r>
+            <a:r>
               <a:rPr lang="en-GB" sz="1000" dirty="0"/>
-              <a:t>Muller, P and Parish, Y, I, H. (2001). “Procedural </a:t>
-            </a:r>
-            <a:r>
-              <a:rPr lang="en-GB" sz="1000" dirty="0" err="1"/>
-              <a:t>modeling</a:t>
-            </a:r>
-            <a:r>
-              <a:rPr lang="en-GB" sz="1000" dirty="0"/>
-              <a:t> of cities”. In Proceedings of the 28th annual conference on Computer graphics and interactive techniques (SIGGRAPH ’01). </a:t>
-            </a:r>
-            <a:r>
-              <a:rPr lang="en-GB" sz="1000" dirty="0" err="1"/>
-              <a:t>Acm</a:t>
-            </a:r>
-            <a:r>
-              <a:rPr lang="en-GB" sz="1000" dirty="0"/>
-              <a:t>, New York, NY, USA. 301 – 308.</a:t>
+              <a:t>, C. (2012). “Procedural generation of road networks for large virtual environments.” Rochester Institute of Technology.</a:t>
             </a:r>
           </a:p>
           <a:p>
@@ -11175,36 +10838,8 @@
               <a:buNone/>
             </a:pPr>
             <a:r>
-              <a:rPr lang="en-GB" sz="1000" dirty="0" err="1"/>
-              <a:t>Smelik</a:t>
-            </a:r>
-            <a:r>
               <a:rPr lang="en-GB" sz="1000" dirty="0"/>
-              <a:t>, R., </a:t>
-            </a:r>
-            <a:r>
-              <a:rPr lang="en-GB" sz="1000" dirty="0" err="1"/>
-              <a:t>Tutenel</a:t>
-            </a:r>
-            <a:r>
-              <a:rPr lang="en-GB" sz="1000" dirty="0"/>
-              <a:t>, T., de </a:t>
-            </a:r>
-            <a:r>
-              <a:rPr lang="en-GB" sz="1000" dirty="0" err="1"/>
-              <a:t>Kraker</a:t>
-            </a:r>
-            <a:r>
-              <a:rPr lang="en-GB" sz="1000" dirty="0"/>
-              <a:t>, K. and </a:t>
-            </a:r>
-            <a:r>
-              <a:rPr lang="en-GB" sz="1000" dirty="0" err="1"/>
-              <a:t>Bidarra</a:t>
-            </a:r>
-            <a:r>
-              <a:rPr lang="en-GB" sz="1000" dirty="0"/>
-              <a:t>, R. (2011). A declarative approach to procedural </a:t>
+              <a:t>Muller, P and Parish, Y, I, H. (2001). “Procedural </a:t>
             </a:r>
             <a:r>
               <a:rPr lang="en-GB" sz="1000" dirty="0" err="1"/>
@@ -11212,15 +10847,48 @@
             </a:r>
             <a:r>
               <a:rPr lang="en-GB" sz="1000" dirty="0"/>
-              <a:t> of virtual worlds. </a:t>
-            </a:r>
-            <a:r>
-              <a:rPr lang="en-GB" sz="1000" i="1" dirty="0"/>
-              <a:t>Computers &amp; Graphics</a:t>
+              <a:t> of cities”. In Proceedings of the 28th annual conference on Computer graphics and interactive techniques (SIGGRAPH ’01). </a:t>
+            </a:r>
+            <a:r>
+              <a:rPr lang="en-GB" sz="1000" dirty="0" err="1"/>
+              <a:t>Acm</a:t>
             </a:r>
             <a:r>
               <a:rPr lang="en-GB" sz="1000" dirty="0"/>
-              <a:t>, 35(2), pp.352-363.</a:t>
+              <a:t>, New York, NY, USA. 301 – 308.</a:t>
+            </a:r>
+          </a:p>
+          <a:p>
+            <a:pPr marL="0" indent="0" fontAlgn="base">
+              <a:buNone/>
+            </a:pPr>
+            <a:r>
+              <a:rPr lang="en-GB" sz="1000" dirty="0"/>
+              <a:t>Sun, J. Yu, X. </a:t>
+            </a:r>
+            <a:r>
+              <a:rPr lang="en-GB" sz="1000" dirty="0" err="1"/>
+              <a:t>Baciu</a:t>
+            </a:r>
+            <a:r>
+              <a:rPr lang="en-GB" sz="1000" dirty="0"/>
+              <a:t>, G. Green, M. (2002). “Template-based generation of road networks for virtual city </a:t>
+            </a:r>
+            <a:r>
+              <a:rPr lang="en-GB" sz="1000" dirty="0" err="1"/>
+              <a:t>modeling</a:t>
+            </a:r>
+            <a:r>
+              <a:rPr lang="en-GB" sz="1000" dirty="0"/>
+              <a:t>”. In Proceedings of the ACM symposium on Virtual reality software and technology (VRST ’02). </a:t>
+            </a:r>
+            <a:r>
+              <a:rPr lang="en-GB" sz="1000" dirty="0" err="1"/>
+              <a:t>Acm</a:t>
+            </a:r>
+            <a:r>
+              <a:rPr lang="en-GB" sz="1000" dirty="0"/>
+              <a:t>, New Work, NY, USA, 33 – 40.</a:t>
             </a:r>
           </a:p>
         </p:txBody>
@@ -11230,7 +10898,7 @@
           <p:cNvPr id="7" name="Content Placeholder 2">
             <a:extLst>
               <a:ext uri="{FF2B5EF4-FFF2-40B4-BE49-F238E27FC236}">
-                <a16:creationId xmlns:a16="http://schemas.microsoft.com/office/drawing/2014/main" id="{6AF1E2B7-90F3-4506-9B86-4FE1222C1B17}"/>
+                <a16:creationId xmlns:a16="http://schemas.microsoft.com/office/drawing/2014/main" id="{677DC107-6E4D-45D9-B8CD-8FB83DE26374}"/>
               </a:ext>
             </a:extLst>
           </p:cNvPr>
@@ -11242,7 +10910,7 @@
         <p:spPr>
           <a:xfrm>
             <a:off x="879231" y="1274884"/>
-            <a:ext cx="5873994" cy="4363915"/>
+            <a:ext cx="5873994" cy="3982915"/>
           </a:xfrm>
           <a:prstGeom prst="rect">
             <a:avLst/>
@@ -11451,48 +11119,24 @@
           <a:p>
             <a:r>
               <a:rPr lang="en-GB" dirty="0"/>
-              <a:t>“Computing a village skeleton is not sufficient for generating the layout of a village: we also need to tessellate the terrain into individual parcels of land, where houses, gardens or fields will be defined.” (</a:t>
+              <a:t>Highways connect areas of high population whilst streets cover the area between highways, creating </a:t>
             </a:r>
             <a:r>
               <a:rPr lang="en-GB" dirty="0" err="1"/>
-              <a:t>Emilien</a:t>
+              <a:t>neighborhoods</a:t>
             </a:r>
             <a:r>
               <a:rPr lang="en-GB" dirty="0"/>
-              <a:t> A, Bernhardt A, </a:t>
-            </a:r>
-            <a:r>
-              <a:rPr lang="en-GB" dirty="0" err="1"/>
-              <a:t>Peytavie</a:t>
-            </a:r>
+              <a:t> and offering access to the main highways. (Muller P and Parish Y I H, 2001).</a:t>
+            </a:r>
+          </a:p>
+          <a:p>
+            <a:endParaRPr lang="en-GB" dirty="0"/>
+          </a:p>
+          <a:p>
             <a:r>
               <a:rPr lang="en-GB" dirty="0"/>
-              <a:t> A, </a:t>
-            </a:r>
-            <a:r>
-              <a:rPr lang="en-GB" dirty="0" err="1"/>
-              <a:t>Cani</a:t>
-            </a:r>
-            <a:r>
-              <a:rPr lang="en-GB" dirty="0"/>
-              <a:t> M, </a:t>
-            </a:r>
-            <a:r>
-              <a:rPr lang="en-GB" dirty="0" err="1"/>
-              <a:t>Galin</a:t>
-            </a:r>
-            <a:r>
-              <a:rPr lang="en-GB" dirty="0"/>
-              <a:t> E, 2012).</a:t>
-            </a:r>
-          </a:p>
-          <a:p>
-            <a:endParaRPr lang="en-GB" dirty="0"/>
-          </a:p>
-          <a:p>
-            <a:r>
-              <a:rPr lang="en-GB" dirty="0"/>
-              <a:t>Building lots can be created along the road by recursively dividing the areas along a road until a threshold area is reached.(Muller P, Parish Y I H, 2001).</a:t>
+              <a:t>“Highways are like main arteries in a body while streets like capillary vessels”. (Sun, J Et al. 2002).</a:t>
             </a:r>
           </a:p>
         </p:txBody>
@@ -11502,7 +11146,7 @@
           <p:cNvPr id="9" name="Picture 8">
             <a:extLst>
               <a:ext uri="{FF2B5EF4-FFF2-40B4-BE49-F238E27FC236}">
-                <a16:creationId xmlns:a16="http://schemas.microsoft.com/office/drawing/2014/main" id="{F7E1084E-24A7-43FF-9311-668FE8A2A100}"/>
+                <a16:creationId xmlns:a16="http://schemas.microsoft.com/office/drawing/2014/main" id="{E8379413-37A0-4A14-BB9F-2A132C750A1C}"/>
               </a:ext>
             </a:extLst>
           </p:cNvPr>
@@ -11512,20 +11156,20 @@
           <p:nvPr/>
         </p:nvPicPr>
         <p:blipFill rotWithShape="1">
-          <a:blip r:embed="rId3">
+          <a:blip r:embed="rId2">
             <a:extLst>
               <a:ext uri="{28A0092B-C50C-407E-A947-70E740481C1C}">
                 <a14:useLocalDpi xmlns:a14="http://schemas.microsoft.com/office/drawing/2010/main" val="0"/>
               </a:ext>
             </a:extLst>
           </a:blip>
-          <a:srcRect t="5889"/>
+          <a:srcRect t="6084"/>
           <a:stretch/>
         </p:blipFill>
         <p:spPr>
           <a:xfrm>
-            <a:off x="7136125" y="1270169"/>
-            <a:ext cx="4385982" cy="4368630"/>
+            <a:off x="7346438" y="1274884"/>
+            <a:ext cx="3965356" cy="3941466"/>
           </a:xfrm>
           <a:prstGeom prst="rect">
             <a:avLst/>
@@ -11535,7 +11179,7 @@
     </p:spTree>
     <p:extLst>
       <p:ext uri="{BB962C8B-B14F-4D97-AF65-F5344CB8AC3E}">
-        <p14:creationId xmlns:p14="http://schemas.microsoft.com/office/powerpoint/2010/main" val="1997387650"/>
+        <p14:creationId xmlns:p14="http://schemas.microsoft.com/office/powerpoint/2010/main" val="1106566841"/>
       </p:ext>
     </p:extLst>
   </p:cSld>
@@ -11592,638 +11236,52 @@
           <a:p>
             <a:r>
               <a:rPr lang="en-GB" dirty="0"/>
-              <a:t>Generating building shapes</a:t>
+              <a:t>Road network improvements</a:t>
             </a:r>
           </a:p>
         </p:txBody>
       </p:sp>
-      <p:sp>
-        <p:nvSpPr>
-          <p:cNvPr id="4" name="Content Placeholder 2">
+      <p:pic>
+        <p:nvPicPr>
+          <p:cNvPr id="5" name="Picture 4">
             <a:extLst>
               <a:ext uri="{FF2B5EF4-FFF2-40B4-BE49-F238E27FC236}">
-                <a16:creationId xmlns:a16="http://schemas.microsoft.com/office/drawing/2014/main" id="{C44F06C3-D088-4921-80FA-6A04C96C2CC4}"/>
+                <a16:creationId xmlns:a16="http://schemas.microsoft.com/office/drawing/2014/main" id="{A9003B43-C777-490B-B820-E2E685FBDA79}"/>
               </a:ext>
             </a:extLst>
           </p:cNvPr>
-          <p:cNvSpPr txBox="1">
-            <a:spLocks/>
-          </p:cNvSpPr>
+          <p:cNvPicPr>
+            <a:picLocks noChangeAspect="1"/>
+          </p:cNvPicPr>
           <p:nvPr/>
-        </p:nvSpPr>
+        </p:nvPicPr>
+        <p:blipFill rotWithShape="1">
+          <a:blip r:embed="rId2">
+            <a:extLst>
+              <a:ext uri="{28A0092B-C50C-407E-A947-70E740481C1C}">
+                <a14:useLocalDpi xmlns:a14="http://schemas.microsoft.com/office/drawing/2010/main" val="0"/>
+              </a:ext>
+            </a:extLst>
+          </a:blip>
+          <a:srcRect t="5727"/>
+          <a:stretch/>
+        </p:blipFill>
         <p:spPr>
           <a:xfrm>
-            <a:off x="879231" y="5324475"/>
-            <a:ext cx="11025776" cy="1409700"/>
+            <a:off x="1261075" y="1274885"/>
+            <a:ext cx="5131044" cy="5119526"/>
           </a:xfrm>
           <a:prstGeom prst="rect">
             <a:avLst/>
           </a:prstGeom>
-          <a:ln>
-            <a:solidFill>
-              <a:schemeClr val="tx1"/>
-            </a:solidFill>
-          </a:ln>
         </p:spPr>
-        <p:txBody>
-          <a:bodyPr vert="horz" lIns="91440" tIns="45720" rIns="91440" bIns="45720" rtlCol="0">
-            <a:noAutofit/>
-          </a:bodyPr>
-          <a:lstStyle>
-            <a:lvl1pPr marL="384048" indent="-384048" algn="l" defTabSz="914400" rtl="0" eaLnBrk="1" latinLnBrk="0" hangingPunct="1">
-              <a:lnSpc>
-                <a:spcPct val="94000"/>
-              </a:lnSpc>
-              <a:spcBef>
-                <a:spcPts val="1000"/>
-              </a:spcBef>
-              <a:spcAft>
-                <a:spcPts val="200"/>
-              </a:spcAft>
-              <a:buFont typeface="Franklin Gothic Book" panose="020B0503020102020204" pitchFamily="34" charset="0"/>
-              <a:buChar char="■"/>
-              <a:defRPr sz="2000" kern="1200" baseline="0">
-                <a:solidFill>
-                  <a:schemeClr val="tx2"/>
-                </a:solidFill>
-                <a:latin typeface="+mn-lt"/>
-                <a:ea typeface="+mn-ea"/>
-                <a:cs typeface="+mn-cs"/>
-              </a:defRPr>
-            </a:lvl1pPr>
-            <a:lvl2pPr marL="914400" indent="-384048" algn="l" defTabSz="914400" rtl="0" eaLnBrk="1" latinLnBrk="0" hangingPunct="1">
-              <a:lnSpc>
-                <a:spcPct val="94000"/>
-              </a:lnSpc>
-              <a:spcBef>
-                <a:spcPts val="500"/>
-              </a:spcBef>
-              <a:spcAft>
-                <a:spcPts val="200"/>
-              </a:spcAft>
-              <a:buFont typeface="Franklin Gothic Book" panose="020B0503020102020204" pitchFamily="34" charset="0"/>
-              <a:buChar char="–"/>
-              <a:defRPr sz="2000" i="1" kern="1200" baseline="0">
-                <a:solidFill>
-                  <a:schemeClr val="tx2"/>
-                </a:solidFill>
-                <a:latin typeface="+mn-lt"/>
-                <a:ea typeface="+mn-ea"/>
-                <a:cs typeface="+mn-cs"/>
-              </a:defRPr>
-            </a:lvl2pPr>
-            <a:lvl3pPr marL="1371600" indent="-384048" algn="l" defTabSz="914400" rtl="0" eaLnBrk="1" latinLnBrk="0" hangingPunct="1">
-              <a:lnSpc>
-                <a:spcPct val="94000"/>
-              </a:lnSpc>
-              <a:spcBef>
-                <a:spcPts val="500"/>
-              </a:spcBef>
-              <a:spcAft>
-                <a:spcPts val="200"/>
-              </a:spcAft>
-              <a:buFont typeface="Franklin Gothic Book" panose="020B0503020102020204" pitchFamily="34" charset="0"/>
-              <a:buChar char="■"/>
-              <a:defRPr sz="1800" kern="1200" baseline="0">
-                <a:solidFill>
-                  <a:schemeClr val="tx2"/>
-                </a:solidFill>
-                <a:latin typeface="+mn-lt"/>
-                <a:ea typeface="+mn-ea"/>
-                <a:cs typeface="+mn-cs"/>
-              </a:defRPr>
-            </a:lvl3pPr>
-            <a:lvl4pPr marL="1828800" indent="-384048" algn="l" defTabSz="914400" rtl="0" eaLnBrk="1" latinLnBrk="0" hangingPunct="1">
-              <a:lnSpc>
-                <a:spcPct val="94000"/>
-              </a:lnSpc>
-              <a:spcBef>
-                <a:spcPts val="500"/>
-              </a:spcBef>
-              <a:spcAft>
-                <a:spcPts val="200"/>
-              </a:spcAft>
-              <a:buFont typeface="Franklin Gothic Book" panose="020B0503020102020204" pitchFamily="34" charset="0"/>
-              <a:buChar char="–"/>
-              <a:defRPr sz="1800" i="1" kern="1200" baseline="0">
-                <a:solidFill>
-                  <a:schemeClr val="tx2"/>
-                </a:solidFill>
-                <a:latin typeface="+mn-lt"/>
-                <a:ea typeface="+mn-ea"/>
-                <a:cs typeface="+mn-cs"/>
-              </a:defRPr>
-            </a:lvl4pPr>
-            <a:lvl5pPr marL="2286000" indent="-384048" algn="l" defTabSz="914400" rtl="0" eaLnBrk="1" latinLnBrk="0" hangingPunct="1">
-              <a:lnSpc>
-                <a:spcPct val="94000"/>
-              </a:lnSpc>
-              <a:spcBef>
-                <a:spcPts val="500"/>
-              </a:spcBef>
-              <a:spcAft>
-                <a:spcPts val="200"/>
-              </a:spcAft>
-              <a:buFont typeface="Franklin Gothic Book" panose="020B0503020102020204" pitchFamily="34" charset="0"/>
-              <a:buChar char="■"/>
-              <a:defRPr sz="1600" kern="1200" baseline="0">
-                <a:solidFill>
-                  <a:schemeClr val="tx2"/>
-                </a:solidFill>
-                <a:latin typeface="+mn-lt"/>
-                <a:ea typeface="+mn-ea"/>
-                <a:cs typeface="+mn-cs"/>
-              </a:defRPr>
-            </a:lvl5pPr>
-            <a:lvl6pPr marL="2743200" indent="-384048" algn="l" defTabSz="914400" rtl="0" eaLnBrk="1" latinLnBrk="0" hangingPunct="1">
-              <a:lnSpc>
-                <a:spcPct val="94000"/>
-              </a:lnSpc>
-              <a:spcBef>
-                <a:spcPts val="500"/>
-              </a:spcBef>
-              <a:spcAft>
-                <a:spcPts val="200"/>
-              </a:spcAft>
-              <a:buFont typeface="Franklin Gothic Book" panose="020B0503020102020204" pitchFamily="34" charset="0"/>
-              <a:buChar char="–"/>
-              <a:defRPr sz="1600" i="1" kern="1200" baseline="0">
-                <a:solidFill>
-                  <a:schemeClr val="tx2"/>
-                </a:solidFill>
-                <a:latin typeface="+mn-lt"/>
-                <a:ea typeface="+mn-ea"/>
-                <a:cs typeface="+mn-cs"/>
-              </a:defRPr>
-            </a:lvl6pPr>
-            <a:lvl7pPr marL="3200400" indent="-384048" algn="l" defTabSz="914400" rtl="0" eaLnBrk="1" latinLnBrk="0" hangingPunct="1">
-              <a:lnSpc>
-                <a:spcPct val="94000"/>
-              </a:lnSpc>
-              <a:spcBef>
-                <a:spcPts val="500"/>
-              </a:spcBef>
-              <a:spcAft>
-                <a:spcPts val="200"/>
-              </a:spcAft>
-              <a:buFont typeface="Franklin Gothic Book" panose="020B0503020102020204" pitchFamily="34" charset="0"/>
-              <a:buChar char="■"/>
-              <a:defRPr sz="1400" kern="1200" baseline="0">
-                <a:solidFill>
-                  <a:schemeClr val="tx2"/>
-                </a:solidFill>
-                <a:latin typeface="+mn-lt"/>
-                <a:ea typeface="+mn-ea"/>
-                <a:cs typeface="+mn-cs"/>
-              </a:defRPr>
-            </a:lvl7pPr>
-            <a:lvl8pPr marL="3657600" indent="-384048" algn="l" defTabSz="914400" rtl="0" eaLnBrk="1" latinLnBrk="0" hangingPunct="1">
-              <a:lnSpc>
-                <a:spcPct val="94000"/>
-              </a:lnSpc>
-              <a:spcBef>
-                <a:spcPts val="500"/>
-              </a:spcBef>
-              <a:spcAft>
-                <a:spcPts val="200"/>
-              </a:spcAft>
-              <a:buFont typeface="Franklin Gothic Book" panose="020B0503020102020204" pitchFamily="34" charset="0"/>
-              <a:buChar char="–"/>
-              <a:defRPr sz="1400" i="1" kern="1200" baseline="0">
-                <a:solidFill>
-                  <a:schemeClr val="tx2"/>
-                </a:solidFill>
-                <a:latin typeface="+mn-lt"/>
-                <a:ea typeface="+mn-ea"/>
-                <a:cs typeface="+mn-cs"/>
-              </a:defRPr>
-            </a:lvl8pPr>
-            <a:lvl9pPr marL="4114800" indent="-384048" algn="l" defTabSz="914400" rtl="0" eaLnBrk="1" latinLnBrk="0" hangingPunct="1">
-              <a:lnSpc>
-                <a:spcPct val="94000"/>
-              </a:lnSpc>
-              <a:spcBef>
-                <a:spcPts val="500"/>
-              </a:spcBef>
-              <a:spcAft>
-                <a:spcPts val="200"/>
-              </a:spcAft>
-              <a:buFont typeface="Franklin Gothic Book" panose="020B0503020102020204" pitchFamily="34" charset="0"/>
-              <a:buChar char="■"/>
-              <a:defRPr sz="1400" kern="1200" baseline="0">
-                <a:solidFill>
-                  <a:schemeClr val="tx2"/>
-                </a:solidFill>
-                <a:latin typeface="+mn-lt"/>
-                <a:ea typeface="+mn-ea"/>
-                <a:cs typeface="+mn-cs"/>
-              </a:defRPr>
-            </a:lvl9pPr>
-          </a:lstStyle>
-          <a:p>
-            <a:pPr marL="0" indent="0" fontAlgn="base">
-              <a:buNone/>
-            </a:pPr>
-            <a:r>
-              <a:rPr lang="en-GB" sz="1000" dirty="0" err="1"/>
-              <a:t>Greuter</a:t>
-            </a:r>
-            <a:r>
-              <a:rPr lang="en-GB" sz="1000" dirty="0"/>
-              <a:t>, S. Parker, J. Stewart, N. Leach, G. (2003). “Real-time procedural generation of ‘pseudo infinite’ cities”. In *Proceedings of the 1st international conference on Computer graphics and interactive techniques in </a:t>
-            </a:r>
-            <a:r>
-              <a:rPr lang="en-GB" sz="1000" dirty="0" err="1"/>
-              <a:t>Astralasia</a:t>
-            </a:r>
-            <a:r>
-              <a:rPr lang="en-GB" sz="1000" dirty="0"/>
-              <a:t> and South East Asia* (GRAPHITE ’03) </a:t>
-            </a:r>
-            <a:r>
-              <a:rPr lang="en-GB" sz="1000" dirty="0" err="1"/>
-              <a:t>Acm</a:t>
-            </a:r>
-            <a:r>
-              <a:rPr lang="en-GB" sz="1000" dirty="0"/>
-              <a:t>, New York, </a:t>
-            </a:r>
-            <a:r>
-              <a:rPr lang="en-GB" sz="1000" dirty="0" err="1"/>
-              <a:t>Ny</a:t>
-            </a:r>
-            <a:r>
-              <a:rPr lang="en-GB" sz="1000" dirty="0"/>
-              <a:t>, USA, 87 – ff.</a:t>
-            </a:r>
-          </a:p>
-          <a:p>
-            <a:pPr marL="0" indent="0" fontAlgn="base">
-              <a:buNone/>
-            </a:pPr>
-            <a:r>
-              <a:rPr lang="en-GB" sz="1000" dirty="0"/>
-              <a:t>Muller, P and Parish, Y, I, H. (2001). “Procedural </a:t>
-            </a:r>
-            <a:r>
-              <a:rPr lang="en-GB" sz="1000" dirty="0" err="1"/>
-              <a:t>modeling</a:t>
-            </a:r>
-            <a:r>
-              <a:rPr lang="en-GB" sz="1000" dirty="0"/>
-              <a:t> of cities”. In Proceedings of the 28th annual conference on Computer graphics and interactive techniques (SIGGRAPH ’01). </a:t>
-            </a:r>
-            <a:r>
-              <a:rPr lang="en-GB" sz="1000" dirty="0" err="1"/>
-              <a:t>Acm</a:t>
-            </a:r>
-            <a:r>
-              <a:rPr lang="en-GB" sz="1000" dirty="0"/>
-              <a:t>, New York, NY, USA. 301 – 308.</a:t>
-            </a:r>
-          </a:p>
-          <a:p>
-            <a:pPr marL="0" indent="0" fontAlgn="base">
-              <a:buNone/>
-            </a:pPr>
-            <a:r>
-              <a:rPr lang="en-GB" sz="1000" dirty="0"/>
-              <a:t>Muller, P. Wonka, P. </a:t>
-            </a:r>
-            <a:r>
-              <a:rPr lang="en-GB" sz="1000" dirty="0" err="1"/>
-              <a:t>Haegler</a:t>
-            </a:r>
-            <a:r>
-              <a:rPr lang="en-GB" sz="1000" dirty="0"/>
-              <a:t>, S. Ulmer, A. Goo, L, V. (2006). “Procedural </a:t>
-            </a:r>
-            <a:r>
-              <a:rPr lang="en-GB" sz="1000" dirty="0" err="1"/>
-              <a:t>modeling</a:t>
-            </a:r>
-            <a:r>
-              <a:rPr lang="en-GB" sz="1000" dirty="0"/>
-              <a:t> of buildings” In Proceedings of SIGGRAPH 06′ ACM SIGGRAPH 2006. </a:t>
-            </a:r>
-            <a:r>
-              <a:rPr lang="en-GB" sz="1000" dirty="0" err="1"/>
-              <a:t>Acm</a:t>
-            </a:r>
-            <a:r>
-              <a:rPr lang="en-GB" sz="1000" dirty="0"/>
-              <a:t>, New York, NY, USA. 614 – 623.</a:t>
-            </a:r>
-          </a:p>
-          <a:p>
-            <a:pPr marL="0" indent="0" fontAlgn="base">
-              <a:buNone/>
-            </a:pPr>
-            <a:r>
-              <a:rPr lang="en-GB" sz="1000" dirty="0" err="1"/>
-              <a:t>Smelik</a:t>
-            </a:r>
-            <a:r>
-              <a:rPr lang="en-GB" sz="1000" dirty="0"/>
-              <a:t>, R., </a:t>
-            </a:r>
-            <a:r>
-              <a:rPr lang="en-GB" sz="1000" dirty="0" err="1"/>
-              <a:t>Tutenel</a:t>
-            </a:r>
-            <a:r>
-              <a:rPr lang="en-GB" sz="1000" dirty="0"/>
-              <a:t>, T., </a:t>
-            </a:r>
-            <a:r>
-              <a:rPr lang="en-GB" sz="1000" dirty="0" err="1"/>
-              <a:t>Bidarra</a:t>
-            </a:r>
-            <a:r>
-              <a:rPr lang="en-GB" sz="1000" dirty="0"/>
-              <a:t>, R. and Benes, B. (2014). A survey on Procedural Modelling for Virtual Worlds. *Computer Graphics Forum*, 33(6), pp.31-50.</a:t>
-            </a:r>
-          </a:p>
-        </p:txBody>
-      </p:sp>
-      <p:sp>
-        <p:nvSpPr>
-          <p:cNvPr id="7" name="Content Placeholder 2">
+      </p:pic>
+      <p:pic>
+        <p:nvPicPr>
+          <p:cNvPr id="8" name="Picture 7">
             <a:extLst>
               <a:ext uri="{FF2B5EF4-FFF2-40B4-BE49-F238E27FC236}">
-                <a16:creationId xmlns:a16="http://schemas.microsoft.com/office/drawing/2014/main" id="{96EA448B-7232-4FD9-8DF6-3D8BAFC8EFAE}"/>
-              </a:ext>
-            </a:extLst>
-          </p:cNvPr>
-          <p:cNvSpPr txBox="1">
-            <a:spLocks/>
-          </p:cNvSpPr>
-          <p:nvPr/>
-        </p:nvSpPr>
-        <p:spPr>
-          <a:xfrm>
-            <a:off x="879231" y="1274884"/>
-            <a:ext cx="5873994" cy="3944815"/>
-          </a:xfrm>
-          <a:prstGeom prst="rect">
-            <a:avLst/>
-          </a:prstGeom>
-          <a:ln>
-            <a:solidFill>
-              <a:schemeClr val="tx1"/>
-            </a:solidFill>
-          </a:ln>
-        </p:spPr>
-        <p:txBody>
-          <a:bodyPr vert="horz" lIns="91440" tIns="45720" rIns="91440" bIns="45720" rtlCol="0">
-            <a:normAutofit/>
-          </a:bodyPr>
-          <a:lstStyle>
-            <a:lvl1pPr marL="384048" indent="-384048" algn="l" defTabSz="914400" rtl="0" eaLnBrk="1" latinLnBrk="0" hangingPunct="1">
-              <a:lnSpc>
-                <a:spcPct val="94000"/>
-              </a:lnSpc>
-              <a:spcBef>
-                <a:spcPts val="1000"/>
-              </a:spcBef>
-              <a:spcAft>
-                <a:spcPts val="200"/>
-              </a:spcAft>
-              <a:buFont typeface="Franklin Gothic Book" panose="020B0503020102020204" pitchFamily="34" charset="0"/>
-              <a:buChar char="■"/>
-              <a:defRPr sz="2000" kern="1200" baseline="0">
-                <a:solidFill>
-                  <a:schemeClr val="tx2"/>
-                </a:solidFill>
-                <a:latin typeface="+mn-lt"/>
-                <a:ea typeface="+mn-ea"/>
-                <a:cs typeface="+mn-cs"/>
-              </a:defRPr>
-            </a:lvl1pPr>
-            <a:lvl2pPr marL="914400" indent="-384048" algn="l" defTabSz="914400" rtl="0" eaLnBrk="1" latinLnBrk="0" hangingPunct="1">
-              <a:lnSpc>
-                <a:spcPct val="94000"/>
-              </a:lnSpc>
-              <a:spcBef>
-                <a:spcPts val="500"/>
-              </a:spcBef>
-              <a:spcAft>
-                <a:spcPts val="200"/>
-              </a:spcAft>
-              <a:buFont typeface="Franklin Gothic Book" panose="020B0503020102020204" pitchFamily="34" charset="0"/>
-              <a:buChar char="–"/>
-              <a:defRPr sz="2000" i="1" kern="1200" baseline="0">
-                <a:solidFill>
-                  <a:schemeClr val="tx2"/>
-                </a:solidFill>
-                <a:latin typeface="+mn-lt"/>
-                <a:ea typeface="+mn-ea"/>
-                <a:cs typeface="+mn-cs"/>
-              </a:defRPr>
-            </a:lvl2pPr>
-            <a:lvl3pPr marL="1371600" indent="-384048" algn="l" defTabSz="914400" rtl="0" eaLnBrk="1" latinLnBrk="0" hangingPunct="1">
-              <a:lnSpc>
-                <a:spcPct val="94000"/>
-              </a:lnSpc>
-              <a:spcBef>
-                <a:spcPts val="500"/>
-              </a:spcBef>
-              <a:spcAft>
-                <a:spcPts val="200"/>
-              </a:spcAft>
-              <a:buFont typeface="Franklin Gothic Book" panose="020B0503020102020204" pitchFamily="34" charset="0"/>
-              <a:buChar char="■"/>
-              <a:defRPr sz="1800" kern="1200" baseline="0">
-                <a:solidFill>
-                  <a:schemeClr val="tx2"/>
-                </a:solidFill>
-                <a:latin typeface="+mn-lt"/>
-                <a:ea typeface="+mn-ea"/>
-                <a:cs typeface="+mn-cs"/>
-              </a:defRPr>
-            </a:lvl3pPr>
-            <a:lvl4pPr marL="1828800" indent="-384048" algn="l" defTabSz="914400" rtl="0" eaLnBrk="1" latinLnBrk="0" hangingPunct="1">
-              <a:lnSpc>
-                <a:spcPct val="94000"/>
-              </a:lnSpc>
-              <a:spcBef>
-                <a:spcPts val="500"/>
-              </a:spcBef>
-              <a:spcAft>
-                <a:spcPts val="200"/>
-              </a:spcAft>
-              <a:buFont typeface="Franklin Gothic Book" panose="020B0503020102020204" pitchFamily="34" charset="0"/>
-              <a:buChar char="–"/>
-              <a:defRPr sz="1800" i="1" kern="1200" baseline="0">
-                <a:solidFill>
-                  <a:schemeClr val="tx2"/>
-                </a:solidFill>
-                <a:latin typeface="+mn-lt"/>
-                <a:ea typeface="+mn-ea"/>
-                <a:cs typeface="+mn-cs"/>
-              </a:defRPr>
-            </a:lvl4pPr>
-            <a:lvl5pPr marL="2286000" indent="-384048" algn="l" defTabSz="914400" rtl="0" eaLnBrk="1" latinLnBrk="0" hangingPunct="1">
-              <a:lnSpc>
-                <a:spcPct val="94000"/>
-              </a:lnSpc>
-              <a:spcBef>
-                <a:spcPts val="500"/>
-              </a:spcBef>
-              <a:spcAft>
-                <a:spcPts val="200"/>
-              </a:spcAft>
-              <a:buFont typeface="Franklin Gothic Book" panose="020B0503020102020204" pitchFamily="34" charset="0"/>
-              <a:buChar char="■"/>
-              <a:defRPr sz="1600" kern="1200" baseline="0">
-                <a:solidFill>
-                  <a:schemeClr val="tx2"/>
-                </a:solidFill>
-                <a:latin typeface="+mn-lt"/>
-                <a:ea typeface="+mn-ea"/>
-                <a:cs typeface="+mn-cs"/>
-              </a:defRPr>
-            </a:lvl5pPr>
-            <a:lvl6pPr marL="2743200" indent="-384048" algn="l" defTabSz="914400" rtl="0" eaLnBrk="1" latinLnBrk="0" hangingPunct="1">
-              <a:lnSpc>
-                <a:spcPct val="94000"/>
-              </a:lnSpc>
-              <a:spcBef>
-                <a:spcPts val="500"/>
-              </a:spcBef>
-              <a:spcAft>
-                <a:spcPts val="200"/>
-              </a:spcAft>
-              <a:buFont typeface="Franklin Gothic Book" panose="020B0503020102020204" pitchFamily="34" charset="0"/>
-              <a:buChar char="–"/>
-              <a:defRPr sz="1600" i="1" kern="1200" baseline="0">
-                <a:solidFill>
-                  <a:schemeClr val="tx2"/>
-                </a:solidFill>
-                <a:latin typeface="+mn-lt"/>
-                <a:ea typeface="+mn-ea"/>
-                <a:cs typeface="+mn-cs"/>
-              </a:defRPr>
-            </a:lvl6pPr>
-            <a:lvl7pPr marL="3200400" indent="-384048" algn="l" defTabSz="914400" rtl="0" eaLnBrk="1" latinLnBrk="0" hangingPunct="1">
-              <a:lnSpc>
-                <a:spcPct val="94000"/>
-              </a:lnSpc>
-              <a:spcBef>
-                <a:spcPts val="500"/>
-              </a:spcBef>
-              <a:spcAft>
-                <a:spcPts val="200"/>
-              </a:spcAft>
-              <a:buFont typeface="Franklin Gothic Book" panose="020B0503020102020204" pitchFamily="34" charset="0"/>
-              <a:buChar char="■"/>
-              <a:defRPr sz="1400" kern="1200" baseline="0">
-                <a:solidFill>
-                  <a:schemeClr val="tx2"/>
-                </a:solidFill>
-                <a:latin typeface="+mn-lt"/>
-                <a:ea typeface="+mn-ea"/>
-                <a:cs typeface="+mn-cs"/>
-              </a:defRPr>
-            </a:lvl7pPr>
-            <a:lvl8pPr marL="3657600" indent="-384048" algn="l" defTabSz="914400" rtl="0" eaLnBrk="1" latinLnBrk="0" hangingPunct="1">
-              <a:lnSpc>
-                <a:spcPct val="94000"/>
-              </a:lnSpc>
-              <a:spcBef>
-                <a:spcPts val="500"/>
-              </a:spcBef>
-              <a:spcAft>
-                <a:spcPts val="200"/>
-              </a:spcAft>
-              <a:buFont typeface="Franklin Gothic Book" panose="020B0503020102020204" pitchFamily="34" charset="0"/>
-              <a:buChar char="–"/>
-              <a:defRPr sz="1400" i="1" kern="1200" baseline="0">
-                <a:solidFill>
-                  <a:schemeClr val="tx2"/>
-                </a:solidFill>
-                <a:latin typeface="+mn-lt"/>
-                <a:ea typeface="+mn-ea"/>
-                <a:cs typeface="+mn-cs"/>
-              </a:defRPr>
-            </a:lvl8pPr>
-            <a:lvl9pPr marL="4114800" indent="-384048" algn="l" defTabSz="914400" rtl="0" eaLnBrk="1" latinLnBrk="0" hangingPunct="1">
-              <a:lnSpc>
-                <a:spcPct val="94000"/>
-              </a:lnSpc>
-              <a:spcBef>
-                <a:spcPts val="500"/>
-              </a:spcBef>
-              <a:spcAft>
-                <a:spcPts val="200"/>
-              </a:spcAft>
-              <a:buFont typeface="Franklin Gothic Book" panose="020B0503020102020204" pitchFamily="34" charset="0"/>
-              <a:buChar char="■"/>
-              <a:defRPr sz="1400" kern="1200" baseline="0">
-                <a:solidFill>
-                  <a:schemeClr val="tx2"/>
-                </a:solidFill>
-                <a:latin typeface="+mn-lt"/>
-                <a:ea typeface="+mn-ea"/>
-                <a:cs typeface="+mn-cs"/>
-              </a:defRPr>
-            </a:lvl9pPr>
-          </a:lstStyle>
-          <a:p>
-            <a:r>
-              <a:rPr lang="en-GB" dirty="0"/>
-              <a:t>“Floor plans are two-dimensional polygons. Each floor plan consists of randomly selected and merged regular polygons and rectangles.” (</a:t>
-            </a:r>
-            <a:r>
-              <a:rPr lang="en-GB" dirty="0" err="1"/>
-              <a:t>Greuter</a:t>
-            </a:r>
-            <a:r>
-              <a:rPr lang="en-GB" dirty="0"/>
-              <a:t> S. et al., 2003).</a:t>
-            </a:r>
-          </a:p>
-          <a:p>
-            <a:endParaRPr lang="en-GB" dirty="0"/>
-          </a:p>
-          <a:p>
-            <a:r>
-              <a:rPr lang="en-GB" dirty="0"/>
-              <a:t>“Combining several primitive shapes into a floor plan and extruding these to different heights” (</a:t>
-            </a:r>
-            <a:r>
-              <a:rPr lang="en-GB" dirty="0" err="1"/>
-              <a:t>Smelik</a:t>
-            </a:r>
-            <a:r>
-              <a:rPr lang="en-GB" dirty="0"/>
-              <a:t> R, </a:t>
-            </a:r>
-            <a:r>
-              <a:rPr lang="en-GB" dirty="0" err="1"/>
-              <a:t>Tutenel</a:t>
-            </a:r>
-            <a:r>
-              <a:rPr lang="en-GB" dirty="0"/>
-              <a:t> T, </a:t>
-            </a:r>
-            <a:r>
-              <a:rPr lang="en-GB" dirty="0" err="1"/>
-              <a:t>Bidarra</a:t>
-            </a:r>
-            <a:r>
-              <a:rPr lang="en-GB" dirty="0"/>
-              <a:t> R, Benes B, 2014).</a:t>
-            </a:r>
-          </a:p>
-        </p:txBody>
-      </p:sp>
-      <p:pic>
-        <p:nvPicPr>
-          <p:cNvPr id="9" name="Picture 8">
-            <a:extLst>
-              <a:ext uri="{FF2B5EF4-FFF2-40B4-BE49-F238E27FC236}">
-                <a16:creationId xmlns:a16="http://schemas.microsoft.com/office/drawing/2014/main" id="{6F867BA4-82BF-46F4-B15A-0865D25399C0}"/>
+                <a16:creationId xmlns:a16="http://schemas.microsoft.com/office/drawing/2014/main" id="{E0ABA528-18B5-4305-856F-B6FD816A214A}"/>
               </a:ext>
             </a:extLst>
           </p:cNvPr>
@@ -12240,13 +11298,49 @@
               </a:ext>
             </a:extLst>
           </a:blip>
-          <a:srcRect l="8771" t="18050" r="26895" b="25567"/>
+          <a:srcRect t="6589" r="52724" b="61949"/>
           <a:stretch/>
         </p:blipFill>
         <p:spPr>
           <a:xfrm>
-            <a:off x="7343153" y="1402745"/>
-            <a:ext cx="3971925" cy="3689094"/>
+            <a:off x="7229475" y="1274885"/>
+            <a:ext cx="3560026" cy="2507458"/>
+          </a:xfrm>
+          <a:prstGeom prst="rect">
+            <a:avLst/>
+          </a:prstGeom>
+        </p:spPr>
+      </p:pic>
+      <p:pic>
+        <p:nvPicPr>
+          <p:cNvPr id="11" name="Picture 10">
+            <a:extLst>
+              <a:ext uri="{FF2B5EF4-FFF2-40B4-BE49-F238E27FC236}">
+                <a16:creationId xmlns:a16="http://schemas.microsoft.com/office/drawing/2014/main" id="{7E4EBD22-A64E-47B8-9069-5AB4D0B8357F}"/>
+              </a:ext>
+            </a:extLst>
+          </p:cNvPr>
+          <p:cNvPicPr>
+            <a:picLocks noChangeAspect="1"/>
+          </p:cNvPicPr>
+          <p:nvPr/>
+        </p:nvPicPr>
+        <p:blipFill>
+          <a:blip r:embed="rId4">
+            <a:extLst>
+              <a:ext uri="{28A0092B-C50C-407E-A947-70E740481C1C}">
+                <a14:useLocalDpi xmlns:a14="http://schemas.microsoft.com/office/drawing/2010/main" val="0"/>
+              </a:ext>
+            </a:extLst>
+          </a:blip>
+          <a:stretch>
+            <a:fillRect/>
+          </a:stretch>
+        </p:blipFill>
+        <p:spPr>
+          <a:xfrm>
+            <a:off x="7229475" y="4287768"/>
+            <a:ext cx="3560026" cy="2021056"/>
           </a:xfrm>
           <a:prstGeom prst="rect">
             <a:avLst/>
@@ -12256,7 +11350,7 @@
     </p:spTree>
     <p:extLst>
       <p:ext uri="{BB962C8B-B14F-4D97-AF65-F5344CB8AC3E}">
-        <p14:creationId xmlns:p14="http://schemas.microsoft.com/office/powerpoint/2010/main" val="428707242"/>
+        <p14:creationId xmlns:p14="http://schemas.microsoft.com/office/powerpoint/2010/main" val="3449931944"/>
       </p:ext>
     </p:extLst>
   </p:cSld>
@@ -12313,6 +11407,1817 @@
           <a:p>
             <a:r>
               <a:rPr lang="en-GB" dirty="0"/>
+              <a:t>Road network improvements</a:t>
+            </a:r>
+          </a:p>
+        </p:txBody>
+      </p:sp>
+      <p:pic>
+        <p:nvPicPr>
+          <p:cNvPr id="4" name="Picture 3">
+            <a:extLst>
+              <a:ext uri="{FF2B5EF4-FFF2-40B4-BE49-F238E27FC236}">
+                <a16:creationId xmlns:a16="http://schemas.microsoft.com/office/drawing/2014/main" id="{132354E3-93DE-40E2-8E67-AF9C751829D3}"/>
+              </a:ext>
+            </a:extLst>
+          </p:cNvPr>
+          <p:cNvPicPr>
+            <a:picLocks noChangeAspect="1"/>
+          </p:cNvPicPr>
+          <p:nvPr/>
+        </p:nvPicPr>
+        <p:blipFill rotWithShape="1">
+          <a:blip r:embed="rId2">
+            <a:extLst>
+              <a:ext uri="{28A0092B-C50C-407E-A947-70E740481C1C}">
+                <a14:useLocalDpi xmlns:a14="http://schemas.microsoft.com/office/drawing/2010/main" val="0"/>
+              </a:ext>
+            </a:extLst>
+          </a:blip>
+          <a:srcRect l="5077" t="11964" r="6244" b="5901"/>
+          <a:stretch/>
+        </p:blipFill>
+        <p:spPr>
+          <a:xfrm>
+            <a:off x="3667969" y="1274885"/>
+            <a:ext cx="5448300" cy="5340768"/>
+          </a:xfrm>
+          <a:prstGeom prst="rect">
+            <a:avLst/>
+          </a:prstGeom>
+        </p:spPr>
+      </p:pic>
+    </p:spTree>
+    <p:extLst>
+      <p:ext uri="{BB962C8B-B14F-4D97-AF65-F5344CB8AC3E}">
+        <p14:creationId xmlns:p14="http://schemas.microsoft.com/office/powerpoint/2010/main" val="2485768160"/>
+      </p:ext>
+    </p:extLst>
+  </p:cSld>
+  <p:clrMapOvr>
+    <a:masterClrMapping/>
+  </p:clrMapOvr>
+</p:sld>
+</file>
+
+<file path=ppt/slides/slide23.xml><?xml version="1.0" encoding="utf-8"?>
+<p:sld xmlns:a="http://schemas.openxmlformats.org/drawingml/2006/main" xmlns:r="http://schemas.openxmlformats.org/officeDocument/2006/relationships" xmlns:p="http://schemas.openxmlformats.org/presentationml/2006/main">
+  <p:cSld>
+    <p:spTree>
+      <p:nvGrpSpPr>
+        <p:cNvPr id="1" name=""/>
+        <p:cNvGrpSpPr/>
+        <p:nvPr/>
+      </p:nvGrpSpPr>
+      <p:grpSpPr>
+        <a:xfrm>
+          <a:off x="0" y="0"/>
+          <a:ext cx="0" cy="0"/>
+          <a:chOff x="0" y="0"/>
+          <a:chExt cx="0" cy="0"/>
+        </a:xfrm>
+      </p:grpSpPr>
+      <p:sp>
+        <p:nvSpPr>
+          <p:cNvPr id="2" name="Title 1">
+            <a:extLst>
+              <a:ext uri="{FF2B5EF4-FFF2-40B4-BE49-F238E27FC236}">
+                <a16:creationId xmlns:a16="http://schemas.microsoft.com/office/drawing/2014/main" id="{750ADED0-C0EC-46CC-B4D1-770A80CB767A}"/>
+              </a:ext>
+            </a:extLst>
+          </p:cNvPr>
+          <p:cNvSpPr>
+            <a:spLocks noGrp="1"/>
+          </p:cNvSpPr>
+          <p:nvPr>
+            <p:ph type="title"/>
+          </p:nvPr>
+        </p:nvSpPr>
+        <p:spPr>
+          <a:xfrm>
+            <a:off x="879231" y="281354"/>
+            <a:ext cx="11025776" cy="993531"/>
+          </a:xfrm>
+        </p:spPr>
+        <p:txBody>
+          <a:bodyPr>
+            <a:normAutofit/>
+          </a:bodyPr>
+          <a:lstStyle/>
+          <a:p>
+            <a:r>
+              <a:rPr lang="en-GB" dirty="0"/>
+              <a:t>Building lot generation</a:t>
+            </a:r>
+          </a:p>
+        </p:txBody>
+      </p:sp>
+      <p:sp>
+        <p:nvSpPr>
+          <p:cNvPr id="4" name="Content Placeholder 2">
+            <a:extLst>
+              <a:ext uri="{FF2B5EF4-FFF2-40B4-BE49-F238E27FC236}">
+                <a16:creationId xmlns:a16="http://schemas.microsoft.com/office/drawing/2014/main" id="{C44F06C3-D088-4921-80FA-6A04C96C2CC4}"/>
+              </a:ext>
+            </a:extLst>
+          </p:cNvPr>
+          <p:cNvSpPr txBox="1">
+            <a:spLocks/>
+          </p:cNvSpPr>
+          <p:nvPr/>
+        </p:nvSpPr>
+        <p:spPr>
+          <a:xfrm>
+            <a:off x="879231" y="5762625"/>
+            <a:ext cx="11025776" cy="971550"/>
+          </a:xfrm>
+          <a:prstGeom prst="rect">
+            <a:avLst/>
+          </a:prstGeom>
+          <a:ln>
+            <a:solidFill>
+              <a:schemeClr val="tx1"/>
+            </a:solidFill>
+          </a:ln>
+        </p:spPr>
+        <p:txBody>
+          <a:bodyPr vert="horz" lIns="91440" tIns="45720" rIns="91440" bIns="45720" rtlCol="0">
+            <a:noAutofit/>
+          </a:bodyPr>
+          <a:lstStyle>
+            <a:lvl1pPr marL="384048" indent="-384048" algn="l" defTabSz="914400" rtl="0" eaLnBrk="1" latinLnBrk="0" hangingPunct="1">
+              <a:lnSpc>
+                <a:spcPct val="94000"/>
+              </a:lnSpc>
+              <a:spcBef>
+                <a:spcPts val="1000"/>
+              </a:spcBef>
+              <a:spcAft>
+                <a:spcPts val="200"/>
+              </a:spcAft>
+              <a:buFont typeface="Franklin Gothic Book" panose="020B0503020102020204" pitchFamily="34" charset="0"/>
+              <a:buChar char="■"/>
+              <a:defRPr sz="2000" kern="1200" baseline="0">
+                <a:solidFill>
+                  <a:schemeClr val="tx2"/>
+                </a:solidFill>
+                <a:latin typeface="+mn-lt"/>
+                <a:ea typeface="+mn-ea"/>
+                <a:cs typeface="+mn-cs"/>
+              </a:defRPr>
+            </a:lvl1pPr>
+            <a:lvl2pPr marL="914400" indent="-384048" algn="l" defTabSz="914400" rtl="0" eaLnBrk="1" latinLnBrk="0" hangingPunct="1">
+              <a:lnSpc>
+                <a:spcPct val="94000"/>
+              </a:lnSpc>
+              <a:spcBef>
+                <a:spcPts val="500"/>
+              </a:spcBef>
+              <a:spcAft>
+                <a:spcPts val="200"/>
+              </a:spcAft>
+              <a:buFont typeface="Franklin Gothic Book" panose="020B0503020102020204" pitchFamily="34" charset="0"/>
+              <a:buChar char="–"/>
+              <a:defRPr sz="2000" i="1" kern="1200" baseline="0">
+                <a:solidFill>
+                  <a:schemeClr val="tx2"/>
+                </a:solidFill>
+                <a:latin typeface="+mn-lt"/>
+                <a:ea typeface="+mn-ea"/>
+                <a:cs typeface="+mn-cs"/>
+              </a:defRPr>
+            </a:lvl2pPr>
+            <a:lvl3pPr marL="1371600" indent="-384048" algn="l" defTabSz="914400" rtl="0" eaLnBrk="1" latinLnBrk="0" hangingPunct="1">
+              <a:lnSpc>
+                <a:spcPct val="94000"/>
+              </a:lnSpc>
+              <a:spcBef>
+                <a:spcPts val="500"/>
+              </a:spcBef>
+              <a:spcAft>
+                <a:spcPts val="200"/>
+              </a:spcAft>
+              <a:buFont typeface="Franklin Gothic Book" panose="020B0503020102020204" pitchFamily="34" charset="0"/>
+              <a:buChar char="■"/>
+              <a:defRPr sz="1800" kern="1200" baseline="0">
+                <a:solidFill>
+                  <a:schemeClr val="tx2"/>
+                </a:solidFill>
+                <a:latin typeface="+mn-lt"/>
+                <a:ea typeface="+mn-ea"/>
+                <a:cs typeface="+mn-cs"/>
+              </a:defRPr>
+            </a:lvl3pPr>
+            <a:lvl4pPr marL="1828800" indent="-384048" algn="l" defTabSz="914400" rtl="0" eaLnBrk="1" latinLnBrk="0" hangingPunct="1">
+              <a:lnSpc>
+                <a:spcPct val="94000"/>
+              </a:lnSpc>
+              <a:spcBef>
+                <a:spcPts val="500"/>
+              </a:spcBef>
+              <a:spcAft>
+                <a:spcPts val="200"/>
+              </a:spcAft>
+              <a:buFont typeface="Franklin Gothic Book" panose="020B0503020102020204" pitchFamily="34" charset="0"/>
+              <a:buChar char="–"/>
+              <a:defRPr sz="1800" i="1" kern="1200" baseline="0">
+                <a:solidFill>
+                  <a:schemeClr val="tx2"/>
+                </a:solidFill>
+                <a:latin typeface="+mn-lt"/>
+                <a:ea typeface="+mn-ea"/>
+                <a:cs typeface="+mn-cs"/>
+              </a:defRPr>
+            </a:lvl4pPr>
+            <a:lvl5pPr marL="2286000" indent="-384048" algn="l" defTabSz="914400" rtl="0" eaLnBrk="1" latinLnBrk="0" hangingPunct="1">
+              <a:lnSpc>
+                <a:spcPct val="94000"/>
+              </a:lnSpc>
+              <a:spcBef>
+                <a:spcPts val="500"/>
+              </a:spcBef>
+              <a:spcAft>
+                <a:spcPts val="200"/>
+              </a:spcAft>
+              <a:buFont typeface="Franklin Gothic Book" panose="020B0503020102020204" pitchFamily="34" charset="0"/>
+              <a:buChar char="■"/>
+              <a:defRPr sz="1600" kern="1200" baseline="0">
+                <a:solidFill>
+                  <a:schemeClr val="tx2"/>
+                </a:solidFill>
+                <a:latin typeface="+mn-lt"/>
+                <a:ea typeface="+mn-ea"/>
+                <a:cs typeface="+mn-cs"/>
+              </a:defRPr>
+            </a:lvl5pPr>
+            <a:lvl6pPr marL="2743200" indent="-384048" algn="l" defTabSz="914400" rtl="0" eaLnBrk="1" latinLnBrk="0" hangingPunct="1">
+              <a:lnSpc>
+                <a:spcPct val="94000"/>
+              </a:lnSpc>
+              <a:spcBef>
+                <a:spcPts val="500"/>
+              </a:spcBef>
+              <a:spcAft>
+                <a:spcPts val="200"/>
+              </a:spcAft>
+              <a:buFont typeface="Franklin Gothic Book" panose="020B0503020102020204" pitchFamily="34" charset="0"/>
+              <a:buChar char="–"/>
+              <a:defRPr sz="1600" i="1" kern="1200" baseline="0">
+                <a:solidFill>
+                  <a:schemeClr val="tx2"/>
+                </a:solidFill>
+                <a:latin typeface="+mn-lt"/>
+                <a:ea typeface="+mn-ea"/>
+                <a:cs typeface="+mn-cs"/>
+              </a:defRPr>
+            </a:lvl6pPr>
+            <a:lvl7pPr marL="3200400" indent="-384048" algn="l" defTabSz="914400" rtl="0" eaLnBrk="1" latinLnBrk="0" hangingPunct="1">
+              <a:lnSpc>
+                <a:spcPct val="94000"/>
+              </a:lnSpc>
+              <a:spcBef>
+                <a:spcPts val="500"/>
+              </a:spcBef>
+              <a:spcAft>
+                <a:spcPts val="200"/>
+              </a:spcAft>
+              <a:buFont typeface="Franklin Gothic Book" panose="020B0503020102020204" pitchFamily="34" charset="0"/>
+              <a:buChar char="■"/>
+              <a:defRPr sz="1400" kern="1200" baseline="0">
+                <a:solidFill>
+                  <a:schemeClr val="tx2"/>
+                </a:solidFill>
+                <a:latin typeface="+mn-lt"/>
+                <a:ea typeface="+mn-ea"/>
+                <a:cs typeface="+mn-cs"/>
+              </a:defRPr>
+            </a:lvl7pPr>
+            <a:lvl8pPr marL="3657600" indent="-384048" algn="l" defTabSz="914400" rtl="0" eaLnBrk="1" latinLnBrk="0" hangingPunct="1">
+              <a:lnSpc>
+                <a:spcPct val="94000"/>
+              </a:lnSpc>
+              <a:spcBef>
+                <a:spcPts val="500"/>
+              </a:spcBef>
+              <a:spcAft>
+                <a:spcPts val="200"/>
+              </a:spcAft>
+              <a:buFont typeface="Franklin Gothic Book" panose="020B0503020102020204" pitchFamily="34" charset="0"/>
+              <a:buChar char="–"/>
+              <a:defRPr sz="1400" i="1" kern="1200" baseline="0">
+                <a:solidFill>
+                  <a:schemeClr val="tx2"/>
+                </a:solidFill>
+                <a:latin typeface="+mn-lt"/>
+                <a:ea typeface="+mn-ea"/>
+                <a:cs typeface="+mn-cs"/>
+              </a:defRPr>
+            </a:lvl8pPr>
+            <a:lvl9pPr marL="4114800" indent="-384048" algn="l" defTabSz="914400" rtl="0" eaLnBrk="1" latinLnBrk="0" hangingPunct="1">
+              <a:lnSpc>
+                <a:spcPct val="94000"/>
+              </a:lnSpc>
+              <a:spcBef>
+                <a:spcPts val="500"/>
+              </a:spcBef>
+              <a:spcAft>
+                <a:spcPts val="200"/>
+              </a:spcAft>
+              <a:buFont typeface="Franklin Gothic Book" panose="020B0503020102020204" pitchFamily="34" charset="0"/>
+              <a:buChar char="■"/>
+              <a:defRPr sz="1400" kern="1200" baseline="0">
+                <a:solidFill>
+                  <a:schemeClr val="tx2"/>
+                </a:solidFill>
+                <a:latin typeface="+mn-lt"/>
+                <a:ea typeface="+mn-ea"/>
+                <a:cs typeface="+mn-cs"/>
+              </a:defRPr>
+            </a:lvl9pPr>
+          </a:lstStyle>
+          <a:p>
+            <a:pPr marL="0" indent="0" fontAlgn="base">
+              <a:buNone/>
+            </a:pPr>
+            <a:r>
+              <a:rPr lang="en-GB" sz="1000" dirty="0" err="1"/>
+              <a:t>Emilien</a:t>
+            </a:r>
+            <a:r>
+              <a:rPr lang="en-GB" sz="1000" dirty="0"/>
+              <a:t>, A., Bernhardt, A., </a:t>
+            </a:r>
+            <a:r>
+              <a:rPr lang="en-GB" sz="1000" dirty="0" err="1"/>
+              <a:t>Peytavie</a:t>
+            </a:r>
+            <a:r>
+              <a:rPr lang="en-GB" sz="1000" dirty="0"/>
+              <a:t>, A., </a:t>
+            </a:r>
+            <a:r>
+              <a:rPr lang="en-GB" sz="1000" dirty="0" err="1"/>
+              <a:t>Cani</a:t>
+            </a:r>
+            <a:r>
+              <a:rPr lang="en-GB" sz="1000" dirty="0"/>
+              <a:t>, M. and </a:t>
+            </a:r>
+            <a:r>
+              <a:rPr lang="en-GB" sz="1000" dirty="0" err="1"/>
+              <a:t>Galin</a:t>
+            </a:r>
+            <a:r>
+              <a:rPr lang="en-GB" sz="1000" dirty="0"/>
+              <a:t>, E. (2012). Procedural generation of villages on arbitrary terrains. </a:t>
+            </a:r>
+            <a:r>
+              <a:rPr lang="en-GB" sz="1000" i="1" dirty="0"/>
+              <a:t>The Visual Computer,</a:t>
+            </a:r>
+            <a:r>
+              <a:rPr lang="en-GB" sz="1000" dirty="0"/>
+              <a:t> 28(6-8), pp.809-818.</a:t>
+            </a:r>
+          </a:p>
+          <a:p>
+            <a:pPr marL="0" indent="0" fontAlgn="base">
+              <a:buNone/>
+            </a:pPr>
+            <a:r>
+              <a:rPr lang="en-GB" sz="1000" dirty="0"/>
+              <a:t>Muller, P and Parish, Y, I, H. (2001). “Procedural </a:t>
+            </a:r>
+            <a:r>
+              <a:rPr lang="en-GB" sz="1000" dirty="0" err="1"/>
+              <a:t>modeling</a:t>
+            </a:r>
+            <a:r>
+              <a:rPr lang="en-GB" sz="1000" dirty="0"/>
+              <a:t> of cities”. In Proceedings of the 28th annual conference on Computer graphics and interactive techniques (SIGGRAPH ’01). </a:t>
+            </a:r>
+            <a:r>
+              <a:rPr lang="en-GB" sz="1000" dirty="0" err="1"/>
+              <a:t>Acm</a:t>
+            </a:r>
+            <a:r>
+              <a:rPr lang="en-GB" sz="1000" dirty="0"/>
+              <a:t>, New York, NY, USA. 301 – 308.</a:t>
+            </a:r>
+          </a:p>
+          <a:p>
+            <a:pPr marL="0" indent="0" fontAlgn="base">
+              <a:buNone/>
+            </a:pPr>
+            <a:r>
+              <a:rPr lang="en-GB" sz="1000" dirty="0" err="1"/>
+              <a:t>Smelik</a:t>
+            </a:r>
+            <a:r>
+              <a:rPr lang="en-GB" sz="1000" dirty="0"/>
+              <a:t>, R., </a:t>
+            </a:r>
+            <a:r>
+              <a:rPr lang="en-GB" sz="1000" dirty="0" err="1"/>
+              <a:t>Tutenel</a:t>
+            </a:r>
+            <a:r>
+              <a:rPr lang="en-GB" sz="1000" dirty="0"/>
+              <a:t>, T., de </a:t>
+            </a:r>
+            <a:r>
+              <a:rPr lang="en-GB" sz="1000" dirty="0" err="1"/>
+              <a:t>Kraker</a:t>
+            </a:r>
+            <a:r>
+              <a:rPr lang="en-GB" sz="1000" dirty="0"/>
+              <a:t>, K. and </a:t>
+            </a:r>
+            <a:r>
+              <a:rPr lang="en-GB" sz="1000" dirty="0" err="1"/>
+              <a:t>Bidarra</a:t>
+            </a:r>
+            <a:r>
+              <a:rPr lang="en-GB" sz="1000" dirty="0"/>
+              <a:t>, R. (2011). A declarative approach to procedural </a:t>
+            </a:r>
+            <a:r>
+              <a:rPr lang="en-GB" sz="1000" dirty="0" err="1"/>
+              <a:t>modeling</a:t>
+            </a:r>
+            <a:r>
+              <a:rPr lang="en-GB" sz="1000" dirty="0"/>
+              <a:t> of virtual worlds. </a:t>
+            </a:r>
+            <a:r>
+              <a:rPr lang="en-GB" sz="1000" i="1" dirty="0"/>
+              <a:t>Computers &amp; Graphics</a:t>
+            </a:r>
+            <a:r>
+              <a:rPr lang="en-GB" sz="1000" dirty="0"/>
+              <a:t>, 35(2), pp.352-363.</a:t>
+            </a:r>
+          </a:p>
+        </p:txBody>
+      </p:sp>
+      <p:sp>
+        <p:nvSpPr>
+          <p:cNvPr id="7" name="Content Placeholder 2">
+            <a:extLst>
+              <a:ext uri="{FF2B5EF4-FFF2-40B4-BE49-F238E27FC236}">
+                <a16:creationId xmlns:a16="http://schemas.microsoft.com/office/drawing/2014/main" id="{6AF1E2B7-90F3-4506-9B86-4FE1222C1B17}"/>
+              </a:ext>
+            </a:extLst>
+          </p:cNvPr>
+          <p:cNvSpPr txBox="1">
+            <a:spLocks/>
+          </p:cNvSpPr>
+          <p:nvPr/>
+        </p:nvSpPr>
+        <p:spPr>
+          <a:xfrm>
+            <a:off x="879231" y="1274884"/>
+            <a:ext cx="5873994" cy="4363915"/>
+          </a:xfrm>
+          <a:prstGeom prst="rect">
+            <a:avLst/>
+          </a:prstGeom>
+          <a:ln>
+            <a:solidFill>
+              <a:schemeClr val="tx1"/>
+            </a:solidFill>
+          </a:ln>
+        </p:spPr>
+        <p:txBody>
+          <a:bodyPr vert="horz" lIns="91440" tIns="45720" rIns="91440" bIns="45720" rtlCol="0">
+            <a:normAutofit/>
+          </a:bodyPr>
+          <a:lstStyle>
+            <a:lvl1pPr marL="384048" indent="-384048" algn="l" defTabSz="914400" rtl="0" eaLnBrk="1" latinLnBrk="0" hangingPunct="1">
+              <a:lnSpc>
+                <a:spcPct val="94000"/>
+              </a:lnSpc>
+              <a:spcBef>
+                <a:spcPts val="1000"/>
+              </a:spcBef>
+              <a:spcAft>
+                <a:spcPts val="200"/>
+              </a:spcAft>
+              <a:buFont typeface="Franklin Gothic Book" panose="020B0503020102020204" pitchFamily="34" charset="0"/>
+              <a:buChar char="■"/>
+              <a:defRPr sz="2000" kern="1200" baseline="0">
+                <a:solidFill>
+                  <a:schemeClr val="tx2"/>
+                </a:solidFill>
+                <a:latin typeface="+mn-lt"/>
+                <a:ea typeface="+mn-ea"/>
+                <a:cs typeface="+mn-cs"/>
+              </a:defRPr>
+            </a:lvl1pPr>
+            <a:lvl2pPr marL="914400" indent="-384048" algn="l" defTabSz="914400" rtl="0" eaLnBrk="1" latinLnBrk="0" hangingPunct="1">
+              <a:lnSpc>
+                <a:spcPct val="94000"/>
+              </a:lnSpc>
+              <a:spcBef>
+                <a:spcPts val="500"/>
+              </a:spcBef>
+              <a:spcAft>
+                <a:spcPts val="200"/>
+              </a:spcAft>
+              <a:buFont typeface="Franklin Gothic Book" panose="020B0503020102020204" pitchFamily="34" charset="0"/>
+              <a:buChar char="–"/>
+              <a:defRPr sz="2000" i="1" kern="1200" baseline="0">
+                <a:solidFill>
+                  <a:schemeClr val="tx2"/>
+                </a:solidFill>
+                <a:latin typeface="+mn-lt"/>
+                <a:ea typeface="+mn-ea"/>
+                <a:cs typeface="+mn-cs"/>
+              </a:defRPr>
+            </a:lvl2pPr>
+            <a:lvl3pPr marL="1371600" indent="-384048" algn="l" defTabSz="914400" rtl="0" eaLnBrk="1" latinLnBrk="0" hangingPunct="1">
+              <a:lnSpc>
+                <a:spcPct val="94000"/>
+              </a:lnSpc>
+              <a:spcBef>
+                <a:spcPts val="500"/>
+              </a:spcBef>
+              <a:spcAft>
+                <a:spcPts val="200"/>
+              </a:spcAft>
+              <a:buFont typeface="Franklin Gothic Book" panose="020B0503020102020204" pitchFamily="34" charset="0"/>
+              <a:buChar char="■"/>
+              <a:defRPr sz="1800" kern="1200" baseline="0">
+                <a:solidFill>
+                  <a:schemeClr val="tx2"/>
+                </a:solidFill>
+                <a:latin typeface="+mn-lt"/>
+                <a:ea typeface="+mn-ea"/>
+                <a:cs typeface="+mn-cs"/>
+              </a:defRPr>
+            </a:lvl3pPr>
+            <a:lvl4pPr marL="1828800" indent="-384048" algn="l" defTabSz="914400" rtl="0" eaLnBrk="1" latinLnBrk="0" hangingPunct="1">
+              <a:lnSpc>
+                <a:spcPct val="94000"/>
+              </a:lnSpc>
+              <a:spcBef>
+                <a:spcPts val="500"/>
+              </a:spcBef>
+              <a:spcAft>
+                <a:spcPts val="200"/>
+              </a:spcAft>
+              <a:buFont typeface="Franklin Gothic Book" panose="020B0503020102020204" pitchFamily="34" charset="0"/>
+              <a:buChar char="–"/>
+              <a:defRPr sz="1800" i="1" kern="1200" baseline="0">
+                <a:solidFill>
+                  <a:schemeClr val="tx2"/>
+                </a:solidFill>
+                <a:latin typeface="+mn-lt"/>
+                <a:ea typeface="+mn-ea"/>
+                <a:cs typeface="+mn-cs"/>
+              </a:defRPr>
+            </a:lvl4pPr>
+            <a:lvl5pPr marL="2286000" indent="-384048" algn="l" defTabSz="914400" rtl="0" eaLnBrk="1" latinLnBrk="0" hangingPunct="1">
+              <a:lnSpc>
+                <a:spcPct val="94000"/>
+              </a:lnSpc>
+              <a:spcBef>
+                <a:spcPts val="500"/>
+              </a:spcBef>
+              <a:spcAft>
+                <a:spcPts val="200"/>
+              </a:spcAft>
+              <a:buFont typeface="Franklin Gothic Book" panose="020B0503020102020204" pitchFamily="34" charset="0"/>
+              <a:buChar char="■"/>
+              <a:defRPr sz="1600" kern="1200" baseline="0">
+                <a:solidFill>
+                  <a:schemeClr val="tx2"/>
+                </a:solidFill>
+                <a:latin typeface="+mn-lt"/>
+                <a:ea typeface="+mn-ea"/>
+                <a:cs typeface="+mn-cs"/>
+              </a:defRPr>
+            </a:lvl5pPr>
+            <a:lvl6pPr marL="2743200" indent="-384048" algn="l" defTabSz="914400" rtl="0" eaLnBrk="1" latinLnBrk="0" hangingPunct="1">
+              <a:lnSpc>
+                <a:spcPct val="94000"/>
+              </a:lnSpc>
+              <a:spcBef>
+                <a:spcPts val="500"/>
+              </a:spcBef>
+              <a:spcAft>
+                <a:spcPts val="200"/>
+              </a:spcAft>
+              <a:buFont typeface="Franklin Gothic Book" panose="020B0503020102020204" pitchFamily="34" charset="0"/>
+              <a:buChar char="–"/>
+              <a:defRPr sz="1600" i="1" kern="1200" baseline="0">
+                <a:solidFill>
+                  <a:schemeClr val="tx2"/>
+                </a:solidFill>
+                <a:latin typeface="+mn-lt"/>
+                <a:ea typeface="+mn-ea"/>
+                <a:cs typeface="+mn-cs"/>
+              </a:defRPr>
+            </a:lvl6pPr>
+            <a:lvl7pPr marL="3200400" indent="-384048" algn="l" defTabSz="914400" rtl="0" eaLnBrk="1" latinLnBrk="0" hangingPunct="1">
+              <a:lnSpc>
+                <a:spcPct val="94000"/>
+              </a:lnSpc>
+              <a:spcBef>
+                <a:spcPts val="500"/>
+              </a:spcBef>
+              <a:spcAft>
+                <a:spcPts val="200"/>
+              </a:spcAft>
+              <a:buFont typeface="Franklin Gothic Book" panose="020B0503020102020204" pitchFamily="34" charset="0"/>
+              <a:buChar char="■"/>
+              <a:defRPr sz="1400" kern="1200" baseline="0">
+                <a:solidFill>
+                  <a:schemeClr val="tx2"/>
+                </a:solidFill>
+                <a:latin typeface="+mn-lt"/>
+                <a:ea typeface="+mn-ea"/>
+                <a:cs typeface="+mn-cs"/>
+              </a:defRPr>
+            </a:lvl7pPr>
+            <a:lvl8pPr marL="3657600" indent="-384048" algn="l" defTabSz="914400" rtl="0" eaLnBrk="1" latinLnBrk="0" hangingPunct="1">
+              <a:lnSpc>
+                <a:spcPct val="94000"/>
+              </a:lnSpc>
+              <a:spcBef>
+                <a:spcPts val="500"/>
+              </a:spcBef>
+              <a:spcAft>
+                <a:spcPts val="200"/>
+              </a:spcAft>
+              <a:buFont typeface="Franklin Gothic Book" panose="020B0503020102020204" pitchFamily="34" charset="0"/>
+              <a:buChar char="–"/>
+              <a:defRPr sz="1400" i="1" kern="1200" baseline="0">
+                <a:solidFill>
+                  <a:schemeClr val="tx2"/>
+                </a:solidFill>
+                <a:latin typeface="+mn-lt"/>
+                <a:ea typeface="+mn-ea"/>
+                <a:cs typeface="+mn-cs"/>
+              </a:defRPr>
+            </a:lvl8pPr>
+            <a:lvl9pPr marL="4114800" indent="-384048" algn="l" defTabSz="914400" rtl="0" eaLnBrk="1" latinLnBrk="0" hangingPunct="1">
+              <a:lnSpc>
+                <a:spcPct val="94000"/>
+              </a:lnSpc>
+              <a:spcBef>
+                <a:spcPts val="500"/>
+              </a:spcBef>
+              <a:spcAft>
+                <a:spcPts val="200"/>
+              </a:spcAft>
+              <a:buFont typeface="Franklin Gothic Book" panose="020B0503020102020204" pitchFamily="34" charset="0"/>
+              <a:buChar char="■"/>
+              <a:defRPr sz="1400" kern="1200" baseline="0">
+                <a:solidFill>
+                  <a:schemeClr val="tx2"/>
+                </a:solidFill>
+                <a:latin typeface="+mn-lt"/>
+                <a:ea typeface="+mn-ea"/>
+                <a:cs typeface="+mn-cs"/>
+              </a:defRPr>
+            </a:lvl9pPr>
+          </a:lstStyle>
+          <a:p>
+            <a:r>
+              <a:rPr lang="en-GB" dirty="0"/>
+              <a:t>“Computing a village skeleton is not sufficient for generating the layout of a village: we also need to tessellate the terrain into individual parcels of land, where houses, gardens or fields will be defined.” (</a:t>
+            </a:r>
+            <a:r>
+              <a:rPr lang="en-GB" dirty="0" err="1"/>
+              <a:t>Emilien</a:t>
+            </a:r>
+            <a:r>
+              <a:rPr lang="en-GB" dirty="0"/>
+              <a:t> A, Bernhardt A, </a:t>
+            </a:r>
+            <a:r>
+              <a:rPr lang="en-GB" dirty="0" err="1"/>
+              <a:t>Peytavie</a:t>
+            </a:r>
+            <a:r>
+              <a:rPr lang="en-GB" dirty="0"/>
+              <a:t> A, </a:t>
+            </a:r>
+            <a:r>
+              <a:rPr lang="en-GB" dirty="0" err="1"/>
+              <a:t>Cani</a:t>
+            </a:r>
+            <a:r>
+              <a:rPr lang="en-GB" dirty="0"/>
+              <a:t> M, </a:t>
+            </a:r>
+            <a:r>
+              <a:rPr lang="en-GB" dirty="0" err="1"/>
+              <a:t>Galin</a:t>
+            </a:r>
+            <a:r>
+              <a:rPr lang="en-GB" dirty="0"/>
+              <a:t> E, 2012).</a:t>
+            </a:r>
+          </a:p>
+          <a:p>
+            <a:endParaRPr lang="en-GB" dirty="0"/>
+          </a:p>
+          <a:p>
+            <a:r>
+              <a:rPr lang="en-GB" dirty="0"/>
+              <a:t>Building lots can be created along the road by recursively dividing the areas along a road until a threshold area is reached.(Muller P, Parish Y I H, 2001).</a:t>
+            </a:r>
+          </a:p>
+        </p:txBody>
+      </p:sp>
+      <p:pic>
+        <p:nvPicPr>
+          <p:cNvPr id="9" name="Picture 8">
+            <a:extLst>
+              <a:ext uri="{FF2B5EF4-FFF2-40B4-BE49-F238E27FC236}">
+                <a16:creationId xmlns:a16="http://schemas.microsoft.com/office/drawing/2014/main" id="{F7E1084E-24A7-43FF-9311-668FE8A2A100}"/>
+              </a:ext>
+            </a:extLst>
+          </p:cNvPr>
+          <p:cNvPicPr>
+            <a:picLocks noChangeAspect="1"/>
+          </p:cNvPicPr>
+          <p:nvPr/>
+        </p:nvPicPr>
+        <p:blipFill rotWithShape="1">
+          <a:blip r:embed="rId3">
+            <a:extLst>
+              <a:ext uri="{28A0092B-C50C-407E-A947-70E740481C1C}">
+                <a14:useLocalDpi xmlns:a14="http://schemas.microsoft.com/office/drawing/2010/main" val="0"/>
+              </a:ext>
+            </a:extLst>
+          </a:blip>
+          <a:srcRect t="5889"/>
+          <a:stretch/>
+        </p:blipFill>
+        <p:spPr>
+          <a:xfrm>
+            <a:off x="7136125" y="1270169"/>
+            <a:ext cx="4385982" cy="4368630"/>
+          </a:xfrm>
+          <a:prstGeom prst="rect">
+            <a:avLst/>
+          </a:prstGeom>
+        </p:spPr>
+      </p:pic>
+    </p:spTree>
+    <p:extLst>
+      <p:ext uri="{BB962C8B-B14F-4D97-AF65-F5344CB8AC3E}">
+        <p14:creationId xmlns:p14="http://schemas.microsoft.com/office/powerpoint/2010/main" val="1997387650"/>
+      </p:ext>
+    </p:extLst>
+  </p:cSld>
+  <p:clrMapOvr>
+    <a:masterClrMapping/>
+  </p:clrMapOvr>
+</p:sld>
+</file>
+
+<file path=ppt/slides/slide24.xml><?xml version="1.0" encoding="utf-8"?>
+<p:sld xmlns:a="http://schemas.openxmlformats.org/drawingml/2006/main" xmlns:r="http://schemas.openxmlformats.org/officeDocument/2006/relationships" xmlns:p="http://schemas.openxmlformats.org/presentationml/2006/main">
+  <p:cSld>
+    <p:spTree>
+      <p:nvGrpSpPr>
+        <p:cNvPr id="1" name=""/>
+        <p:cNvGrpSpPr/>
+        <p:nvPr/>
+      </p:nvGrpSpPr>
+      <p:grpSpPr>
+        <a:xfrm>
+          <a:off x="0" y="0"/>
+          <a:ext cx="0" cy="0"/>
+          <a:chOff x="0" y="0"/>
+          <a:chExt cx="0" cy="0"/>
+        </a:xfrm>
+      </p:grpSpPr>
+      <p:sp>
+        <p:nvSpPr>
+          <p:cNvPr id="2" name="Title 1">
+            <a:extLst>
+              <a:ext uri="{FF2B5EF4-FFF2-40B4-BE49-F238E27FC236}">
+                <a16:creationId xmlns:a16="http://schemas.microsoft.com/office/drawing/2014/main" id="{750ADED0-C0EC-46CC-B4D1-770A80CB767A}"/>
+              </a:ext>
+            </a:extLst>
+          </p:cNvPr>
+          <p:cNvSpPr>
+            <a:spLocks noGrp="1"/>
+          </p:cNvSpPr>
+          <p:nvPr>
+            <p:ph type="title"/>
+          </p:nvPr>
+        </p:nvSpPr>
+        <p:spPr>
+          <a:xfrm>
+            <a:off x="879231" y="281354"/>
+            <a:ext cx="11025776" cy="993531"/>
+          </a:xfrm>
+        </p:spPr>
+        <p:txBody>
+          <a:bodyPr>
+            <a:normAutofit/>
+          </a:bodyPr>
+          <a:lstStyle/>
+          <a:p>
+            <a:r>
+              <a:rPr lang="en-GB" dirty="0"/>
+              <a:t>Generating building shapes</a:t>
+            </a:r>
+          </a:p>
+        </p:txBody>
+      </p:sp>
+      <p:sp>
+        <p:nvSpPr>
+          <p:cNvPr id="4" name="Content Placeholder 2">
+            <a:extLst>
+              <a:ext uri="{FF2B5EF4-FFF2-40B4-BE49-F238E27FC236}">
+                <a16:creationId xmlns:a16="http://schemas.microsoft.com/office/drawing/2014/main" id="{C44F06C3-D088-4921-80FA-6A04C96C2CC4}"/>
+              </a:ext>
+            </a:extLst>
+          </p:cNvPr>
+          <p:cNvSpPr txBox="1">
+            <a:spLocks/>
+          </p:cNvSpPr>
+          <p:nvPr/>
+        </p:nvSpPr>
+        <p:spPr>
+          <a:xfrm>
+            <a:off x="879231" y="5324475"/>
+            <a:ext cx="11025776" cy="1409700"/>
+          </a:xfrm>
+          <a:prstGeom prst="rect">
+            <a:avLst/>
+          </a:prstGeom>
+          <a:ln>
+            <a:solidFill>
+              <a:schemeClr val="tx1"/>
+            </a:solidFill>
+          </a:ln>
+        </p:spPr>
+        <p:txBody>
+          <a:bodyPr vert="horz" lIns="91440" tIns="45720" rIns="91440" bIns="45720" rtlCol="0">
+            <a:noAutofit/>
+          </a:bodyPr>
+          <a:lstStyle>
+            <a:lvl1pPr marL="384048" indent="-384048" algn="l" defTabSz="914400" rtl="0" eaLnBrk="1" latinLnBrk="0" hangingPunct="1">
+              <a:lnSpc>
+                <a:spcPct val="94000"/>
+              </a:lnSpc>
+              <a:spcBef>
+                <a:spcPts val="1000"/>
+              </a:spcBef>
+              <a:spcAft>
+                <a:spcPts val="200"/>
+              </a:spcAft>
+              <a:buFont typeface="Franklin Gothic Book" panose="020B0503020102020204" pitchFamily="34" charset="0"/>
+              <a:buChar char="■"/>
+              <a:defRPr sz="2000" kern="1200" baseline="0">
+                <a:solidFill>
+                  <a:schemeClr val="tx2"/>
+                </a:solidFill>
+                <a:latin typeface="+mn-lt"/>
+                <a:ea typeface="+mn-ea"/>
+                <a:cs typeface="+mn-cs"/>
+              </a:defRPr>
+            </a:lvl1pPr>
+            <a:lvl2pPr marL="914400" indent="-384048" algn="l" defTabSz="914400" rtl="0" eaLnBrk="1" latinLnBrk="0" hangingPunct="1">
+              <a:lnSpc>
+                <a:spcPct val="94000"/>
+              </a:lnSpc>
+              <a:spcBef>
+                <a:spcPts val="500"/>
+              </a:spcBef>
+              <a:spcAft>
+                <a:spcPts val="200"/>
+              </a:spcAft>
+              <a:buFont typeface="Franklin Gothic Book" panose="020B0503020102020204" pitchFamily="34" charset="0"/>
+              <a:buChar char="–"/>
+              <a:defRPr sz="2000" i="1" kern="1200" baseline="0">
+                <a:solidFill>
+                  <a:schemeClr val="tx2"/>
+                </a:solidFill>
+                <a:latin typeface="+mn-lt"/>
+                <a:ea typeface="+mn-ea"/>
+                <a:cs typeface="+mn-cs"/>
+              </a:defRPr>
+            </a:lvl2pPr>
+            <a:lvl3pPr marL="1371600" indent="-384048" algn="l" defTabSz="914400" rtl="0" eaLnBrk="1" latinLnBrk="0" hangingPunct="1">
+              <a:lnSpc>
+                <a:spcPct val="94000"/>
+              </a:lnSpc>
+              <a:spcBef>
+                <a:spcPts val="500"/>
+              </a:spcBef>
+              <a:spcAft>
+                <a:spcPts val="200"/>
+              </a:spcAft>
+              <a:buFont typeface="Franklin Gothic Book" panose="020B0503020102020204" pitchFamily="34" charset="0"/>
+              <a:buChar char="■"/>
+              <a:defRPr sz="1800" kern="1200" baseline="0">
+                <a:solidFill>
+                  <a:schemeClr val="tx2"/>
+                </a:solidFill>
+                <a:latin typeface="+mn-lt"/>
+                <a:ea typeface="+mn-ea"/>
+                <a:cs typeface="+mn-cs"/>
+              </a:defRPr>
+            </a:lvl3pPr>
+            <a:lvl4pPr marL="1828800" indent="-384048" algn="l" defTabSz="914400" rtl="0" eaLnBrk="1" latinLnBrk="0" hangingPunct="1">
+              <a:lnSpc>
+                <a:spcPct val="94000"/>
+              </a:lnSpc>
+              <a:spcBef>
+                <a:spcPts val="500"/>
+              </a:spcBef>
+              <a:spcAft>
+                <a:spcPts val="200"/>
+              </a:spcAft>
+              <a:buFont typeface="Franklin Gothic Book" panose="020B0503020102020204" pitchFamily="34" charset="0"/>
+              <a:buChar char="–"/>
+              <a:defRPr sz="1800" i="1" kern="1200" baseline="0">
+                <a:solidFill>
+                  <a:schemeClr val="tx2"/>
+                </a:solidFill>
+                <a:latin typeface="+mn-lt"/>
+                <a:ea typeface="+mn-ea"/>
+                <a:cs typeface="+mn-cs"/>
+              </a:defRPr>
+            </a:lvl4pPr>
+            <a:lvl5pPr marL="2286000" indent="-384048" algn="l" defTabSz="914400" rtl="0" eaLnBrk="1" latinLnBrk="0" hangingPunct="1">
+              <a:lnSpc>
+                <a:spcPct val="94000"/>
+              </a:lnSpc>
+              <a:spcBef>
+                <a:spcPts val="500"/>
+              </a:spcBef>
+              <a:spcAft>
+                <a:spcPts val="200"/>
+              </a:spcAft>
+              <a:buFont typeface="Franklin Gothic Book" panose="020B0503020102020204" pitchFamily="34" charset="0"/>
+              <a:buChar char="■"/>
+              <a:defRPr sz="1600" kern="1200" baseline="0">
+                <a:solidFill>
+                  <a:schemeClr val="tx2"/>
+                </a:solidFill>
+                <a:latin typeface="+mn-lt"/>
+                <a:ea typeface="+mn-ea"/>
+                <a:cs typeface="+mn-cs"/>
+              </a:defRPr>
+            </a:lvl5pPr>
+            <a:lvl6pPr marL="2743200" indent="-384048" algn="l" defTabSz="914400" rtl="0" eaLnBrk="1" latinLnBrk="0" hangingPunct="1">
+              <a:lnSpc>
+                <a:spcPct val="94000"/>
+              </a:lnSpc>
+              <a:spcBef>
+                <a:spcPts val="500"/>
+              </a:spcBef>
+              <a:spcAft>
+                <a:spcPts val="200"/>
+              </a:spcAft>
+              <a:buFont typeface="Franklin Gothic Book" panose="020B0503020102020204" pitchFamily="34" charset="0"/>
+              <a:buChar char="–"/>
+              <a:defRPr sz="1600" i="1" kern="1200" baseline="0">
+                <a:solidFill>
+                  <a:schemeClr val="tx2"/>
+                </a:solidFill>
+                <a:latin typeface="+mn-lt"/>
+                <a:ea typeface="+mn-ea"/>
+                <a:cs typeface="+mn-cs"/>
+              </a:defRPr>
+            </a:lvl6pPr>
+            <a:lvl7pPr marL="3200400" indent="-384048" algn="l" defTabSz="914400" rtl="0" eaLnBrk="1" latinLnBrk="0" hangingPunct="1">
+              <a:lnSpc>
+                <a:spcPct val="94000"/>
+              </a:lnSpc>
+              <a:spcBef>
+                <a:spcPts val="500"/>
+              </a:spcBef>
+              <a:spcAft>
+                <a:spcPts val="200"/>
+              </a:spcAft>
+              <a:buFont typeface="Franklin Gothic Book" panose="020B0503020102020204" pitchFamily="34" charset="0"/>
+              <a:buChar char="■"/>
+              <a:defRPr sz="1400" kern="1200" baseline="0">
+                <a:solidFill>
+                  <a:schemeClr val="tx2"/>
+                </a:solidFill>
+                <a:latin typeface="+mn-lt"/>
+                <a:ea typeface="+mn-ea"/>
+                <a:cs typeface="+mn-cs"/>
+              </a:defRPr>
+            </a:lvl7pPr>
+            <a:lvl8pPr marL="3657600" indent="-384048" algn="l" defTabSz="914400" rtl="0" eaLnBrk="1" latinLnBrk="0" hangingPunct="1">
+              <a:lnSpc>
+                <a:spcPct val="94000"/>
+              </a:lnSpc>
+              <a:spcBef>
+                <a:spcPts val="500"/>
+              </a:spcBef>
+              <a:spcAft>
+                <a:spcPts val="200"/>
+              </a:spcAft>
+              <a:buFont typeface="Franklin Gothic Book" panose="020B0503020102020204" pitchFamily="34" charset="0"/>
+              <a:buChar char="–"/>
+              <a:defRPr sz="1400" i="1" kern="1200" baseline="0">
+                <a:solidFill>
+                  <a:schemeClr val="tx2"/>
+                </a:solidFill>
+                <a:latin typeface="+mn-lt"/>
+                <a:ea typeface="+mn-ea"/>
+                <a:cs typeface="+mn-cs"/>
+              </a:defRPr>
+            </a:lvl8pPr>
+            <a:lvl9pPr marL="4114800" indent="-384048" algn="l" defTabSz="914400" rtl="0" eaLnBrk="1" latinLnBrk="0" hangingPunct="1">
+              <a:lnSpc>
+                <a:spcPct val="94000"/>
+              </a:lnSpc>
+              <a:spcBef>
+                <a:spcPts val="500"/>
+              </a:spcBef>
+              <a:spcAft>
+                <a:spcPts val="200"/>
+              </a:spcAft>
+              <a:buFont typeface="Franklin Gothic Book" panose="020B0503020102020204" pitchFamily="34" charset="0"/>
+              <a:buChar char="■"/>
+              <a:defRPr sz="1400" kern="1200" baseline="0">
+                <a:solidFill>
+                  <a:schemeClr val="tx2"/>
+                </a:solidFill>
+                <a:latin typeface="+mn-lt"/>
+                <a:ea typeface="+mn-ea"/>
+                <a:cs typeface="+mn-cs"/>
+              </a:defRPr>
+            </a:lvl9pPr>
+          </a:lstStyle>
+          <a:p>
+            <a:pPr marL="0" indent="0" fontAlgn="base">
+              <a:buNone/>
+            </a:pPr>
+            <a:r>
+              <a:rPr lang="en-GB" sz="1000" dirty="0" err="1"/>
+              <a:t>Greuter</a:t>
+            </a:r>
+            <a:r>
+              <a:rPr lang="en-GB" sz="1000" dirty="0"/>
+              <a:t>, S. Parker, J. Stewart, N. Leach, G. (2003). “Real-time procedural generation of ‘pseudo infinite’ cities”. In *Proceedings of the 1st international conference on Computer graphics and interactive techniques in </a:t>
+            </a:r>
+            <a:r>
+              <a:rPr lang="en-GB" sz="1000" dirty="0" err="1"/>
+              <a:t>Astralasia</a:t>
+            </a:r>
+            <a:r>
+              <a:rPr lang="en-GB" sz="1000" dirty="0"/>
+              <a:t> and South East Asia* (GRAPHITE ’03) </a:t>
+            </a:r>
+            <a:r>
+              <a:rPr lang="en-GB" sz="1000" dirty="0" err="1"/>
+              <a:t>Acm</a:t>
+            </a:r>
+            <a:r>
+              <a:rPr lang="en-GB" sz="1000" dirty="0"/>
+              <a:t>, New York, </a:t>
+            </a:r>
+            <a:r>
+              <a:rPr lang="en-GB" sz="1000" dirty="0" err="1"/>
+              <a:t>Ny</a:t>
+            </a:r>
+            <a:r>
+              <a:rPr lang="en-GB" sz="1000" dirty="0"/>
+              <a:t>, USA, 87 – ff.</a:t>
+            </a:r>
+          </a:p>
+          <a:p>
+            <a:pPr marL="0" indent="0" fontAlgn="base">
+              <a:buNone/>
+            </a:pPr>
+            <a:r>
+              <a:rPr lang="en-GB" sz="1000" dirty="0"/>
+              <a:t>Muller, P and Parish, Y, I, H. (2001). “Procedural </a:t>
+            </a:r>
+            <a:r>
+              <a:rPr lang="en-GB" sz="1000" dirty="0" err="1"/>
+              <a:t>modeling</a:t>
+            </a:r>
+            <a:r>
+              <a:rPr lang="en-GB" sz="1000" dirty="0"/>
+              <a:t> of cities”. In Proceedings of the 28th annual conference on Computer graphics and interactive techniques (SIGGRAPH ’01). </a:t>
+            </a:r>
+            <a:r>
+              <a:rPr lang="en-GB" sz="1000" dirty="0" err="1"/>
+              <a:t>Acm</a:t>
+            </a:r>
+            <a:r>
+              <a:rPr lang="en-GB" sz="1000" dirty="0"/>
+              <a:t>, New York, NY, USA. 301 – 308.</a:t>
+            </a:r>
+          </a:p>
+          <a:p>
+            <a:pPr marL="0" indent="0" fontAlgn="base">
+              <a:buNone/>
+            </a:pPr>
+            <a:r>
+              <a:rPr lang="en-GB" sz="1000" dirty="0"/>
+              <a:t>Muller, P. Wonka, P. </a:t>
+            </a:r>
+            <a:r>
+              <a:rPr lang="en-GB" sz="1000" dirty="0" err="1"/>
+              <a:t>Haegler</a:t>
+            </a:r>
+            <a:r>
+              <a:rPr lang="en-GB" sz="1000" dirty="0"/>
+              <a:t>, S. Ulmer, A. Goo, L, V. (2006). “Procedural </a:t>
+            </a:r>
+            <a:r>
+              <a:rPr lang="en-GB" sz="1000" dirty="0" err="1"/>
+              <a:t>modeling</a:t>
+            </a:r>
+            <a:r>
+              <a:rPr lang="en-GB" sz="1000" dirty="0"/>
+              <a:t> of buildings” In Proceedings of SIGGRAPH 06′ ACM SIGGRAPH 2006. </a:t>
+            </a:r>
+            <a:r>
+              <a:rPr lang="en-GB" sz="1000" dirty="0" err="1"/>
+              <a:t>Acm</a:t>
+            </a:r>
+            <a:r>
+              <a:rPr lang="en-GB" sz="1000" dirty="0"/>
+              <a:t>, New York, NY, USA. 614 – 623.</a:t>
+            </a:r>
+          </a:p>
+          <a:p>
+            <a:pPr marL="0" indent="0" fontAlgn="base">
+              <a:buNone/>
+            </a:pPr>
+            <a:r>
+              <a:rPr lang="en-GB" sz="1000" dirty="0" err="1"/>
+              <a:t>Smelik</a:t>
+            </a:r>
+            <a:r>
+              <a:rPr lang="en-GB" sz="1000" dirty="0"/>
+              <a:t>, R., </a:t>
+            </a:r>
+            <a:r>
+              <a:rPr lang="en-GB" sz="1000" dirty="0" err="1"/>
+              <a:t>Tutenel</a:t>
+            </a:r>
+            <a:r>
+              <a:rPr lang="en-GB" sz="1000" dirty="0"/>
+              <a:t>, T., </a:t>
+            </a:r>
+            <a:r>
+              <a:rPr lang="en-GB" sz="1000" dirty="0" err="1"/>
+              <a:t>Bidarra</a:t>
+            </a:r>
+            <a:r>
+              <a:rPr lang="en-GB" sz="1000" dirty="0"/>
+              <a:t>, R. and Benes, B. (2014). A survey on Procedural Modelling for Virtual Worlds. *Computer Graphics Forum*, 33(6), pp.31-50.</a:t>
+            </a:r>
+          </a:p>
+        </p:txBody>
+      </p:sp>
+      <p:sp>
+        <p:nvSpPr>
+          <p:cNvPr id="7" name="Content Placeholder 2">
+            <a:extLst>
+              <a:ext uri="{FF2B5EF4-FFF2-40B4-BE49-F238E27FC236}">
+                <a16:creationId xmlns:a16="http://schemas.microsoft.com/office/drawing/2014/main" id="{96EA448B-7232-4FD9-8DF6-3D8BAFC8EFAE}"/>
+              </a:ext>
+            </a:extLst>
+          </p:cNvPr>
+          <p:cNvSpPr txBox="1">
+            <a:spLocks/>
+          </p:cNvSpPr>
+          <p:nvPr/>
+        </p:nvSpPr>
+        <p:spPr>
+          <a:xfrm>
+            <a:off x="879231" y="1274884"/>
+            <a:ext cx="5873994" cy="3944815"/>
+          </a:xfrm>
+          <a:prstGeom prst="rect">
+            <a:avLst/>
+          </a:prstGeom>
+          <a:ln>
+            <a:solidFill>
+              <a:schemeClr val="tx1"/>
+            </a:solidFill>
+          </a:ln>
+        </p:spPr>
+        <p:txBody>
+          <a:bodyPr vert="horz" lIns="91440" tIns="45720" rIns="91440" bIns="45720" rtlCol="0">
+            <a:normAutofit/>
+          </a:bodyPr>
+          <a:lstStyle>
+            <a:lvl1pPr marL="384048" indent="-384048" algn="l" defTabSz="914400" rtl="0" eaLnBrk="1" latinLnBrk="0" hangingPunct="1">
+              <a:lnSpc>
+                <a:spcPct val="94000"/>
+              </a:lnSpc>
+              <a:spcBef>
+                <a:spcPts val="1000"/>
+              </a:spcBef>
+              <a:spcAft>
+                <a:spcPts val="200"/>
+              </a:spcAft>
+              <a:buFont typeface="Franklin Gothic Book" panose="020B0503020102020204" pitchFamily="34" charset="0"/>
+              <a:buChar char="■"/>
+              <a:defRPr sz="2000" kern="1200" baseline="0">
+                <a:solidFill>
+                  <a:schemeClr val="tx2"/>
+                </a:solidFill>
+                <a:latin typeface="+mn-lt"/>
+                <a:ea typeface="+mn-ea"/>
+                <a:cs typeface="+mn-cs"/>
+              </a:defRPr>
+            </a:lvl1pPr>
+            <a:lvl2pPr marL="914400" indent="-384048" algn="l" defTabSz="914400" rtl="0" eaLnBrk="1" latinLnBrk="0" hangingPunct="1">
+              <a:lnSpc>
+                <a:spcPct val="94000"/>
+              </a:lnSpc>
+              <a:spcBef>
+                <a:spcPts val="500"/>
+              </a:spcBef>
+              <a:spcAft>
+                <a:spcPts val="200"/>
+              </a:spcAft>
+              <a:buFont typeface="Franklin Gothic Book" panose="020B0503020102020204" pitchFamily="34" charset="0"/>
+              <a:buChar char="–"/>
+              <a:defRPr sz="2000" i="1" kern="1200" baseline="0">
+                <a:solidFill>
+                  <a:schemeClr val="tx2"/>
+                </a:solidFill>
+                <a:latin typeface="+mn-lt"/>
+                <a:ea typeface="+mn-ea"/>
+                <a:cs typeface="+mn-cs"/>
+              </a:defRPr>
+            </a:lvl2pPr>
+            <a:lvl3pPr marL="1371600" indent="-384048" algn="l" defTabSz="914400" rtl="0" eaLnBrk="1" latinLnBrk="0" hangingPunct="1">
+              <a:lnSpc>
+                <a:spcPct val="94000"/>
+              </a:lnSpc>
+              <a:spcBef>
+                <a:spcPts val="500"/>
+              </a:spcBef>
+              <a:spcAft>
+                <a:spcPts val="200"/>
+              </a:spcAft>
+              <a:buFont typeface="Franklin Gothic Book" panose="020B0503020102020204" pitchFamily="34" charset="0"/>
+              <a:buChar char="■"/>
+              <a:defRPr sz="1800" kern="1200" baseline="0">
+                <a:solidFill>
+                  <a:schemeClr val="tx2"/>
+                </a:solidFill>
+                <a:latin typeface="+mn-lt"/>
+                <a:ea typeface="+mn-ea"/>
+                <a:cs typeface="+mn-cs"/>
+              </a:defRPr>
+            </a:lvl3pPr>
+            <a:lvl4pPr marL="1828800" indent="-384048" algn="l" defTabSz="914400" rtl="0" eaLnBrk="1" latinLnBrk="0" hangingPunct="1">
+              <a:lnSpc>
+                <a:spcPct val="94000"/>
+              </a:lnSpc>
+              <a:spcBef>
+                <a:spcPts val="500"/>
+              </a:spcBef>
+              <a:spcAft>
+                <a:spcPts val="200"/>
+              </a:spcAft>
+              <a:buFont typeface="Franklin Gothic Book" panose="020B0503020102020204" pitchFamily="34" charset="0"/>
+              <a:buChar char="–"/>
+              <a:defRPr sz="1800" i="1" kern="1200" baseline="0">
+                <a:solidFill>
+                  <a:schemeClr val="tx2"/>
+                </a:solidFill>
+                <a:latin typeface="+mn-lt"/>
+                <a:ea typeface="+mn-ea"/>
+                <a:cs typeface="+mn-cs"/>
+              </a:defRPr>
+            </a:lvl4pPr>
+            <a:lvl5pPr marL="2286000" indent="-384048" algn="l" defTabSz="914400" rtl="0" eaLnBrk="1" latinLnBrk="0" hangingPunct="1">
+              <a:lnSpc>
+                <a:spcPct val="94000"/>
+              </a:lnSpc>
+              <a:spcBef>
+                <a:spcPts val="500"/>
+              </a:spcBef>
+              <a:spcAft>
+                <a:spcPts val="200"/>
+              </a:spcAft>
+              <a:buFont typeface="Franklin Gothic Book" panose="020B0503020102020204" pitchFamily="34" charset="0"/>
+              <a:buChar char="■"/>
+              <a:defRPr sz="1600" kern="1200" baseline="0">
+                <a:solidFill>
+                  <a:schemeClr val="tx2"/>
+                </a:solidFill>
+                <a:latin typeface="+mn-lt"/>
+                <a:ea typeface="+mn-ea"/>
+                <a:cs typeface="+mn-cs"/>
+              </a:defRPr>
+            </a:lvl5pPr>
+            <a:lvl6pPr marL="2743200" indent="-384048" algn="l" defTabSz="914400" rtl="0" eaLnBrk="1" latinLnBrk="0" hangingPunct="1">
+              <a:lnSpc>
+                <a:spcPct val="94000"/>
+              </a:lnSpc>
+              <a:spcBef>
+                <a:spcPts val="500"/>
+              </a:spcBef>
+              <a:spcAft>
+                <a:spcPts val="200"/>
+              </a:spcAft>
+              <a:buFont typeface="Franklin Gothic Book" panose="020B0503020102020204" pitchFamily="34" charset="0"/>
+              <a:buChar char="–"/>
+              <a:defRPr sz="1600" i="1" kern="1200" baseline="0">
+                <a:solidFill>
+                  <a:schemeClr val="tx2"/>
+                </a:solidFill>
+                <a:latin typeface="+mn-lt"/>
+                <a:ea typeface="+mn-ea"/>
+                <a:cs typeface="+mn-cs"/>
+              </a:defRPr>
+            </a:lvl6pPr>
+            <a:lvl7pPr marL="3200400" indent="-384048" algn="l" defTabSz="914400" rtl="0" eaLnBrk="1" latinLnBrk="0" hangingPunct="1">
+              <a:lnSpc>
+                <a:spcPct val="94000"/>
+              </a:lnSpc>
+              <a:spcBef>
+                <a:spcPts val="500"/>
+              </a:spcBef>
+              <a:spcAft>
+                <a:spcPts val="200"/>
+              </a:spcAft>
+              <a:buFont typeface="Franklin Gothic Book" panose="020B0503020102020204" pitchFamily="34" charset="0"/>
+              <a:buChar char="■"/>
+              <a:defRPr sz="1400" kern="1200" baseline="0">
+                <a:solidFill>
+                  <a:schemeClr val="tx2"/>
+                </a:solidFill>
+                <a:latin typeface="+mn-lt"/>
+                <a:ea typeface="+mn-ea"/>
+                <a:cs typeface="+mn-cs"/>
+              </a:defRPr>
+            </a:lvl7pPr>
+            <a:lvl8pPr marL="3657600" indent="-384048" algn="l" defTabSz="914400" rtl="0" eaLnBrk="1" latinLnBrk="0" hangingPunct="1">
+              <a:lnSpc>
+                <a:spcPct val="94000"/>
+              </a:lnSpc>
+              <a:spcBef>
+                <a:spcPts val="500"/>
+              </a:spcBef>
+              <a:spcAft>
+                <a:spcPts val="200"/>
+              </a:spcAft>
+              <a:buFont typeface="Franklin Gothic Book" panose="020B0503020102020204" pitchFamily="34" charset="0"/>
+              <a:buChar char="–"/>
+              <a:defRPr sz="1400" i="1" kern="1200" baseline="0">
+                <a:solidFill>
+                  <a:schemeClr val="tx2"/>
+                </a:solidFill>
+                <a:latin typeface="+mn-lt"/>
+                <a:ea typeface="+mn-ea"/>
+                <a:cs typeface="+mn-cs"/>
+              </a:defRPr>
+            </a:lvl8pPr>
+            <a:lvl9pPr marL="4114800" indent="-384048" algn="l" defTabSz="914400" rtl="0" eaLnBrk="1" latinLnBrk="0" hangingPunct="1">
+              <a:lnSpc>
+                <a:spcPct val="94000"/>
+              </a:lnSpc>
+              <a:spcBef>
+                <a:spcPts val="500"/>
+              </a:spcBef>
+              <a:spcAft>
+                <a:spcPts val="200"/>
+              </a:spcAft>
+              <a:buFont typeface="Franklin Gothic Book" panose="020B0503020102020204" pitchFamily="34" charset="0"/>
+              <a:buChar char="■"/>
+              <a:defRPr sz="1400" kern="1200" baseline="0">
+                <a:solidFill>
+                  <a:schemeClr val="tx2"/>
+                </a:solidFill>
+                <a:latin typeface="+mn-lt"/>
+                <a:ea typeface="+mn-ea"/>
+                <a:cs typeface="+mn-cs"/>
+              </a:defRPr>
+            </a:lvl9pPr>
+          </a:lstStyle>
+          <a:p>
+            <a:r>
+              <a:rPr lang="en-GB" dirty="0"/>
+              <a:t>“Floor plans are two-dimensional polygons. Each floor plan consists of randomly selected and merged regular polygons and rectangles.” (</a:t>
+            </a:r>
+            <a:r>
+              <a:rPr lang="en-GB" dirty="0" err="1"/>
+              <a:t>Greuter</a:t>
+            </a:r>
+            <a:r>
+              <a:rPr lang="en-GB" dirty="0"/>
+              <a:t> S. et al., 2003).</a:t>
+            </a:r>
+          </a:p>
+          <a:p>
+            <a:endParaRPr lang="en-GB" dirty="0"/>
+          </a:p>
+          <a:p>
+            <a:r>
+              <a:rPr lang="en-GB" dirty="0"/>
+              <a:t>“Combining several primitive shapes into a floor plan and extruding these to different heights” (</a:t>
+            </a:r>
+            <a:r>
+              <a:rPr lang="en-GB" dirty="0" err="1"/>
+              <a:t>Smelik</a:t>
+            </a:r>
+            <a:r>
+              <a:rPr lang="en-GB" dirty="0"/>
+              <a:t> R, </a:t>
+            </a:r>
+            <a:r>
+              <a:rPr lang="en-GB" dirty="0" err="1"/>
+              <a:t>Tutenel</a:t>
+            </a:r>
+            <a:r>
+              <a:rPr lang="en-GB" dirty="0"/>
+              <a:t> T, </a:t>
+            </a:r>
+            <a:r>
+              <a:rPr lang="en-GB" dirty="0" err="1"/>
+              <a:t>Bidarra</a:t>
+            </a:r>
+            <a:r>
+              <a:rPr lang="en-GB" dirty="0"/>
+              <a:t> R, Benes B, 2014).</a:t>
+            </a:r>
+          </a:p>
+        </p:txBody>
+      </p:sp>
+      <p:pic>
+        <p:nvPicPr>
+          <p:cNvPr id="9" name="Picture 8">
+            <a:extLst>
+              <a:ext uri="{FF2B5EF4-FFF2-40B4-BE49-F238E27FC236}">
+                <a16:creationId xmlns:a16="http://schemas.microsoft.com/office/drawing/2014/main" id="{6F867BA4-82BF-46F4-B15A-0865D25399C0}"/>
+              </a:ext>
+            </a:extLst>
+          </p:cNvPr>
+          <p:cNvPicPr>
+            <a:picLocks noChangeAspect="1"/>
+          </p:cNvPicPr>
+          <p:nvPr/>
+        </p:nvPicPr>
+        <p:blipFill rotWithShape="1">
+          <a:blip r:embed="rId3">
+            <a:extLst>
+              <a:ext uri="{28A0092B-C50C-407E-A947-70E740481C1C}">
+                <a14:useLocalDpi xmlns:a14="http://schemas.microsoft.com/office/drawing/2010/main" val="0"/>
+              </a:ext>
+            </a:extLst>
+          </a:blip>
+          <a:srcRect l="8771" t="18050" r="26895" b="25567"/>
+          <a:stretch/>
+        </p:blipFill>
+        <p:spPr>
+          <a:xfrm>
+            <a:off x="7343153" y="1402745"/>
+            <a:ext cx="3971925" cy="3689094"/>
+          </a:xfrm>
+          <a:prstGeom prst="rect">
+            <a:avLst/>
+          </a:prstGeom>
+        </p:spPr>
+      </p:pic>
+    </p:spTree>
+    <p:extLst>
+      <p:ext uri="{BB962C8B-B14F-4D97-AF65-F5344CB8AC3E}">
+        <p14:creationId xmlns:p14="http://schemas.microsoft.com/office/powerpoint/2010/main" val="428707242"/>
+      </p:ext>
+    </p:extLst>
+  </p:cSld>
+  <p:clrMapOvr>
+    <a:masterClrMapping/>
+  </p:clrMapOvr>
+</p:sld>
+</file>
+
+<file path=ppt/slides/slide25.xml><?xml version="1.0" encoding="utf-8"?>
+<p:sld xmlns:a="http://schemas.openxmlformats.org/drawingml/2006/main" xmlns:r="http://schemas.openxmlformats.org/officeDocument/2006/relationships" xmlns:p="http://schemas.openxmlformats.org/presentationml/2006/main">
+  <p:cSld>
+    <p:spTree>
+      <p:nvGrpSpPr>
+        <p:cNvPr id="1" name=""/>
+        <p:cNvGrpSpPr/>
+        <p:nvPr/>
+      </p:nvGrpSpPr>
+      <p:grpSpPr>
+        <a:xfrm>
+          <a:off x="0" y="0"/>
+          <a:ext cx="0" cy="0"/>
+          <a:chOff x="0" y="0"/>
+          <a:chExt cx="0" cy="0"/>
+        </a:xfrm>
+      </p:grpSpPr>
+      <p:sp>
+        <p:nvSpPr>
+          <p:cNvPr id="2" name="Title 1">
+            <a:extLst>
+              <a:ext uri="{FF2B5EF4-FFF2-40B4-BE49-F238E27FC236}">
+                <a16:creationId xmlns:a16="http://schemas.microsoft.com/office/drawing/2014/main" id="{750ADED0-C0EC-46CC-B4D1-770A80CB767A}"/>
+              </a:ext>
+            </a:extLst>
+          </p:cNvPr>
+          <p:cNvSpPr>
+            <a:spLocks noGrp="1"/>
+          </p:cNvSpPr>
+          <p:nvPr>
+            <p:ph type="title"/>
+          </p:nvPr>
+        </p:nvSpPr>
+        <p:spPr>
+          <a:xfrm>
+            <a:off x="879231" y="281354"/>
+            <a:ext cx="11025776" cy="993531"/>
+          </a:xfrm>
+        </p:spPr>
+        <p:txBody>
+          <a:bodyPr>
+            <a:normAutofit/>
+          </a:bodyPr>
+          <a:lstStyle/>
+          <a:p>
+            <a:r>
+              <a:rPr lang="en-GB" dirty="0"/>
+              <a:t>Generating building shapes</a:t>
+            </a:r>
+          </a:p>
+        </p:txBody>
+      </p:sp>
+      <p:pic>
+        <p:nvPicPr>
+          <p:cNvPr id="5" name="Picture 4">
+            <a:extLst>
+              <a:ext uri="{FF2B5EF4-FFF2-40B4-BE49-F238E27FC236}">
+                <a16:creationId xmlns:a16="http://schemas.microsoft.com/office/drawing/2014/main" id="{E8B25CC4-AC0C-463B-9369-C869274DC3BB}"/>
+              </a:ext>
+            </a:extLst>
+          </p:cNvPr>
+          <p:cNvPicPr>
+            <a:picLocks noChangeAspect="1"/>
+          </p:cNvPicPr>
+          <p:nvPr/>
+        </p:nvPicPr>
+        <p:blipFill rotWithShape="1">
+          <a:blip r:embed="rId3">
+            <a:extLst>
+              <a:ext uri="{28A0092B-C50C-407E-A947-70E740481C1C}">
+                <a14:useLocalDpi xmlns:a14="http://schemas.microsoft.com/office/drawing/2010/main" val="0"/>
+              </a:ext>
+            </a:extLst>
+          </a:blip>
+          <a:srcRect l="19327" t="23689" r="39244" b="36467"/>
+          <a:stretch/>
+        </p:blipFill>
+        <p:spPr>
+          <a:xfrm>
+            <a:off x="879231" y="2257425"/>
+            <a:ext cx="2897037" cy="2952750"/>
+          </a:xfrm>
+          <a:prstGeom prst="rect">
+            <a:avLst/>
+          </a:prstGeom>
+        </p:spPr>
+      </p:pic>
+      <p:pic>
+        <p:nvPicPr>
+          <p:cNvPr id="11" name="Picture 10">
+            <a:extLst>
+              <a:ext uri="{FF2B5EF4-FFF2-40B4-BE49-F238E27FC236}">
+                <a16:creationId xmlns:a16="http://schemas.microsoft.com/office/drawing/2014/main" id="{797E735B-0619-40D6-BEDA-A18C9F3F3962}"/>
+              </a:ext>
+            </a:extLst>
+          </p:cNvPr>
+          <p:cNvPicPr>
+            <a:picLocks noChangeAspect="1"/>
+          </p:cNvPicPr>
+          <p:nvPr/>
+        </p:nvPicPr>
+        <p:blipFill rotWithShape="1">
+          <a:blip r:embed="rId4">
+            <a:extLst>
+              <a:ext uri="{28A0092B-C50C-407E-A947-70E740481C1C}">
+                <a14:useLocalDpi xmlns:a14="http://schemas.microsoft.com/office/drawing/2010/main" val="0"/>
+              </a:ext>
+            </a:extLst>
+          </a:blip>
+          <a:srcRect l="18730" t="22748" r="38249" b="43234"/>
+          <a:stretch/>
+        </p:blipFill>
+        <p:spPr>
+          <a:xfrm>
+            <a:off x="8381283" y="2257425"/>
+            <a:ext cx="3523724" cy="2952750"/>
+          </a:xfrm>
+          <a:prstGeom prst="rect">
+            <a:avLst/>
+          </a:prstGeom>
+        </p:spPr>
+      </p:pic>
+      <p:pic>
+        <p:nvPicPr>
+          <p:cNvPr id="13" name="Picture 12">
+            <a:extLst>
+              <a:ext uri="{FF2B5EF4-FFF2-40B4-BE49-F238E27FC236}">
+                <a16:creationId xmlns:a16="http://schemas.microsoft.com/office/drawing/2014/main" id="{009ACEB5-AB78-4004-A8E1-79EC1378ACA0}"/>
+              </a:ext>
+            </a:extLst>
+          </p:cNvPr>
+          <p:cNvPicPr>
+            <a:picLocks noChangeAspect="1"/>
+          </p:cNvPicPr>
+          <p:nvPr/>
+        </p:nvPicPr>
+        <p:blipFill rotWithShape="1">
+          <a:blip r:embed="rId5">
+            <a:extLst>
+              <a:ext uri="{28A0092B-C50C-407E-A947-70E740481C1C}">
+                <a14:useLocalDpi xmlns:a14="http://schemas.microsoft.com/office/drawing/2010/main" val="0"/>
+              </a:ext>
+            </a:extLst>
+          </a:blip>
+          <a:srcRect l="18730" t="23659" r="39244" b="36656"/>
+          <a:stretch/>
+        </p:blipFill>
+        <p:spPr>
+          <a:xfrm>
+            <a:off x="4603476" y="2257425"/>
+            <a:ext cx="2950599" cy="2952750"/>
+          </a:xfrm>
+          <a:prstGeom prst="rect">
+            <a:avLst/>
+          </a:prstGeom>
+        </p:spPr>
+      </p:pic>
+    </p:spTree>
+    <p:extLst>
+      <p:ext uri="{BB962C8B-B14F-4D97-AF65-F5344CB8AC3E}">
+        <p14:creationId xmlns:p14="http://schemas.microsoft.com/office/powerpoint/2010/main" val="2917869924"/>
+      </p:ext>
+    </p:extLst>
+  </p:cSld>
+  <p:clrMapOvr>
+    <a:masterClrMapping/>
+  </p:clrMapOvr>
+</p:sld>
+</file>
+
+<file path=ppt/slides/slide26.xml><?xml version="1.0" encoding="utf-8"?>
+<p:sld xmlns:a="http://schemas.openxmlformats.org/drawingml/2006/main" xmlns:r="http://schemas.openxmlformats.org/officeDocument/2006/relationships" xmlns:p="http://schemas.openxmlformats.org/presentationml/2006/main">
+  <p:cSld>
+    <p:spTree>
+      <p:nvGrpSpPr>
+        <p:cNvPr id="1" name=""/>
+        <p:cNvGrpSpPr/>
+        <p:nvPr/>
+      </p:nvGrpSpPr>
+      <p:grpSpPr>
+        <a:xfrm>
+          <a:off x="0" y="0"/>
+          <a:ext cx="0" cy="0"/>
+          <a:chOff x="0" y="0"/>
+          <a:chExt cx="0" cy="0"/>
+        </a:xfrm>
+      </p:grpSpPr>
+      <p:sp>
+        <p:nvSpPr>
+          <p:cNvPr id="2" name="Title 1">
+            <a:extLst>
+              <a:ext uri="{FF2B5EF4-FFF2-40B4-BE49-F238E27FC236}">
+                <a16:creationId xmlns:a16="http://schemas.microsoft.com/office/drawing/2014/main" id="{750ADED0-C0EC-46CC-B4D1-770A80CB767A}"/>
+              </a:ext>
+            </a:extLst>
+          </p:cNvPr>
+          <p:cNvSpPr>
+            <a:spLocks noGrp="1"/>
+          </p:cNvSpPr>
+          <p:nvPr>
+            <p:ph type="title"/>
+          </p:nvPr>
+        </p:nvSpPr>
+        <p:spPr>
+          <a:xfrm>
+            <a:off x="879231" y="281354"/>
+            <a:ext cx="11025776" cy="993531"/>
+          </a:xfrm>
+        </p:spPr>
+        <p:txBody>
+          <a:bodyPr>
+            <a:normAutofit/>
+          </a:bodyPr>
+          <a:lstStyle/>
+          <a:p>
+            <a:r>
+              <a:rPr lang="en-GB" dirty="0"/>
+              <a:t>Generating building shapes</a:t>
+            </a:r>
+          </a:p>
+        </p:txBody>
+      </p:sp>
+      <p:pic>
+        <p:nvPicPr>
+          <p:cNvPr id="5" name="Picture 4">
+            <a:extLst>
+              <a:ext uri="{FF2B5EF4-FFF2-40B4-BE49-F238E27FC236}">
+                <a16:creationId xmlns:a16="http://schemas.microsoft.com/office/drawing/2014/main" id="{CBAB9335-DADD-496E-AEF4-EF016CE7F077}"/>
+              </a:ext>
+            </a:extLst>
+          </p:cNvPr>
+          <p:cNvPicPr>
+            <a:picLocks noChangeAspect="1"/>
+          </p:cNvPicPr>
+          <p:nvPr/>
+        </p:nvPicPr>
+        <p:blipFill rotWithShape="1">
+          <a:blip r:embed="rId3">
+            <a:extLst>
+              <a:ext uri="{28A0092B-C50C-407E-A947-70E740481C1C}">
+                <a14:useLocalDpi xmlns:a14="http://schemas.microsoft.com/office/drawing/2010/main" val="0"/>
+              </a:ext>
+            </a:extLst>
+          </a:blip>
+          <a:srcRect t="22246" b="11954"/>
+          <a:stretch/>
+        </p:blipFill>
+        <p:spPr>
+          <a:xfrm>
+            <a:off x="2881985" y="1503485"/>
+            <a:ext cx="7020267" cy="4888921"/>
+          </a:xfrm>
+          <a:prstGeom prst="rect">
+            <a:avLst/>
+          </a:prstGeom>
+        </p:spPr>
+      </p:pic>
+    </p:spTree>
+    <p:extLst>
+      <p:ext uri="{BB962C8B-B14F-4D97-AF65-F5344CB8AC3E}">
+        <p14:creationId xmlns:p14="http://schemas.microsoft.com/office/powerpoint/2010/main" val="572720946"/>
+      </p:ext>
+    </p:extLst>
+  </p:cSld>
+  <p:clrMapOvr>
+    <a:masterClrMapping/>
+  </p:clrMapOvr>
+</p:sld>
+</file>
+
+<file path=ppt/slides/slide27.xml><?xml version="1.0" encoding="utf-8"?>
+<p:sld xmlns:a="http://schemas.openxmlformats.org/drawingml/2006/main" xmlns:r="http://schemas.openxmlformats.org/officeDocument/2006/relationships" xmlns:p="http://schemas.openxmlformats.org/presentationml/2006/main">
+  <p:cSld>
+    <p:spTree>
+      <p:nvGrpSpPr>
+        <p:cNvPr id="1" name=""/>
+        <p:cNvGrpSpPr/>
+        <p:nvPr/>
+      </p:nvGrpSpPr>
+      <p:grpSpPr>
+        <a:xfrm>
+          <a:off x="0" y="0"/>
+          <a:ext cx="0" cy="0"/>
+          <a:chOff x="0" y="0"/>
+          <a:chExt cx="0" cy="0"/>
+        </a:xfrm>
+      </p:grpSpPr>
+      <p:sp>
+        <p:nvSpPr>
+          <p:cNvPr id="2" name="Title 1">
+            <a:extLst>
+              <a:ext uri="{FF2B5EF4-FFF2-40B4-BE49-F238E27FC236}">
+                <a16:creationId xmlns:a16="http://schemas.microsoft.com/office/drawing/2014/main" id="{750ADED0-C0EC-46CC-B4D1-770A80CB767A}"/>
+              </a:ext>
+            </a:extLst>
+          </p:cNvPr>
+          <p:cNvSpPr>
+            <a:spLocks noGrp="1"/>
+          </p:cNvSpPr>
+          <p:nvPr>
+            <p:ph type="title"/>
+          </p:nvPr>
+        </p:nvSpPr>
+        <p:spPr>
+          <a:xfrm>
+            <a:off x="879231" y="281354"/>
+            <a:ext cx="11025776" cy="993531"/>
+          </a:xfrm>
+        </p:spPr>
+        <p:txBody>
+          <a:bodyPr>
+            <a:normAutofit/>
+          </a:bodyPr>
+          <a:lstStyle/>
+          <a:p>
+            <a:r>
+              <a:rPr lang="en-GB" dirty="0"/>
               <a:t>Future goals</a:t>
             </a:r>
           </a:p>
@@ -12669,7 +13574,7 @@
 </p:sld>
 </file>
 
-<file path=ppt/slides/slide23.xml><?xml version="1.0" encoding="utf-8"?>
+<file path=ppt/slides/slide28.xml><?xml version="1.0" encoding="utf-8"?>
 <p:sld xmlns:a="http://schemas.openxmlformats.org/drawingml/2006/main" xmlns:r="http://schemas.openxmlformats.org/officeDocument/2006/relationships" xmlns:p="http://schemas.openxmlformats.org/presentationml/2006/main">
   <p:cSld>
     <p:spTree>
@@ -12829,7 +13734,7 @@
         <p:spPr>
           <a:xfrm>
             <a:off x="879231" y="1274886"/>
-            <a:ext cx="10433538" cy="2154114"/>
+            <a:ext cx="10433538" cy="2268414"/>
           </a:xfrm>
           <a:prstGeom prst="rect">
             <a:avLst/>
@@ -13061,6 +13966,17 @@
             <a:r>
               <a:rPr lang="en-GB" sz="1800" dirty="0"/>
               <a:t>L-systems</a:t>
+            </a:r>
+          </a:p>
+          <a:p>
+            <a:pPr lvl="1">
+              <a:lnSpc>
+                <a:spcPct val="100000"/>
+              </a:lnSpc>
+            </a:pPr>
+            <a:r>
+              <a:rPr lang="en-GB" sz="1800" dirty="0"/>
+              <a:t>Minimum spanning tree</a:t>
             </a:r>
           </a:p>
           <a:p>
@@ -14164,7 +15080,7 @@
           <p:nvPr/>
         </p:nvPicPr>
         <p:blipFill rotWithShape="1">
-          <a:blip r:embed="rId2">
+          <a:blip r:embed="rId3">
             <a:extLst>
               <a:ext uri="{28A0092B-C50C-407E-A947-70E740481C1C}">
                 <a14:useLocalDpi xmlns:a14="http://schemas.microsoft.com/office/drawing/2010/main" val="0"/>

--- a/Presentation.pptx
+++ b/Presentation.pptx
@@ -267,7 +267,7 @@
           <a:p>
             <a:fld id="{6A5540B2-652F-4A41-9C7B-AA8B5C9F5541}" type="datetimeFigureOut">
               <a:rPr lang="en-GB" smtClean="0"/>
-              <a:t>26/02/2018</a:t>
+              <a:t>27/02/2018</a:t>
             </a:fld>
             <a:endParaRPr lang="en-GB"/>
           </a:p>
@@ -1123,6 +1123,90 @@
 </p:notes>
 </file>
 
+<file path=ppt/notesSlides/notesSlide8.xml><?xml version="1.0" encoding="utf-8"?>
+<p:notes xmlns:a="http://schemas.openxmlformats.org/drawingml/2006/main" xmlns:r="http://schemas.openxmlformats.org/officeDocument/2006/relationships" xmlns:p="http://schemas.openxmlformats.org/presentationml/2006/main">
+  <p:cSld>
+    <p:spTree>
+      <p:nvGrpSpPr>
+        <p:cNvPr id="1" name=""/>
+        <p:cNvGrpSpPr/>
+        <p:nvPr/>
+      </p:nvGrpSpPr>
+      <p:grpSpPr>
+        <a:xfrm>
+          <a:off x="0" y="0"/>
+          <a:ext cx="0" cy="0"/>
+          <a:chOff x="0" y="0"/>
+          <a:chExt cx="0" cy="0"/>
+        </a:xfrm>
+      </p:grpSpPr>
+      <p:sp>
+        <p:nvSpPr>
+          <p:cNvPr id="2" name="Slide Image Placeholder 1"/>
+          <p:cNvSpPr>
+            <a:spLocks noGrp="1" noRot="1" noChangeAspect="1"/>
+          </p:cNvSpPr>
+          <p:nvPr>
+            <p:ph type="sldImg"/>
+          </p:nvPr>
+        </p:nvSpPr>
+        <p:spPr/>
+      </p:sp>
+      <p:sp>
+        <p:nvSpPr>
+          <p:cNvPr id="3" name="Notes Placeholder 2"/>
+          <p:cNvSpPr>
+            <a:spLocks noGrp="1"/>
+          </p:cNvSpPr>
+          <p:nvPr>
+            <p:ph type="body" idx="1"/>
+          </p:nvPr>
+        </p:nvSpPr>
+        <p:spPr/>
+        <p:txBody>
+          <a:bodyPr/>
+          <a:lstStyle/>
+          <a:p>
+            <a:endParaRPr lang="en-GB"/>
+          </a:p>
+        </p:txBody>
+      </p:sp>
+      <p:sp>
+        <p:nvSpPr>
+          <p:cNvPr id="4" name="Slide Number Placeholder 3"/>
+          <p:cNvSpPr>
+            <a:spLocks noGrp="1"/>
+          </p:cNvSpPr>
+          <p:nvPr>
+            <p:ph type="sldNum" sz="quarter" idx="10"/>
+          </p:nvPr>
+        </p:nvSpPr>
+        <p:spPr/>
+        <p:txBody>
+          <a:bodyPr/>
+          <a:lstStyle/>
+          <a:p>
+            <a:fld id="{D8D247D5-E5FD-4D98-9008-338DDEB6C507}" type="slidenum">
+              <a:rPr lang="en-GB" smtClean="0"/>
+              <a:t>28</a:t>
+            </a:fld>
+            <a:endParaRPr lang="en-GB"/>
+          </a:p>
+        </p:txBody>
+      </p:sp>
+    </p:spTree>
+    <p:extLst>
+      <p:ext uri="{BB962C8B-B14F-4D97-AF65-F5344CB8AC3E}">
+        <p14:creationId xmlns:p14="http://schemas.microsoft.com/office/powerpoint/2010/main" val="4251042205"/>
+      </p:ext>
+    </p:extLst>
+  </p:cSld>
+  <p:clrMapOvr>
+    <a:masterClrMapping/>
+  </p:clrMapOvr>
+</p:notes>
+</file>
+
 <file path=ppt/slideLayouts/slideLayout1.xml><?xml version="1.0" encoding="utf-8"?>
 <p:sldLayout xmlns:a="http://schemas.openxmlformats.org/drawingml/2006/main" xmlns:r="http://schemas.openxmlformats.org/officeDocument/2006/relationships" xmlns:p="http://schemas.openxmlformats.org/presentationml/2006/main" showMasterSp="0" type="title" preserve="1">
   <p:cSld name="Title Slide">
@@ -1292,7 +1376,7 @@
           <a:p>
             <a:fld id="{7755CC85-1475-4064-B921-9EA614CEF79B}" type="datetimeFigureOut">
               <a:rPr lang="en-GB" smtClean="0"/>
-              <a:t>26/02/2018</a:t>
+              <a:t>27/02/2018</a:t>
             </a:fld>
             <a:endParaRPr lang="en-GB"/>
           </a:p>
@@ -1622,7 +1706,7 @@
           <a:p>
             <a:fld id="{7755CC85-1475-4064-B921-9EA614CEF79B}" type="datetimeFigureOut">
               <a:rPr lang="en-GB" smtClean="0"/>
-              <a:t>26/02/2018</a:t>
+              <a:t>27/02/2018</a:t>
             </a:fld>
             <a:endParaRPr lang="en-GB"/>
           </a:p>
@@ -1802,7 +1886,7 @@
           <a:p>
             <a:fld id="{7755CC85-1475-4064-B921-9EA614CEF79B}" type="datetimeFigureOut">
               <a:rPr lang="en-GB" smtClean="0"/>
-              <a:t>26/02/2018</a:t>
+              <a:t>27/02/2018</a:t>
             </a:fld>
             <a:endParaRPr lang="en-GB"/>
           </a:p>
@@ -1972,7 +2056,7 @@
           <a:p>
             <a:fld id="{7755CC85-1475-4064-B921-9EA614CEF79B}" type="datetimeFigureOut">
               <a:rPr lang="en-GB" smtClean="0"/>
-              <a:t>26/02/2018</a:t>
+              <a:t>27/02/2018</a:t>
             </a:fld>
             <a:endParaRPr lang="en-GB"/>
           </a:p>
@@ -2249,7 +2333,7 @@
           <a:p>
             <a:fld id="{7755CC85-1475-4064-B921-9EA614CEF79B}" type="datetimeFigureOut">
               <a:rPr lang="en-GB" smtClean="0"/>
-              <a:t>26/02/2018</a:t>
+              <a:t>27/02/2018</a:t>
             </a:fld>
             <a:endParaRPr lang="en-GB"/>
           </a:p>
@@ -2643,7 +2727,7 @@
           <a:p>
             <a:fld id="{7755CC85-1475-4064-B921-9EA614CEF79B}" type="datetimeFigureOut">
               <a:rPr lang="en-GB" smtClean="0"/>
-              <a:t>26/02/2018</a:t>
+              <a:t>27/02/2018</a:t>
             </a:fld>
             <a:endParaRPr lang="en-GB"/>
           </a:p>
@@ -3120,7 +3204,7 @@
           <a:p>
             <a:fld id="{7755CC85-1475-4064-B921-9EA614CEF79B}" type="datetimeFigureOut">
               <a:rPr lang="en-GB" smtClean="0"/>
-              <a:t>26/02/2018</a:t>
+              <a:t>27/02/2018</a:t>
             </a:fld>
             <a:endParaRPr lang="en-GB"/>
           </a:p>
@@ -3238,7 +3322,7 @@
           <a:p>
             <a:fld id="{7755CC85-1475-4064-B921-9EA614CEF79B}" type="datetimeFigureOut">
               <a:rPr lang="en-GB" smtClean="0"/>
-              <a:t>26/02/2018</a:t>
+              <a:t>27/02/2018</a:t>
             </a:fld>
             <a:endParaRPr lang="en-GB"/>
           </a:p>
@@ -3333,7 +3417,7 @@
           <a:p>
             <a:fld id="{7755CC85-1475-4064-B921-9EA614CEF79B}" type="datetimeFigureOut">
               <a:rPr lang="en-GB" smtClean="0"/>
-              <a:t>26/02/2018</a:t>
+              <a:t>27/02/2018</a:t>
             </a:fld>
             <a:endParaRPr lang="en-GB"/>
           </a:p>
@@ -3679,7 +3763,7 @@
           <a:p>
             <a:fld id="{7755CC85-1475-4064-B921-9EA614CEF79B}" type="datetimeFigureOut">
               <a:rPr lang="en-GB" smtClean="0"/>
-              <a:t>26/02/2018</a:t>
+              <a:t>27/02/2018</a:t>
             </a:fld>
             <a:endParaRPr lang="en-GB"/>
           </a:p>
@@ -4067,7 +4151,7 @@
           <a:p>
             <a:fld id="{7755CC85-1475-4064-B921-9EA614CEF79B}" type="datetimeFigureOut">
               <a:rPr lang="en-GB" smtClean="0"/>
-              <a:t>26/02/2018</a:t>
+              <a:t>27/02/2018</a:t>
             </a:fld>
             <a:endParaRPr lang="en-GB"/>
           </a:p>
@@ -4345,7 +4429,7 @@
           <a:p>
             <a:fld id="{7755CC85-1475-4064-B921-9EA614CEF79B}" type="datetimeFigureOut">
               <a:rPr lang="en-GB" smtClean="0"/>
-              <a:t>26/02/2018</a:t>
+              <a:t>27/02/2018</a:t>
             </a:fld>
             <a:endParaRPr lang="en-GB"/>
           </a:p>
@@ -5527,41 +5611,69 @@
           </a:p>
         </p:txBody>
       </p:sp>
-      <p:pic>
-        <p:nvPicPr>
-          <p:cNvPr id="9" name="Picture 8">
+      <p:graphicFrame>
+        <p:nvGraphicFramePr>
+          <p:cNvPr id="6" name="Object 5">
             <a:extLst>
               <a:ext uri="{FF2B5EF4-FFF2-40B4-BE49-F238E27FC236}">
-                <a16:creationId xmlns:a16="http://schemas.microsoft.com/office/drawing/2014/main" id="{825FD9C7-B247-4304-8818-546F57E613D8}"/>
+                <a16:creationId xmlns:a16="http://schemas.microsoft.com/office/drawing/2014/main" id="{7209CB35-A187-4C74-BE93-646B79B765DE}"/>
               </a:ext>
             </a:extLst>
           </p:cNvPr>
-          <p:cNvPicPr>
-            <a:picLocks noChangeAspect="1"/>
-          </p:cNvPicPr>
-          <p:nvPr/>
-        </p:nvPicPr>
-        <p:blipFill rotWithShape="1">
-          <a:blip r:embed="rId2">
-            <a:extLst>
-              <a:ext uri="{28A0092B-C50C-407E-A947-70E740481C1C}">
-                <a14:useLocalDpi xmlns:a14="http://schemas.microsoft.com/office/drawing/2010/main" val="0"/>
-              </a:ext>
-            </a:extLst>
-          </a:blip>
-          <a:srcRect t="6022"/>
-          <a:stretch/>
-        </p:blipFill>
-        <p:spPr>
-          <a:xfrm>
-            <a:off x="7210015" y="1274883"/>
-            <a:ext cx="4238202" cy="4221041"/>
-          </a:xfrm>
-          <a:prstGeom prst="rect">
-            <a:avLst/>
-          </a:prstGeom>
-        </p:spPr>
-      </p:pic>
+          <p:cNvGraphicFramePr>
+            <a:graphicFrameLocks noChangeAspect="1"/>
+          </p:cNvGraphicFramePr>
+          <p:nvPr>
+            <p:extLst>
+              <p:ext uri="{D42A27DB-BD31-4B8C-83A1-F6EECF244321}">
+                <p14:modId xmlns:p14="http://schemas.microsoft.com/office/powerpoint/2010/main" val="2492537745"/>
+              </p:ext>
+            </p:extLst>
+          </p:nvPr>
+        </p:nvGraphicFramePr>
+        <p:xfrm>
+          <a:off x="7515605" y="1274884"/>
+          <a:ext cx="3627022" cy="4189104"/>
+        </p:xfrm>
+        <a:graphic>
+          <a:graphicData uri="http://schemas.openxmlformats.org/presentationml/2006/ole">
+            <mc:AlternateContent xmlns:mc="http://schemas.openxmlformats.org/markup-compatibility/2006">
+              <mc:Choice xmlns:v="urn:schemas-microsoft-com:vml" Requires="v">
+                <p:oleObj spid="_x0000_s1031" name="Image" r:id="rId3" imgW="3258000" imgH="3762720" progId="Photoshop.Image.13">
+                  <p:embed/>
+                </p:oleObj>
+              </mc:Choice>
+              <mc:Fallback>
+                <p:oleObj name="Image" r:id="rId3" imgW="3258000" imgH="3762720" progId="Photoshop.Image.13">
+                  <p:embed/>
+                  <p:pic>
+                    <p:nvPicPr>
+                      <p:cNvPr id="0" name=""/>
+                      <p:cNvPicPr/>
+                      <p:nvPr/>
+                    </p:nvPicPr>
+                    <p:blipFill>
+                      <a:blip r:embed="rId4"/>
+                      <a:stretch>
+                        <a:fillRect/>
+                      </a:stretch>
+                    </p:blipFill>
+                    <p:spPr>
+                      <a:xfrm>
+                        <a:off x="7515605" y="1274884"/>
+                        <a:ext cx="3627022" cy="4189104"/>
+                      </a:xfrm>
+                      <a:prstGeom prst="rect">
+                        <a:avLst/>
+                      </a:prstGeom>
+                    </p:spPr>
+                  </p:pic>
+                </p:oleObj>
+              </mc:Fallback>
+            </mc:AlternateContent>
+          </a:graphicData>
+        </a:graphic>
+      </p:graphicFrame>
     </p:spTree>
     <p:extLst>
       <p:ext uri="{BB962C8B-B14F-4D97-AF65-F5344CB8AC3E}">
@@ -5947,7 +6059,7 @@
         <p:spPr>
           <a:xfrm>
             <a:off x="879231" y="1274884"/>
-            <a:ext cx="5873994" cy="3954341"/>
+            <a:ext cx="4980393" cy="3954341"/>
           </a:xfrm>
           <a:prstGeom prst="rect">
             <a:avLst/>
@@ -5960,7 +6072,7 @@
         </p:spPr>
         <p:txBody>
           <a:bodyPr vert="horz" lIns="91440" tIns="45720" rIns="91440" bIns="45720" rtlCol="0">
-            <a:normAutofit lnSpcReduction="10000"/>
+            <a:normAutofit/>
           </a:bodyPr>
           <a:lstStyle>
             <a:lvl1pPr marL="384048" indent="-384048" algn="l" defTabSz="914400" rtl="0" eaLnBrk="1" latinLnBrk="0" hangingPunct="1">
@@ -6156,15 +6268,7 @@
           <a:p>
             <a:r>
               <a:rPr lang="en-GB" dirty="0"/>
-              <a:t>"It is reasonable that roads in a higher populated area should be also denser to alleviate the traffic flow burden and people everywhere should have easy </a:t>
-            </a:r>
-            <a:r>
-              <a:rPr lang="en-GB" dirty="0" err="1"/>
-              <a:t>acess</a:t>
-            </a:r>
-            <a:r>
-              <a:rPr lang="en-GB" dirty="0"/>
-              <a:t> to the road. Taking these tw3o aspects into consideration, we use </a:t>
+              <a:t>Higher populated areas should have a denser road populate to alleviate traffic flow, we therefore use a </a:t>
             </a:r>
             <a:r>
               <a:rPr lang="en-GB" dirty="0" err="1"/>
@@ -6172,7 +6276,14 @@
             </a:r>
             <a:r>
               <a:rPr lang="en-GB" dirty="0"/>
-              <a:t> diagram as the rule of population-based template" (Sun, J. Yu, X. </a:t>
+              <a:t> diagram as the template.</a:t>
+            </a:r>
+            <a:br>
+              <a:rPr lang="en-GB" dirty="0"/>
+            </a:br>
+            <a:r>
+              <a:rPr lang="en-GB" dirty="0"/>
+              <a:t>(Sun, J. Yu, X. </a:t>
             </a:r>
             <a:r>
               <a:rPr lang="en-GB" dirty="0" err="1"/>
@@ -6205,7 +6316,14 @@
             </a:r>
             <a:r>
               <a:rPr lang="en-GB" dirty="0"/>
-              <a:t> edges we get are the resulting roads." (Sun, J. Yu, X. </a:t>
+              <a:t> edges we get are the resulting roads." </a:t>
+            </a:r>
+            <a:br>
+              <a:rPr lang="en-GB" dirty="0"/>
+            </a:br>
+            <a:r>
+              <a:rPr lang="en-GB" dirty="0"/>
+              <a:t>(Sun, J. Yu, X. </a:t>
             </a:r>
             <a:r>
               <a:rPr lang="en-GB" dirty="0" err="1"/>
@@ -6218,41 +6336,69 @@
           </a:p>
         </p:txBody>
       </p:sp>
-      <p:pic>
-        <p:nvPicPr>
-          <p:cNvPr id="9" name="Picture 8">
+      <p:graphicFrame>
+        <p:nvGraphicFramePr>
+          <p:cNvPr id="10" name="Object 9">
             <a:extLst>
               <a:ext uri="{FF2B5EF4-FFF2-40B4-BE49-F238E27FC236}">
-                <a16:creationId xmlns:a16="http://schemas.microsoft.com/office/drawing/2014/main" id="{163BA30C-CA1F-4E06-84A0-1DED64D46C52}"/>
+                <a16:creationId xmlns:a16="http://schemas.microsoft.com/office/drawing/2014/main" id="{F85EFF29-EC68-4DA3-8209-7C6A7C6BACD6}"/>
               </a:ext>
             </a:extLst>
           </p:cNvPr>
-          <p:cNvPicPr>
-            <a:picLocks noChangeAspect="1"/>
-          </p:cNvPicPr>
-          <p:nvPr/>
-        </p:nvPicPr>
-        <p:blipFill rotWithShape="1">
-          <a:blip r:embed="rId2">
-            <a:extLst>
-              <a:ext uri="{28A0092B-C50C-407E-A947-70E740481C1C}">
-                <a14:useLocalDpi xmlns:a14="http://schemas.microsoft.com/office/drawing/2010/main" val="0"/>
-              </a:ext>
-            </a:extLst>
-          </a:blip>
-          <a:srcRect t="4102"/>
-          <a:stretch/>
-        </p:blipFill>
-        <p:spPr>
-          <a:xfrm>
-            <a:off x="6941594" y="1966180"/>
-            <a:ext cx="4775043" cy="2686050"/>
-          </a:xfrm>
-          <a:prstGeom prst="rect">
-            <a:avLst/>
-          </a:prstGeom>
-        </p:spPr>
-      </p:pic>
+          <p:cNvGraphicFramePr>
+            <a:graphicFrameLocks noChangeAspect="1"/>
+          </p:cNvGraphicFramePr>
+          <p:nvPr>
+            <p:extLst>
+              <p:ext uri="{D42A27DB-BD31-4B8C-83A1-F6EECF244321}">
+                <p14:modId xmlns:p14="http://schemas.microsoft.com/office/powerpoint/2010/main" val="2342997078"/>
+              </p:ext>
+            </p:extLst>
+          </p:nvPr>
+        </p:nvGraphicFramePr>
+        <p:xfrm>
+          <a:off x="5939938" y="1656996"/>
+          <a:ext cx="5965069" cy="3199005"/>
+        </p:xfrm>
+        <a:graphic>
+          <a:graphicData uri="http://schemas.openxmlformats.org/presentationml/2006/ole">
+            <mc:AlternateContent xmlns:mc="http://schemas.openxmlformats.org/markup-compatibility/2006">
+              <mc:Choice xmlns:v="urn:schemas-microsoft-com:vml" Requires="v">
+                <p:oleObj spid="_x0000_s2056" name="Image" r:id="rId3" imgW="9164160" imgH="4915440" progId="Photoshop.Image.13">
+                  <p:embed/>
+                </p:oleObj>
+              </mc:Choice>
+              <mc:Fallback>
+                <p:oleObj name="Image" r:id="rId3" imgW="9164160" imgH="4915440" progId="Photoshop.Image.13">
+                  <p:embed/>
+                  <p:pic>
+                    <p:nvPicPr>
+                      <p:cNvPr id="0" name=""/>
+                      <p:cNvPicPr/>
+                      <p:nvPr/>
+                    </p:nvPicPr>
+                    <p:blipFill>
+                      <a:blip r:embed="rId4"/>
+                      <a:stretch>
+                        <a:fillRect/>
+                      </a:stretch>
+                    </p:blipFill>
+                    <p:spPr>
+                      <a:xfrm>
+                        <a:off x="5939938" y="1656996"/>
+                        <a:ext cx="5965069" cy="3199005"/>
+                      </a:xfrm>
+                      <a:prstGeom prst="rect">
+                        <a:avLst/>
+                      </a:prstGeom>
+                    </p:spPr>
+                  </p:pic>
+                </p:oleObj>
+              </mc:Fallback>
+            </mc:AlternateContent>
+          </a:graphicData>
+        </a:graphic>
+      </p:graphicFrame>
     </p:spTree>
     <p:extLst>
       <p:ext uri="{BB962C8B-B14F-4D97-AF65-F5344CB8AC3E}">
@@ -11143,15 +11289,15 @@
       </p:sp>
       <p:pic>
         <p:nvPicPr>
-          <p:cNvPr id="9" name="Picture 8">
+          <p:cNvPr id="3076" name="Picture 4" descr="https://josephbarberfinalproject.files.wordpress.com/2018/02/2.png?w=1000&amp;h=">
             <a:extLst>
               <a:ext uri="{FF2B5EF4-FFF2-40B4-BE49-F238E27FC236}">
-                <a16:creationId xmlns:a16="http://schemas.microsoft.com/office/drawing/2014/main" id="{E8379413-37A0-4A14-BB9F-2A132C750A1C}"/>
+                <a16:creationId xmlns:a16="http://schemas.microsoft.com/office/drawing/2014/main" id="{79B88B27-2E70-40B0-90CA-8E0C2C2A1D85}"/>
               </a:ext>
             </a:extLst>
           </p:cNvPr>
           <p:cNvPicPr>
-            <a:picLocks noChangeAspect="1"/>
+            <a:picLocks noChangeAspect="1" noChangeArrowheads="1"/>
           </p:cNvPicPr>
           <p:nvPr/>
         </p:nvPicPr>
@@ -11163,17 +11309,27 @@
               </a:ext>
             </a:extLst>
           </a:blip>
-          <a:srcRect t="6084"/>
+          <a:srcRect t="6153"/>
           <a:stretch/>
         </p:blipFill>
-        <p:spPr>
+        <p:spPr bwMode="auto">
           <a:xfrm>
-            <a:off x="7346438" y="1274884"/>
-            <a:ext cx="3965356" cy="3941466"/>
+            <a:off x="7329964" y="1274884"/>
+            <a:ext cx="3998303" cy="3971315"/>
           </a:xfrm>
           <a:prstGeom prst="rect">
             <a:avLst/>
           </a:prstGeom>
+          <a:noFill/>
+          <a:extLst>
+            <a:ext uri="{909E8E84-426E-40DD-AFC4-6F175D3DCCD1}">
+              <a14:hiddenFill xmlns:a14="http://schemas.microsoft.com/office/drawing/2010/main">
+                <a:solidFill>
+                  <a:srgbClr val="FFFFFF"/>
+                </a:solidFill>
+              </a14:hiddenFill>
+            </a:ext>
+          </a:extLst>
         </p:spPr>
       </p:pic>
     </p:spTree>
@@ -11241,41 +11397,6 @@
           </a:p>
         </p:txBody>
       </p:sp>
-      <p:pic>
-        <p:nvPicPr>
-          <p:cNvPr id="5" name="Picture 4">
-            <a:extLst>
-              <a:ext uri="{FF2B5EF4-FFF2-40B4-BE49-F238E27FC236}">
-                <a16:creationId xmlns:a16="http://schemas.microsoft.com/office/drawing/2014/main" id="{A9003B43-C777-490B-B820-E2E685FBDA79}"/>
-              </a:ext>
-            </a:extLst>
-          </p:cNvPr>
-          <p:cNvPicPr>
-            <a:picLocks noChangeAspect="1"/>
-          </p:cNvPicPr>
-          <p:nvPr/>
-        </p:nvPicPr>
-        <p:blipFill rotWithShape="1">
-          <a:blip r:embed="rId2">
-            <a:extLst>
-              <a:ext uri="{28A0092B-C50C-407E-A947-70E740481C1C}">
-                <a14:useLocalDpi xmlns:a14="http://schemas.microsoft.com/office/drawing/2010/main" val="0"/>
-              </a:ext>
-            </a:extLst>
-          </a:blip>
-          <a:srcRect t="5727"/>
-          <a:stretch/>
-        </p:blipFill>
-        <p:spPr>
-          <a:xfrm>
-            <a:off x="1261075" y="1274885"/>
-            <a:ext cx="5131044" cy="5119526"/>
-          </a:xfrm>
-          <a:prstGeom prst="rect">
-            <a:avLst/>
-          </a:prstGeom>
-        </p:spPr>
-      </p:pic>
       <p:pic>
         <p:nvPicPr>
           <p:cNvPr id="8" name="Picture 7">
@@ -11347,6 +11468,69 @@
           </a:prstGeom>
         </p:spPr>
       </p:pic>
+      <p:graphicFrame>
+        <p:nvGraphicFramePr>
+          <p:cNvPr id="3" name="Object 2">
+            <a:extLst>
+              <a:ext uri="{FF2B5EF4-FFF2-40B4-BE49-F238E27FC236}">
+                <a16:creationId xmlns:a16="http://schemas.microsoft.com/office/drawing/2014/main" id="{153AFC97-DDD7-4CF1-8FF1-479DFC041363}"/>
+              </a:ext>
+            </a:extLst>
+          </p:cNvPr>
+          <p:cNvGraphicFramePr>
+            <a:graphicFrameLocks noChangeAspect="1"/>
+          </p:cNvGraphicFramePr>
+          <p:nvPr>
+            <p:extLst>
+              <p:ext uri="{D42A27DB-BD31-4B8C-83A1-F6EECF244321}">
+                <p14:modId xmlns:p14="http://schemas.microsoft.com/office/powerpoint/2010/main" val="2939118264"/>
+              </p:ext>
+            </p:extLst>
+          </p:nvPr>
+        </p:nvGraphicFramePr>
+        <p:xfrm>
+          <a:off x="1546831" y="1274885"/>
+          <a:ext cx="5015045" cy="5033939"/>
+        </p:xfrm>
+        <a:graphic>
+          <a:graphicData uri="http://schemas.openxmlformats.org/presentationml/2006/ole">
+            <mc:AlternateContent xmlns:mc="http://schemas.openxmlformats.org/markup-compatibility/2006">
+              <mc:Choice xmlns:v="urn:schemas-microsoft-com:vml" Requires="v">
+                <p:oleObj spid="_x0000_s4103" name="Image" r:id="rId5" imgW="6742800" imgH="6768000" progId="Photoshop.Image.13">
+                  <p:embed/>
+                </p:oleObj>
+              </mc:Choice>
+              <mc:Fallback>
+                <p:oleObj name="Image" r:id="rId5" imgW="6742800" imgH="6768000" progId="Photoshop.Image.13">
+                  <p:embed/>
+                  <p:pic>
+                    <p:nvPicPr>
+                      <p:cNvPr id="0" name=""/>
+                      <p:cNvPicPr/>
+                      <p:nvPr/>
+                    </p:nvPicPr>
+                    <p:blipFill>
+                      <a:blip r:embed="rId6"/>
+                      <a:stretch>
+                        <a:fillRect/>
+                      </a:stretch>
+                    </p:blipFill>
+                    <p:spPr>
+                      <a:xfrm>
+                        <a:off x="1546831" y="1274885"/>
+                        <a:ext cx="5015045" cy="5033939"/>
+                      </a:xfrm>
+                      <a:prstGeom prst="rect">
+                        <a:avLst/>
+                      </a:prstGeom>
+                    </p:spPr>
+                  </p:pic>
+                </p:oleObj>
+              </mc:Fallback>
+            </mc:AlternateContent>
+          </a:graphicData>
+        </a:graphic>
+      </p:graphicFrame>
     </p:spTree>
     <p:extLst>
       <p:ext uri="{BB962C8B-B14F-4D97-AF65-F5344CB8AC3E}">
@@ -11412,41 +11596,69 @@
           </a:p>
         </p:txBody>
       </p:sp>
-      <p:pic>
-        <p:nvPicPr>
-          <p:cNvPr id="4" name="Picture 3">
+      <p:graphicFrame>
+        <p:nvGraphicFramePr>
+          <p:cNvPr id="3" name="Object 2">
             <a:extLst>
               <a:ext uri="{FF2B5EF4-FFF2-40B4-BE49-F238E27FC236}">
-                <a16:creationId xmlns:a16="http://schemas.microsoft.com/office/drawing/2014/main" id="{132354E3-93DE-40E2-8E67-AF9C751829D3}"/>
+                <a16:creationId xmlns:a16="http://schemas.microsoft.com/office/drawing/2014/main" id="{080E8002-1FE3-45DD-91D6-2A31AA2B4FF1}"/>
               </a:ext>
             </a:extLst>
           </p:cNvPr>
-          <p:cNvPicPr>
-            <a:picLocks noChangeAspect="1"/>
-          </p:cNvPicPr>
-          <p:nvPr/>
-        </p:nvPicPr>
-        <p:blipFill rotWithShape="1">
-          <a:blip r:embed="rId2">
-            <a:extLst>
-              <a:ext uri="{28A0092B-C50C-407E-A947-70E740481C1C}">
-                <a14:useLocalDpi xmlns:a14="http://schemas.microsoft.com/office/drawing/2010/main" val="0"/>
-              </a:ext>
-            </a:extLst>
-          </a:blip>
-          <a:srcRect l="5077" t="11964" r="6244" b="5901"/>
-          <a:stretch/>
-        </p:blipFill>
-        <p:spPr>
-          <a:xfrm>
-            <a:off x="3667969" y="1274885"/>
-            <a:ext cx="5448300" cy="5340768"/>
-          </a:xfrm>
-          <a:prstGeom prst="rect">
-            <a:avLst/>
-          </a:prstGeom>
-        </p:spPr>
-      </p:pic>
+          <p:cNvGraphicFramePr>
+            <a:graphicFrameLocks noChangeAspect="1"/>
+          </p:cNvGraphicFramePr>
+          <p:nvPr>
+            <p:extLst>
+              <p:ext uri="{D42A27DB-BD31-4B8C-83A1-F6EECF244321}">
+                <p14:modId xmlns:p14="http://schemas.microsoft.com/office/powerpoint/2010/main" val="325446853"/>
+              </p:ext>
+            </p:extLst>
+          </p:nvPr>
+        </p:nvGraphicFramePr>
+        <p:xfrm>
+          <a:off x="3484612" y="1010427"/>
+          <a:ext cx="5815013" cy="5676900"/>
+        </p:xfrm>
+        <a:graphic>
+          <a:graphicData uri="http://schemas.openxmlformats.org/presentationml/2006/ole">
+            <mc:AlternateContent xmlns:mc="http://schemas.openxmlformats.org/markup-compatibility/2006">
+              <mc:Choice xmlns:v="urn:schemas-microsoft-com:vml" Requires="v">
+                <p:oleObj spid="_x0000_s5127" name="Image" r:id="rId3" imgW="5815800" imgH="5676120" progId="Photoshop.Image.13">
+                  <p:embed/>
+                </p:oleObj>
+              </mc:Choice>
+              <mc:Fallback>
+                <p:oleObj name="Image" r:id="rId3" imgW="5815800" imgH="5676120" progId="Photoshop.Image.13">
+                  <p:embed/>
+                  <p:pic>
+                    <p:nvPicPr>
+                      <p:cNvPr id="0" name=""/>
+                      <p:cNvPicPr/>
+                      <p:nvPr/>
+                    </p:nvPicPr>
+                    <p:blipFill>
+                      <a:blip r:embed="rId4"/>
+                      <a:stretch>
+                        <a:fillRect/>
+                      </a:stretch>
+                    </p:blipFill>
+                    <p:spPr>
+                      <a:xfrm>
+                        <a:off x="3484612" y="1010427"/>
+                        <a:ext cx="5815013" cy="5676900"/>
+                      </a:xfrm>
+                      <a:prstGeom prst="rect">
+                        <a:avLst/>
+                      </a:prstGeom>
+                    </p:spPr>
+                  </p:pic>
+                </p:oleObj>
+              </mc:Fallback>
+            </mc:AlternateContent>
+          </a:graphicData>
+        </a:graphic>
+      </p:graphicFrame>
     </p:spTree>
     <p:extLst>
       <p:ext uri="{BB962C8B-B14F-4D97-AF65-F5344CB8AC3E}">
@@ -12853,41 +13065,69 @@
           </a:p>
         </p:txBody>
       </p:sp>
-      <p:pic>
-        <p:nvPicPr>
-          <p:cNvPr id="9" name="Picture 8">
+      <p:graphicFrame>
+        <p:nvGraphicFramePr>
+          <p:cNvPr id="5" name="Object 4">
             <a:extLst>
               <a:ext uri="{FF2B5EF4-FFF2-40B4-BE49-F238E27FC236}">
-                <a16:creationId xmlns:a16="http://schemas.microsoft.com/office/drawing/2014/main" id="{6F867BA4-82BF-46F4-B15A-0865D25399C0}"/>
+                <a16:creationId xmlns:a16="http://schemas.microsoft.com/office/drawing/2014/main" id="{B009526B-2469-4FC6-9F13-38BEBBD8A636}"/>
               </a:ext>
             </a:extLst>
           </p:cNvPr>
-          <p:cNvPicPr>
-            <a:picLocks noChangeAspect="1"/>
-          </p:cNvPicPr>
-          <p:nvPr/>
-        </p:nvPicPr>
-        <p:blipFill rotWithShape="1">
-          <a:blip r:embed="rId3">
-            <a:extLst>
-              <a:ext uri="{28A0092B-C50C-407E-A947-70E740481C1C}">
-                <a14:useLocalDpi xmlns:a14="http://schemas.microsoft.com/office/drawing/2010/main" val="0"/>
-              </a:ext>
-            </a:extLst>
-          </a:blip>
-          <a:srcRect l="8771" t="18050" r="26895" b="25567"/>
-          <a:stretch/>
-        </p:blipFill>
-        <p:spPr>
-          <a:xfrm>
-            <a:off x="7343153" y="1402745"/>
-            <a:ext cx="3971925" cy="3689094"/>
-          </a:xfrm>
-          <a:prstGeom prst="rect">
-            <a:avLst/>
-          </a:prstGeom>
-        </p:spPr>
-      </p:pic>
+          <p:cNvGraphicFramePr>
+            <a:graphicFrameLocks noChangeAspect="1"/>
+          </p:cNvGraphicFramePr>
+          <p:nvPr>
+            <p:extLst>
+              <p:ext uri="{D42A27DB-BD31-4B8C-83A1-F6EECF244321}">
+                <p14:modId xmlns:p14="http://schemas.microsoft.com/office/powerpoint/2010/main" val="972367906"/>
+              </p:ext>
+            </p:extLst>
+          </p:nvPr>
+        </p:nvGraphicFramePr>
+        <p:xfrm>
+          <a:off x="7181778" y="1301078"/>
+          <a:ext cx="4294676" cy="3997203"/>
+        </p:xfrm>
+        <a:graphic>
+          <a:graphicData uri="http://schemas.openxmlformats.org/presentationml/2006/ole">
+            <mc:AlternateContent xmlns:mc="http://schemas.openxmlformats.org/markup-compatibility/2006">
+              <mc:Choice xmlns:v="urn:schemas-microsoft-com:vml" Requires="v">
+                <p:oleObj spid="_x0000_s6151" name="Image" r:id="rId4" imgW="5294880" imgH="4926960" progId="Photoshop.Image.13">
+                  <p:embed/>
+                </p:oleObj>
+              </mc:Choice>
+              <mc:Fallback>
+                <p:oleObj name="Image" r:id="rId4" imgW="5294880" imgH="4926960" progId="Photoshop.Image.13">
+                  <p:embed/>
+                  <p:pic>
+                    <p:nvPicPr>
+                      <p:cNvPr id="0" name=""/>
+                      <p:cNvPicPr/>
+                      <p:nvPr/>
+                    </p:nvPicPr>
+                    <p:blipFill>
+                      <a:blip r:embed="rId5"/>
+                      <a:stretch>
+                        <a:fillRect/>
+                      </a:stretch>
+                    </p:blipFill>
+                    <p:spPr>
+                      <a:xfrm>
+                        <a:off x="7181778" y="1301078"/>
+                        <a:ext cx="4294676" cy="3997203"/>
+                      </a:xfrm>
+                      <a:prstGeom prst="rect">
+                        <a:avLst/>
+                      </a:prstGeom>
+                    </p:spPr>
+                  </p:pic>
+                </p:oleObj>
+              </mc:Fallback>
+            </mc:AlternateContent>
+          </a:graphicData>
+        </a:graphic>
+      </p:graphicFrame>
     </p:spTree>
     <p:extLst>
       <p:ext uri="{BB962C8B-B14F-4D97-AF65-F5344CB8AC3E}">
@@ -12968,7 +13208,7 @@
           <p:nvPr/>
         </p:nvPicPr>
         <p:blipFill rotWithShape="1">
-          <a:blip r:embed="rId3">
+          <a:blip r:embed="rId4">
             <a:extLst>
               <a:ext uri="{28A0092B-C50C-407E-A947-70E740481C1C}">
                 <a14:useLocalDpi xmlns:a14="http://schemas.microsoft.com/office/drawing/2010/main" val="0"/>
@@ -12982,41 +13222,6 @@
           <a:xfrm>
             <a:off x="879231" y="2257425"/>
             <a:ext cx="2897037" cy="2952750"/>
-          </a:xfrm>
-          <a:prstGeom prst="rect">
-            <a:avLst/>
-          </a:prstGeom>
-        </p:spPr>
-      </p:pic>
-      <p:pic>
-        <p:nvPicPr>
-          <p:cNvPr id="11" name="Picture 10">
-            <a:extLst>
-              <a:ext uri="{FF2B5EF4-FFF2-40B4-BE49-F238E27FC236}">
-                <a16:creationId xmlns:a16="http://schemas.microsoft.com/office/drawing/2014/main" id="{797E735B-0619-40D6-BEDA-A18C9F3F3962}"/>
-              </a:ext>
-            </a:extLst>
-          </p:cNvPr>
-          <p:cNvPicPr>
-            <a:picLocks noChangeAspect="1"/>
-          </p:cNvPicPr>
-          <p:nvPr/>
-        </p:nvPicPr>
-        <p:blipFill rotWithShape="1">
-          <a:blip r:embed="rId4">
-            <a:extLst>
-              <a:ext uri="{28A0092B-C50C-407E-A947-70E740481C1C}">
-                <a14:useLocalDpi xmlns:a14="http://schemas.microsoft.com/office/drawing/2010/main" val="0"/>
-              </a:ext>
-            </a:extLst>
-          </a:blip>
-          <a:srcRect l="18730" t="22748" r="38249" b="43234"/>
-          <a:stretch/>
-        </p:blipFill>
-        <p:spPr>
-          <a:xfrm>
-            <a:off x="8381283" y="2257425"/>
-            <a:ext cx="3523724" cy="2952750"/>
           </a:xfrm>
           <a:prstGeom prst="rect">
             <a:avLst/>
@@ -13058,6 +13263,69 @@
           </a:prstGeom>
         </p:spPr>
       </p:pic>
+      <p:graphicFrame>
+        <p:nvGraphicFramePr>
+          <p:cNvPr id="4" name="Object 3">
+            <a:extLst>
+              <a:ext uri="{FF2B5EF4-FFF2-40B4-BE49-F238E27FC236}">
+                <a16:creationId xmlns:a16="http://schemas.microsoft.com/office/drawing/2014/main" id="{4D6653B7-6288-4E88-9C91-22B37B7DD03F}"/>
+              </a:ext>
+            </a:extLst>
+          </p:cNvPr>
+          <p:cNvGraphicFramePr>
+            <a:graphicFrameLocks noChangeAspect="1"/>
+          </p:cNvGraphicFramePr>
+          <p:nvPr>
+            <p:extLst>
+              <p:ext uri="{D42A27DB-BD31-4B8C-83A1-F6EECF244321}">
+                <p14:modId xmlns:p14="http://schemas.microsoft.com/office/powerpoint/2010/main" val="1371424973"/>
+              </p:ext>
+            </p:extLst>
+          </p:nvPr>
+        </p:nvGraphicFramePr>
+        <p:xfrm>
+          <a:off x="8243854" y="2259271"/>
+          <a:ext cx="3522047" cy="2950904"/>
+        </p:xfrm>
+        <a:graphic>
+          <a:graphicData uri="http://schemas.openxmlformats.org/presentationml/2006/ole">
+            <mc:AlternateContent xmlns:mc="http://schemas.openxmlformats.org/markup-compatibility/2006">
+              <mc:Choice xmlns:v="urn:schemas-microsoft-com:vml" Requires="v">
+                <p:oleObj spid="_x0000_s7175" name="Image" r:id="rId6" imgW="4698360" imgH="3936240" progId="Photoshop.Image.13">
+                  <p:embed/>
+                </p:oleObj>
+              </mc:Choice>
+              <mc:Fallback>
+                <p:oleObj name="Image" r:id="rId6" imgW="4698360" imgH="3936240" progId="Photoshop.Image.13">
+                  <p:embed/>
+                  <p:pic>
+                    <p:nvPicPr>
+                      <p:cNvPr id="0" name=""/>
+                      <p:cNvPicPr/>
+                      <p:nvPr/>
+                    </p:nvPicPr>
+                    <p:blipFill>
+                      <a:blip r:embed="rId7"/>
+                      <a:stretch>
+                        <a:fillRect/>
+                      </a:stretch>
+                    </p:blipFill>
+                    <p:spPr>
+                      <a:xfrm>
+                        <a:off x="8243854" y="2259271"/>
+                        <a:ext cx="3522047" cy="2950904"/>
+                      </a:xfrm>
+                      <a:prstGeom prst="rect">
+                        <a:avLst/>
+                      </a:prstGeom>
+                    </p:spPr>
+                  </p:pic>
+                </p:oleObj>
+              </mc:Fallback>
+            </mc:AlternateContent>
+          </a:graphicData>
+        </a:graphic>
+      </p:graphicFrame>
     </p:spTree>
     <p:extLst>
       <p:ext uri="{BB962C8B-B14F-4D97-AF65-F5344CB8AC3E}">
@@ -15477,8 +15745,8 @@
         </p:nvSpPr>
         <p:spPr>
           <a:xfrm>
-            <a:off x="879231" y="1274885"/>
-            <a:ext cx="5502519" cy="4221040"/>
+            <a:off x="879231" y="2562434"/>
+            <a:ext cx="4942449" cy="1643399"/>
           </a:xfrm>
           <a:prstGeom prst="rect">
             <a:avLst/>
@@ -15497,16 +15765,14 @@
           <a:p>
             <a:r>
               <a:rPr lang="en-GB" dirty="0"/>
-              <a:t>Population data is considered when generating street maps. </a:t>
-            </a:r>
-          </a:p>
-          <a:p>
-            <a:pPr marL="0" indent="0">
-              <a:buNone/>
-            </a:pPr>
-            <a:r>
+              <a:t>Population data affects road density when generating a road network. </a:t>
+            </a:r>
+            <a:br>
               <a:rPr lang="en-GB" dirty="0"/>
-              <a:t>	(Sun, J. Yu, X. </a:t>
+            </a:br>
+            <a:r>
+              <a:rPr lang="en-GB" dirty="0"/>
+              <a:t>(Sun, J. Yu, X. </a:t>
             </a:r>
             <a:r>
               <a:rPr lang="en-GB" dirty="0" err="1"/>
@@ -15516,14 +15782,12 @@
               <a:rPr lang="en-GB" dirty="0"/>
               <a:t>, G. Green, M. 2002)</a:t>
             </a:r>
-          </a:p>
-          <a:p>
-            <a:pPr marL="0" indent="0">
-              <a:buNone/>
-            </a:pPr>
-            <a:r>
+            <a:br>
               <a:rPr lang="en-GB" dirty="0"/>
-              <a:t>	(Muller, P and Parish, Y, I, H. 2001).</a:t>
+            </a:br>
+            <a:r>
+              <a:rPr lang="en-GB" dirty="0"/>
+              <a:t>(Muller, P and Parish, Y, I, H. 2001).</a:t>
             </a:r>
           </a:p>
         </p:txBody>
@@ -15555,7 +15819,7 @@
         </p:blipFill>
         <p:spPr>
           <a:xfrm>
-            <a:off x="6920243" y="1277427"/>
+            <a:off x="6747523" y="1274884"/>
             <a:ext cx="4227196" cy="4218498"/>
           </a:xfrm>
           <a:prstGeom prst="rect">
@@ -16788,7 +17052,7 @@
             </a:r>
             <a:r>
               <a:rPr lang="en-GB" sz="1000" dirty="0">
-                <a:hlinkClick r:id="rId2"/>
+                <a:hlinkClick r:id="rId3"/>
               </a:rPr>
               <a:t>https://nccastaff.bournemouth.ac.uk/jmacey/MastersProjects/MSc09/Ilangovan/Thesis_i7834000.pdf</a:t>
             </a:r>
@@ -16971,41 +17235,69 @@
           </a:p>
         </p:txBody>
       </p:sp>
-      <p:pic>
-        <p:nvPicPr>
-          <p:cNvPr id="9" name="Picture 8">
+      <p:graphicFrame>
+        <p:nvGraphicFramePr>
+          <p:cNvPr id="3" name="Object 2">
             <a:extLst>
               <a:ext uri="{FF2B5EF4-FFF2-40B4-BE49-F238E27FC236}">
-                <a16:creationId xmlns:a16="http://schemas.microsoft.com/office/drawing/2014/main" id="{EC1FC889-DF9B-4E28-81FD-0AD5CEABC510}"/>
+                <a16:creationId xmlns:a16="http://schemas.microsoft.com/office/drawing/2014/main" id="{E31F08FA-A40C-4882-B7EB-4282241E16AE}"/>
               </a:ext>
             </a:extLst>
           </p:cNvPr>
-          <p:cNvPicPr>
-            <a:picLocks noChangeAspect="1"/>
-          </p:cNvPicPr>
-          <p:nvPr/>
-        </p:nvPicPr>
-        <p:blipFill rotWithShape="1">
-          <a:blip r:embed="rId3">
-            <a:extLst>
-              <a:ext uri="{28A0092B-C50C-407E-A947-70E740481C1C}">
-                <a14:useLocalDpi xmlns:a14="http://schemas.microsoft.com/office/drawing/2010/main" val="0"/>
-              </a:ext>
-            </a:extLst>
-          </a:blip>
-          <a:srcRect t="6022"/>
-          <a:stretch/>
-        </p:blipFill>
-        <p:spPr>
-          <a:xfrm>
-            <a:off x="7521891" y="1274885"/>
-            <a:ext cx="3614449" cy="3599813"/>
-          </a:xfrm>
-          <a:prstGeom prst="rect">
-            <a:avLst/>
-          </a:prstGeom>
-        </p:spPr>
-      </p:pic>
+          <p:cNvGraphicFramePr>
+            <a:graphicFrameLocks noChangeAspect="1"/>
+          </p:cNvGraphicFramePr>
+          <p:nvPr>
+            <p:extLst>
+              <p:ext uri="{D42A27DB-BD31-4B8C-83A1-F6EECF244321}">
+                <p14:modId xmlns:p14="http://schemas.microsoft.com/office/powerpoint/2010/main" val="1889273927"/>
+              </p:ext>
+            </p:extLst>
+          </p:nvPr>
+        </p:nvGraphicFramePr>
+        <p:xfrm>
+          <a:off x="7569405" y="1274885"/>
+          <a:ext cx="3513084" cy="3601915"/>
+        </p:xfrm>
+        <a:graphic>
+          <a:graphicData uri="http://schemas.openxmlformats.org/presentationml/2006/ole">
+            <mc:AlternateContent xmlns:mc="http://schemas.openxmlformats.org/markup-compatibility/2006">
+              <mc:Choice xmlns:v="urn:schemas-microsoft-com:vml" Requires="v">
+                <p:oleObj spid="_x0000_s8196" name="Image" r:id="rId4" imgW="4583880" imgH="4698360" progId="Photoshop.Image.13">
+                  <p:embed/>
+                </p:oleObj>
+              </mc:Choice>
+              <mc:Fallback>
+                <p:oleObj name="Image" r:id="rId4" imgW="4583880" imgH="4698360" progId="Photoshop.Image.13">
+                  <p:embed/>
+                  <p:pic>
+                    <p:nvPicPr>
+                      <p:cNvPr id="0" name=""/>
+                      <p:cNvPicPr/>
+                      <p:nvPr/>
+                    </p:nvPicPr>
+                    <p:blipFill>
+                      <a:blip r:embed="rId5"/>
+                      <a:stretch>
+                        <a:fillRect/>
+                      </a:stretch>
+                    </p:blipFill>
+                    <p:spPr>
+                      <a:xfrm>
+                        <a:off x="7569405" y="1274885"/>
+                        <a:ext cx="3513084" cy="3601915"/>
+                      </a:xfrm>
+                      <a:prstGeom prst="rect">
+                        <a:avLst/>
+                      </a:prstGeom>
+                    </p:spPr>
+                  </p:pic>
+                </p:oleObj>
+              </mc:Fallback>
+            </mc:AlternateContent>
+          </a:graphicData>
+        </a:graphic>
+      </p:graphicFrame>
     </p:spTree>
     <p:extLst>
       <p:ext uri="{BB962C8B-B14F-4D97-AF65-F5344CB8AC3E}">
